--- a/Assets/TransparencyConverter/Documentation~/TransparencyConverter.pptx
+++ b/Assets/TransparencyConverter/Documentation~/TransparencyConverter.pptx
@@ -248,7 +248,7 @@
           <a:p>
             <a:fld id="{F8DD28C1-F42F-4DF0-94C6-558A7FE09A60}" type="datetimeFigureOut">
               <a:rPr kumimoji="1" lang="ja-JP" altLang="en-US" smtClean="0"/>
-              <a:t>2022/4/24</a:t>
+              <a:t>2022/4/25</a:t>
             </a:fld>
             <a:endParaRPr kumimoji="1" lang="ja-JP" altLang="en-US"/>
           </a:p>
@@ -450,7 +450,7 @@
           <a:p>
             <a:fld id="{F8DD28C1-F42F-4DF0-94C6-558A7FE09A60}" type="datetimeFigureOut">
               <a:rPr kumimoji="1" lang="ja-JP" altLang="en-US" smtClean="0"/>
-              <a:t>2022/4/24</a:t>
+              <a:t>2022/4/25</a:t>
             </a:fld>
             <a:endParaRPr kumimoji="1" lang="ja-JP" altLang="en-US"/>
           </a:p>
@@ -662,7 +662,7 @@
           <a:p>
             <a:fld id="{F8DD28C1-F42F-4DF0-94C6-558A7FE09A60}" type="datetimeFigureOut">
               <a:rPr kumimoji="1" lang="ja-JP" altLang="en-US" smtClean="0"/>
-              <a:t>2022/4/24</a:t>
+              <a:t>2022/4/25</a:t>
             </a:fld>
             <a:endParaRPr kumimoji="1" lang="ja-JP" altLang="en-US"/>
           </a:p>
@@ -864,7 +864,7 @@
           <a:p>
             <a:fld id="{F8DD28C1-F42F-4DF0-94C6-558A7FE09A60}" type="datetimeFigureOut">
               <a:rPr kumimoji="1" lang="ja-JP" altLang="en-US" smtClean="0"/>
-              <a:t>2022/4/24</a:t>
+              <a:t>2022/4/25</a:t>
             </a:fld>
             <a:endParaRPr kumimoji="1" lang="ja-JP" altLang="en-US"/>
           </a:p>
@@ -1108,7 +1108,7 @@
           <a:p>
             <a:fld id="{F8DD28C1-F42F-4DF0-94C6-558A7FE09A60}" type="datetimeFigureOut">
               <a:rPr kumimoji="1" lang="ja-JP" altLang="en-US" smtClean="0"/>
-              <a:t>2022/4/24</a:t>
+              <a:t>2022/4/25</a:t>
             </a:fld>
             <a:endParaRPr kumimoji="1" lang="ja-JP" altLang="en-US"/>
           </a:p>
@@ -1404,7 +1404,7 @@
           <a:p>
             <a:fld id="{F8DD28C1-F42F-4DF0-94C6-558A7FE09A60}" type="datetimeFigureOut">
               <a:rPr kumimoji="1" lang="ja-JP" altLang="en-US" smtClean="0"/>
-              <a:t>2022/4/24</a:t>
+              <a:t>2022/4/25</a:t>
             </a:fld>
             <a:endParaRPr kumimoji="1" lang="ja-JP" altLang="en-US"/>
           </a:p>
@@ -1835,7 +1835,7 @@
           <a:p>
             <a:fld id="{F8DD28C1-F42F-4DF0-94C6-558A7FE09A60}" type="datetimeFigureOut">
               <a:rPr kumimoji="1" lang="ja-JP" altLang="en-US" smtClean="0"/>
-              <a:t>2022/4/24</a:t>
+              <a:t>2022/4/25</a:t>
             </a:fld>
             <a:endParaRPr kumimoji="1" lang="ja-JP" altLang="en-US"/>
           </a:p>
@@ -1953,7 +1953,7 @@
           <a:p>
             <a:fld id="{F8DD28C1-F42F-4DF0-94C6-558A7FE09A60}" type="datetimeFigureOut">
               <a:rPr kumimoji="1" lang="ja-JP" altLang="en-US" smtClean="0"/>
-              <a:t>2022/4/24</a:t>
+              <a:t>2022/4/25</a:t>
             </a:fld>
             <a:endParaRPr kumimoji="1" lang="ja-JP" altLang="en-US"/>
           </a:p>
@@ -2048,7 +2048,7 @@
           <a:p>
             <a:fld id="{F8DD28C1-F42F-4DF0-94C6-558A7FE09A60}" type="datetimeFigureOut">
               <a:rPr kumimoji="1" lang="ja-JP" altLang="en-US" smtClean="0"/>
-              <a:t>2022/4/24</a:t>
+              <a:t>2022/4/25</a:t>
             </a:fld>
             <a:endParaRPr kumimoji="1" lang="ja-JP" altLang="en-US"/>
           </a:p>
@@ -2357,7 +2357,7 @@
           <a:p>
             <a:fld id="{F8DD28C1-F42F-4DF0-94C6-558A7FE09A60}" type="datetimeFigureOut">
               <a:rPr kumimoji="1" lang="ja-JP" altLang="en-US" smtClean="0"/>
-              <a:t>2022/4/24</a:t>
+              <a:t>2022/4/25</a:t>
             </a:fld>
             <a:endParaRPr kumimoji="1" lang="ja-JP" altLang="en-US"/>
           </a:p>
@@ -2614,7 +2614,7 @@
           <a:p>
             <a:fld id="{F8DD28C1-F42F-4DF0-94C6-558A7FE09A60}" type="datetimeFigureOut">
               <a:rPr kumimoji="1" lang="ja-JP" altLang="en-US" smtClean="0"/>
-              <a:t>2022/4/24</a:t>
+              <a:t>2022/4/25</a:t>
             </a:fld>
             <a:endParaRPr kumimoji="1" lang="ja-JP" altLang="en-US"/>
           </a:p>
@@ -2859,7 +2859,7 @@
           <a:p>
             <a:fld id="{F8DD28C1-F42F-4DF0-94C6-558A7FE09A60}" type="datetimeFigureOut">
               <a:rPr kumimoji="1" lang="ja-JP" altLang="en-US" smtClean="0"/>
-              <a:t>2022/4/24</a:t>
+              <a:t>2022/4/25</a:t>
             </a:fld>
             <a:endParaRPr kumimoji="1" lang="ja-JP" altLang="en-US"/>
           </a:p>
@@ -3342,14 +3342,7 @@
                 <a:latin typeface="+mn-ea"/>
                 <a:hlinkClick r:id="rId2"/>
               </a:rPr>
-              <a:t>h</a:t>
-            </a:r>
-            <a:r>
-              <a:rPr kumimoji="1" lang="en-US" altLang="ja-JP" sz="2800" dirty="0">
-                <a:latin typeface="+mn-ea"/>
-                <a:hlinkClick r:id="rId2"/>
-              </a:rPr>
-              <a:t>ttps://github.com/sotanmochi/TransparencyConverter</a:t>
+              <a:t>https://github.com/sotanmochi/TransparencyConverter</a:t>
             </a:r>
             <a:endParaRPr lang="en-US" altLang="ja-JP" sz="2800" dirty="0">
               <a:latin typeface="+mn-ea"/>
@@ -4180,8 +4173,8 @@
           <a:chExt cx="0" cy="0"/>
         </a:xfrm>
       </p:grpSpPr>
-      <mc:AlternateContent xmlns:mc="http://schemas.openxmlformats.org/markup-compatibility/2006">
-        <mc:Choice xmlns:a14="http://schemas.microsoft.com/office/drawing/2010/main" Requires="a14">
+      <mc:AlternateContent xmlns:mc="http://schemas.openxmlformats.org/markup-compatibility/2006" xmlns:a14="http://schemas.microsoft.com/office/drawing/2010/main">
+        <mc:Choice Requires="a14">
           <p:sp>
             <p:nvSpPr>
               <p:cNvPr id="2" name="テキスト ボックス 1">
@@ -4374,7 +4367,7 @@
             </p:txBody>
           </p:sp>
         </mc:Choice>
-        <mc:Fallback>
+        <mc:Fallback xmlns="">
           <p:sp>
             <p:nvSpPr>
               <p:cNvPr id="2" name="テキスト ボックス 1">
@@ -4419,8 +4412,8 @@
           </p:sp>
         </mc:Fallback>
       </mc:AlternateContent>
-      <mc:AlternateContent xmlns:mc="http://schemas.openxmlformats.org/markup-compatibility/2006">
-        <mc:Choice xmlns:a14="http://schemas.microsoft.com/office/drawing/2010/main" Requires="a14">
+      <mc:AlternateContent xmlns:mc="http://schemas.openxmlformats.org/markup-compatibility/2006" xmlns:a14="http://schemas.microsoft.com/office/drawing/2010/main">
+        <mc:Choice Requires="a14">
           <p:sp>
             <p:nvSpPr>
               <p:cNvPr id="4" name="テキスト ボックス 3">
@@ -4613,7 +4606,7 @@
             </p:txBody>
           </p:sp>
         </mc:Choice>
-        <mc:Fallback>
+        <mc:Fallback xmlns="">
           <p:sp>
             <p:nvSpPr>
               <p:cNvPr id="4" name="テキスト ボックス 3">
@@ -4658,8 +4651,8 @@
           </p:sp>
         </mc:Fallback>
       </mc:AlternateContent>
-      <mc:AlternateContent xmlns:mc="http://schemas.openxmlformats.org/markup-compatibility/2006">
-        <mc:Choice xmlns:a14="http://schemas.microsoft.com/office/drawing/2010/main" Requires="a14">
+      <mc:AlternateContent xmlns:mc="http://schemas.openxmlformats.org/markup-compatibility/2006" xmlns:a14="http://schemas.microsoft.com/office/drawing/2010/main">
+        <mc:Choice Requires="a14">
           <p:sp>
             <p:nvSpPr>
               <p:cNvPr id="5" name="テキスト ボックス 4">
@@ -4777,7 +4770,7 @@
             </p:txBody>
           </p:sp>
         </mc:Choice>
-        <mc:Fallback>
+        <mc:Fallback xmlns="">
           <p:sp>
             <p:nvSpPr>
               <p:cNvPr id="5" name="テキスト ボックス 4">
@@ -4822,8 +4815,8 @@
           </p:sp>
         </mc:Fallback>
       </mc:AlternateContent>
-      <mc:AlternateContent xmlns:mc="http://schemas.openxmlformats.org/markup-compatibility/2006">
-        <mc:Choice xmlns:a14="http://schemas.microsoft.com/office/drawing/2010/main" Requires="a14">
+      <mc:AlternateContent xmlns:mc="http://schemas.openxmlformats.org/markup-compatibility/2006" xmlns:a14="http://schemas.microsoft.com/office/drawing/2010/main">
+        <mc:Choice Requires="a14">
           <p:sp>
             <p:nvSpPr>
               <p:cNvPr id="6" name="テキスト ボックス 5">
@@ -4908,7 +4901,7 @@
             </p:txBody>
           </p:sp>
         </mc:Choice>
-        <mc:Fallback>
+        <mc:Fallback xmlns="">
           <p:sp>
             <p:nvSpPr>
               <p:cNvPr id="6" name="テキスト ボックス 5">
@@ -4953,8 +4946,8 @@
           </p:sp>
         </mc:Fallback>
       </mc:AlternateContent>
-      <mc:AlternateContent xmlns:mc="http://schemas.openxmlformats.org/markup-compatibility/2006">
-        <mc:Choice xmlns:a14="http://schemas.microsoft.com/office/drawing/2010/main" Requires="a14">
+      <mc:AlternateContent xmlns:mc="http://schemas.openxmlformats.org/markup-compatibility/2006" xmlns:a14="http://schemas.microsoft.com/office/drawing/2010/main">
+        <mc:Choice Requires="a14">
           <p:sp>
             <p:nvSpPr>
               <p:cNvPr id="9" name="テキスト ボックス 8">
@@ -5165,7 +5158,7 @@
             </p:txBody>
           </p:sp>
         </mc:Choice>
-        <mc:Fallback>
+        <mc:Fallback xmlns="">
           <p:sp>
             <p:nvSpPr>
               <p:cNvPr id="9" name="テキスト ボックス 8">
@@ -5210,8 +5203,8 @@
           </p:sp>
         </mc:Fallback>
       </mc:AlternateContent>
-      <mc:AlternateContent xmlns:mc="http://schemas.openxmlformats.org/markup-compatibility/2006">
-        <mc:Choice xmlns:a14="http://schemas.microsoft.com/office/drawing/2010/main" Requires="a14">
+      <mc:AlternateContent xmlns:mc="http://schemas.openxmlformats.org/markup-compatibility/2006" xmlns:a14="http://schemas.microsoft.com/office/drawing/2010/main">
+        <mc:Choice Requires="a14">
           <p:sp>
             <p:nvSpPr>
               <p:cNvPr id="10" name="テキスト ボックス 9">
@@ -5438,7 +5431,7 @@
             </p:txBody>
           </p:sp>
         </mc:Choice>
-        <mc:Fallback>
+        <mc:Fallback xmlns="">
           <p:sp>
             <p:nvSpPr>
               <p:cNvPr id="10" name="テキスト ボックス 9">
@@ -5875,8 +5868,8 @@
           </a:p>
         </p:txBody>
       </p:sp>
-      <mc:AlternateContent xmlns:mc="http://schemas.openxmlformats.org/markup-compatibility/2006">
-        <mc:Choice xmlns:a14="http://schemas.microsoft.com/office/drawing/2010/main" Requires="a14">
+      <mc:AlternateContent xmlns:mc="http://schemas.openxmlformats.org/markup-compatibility/2006" xmlns:a14="http://schemas.microsoft.com/office/drawing/2010/main">
+        <mc:Choice Requires="a14">
           <p:sp>
             <p:nvSpPr>
               <p:cNvPr id="13" name="テキスト ボックス 12">
@@ -6154,7 +6147,7 @@
             </p:txBody>
           </p:sp>
         </mc:Choice>
-        <mc:Fallback>
+        <mc:Fallback xmlns="">
           <p:sp>
             <p:nvSpPr>
               <p:cNvPr id="13" name="テキスト ボックス 12">
@@ -6281,8 +6274,8 @@
           <a:chExt cx="0" cy="0"/>
         </a:xfrm>
       </p:grpSpPr>
-      <mc:AlternateContent xmlns:mc="http://schemas.openxmlformats.org/markup-compatibility/2006">
-        <mc:Choice xmlns:a14="http://schemas.microsoft.com/office/drawing/2010/main" Requires="a14">
+      <mc:AlternateContent xmlns:mc="http://schemas.openxmlformats.org/markup-compatibility/2006" xmlns:a14="http://schemas.microsoft.com/office/drawing/2010/main">
+        <mc:Choice Requires="a14">
           <p:sp>
             <p:nvSpPr>
               <p:cNvPr id="3" name="テキスト ボックス 2">
@@ -6382,7 +6375,7 @@
             </p:txBody>
           </p:sp>
         </mc:Choice>
-        <mc:Fallback>
+        <mc:Fallback xmlns="">
           <p:sp>
             <p:nvSpPr>
               <p:cNvPr id="3" name="テキスト ボックス 2">
@@ -6427,8 +6420,8 @@
           </p:sp>
         </mc:Fallback>
       </mc:AlternateContent>
-      <mc:AlternateContent xmlns:mc="http://schemas.openxmlformats.org/markup-compatibility/2006">
-        <mc:Choice xmlns:a14="http://schemas.microsoft.com/office/drawing/2010/main" Requires="a14">
+      <mc:AlternateContent xmlns:mc="http://schemas.openxmlformats.org/markup-compatibility/2006" xmlns:a14="http://schemas.microsoft.com/office/drawing/2010/main">
+        <mc:Choice Requires="a14">
           <p:sp>
             <p:nvSpPr>
               <p:cNvPr id="5" name="テキスト ボックス 4">
@@ -6760,7 +6753,7 @@
             </p:txBody>
           </p:sp>
         </mc:Choice>
-        <mc:Fallback>
+        <mc:Fallback xmlns="">
           <p:sp>
             <p:nvSpPr>
               <p:cNvPr id="5" name="テキスト ボックス 4">
@@ -6844,8 +6837,8 @@
           </a:p>
         </p:txBody>
       </p:sp>
-      <mc:AlternateContent xmlns:mc="http://schemas.openxmlformats.org/markup-compatibility/2006">
-        <mc:Choice xmlns:a14="http://schemas.microsoft.com/office/drawing/2010/main" Requires="a14">
+      <mc:AlternateContent xmlns:mc="http://schemas.openxmlformats.org/markup-compatibility/2006" xmlns:a14="http://schemas.microsoft.com/office/drawing/2010/main">
+        <mc:Choice Requires="a14">
           <p:sp>
             <p:nvSpPr>
               <p:cNvPr id="9" name="テキスト ボックス 8">
@@ -6987,7 +6980,7 @@
             </p:txBody>
           </p:sp>
         </mc:Choice>
-        <mc:Fallback>
+        <mc:Fallback xmlns="">
           <p:sp>
             <p:nvSpPr>
               <p:cNvPr id="9" name="テキスト ボックス 8">
@@ -7072,8 +7065,8 @@
           </a:p>
         </p:txBody>
       </p:sp>
-      <mc:AlternateContent xmlns:mc="http://schemas.openxmlformats.org/markup-compatibility/2006">
-        <mc:Choice xmlns:a14="http://schemas.microsoft.com/office/drawing/2010/main" Requires="a14">
+      <mc:AlternateContent xmlns:mc="http://schemas.openxmlformats.org/markup-compatibility/2006" xmlns:a14="http://schemas.microsoft.com/office/drawing/2010/main">
+        <mc:Choice Requires="a14">
           <p:sp>
             <p:nvSpPr>
               <p:cNvPr id="13" name="テキスト ボックス 12">
@@ -7300,7 +7293,7 @@
             </p:txBody>
           </p:sp>
         </mc:Choice>
-        <mc:Fallback>
+        <mc:Fallback xmlns="">
           <p:sp>
             <p:nvSpPr>
               <p:cNvPr id="13" name="テキスト ボックス 12">
@@ -7348,8 +7341,8 @@
           </p:sp>
         </mc:Fallback>
       </mc:AlternateContent>
-      <mc:AlternateContent xmlns:mc="http://schemas.openxmlformats.org/markup-compatibility/2006">
-        <mc:Choice xmlns:a14="http://schemas.microsoft.com/office/drawing/2010/main" Requires="a14">
+      <mc:AlternateContent xmlns:mc="http://schemas.openxmlformats.org/markup-compatibility/2006" xmlns:a14="http://schemas.microsoft.com/office/drawing/2010/main">
+        <mc:Choice Requires="a14">
           <p:sp>
             <p:nvSpPr>
               <p:cNvPr id="14" name="テキスト ボックス 13">
@@ -7627,7 +7620,7 @@
             </p:txBody>
           </p:sp>
         </mc:Choice>
-        <mc:Fallback>
+        <mc:Fallback xmlns="">
           <p:sp>
             <p:nvSpPr>
               <p:cNvPr id="14" name="テキスト ボックス 13">
@@ -7672,8 +7665,8 @@
           </p:sp>
         </mc:Fallback>
       </mc:AlternateContent>
-      <mc:AlternateContent xmlns:mc="http://schemas.openxmlformats.org/markup-compatibility/2006">
-        <mc:Choice xmlns:a14="http://schemas.microsoft.com/office/drawing/2010/main" Requires="a14">
+      <mc:AlternateContent xmlns:mc="http://schemas.openxmlformats.org/markup-compatibility/2006" xmlns:a14="http://schemas.microsoft.com/office/drawing/2010/main">
+        <mc:Choice Requires="a14">
           <p:sp>
             <p:nvSpPr>
               <p:cNvPr id="15" name="テキスト ボックス 14">
@@ -7785,7 +7778,7 @@
             </p:txBody>
           </p:sp>
         </mc:Choice>
-        <mc:Fallback>
+        <mc:Fallback xmlns="">
           <p:sp>
             <p:nvSpPr>
               <p:cNvPr id="15" name="テキスト ボックス 14">
@@ -7830,8 +7823,8 @@
           </p:sp>
         </mc:Fallback>
       </mc:AlternateContent>
-      <mc:AlternateContent xmlns:mc="http://schemas.openxmlformats.org/markup-compatibility/2006">
-        <mc:Choice xmlns:a14="http://schemas.microsoft.com/office/drawing/2010/main" Requires="a14">
+      <mc:AlternateContent xmlns:mc="http://schemas.openxmlformats.org/markup-compatibility/2006" xmlns:a14="http://schemas.microsoft.com/office/drawing/2010/main">
+        <mc:Choice Requires="a14">
           <p:sp>
             <p:nvSpPr>
               <p:cNvPr id="16" name="テキスト ボックス 15">
@@ -7964,7 +7957,7 @@
             </p:txBody>
           </p:sp>
         </mc:Choice>
-        <mc:Fallback>
+        <mc:Fallback xmlns="">
           <p:sp>
             <p:nvSpPr>
               <p:cNvPr id="16" name="テキスト ボックス 15">
@@ -8009,8 +8002,8 @@
           </p:sp>
         </mc:Fallback>
       </mc:AlternateContent>
-      <mc:AlternateContent xmlns:mc="http://schemas.openxmlformats.org/markup-compatibility/2006">
-        <mc:Choice xmlns:a14="http://schemas.microsoft.com/office/drawing/2010/main" Requires="a14">
+      <mc:AlternateContent xmlns:mc="http://schemas.openxmlformats.org/markup-compatibility/2006" xmlns:a14="http://schemas.microsoft.com/office/drawing/2010/main">
+        <mc:Choice Requires="a14">
           <p:sp>
             <p:nvSpPr>
               <p:cNvPr id="17" name="テキスト ボックス 16">
@@ -8118,7 +8111,7 @@
             </p:txBody>
           </p:sp>
         </mc:Choice>
-        <mc:Fallback>
+        <mc:Fallback xmlns="">
           <p:sp>
             <p:nvSpPr>
               <p:cNvPr id="17" name="テキスト ボックス 16">
@@ -8163,8 +8156,8 @@
           </p:sp>
         </mc:Fallback>
       </mc:AlternateContent>
-      <mc:AlternateContent xmlns:mc="http://schemas.openxmlformats.org/markup-compatibility/2006">
-        <mc:Choice xmlns:a14="http://schemas.microsoft.com/office/drawing/2010/main" Requires="a14">
+      <mc:AlternateContent xmlns:mc="http://schemas.openxmlformats.org/markup-compatibility/2006" xmlns:a14="http://schemas.microsoft.com/office/drawing/2010/main">
+        <mc:Choice Requires="a14">
           <p:sp>
             <p:nvSpPr>
               <p:cNvPr id="18" name="テキスト ボックス 17">
@@ -8228,13 +8221,7 @@
                       <a:rPr kumimoji="1" lang="en-US" altLang="ja-JP" sz="1800" b="0" i="1" smtClean="0">
                         <a:latin typeface="Cambria Math" panose="02040503050406030204" pitchFamily="18" charset="0"/>
                       </a:rPr>
-                      <m:t>=</m:t>
-                    </m:r>
-                    <m:r>
-                      <a:rPr kumimoji="1" lang="en-US" altLang="ja-JP" sz="1800" b="0" i="1" smtClean="0">
-                        <a:latin typeface="Cambria Math" panose="02040503050406030204" pitchFamily="18" charset="0"/>
-                      </a:rPr>
-                      <m:t>1</m:t>
+                      <m:t>=1</m:t>
                     </m:r>
                   </m:oMath>
                 </a14:m>
@@ -8303,7 +8290,7 @@
             </p:txBody>
           </p:sp>
         </mc:Choice>
-        <mc:Fallback>
+        <mc:Fallback xmlns="">
           <p:sp>
             <p:nvSpPr>
               <p:cNvPr id="18" name="テキスト ボックス 17">
@@ -8378,8 +8365,8 @@
           <a:chExt cx="0" cy="0"/>
         </a:xfrm>
       </p:grpSpPr>
-      <mc:AlternateContent xmlns:mc="http://schemas.openxmlformats.org/markup-compatibility/2006">
-        <mc:Choice xmlns:a14="http://schemas.microsoft.com/office/drawing/2010/main" Requires="a14">
+      <mc:AlternateContent xmlns:mc="http://schemas.openxmlformats.org/markup-compatibility/2006" xmlns:a14="http://schemas.microsoft.com/office/drawing/2010/main">
+        <mc:Choice Requires="a14">
           <p:sp>
             <p:nvSpPr>
               <p:cNvPr id="3" name="テキスト ボックス 2">
@@ -8458,7 +8445,7 @@
             </p:txBody>
           </p:sp>
         </mc:Choice>
-        <mc:Fallback>
+        <mc:Fallback xmlns="">
           <p:sp>
             <p:nvSpPr>
               <p:cNvPr id="3" name="テキスト ボックス 2">
@@ -8519,8 +8506,8 @@
             </p:nvSpPr>
             <p:spPr>
               <a:xfrm>
-                <a:off x="2344029" y="3692699"/>
-                <a:ext cx="6166432" cy="1683923"/>
+                <a:off x="2801228" y="3841636"/>
+                <a:ext cx="6166432" cy="1403333"/>
               </a:xfrm>
               <a:prstGeom prst="rect">
                 <a:avLst/>
@@ -8541,25 +8528,25 @@
                     </m:oMathParaPr>
                     <m:oMath xmlns:m="http://schemas.openxmlformats.org/officeDocument/2006/math">
                       <m:r>
-                        <a:rPr kumimoji="1" lang="en-US" altLang="ja-JP" sz="2400" b="0" i="1" smtClean="0">
+                        <a:rPr kumimoji="1" lang="en-US" altLang="ja-JP" sz="2000" b="0" i="1" smtClean="0">
                           <a:latin typeface="Cambria Math" panose="02040503050406030204" pitchFamily="18" charset="0"/>
                         </a:rPr>
                         <m:t>𝑔</m:t>
                       </m:r>
                       <m:r>
-                        <a:rPr kumimoji="1" lang="en-US" altLang="ja-JP" sz="2400" b="0" i="1" smtClean="0">
+                        <a:rPr kumimoji="1" lang="en-US" altLang="ja-JP" sz="2000" b="0" i="1" smtClean="0">
                           <a:latin typeface="Cambria Math" panose="02040503050406030204" pitchFamily="18" charset="0"/>
                         </a:rPr>
                         <m:t>(</m:t>
                       </m:r>
                       <m:r>
-                        <a:rPr kumimoji="1" lang="en-US" altLang="ja-JP" sz="2400" b="0" i="1" smtClean="0">
+                        <a:rPr kumimoji="1" lang="en-US" altLang="ja-JP" sz="2000" b="0" i="1" smtClean="0">
                           <a:latin typeface="Cambria Math" panose="02040503050406030204" pitchFamily="18" charset="0"/>
                         </a:rPr>
                         <m:t>𝑥</m:t>
                       </m:r>
                       <m:r>
-                        <a:rPr kumimoji="1" lang="en-US" altLang="ja-JP" sz="2400" b="0" i="1" smtClean="0">
+                        <a:rPr kumimoji="1" lang="en-US" altLang="ja-JP" sz="2000" b="0" i="1" smtClean="0">
                           <a:latin typeface="Cambria Math" panose="02040503050406030204" pitchFamily="18" charset="0"/>
                         </a:rPr>
                         <m:t>)=</m:t>
@@ -8569,7 +8556,7 @@
                           <m:begChr m:val="{"/>
                           <m:endChr m:val=""/>
                           <m:ctrlPr>
-                            <a:rPr kumimoji="1" lang="en-US" altLang="ja-JP" sz="2400" b="0" i="1" smtClean="0">
+                            <a:rPr kumimoji="1" lang="en-US" altLang="ja-JP" sz="2000" b="0" i="1" smtClean="0">
                               <a:latin typeface="Cambria Math" panose="02040503050406030204" pitchFamily="18" charset="0"/>
                             </a:rPr>
                           </m:ctrlPr>
@@ -8578,7 +8565,7 @@
                           <m:eqArr>
                             <m:eqArrPr>
                               <m:ctrlPr>
-                                <a:rPr kumimoji="1" lang="en-US" altLang="ja-JP" sz="2400" b="0" i="1" smtClean="0">
+                                <a:rPr kumimoji="1" lang="en-US" altLang="ja-JP" sz="2000" b="0" i="1" smtClean="0">
                                   <a:latin typeface="Cambria Math" panose="02040503050406030204" pitchFamily="18" charset="0"/>
                                 </a:rPr>
                               </m:ctrlPr>
@@ -8587,14 +8574,14 @@
                               <m:f>
                                 <m:fPr>
                                   <m:ctrlPr>
-                                    <a:rPr kumimoji="1" lang="en-US" altLang="ja-JP" sz="2400" b="0" i="1" smtClean="0">
+                                    <a:rPr kumimoji="1" lang="en-US" altLang="ja-JP" sz="2000" b="0" i="1" smtClean="0">
                                       <a:latin typeface="Cambria Math" panose="02040503050406030204" pitchFamily="18" charset="0"/>
                                     </a:rPr>
                                   </m:ctrlPr>
                                 </m:fPr>
                                 <m:num>
                                   <m:r>
-                                    <a:rPr kumimoji="1" lang="en-US" altLang="ja-JP" sz="2400" b="0" i="1" smtClean="0">
+                                    <a:rPr kumimoji="1" lang="en-US" altLang="ja-JP" sz="2000" b="0" i="1" smtClean="0">
                                       <a:latin typeface="Cambria Math" panose="02040503050406030204" pitchFamily="18" charset="0"/>
                                     </a:rPr>
                                     <m:t>𝑥</m:t>
@@ -8602,7 +8589,7 @@
                                 </m:num>
                                 <m:den>
                                   <m:r>
-                                    <a:rPr kumimoji="1" lang="en-US" altLang="ja-JP" sz="2400" b="0" i="1" smtClean="0">
+                                    <a:rPr kumimoji="1" lang="en-US" altLang="ja-JP" sz="2000" b="0" i="1" smtClean="0">
                                       <a:latin typeface="Cambria Math" panose="02040503050406030204" pitchFamily="18" charset="0"/>
                                     </a:rPr>
                                     <m:t>12.92</m:t>
@@ -8610,19 +8597,19 @@
                                 </m:den>
                               </m:f>
                               <m:r>
-                                <a:rPr kumimoji="1" lang="en-US" altLang="ja-JP" sz="2400" b="0" i="1" smtClean="0">
+                                <a:rPr kumimoji="1" lang="en-US" altLang="ja-JP" sz="2000" b="0" i="1" smtClean="0">
                                   <a:latin typeface="Cambria Math" panose="02040503050406030204" pitchFamily="18" charset="0"/>
                                 </a:rPr>
                                 <m:t>,                    </m:t>
                               </m:r>
                               <m:r>
-                                <a:rPr kumimoji="1" lang="en-US" altLang="ja-JP" sz="2400" b="0" i="1" smtClean="0">
+                                <a:rPr kumimoji="1" lang="en-US" altLang="ja-JP" sz="2000" b="0" i="1" smtClean="0">
                                   <a:latin typeface="Cambria Math" panose="02040503050406030204" pitchFamily="18" charset="0"/>
                                 </a:rPr>
                                 <m:t>𝑥</m:t>
                               </m:r>
                               <m:r>
-                                <a:rPr kumimoji="1" lang="en-US" altLang="ja-JP" sz="2400" b="0" i="1" smtClean="0">
+                                <a:rPr kumimoji="1" lang="en-US" altLang="ja-JP" sz="2000" b="0" i="1" smtClean="0">
                                   <a:latin typeface="Cambria Math" panose="02040503050406030204" pitchFamily="18" charset="0"/>
                                 </a:rPr>
                                 <m:t>≤0.04050</m:t>
@@ -8632,7 +8619,7 @@
                               <m:sSup>
                                 <m:sSupPr>
                                   <m:ctrlPr>
-                                    <a:rPr kumimoji="1" lang="en-US" altLang="ja-JP" sz="2400" b="0" i="1" smtClean="0">
+                                    <a:rPr kumimoji="1" lang="en-US" altLang="ja-JP" sz="2000" b="0" i="1" smtClean="0">
                                       <a:latin typeface="Cambria Math" panose="02040503050406030204" pitchFamily="18" charset="0"/>
                                     </a:rPr>
                                   </m:ctrlPr>
@@ -8641,7 +8628,7 @@
                                   <m:d>
                                     <m:dPr>
                                       <m:ctrlPr>
-                                        <a:rPr kumimoji="1" lang="en-US" altLang="ja-JP" sz="2400" b="0" i="1" smtClean="0">
+                                        <a:rPr kumimoji="1" lang="en-US" altLang="ja-JP" sz="2000" b="0" i="1" smtClean="0">
                                           <a:latin typeface="Cambria Math" panose="02040503050406030204" pitchFamily="18" charset="0"/>
                                         </a:rPr>
                                       </m:ctrlPr>
@@ -8650,20 +8637,20 @@
                                       <m:f>
                                         <m:fPr>
                                           <m:ctrlPr>
-                                            <a:rPr kumimoji="1" lang="en-US" altLang="ja-JP" sz="2400" b="0" i="1" smtClean="0">
+                                            <a:rPr kumimoji="1" lang="en-US" altLang="ja-JP" sz="2000" b="0" i="1" smtClean="0">
                                               <a:latin typeface="Cambria Math" panose="02040503050406030204" pitchFamily="18" charset="0"/>
                                             </a:rPr>
                                           </m:ctrlPr>
                                         </m:fPr>
                                         <m:num>
                                           <m:r>
-                                            <a:rPr kumimoji="1" lang="en-US" altLang="ja-JP" sz="2400" b="0" i="1" smtClean="0">
+                                            <a:rPr kumimoji="1" lang="en-US" altLang="ja-JP" sz="2000" b="0" i="1" smtClean="0">
                                               <a:latin typeface="Cambria Math" panose="02040503050406030204" pitchFamily="18" charset="0"/>
                                             </a:rPr>
                                             <m:t>𝑥</m:t>
                                           </m:r>
                                           <m:r>
-                                            <a:rPr kumimoji="1" lang="en-US" altLang="ja-JP" sz="2400" b="0" i="1" smtClean="0">
+                                            <a:rPr kumimoji="1" lang="en-US" altLang="ja-JP" sz="2000" b="0" i="1" smtClean="0">
                                               <a:latin typeface="Cambria Math" panose="02040503050406030204" pitchFamily="18" charset="0"/>
                                             </a:rPr>
                                             <m:t>+0.055</m:t>
@@ -8671,7 +8658,7 @@
                                         </m:num>
                                         <m:den>
                                           <m:r>
-                                            <a:rPr kumimoji="1" lang="en-US" altLang="ja-JP" sz="2400" b="0" i="1" smtClean="0">
+                                            <a:rPr kumimoji="1" lang="en-US" altLang="ja-JP" sz="2000" b="0" i="1" smtClean="0">
                                               <a:latin typeface="Cambria Math" panose="02040503050406030204" pitchFamily="18" charset="0"/>
                                             </a:rPr>
                                             <m:t>1.055</m:t>
@@ -8683,7 +8670,7 @@
                                 </m:e>
                                 <m:sup>
                                   <m:r>
-                                    <a:rPr kumimoji="1" lang="en-US" altLang="ja-JP" sz="2400" b="0" i="1" smtClean="0">
+                                    <a:rPr kumimoji="1" lang="en-US" altLang="ja-JP" sz="2000" b="0" i="1" smtClean="0">
                                       <a:latin typeface="Cambria Math" panose="02040503050406030204" pitchFamily="18" charset="0"/>
                                     </a:rPr>
                                     <m:t>2.4</m:t>
@@ -8691,19 +8678,19 @@
                                 </m:sup>
                               </m:sSup>
                               <m:r>
-                                <a:rPr kumimoji="1" lang="en-US" altLang="ja-JP" sz="2400" b="0" i="1" smtClean="0">
+                                <a:rPr kumimoji="1" lang="en-US" altLang="ja-JP" sz="2000" b="0" i="1" smtClean="0">
                                   <a:latin typeface="Cambria Math" panose="02040503050406030204" pitchFamily="18" charset="0"/>
                                 </a:rPr>
                                 <m:t>,  </m:t>
                               </m:r>
                               <m:r>
-                                <a:rPr kumimoji="1" lang="en-US" altLang="ja-JP" sz="2400" b="0" i="1" smtClean="0">
+                                <a:rPr kumimoji="1" lang="en-US" altLang="ja-JP" sz="2000" b="0" i="1" smtClean="0">
                                   <a:latin typeface="Cambria Math" panose="02040503050406030204" pitchFamily="18" charset="0"/>
                                 </a:rPr>
                                 <m:t>𝑥</m:t>
                               </m:r>
                               <m:r>
-                                <a:rPr kumimoji="1" lang="en-US" altLang="ja-JP" sz="2400" b="0" i="1" smtClean="0">
+                                <a:rPr kumimoji="1" lang="en-US" altLang="ja-JP" sz="2000" b="0" i="1" smtClean="0">
                                   <a:latin typeface="Cambria Math" panose="02040503050406030204" pitchFamily="18" charset="0"/>
                                 </a:rPr>
                                 <m:t>&gt;0.04050</m:t>
@@ -8715,7 +8702,7 @@
                     </m:oMath>
                   </m:oMathPara>
                 </a14:m>
-                <a:endParaRPr kumimoji="1" lang="ja-JP" altLang="en-US" sz="2400" dirty="0"/>
+                <a:endParaRPr kumimoji="1" lang="ja-JP" altLang="en-US" sz="2000" dirty="0"/>
               </a:p>
             </p:txBody>
           </p:sp>
@@ -8737,8 +8724,8 @@
             </p:nvSpPr>
             <p:spPr>
               <a:xfrm>
-                <a:off x="2344029" y="3692699"/>
-                <a:ext cx="6166432" cy="1683923"/>
+                <a:off x="2801228" y="3841636"/>
+                <a:ext cx="6166432" cy="1403333"/>
               </a:xfrm>
               <a:prstGeom prst="rect">
                 <a:avLst/>
@@ -8749,543 +8736,6 @@
                   <a:fillRect/>
                 </a:stretch>
               </a:blipFill>
-            </p:spPr>
-            <p:txBody>
-              <a:bodyPr/>
-              <a:lstStyle/>
-              <a:p>
-                <a:r>
-                  <a:rPr lang="ja-JP" altLang="en-US">
-                    <a:noFill/>
-                  </a:rPr>
-                  <a:t> </a:t>
-                </a:r>
-              </a:p>
-            </p:txBody>
-          </p:sp>
-        </mc:Fallback>
-      </mc:AlternateContent>
-      <mc:AlternateContent xmlns:mc="http://schemas.openxmlformats.org/markup-compatibility/2006">
-        <mc:Choice xmlns:a14="http://schemas.microsoft.com/office/drawing/2010/main" Requires="a14">
-          <p:sp>
-            <p:nvSpPr>
-              <p:cNvPr id="10" name="テキスト ボックス 9">
-                <a:extLst>
-                  <a:ext uri="{FF2B5EF4-FFF2-40B4-BE49-F238E27FC236}">
-                    <a16:creationId xmlns:a16="http://schemas.microsoft.com/office/drawing/2014/main" id="{F51F2E46-56C5-46C2-BEA6-D82BBD56ADF1}"/>
-                  </a:ext>
-                </a:extLst>
-              </p:cNvPr>
-              <p:cNvSpPr txBox="1"/>
-              <p:nvPr/>
-            </p:nvSpPr>
-            <p:spPr>
-              <a:xfrm>
-                <a:off x="2155394" y="5975761"/>
-                <a:ext cx="9934304" cy="1765483"/>
-              </a:xfrm>
-              <a:prstGeom prst="rect">
-                <a:avLst/>
-              </a:prstGeom>
-              <a:noFill/>
-              <a:ln w="28575">
-                <a:noFill/>
-              </a:ln>
-            </p:spPr>
-            <p:txBody>
-              <a:bodyPr wrap="square" lIns="0" tIns="0" rIns="0" bIns="0" rtlCol="0">
-                <a:spAutoFit/>
-              </a:bodyPr>
-              <a:lstStyle/>
-              <a:p>
-                <a:pPr/>
-                <a14:m>
-                  <m:oMathPara xmlns:m="http://schemas.openxmlformats.org/officeDocument/2006/math">
-                    <m:oMathParaPr>
-                      <m:jc m:val="centerGroup"/>
-                    </m:oMathParaPr>
-                    <m:oMath xmlns:m="http://schemas.openxmlformats.org/officeDocument/2006/math">
-                      <m:sSub>
-                        <m:sSubPr>
-                          <m:ctrlPr>
-                            <a:rPr kumimoji="1" lang="en-US" altLang="ja-JP" sz="2400" b="0" i="1" smtClean="0">
-                              <a:latin typeface="Cambria Math" panose="02040503050406030204" pitchFamily="18" charset="0"/>
-                            </a:rPr>
-                          </m:ctrlPr>
-                        </m:sSubPr>
-                        <m:e>
-                          <m:r>
-                            <a:rPr kumimoji="1" lang="en-US" altLang="ja-JP" sz="2400" b="0" i="1" smtClean="0">
-                              <a:latin typeface="Cambria Math" panose="02040503050406030204" pitchFamily="18" charset="0"/>
-                            </a:rPr>
-                            <m:t>𝛼</m:t>
-                          </m:r>
-                        </m:e>
-                        <m:sub>
-                          <m:r>
-                            <a:rPr kumimoji="1" lang="en-US" altLang="ja-JP" sz="2400" b="0" i="1" smtClean="0">
-                              <a:latin typeface="Cambria Math" panose="02040503050406030204" pitchFamily="18" charset="0"/>
-                            </a:rPr>
-                            <m:t>𝑙𝑖𝑛𝑒𝑎𝑟</m:t>
-                          </m:r>
-                        </m:sub>
-                      </m:sSub>
-                      <m:r>
-                        <a:rPr kumimoji="1" lang="en-US" altLang="ja-JP" sz="2400" b="0" i="1" smtClean="0">
-                          <a:latin typeface="Cambria Math" panose="02040503050406030204" pitchFamily="18" charset="0"/>
-                        </a:rPr>
-                        <m:t>=</m:t>
-                      </m:r>
-                      <m:d>
-                        <m:dPr>
-                          <m:begChr m:val="{"/>
-                          <m:endChr m:val=""/>
-                          <m:ctrlPr>
-                            <a:rPr kumimoji="1" lang="en-US" altLang="ja-JP" sz="2400" b="0" i="1" smtClean="0">
-                              <a:latin typeface="Cambria Math" panose="02040503050406030204" pitchFamily="18" charset="0"/>
-                            </a:rPr>
-                          </m:ctrlPr>
-                        </m:dPr>
-                        <m:e>
-                          <m:eqArr>
-                            <m:eqArrPr>
-                              <m:ctrlPr>
-                                <a:rPr kumimoji="1" lang="en-US" altLang="ja-JP" sz="2400" b="0" i="1" smtClean="0">
-                                  <a:latin typeface="Cambria Math" panose="02040503050406030204" pitchFamily="18" charset="0"/>
-                                </a:rPr>
-                              </m:ctrlPr>
-                            </m:eqArrPr>
-                            <m:e>
-                              <m:f>
-                                <m:fPr>
-                                  <m:ctrlPr>
-                                    <a:rPr kumimoji="1" lang="en-US" altLang="ja-JP" sz="2400" b="0" i="1" smtClean="0">
-                                      <a:latin typeface="Cambria Math" panose="02040503050406030204" pitchFamily="18" charset="0"/>
-                                    </a:rPr>
-                                  </m:ctrlPr>
-                                </m:fPr>
-                                <m:num>
-                                  <m:sSub>
-                                    <m:sSubPr>
-                                      <m:ctrlPr>
-                                        <a:rPr kumimoji="1" lang="en-US" altLang="ja-JP" sz="2400" b="0" i="1" smtClean="0">
-                                          <a:latin typeface="Cambria Math" panose="02040503050406030204" pitchFamily="18" charset="0"/>
-                                        </a:rPr>
-                                      </m:ctrlPr>
-                                    </m:sSubPr>
-                                    <m:e>
-                                      <m:r>
-                                        <a:rPr kumimoji="1" lang="en-US" altLang="ja-JP" sz="2400" b="0" i="1" smtClean="0">
-                                          <a:latin typeface="Cambria Math" panose="02040503050406030204" pitchFamily="18" charset="0"/>
-                                        </a:rPr>
-                                        <m:t>𝐶</m:t>
-                                      </m:r>
-                                    </m:e>
-                                    <m:sub>
-                                      <m:r>
-                                        <a:rPr kumimoji="1" lang="en-US" altLang="ja-JP" sz="2400" b="0" i="1" smtClean="0">
-                                          <a:latin typeface="Cambria Math" panose="02040503050406030204" pitchFamily="18" charset="0"/>
-                                        </a:rPr>
-                                        <m:t>𝑓</m:t>
-                                      </m:r>
-                                    </m:sub>
-                                  </m:sSub>
-                                  <m:sSub>
-                                    <m:sSubPr>
-                                      <m:ctrlPr>
-                                        <a:rPr kumimoji="1" lang="en-US" altLang="ja-JP" sz="2400" b="0" i="1" smtClean="0">
-                                          <a:latin typeface="Cambria Math" panose="02040503050406030204" pitchFamily="18" charset="0"/>
-                                        </a:rPr>
-                                      </m:ctrlPr>
-                                    </m:sSubPr>
-                                    <m:e>
-                                      <m:r>
-                                        <a:rPr kumimoji="1" lang="en-US" altLang="ja-JP" sz="2400" b="0" i="1" smtClean="0">
-                                          <a:latin typeface="Cambria Math" panose="02040503050406030204" pitchFamily="18" charset="0"/>
-                                        </a:rPr>
-                                        <m:t>𝛼</m:t>
-                                      </m:r>
-                                    </m:e>
-                                    <m:sub>
-                                      <m:r>
-                                        <a:rPr kumimoji="1" lang="en-US" altLang="ja-JP" sz="2400" b="0" i="1" smtClean="0">
-                                          <a:latin typeface="Cambria Math" panose="02040503050406030204" pitchFamily="18" charset="0"/>
-                                        </a:rPr>
-                                        <m:t>𝑠𝑅𝐺𝐵</m:t>
-                                      </m:r>
-                                    </m:sub>
-                                  </m:sSub>
-                                  <m:r>
-                                    <a:rPr kumimoji="1" lang="en-US" altLang="ja-JP" sz="2400" b="0" i="1" smtClean="0">
-                                      <a:latin typeface="Cambria Math" panose="02040503050406030204" pitchFamily="18" charset="0"/>
-                                    </a:rPr>
-                                    <m:t>+</m:t>
-                                  </m:r>
-                                  <m:sSub>
-                                    <m:sSubPr>
-                                      <m:ctrlPr>
-                                        <a:rPr kumimoji="1" lang="en-US" altLang="ja-JP" sz="2400" b="0" i="1" smtClean="0">
-                                          <a:latin typeface="Cambria Math" panose="02040503050406030204" pitchFamily="18" charset="0"/>
-                                        </a:rPr>
-                                      </m:ctrlPr>
-                                    </m:sSubPr>
-                                    <m:e>
-                                      <m:r>
-                                        <a:rPr kumimoji="1" lang="en-US" altLang="ja-JP" sz="2400" b="0" i="1" smtClean="0">
-                                          <a:latin typeface="Cambria Math" panose="02040503050406030204" pitchFamily="18" charset="0"/>
-                                        </a:rPr>
-                                        <m:t>𝐶</m:t>
-                                      </m:r>
-                                    </m:e>
-                                    <m:sub>
-                                      <m:r>
-                                        <a:rPr kumimoji="1" lang="en-US" altLang="ja-JP" sz="2400" b="0" i="1" smtClean="0">
-                                          <a:latin typeface="Cambria Math" panose="02040503050406030204" pitchFamily="18" charset="0"/>
-                                        </a:rPr>
-                                        <m:t>𝑏</m:t>
-                                      </m:r>
-                                    </m:sub>
-                                  </m:sSub>
-                                  <m:r>
-                                    <a:rPr kumimoji="1" lang="en-US" altLang="ja-JP" sz="2400" b="0" i="1" smtClean="0">
-                                      <a:latin typeface="Cambria Math" panose="02040503050406030204" pitchFamily="18" charset="0"/>
-                                    </a:rPr>
-                                    <m:t>(1−</m:t>
-                                  </m:r>
-                                  <m:sSub>
-                                    <m:sSubPr>
-                                      <m:ctrlPr>
-                                        <a:rPr kumimoji="1" lang="en-US" altLang="ja-JP" sz="2400" b="0" i="1" smtClean="0">
-                                          <a:latin typeface="Cambria Math" panose="02040503050406030204" pitchFamily="18" charset="0"/>
-                                        </a:rPr>
-                                      </m:ctrlPr>
-                                    </m:sSubPr>
-                                    <m:e>
-                                      <m:r>
-                                        <a:rPr kumimoji="1" lang="en-US" altLang="ja-JP" sz="2400" b="0" i="1" smtClean="0">
-                                          <a:latin typeface="Cambria Math" panose="02040503050406030204" pitchFamily="18" charset="0"/>
-                                        </a:rPr>
-                                        <m:t>𝛼</m:t>
-                                      </m:r>
-                                    </m:e>
-                                    <m:sub>
-                                      <m:r>
-                                        <a:rPr kumimoji="1" lang="en-US" altLang="ja-JP" sz="2400" b="0" i="1" smtClean="0">
-                                          <a:latin typeface="Cambria Math" panose="02040503050406030204" pitchFamily="18" charset="0"/>
-                                        </a:rPr>
-                                        <m:t>𝑠𝑅𝐺𝐵</m:t>
-                                      </m:r>
-                                    </m:sub>
-                                  </m:sSub>
-                                  <m:r>
-                                    <a:rPr kumimoji="1" lang="en-US" altLang="ja-JP" sz="2400" b="0" i="1" smtClean="0">
-                                      <a:latin typeface="Cambria Math" panose="02040503050406030204" pitchFamily="18" charset="0"/>
-                                    </a:rPr>
-                                    <m:t>)</m:t>
-                                  </m:r>
-                                </m:num>
-                                <m:den>
-                                  <m:r>
-                                    <a:rPr kumimoji="1" lang="en-US" altLang="ja-JP" sz="2400" b="0" i="1" smtClean="0">
-                                      <a:latin typeface="Cambria Math" panose="02040503050406030204" pitchFamily="18" charset="0"/>
-                                    </a:rPr>
-                                    <m:t>12.92</m:t>
-                                  </m:r>
-                                </m:den>
-                              </m:f>
-                              <m:r>
-                                <a:rPr kumimoji="1" lang="en-US" altLang="ja-JP" sz="2400" b="0" i="1" smtClean="0">
-                                  <a:latin typeface="Cambria Math" panose="02040503050406030204" pitchFamily="18" charset="0"/>
-                                </a:rPr>
-                                <m:t>,                            </m:t>
-                              </m:r>
-                              <m:sSub>
-                                <m:sSubPr>
-                                  <m:ctrlPr>
-                                    <a:rPr kumimoji="1" lang="en-US" altLang="ja-JP" sz="2400" b="0" i="1" smtClean="0">
-                                      <a:latin typeface="Cambria Math" panose="02040503050406030204" pitchFamily="18" charset="0"/>
-                                    </a:rPr>
-                                  </m:ctrlPr>
-                                </m:sSubPr>
-                                <m:e>
-                                  <m:r>
-                                    <a:rPr kumimoji="1" lang="en-US" altLang="ja-JP" sz="2400" b="0" i="1" smtClean="0">
-                                      <a:latin typeface="Cambria Math" panose="02040503050406030204" pitchFamily="18" charset="0"/>
-                                    </a:rPr>
-                                    <m:t>𝐶</m:t>
-                                  </m:r>
-                                </m:e>
-                                <m:sub>
-                                  <m:r>
-                                    <a:rPr kumimoji="1" lang="en-US" altLang="ja-JP" sz="2400" b="0" i="1" smtClean="0">
-                                      <a:latin typeface="Cambria Math" panose="02040503050406030204" pitchFamily="18" charset="0"/>
-                                    </a:rPr>
-                                    <m:t>𝑠𝑅𝐺𝐵</m:t>
-                                  </m:r>
-                                </m:sub>
-                              </m:sSub>
-                              <m:r>
-                                <a:rPr kumimoji="1" lang="en-US" altLang="ja-JP" sz="2400" b="0" i="1" smtClean="0">
-                                  <a:latin typeface="Cambria Math" panose="02040503050406030204" pitchFamily="18" charset="0"/>
-                                </a:rPr>
-                                <m:t>≤0.04050</m:t>
-                              </m:r>
-                            </m:e>
-                            <m:e>
-                              <m:sSup>
-                                <m:sSupPr>
-                                  <m:ctrlPr>
-                                    <a:rPr kumimoji="1" lang="en-US" altLang="ja-JP" sz="2400" b="0" i="1" smtClean="0">
-                                      <a:latin typeface="Cambria Math" panose="02040503050406030204" pitchFamily="18" charset="0"/>
-                                    </a:rPr>
-                                  </m:ctrlPr>
-                                </m:sSupPr>
-                                <m:e>
-                                  <m:d>
-                                    <m:dPr>
-                                      <m:ctrlPr>
-                                        <a:rPr kumimoji="1" lang="en-US" altLang="ja-JP" sz="2400" b="0" i="1" smtClean="0">
-                                          <a:latin typeface="Cambria Math" panose="02040503050406030204" pitchFamily="18" charset="0"/>
-                                        </a:rPr>
-                                      </m:ctrlPr>
-                                    </m:dPr>
-                                    <m:e>
-                                      <m:f>
-                                        <m:fPr>
-                                          <m:ctrlPr>
-                                            <a:rPr kumimoji="1" lang="en-US" altLang="ja-JP" sz="2400" b="0" i="1" smtClean="0">
-                                              <a:latin typeface="Cambria Math" panose="02040503050406030204" pitchFamily="18" charset="0"/>
-                                            </a:rPr>
-                                          </m:ctrlPr>
-                                        </m:fPr>
-                                        <m:num>
-                                          <m:sSub>
-                                            <m:sSubPr>
-                                              <m:ctrlPr>
-                                                <a:rPr kumimoji="1" lang="en-US" altLang="ja-JP" sz="2400" i="1">
-                                                  <a:latin typeface="Cambria Math" panose="02040503050406030204" pitchFamily="18" charset="0"/>
-                                                </a:rPr>
-                                              </m:ctrlPr>
-                                            </m:sSubPr>
-                                            <m:e>
-                                              <m:r>
-                                                <a:rPr kumimoji="1" lang="en-US" altLang="ja-JP" sz="2400" i="1">
-                                                  <a:latin typeface="Cambria Math" panose="02040503050406030204" pitchFamily="18" charset="0"/>
-                                                </a:rPr>
-                                                <m:t>𝐶</m:t>
-                                              </m:r>
-                                            </m:e>
-                                            <m:sub>
-                                              <m:r>
-                                                <a:rPr kumimoji="1" lang="en-US" altLang="ja-JP" sz="2400" i="1">
-                                                  <a:latin typeface="Cambria Math" panose="02040503050406030204" pitchFamily="18" charset="0"/>
-                                                </a:rPr>
-                                                <m:t>𝑓</m:t>
-                                              </m:r>
-                                            </m:sub>
-                                          </m:sSub>
-                                          <m:sSub>
-                                            <m:sSubPr>
-                                              <m:ctrlPr>
-                                                <a:rPr kumimoji="1" lang="en-US" altLang="ja-JP" sz="2400" i="1">
-                                                  <a:latin typeface="Cambria Math" panose="02040503050406030204" pitchFamily="18" charset="0"/>
-                                                </a:rPr>
-                                              </m:ctrlPr>
-                                            </m:sSubPr>
-                                            <m:e>
-                                              <m:r>
-                                                <a:rPr kumimoji="1" lang="en-US" altLang="ja-JP" sz="2400" i="1">
-                                                  <a:latin typeface="Cambria Math" panose="02040503050406030204" pitchFamily="18" charset="0"/>
-                                                </a:rPr>
-                                                <m:t>𝛼</m:t>
-                                              </m:r>
-                                            </m:e>
-                                            <m:sub>
-                                              <m:r>
-                                                <a:rPr kumimoji="1" lang="en-US" altLang="ja-JP" sz="2400" i="1">
-                                                  <a:latin typeface="Cambria Math" panose="02040503050406030204" pitchFamily="18" charset="0"/>
-                                                </a:rPr>
-                                                <m:t>𝑠𝑅𝐺𝐵</m:t>
-                                              </m:r>
-                                            </m:sub>
-                                          </m:sSub>
-                                          <m:r>
-                                            <a:rPr kumimoji="1" lang="en-US" altLang="ja-JP" sz="2400" i="1">
-                                              <a:latin typeface="Cambria Math" panose="02040503050406030204" pitchFamily="18" charset="0"/>
-                                            </a:rPr>
-                                            <m:t>+</m:t>
-                                          </m:r>
-                                          <m:sSub>
-                                            <m:sSubPr>
-                                              <m:ctrlPr>
-                                                <a:rPr kumimoji="1" lang="en-US" altLang="ja-JP" sz="2400" i="1">
-                                                  <a:latin typeface="Cambria Math" panose="02040503050406030204" pitchFamily="18" charset="0"/>
-                                                </a:rPr>
-                                              </m:ctrlPr>
-                                            </m:sSubPr>
-                                            <m:e>
-                                              <m:r>
-                                                <a:rPr kumimoji="1" lang="en-US" altLang="ja-JP" sz="2400" i="1">
-                                                  <a:latin typeface="Cambria Math" panose="02040503050406030204" pitchFamily="18" charset="0"/>
-                                                </a:rPr>
-                                                <m:t>𝐶</m:t>
-                                              </m:r>
-                                            </m:e>
-                                            <m:sub>
-                                              <m:r>
-                                                <a:rPr kumimoji="1" lang="en-US" altLang="ja-JP" sz="2400" i="1">
-                                                  <a:latin typeface="Cambria Math" panose="02040503050406030204" pitchFamily="18" charset="0"/>
-                                                </a:rPr>
-                                                <m:t>𝑏</m:t>
-                                              </m:r>
-                                            </m:sub>
-                                          </m:sSub>
-                                          <m:r>
-                                            <a:rPr kumimoji="1" lang="en-US" altLang="ja-JP" sz="2400" i="1">
-                                              <a:latin typeface="Cambria Math" panose="02040503050406030204" pitchFamily="18" charset="0"/>
-                                            </a:rPr>
-                                            <m:t>(1−</m:t>
-                                          </m:r>
-                                          <m:sSub>
-                                            <m:sSubPr>
-                                              <m:ctrlPr>
-                                                <a:rPr kumimoji="1" lang="en-US" altLang="ja-JP" sz="2400" i="1">
-                                                  <a:latin typeface="Cambria Math" panose="02040503050406030204" pitchFamily="18" charset="0"/>
-                                                </a:rPr>
-                                              </m:ctrlPr>
-                                            </m:sSubPr>
-                                            <m:e>
-                                              <m:r>
-                                                <a:rPr kumimoji="1" lang="en-US" altLang="ja-JP" sz="2400" i="1">
-                                                  <a:latin typeface="Cambria Math" panose="02040503050406030204" pitchFamily="18" charset="0"/>
-                                                </a:rPr>
-                                                <m:t>𝛼</m:t>
-                                              </m:r>
-                                            </m:e>
-                                            <m:sub>
-                                              <m:r>
-                                                <a:rPr kumimoji="1" lang="en-US" altLang="ja-JP" sz="2400" i="1">
-                                                  <a:latin typeface="Cambria Math" panose="02040503050406030204" pitchFamily="18" charset="0"/>
-                                                </a:rPr>
-                                                <m:t>𝑠𝑅𝐺𝐵</m:t>
-                                              </m:r>
-                                            </m:sub>
-                                          </m:sSub>
-                                          <m:r>
-                                            <a:rPr kumimoji="1" lang="en-US" altLang="ja-JP" sz="2400" i="1">
-                                              <a:latin typeface="Cambria Math" panose="02040503050406030204" pitchFamily="18" charset="0"/>
-                                            </a:rPr>
-                                            <m:t>)</m:t>
-                                          </m:r>
-                                          <m:r>
-                                            <a:rPr kumimoji="1" lang="en-US" altLang="ja-JP" sz="2400" b="0" i="1" smtClean="0">
-                                              <a:latin typeface="Cambria Math" panose="02040503050406030204" pitchFamily="18" charset="0"/>
-                                            </a:rPr>
-                                            <m:t>+0.055</m:t>
-                                          </m:r>
-                                        </m:num>
-                                        <m:den>
-                                          <m:r>
-                                            <a:rPr kumimoji="1" lang="en-US" altLang="ja-JP" sz="2400" b="0" i="1" smtClean="0">
-                                              <a:latin typeface="Cambria Math" panose="02040503050406030204" pitchFamily="18" charset="0"/>
-                                            </a:rPr>
-                                            <m:t>1.055</m:t>
-                                          </m:r>
-                                        </m:den>
-                                      </m:f>
-                                    </m:e>
-                                  </m:d>
-                                </m:e>
-                                <m:sup>
-                                  <m:r>
-                                    <a:rPr kumimoji="1" lang="en-US" altLang="ja-JP" sz="2400" b="0" i="1" smtClean="0">
-                                      <a:latin typeface="Cambria Math" panose="02040503050406030204" pitchFamily="18" charset="0"/>
-                                    </a:rPr>
-                                    <m:t>2.4</m:t>
-                                  </m:r>
-                                </m:sup>
-                              </m:sSup>
-                              <m:r>
-                                <a:rPr kumimoji="1" lang="en-US" altLang="ja-JP" sz="2400" b="0" i="1" smtClean="0">
-                                  <a:latin typeface="Cambria Math" panose="02040503050406030204" pitchFamily="18" charset="0"/>
-                                </a:rPr>
-                                <m:t>,  </m:t>
-                              </m:r>
-                              <m:sSub>
-                                <m:sSubPr>
-                                  <m:ctrlPr>
-                                    <a:rPr kumimoji="1" lang="en-US" altLang="ja-JP" sz="2400" i="1">
-                                      <a:latin typeface="Cambria Math" panose="02040503050406030204" pitchFamily="18" charset="0"/>
-                                    </a:rPr>
-                                  </m:ctrlPr>
-                                </m:sSubPr>
-                                <m:e>
-                                  <m:r>
-                                    <a:rPr kumimoji="1" lang="en-US" altLang="ja-JP" sz="2400" i="1">
-                                      <a:latin typeface="Cambria Math" panose="02040503050406030204" pitchFamily="18" charset="0"/>
-                                    </a:rPr>
-                                    <m:t>𝐶</m:t>
-                                  </m:r>
-                                </m:e>
-                                <m:sub>
-                                  <m:r>
-                                    <a:rPr kumimoji="1" lang="en-US" altLang="ja-JP" sz="2400" i="1">
-                                      <a:latin typeface="Cambria Math" panose="02040503050406030204" pitchFamily="18" charset="0"/>
-                                    </a:rPr>
-                                    <m:t>𝑠𝑅𝐺𝐵</m:t>
-                                  </m:r>
-                                </m:sub>
-                              </m:sSub>
-                              <m:r>
-                                <a:rPr kumimoji="1" lang="en-US" altLang="ja-JP" sz="2400" b="0" i="1" smtClean="0">
-                                  <a:latin typeface="Cambria Math" panose="02040503050406030204" pitchFamily="18" charset="0"/>
-                                </a:rPr>
-                                <m:t>&gt;0.04050</m:t>
-                              </m:r>
-                            </m:e>
-                          </m:eqArr>
-                        </m:e>
-                      </m:d>
-                    </m:oMath>
-                  </m:oMathPara>
-                </a14:m>
-                <a:endParaRPr kumimoji="1" lang="ja-JP" altLang="en-US" sz="2400" dirty="0"/>
-              </a:p>
-            </p:txBody>
-          </p:sp>
-        </mc:Choice>
-        <mc:Fallback>
-          <p:sp>
-            <p:nvSpPr>
-              <p:cNvPr id="10" name="テキスト ボックス 9">
-                <a:extLst>
-                  <a:ext uri="{FF2B5EF4-FFF2-40B4-BE49-F238E27FC236}">
-                    <a16:creationId xmlns:a16="http://schemas.microsoft.com/office/drawing/2014/main" id="{F51F2E46-56C5-46C2-BEA6-D82BBD56ADF1}"/>
-                  </a:ext>
-                </a:extLst>
-              </p:cNvPr>
-              <p:cNvSpPr txBox="1">
-                <a:spLocks noRot="1" noChangeAspect="1" noMove="1" noResize="1" noEditPoints="1" noAdjustHandles="1" noChangeArrowheads="1" noChangeShapeType="1" noTextEdit="1"/>
-              </p:cNvSpPr>
-              <p:nvPr/>
-            </p:nvSpPr>
-            <p:spPr>
-              <a:xfrm>
-                <a:off x="2155394" y="5975761"/>
-                <a:ext cx="9934304" cy="1765483"/>
-              </a:xfrm>
-              <a:prstGeom prst="rect">
-                <a:avLst/>
-              </a:prstGeom>
-              <a:blipFill>
-                <a:blip r:embed="rId5"/>
-                <a:stretch>
-                  <a:fillRect/>
-                </a:stretch>
-              </a:blipFill>
-              <a:ln w="28575">
-                <a:noFill/>
-              </a:ln>
             </p:spPr>
             <p:txBody>
               <a:bodyPr/>
@@ -9342,8 +8792,8 @@
           </a:p>
         </p:txBody>
       </p:sp>
-      <mc:AlternateContent xmlns:mc="http://schemas.openxmlformats.org/markup-compatibility/2006">
-        <mc:Choice xmlns:a14="http://schemas.microsoft.com/office/drawing/2010/main" Requires="a14">
+      <mc:AlternateContent xmlns:mc="http://schemas.openxmlformats.org/markup-compatibility/2006" xmlns:a14="http://schemas.microsoft.com/office/drawing/2010/main">
+        <mc:Choice Requires="a14">
           <p:sp>
             <p:nvSpPr>
               <p:cNvPr id="9" name="テキスト ボックス 8">
@@ -9570,7 +9020,7 @@
             </p:txBody>
           </p:sp>
         </mc:Choice>
-        <mc:Fallback>
+        <mc:Fallback xmlns="">
           <p:sp>
             <p:nvSpPr>
               <p:cNvPr id="9" name="テキスト ボックス 8">
@@ -9618,8 +9068,8 @@
           </p:sp>
         </mc:Fallback>
       </mc:AlternateContent>
-      <mc:AlternateContent xmlns:mc="http://schemas.openxmlformats.org/markup-compatibility/2006">
-        <mc:Choice xmlns:a14="http://schemas.microsoft.com/office/drawing/2010/main" Requires="a14">
+      <mc:AlternateContent xmlns:mc="http://schemas.openxmlformats.org/markup-compatibility/2006" xmlns:a14="http://schemas.microsoft.com/office/drawing/2010/main">
+        <mc:Choice Requires="a14">
           <p:sp>
             <p:nvSpPr>
               <p:cNvPr id="12" name="テキスト ボックス 11">
@@ -9897,7 +9347,7 @@
             </p:txBody>
           </p:sp>
         </mc:Choice>
-        <mc:Fallback>
+        <mc:Fallback xmlns="">
           <p:sp>
             <p:nvSpPr>
               <p:cNvPr id="12" name="テキスト ボックス 11">
@@ -9926,6 +9376,799 @@
                   <a:fillRect l="-2623" t="-26531" r="-437" b="-40816"/>
                 </a:stretch>
               </a:blipFill>
+            </p:spPr>
+            <p:txBody>
+              <a:bodyPr/>
+              <a:lstStyle/>
+              <a:p>
+                <a:r>
+                  <a:rPr lang="ja-JP" altLang="en-US">
+                    <a:noFill/>
+                  </a:rPr>
+                  <a:t> </a:t>
+                </a:r>
+              </a:p>
+            </p:txBody>
+          </p:sp>
+        </mc:Fallback>
+      </mc:AlternateContent>
+      <mc:AlternateContent xmlns:mc="http://schemas.openxmlformats.org/markup-compatibility/2006">
+        <mc:Choice xmlns:a14="http://schemas.microsoft.com/office/drawing/2010/main" Requires="a14">
+          <p:sp>
+            <p:nvSpPr>
+              <p:cNvPr id="13" name="テキスト ボックス 12">
+                <a:extLst>
+                  <a:ext uri="{FF2B5EF4-FFF2-40B4-BE49-F238E27FC236}">
+                    <a16:creationId xmlns:a16="http://schemas.microsoft.com/office/drawing/2014/main" id="{61819EAC-B9D6-4680-A48B-9478A486C22B}"/>
+                  </a:ext>
+                </a:extLst>
+              </p:cNvPr>
+              <p:cNvSpPr txBox="1"/>
+              <p:nvPr/>
+            </p:nvSpPr>
+            <p:spPr>
+              <a:xfrm>
+                <a:off x="1625431" y="5686834"/>
+                <a:ext cx="9934304" cy="1624419"/>
+              </a:xfrm>
+              <a:prstGeom prst="rect">
+                <a:avLst/>
+              </a:prstGeom>
+              <a:noFill/>
+              <a:ln w="28575">
+                <a:noFill/>
+              </a:ln>
+            </p:spPr>
+            <p:txBody>
+              <a:bodyPr wrap="square" lIns="0" tIns="0" rIns="0" bIns="0" rtlCol="0">
+                <a:spAutoFit/>
+              </a:bodyPr>
+              <a:lstStyle/>
+              <a:p>
+                <a:pPr/>
+                <a14:m>
+                  <m:oMathPara xmlns:m="http://schemas.openxmlformats.org/officeDocument/2006/math">
+                    <m:oMathParaPr>
+                      <m:jc m:val="centerGroup"/>
+                    </m:oMathParaPr>
+                    <m:oMath xmlns:m="http://schemas.openxmlformats.org/officeDocument/2006/math">
+                      <m:sSub>
+                        <m:sSubPr>
+                          <m:ctrlPr>
+                            <a:rPr kumimoji="1" lang="en-US" altLang="ja-JP" sz="2000" b="0" i="1" smtClean="0">
+                              <a:latin typeface="Cambria Math" panose="02040503050406030204" pitchFamily="18" charset="0"/>
+                            </a:rPr>
+                          </m:ctrlPr>
+                        </m:sSubPr>
+                        <m:e>
+                          <m:r>
+                            <a:rPr kumimoji="1" lang="en-US" altLang="ja-JP" sz="2000" b="0" i="1" smtClean="0">
+                              <a:latin typeface="Cambria Math" panose="02040503050406030204" pitchFamily="18" charset="0"/>
+                            </a:rPr>
+                            <m:t>𝛼</m:t>
+                          </m:r>
+                        </m:e>
+                        <m:sub>
+                          <m:r>
+                            <a:rPr kumimoji="1" lang="en-US" altLang="ja-JP" sz="2000" b="0" i="1" smtClean="0">
+                              <a:latin typeface="Cambria Math" panose="02040503050406030204" pitchFamily="18" charset="0"/>
+                            </a:rPr>
+                            <m:t>𝑙𝑖𝑛𝑒𝑎𝑟</m:t>
+                          </m:r>
+                        </m:sub>
+                      </m:sSub>
+                      <m:r>
+                        <a:rPr kumimoji="1" lang="en-US" altLang="ja-JP" sz="2000" b="0" i="1" smtClean="0">
+                          <a:latin typeface="Cambria Math" panose="02040503050406030204" pitchFamily="18" charset="0"/>
+                        </a:rPr>
+                        <m:t>=</m:t>
+                      </m:r>
+                      <m:d>
+                        <m:dPr>
+                          <m:begChr m:val="{"/>
+                          <m:endChr m:val=""/>
+                          <m:ctrlPr>
+                            <a:rPr kumimoji="1" lang="en-US" altLang="ja-JP" sz="2000" b="0" i="1" smtClean="0">
+                              <a:latin typeface="Cambria Math" panose="02040503050406030204" pitchFamily="18" charset="0"/>
+                            </a:rPr>
+                          </m:ctrlPr>
+                        </m:dPr>
+                        <m:e>
+                          <m:eqArr>
+                            <m:eqArrPr>
+                              <m:ctrlPr>
+                                <a:rPr kumimoji="1" lang="en-US" altLang="ja-JP" sz="2000" b="0" i="1" smtClean="0">
+                                  <a:latin typeface="Cambria Math" panose="02040503050406030204" pitchFamily="18" charset="0"/>
+                                </a:rPr>
+                              </m:ctrlPr>
+                            </m:eqArrPr>
+                            <m:e>
+                              <m:f>
+                                <m:fPr>
+                                  <m:ctrlPr>
+                                    <a:rPr kumimoji="1" lang="en-US" altLang="ja-JP" sz="2000" b="0" i="1" smtClean="0">
+                                      <a:latin typeface="Cambria Math" panose="02040503050406030204" pitchFamily="18" charset="0"/>
+                                    </a:rPr>
+                                  </m:ctrlPr>
+                                </m:fPr>
+                                <m:num>
+                                  <m:r>
+                                    <a:rPr kumimoji="1" lang="en-US" altLang="ja-JP" sz="2000" b="0" i="1" smtClean="0">
+                                      <a:latin typeface="Cambria Math" panose="02040503050406030204" pitchFamily="18" charset="0"/>
+                                    </a:rPr>
+                                    <m:t>1</m:t>
+                                  </m:r>
+                                </m:num>
+                                <m:den>
+                                  <m:sSub>
+                                    <m:sSubPr>
+                                      <m:ctrlPr>
+                                        <a:rPr kumimoji="1" lang="en-US" altLang="ja-JP" sz="2000" b="0" i="1" smtClean="0">
+                                          <a:latin typeface="Cambria Math" panose="02040503050406030204" pitchFamily="18" charset="0"/>
+                                        </a:rPr>
+                                      </m:ctrlPr>
+                                    </m:sSubPr>
+                                    <m:e>
+                                      <m:r>
+                                        <a:rPr kumimoji="1" lang="en-US" altLang="ja-JP" sz="2000" b="0" i="1" smtClean="0">
+                                          <a:latin typeface="Cambria Math" panose="02040503050406030204" pitchFamily="18" charset="0"/>
+                                        </a:rPr>
+                                        <m:t>𝐶</m:t>
+                                      </m:r>
+                                    </m:e>
+                                    <m:sub>
+                                      <m:r>
+                                        <a:rPr kumimoji="1" lang="en-US" altLang="ja-JP" sz="2000" b="0" i="1" smtClean="0">
+                                          <a:latin typeface="Cambria Math" panose="02040503050406030204" pitchFamily="18" charset="0"/>
+                                        </a:rPr>
+                                        <m:t>𝑓</m:t>
+                                      </m:r>
+                                    </m:sub>
+                                  </m:sSub>
+                                  <m:r>
+                                    <a:rPr kumimoji="1" lang="en-US" altLang="ja-JP" sz="2000" b="0" i="1" smtClean="0">
+                                      <a:latin typeface="Cambria Math" panose="02040503050406030204" pitchFamily="18" charset="0"/>
+                                    </a:rPr>
+                                    <m:t>−</m:t>
+                                  </m:r>
+                                  <m:sSub>
+                                    <m:sSubPr>
+                                      <m:ctrlPr>
+                                        <a:rPr kumimoji="1" lang="en-US" altLang="ja-JP" sz="2000" b="0" i="1" smtClean="0">
+                                          <a:latin typeface="Cambria Math" panose="02040503050406030204" pitchFamily="18" charset="0"/>
+                                        </a:rPr>
+                                      </m:ctrlPr>
+                                    </m:sSubPr>
+                                    <m:e>
+                                      <m:r>
+                                        <a:rPr kumimoji="1" lang="en-US" altLang="ja-JP" sz="2000" b="0" i="1" smtClean="0">
+                                          <a:latin typeface="Cambria Math" panose="02040503050406030204" pitchFamily="18" charset="0"/>
+                                        </a:rPr>
+                                        <m:t>𝐶</m:t>
+                                      </m:r>
+                                    </m:e>
+                                    <m:sub>
+                                      <m:r>
+                                        <a:rPr kumimoji="1" lang="en-US" altLang="ja-JP" sz="2000" b="0" i="1" smtClean="0">
+                                          <a:latin typeface="Cambria Math" panose="02040503050406030204" pitchFamily="18" charset="0"/>
+                                        </a:rPr>
+                                        <m:t>𝑏</m:t>
+                                      </m:r>
+                                    </m:sub>
+                                  </m:sSub>
+                                </m:den>
+                              </m:f>
+                              <m:d>
+                                <m:dPr>
+                                  <m:begChr m:val="["/>
+                                  <m:endChr m:val="]"/>
+                                  <m:ctrlPr>
+                                    <a:rPr kumimoji="1" lang="en-US" altLang="ja-JP" sz="2000" b="0" i="1" smtClean="0">
+                                      <a:latin typeface="Cambria Math" panose="02040503050406030204" pitchFamily="18" charset="0"/>
+                                    </a:rPr>
+                                  </m:ctrlPr>
+                                </m:dPr>
+                                <m:e>
+                                  <m:r>
+                                    <a:rPr kumimoji="1" lang="en-US" altLang="ja-JP" sz="2000" i="1">
+                                      <a:latin typeface="Cambria Math" panose="02040503050406030204" pitchFamily="18" charset="0"/>
+                                    </a:rPr>
+                                    <m:t>−</m:t>
+                                  </m:r>
+                                  <m:sSub>
+                                    <m:sSubPr>
+                                      <m:ctrlPr>
+                                        <a:rPr kumimoji="1" lang="en-US" altLang="ja-JP" sz="2000" i="1">
+                                          <a:latin typeface="Cambria Math" panose="02040503050406030204" pitchFamily="18" charset="0"/>
+                                        </a:rPr>
+                                      </m:ctrlPr>
+                                    </m:sSubPr>
+                                    <m:e>
+                                      <m:r>
+                                        <a:rPr kumimoji="1" lang="en-US" altLang="ja-JP" sz="2000" i="1">
+                                          <a:latin typeface="Cambria Math" panose="02040503050406030204" pitchFamily="18" charset="0"/>
+                                        </a:rPr>
+                                        <m:t>𝐶</m:t>
+                                      </m:r>
+                                    </m:e>
+                                    <m:sub>
+                                      <m:r>
+                                        <a:rPr kumimoji="1" lang="en-US" altLang="ja-JP" sz="2000" i="1">
+                                          <a:latin typeface="Cambria Math" panose="02040503050406030204" pitchFamily="18" charset="0"/>
+                                        </a:rPr>
+                                        <m:t>𝑏</m:t>
+                                      </m:r>
+                                    </m:sub>
+                                  </m:sSub>
+                                  <m:r>
+                                    <a:rPr kumimoji="1" lang="en-US" altLang="ja-JP" sz="2000" i="1">
+                                      <a:latin typeface="Cambria Math" panose="02040503050406030204" pitchFamily="18" charset="0"/>
+                                    </a:rPr>
+                                    <m:t>+</m:t>
+                                  </m:r>
+                                  <m:f>
+                                    <m:fPr>
+                                      <m:ctrlPr>
+                                        <a:rPr kumimoji="1" lang="en-US" altLang="ja-JP" sz="2000" i="1">
+                                          <a:latin typeface="Cambria Math" panose="02040503050406030204" pitchFamily="18" charset="0"/>
+                                        </a:rPr>
+                                      </m:ctrlPr>
+                                    </m:fPr>
+                                    <m:num>
+                                      <m:sSub>
+                                        <m:sSubPr>
+                                          <m:ctrlPr>
+                                            <a:rPr kumimoji="1" lang="en-US" altLang="ja-JP" sz="2000" i="1">
+                                              <a:latin typeface="Cambria Math" panose="02040503050406030204" pitchFamily="18" charset="0"/>
+                                            </a:rPr>
+                                          </m:ctrlPr>
+                                        </m:sSubPr>
+                                        <m:e>
+                                          <m:r>
+                                            <a:rPr kumimoji="1" lang="en-US" altLang="ja-JP" sz="2000" i="1">
+                                              <a:latin typeface="Cambria Math" panose="02040503050406030204" pitchFamily="18" charset="0"/>
+                                            </a:rPr>
+                                            <m:t>𝐶</m:t>
+                                          </m:r>
+                                        </m:e>
+                                        <m:sub>
+                                          <m:r>
+                                            <a:rPr kumimoji="1" lang="en-US" altLang="ja-JP" sz="2000" i="1">
+                                              <a:latin typeface="Cambria Math" panose="02040503050406030204" pitchFamily="18" charset="0"/>
+                                            </a:rPr>
+                                            <m:t>𝑓</m:t>
+                                          </m:r>
+                                        </m:sub>
+                                      </m:sSub>
+                                      <m:sSub>
+                                        <m:sSubPr>
+                                          <m:ctrlPr>
+                                            <a:rPr kumimoji="1" lang="en-US" altLang="ja-JP" sz="2000" i="1">
+                                              <a:latin typeface="Cambria Math" panose="02040503050406030204" pitchFamily="18" charset="0"/>
+                                            </a:rPr>
+                                          </m:ctrlPr>
+                                        </m:sSubPr>
+                                        <m:e>
+                                          <m:r>
+                                            <a:rPr kumimoji="1" lang="en-US" altLang="ja-JP" sz="2000" i="1">
+                                              <a:latin typeface="Cambria Math" panose="02040503050406030204" pitchFamily="18" charset="0"/>
+                                            </a:rPr>
+                                            <m:t>𝛼</m:t>
+                                          </m:r>
+                                        </m:e>
+                                        <m:sub>
+                                          <m:r>
+                                            <a:rPr kumimoji="1" lang="en-US" altLang="ja-JP" sz="2000" i="1">
+                                              <a:latin typeface="Cambria Math" panose="02040503050406030204" pitchFamily="18" charset="0"/>
+                                            </a:rPr>
+                                            <m:t>𝑠𝑅𝐺𝐵</m:t>
+                                          </m:r>
+                                        </m:sub>
+                                      </m:sSub>
+                                      <m:r>
+                                        <a:rPr kumimoji="1" lang="en-US" altLang="ja-JP" sz="2000" i="1">
+                                          <a:latin typeface="Cambria Math" panose="02040503050406030204" pitchFamily="18" charset="0"/>
+                                        </a:rPr>
+                                        <m:t>+</m:t>
+                                      </m:r>
+                                      <m:sSub>
+                                        <m:sSubPr>
+                                          <m:ctrlPr>
+                                            <a:rPr kumimoji="1" lang="en-US" altLang="ja-JP" sz="2000" i="1">
+                                              <a:latin typeface="Cambria Math" panose="02040503050406030204" pitchFamily="18" charset="0"/>
+                                            </a:rPr>
+                                          </m:ctrlPr>
+                                        </m:sSubPr>
+                                        <m:e>
+                                          <m:r>
+                                            <a:rPr kumimoji="1" lang="en-US" altLang="ja-JP" sz="2000" i="1">
+                                              <a:latin typeface="Cambria Math" panose="02040503050406030204" pitchFamily="18" charset="0"/>
+                                            </a:rPr>
+                                            <m:t>𝐶</m:t>
+                                          </m:r>
+                                        </m:e>
+                                        <m:sub>
+                                          <m:r>
+                                            <a:rPr kumimoji="1" lang="en-US" altLang="ja-JP" sz="2000" i="1">
+                                              <a:latin typeface="Cambria Math" panose="02040503050406030204" pitchFamily="18" charset="0"/>
+                                            </a:rPr>
+                                            <m:t>𝑏</m:t>
+                                          </m:r>
+                                        </m:sub>
+                                      </m:sSub>
+                                      <m:r>
+                                        <a:rPr kumimoji="1" lang="en-US" altLang="ja-JP" sz="2000" i="1">
+                                          <a:latin typeface="Cambria Math" panose="02040503050406030204" pitchFamily="18" charset="0"/>
+                                        </a:rPr>
+                                        <m:t>(1−</m:t>
+                                      </m:r>
+                                      <m:sSub>
+                                        <m:sSubPr>
+                                          <m:ctrlPr>
+                                            <a:rPr kumimoji="1" lang="en-US" altLang="ja-JP" sz="2000" i="1">
+                                              <a:latin typeface="Cambria Math" panose="02040503050406030204" pitchFamily="18" charset="0"/>
+                                            </a:rPr>
+                                          </m:ctrlPr>
+                                        </m:sSubPr>
+                                        <m:e>
+                                          <m:r>
+                                            <a:rPr kumimoji="1" lang="en-US" altLang="ja-JP" sz="2000" i="1">
+                                              <a:latin typeface="Cambria Math" panose="02040503050406030204" pitchFamily="18" charset="0"/>
+                                            </a:rPr>
+                                            <m:t>𝛼</m:t>
+                                          </m:r>
+                                        </m:e>
+                                        <m:sub>
+                                          <m:r>
+                                            <a:rPr kumimoji="1" lang="en-US" altLang="ja-JP" sz="2000" i="1">
+                                              <a:latin typeface="Cambria Math" panose="02040503050406030204" pitchFamily="18" charset="0"/>
+                                            </a:rPr>
+                                            <m:t>𝑠𝑅𝐺𝐵</m:t>
+                                          </m:r>
+                                        </m:sub>
+                                      </m:sSub>
+                                      <m:r>
+                                        <a:rPr kumimoji="1" lang="en-US" altLang="ja-JP" sz="2000" i="1">
+                                          <a:latin typeface="Cambria Math" panose="02040503050406030204" pitchFamily="18" charset="0"/>
+                                        </a:rPr>
+                                        <m:t>)</m:t>
+                                      </m:r>
+                                    </m:num>
+                                    <m:den>
+                                      <m:r>
+                                        <a:rPr kumimoji="1" lang="en-US" altLang="ja-JP" sz="2000" i="1">
+                                          <a:latin typeface="Cambria Math" panose="02040503050406030204" pitchFamily="18" charset="0"/>
+                                        </a:rPr>
+                                        <m:t>12.92</m:t>
+                                      </m:r>
+                                    </m:den>
+                                  </m:f>
+                                </m:e>
+                              </m:d>
+                              <m:r>
+                                <a:rPr kumimoji="1" lang="en-US" altLang="ja-JP" sz="2000" b="0" i="1" smtClean="0">
+                                  <a:latin typeface="Cambria Math" panose="02040503050406030204" pitchFamily="18" charset="0"/>
+                                </a:rPr>
+                                <m:t>,  </m:t>
+                              </m:r>
+                              <m:r>
+                                <a:rPr kumimoji="1" lang="en-US" altLang="ja-JP" sz="2000" b="0" i="1" smtClean="0">
+                                  <a:latin typeface="Cambria Math" panose="02040503050406030204" pitchFamily="18" charset="0"/>
+                                </a:rPr>
+                                <m:t>                           </m:t>
+                              </m:r>
+                              <m:sSub>
+                                <m:sSubPr>
+                                  <m:ctrlPr>
+                                    <a:rPr kumimoji="1" lang="en-US" altLang="ja-JP" sz="2000" b="0" i="1" smtClean="0">
+                                      <a:latin typeface="Cambria Math" panose="02040503050406030204" pitchFamily="18" charset="0"/>
+                                    </a:rPr>
+                                  </m:ctrlPr>
+                                </m:sSubPr>
+                                <m:e>
+                                  <m:r>
+                                    <a:rPr kumimoji="1" lang="en-US" altLang="ja-JP" sz="2000" b="0" i="1" smtClean="0">
+                                      <a:latin typeface="Cambria Math" panose="02040503050406030204" pitchFamily="18" charset="0"/>
+                                    </a:rPr>
+                                    <m:t>𝐶</m:t>
+                                  </m:r>
+                                </m:e>
+                                <m:sub>
+                                  <m:r>
+                                    <a:rPr kumimoji="1" lang="en-US" altLang="ja-JP" sz="2000" b="0" i="1" smtClean="0">
+                                      <a:latin typeface="Cambria Math" panose="02040503050406030204" pitchFamily="18" charset="0"/>
+                                    </a:rPr>
+                                    <m:t>𝑠𝑅𝐺𝐵</m:t>
+                                  </m:r>
+                                </m:sub>
+                              </m:sSub>
+                              <m:r>
+                                <a:rPr kumimoji="1" lang="en-US" altLang="ja-JP" sz="2000" b="0" i="1" smtClean="0">
+                                  <a:latin typeface="Cambria Math" panose="02040503050406030204" pitchFamily="18" charset="0"/>
+                                </a:rPr>
+                                <m:t>≤0.04050</m:t>
+                              </m:r>
+                            </m:e>
+                            <m:e>
+                              <m:f>
+                                <m:fPr>
+                                  <m:ctrlPr>
+                                    <a:rPr kumimoji="1" lang="en-US" altLang="ja-JP" sz="2000" i="1">
+                                      <a:latin typeface="Cambria Math" panose="02040503050406030204" pitchFamily="18" charset="0"/>
+                                    </a:rPr>
+                                  </m:ctrlPr>
+                                </m:fPr>
+                                <m:num>
+                                  <m:r>
+                                    <a:rPr kumimoji="1" lang="en-US" altLang="ja-JP" sz="2000" i="1">
+                                      <a:latin typeface="Cambria Math" panose="02040503050406030204" pitchFamily="18" charset="0"/>
+                                    </a:rPr>
+                                    <m:t>1</m:t>
+                                  </m:r>
+                                </m:num>
+                                <m:den>
+                                  <m:sSub>
+                                    <m:sSubPr>
+                                      <m:ctrlPr>
+                                        <a:rPr kumimoji="1" lang="en-US" altLang="ja-JP" sz="2000" i="1">
+                                          <a:latin typeface="Cambria Math" panose="02040503050406030204" pitchFamily="18" charset="0"/>
+                                        </a:rPr>
+                                      </m:ctrlPr>
+                                    </m:sSubPr>
+                                    <m:e>
+                                      <m:r>
+                                        <a:rPr kumimoji="1" lang="en-US" altLang="ja-JP" sz="2000" i="1">
+                                          <a:latin typeface="Cambria Math" panose="02040503050406030204" pitchFamily="18" charset="0"/>
+                                        </a:rPr>
+                                        <m:t>𝐶</m:t>
+                                      </m:r>
+                                    </m:e>
+                                    <m:sub>
+                                      <m:r>
+                                        <a:rPr kumimoji="1" lang="en-US" altLang="ja-JP" sz="2000" i="1">
+                                          <a:latin typeface="Cambria Math" panose="02040503050406030204" pitchFamily="18" charset="0"/>
+                                        </a:rPr>
+                                        <m:t>𝑓</m:t>
+                                      </m:r>
+                                    </m:sub>
+                                  </m:sSub>
+                                  <m:r>
+                                    <a:rPr kumimoji="1" lang="en-US" altLang="ja-JP" sz="2000" i="1">
+                                      <a:latin typeface="Cambria Math" panose="02040503050406030204" pitchFamily="18" charset="0"/>
+                                    </a:rPr>
+                                    <m:t>−</m:t>
+                                  </m:r>
+                                  <m:sSub>
+                                    <m:sSubPr>
+                                      <m:ctrlPr>
+                                        <a:rPr kumimoji="1" lang="en-US" altLang="ja-JP" sz="2000" i="1">
+                                          <a:latin typeface="Cambria Math" panose="02040503050406030204" pitchFamily="18" charset="0"/>
+                                        </a:rPr>
+                                      </m:ctrlPr>
+                                    </m:sSubPr>
+                                    <m:e>
+                                      <m:r>
+                                        <a:rPr kumimoji="1" lang="en-US" altLang="ja-JP" sz="2000" i="1">
+                                          <a:latin typeface="Cambria Math" panose="02040503050406030204" pitchFamily="18" charset="0"/>
+                                        </a:rPr>
+                                        <m:t>𝐶</m:t>
+                                      </m:r>
+                                    </m:e>
+                                    <m:sub>
+                                      <m:r>
+                                        <a:rPr kumimoji="1" lang="en-US" altLang="ja-JP" sz="2000" i="1">
+                                          <a:latin typeface="Cambria Math" panose="02040503050406030204" pitchFamily="18" charset="0"/>
+                                        </a:rPr>
+                                        <m:t>𝑏</m:t>
+                                      </m:r>
+                                    </m:sub>
+                                  </m:sSub>
+                                </m:den>
+                              </m:f>
+                              <m:d>
+                                <m:dPr>
+                                  <m:begChr m:val="["/>
+                                  <m:endChr m:val="]"/>
+                                  <m:ctrlPr>
+                                    <a:rPr kumimoji="1" lang="en-US" altLang="ja-JP" sz="2000" b="0" i="1" smtClean="0">
+                                      <a:latin typeface="Cambria Math" panose="02040503050406030204" pitchFamily="18" charset="0"/>
+                                    </a:rPr>
+                                  </m:ctrlPr>
+                                </m:dPr>
+                                <m:e>
+                                  <m:r>
+                                    <a:rPr kumimoji="1" lang="en-US" altLang="ja-JP" sz="2000" i="1">
+                                      <a:latin typeface="Cambria Math" panose="02040503050406030204" pitchFamily="18" charset="0"/>
+                                    </a:rPr>
+                                    <m:t>−</m:t>
+                                  </m:r>
+                                  <m:sSub>
+                                    <m:sSubPr>
+                                      <m:ctrlPr>
+                                        <a:rPr kumimoji="1" lang="en-US" altLang="ja-JP" sz="2000" i="1">
+                                          <a:latin typeface="Cambria Math" panose="02040503050406030204" pitchFamily="18" charset="0"/>
+                                        </a:rPr>
+                                      </m:ctrlPr>
+                                    </m:sSubPr>
+                                    <m:e>
+                                      <m:r>
+                                        <a:rPr kumimoji="1" lang="en-US" altLang="ja-JP" sz="2000" i="1">
+                                          <a:latin typeface="Cambria Math" panose="02040503050406030204" pitchFamily="18" charset="0"/>
+                                        </a:rPr>
+                                        <m:t>𝐶</m:t>
+                                      </m:r>
+                                    </m:e>
+                                    <m:sub>
+                                      <m:r>
+                                        <a:rPr kumimoji="1" lang="en-US" altLang="ja-JP" sz="2000" i="1">
+                                          <a:latin typeface="Cambria Math" panose="02040503050406030204" pitchFamily="18" charset="0"/>
+                                        </a:rPr>
+                                        <m:t>𝑏</m:t>
+                                      </m:r>
+                                    </m:sub>
+                                  </m:sSub>
+                                  <m:r>
+                                    <a:rPr kumimoji="1" lang="en-US" altLang="ja-JP" sz="2000" i="1">
+                                      <a:latin typeface="Cambria Math" panose="02040503050406030204" pitchFamily="18" charset="0"/>
+                                    </a:rPr>
+                                    <m:t>+</m:t>
+                                  </m:r>
+                                  <m:sSup>
+                                    <m:sSupPr>
+                                      <m:ctrlPr>
+                                        <a:rPr kumimoji="1" lang="en-US" altLang="ja-JP" sz="2000" i="1">
+                                          <a:latin typeface="Cambria Math" panose="02040503050406030204" pitchFamily="18" charset="0"/>
+                                        </a:rPr>
+                                      </m:ctrlPr>
+                                    </m:sSupPr>
+                                    <m:e>
+                                      <m:d>
+                                        <m:dPr>
+                                          <m:ctrlPr>
+                                            <a:rPr kumimoji="1" lang="en-US" altLang="ja-JP" sz="2000" i="1">
+                                              <a:latin typeface="Cambria Math" panose="02040503050406030204" pitchFamily="18" charset="0"/>
+                                            </a:rPr>
+                                          </m:ctrlPr>
+                                        </m:dPr>
+                                        <m:e>
+                                          <m:f>
+                                            <m:fPr>
+                                              <m:ctrlPr>
+                                                <a:rPr kumimoji="1" lang="en-US" altLang="ja-JP" sz="2000" i="1">
+                                                  <a:latin typeface="Cambria Math" panose="02040503050406030204" pitchFamily="18" charset="0"/>
+                                                </a:rPr>
+                                              </m:ctrlPr>
+                                            </m:fPr>
+                                            <m:num>
+                                              <m:sSub>
+                                                <m:sSubPr>
+                                                  <m:ctrlPr>
+                                                    <a:rPr kumimoji="1" lang="en-US" altLang="ja-JP" sz="2000" i="1">
+                                                      <a:latin typeface="Cambria Math" panose="02040503050406030204" pitchFamily="18" charset="0"/>
+                                                    </a:rPr>
+                                                  </m:ctrlPr>
+                                                </m:sSubPr>
+                                                <m:e>
+                                                  <m:r>
+                                                    <a:rPr kumimoji="1" lang="en-US" altLang="ja-JP" sz="2000" i="1">
+                                                      <a:latin typeface="Cambria Math" panose="02040503050406030204" pitchFamily="18" charset="0"/>
+                                                    </a:rPr>
+                                                    <m:t>𝐶</m:t>
+                                                  </m:r>
+                                                </m:e>
+                                                <m:sub>
+                                                  <m:r>
+                                                    <a:rPr kumimoji="1" lang="en-US" altLang="ja-JP" sz="2000" i="1">
+                                                      <a:latin typeface="Cambria Math" panose="02040503050406030204" pitchFamily="18" charset="0"/>
+                                                    </a:rPr>
+                                                    <m:t>𝑓</m:t>
+                                                  </m:r>
+                                                </m:sub>
+                                              </m:sSub>
+                                              <m:sSub>
+                                                <m:sSubPr>
+                                                  <m:ctrlPr>
+                                                    <a:rPr kumimoji="1" lang="en-US" altLang="ja-JP" sz="2000" i="1">
+                                                      <a:latin typeface="Cambria Math" panose="02040503050406030204" pitchFamily="18" charset="0"/>
+                                                    </a:rPr>
+                                                  </m:ctrlPr>
+                                                </m:sSubPr>
+                                                <m:e>
+                                                  <m:r>
+                                                    <a:rPr kumimoji="1" lang="en-US" altLang="ja-JP" sz="2000" i="1">
+                                                      <a:latin typeface="Cambria Math" panose="02040503050406030204" pitchFamily="18" charset="0"/>
+                                                    </a:rPr>
+                                                    <m:t>𝛼</m:t>
+                                                  </m:r>
+                                                </m:e>
+                                                <m:sub>
+                                                  <m:r>
+                                                    <a:rPr kumimoji="1" lang="en-US" altLang="ja-JP" sz="2000" i="1">
+                                                      <a:latin typeface="Cambria Math" panose="02040503050406030204" pitchFamily="18" charset="0"/>
+                                                    </a:rPr>
+                                                    <m:t>𝑠𝑅𝐺𝐵</m:t>
+                                                  </m:r>
+                                                </m:sub>
+                                              </m:sSub>
+                                              <m:r>
+                                                <a:rPr kumimoji="1" lang="en-US" altLang="ja-JP" sz="2000" i="1">
+                                                  <a:latin typeface="Cambria Math" panose="02040503050406030204" pitchFamily="18" charset="0"/>
+                                                </a:rPr>
+                                                <m:t>+</m:t>
+                                              </m:r>
+                                              <m:sSub>
+                                                <m:sSubPr>
+                                                  <m:ctrlPr>
+                                                    <a:rPr kumimoji="1" lang="en-US" altLang="ja-JP" sz="2000" i="1">
+                                                      <a:latin typeface="Cambria Math" panose="02040503050406030204" pitchFamily="18" charset="0"/>
+                                                    </a:rPr>
+                                                  </m:ctrlPr>
+                                                </m:sSubPr>
+                                                <m:e>
+                                                  <m:r>
+                                                    <a:rPr kumimoji="1" lang="en-US" altLang="ja-JP" sz="2000" i="1">
+                                                      <a:latin typeface="Cambria Math" panose="02040503050406030204" pitchFamily="18" charset="0"/>
+                                                    </a:rPr>
+                                                    <m:t>𝐶</m:t>
+                                                  </m:r>
+                                                </m:e>
+                                                <m:sub>
+                                                  <m:r>
+                                                    <a:rPr kumimoji="1" lang="en-US" altLang="ja-JP" sz="2000" i="1">
+                                                      <a:latin typeface="Cambria Math" panose="02040503050406030204" pitchFamily="18" charset="0"/>
+                                                    </a:rPr>
+                                                    <m:t>𝑏</m:t>
+                                                  </m:r>
+                                                </m:sub>
+                                              </m:sSub>
+                                              <m:r>
+                                                <a:rPr kumimoji="1" lang="en-US" altLang="ja-JP" sz="2000" i="1">
+                                                  <a:latin typeface="Cambria Math" panose="02040503050406030204" pitchFamily="18" charset="0"/>
+                                                </a:rPr>
+                                                <m:t>(1−</m:t>
+                                              </m:r>
+                                              <m:sSub>
+                                                <m:sSubPr>
+                                                  <m:ctrlPr>
+                                                    <a:rPr kumimoji="1" lang="en-US" altLang="ja-JP" sz="2000" i="1">
+                                                      <a:latin typeface="Cambria Math" panose="02040503050406030204" pitchFamily="18" charset="0"/>
+                                                    </a:rPr>
+                                                  </m:ctrlPr>
+                                                </m:sSubPr>
+                                                <m:e>
+                                                  <m:r>
+                                                    <a:rPr kumimoji="1" lang="en-US" altLang="ja-JP" sz="2000" i="1">
+                                                      <a:latin typeface="Cambria Math" panose="02040503050406030204" pitchFamily="18" charset="0"/>
+                                                    </a:rPr>
+                                                    <m:t>𝛼</m:t>
+                                                  </m:r>
+                                                </m:e>
+                                                <m:sub>
+                                                  <m:r>
+                                                    <a:rPr kumimoji="1" lang="en-US" altLang="ja-JP" sz="2000" i="1">
+                                                      <a:latin typeface="Cambria Math" panose="02040503050406030204" pitchFamily="18" charset="0"/>
+                                                    </a:rPr>
+                                                    <m:t>𝑠𝑅𝐺𝐵</m:t>
+                                                  </m:r>
+                                                </m:sub>
+                                              </m:sSub>
+                                              <m:r>
+                                                <a:rPr kumimoji="1" lang="en-US" altLang="ja-JP" sz="2000" i="1">
+                                                  <a:latin typeface="Cambria Math" panose="02040503050406030204" pitchFamily="18" charset="0"/>
+                                                </a:rPr>
+                                                <m:t>)</m:t>
+                                              </m:r>
+                                              <m:r>
+                                                <a:rPr kumimoji="1" lang="en-US" altLang="ja-JP" sz="2000" i="1">
+                                                  <a:latin typeface="Cambria Math" panose="02040503050406030204" pitchFamily="18" charset="0"/>
+                                                </a:rPr>
+                                                <m:t>+0.055</m:t>
+                                              </m:r>
+                                            </m:num>
+                                            <m:den>
+                                              <m:r>
+                                                <a:rPr kumimoji="1" lang="en-US" altLang="ja-JP" sz="2000" i="1">
+                                                  <a:latin typeface="Cambria Math" panose="02040503050406030204" pitchFamily="18" charset="0"/>
+                                                </a:rPr>
+                                                <m:t>1.055</m:t>
+                                              </m:r>
+                                            </m:den>
+                                          </m:f>
+                                        </m:e>
+                                      </m:d>
+                                    </m:e>
+                                    <m:sup>
+                                      <m:r>
+                                        <a:rPr kumimoji="1" lang="en-US" altLang="ja-JP" sz="2000" i="1">
+                                          <a:latin typeface="Cambria Math" panose="02040503050406030204" pitchFamily="18" charset="0"/>
+                                        </a:rPr>
+                                        <m:t>2.4</m:t>
+                                      </m:r>
+                                    </m:sup>
+                                  </m:sSup>
+                                </m:e>
+                              </m:d>
+                              <m:r>
+                                <a:rPr kumimoji="1" lang="en-US" altLang="ja-JP" sz="2000" b="0" i="1" smtClean="0">
+                                  <a:latin typeface="Cambria Math" panose="02040503050406030204" pitchFamily="18" charset="0"/>
+                                </a:rPr>
+                                <m:t>,  </m:t>
+                              </m:r>
+                              <m:sSub>
+                                <m:sSubPr>
+                                  <m:ctrlPr>
+                                    <a:rPr kumimoji="1" lang="en-US" altLang="ja-JP" sz="2000" i="1">
+                                      <a:latin typeface="Cambria Math" panose="02040503050406030204" pitchFamily="18" charset="0"/>
+                                    </a:rPr>
+                                  </m:ctrlPr>
+                                </m:sSubPr>
+                                <m:e>
+                                  <m:r>
+                                    <a:rPr kumimoji="1" lang="en-US" altLang="ja-JP" sz="2000" i="1">
+                                      <a:latin typeface="Cambria Math" panose="02040503050406030204" pitchFamily="18" charset="0"/>
+                                    </a:rPr>
+                                    <m:t>𝐶</m:t>
+                                  </m:r>
+                                </m:e>
+                                <m:sub>
+                                  <m:r>
+                                    <a:rPr kumimoji="1" lang="en-US" altLang="ja-JP" sz="2000" i="1">
+                                      <a:latin typeface="Cambria Math" panose="02040503050406030204" pitchFamily="18" charset="0"/>
+                                    </a:rPr>
+                                    <m:t>𝑠𝑅𝐺𝐵</m:t>
+                                  </m:r>
+                                </m:sub>
+                              </m:sSub>
+                              <m:r>
+                                <a:rPr kumimoji="1" lang="en-US" altLang="ja-JP" sz="2000" b="0" i="1" smtClean="0">
+                                  <a:latin typeface="Cambria Math" panose="02040503050406030204" pitchFamily="18" charset="0"/>
+                                </a:rPr>
+                                <m:t>&gt;0.04050</m:t>
+                              </m:r>
+                            </m:e>
+                          </m:eqArr>
+                        </m:e>
+                      </m:d>
+                    </m:oMath>
+                  </m:oMathPara>
+                </a14:m>
+                <a:endParaRPr kumimoji="1" lang="ja-JP" altLang="en-US" sz="2000" dirty="0"/>
+              </a:p>
+            </p:txBody>
+          </p:sp>
+        </mc:Choice>
+        <mc:Fallback>
+          <p:sp>
+            <p:nvSpPr>
+              <p:cNvPr id="13" name="テキスト ボックス 12">
+                <a:extLst>
+                  <a:ext uri="{FF2B5EF4-FFF2-40B4-BE49-F238E27FC236}">
+                    <a16:creationId xmlns:a16="http://schemas.microsoft.com/office/drawing/2014/main" id="{61819EAC-B9D6-4680-A48B-9478A486C22B}"/>
+                  </a:ext>
+                </a:extLst>
+              </p:cNvPr>
+              <p:cNvSpPr txBox="1">
+                <a:spLocks noRot="1" noChangeAspect="1" noMove="1" noResize="1" noEditPoints="1" noAdjustHandles="1" noChangeArrowheads="1" noChangeShapeType="1" noTextEdit="1"/>
+              </p:cNvSpPr>
+              <p:nvPr/>
+            </p:nvSpPr>
+            <p:spPr>
+              <a:xfrm>
+                <a:off x="1625431" y="5686834"/>
+                <a:ext cx="9934304" cy="1624419"/>
+              </a:xfrm>
+              <a:prstGeom prst="rect">
+                <a:avLst/>
+              </a:prstGeom>
+              <a:blipFill>
+                <a:blip r:embed="rId8"/>
+                <a:stretch>
+                  <a:fillRect/>
+                </a:stretch>
+              </a:blipFill>
+              <a:ln w="28575">
+                <a:noFill/>
+              </a:ln>
             </p:spPr>
             <p:txBody>
               <a:bodyPr/>
@@ -9988,7 +10231,7 @@
             </p:nvSpPr>
             <p:spPr>
               <a:xfrm>
-                <a:off x="1903941" y="4978354"/>
+                <a:off x="2184618" y="4977319"/>
                 <a:ext cx="9153344" cy="1765483"/>
               </a:xfrm>
               <a:prstGeom prst="rect">
@@ -10060,6 +10303,12 @@
                               </m:ctrlPr>
                             </m:eqArrPr>
                             <m:e>
+                              <m:r>
+                                <a:rPr kumimoji="1" lang="en-US" altLang="ja-JP" sz="2400" b="0" i="1" smtClean="0">
+                                  <a:latin typeface="Cambria Math" panose="02040503050406030204" pitchFamily="18" charset="0"/>
+                                </a:rPr>
+                                <m:t>1−</m:t>
+                              </m:r>
                               <m:f>
                                 <m:fPr>
                                   <m:ctrlPr>
@@ -10149,6 +10398,12 @@
                               </m:r>
                             </m:e>
                             <m:e>
+                              <m:r>
+                                <a:rPr kumimoji="1" lang="en-US" altLang="ja-JP" sz="2400" b="0" i="1" smtClean="0">
+                                  <a:latin typeface="Cambria Math" panose="02040503050406030204" pitchFamily="18" charset="0"/>
+                                </a:rPr>
+                                <m:t>1−</m:t>
+                              </m:r>
                               <m:sSup>
                                 <m:sSupPr>
                                   <m:ctrlPr>
@@ -10313,7 +10568,7 @@
             </p:nvSpPr>
             <p:spPr>
               <a:xfrm>
-                <a:off x="1903941" y="4978354"/>
+                <a:off x="2184618" y="4977319"/>
                 <a:ext cx="9153344" cy="1765483"/>
               </a:xfrm>
               <a:prstGeom prst="rect">
@@ -10381,8 +10636,8 @@
           </a:p>
         </p:txBody>
       </p:sp>
-      <mc:AlternateContent xmlns:mc="http://schemas.openxmlformats.org/markup-compatibility/2006">
-        <mc:Choice xmlns:a14="http://schemas.microsoft.com/office/drawing/2010/main" Requires="a14">
+      <mc:AlternateContent xmlns:mc="http://schemas.openxmlformats.org/markup-compatibility/2006" xmlns:a14="http://schemas.microsoft.com/office/drawing/2010/main">
+        <mc:Choice Requires="a14">
           <p:sp>
             <p:nvSpPr>
               <p:cNvPr id="12" name="テキスト ボックス 11">
@@ -10660,7 +10915,7 @@
             </p:txBody>
           </p:sp>
         </mc:Choice>
-        <mc:Fallback>
+        <mc:Fallback xmlns="">
           <p:sp>
             <p:nvSpPr>
               <p:cNvPr id="12" name="テキスト ボックス 11">
@@ -10722,7 +10977,7 @@
             <p:spPr>
               <a:xfrm>
                 <a:off x="2184618" y="1222743"/>
-                <a:ext cx="9934304" cy="1765483"/>
+                <a:ext cx="9934304" cy="1624419"/>
               </a:xfrm>
               <a:prstGeom prst="rect">
                 <a:avLst/>
@@ -10748,14 +11003,14 @@
                       <m:sSub>
                         <m:sSubPr>
                           <m:ctrlPr>
-                            <a:rPr kumimoji="1" lang="en-US" altLang="ja-JP" sz="2400" b="0" i="1" smtClean="0">
+                            <a:rPr kumimoji="1" lang="en-US" altLang="ja-JP" sz="2000" b="0" i="1" smtClean="0">
                               <a:latin typeface="Cambria Math" panose="02040503050406030204" pitchFamily="18" charset="0"/>
                             </a:rPr>
                           </m:ctrlPr>
                         </m:sSubPr>
                         <m:e>
                           <m:r>
-                            <a:rPr kumimoji="1" lang="en-US" altLang="ja-JP" sz="2400" b="0" i="1" smtClean="0">
+                            <a:rPr kumimoji="1" lang="en-US" altLang="ja-JP" sz="2000" b="0" i="1" smtClean="0">
                               <a:latin typeface="Cambria Math" panose="02040503050406030204" pitchFamily="18" charset="0"/>
                             </a:rPr>
                             <m:t>𝛼</m:t>
@@ -10763,7 +11018,7 @@
                         </m:e>
                         <m:sub>
                           <m:r>
-                            <a:rPr kumimoji="1" lang="en-US" altLang="ja-JP" sz="2400" b="0" i="1" smtClean="0">
+                            <a:rPr kumimoji="1" lang="en-US" altLang="ja-JP" sz="2000" b="0" i="1" smtClean="0">
                               <a:latin typeface="Cambria Math" panose="02040503050406030204" pitchFamily="18" charset="0"/>
                             </a:rPr>
                             <m:t>𝑙𝑖𝑛𝑒𝑎𝑟</m:t>
@@ -10771,7 +11026,7 @@
                         </m:sub>
                       </m:sSub>
                       <m:r>
-                        <a:rPr kumimoji="1" lang="en-US" altLang="ja-JP" sz="2400" b="0" i="1" smtClean="0">
+                        <a:rPr kumimoji="1" lang="en-US" altLang="ja-JP" sz="2000" b="0" i="1" smtClean="0">
                           <a:latin typeface="Cambria Math" panose="02040503050406030204" pitchFamily="18" charset="0"/>
                         </a:rPr>
                         <m:t>=</m:t>
@@ -10781,7 +11036,7 @@
                           <m:begChr m:val="{"/>
                           <m:endChr m:val=""/>
                           <m:ctrlPr>
-                            <a:rPr kumimoji="1" lang="en-US" altLang="ja-JP" sz="2400" b="0" i="1" smtClean="0">
+                            <a:rPr kumimoji="1" lang="en-US" altLang="ja-JP" sz="2000" b="0" i="1" smtClean="0">
                               <a:latin typeface="Cambria Math" panose="02040503050406030204" pitchFamily="18" charset="0"/>
                             </a:rPr>
                           </m:ctrlPr>
@@ -10790,7 +11045,7 @@
                           <m:eqArr>
                             <m:eqArrPr>
                               <m:ctrlPr>
-                                <a:rPr kumimoji="1" lang="en-US" altLang="ja-JP" sz="2400" b="0" i="1" smtClean="0">
+                                <a:rPr kumimoji="1" lang="en-US" altLang="ja-JP" sz="2000" b="0" i="1" smtClean="0">
                                   <a:latin typeface="Cambria Math" panose="02040503050406030204" pitchFamily="18" charset="0"/>
                                 </a:rPr>
                               </m:ctrlPr>
@@ -10799,23 +11054,31 @@
                               <m:f>
                                 <m:fPr>
                                   <m:ctrlPr>
-                                    <a:rPr kumimoji="1" lang="en-US" altLang="ja-JP" sz="2400" b="0" i="1" smtClean="0">
+                                    <a:rPr kumimoji="1" lang="en-US" altLang="ja-JP" sz="2000" b="0" i="1" smtClean="0">
                                       <a:latin typeface="Cambria Math" panose="02040503050406030204" pitchFamily="18" charset="0"/>
                                     </a:rPr>
                                   </m:ctrlPr>
                                 </m:fPr>
                                 <m:num>
+                                  <m:r>
+                                    <a:rPr kumimoji="1" lang="en-US" altLang="ja-JP" sz="2000" b="0" i="1" smtClean="0">
+                                      <a:latin typeface="Cambria Math" panose="02040503050406030204" pitchFamily="18" charset="0"/>
+                                    </a:rPr>
+                                    <m:t>1</m:t>
+                                  </m:r>
+                                </m:num>
+                                <m:den>
                                   <m:sSub>
                                     <m:sSubPr>
                                       <m:ctrlPr>
-                                        <a:rPr kumimoji="1" lang="en-US" altLang="ja-JP" sz="2400" b="0" i="1" smtClean="0">
+                                        <a:rPr kumimoji="1" lang="en-US" altLang="ja-JP" sz="2000" b="0" i="1" smtClean="0">
                                           <a:latin typeface="Cambria Math" panose="02040503050406030204" pitchFamily="18" charset="0"/>
                                         </a:rPr>
                                       </m:ctrlPr>
                                     </m:sSubPr>
                                     <m:e>
                                       <m:r>
-                                        <a:rPr kumimoji="1" lang="en-US" altLang="ja-JP" sz="2400" b="0" i="1" smtClean="0">
+                                        <a:rPr kumimoji="1" lang="en-US" altLang="ja-JP" sz="2000" b="0" i="1" smtClean="0">
                                           <a:latin typeface="Cambria Math" panose="02040503050406030204" pitchFamily="18" charset="0"/>
                                         </a:rPr>
                                         <m:t>𝐶</m:t>
@@ -10823,55 +11086,30 @@
                                     </m:e>
                                     <m:sub>
                                       <m:r>
-                                        <a:rPr kumimoji="1" lang="en-US" altLang="ja-JP" sz="2400" b="0" i="1" smtClean="0">
+                                        <a:rPr kumimoji="1" lang="en-US" altLang="ja-JP" sz="2000" b="0" i="1" smtClean="0">
                                           <a:latin typeface="Cambria Math" panose="02040503050406030204" pitchFamily="18" charset="0"/>
                                         </a:rPr>
                                         <m:t>𝑓</m:t>
                                       </m:r>
                                     </m:sub>
                                   </m:sSub>
+                                  <m:r>
+                                    <a:rPr kumimoji="1" lang="en-US" altLang="ja-JP" sz="2000" b="0" i="1" smtClean="0">
+                                      <a:latin typeface="Cambria Math" panose="02040503050406030204" pitchFamily="18" charset="0"/>
+                                    </a:rPr>
+                                    <m:t>−</m:t>
+                                  </m:r>
                                   <m:sSub>
                                     <m:sSubPr>
                                       <m:ctrlPr>
-                                        <a:rPr kumimoji="1" lang="en-US" altLang="ja-JP" sz="2400" b="0" i="1" smtClean="0">
+                                        <a:rPr kumimoji="1" lang="en-US" altLang="ja-JP" sz="2000" b="0" i="1" smtClean="0">
                                           <a:latin typeface="Cambria Math" panose="02040503050406030204" pitchFamily="18" charset="0"/>
                                         </a:rPr>
                                       </m:ctrlPr>
                                     </m:sSubPr>
                                     <m:e>
                                       <m:r>
-                                        <a:rPr kumimoji="1" lang="en-US" altLang="ja-JP" sz="2400" b="0" i="1" smtClean="0">
-                                          <a:latin typeface="Cambria Math" panose="02040503050406030204" pitchFamily="18" charset="0"/>
-                                        </a:rPr>
-                                        <m:t>𝛼</m:t>
-                                      </m:r>
-                                    </m:e>
-                                    <m:sub>
-                                      <m:r>
-                                        <a:rPr kumimoji="1" lang="en-US" altLang="ja-JP" sz="2400" b="0" i="1" smtClean="0">
-                                          <a:latin typeface="Cambria Math" panose="02040503050406030204" pitchFamily="18" charset="0"/>
-                                        </a:rPr>
-                                        <m:t>𝑠𝑅𝐺𝐵</m:t>
-                                      </m:r>
-                                    </m:sub>
-                                  </m:sSub>
-                                  <m:r>
-                                    <a:rPr kumimoji="1" lang="en-US" altLang="ja-JP" sz="2400" b="0" i="1" smtClean="0">
-                                      <a:latin typeface="Cambria Math" panose="02040503050406030204" pitchFamily="18" charset="0"/>
-                                    </a:rPr>
-                                    <m:t>+</m:t>
-                                  </m:r>
-                                  <m:sSub>
-                                    <m:sSubPr>
-                                      <m:ctrlPr>
-                                        <a:rPr kumimoji="1" lang="en-US" altLang="ja-JP" sz="2400" b="0" i="1" smtClean="0">
-                                          <a:latin typeface="Cambria Math" panose="02040503050406030204" pitchFamily="18" charset="0"/>
-                                        </a:rPr>
-                                      </m:ctrlPr>
-                                    </m:sSubPr>
-                                    <m:e>
-                                      <m:r>
-                                        <a:rPr kumimoji="1" lang="en-US" altLang="ja-JP" sz="2400" b="0" i="1" smtClean="0">
+                                        <a:rPr kumimoji="1" lang="en-US" altLang="ja-JP" sz="2000" b="0" i="1" smtClean="0">
                                           <a:latin typeface="Cambria Math" panose="02040503050406030204" pitchFamily="18" charset="0"/>
                                         </a:rPr>
                                         <m:t>𝐶</m:t>
@@ -10879,7 +11117,51 @@
                                     </m:e>
                                     <m:sub>
                                       <m:r>
-                                        <a:rPr kumimoji="1" lang="en-US" altLang="ja-JP" sz="2400" b="0" i="1" smtClean="0">
+                                        <a:rPr kumimoji="1" lang="en-US" altLang="ja-JP" sz="2000" b="0" i="1" smtClean="0">
+                                          <a:latin typeface="Cambria Math" panose="02040503050406030204" pitchFamily="18" charset="0"/>
+                                        </a:rPr>
+                                        <m:t>𝑏</m:t>
+                                      </m:r>
+                                    </m:sub>
+                                  </m:sSub>
+                                </m:den>
+                              </m:f>
+                              <m:d>
+                                <m:dPr>
+                                  <m:begChr m:val="["/>
+                                  <m:endChr m:val="]"/>
+                                  <m:ctrlPr>
+                                    <a:rPr kumimoji="1" lang="en-US" altLang="ja-JP" sz="2000" b="0" i="1" smtClean="0">
+                                      <a:latin typeface="Cambria Math" panose="02040503050406030204" pitchFamily="18" charset="0"/>
+                                    </a:rPr>
+                                  </m:ctrlPr>
+                                </m:dPr>
+                                <m:e>
+                                  <m:r>
+                                    <a:rPr kumimoji="1" lang="en-US" altLang="ja-JP" sz="2000" i="1">
+                                      <a:latin typeface="Cambria Math" panose="02040503050406030204" pitchFamily="18" charset="0"/>
+                                    </a:rPr>
+                                    <m:t>−</m:t>
+                                  </m:r>
+                                  <m:sSub>
+                                    <m:sSubPr>
+                                      <m:ctrlPr>
+                                        <a:rPr kumimoji="1" lang="en-US" altLang="ja-JP" sz="2000" i="1">
+                                          <a:latin typeface="Cambria Math" panose="02040503050406030204" pitchFamily="18" charset="0"/>
+                                        </a:rPr>
+                                      </m:ctrlPr>
+                                    </m:sSubPr>
+                                    <m:e>
+                                      <m:r>
+                                        <a:rPr kumimoji="1" lang="en-US" altLang="ja-JP" sz="2000" i="1">
+                                          <a:latin typeface="Cambria Math" panose="02040503050406030204" pitchFamily="18" charset="0"/>
+                                        </a:rPr>
+                                        <m:t>𝐶</m:t>
+                                      </m:r>
+                                    </m:e>
+                                    <m:sub>
+                                      <m:r>
+                                        <a:rPr kumimoji="1" lang="en-US" altLang="ja-JP" sz="2000" i="1">
                                           <a:latin typeface="Cambria Math" panose="02040503050406030204" pitchFamily="18" charset="0"/>
                                         </a:rPr>
                                         <m:t>𝑏</m:t>
@@ -10887,69 +11169,173 @@
                                     </m:sub>
                                   </m:sSub>
                                   <m:r>
-                                    <a:rPr kumimoji="1" lang="en-US" altLang="ja-JP" sz="2400" b="0" i="1" smtClean="0">
+                                    <a:rPr kumimoji="1" lang="en-US" altLang="ja-JP" sz="2000" i="1">
                                       <a:latin typeface="Cambria Math" panose="02040503050406030204" pitchFamily="18" charset="0"/>
                                     </a:rPr>
-                                    <m:t>(1−</m:t>
+                                    <m:t>+</m:t>
                                   </m:r>
-                                  <m:sSub>
-                                    <m:sSubPr>
+                                  <m:f>
+                                    <m:fPr>
                                       <m:ctrlPr>
-                                        <a:rPr kumimoji="1" lang="en-US" altLang="ja-JP" sz="2400" b="0" i="1" smtClean="0">
+                                        <a:rPr kumimoji="1" lang="en-US" altLang="ja-JP" sz="2000" i="1">
                                           <a:latin typeface="Cambria Math" panose="02040503050406030204" pitchFamily="18" charset="0"/>
                                         </a:rPr>
                                       </m:ctrlPr>
-                                    </m:sSubPr>
-                                    <m:e>
+                                    </m:fPr>
+                                    <m:num>
+                                      <m:sSub>
+                                        <m:sSubPr>
+                                          <m:ctrlPr>
+                                            <a:rPr kumimoji="1" lang="en-US" altLang="ja-JP" sz="2000" i="1">
+                                              <a:latin typeface="Cambria Math" panose="02040503050406030204" pitchFamily="18" charset="0"/>
+                                            </a:rPr>
+                                          </m:ctrlPr>
+                                        </m:sSubPr>
+                                        <m:e>
+                                          <m:r>
+                                            <a:rPr kumimoji="1" lang="en-US" altLang="ja-JP" sz="2000" i="1">
+                                              <a:latin typeface="Cambria Math" panose="02040503050406030204" pitchFamily="18" charset="0"/>
+                                            </a:rPr>
+                                            <m:t>𝐶</m:t>
+                                          </m:r>
+                                        </m:e>
+                                        <m:sub>
+                                          <m:r>
+                                            <a:rPr kumimoji="1" lang="en-US" altLang="ja-JP" sz="2000" i="1">
+                                              <a:latin typeface="Cambria Math" panose="02040503050406030204" pitchFamily="18" charset="0"/>
+                                            </a:rPr>
+                                            <m:t>𝑓</m:t>
+                                          </m:r>
+                                        </m:sub>
+                                      </m:sSub>
+                                      <m:sSub>
+                                        <m:sSubPr>
+                                          <m:ctrlPr>
+                                            <a:rPr kumimoji="1" lang="en-US" altLang="ja-JP" sz="2000" i="1">
+                                              <a:latin typeface="Cambria Math" panose="02040503050406030204" pitchFamily="18" charset="0"/>
+                                            </a:rPr>
+                                          </m:ctrlPr>
+                                        </m:sSubPr>
+                                        <m:e>
+                                          <m:r>
+                                            <a:rPr kumimoji="1" lang="en-US" altLang="ja-JP" sz="2000" i="1">
+                                              <a:latin typeface="Cambria Math" panose="02040503050406030204" pitchFamily="18" charset="0"/>
+                                            </a:rPr>
+                                            <m:t>𝛼</m:t>
+                                          </m:r>
+                                        </m:e>
+                                        <m:sub>
+                                          <m:r>
+                                            <a:rPr kumimoji="1" lang="en-US" altLang="ja-JP" sz="2000" i="1">
+                                              <a:latin typeface="Cambria Math" panose="02040503050406030204" pitchFamily="18" charset="0"/>
+                                            </a:rPr>
+                                            <m:t>𝑠𝑅𝐺𝐵</m:t>
+                                          </m:r>
+                                        </m:sub>
+                                      </m:sSub>
                                       <m:r>
-                                        <a:rPr kumimoji="1" lang="en-US" altLang="ja-JP" sz="2400" b="0" i="1" smtClean="0">
+                                        <a:rPr kumimoji="1" lang="en-US" altLang="ja-JP" sz="2000" i="1">
                                           <a:latin typeface="Cambria Math" panose="02040503050406030204" pitchFamily="18" charset="0"/>
                                         </a:rPr>
-                                        <m:t>𝛼</m:t>
+                                        <m:t>+</m:t>
                                       </m:r>
-                                    </m:e>
-                                    <m:sub>
+                                      <m:sSub>
+                                        <m:sSubPr>
+                                          <m:ctrlPr>
+                                            <a:rPr kumimoji="1" lang="en-US" altLang="ja-JP" sz="2000" i="1">
+                                              <a:latin typeface="Cambria Math" panose="02040503050406030204" pitchFamily="18" charset="0"/>
+                                            </a:rPr>
+                                          </m:ctrlPr>
+                                        </m:sSubPr>
+                                        <m:e>
+                                          <m:r>
+                                            <a:rPr kumimoji="1" lang="en-US" altLang="ja-JP" sz="2000" i="1">
+                                              <a:latin typeface="Cambria Math" panose="02040503050406030204" pitchFamily="18" charset="0"/>
+                                            </a:rPr>
+                                            <m:t>𝐶</m:t>
+                                          </m:r>
+                                        </m:e>
+                                        <m:sub>
+                                          <m:r>
+                                            <a:rPr kumimoji="1" lang="en-US" altLang="ja-JP" sz="2000" i="1">
+                                              <a:latin typeface="Cambria Math" panose="02040503050406030204" pitchFamily="18" charset="0"/>
+                                            </a:rPr>
+                                            <m:t>𝑏</m:t>
+                                          </m:r>
+                                        </m:sub>
+                                      </m:sSub>
                                       <m:r>
-                                        <a:rPr kumimoji="1" lang="en-US" altLang="ja-JP" sz="2400" b="0" i="1" smtClean="0">
+                                        <a:rPr kumimoji="1" lang="en-US" altLang="ja-JP" sz="2000" i="1">
                                           <a:latin typeface="Cambria Math" panose="02040503050406030204" pitchFamily="18" charset="0"/>
                                         </a:rPr>
-                                        <m:t>𝑠𝑅𝐺𝐵</m:t>
+                                        <m:t>(1−</m:t>
                                       </m:r>
-                                    </m:sub>
-                                  </m:sSub>
-                                  <m:r>
-                                    <a:rPr kumimoji="1" lang="en-US" altLang="ja-JP" sz="2400" b="0" i="1" smtClean="0">
-                                      <a:latin typeface="Cambria Math" panose="02040503050406030204" pitchFamily="18" charset="0"/>
-                                    </a:rPr>
-                                    <m:t>)</m:t>
-                                  </m:r>
-                                </m:num>
-                                <m:den>
-                                  <m:r>
-                                    <a:rPr kumimoji="1" lang="en-US" altLang="ja-JP" sz="2400" b="0" i="1" smtClean="0">
-                                      <a:latin typeface="Cambria Math" panose="02040503050406030204" pitchFamily="18" charset="0"/>
-                                    </a:rPr>
-                                    <m:t>12.92</m:t>
-                                  </m:r>
-                                </m:den>
-                              </m:f>
+                                      <m:sSub>
+                                        <m:sSubPr>
+                                          <m:ctrlPr>
+                                            <a:rPr kumimoji="1" lang="en-US" altLang="ja-JP" sz="2000" i="1">
+                                              <a:latin typeface="Cambria Math" panose="02040503050406030204" pitchFamily="18" charset="0"/>
+                                            </a:rPr>
+                                          </m:ctrlPr>
+                                        </m:sSubPr>
+                                        <m:e>
+                                          <m:r>
+                                            <a:rPr kumimoji="1" lang="en-US" altLang="ja-JP" sz="2000" i="1">
+                                              <a:latin typeface="Cambria Math" panose="02040503050406030204" pitchFamily="18" charset="0"/>
+                                            </a:rPr>
+                                            <m:t>𝛼</m:t>
+                                          </m:r>
+                                        </m:e>
+                                        <m:sub>
+                                          <m:r>
+                                            <a:rPr kumimoji="1" lang="en-US" altLang="ja-JP" sz="2000" i="1">
+                                              <a:latin typeface="Cambria Math" panose="02040503050406030204" pitchFamily="18" charset="0"/>
+                                            </a:rPr>
+                                            <m:t>𝑠𝑅𝐺𝐵</m:t>
+                                          </m:r>
+                                        </m:sub>
+                                      </m:sSub>
+                                      <m:r>
+                                        <a:rPr kumimoji="1" lang="en-US" altLang="ja-JP" sz="2000" i="1">
+                                          <a:latin typeface="Cambria Math" panose="02040503050406030204" pitchFamily="18" charset="0"/>
+                                        </a:rPr>
+                                        <m:t>)</m:t>
+                                      </m:r>
+                                    </m:num>
+                                    <m:den>
+                                      <m:r>
+                                        <a:rPr kumimoji="1" lang="en-US" altLang="ja-JP" sz="2000" i="1">
+                                          <a:latin typeface="Cambria Math" panose="02040503050406030204" pitchFamily="18" charset="0"/>
+                                        </a:rPr>
+                                        <m:t>12.92</m:t>
+                                      </m:r>
+                                    </m:den>
+                                  </m:f>
+                                </m:e>
+                              </m:d>
                               <m:r>
-                                <a:rPr kumimoji="1" lang="en-US" altLang="ja-JP" sz="2400" b="0" i="1" smtClean="0">
+                                <a:rPr kumimoji="1" lang="en-US" altLang="ja-JP" sz="2000" b="0" i="1" smtClean="0">
                                   <a:latin typeface="Cambria Math" panose="02040503050406030204" pitchFamily="18" charset="0"/>
                                 </a:rPr>
-                                <m:t>,                            </m:t>
+                                <m:t>,  </m:t>
+                              </m:r>
+                              <m:r>
+                                <a:rPr kumimoji="1" lang="en-US" altLang="ja-JP" sz="2000" b="0" i="1" smtClean="0">
+                                  <a:latin typeface="Cambria Math" panose="02040503050406030204" pitchFamily="18" charset="0"/>
+                                </a:rPr>
+                                <m:t>                           </m:t>
                               </m:r>
                               <m:sSub>
                                 <m:sSubPr>
                                   <m:ctrlPr>
-                                    <a:rPr kumimoji="1" lang="en-US" altLang="ja-JP" sz="2400" b="0" i="1" smtClean="0">
+                                    <a:rPr kumimoji="1" lang="en-US" altLang="ja-JP" sz="2000" b="0" i="1" smtClean="0">
                                       <a:latin typeface="Cambria Math" panose="02040503050406030204" pitchFamily="18" charset="0"/>
                                     </a:rPr>
                                   </m:ctrlPr>
                                 </m:sSubPr>
                                 <m:e>
                                   <m:r>
-                                    <a:rPr kumimoji="1" lang="en-US" altLang="ja-JP" sz="2400" b="0" i="1" smtClean="0">
+                                    <a:rPr kumimoji="1" lang="en-US" altLang="ja-JP" sz="2000" b="0" i="1" smtClean="0">
                                       <a:latin typeface="Cambria Math" panose="02040503050406030204" pitchFamily="18" charset="0"/>
                                     </a:rPr>
                                     <m:t>𝐶</m:t>
@@ -10957,7 +11343,7 @@
                                 </m:e>
                                 <m:sub>
                                   <m:r>
-                                    <a:rPr kumimoji="1" lang="en-US" altLang="ja-JP" sz="2400" b="0" i="1" smtClean="0">
+                                    <a:rPr kumimoji="1" lang="en-US" altLang="ja-JP" sz="2000" b="0" i="1" smtClean="0">
                                       <a:latin typeface="Cambria Math" panose="02040503050406030204" pitchFamily="18" charset="0"/>
                                     </a:rPr>
                                     <m:t>𝑠𝑅𝐺𝐵</m:t>
@@ -10965,188 +11351,313 @@
                                 </m:sub>
                               </m:sSub>
                               <m:r>
-                                <a:rPr kumimoji="1" lang="en-US" altLang="ja-JP" sz="2400" b="0" i="1" smtClean="0">
+                                <a:rPr kumimoji="1" lang="en-US" altLang="ja-JP" sz="2000" b="0" i="1" smtClean="0">
                                   <a:latin typeface="Cambria Math" panose="02040503050406030204" pitchFamily="18" charset="0"/>
                                 </a:rPr>
                                 <m:t>≤0.04050</m:t>
                               </m:r>
                             </m:e>
                             <m:e>
-                              <m:sSup>
-                                <m:sSupPr>
+                              <m:f>
+                                <m:fPr>
                                   <m:ctrlPr>
-                                    <a:rPr kumimoji="1" lang="en-US" altLang="ja-JP" sz="2400" b="0" i="1" smtClean="0">
+                                    <a:rPr kumimoji="1" lang="en-US" altLang="ja-JP" sz="2000" i="1">
                                       <a:latin typeface="Cambria Math" panose="02040503050406030204" pitchFamily="18" charset="0"/>
                                     </a:rPr>
                                   </m:ctrlPr>
-                                </m:sSupPr>
-                                <m:e>
-                                  <m:d>
-                                    <m:dPr>
+                                </m:fPr>
+                                <m:num>
+                                  <m:r>
+                                    <a:rPr kumimoji="1" lang="en-US" altLang="ja-JP" sz="2000" i="1">
+                                      <a:latin typeface="Cambria Math" panose="02040503050406030204" pitchFamily="18" charset="0"/>
+                                    </a:rPr>
+                                    <m:t>1</m:t>
+                                  </m:r>
+                                </m:num>
+                                <m:den>
+                                  <m:sSub>
+                                    <m:sSubPr>
                                       <m:ctrlPr>
-                                        <a:rPr kumimoji="1" lang="en-US" altLang="ja-JP" sz="2400" b="0" i="1" smtClean="0">
+                                        <a:rPr kumimoji="1" lang="en-US" altLang="ja-JP" sz="2000" i="1">
                                           <a:latin typeface="Cambria Math" panose="02040503050406030204" pitchFamily="18" charset="0"/>
                                         </a:rPr>
                                       </m:ctrlPr>
-                                    </m:dPr>
+                                    </m:sSubPr>
                                     <m:e>
-                                      <m:f>
-                                        <m:fPr>
+                                      <m:r>
+                                        <a:rPr kumimoji="1" lang="en-US" altLang="ja-JP" sz="2000" i="1">
+                                          <a:latin typeface="Cambria Math" panose="02040503050406030204" pitchFamily="18" charset="0"/>
+                                        </a:rPr>
+                                        <m:t>𝐶</m:t>
+                                      </m:r>
+                                    </m:e>
+                                    <m:sub>
+                                      <m:r>
+                                        <a:rPr kumimoji="1" lang="en-US" altLang="ja-JP" sz="2000" i="1">
+                                          <a:latin typeface="Cambria Math" panose="02040503050406030204" pitchFamily="18" charset="0"/>
+                                        </a:rPr>
+                                        <m:t>𝑓</m:t>
+                                      </m:r>
+                                    </m:sub>
+                                  </m:sSub>
+                                  <m:r>
+                                    <a:rPr kumimoji="1" lang="en-US" altLang="ja-JP" sz="2000" i="1">
+                                      <a:latin typeface="Cambria Math" panose="02040503050406030204" pitchFamily="18" charset="0"/>
+                                    </a:rPr>
+                                    <m:t>−</m:t>
+                                  </m:r>
+                                  <m:sSub>
+                                    <m:sSubPr>
+                                      <m:ctrlPr>
+                                        <a:rPr kumimoji="1" lang="en-US" altLang="ja-JP" sz="2000" i="1">
+                                          <a:latin typeface="Cambria Math" panose="02040503050406030204" pitchFamily="18" charset="0"/>
+                                        </a:rPr>
+                                      </m:ctrlPr>
+                                    </m:sSubPr>
+                                    <m:e>
+                                      <m:r>
+                                        <a:rPr kumimoji="1" lang="en-US" altLang="ja-JP" sz="2000" i="1">
+                                          <a:latin typeface="Cambria Math" panose="02040503050406030204" pitchFamily="18" charset="0"/>
+                                        </a:rPr>
+                                        <m:t>𝐶</m:t>
+                                      </m:r>
+                                    </m:e>
+                                    <m:sub>
+                                      <m:r>
+                                        <a:rPr kumimoji="1" lang="en-US" altLang="ja-JP" sz="2000" i="1">
+                                          <a:latin typeface="Cambria Math" panose="02040503050406030204" pitchFamily="18" charset="0"/>
+                                        </a:rPr>
+                                        <m:t>𝑏</m:t>
+                                      </m:r>
+                                    </m:sub>
+                                  </m:sSub>
+                                </m:den>
+                              </m:f>
+                              <m:d>
+                                <m:dPr>
+                                  <m:begChr m:val="["/>
+                                  <m:endChr m:val="]"/>
+                                  <m:ctrlPr>
+                                    <a:rPr kumimoji="1" lang="en-US" altLang="ja-JP" sz="2000" b="0" i="1" smtClean="0">
+                                      <a:latin typeface="Cambria Math" panose="02040503050406030204" pitchFamily="18" charset="0"/>
+                                    </a:rPr>
+                                  </m:ctrlPr>
+                                </m:dPr>
+                                <m:e>
+                                  <m:r>
+                                    <a:rPr kumimoji="1" lang="en-US" altLang="ja-JP" sz="2000" i="1">
+                                      <a:latin typeface="Cambria Math" panose="02040503050406030204" pitchFamily="18" charset="0"/>
+                                    </a:rPr>
+                                    <m:t>−</m:t>
+                                  </m:r>
+                                  <m:sSub>
+                                    <m:sSubPr>
+                                      <m:ctrlPr>
+                                        <a:rPr kumimoji="1" lang="en-US" altLang="ja-JP" sz="2000" i="1">
+                                          <a:latin typeface="Cambria Math" panose="02040503050406030204" pitchFamily="18" charset="0"/>
+                                        </a:rPr>
+                                      </m:ctrlPr>
+                                    </m:sSubPr>
+                                    <m:e>
+                                      <m:r>
+                                        <a:rPr kumimoji="1" lang="en-US" altLang="ja-JP" sz="2000" i="1">
+                                          <a:latin typeface="Cambria Math" panose="02040503050406030204" pitchFamily="18" charset="0"/>
+                                        </a:rPr>
+                                        <m:t>𝐶</m:t>
+                                      </m:r>
+                                    </m:e>
+                                    <m:sub>
+                                      <m:r>
+                                        <a:rPr kumimoji="1" lang="en-US" altLang="ja-JP" sz="2000" i="1">
+                                          <a:latin typeface="Cambria Math" panose="02040503050406030204" pitchFamily="18" charset="0"/>
+                                        </a:rPr>
+                                        <m:t>𝑏</m:t>
+                                      </m:r>
+                                    </m:sub>
+                                  </m:sSub>
+                                  <m:r>
+                                    <a:rPr kumimoji="1" lang="en-US" altLang="ja-JP" sz="2000" i="1">
+                                      <a:latin typeface="Cambria Math" panose="02040503050406030204" pitchFamily="18" charset="0"/>
+                                    </a:rPr>
+                                    <m:t>+</m:t>
+                                  </m:r>
+                                  <m:sSup>
+                                    <m:sSupPr>
+                                      <m:ctrlPr>
+                                        <a:rPr kumimoji="1" lang="en-US" altLang="ja-JP" sz="2000" i="1">
+                                          <a:latin typeface="Cambria Math" panose="02040503050406030204" pitchFamily="18" charset="0"/>
+                                        </a:rPr>
+                                      </m:ctrlPr>
+                                    </m:sSupPr>
+                                    <m:e>
+                                      <m:d>
+                                        <m:dPr>
                                           <m:ctrlPr>
-                                            <a:rPr kumimoji="1" lang="en-US" altLang="ja-JP" sz="2400" b="0" i="1" smtClean="0">
+                                            <a:rPr kumimoji="1" lang="en-US" altLang="ja-JP" sz="2000" i="1">
                                               <a:latin typeface="Cambria Math" panose="02040503050406030204" pitchFamily="18" charset="0"/>
                                             </a:rPr>
                                           </m:ctrlPr>
-                                        </m:fPr>
-                                        <m:num>
-                                          <m:sSub>
-                                            <m:sSubPr>
+                                        </m:dPr>
+                                        <m:e>
+                                          <m:f>
+                                            <m:fPr>
                                               <m:ctrlPr>
-                                                <a:rPr kumimoji="1" lang="en-US" altLang="ja-JP" sz="2400" i="1">
+                                                <a:rPr kumimoji="1" lang="en-US" altLang="ja-JP" sz="2000" i="1">
                                                   <a:latin typeface="Cambria Math" panose="02040503050406030204" pitchFamily="18" charset="0"/>
                                                 </a:rPr>
                                               </m:ctrlPr>
-                                            </m:sSubPr>
-                                            <m:e>
+                                            </m:fPr>
+                                            <m:num>
+                                              <m:sSub>
+                                                <m:sSubPr>
+                                                  <m:ctrlPr>
+                                                    <a:rPr kumimoji="1" lang="en-US" altLang="ja-JP" sz="2000" i="1">
+                                                      <a:latin typeface="Cambria Math" panose="02040503050406030204" pitchFamily="18" charset="0"/>
+                                                    </a:rPr>
+                                                  </m:ctrlPr>
+                                                </m:sSubPr>
+                                                <m:e>
+                                                  <m:r>
+                                                    <a:rPr kumimoji="1" lang="en-US" altLang="ja-JP" sz="2000" i="1">
+                                                      <a:latin typeface="Cambria Math" panose="02040503050406030204" pitchFamily="18" charset="0"/>
+                                                    </a:rPr>
+                                                    <m:t>𝐶</m:t>
+                                                  </m:r>
+                                                </m:e>
+                                                <m:sub>
+                                                  <m:r>
+                                                    <a:rPr kumimoji="1" lang="en-US" altLang="ja-JP" sz="2000" i="1">
+                                                      <a:latin typeface="Cambria Math" panose="02040503050406030204" pitchFamily="18" charset="0"/>
+                                                    </a:rPr>
+                                                    <m:t>𝑓</m:t>
+                                                  </m:r>
+                                                </m:sub>
+                                              </m:sSub>
+                                              <m:sSub>
+                                                <m:sSubPr>
+                                                  <m:ctrlPr>
+                                                    <a:rPr kumimoji="1" lang="en-US" altLang="ja-JP" sz="2000" i="1">
+                                                      <a:latin typeface="Cambria Math" panose="02040503050406030204" pitchFamily="18" charset="0"/>
+                                                    </a:rPr>
+                                                  </m:ctrlPr>
+                                                </m:sSubPr>
+                                                <m:e>
+                                                  <m:r>
+                                                    <a:rPr kumimoji="1" lang="en-US" altLang="ja-JP" sz="2000" i="1">
+                                                      <a:latin typeface="Cambria Math" panose="02040503050406030204" pitchFamily="18" charset="0"/>
+                                                    </a:rPr>
+                                                    <m:t>𝛼</m:t>
+                                                  </m:r>
+                                                </m:e>
+                                                <m:sub>
+                                                  <m:r>
+                                                    <a:rPr kumimoji="1" lang="en-US" altLang="ja-JP" sz="2000" i="1">
+                                                      <a:latin typeface="Cambria Math" panose="02040503050406030204" pitchFamily="18" charset="0"/>
+                                                    </a:rPr>
+                                                    <m:t>𝑠𝑅𝐺𝐵</m:t>
+                                                  </m:r>
+                                                </m:sub>
+                                              </m:sSub>
                                               <m:r>
-                                                <a:rPr kumimoji="1" lang="en-US" altLang="ja-JP" sz="2400" i="1">
+                                                <a:rPr kumimoji="1" lang="en-US" altLang="ja-JP" sz="2000" i="1">
                                                   <a:latin typeface="Cambria Math" panose="02040503050406030204" pitchFamily="18" charset="0"/>
                                                 </a:rPr>
-                                                <m:t>𝐶</m:t>
+                                                <m:t>+</m:t>
                                               </m:r>
-                                            </m:e>
-                                            <m:sub>
+                                              <m:sSub>
+                                                <m:sSubPr>
+                                                  <m:ctrlPr>
+                                                    <a:rPr kumimoji="1" lang="en-US" altLang="ja-JP" sz="2000" i="1">
+                                                      <a:latin typeface="Cambria Math" panose="02040503050406030204" pitchFamily="18" charset="0"/>
+                                                    </a:rPr>
+                                                  </m:ctrlPr>
+                                                </m:sSubPr>
+                                                <m:e>
+                                                  <m:r>
+                                                    <a:rPr kumimoji="1" lang="en-US" altLang="ja-JP" sz="2000" i="1">
+                                                      <a:latin typeface="Cambria Math" panose="02040503050406030204" pitchFamily="18" charset="0"/>
+                                                    </a:rPr>
+                                                    <m:t>𝐶</m:t>
+                                                  </m:r>
+                                                </m:e>
+                                                <m:sub>
+                                                  <m:r>
+                                                    <a:rPr kumimoji="1" lang="en-US" altLang="ja-JP" sz="2000" i="1">
+                                                      <a:latin typeface="Cambria Math" panose="02040503050406030204" pitchFamily="18" charset="0"/>
+                                                    </a:rPr>
+                                                    <m:t>𝑏</m:t>
+                                                  </m:r>
+                                                </m:sub>
+                                              </m:sSub>
                                               <m:r>
-                                                <a:rPr kumimoji="1" lang="en-US" altLang="ja-JP" sz="2400" i="1">
+                                                <a:rPr kumimoji="1" lang="en-US" altLang="ja-JP" sz="2000" i="1">
                                                   <a:latin typeface="Cambria Math" panose="02040503050406030204" pitchFamily="18" charset="0"/>
                                                 </a:rPr>
-                                                <m:t>𝑓</m:t>
+                                                <m:t>(1−</m:t>
                                               </m:r>
-                                            </m:sub>
-                                          </m:sSub>
-                                          <m:sSub>
-                                            <m:sSubPr>
-                                              <m:ctrlPr>
-                                                <a:rPr kumimoji="1" lang="en-US" altLang="ja-JP" sz="2400" i="1">
+                                              <m:sSub>
+                                                <m:sSubPr>
+                                                  <m:ctrlPr>
+                                                    <a:rPr kumimoji="1" lang="en-US" altLang="ja-JP" sz="2000" i="1">
+                                                      <a:latin typeface="Cambria Math" panose="02040503050406030204" pitchFamily="18" charset="0"/>
+                                                    </a:rPr>
+                                                  </m:ctrlPr>
+                                                </m:sSubPr>
+                                                <m:e>
+                                                  <m:r>
+                                                    <a:rPr kumimoji="1" lang="en-US" altLang="ja-JP" sz="2000" i="1">
+                                                      <a:latin typeface="Cambria Math" panose="02040503050406030204" pitchFamily="18" charset="0"/>
+                                                    </a:rPr>
+                                                    <m:t>𝛼</m:t>
+                                                  </m:r>
+                                                </m:e>
+                                                <m:sub>
+                                                  <m:r>
+                                                    <a:rPr kumimoji="1" lang="en-US" altLang="ja-JP" sz="2000" i="1">
+                                                      <a:latin typeface="Cambria Math" panose="02040503050406030204" pitchFamily="18" charset="0"/>
+                                                    </a:rPr>
+                                                    <m:t>𝑠𝑅𝐺𝐵</m:t>
+                                                  </m:r>
+                                                </m:sub>
+                                              </m:sSub>
+                                              <m:r>
+                                                <a:rPr kumimoji="1" lang="en-US" altLang="ja-JP" sz="2000" i="1">
                                                   <a:latin typeface="Cambria Math" panose="02040503050406030204" pitchFamily="18" charset="0"/>
                                                 </a:rPr>
-                                              </m:ctrlPr>
-                                            </m:sSubPr>
-                                            <m:e>
+                                                <m:t>)</m:t>
+                                              </m:r>
                                               <m:r>
-                                                <a:rPr kumimoji="1" lang="en-US" altLang="ja-JP" sz="2400" i="1">
+                                                <a:rPr kumimoji="1" lang="en-US" altLang="ja-JP" sz="2000" i="1">
                                                   <a:latin typeface="Cambria Math" panose="02040503050406030204" pitchFamily="18" charset="0"/>
                                                 </a:rPr>
-                                                <m:t>𝛼</m:t>
+                                                <m:t>+0.055</m:t>
                                               </m:r>
-                                            </m:e>
-                                            <m:sub>
+                                            </m:num>
+                                            <m:den>
                                               <m:r>
-                                                <a:rPr kumimoji="1" lang="en-US" altLang="ja-JP" sz="2400" i="1">
+                                                <a:rPr kumimoji="1" lang="en-US" altLang="ja-JP" sz="2000" i="1">
                                                   <a:latin typeface="Cambria Math" panose="02040503050406030204" pitchFamily="18" charset="0"/>
                                                 </a:rPr>
-                                                <m:t>𝑠𝑅𝐺𝐵</m:t>
+                                                <m:t>1.055</m:t>
                                               </m:r>
-                                            </m:sub>
-                                          </m:sSub>
-                                          <m:r>
-                                            <a:rPr kumimoji="1" lang="en-US" altLang="ja-JP" sz="2400" i="1">
-                                              <a:latin typeface="Cambria Math" panose="02040503050406030204" pitchFamily="18" charset="0"/>
-                                            </a:rPr>
-                                            <m:t>+</m:t>
-                                          </m:r>
-                                          <m:sSub>
-                                            <m:sSubPr>
-                                              <m:ctrlPr>
-                                                <a:rPr kumimoji="1" lang="en-US" altLang="ja-JP" sz="2400" i="1">
-                                                  <a:latin typeface="Cambria Math" panose="02040503050406030204" pitchFamily="18" charset="0"/>
-                                                </a:rPr>
-                                              </m:ctrlPr>
-                                            </m:sSubPr>
-                                            <m:e>
-                                              <m:r>
-                                                <a:rPr kumimoji="1" lang="en-US" altLang="ja-JP" sz="2400" i="1">
-                                                  <a:latin typeface="Cambria Math" panose="02040503050406030204" pitchFamily="18" charset="0"/>
-                                                </a:rPr>
-                                                <m:t>𝐶</m:t>
-                                              </m:r>
-                                            </m:e>
-                                            <m:sub>
-                                              <m:r>
-                                                <a:rPr kumimoji="1" lang="en-US" altLang="ja-JP" sz="2400" i="1">
-                                                  <a:latin typeface="Cambria Math" panose="02040503050406030204" pitchFamily="18" charset="0"/>
-                                                </a:rPr>
-                                                <m:t>𝑏</m:t>
-                                              </m:r>
-                                            </m:sub>
-                                          </m:sSub>
-                                          <m:r>
-                                            <a:rPr kumimoji="1" lang="en-US" altLang="ja-JP" sz="2400" i="1">
-                                              <a:latin typeface="Cambria Math" panose="02040503050406030204" pitchFamily="18" charset="0"/>
-                                            </a:rPr>
-                                            <m:t>(1−</m:t>
-                                          </m:r>
-                                          <m:sSub>
-                                            <m:sSubPr>
-                                              <m:ctrlPr>
-                                                <a:rPr kumimoji="1" lang="en-US" altLang="ja-JP" sz="2400" i="1">
-                                                  <a:latin typeface="Cambria Math" panose="02040503050406030204" pitchFamily="18" charset="0"/>
-                                                </a:rPr>
-                                              </m:ctrlPr>
-                                            </m:sSubPr>
-                                            <m:e>
-                                              <m:r>
-                                                <a:rPr kumimoji="1" lang="en-US" altLang="ja-JP" sz="2400" i="1">
-                                                  <a:latin typeface="Cambria Math" panose="02040503050406030204" pitchFamily="18" charset="0"/>
-                                                </a:rPr>
-                                                <m:t>𝛼</m:t>
-                                              </m:r>
-                                            </m:e>
-                                            <m:sub>
-                                              <m:r>
-                                                <a:rPr kumimoji="1" lang="en-US" altLang="ja-JP" sz="2400" i="1">
-                                                  <a:latin typeface="Cambria Math" panose="02040503050406030204" pitchFamily="18" charset="0"/>
-                                                </a:rPr>
-                                                <m:t>𝑠𝑅𝐺𝐵</m:t>
-                                              </m:r>
-                                            </m:sub>
-                                          </m:sSub>
-                                          <m:r>
-                                            <a:rPr kumimoji="1" lang="en-US" altLang="ja-JP" sz="2400" i="1">
-                                              <a:latin typeface="Cambria Math" panose="02040503050406030204" pitchFamily="18" charset="0"/>
-                                            </a:rPr>
-                                            <m:t>)</m:t>
-                                          </m:r>
-                                          <m:r>
-                                            <a:rPr kumimoji="1" lang="en-US" altLang="ja-JP" sz="2400" b="0" i="1" smtClean="0">
-                                              <a:latin typeface="Cambria Math" panose="02040503050406030204" pitchFamily="18" charset="0"/>
-                                            </a:rPr>
-                                            <m:t>+0.055</m:t>
-                                          </m:r>
-                                        </m:num>
-                                        <m:den>
-                                          <m:r>
-                                            <a:rPr kumimoji="1" lang="en-US" altLang="ja-JP" sz="2400" b="0" i="1" smtClean="0">
-                                              <a:latin typeface="Cambria Math" panose="02040503050406030204" pitchFamily="18" charset="0"/>
-                                            </a:rPr>
-                                            <m:t>1.055</m:t>
-                                          </m:r>
-                                        </m:den>
-                                      </m:f>
+                                            </m:den>
+                                          </m:f>
+                                        </m:e>
+                                      </m:d>
                                     </m:e>
-                                  </m:d>
+                                    <m:sup>
+                                      <m:r>
+                                        <a:rPr kumimoji="1" lang="en-US" altLang="ja-JP" sz="2000" i="1">
+                                          <a:latin typeface="Cambria Math" panose="02040503050406030204" pitchFamily="18" charset="0"/>
+                                        </a:rPr>
+                                        <m:t>2.4</m:t>
+                                      </m:r>
+                                    </m:sup>
+                                  </m:sSup>
                                 </m:e>
-                                <m:sup>
-                                  <m:r>
-                                    <a:rPr kumimoji="1" lang="en-US" altLang="ja-JP" sz="2400" b="0" i="1" smtClean="0">
-                                      <a:latin typeface="Cambria Math" panose="02040503050406030204" pitchFamily="18" charset="0"/>
-                                    </a:rPr>
-                                    <m:t>2.4</m:t>
-                                  </m:r>
-                                </m:sup>
-                              </m:sSup>
+                              </m:d>
                               <m:r>
-                                <a:rPr kumimoji="1" lang="en-US" altLang="ja-JP" sz="2400" b="0" i="1" smtClean="0">
+                                <a:rPr kumimoji="1" lang="en-US" altLang="ja-JP" sz="2000" b="0" i="1" smtClean="0">
                                   <a:latin typeface="Cambria Math" panose="02040503050406030204" pitchFamily="18" charset="0"/>
                                 </a:rPr>
                                 <m:t>,  </m:t>
@@ -11154,14 +11665,14 @@
                               <m:sSub>
                                 <m:sSubPr>
                                   <m:ctrlPr>
-                                    <a:rPr kumimoji="1" lang="en-US" altLang="ja-JP" sz="2400" i="1">
+                                    <a:rPr kumimoji="1" lang="en-US" altLang="ja-JP" sz="2000" i="1">
                                       <a:latin typeface="Cambria Math" panose="02040503050406030204" pitchFamily="18" charset="0"/>
                                     </a:rPr>
                                   </m:ctrlPr>
                                 </m:sSubPr>
                                 <m:e>
                                   <m:r>
-                                    <a:rPr kumimoji="1" lang="en-US" altLang="ja-JP" sz="2400" i="1">
+                                    <a:rPr kumimoji="1" lang="en-US" altLang="ja-JP" sz="2000" i="1">
                                       <a:latin typeface="Cambria Math" panose="02040503050406030204" pitchFamily="18" charset="0"/>
                                     </a:rPr>
                                     <m:t>𝐶</m:t>
@@ -11169,7 +11680,7 @@
                                 </m:e>
                                 <m:sub>
                                   <m:r>
-                                    <a:rPr kumimoji="1" lang="en-US" altLang="ja-JP" sz="2400" i="1">
+                                    <a:rPr kumimoji="1" lang="en-US" altLang="ja-JP" sz="2000" i="1">
                                       <a:latin typeface="Cambria Math" panose="02040503050406030204" pitchFamily="18" charset="0"/>
                                     </a:rPr>
                                     <m:t>𝑠𝑅𝐺𝐵</m:t>
@@ -11177,7 +11688,7 @@
                                 </m:sub>
                               </m:sSub>
                               <m:r>
-                                <a:rPr kumimoji="1" lang="en-US" altLang="ja-JP" sz="2400" b="0" i="1" smtClean="0">
+                                <a:rPr kumimoji="1" lang="en-US" altLang="ja-JP" sz="2000" b="0" i="1" smtClean="0">
                                   <a:latin typeface="Cambria Math" panose="02040503050406030204" pitchFamily="18" charset="0"/>
                                 </a:rPr>
                                 <m:t>&gt;0.04050</m:t>
@@ -11189,7 +11700,7 @@
                     </m:oMath>
                   </m:oMathPara>
                 </a14:m>
-                <a:endParaRPr kumimoji="1" lang="ja-JP" altLang="en-US" sz="2400" dirty="0"/>
+                <a:endParaRPr kumimoji="1" lang="ja-JP" altLang="en-US" sz="2000" dirty="0"/>
               </a:p>
             </p:txBody>
           </p:sp>
@@ -11212,7 +11723,7 @@
             <p:spPr>
               <a:xfrm>
                 <a:off x="2184618" y="1222743"/>
-                <a:ext cx="9934304" cy="1765483"/>
+                <a:ext cx="9934304" cy="1624419"/>
               </a:xfrm>
               <a:prstGeom prst="rect">
                 <a:avLst/>
@@ -11278,8 +11789,8 @@
           </a:p>
         </p:txBody>
       </p:sp>
-      <mc:AlternateContent xmlns:mc="http://schemas.openxmlformats.org/markup-compatibility/2006">
-        <mc:Choice xmlns:a14="http://schemas.microsoft.com/office/drawing/2010/main" Requires="a14">
+      <mc:AlternateContent xmlns:mc="http://schemas.openxmlformats.org/markup-compatibility/2006" xmlns:a14="http://schemas.microsoft.com/office/drawing/2010/main">
+        <mc:Choice Requires="a14">
           <p:sp>
             <p:nvSpPr>
               <p:cNvPr id="17" name="テキスト ボックス 16">
@@ -11412,7 +11923,7 @@
             </p:txBody>
           </p:sp>
         </mc:Choice>
-        <mc:Fallback>
+        <mc:Fallback xmlns="">
           <p:sp>
             <p:nvSpPr>
               <p:cNvPr id="17" name="テキスト ボックス 16">
@@ -11457,8 +11968,8 @@
           </p:sp>
         </mc:Fallback>
       </mc:AlternateContent>
-      <mc:AlternateContent xmlns:mc="http://schemas.openxmlformats.org/markup-compatibility/2006">
-        <mc:Choice xmlns:a14="http://schemas.microsoft.com/office/drawing/2010/main" Requires="a14">
+      <mc:AlternateContent xmlns:mc="http://schemas.openxmlformats.org/markup-compatibility/2006" xmlns:a14="http://schemas.microsoft.com/office/drawing/2010/main">
+        <mc:Choice Requires="a14">
           <p:sp>
             <p:nvSpPr>
               <p:cNvPr id="19" name="テキスト ボックス 18">
@@ -11599,13 +12110,7 @@
                                 <a:rPr kumimoji="1" lang="en-US" altLang="ja-JP" sz="2400" b="0" i="1" smtClean="0">
                                   <a:latin typeface="Cambria Math" panose="02040503050406030204" pitchFamily="18" charset="0"/>
                                 </a:rPr>
-                                <m:t>,                            </m:t>
-                              </m:r>
-                              <m:r>
-                                <a:rPr kumimoji="1" lang="en-US" altLang="ja-JP" sz="2400" b="0" i="1" smtClean="0">
-                                  <a:latin typeface="Cambria Math" panose="02040503050406030204" pitchFamily="18" charset="0"/>
-                                </a:rPr>
-                                <m:t>        </m:t>
+                                <m:t>,                                    </m:t>
                               </m:r>
                               <m:sSub>
                                 <m:sSubPr>
@@ -11730,13 +12235,7 @@
                                 <a:rPr kumimoji="1" lang="en-US" altLang="ja-JP" sz="2400" b="0" i="1" smtClean="0">
                                   <a:latin typeface="Cambria Math" panose="02040503050406030204" pitchFamily="18" charset="0"/>
                                 </a:rPr>
-                                <m:t>,  </m:t>
-                              </m:r>
-                              <m:r>
-                                <a:rPr kumimoji="1" lang="en-US" altLang="ja-JP" sz="2400" b="0" i="1" smtClean="0">
-                                  <a:latin typeface="Cambria Math" panose="02040503050406030204" pitchFamily="18" charset="0"/>
-                                </a:rPr>
-                                <m:t>       </m:t>
+                                <m:t>,         </m:t>
                               </m:r>
                               <m:sSub>
                                 <m:sSubPr>
@@ -11781,7 +12280,7 @@
             </p:txBody>
           </p:sp>
         </mc:Choice>
-        <mc:Fallback>
+        <mc:Fallback xmlns="">
           <p:sp>
             <p:nvSpPr>
               <p:cNvPr id="19" name="テキスト ボックス 18">
@@ -11826,8 +12325,8 @@
           </p:sp>
         </mc:Fallback>
       </mc:AlternateContent>
-      <mc:AlternateContent xmlns:mc="http://schemas.openxmlformats.org/markup-compatibility/2006">
-        <mc:Choice xmlns:a14="http://schemas.microsoft.com/office/drawing/2010/main" Requires="a14">
+      <mc:AlternateContent xmlns:mc="http://schemas.openxmlformats.org/markup-compatibility/2006" xmlns:a14="http://schemas.microsoft.com/office/drawing/2010/main">
+        <mc:Choice Requires="a14">
           <p:sp>
             <p:nvSpPr>
               <p:cNvPr id="20" name="テキスト ボックス 19">
@@ -11891,13 +12390,7 @@
                       <a:rPr kumimoji="1" lang="en-US" altLang="ja-JP" sz="1800" b="0" i="1" smtClean="0">
                         <a:latin typeface="Cambria Math" panose="02040503050406030204" pitchFamily="18" charset="0"/>
                       </a:rPr>
-                      <m:t>=</m:t>
-                    </m:r>
-                    <m:r>
-                      <a:rPr kumimoji="1" lang="en-US" altLang="ja-JP" sz="1800" b="0" i="1" smtClean="0">
-                        <a:latin typeface="Cambria Math" panose="02040503050406030204" pitchFamily="18" charset="0"/>
-                      </a:rPr>
-                      <m:t>1</m:t>
+                      <m:t>=1</m:t>
                     </m:r>
                   </m:oMath>
                 </a14:m>
@@ -11966,7 +12459,7 @@
             </p:txBody>
           </p:sp>
         </mc:Choice>
-        <mc:Fallback>
+        <mc:Fallback xmlns="">
           <p:sp>
             <p:nvSpPr>
               <p:cNvPr id="20" name="テキスト ボックス 19">

--- a/Assets/TransparencyConverter/Documentation~/TransparencyConverter.pptx
+++ b/Assets/TransparencyConverter/Documentation~/TransparencyConverter.pptx
@@ -1,6 +1,6 @@
 
 <file path=ppt/presentation.xml><?xml version="1.0" encoding="utf-8"?>
-<p:presentation xmlns:a="http://schemas.openxmlformats.org/drawingml/2006/main" xmlns:r="http://schemas.openxmlformats.org/officeDocument/2006/relationships" xmlns:p="http://schemas.openxmlformats.org/presentationml/2006/main" saveSubsetFonts="1">
+<p:presentation xmlns:a="http://schemas.openxmlformats.org/drawingml/2006/main" xmlns:r="http://schemas.openxmlformats.org/officeDocument/2006/relationships" xmlns:p="http://schemas.openxmlformats.org/presentationml/2006/main" showSpecialPlsOnTitleSld="0" saveSubsetFonts="1">
   <p:sldMasterIdLst>
     <p:sldMasterId id="2147483660" r:id="rId1"/>
   </p:sldMasterIdLst>
@@ -719,7 +719,7 @@
           <a:bodyPr/>
           <a:lstStyle/>
           <a:p>
-            <a:fld id="{F8DD28C1-F42F-4DF0-94C6-558A7FE09A60}" type="datetimeFigureOut">
+            <a:fld id="{80BB5D91-1011-44B8-81EA-A94B6049E979}" type="datetime1">
               <a:rPr kumimoji="1" lang="ja-JP" altLang="en-US" smtClean="0"/>
               <a:t>2022/4/27</a:t>
             </a:fld>
@@ -921,7 +921,7 @@
           <a:bodyPr/>
           <a:lstStyle/>
           <a:p>
-            <a:fld id="{F8DD28C1-F42F-4DF0-94C6-558A7FE09A60}" type="datetimeFigureOut">
+            <a:fld id="{0DEA6BB7-C058-4609-A4E1-4FD3ED3CC4CE}" type="datetime1">
               <a:rPr kumimoji="1" lang="ja-JP" altLang="en-US" smtClean="0"/>
               <a:t>2022/4/27</a:t>
             </a:fld>
@@ -1133,7 +1133,7 @@
           <a:bodyPr/>
           <a:lstStyle/>
           <a:p>
-            <a:fld id="{F8DD28C1-F42F-4DF0-94C6-558A7FE09A60}" type="datetimeFigureOut">
+            <a:fld id="{DA5D8399-9EFC-4483-9149-ED6E62448EBD}" type="datetime1">
               <a:rPr kumimoji="1" lang="ja-JP" altLang="en-US" smtClean="0"/>
               <a:t>2022/4/27</a:t>
             </a:fld>
@@ -1335,7 +1335,7 @@
           <a:bodyPr/>
           <a:lstStyle/>
           <a:p>
-            <a:fld id="{F8DD28C1-F42F-4DF0-94C6-558A7FE09A60}" type="datetimeFigureOut">
+            <a:fld id="{5C6ECE7D-962D-4B34-B88B-05AA94E32465}" type="datetime1">
               <a:rPr kumimoji="1" lang="ja-JP" altLang="en-US" smtClean="0"/>
               <a:t>2022/4/27</a:t>
             </a:fld>
@@ -1579,7 +1579,7 @@
           <a:bodyPr/>
           <a:lstStyle/>
           <a:p>
-            <a:fld id="{F8DD28C1-F42F-4DF0-94C6-558A7FE09A60}" type="datetimeFigureOut">
+            <a:fld id="{D5BED519-8683-4E3A-B5F6-E8FEE140D1F4}" type="datetime1">
               <a:rPr kumimoji="1" lang="ja-JP" altLang="en-US" smtClean="0"/>
               <a:t>2022/4/27</a:t>
             </a:fld>
@@ -1875,7 +1875,7 @@
           <a:bodyPr/>
           <a:lstStyle/>
           <a:p>
-            <a:fld id="{F8DD28C1-F42F-4DF0-94C6-558A7FE09A60}" type="datetimeFigureOut">
+            <a:fld id="{4804B052-93F1-4B04-832A-394E3E43A733}" type="datetime1">
               <a:rPr kumimoji="1" lang="ja-JP" altLang="en-US" smtClean="0"/>
               <a:t>2022/4/27</a:t>
             </a:fld>
@@ -2306,7 +2306,7 @@
           <a:bodyPr/>
           <a:lstStyle/>
           <a:p>
-            <a:fld id="{F8DD28C1-F42F-4DF0-94C6-558A7FE09A60}" type="datetimeFigureOut">
+            <a:fld id="{6C30526E-AA34-4CD2-AB48-1F6A4B41DA5B}" type="datetime1">
               <a:rPr kumimoji="1" lang="ja-JP" altLang="en-US" smtClean="0"/>
               <a:t>2022/4/27</a:t>
             </a:fld>
@@ -2424,7 +2424,7 @@
           <a:bodyPr/>
           <a:lstStyle/>
           <a:p>
-            <a:fld id="{F8DD28C1-F42F-4DF0-94C6-558A7FE09A60}" type="datetimeFigureOut">
+            <a:fld id="{EA7D5DD9-A1C9-4B26-A284-96C03515D2C7}" type="datetime1">
               <a:rPr kumimoji="1" lang="ja-JP" altLang="en-US" smtClean="0"/>
               <a:t>2022/4/27</a:t>
             </a:fld>
@@ -2519,7 +2519,7 @@
           <a:bodyPr/>
           <a:lstStyle/>
           <a:p>
-            <a:fld id="{F8DD28C1-F42F-4DF0-94C6-558A7FE09A60}" type="datetimeFigureOut">
+            <a:fld id="{DC6DBA26-0BCA-4296-9BF6-F2006CCCDBF4}" type="datetime1">
               <a:rPr kumimoji="1" lang="ja-JP" altLang="en-US" smtClean="0"/>
               <a:t>2022/4/27</a:t>
             </a:fld>
@@ -2828,7 +2828,7 @@
           <a:bodyPr/>
           <a:lstStyle/>
           <a:p>
-            <a:fld id="{F8DD28C1-F42F-4DF0-94C6-558A7FE09A60}" type="datetimeFigureOut">
+            <a:fld id="{A7571BFA-B192-4576-9E57-6301003E117D}" type="datetime1">
               <a:rPr kumimoji="1" lang="ja-JP" altLang="en-US" smtClean="0"/>
               <a:t>2022/4/27</a:t>
             </a:fld>
@@ -3085,7 +3085,7 @@
           <a:bodyPr/>
           <a:lstStyle/>
           <a:p>
-            <a:fld id="{F8DD28C1-F42F-4DF0-94C6-558A7FE09A60}" type="datetimeFigureOut">
+            <a:fld id="{AE29FEB6-D735-4413-B187-B3A492FAAE59}" type="datetime1">
               <a:rPr kumimoji="1" lang="ja-JP" altLang="en-US" smtClean="0"/>
               <a:t>2022/4/27</a:t>
             </a:fld>
@@ -3330,7 +3330,7 @@
             </a:lvl1pPr>
           </a:lstStyle>
           <a:p>
-            <a:fld id="{F8DD28C1-F42F-4DF0-94C6-558A7FE09A60}" type="datetimeFigureOut">
+            <a:fld id="{4EF603E5-A3EC-4228-BC6E-A60C225678DA}" type="datetime1">
               <a:rPr kumimoji="1" lang="ja-JP" altLang="en-US" smtClean="0"/>
               <a:t>2022/4/27</a:t>
             </a:fld>
@@ -3437,6 +3437,7 @@
     <p:sldLayoutId id="2147483670" r:id="rId10"/>
     <p:sldLayoutId id="2147483671" r:id="rId11"/>
   </p:sldLayoutIdLst>
+  <p:hf hdr="0" ftr="0" dt="0"/>
   <p:txStyles>
     <p:titleStyle>
       <a:lvl1pPr algn="l" defTabSz="1280160" rtl="0" eaLnBrk="1" latinLnBrk="0" hangingPunct="1">
@@ -3895,8 +3896,8 @@
           <a:chExt cx="0" cy="0"/>
         </a:xfrm>
       </p:grpSpPr>
-      <mc:AlternateContent xmlns:mc="http://schemas.openxmlformats.org/markup-compatibility/2006">
-        <mc:Choice xmlns:a14="http://schemas.microsoft.com/office/drawing/2010/main" Requires="a14">
+      <mc:AlternateContent xmlns:mc="http://schemas.openxmlformats.org/markup-compatibility/2006" xmlns:a14="http://schemas.microsoft.com/office/drawing/2010/main">
+        <mc:Choice Requires="a14">
           <p:sp>
             <p:nvSpPr>
               <p:cNvPr id="11" name="テキスト ボックス 10">
@@ -4012,31 +4013,7 @@
                                 <a:rPr kumimoji="1" lang="en-US" altLang="ja-JP" sz="2400" b="0" i="1" smtClean="0">
                                   <a:latin typeface="Cambria Math" panose="02040503050406030204" pitchFamily="18" charset="0"/>
                                 </a:rPr>
-                                <m:t>,  </m:t>
-                              </m:r>
-                              <m:r>
-                                <a:rPr kumimoji="1" lang="en-US" altLang="ja-JP" sz="2400" b="0" i="1" smtClean="0">
-                                  <a:latin typeface="Cambria Math" panose="02040503050406030204" pitchFamily="18" charset="0"/>
-                                </a:rPr>
-                                <m:t>                          </m:t>
-                              </m:r>
-                              <m:r>
-                                <a:rPr kumimoji="1" lang="en-US" altLang="ja-JP" sz="2400" b="0" i="1" smtClean="0">
-                                  <a:latin typeface="Cambria Math" panose="02040503050406030204" pitchFamily="18" charset="0"/>
-                                </a:rPr>
-                                <m:t>     </m:t>
-                              </m:r>
-                              <m:r>
-                                <a:rPr kumimoji="1" lang="en-US" altLang="ja-JP" sz="2400" b="0" i="1" smtClean="0">
-                                  <a:latin typeface="Cambria Math" panose="02040503050406030204" pitchFamily="18" charset="0"/>
-                                </a:rPr>
-                                <m:t>                 </m:t>
-                              </m:r>
-                              <m:r>
-                                <a:rPr kumimoji="1" lang="en-US" altLang="ja-JP" sz="2400" b="0" i="1" smtClean="0">
-                                  <a:latin typeface="Cambria Math" panose="02040503050406030204" pitchFamily="18" charset="0"/>
-                                </a:rPr>
-                                <m:t>                     1−</m:t>
+                                <m:t>,                                                                       1−</m:t>
                               </m:r>
                               <m:sSub>
                                 <m:sSubPr>
@@ -4157,13 +4134,7 @@
                                                 <a:rPr kumimoji="1" lang="en-US" altLang="ja-JP" sz="2400" i="1">
                                                   <a:latin typeface="Cambria Math" panose="02040503050406030204" pitchFamily="18" charset="0"/>
                                                 </a:rPr>
-                                                <m:t> </m:t>
-                                              </m:r>
-                                              <m:r>
-                                                <a:rPr kumimoji="1" lang="en-US" altLang="ja-JP" sz="2400" i="1">
-                                                  <a:latin typeface="Cambria Math" panose="02040503050406030204" pitchFamily="18" charset="0"/>
-                                                </a:rPr>
-                                                <m:t>1−</m:t>
+                                                <m:t> 1−</m:t>
                                               </m:r>
                                               <m:sSub>
                                                 <m:sSubPr>
@@ -4275,7 +4246,7 @@
             </p:txBody>
           </p:sp>
         </mc:Choice>
-        <mc:Fallback>
+        <mc:Fallback xmlns="">
           <p:sp>
             <p:nvSpPr>
               <p:cNvPr id="11" name="テキスト ボックス 10">
@@ -4360,8 +4331,8 @@
           </a:p>
         </p:txBody>
       </p:sp>
-      <mc:AlternateContent xmlns:mc="http://schemas.openxmlformats.org/markup-compatibility/2006">
-        <mc:Choice xmlns:a14="http://schemas.microsoft.com/office/drawing/2010/main" Requires="a14">
+      <mc:AlternateContent xmlns:mc="http://schemas.openxmlformats.org/markup-compatibility/2006" xmlns:a14="http://schemas.microsoft.com/office/drawing/2010/main">
+        <mc:Choice Requires="a14">
           <p:sp>
             <p:nvSpPr>
               <p:cNvPr id="12" name="テキスト ボックス 11">
@@ -4566,7 +4537,7 @@
             </p:txBody>
           </p:sp>
         </mc:Choice>
-        <mc:Fallback>
+        <mc:Fallback xmlns="">
           <p:sp>
             <p:nvSpPr>
               <p:cNvPr id="12" name="テキスト ボックス 11">
@@ -4647,8 +4618,8 @@
           </a:p>
         </p:txBody>
       </p:sp>
-      <mc:AlternateContent xmlns:mc="http://schemas.openxmlformats.org/markup-compatibility/2006">
-        <mc:Choice xmlns:a14="http://schemas.microsoft.com/office/drawing/2010/main" Requires="a14">
+      <mc:AlternateContent xmlns:mc="http://schemas.openxmlformats.org/markup-compatibility/2006" xmlns:a14="http://schemas.microsoft.com/office/drawing/2010/main">
+        <mc:Choice Requires="a14">
           <p:sp>
             <p:nvSpPr>
               <p:cNvPr id="17" name="テキスト ボックス 16">
@@ -4781,7 +4752,7 @@
             </p:txBody>
           </p:sp>
         </mc:Choice>
-        <mc:Fallback>
+        <mc:Fallback xmlns="">
           <p:sp>
             <p:nvSpPr>
               <p:cNvPr id="17" name="テキスト ボックス 16">
@@ -4826,8 +4797,8 @@
           </p:sp>
         </mc:Fallback>
       </mc:AlternateContent>
-      <mc:AlternateContent xmlns:mc="http://schemas.openxmlformats.org/markup-compatibility/2006">
-        <mc:Choice xmlns:a14="http://schemas.microsoft.com/office/drawing/2010/main" Requires="a14">
+      <mc:AlternateContent xmlns:mc="http://schemas.openxmlformats.org/markup-compatibility/2006" xmlns:a14="http://schemas.microsoft.com/office/drawing/2010/main">
+        <mc:Choice Requires="a14">
           <p:sp>
             <p:nvSpPr>
               <p:cNvPr id="19" name="テキスト ボックス 18">
@@ -4943,31 +4914,7 @@
                                 <a:rPr kumimoji="1" lang="en-US" altLang="ja-JP" sz="2400" b="0" i="1" smtClean="0">
                                   <a:latin typeface="Cambria Math" panose="02040503050406030204" pitchFamily="18" charset="0"/>
                                 </a:rPr>
-                                <m:t>,                          </m:t>
-                              </m:r>
-                              <m:r>
-                                <a:rPr kumimoji="1" lang="en-US" altLang="ja-JP" sz="2400" b="0" i="1" smtClean="0">
-                                  <a:latin typeface="Cambria Math" panose="02040503050406030204" pitchFamily="18" charset="0"/>
-                                </a:rPr>
-                                <m:t>                                  </m:t>
-                              </m:r>
-                              <m:r>
-                                <a:rPr kumimoji="1" lang="en-US" altLang="ja-JP" sz="2400" b="0" i="1" smtClean="0">
-                                  <a:latin typeface="Cambria Math" panose="02040503050406030204" pitchFamily="18" charset="0"/>
-                                </a:rPr>
-                                <m:t>      </m:t>
-                              </m:r>
-                              <m:r>
-                                <a:rPr kumimoji="1" lang="en-US" altLang="ja-JP" sz="2400" b="0" i="1" smtClean="0">
-                                  <a:latin typeface="Cambria Math" panose="02040503050406030204" pitchFamily="18" charset="0"/>
-                                </a:rPr>
-                                <m:t>              </m:t>
-                              </m:r>
-                              <m:r>
-                                <a:rPr kumimoji="1" lang="en-US" altLang="ja-JP" sz="2400" b="0" i="1" smtClean="0">
-                                  <a:latin typeface="Cambria Math" panose="02040503050406030204" pitchFamily="18" charset="0"/>
-                                </a:rPr>
-                                <m:t>  </m:t>
+                                <m:t>,                                                                                  </m:t>
                               </m:r>
                               <m:sSub>
                                 <m:sSubPr>
@@ -5182,7 +5129,7 @@
             </p:txBody>
           </p:sp>
         </mc:Choice>
-        <mc:Fallback>
+        <mc:Fallback xmlns="">
           <p:sp>
             <p:nvSpPr>
               <p:cNvPr id="19" name="テキスト ボックス 18">
@@ -5227,8 +5174,8 @@
           </p:sp>
         </mc:Fallback>
       </mc:AlternateContent>
-      <mc:AlternateContent xmlns:mc="http://schemas.openxmlformats.org/markup-compatibility/2006">
-        <mc:Choice xmlns:a14="http://schemas.microsoft.com/office/drawing/2010/main" Requires="a14">
+      <mc:AlternateContent xmlns:mc="http://schemas.openxmlformats.org/markup-compatibility/2006" xmlns:a14="http://schemas.microsoft.com/office/drawing/2010/main">
+        <mc:Choice Requires="a14">
           <p:sp>
             <p:nvSpPr>
               <p:cNvPr id="20" name="テキスト ボックス 19">
@@ -5361,7 +5308,7 @@
             </p:txBody>
           </p:sp>
         </mc:Choice>
-        <mc:Fallback>
+        <mc:Fallback xmlns="">
           <p:sp>
             <p:nvSpPr>
               <p:cNvPr id="20" name="テキスト ボックス 19">
@@ -5458,8 +5405,8 @@
           </a:p>
         </p:txBody>
       </p:sp>
-      <mc:AlternateContent xmlns:mc="http://schemas.openxmlformats.org/markup-compatibility/2006">
-        <mc:Choice xmlns:a14="http://schemas.microsoft.com/office/drawing/2010/main" Requires="a14">
+      <mc:AlternateContent xmlns:mc="http://schemas.openxmlformats.org/markup-compatibility/2006" xmlns:a14="http://schemas.microsoft.com/office/drawing/2010/main">
+        <mc:Choice Requires="a14">
           <p:sp>
             <p:nvSpPr>
               <p:cNvPr id="15" name="テキスト ボックス 14">
@@ -5578,13 +5525,7 @@
                                 <a:rPr kumimoji="1" lang="en-US" altLang="ja-JP" sz="2000" b="0" i="1" smtClean="0">
                                   <a:latin typeface="Cambria Math" panose="02040503050406030204" pitchFamily="18" charset="0"/>
                                 </a:rPr>
-                                <m:t>,                             </m:t>
-                              </m:r>
-                              <m:r>
-                                <a:rPr kumimoji="1" lang="en-US" altLang="ja-JP" sz="2000" b="0" i="1" smtClean="0">
-                                  <a:latin typeface="Cambria Math" panose="02040503050406030204" pitchFamily="18" charset="0"/>
-                                </a:rPr>
-                                <m:t>                                                                          </m:t>
+                                <m:t>,                                                                                                       </m:t>
                               </m:r>
                               <m:sSub>
                                 <m:sSubPr>
@@ -6101,7 +6042,7 @@
             </p:txBody>
           </p:sp>
         </mc:Choice>
-        <mc:Fallback>
+        <mc:Fallback xmlns="">
           <p:sp>
             <p:nvSpPr>
               <p:cNvPr id="15" name="テキスト ボックス 14">
@@ -6149,6 +6090,35 @@
           </p:sp>
         </mc:Fallback>
       </mc:AlternateContent>
+      <p:sp>
+        <p:nvSpPr>
+          <p:cNvPr id="2" name="スライド番号プレースホルダー 1">
+            <a:extLst>
+              <a:ext uri="{FF2B5EF4-FFF2-40B4-BE49-F238E27FC236}">
+                <a16:creationId xmlns:a16="http://schemas.microsoft.com/office/drawing/2014/main" id="{0BFDF40F-D188-43C9-960B-3D33EB9CC2E1}"/>
+              </a:ext>
+            </a:extLst>
+          </p:cNvPr>
+          <p:cNvSpPr>
+            <a:spLocks noGrp="1"/>
+          </p:cNvSpPr>
+          <p:nvPr>
+            <p:ph type="sldNum" sz="quarter" idx="12"/>
+          </p:nvPr>
+        </p:nvSpPr>
+        <p:spPr/>
+        <p:txBody>
+          <a:bodyPr/>
+          <a:lstStyle/>
+          <a:p>
+            <a:fld id="{57F36285-9264-459D-9324-A1F3C8FDE78E}" type="slidenum">
+              <a:rPr kumimoji="1" lang="ja-JP" altLang="en-US" smtClean="0"/>
+              <a:t>10</a:t>
+            </a:fld>
+            <a:endParaRPr kumimoji="1" lang="ja-JP" altLang="en-US"/>
+          </a:p>
+        </p:txBody>
+      </p:sp>
     </p:spTree>
     <p:extLst>
       <p:ext uri="{BB962C8B-B14F-4D97-AF65-F5344CB8AC3E}">
@@ -6179,6 +6149,35 @@
           <a:chExt cx="0" cy="0"/>
         </a:xfrm>
       </p:grpSpPr>
+      <p:sp>
+        <p:nvSpPr>
+          <p:cNvPr id="2" name="スライド番号プレースホルダー 1">
+            <a:extLst>
+              <a:ext uri="{FF2B5EF4-FFF2-40B4-BE49-F238E27FC236}">
+                <a16:creationId xmlns:a16="http://schemas.microsoft.com/office/drawing/2014/main" id="{097EFEC6-2695-46EE-855C-C1A0D6D5EB65}"/>
+              </a:ext>
+            </a:extLst>
+          </p:cNvPr>
+          <p:cNvSpPr>
+            <a:spLocks noGrp="1"/>
+          </p:cNvSpPr>
+          <p:nvPr>
+            <p:ph type="sldNum" sz="quarter" idx="12"/>
+          </p:nvPr>
+        </p:nvSpPr>
+        <p:spPr/>
+        <p:txBody>
+          <a:bodyPr/>
+          <a:lstStyle/>
+          <a:p>
+            <a:fld id="{57F36285-9264-459D-9324-A1F3C8FDE78E}" type="slidenum">
+              <a:rPr kumimoji="1" lang="ja-JP" altLang="en-US" smtClean="0"/>
+              <a:t>11</a:t>
+            </a:fld>
+            <a:endParaRPr kumimoji="1" lang="ja-JP" altLang="en-US"/>
+          </a:p>
+        </p:txBody>
+      </p:sp>
     </p:spTree>
     <p:extLst>
       <p:ext uri="{BB962C8B-B14F-4D97-AF65-F5344CB8AC3E}">
@@ -6239,8 +6238,8 @@
           </a:prstGeom>
         </p:spPr>
       </p:pic>
-      <mc:AlternateContent xmlns:mc="http://schemas.openxmlformats.org/markup-compatibility/2006">
-        <mc:Choice xmlns:a14="http://schemas.microsoft.com/office/drawing/2010/main" Requires="a14">
+      <mc:AlternateContent xmlns:mc="http://schemas.openxmlformats.org/markup-compatibility/2006" xmlns:a14="http://schemas.microsoft.com/office/drawing/2010/main">
+        <mc:Choice Requires="a14">
           <p:sp>
             <p:nvSpPr>
               <p:cNvPr id="8" name="テキスト ボックス 7">
@@ -6400,7 +6399,7 @@
             </p:txBody>
           </p:sp>
         </mc:Choice>
-        <mc:Fallback>
+        <mc:Fallback xmlns="">
           <p:sp>
             <p:nvSpPr>
               <p:cNvPr id="8" name="テキスト ボックス 7">
@@ -6533,8 +6532,8 @@
           </a:fontRef>
         </p:style>
       </p:cxnSp>
-      <mc:AlternateContent xmlns:mc="http://schemas.openxmlformats.org/markup-compatibility/2006">
-        <mc:Choice xmlns:a14="http://schemas.microsoft.com/office/drawing/2010/main" Requires="a14">
+      <mc:AlternateContent xmlns:mc="http://schemas.openxmlformats.org/markup-compatibility/2006" xmlns:a14="http://schemas.microsoft.com/office/drawing/2010/main">
+        <mc:Choice Requires="a14">
           <p:sp>
             <p:nvSpPr>
               <p:cNvPr id="15" name="テキスト ボックス 14">
@@ -6863,7 +6862,7 @@
             </p:txBody>
           </p:sp>
         </mc:Choice>
-        <mc:Fallback>
+        <mc:Fallback xmlns="">
           <p:sp>
             <p:nvSpPr>
               <p:cNvPr id="15" name="テキスト ボックス 14">
@@ -6948,6 +6947,35 @@
           </a:p>
         </p:txBody>
       </p:sp>
+      <p:sp>
+        <p:nvSpPr>
+          <p:cNvPr id="2" name="スライド番号プレースホルダー 1">
+            <a:extLst>
+              <a:ext uri="{FF2B5EF4-FFF2-40B4-BE49-F238E27FC236}">
+                <a16:creationId xmlns:a16="http://schemas.microsoft.com/office/drawing/2014/main" id="{B12A7686-7A6B-4436-946A-3AB28CB8F8C9}"/>
+              </a:ext>
+            </a:extLst>
+          </p:cNvPr>
+          <p:cNvSpPr>
+            <a:spLocks noGrp="1"/>
+          </p:cNvSpPr>
+          <p:nvPr>
+            <p:ph type="sldNum" sz="quarter" idx="12"/>
+          </p:nvPr>
+        </p:nvSpPr>
+        <p:spPr/>
+        <p:txBody>
+          <a:bodyPr/>
+          <a:lstStyle/>
+          <a:p>
+            <a:fld id="{57F36285-9264-459D-9324-A1F3C8FDE78E}" type="slidenum">
+              <a:rPr kumimoji="1" lang="ja-JP" altLang="en-US" smtClean="0"/>
+              <a:t>2</a:t>
+            </a:fld>
+            <a:endParaRPr kumimoji="1" lang="ja-JP" altLang="en-US"/>
+          </a:p>
+        </p:txBody>
+      </p:sp>
     </p:spTree>
     <p:extLst>
       <p:ext uri="{BB962C8B-B14F-4D97-AF65-F5344CB8AC3E}">
@@ -6978,8 +7006,8 @@
           <a:chExt cx="0" cy="0"/>
         </a:xfrm>
       </p:grpSpPr>
-      <mc:AlternateContent xmlns:mc="http://schemas.openxmlformats.org/markup-compatibility/2006">
-        <mc:Choice xmlns:a14="http://schemas.microsoft.com/office/drawing/2010/main" Requires="a14">
+      <mc:AlternateContent xmlns:mc="http://schemas.openxmlformats.org/markup-compatibility/2006" xmlns:a14="http://schemas.microsoft.com/office/drawing/2010/main">
+        <mc:Choice Requires="a14">
           <p:sp>
             <p:nvSpPr>
               <p:cNvPr id="2" name="テキスト ボックス 1">
@@ -7172,7 +7200,7 @@
             </p:txBody>
           </p:sp>
         </mc:Choice>
-        <mc:Fallback>
+        <mc:Fallback xmlns="">
           <p:sp>
             <p:nvSpPr>
               <p:cNvPr id="2" name="テキスト ボックス 1">
@@ -7217,8 +7245,8 @@
           </p:sp>
         </mc:Fallback>
       </mc:AlternateContent>
-      <mc:AlternateContent xmlns:mc="http://schemas.openxmlformats.org/markup-compatibility/2006">
-        <mc:Choice xmlns:a14="http://schemas.microsoft.com/office/drawing/2010/main" Requires="a14">
+      <mc:AlternateContent xmlns:mc="http://schemas.openxmlformats.org/markup-compatibility/2006" xmlns:a14="http://schemas.microsoft.com/office/drawing/2010/main">
+        <mc:Choice Requires="a14">
           <p:sp>
             <p:nvSpPr>
               <p:cNvPr id="4" name="テキスト ボックス 3">
@@ -7411,7 +7439,7 @@
             </p:txBody>
           </p:sp>
         </mc:Choice>
-        <mc:Fallback>
+        <mc:Fallback xmlns="">
           <p:sp>
             <p:nvSpPr>
               <p:cNvPr id="4" name="テキスト ボックス 3">
@@ -7751,8 +7779,8 @@
           </p:sp>
         </mc:Fallback>
       </mc:AlternateContent>
-      <mc:AlternateContent xmlns:mc="http://schemas.openxmlformats.org/markup-compatibility/2006">
-        <mc:Choice xmlns:a14="http://schemas.microsoft.com/office/drawing/2010/main" Requires="a14">
+      <mc:AlternateContent xmlns:mc="http://schemas.openxmlformats.org/markup-compatibility/2006" xmlns:a14="http://schemas.microsoft.com/office/drawing/2010/main">
+        <mc:Choice Requires="a14">
           <p:sp>
             <p:nvSpPr>
               <p:cNvPr id="9" name="テキスト ボックス 8">
@@ -7963,7 +7991,7 @@
             </p:txBody>
           </p:sp>
         </mc:Choice>
-        <mc:Fallback>
+        <mc:Fallback xmlns="">
           <p:sp>
             <p:nvSpPr>
               <p:cNvPr id="9" name="テキスト ボックス 8">
@@ -8008,8 +8036,8 @@
           </p:sp>
         </mc:Fallback>
       </mc:AlternateContent>
-      <mc:AlternateContent xmlns:mc="http://schemas.openxmlformats.org/markup-compatibility/2006">
-        <mc:Choice xmlns:a14="http://schemas.microsoft.com/office/drawing/2010/main" Requires="a14">
+      <mc:AlternateContent xmlns:mc="http://schemas.openxmlformats.org/markup-compatibility/2006" xmlns:a14="http://schemas.microsoft.com/office/drawing/2010/main">
+        <mc:Choice Requires="a14">
           <p:sp>
             <p:nvSpPr>
               <p:cNvPr id="10" name="テキスト ボックス 9">
@@ -8346,7 +8374,7 @@
             </p:txBody>
           </p:sp>
         </mc:Choice>
-        <mc:Fallback>
+        <mc:Fallback xmlns="">
           <p:sp>
             <p:nvSpPr>
               <p:cNvPr id="10" name="テキスト ボックス 9">
@@ -8394,8 +8422,8 @@
           </p:sp>
         </mc:Fallback>
       </mc:AlternateContent>
-      <mc:AlternateContent xmlns:mc="http://schemas.openxmlformats.org/markup-compatibility/2006">
-        <mc:Choice xmlns:a14="http://schemas.microsoft.com/office/drawing/2010/main" Requires="a14">
+      <mc:AlternateContent xmlns:mc="http://schemas.openxmlformats.org/markup-compatibility/2006" xmlns:a14="http://schemas.microsoft.com/office/drawing/2010/main">
+        <mc:Choice Requires="a14">
           <p:sp>
             <p:nvSpPr>
               <p:cNvPr id="11" name="テキスト ボックス 10">
@@ -8550,7 +8578,7 @@
             </p:txBody>
           </p:sp>
         </mc:Choice>
-        <mc:Fallback>
+        <mc:Fallback xmlns="">
           <p:sp>
             <p:nvSpPr>
               <p:cNvPr id="11" name="テキスト ボックス 10">
@@ -8595,8 +8623,8 @@
           </p:sp>
         </mc:Fallback>
       </mc:AlternateContent>
-      <mc:AlternateContent xmlns:mc="http://schemas.openxmlformats.org/markup-compatibility/2006">
-        <mc:Choice xmlns:a14="http://schemas.microsoft.com/office/drawing/2010/main" Requires="a14">
+      <mc:AlternateContent xmlns:mc="http://schemas.openxmlformats.org/markup-compatibility/2006" xmlns:a14="http://schemas.microsoft.com/office/drawing/2010/main">
+        <mc:Choice Requires="a14">
           <p:sp>
             <p:nvSpPr>
               <p:cNvPr id="12" name="テキスト ボックス 11">
@@ -8754,7 +8782,7 @@
             </p:txBody>
           </p:sp>
         </mc:Choice>
-        <mc:Fallback>
+        <mc:Fallback xmlns="">
           <p:sp>
             <p:nvSpPr>
               <p:cNvPr id="12" name="テキスト ボックス 11">
@@ -8799,8 +8827,8 @@
           </p:sp>
         </mc:Fallback>
       </mc:AlternateContent>
-      <mc:AlternateContent xmlns:mc="http://schemas.openxmlformats.org/markup-compatibility/2006">
-        <mc:Choice xmlns:a14="http://schemas.microsoft.com/office/drawing/2010/main" Requires="a14">
+      <mc:AlternateContent xmlns:mc="http://schemas.openxmlformats.org/markup-compatibility/2006" xmlns:a14="http://schemas.microsoft.com/office/drawing/2010/main">
+        <mc:Choice Requires="a14">
           <p:sp>
             <p:nvSpPr>
               <p:cNvPr id="13" name="テキスト ボックス 12">
@@ -9078,7 +9106,7 @@
             </p:txBody>
           </p:sp>
         </mc:Choice>
-        <mc:Fallback>
+        <mc:Fallback xmlns="">
           <p:sp>
             <p:nvSpPr>
               <p:cNvPr id="13" name="テキスト ボックス 12">
@@ -9215,6 +9243,35 @@
           </a:p>
         </p:txBody>
       </p:sp>
+      <p:sp>
+        <p:nvSpPr>
+          <p:cNvPr id="7" name="スライド番号プレースホルダー 6">
+            <a:extLst>
+              <a:ext uri="{FF2B5EF4-FFF2-40B4-BE49-F238E27FC236}">
+                <a16:creationId xmlns:a16="http://schemas.microsoft.com/office/drawing/2014/main" id="{C675AB73-2CAC-4007-9ED5-F242E9179696}"/>
+              </a:ext>
+            </a:extLst>
+          </p:cNvPr>
+          <p:cNvSpPr>
+            <a:spLocks noGrp="1"/>
+          </p:cNvSpPr>
+          <p:nvPr>
+            <p:ph type="sldNum" sz="quarter" idx="12"/>
+          </p:nvPr>
+        </p:nvSpPr>
+        <p:spPr/>
+        <p:txBody>
+          <a:bodyPr/>
+          <a:lstStyle/>
+          <a:p>
+            <a:fld id="{57F36285-9264-459D-9324-A1F3C8FDE78E}" type="slidenum">
+              <a:rPr kumimoji="1" lang="ja-JP" altLang="en-US" smtClean="0"/>
+              <a:t>3</a:t>
+            </a:fld>
+            <a:endParaRPr kumimoji="1" lang="ja-JP" altLang="en-US"/>
+          </a:p>
+        </p:txBody>
+      </p:sp>
     </p:spTree>
     <p:extLst>
       <p:ext uri="{BB962C8B-B14F-4D97-AF65-F5344CB8AC3E}">
@@ -9245,8 +9302,8 @@
           <a:chExt cx="0" cy="0"/>
         </a:xfrm>
       </p:grpSpPr>
-      <mc:AlternateContent xmlns:mc="http://schemas.openxmlformats.org/markup-compatibility/2006">
-        <mc:Choice xmlns:a14="http://schemas.microsoft.com/office/drawing/2010/main" Requires="a14">
+      <mc:AlternateContent xmlns:mc="http://schemas.openxmlformats.org/markup-compatibility/2006" xmlns:a14="http://schemas.microsoft.com/office/drawing/2010/main">
+        <mc:Choice Requires="a14">
           <p:sp>
             <p:nvSpPr>
               <p:cNvPr id="15" name="テキスト ボックス 14">
@@ -9583,7 +9640,7 @@
             </p:txBody>
           </p:sp>
         </mc:Choice>
-        <mc:Fallback>
+        <mc:Fallback xmlns="">
           <p:sp>
             <p:nvSpPr>
               <p:cNvPr id="15" name="テキスト ボックス 14">
@@ -9631,8 +9688,8 @@
           </p:sp>
         </mc:Fallback>
       </mc:AlternateContent>
-      <mc:AlternateContent xmlns:mc="http://schemas.openxmlformats.org/markup-compatibility/2006">
-        <mc:Choice xmlns:a14="http://schemas.microsoft.com/office/drawing/2010/main" Requires="a14">
+      <mc:AlternateContent xmlns:mc="http://schemas.openxmlformats.org/markup-compatibility/2006" xmlns:a14="http://schemas.microsoft.com/office/drawing/2010/main">
+        <mc:Choice Requires="a14">
           <p:sp>
             <p:nvSpPr>
               <p:cNvPr id="16" name="テキスト ボックス 15">
@@ -9910,7 +9967,7 @@
             </p:txBody>
           </p:sp>
         </mc:Choice>
-        <mc:Fallback>
+        <mc:Fallback xmlns="">
           <p:sp>
             <p:nvSpPr>
               <p:cNvPr id="16" name="テキスト ボックス 15">
@@ -9955,8 +10012,8 @@
           </p:sp>
         </mc:Fallback>
       </mc:AlternateContent>
-      <mc:AlternateContent xmlns:mc="http://schemas.openxmlformats.org/markup-compatibility/2006">
-        <mc:Choice xmlns:a14="http://schemas.microsoft.com/office/drawing/2010/main" Requires="a14">
+      <mc:AlternateContent xmlns:mc="http://schemas.openxmlformats.org/markup-compatibility/2006" xmlns:a14="http://schemas.microsoft.com/office/drawing/2010/main">
+        <mc:Choice Requires="a14">
           <p:sp>
             <p:nvSpPr>
               <p:cNvPr id="18" name="テキスト ボックス 17">
@@ -10040,7 +10097,7 @@
             </p:txBody>
           </p:sp>
         </mc:Choice>
-        <mc:Fallback>
+        <mc:Fallback xmlns="">
           <p:sp>
             <p:nvSpPr>
               <p:cNvPr id="18" name="テキスト ボックス 17">
@@ -10088,8 +10145,8 @@
           </p:sp>
         </mc:Fallback>
       </mc:AlternateContent>
-      <mc:AlternateContent xmlns:mc="http://schemas.openxmlformats.org/markup-compatibility/2006">
-        <mc:Choice xmlns:a14="http://schemas.microsoft.com/office/drawing/2010/main" Requires="a14">
+      <mc:AlternateContent xmlns:mc="http://schemas.openxmlformats.org/markup-compatibility/2006" xmlns:a14="http://schemas.microsoft.com/office/drawing/2010/main">
+        <mc:Choice Requires="a14">
           <p:sp>
             <p:nvSpPr>
               <p:cNvPr id="25" name="テキスト ボックス 24">
@@ -10366,7 +10423,7 @@
             </p:txBody>
           </p:sp>
         </mc:Choice>
-        <mc:Fallback>
+        <mc:Fallback xmlns="">
           <p:sp>
             <p:nvSpPr>
               <p:cNvPr id="25" name="テキスト ボックス 24">
@@ -10414,8 +10471,8 @@
           </p:sp>
         </mc:Fallback>
       </mc:AlternateContent>
-      <mc:AlternateContent xmlns:mc="http://schemas.openxmlformats.org/markup-compatibility/2006">
-        <mc:Choice xmlns:a14="http://schemas.microsoft.com/office/drawing/2010/main" Requires="a14">
+      <mc:AlternateContent xmlns:mc="http://schemas.openxmlformats.org/markup-compatibility/2006" xmlns:a14="http://schemas.microsoft.com/office/drawing/2010/main">
+        <mc:Choice Requires="a14">
           <p:sp>
             <p:nvSpPr>
               <p:cNvPr id="26" name="テキスト ボックス 25">
@@ -10631,7 +10688,7 @@
             </p:txBody>
           </p:sp>
         </mc:Choice>
-        <mc:Fallback>
+        <mc:Fallback xmlns="">
           <p:sp>
             <p:nvSpPr>
               <p:cNvPr id="26" name="テキスト ボックス 25">
@@ -10679,8 +10736,8 @@
           </p:sp>
         </mc:Fallback>
       </mc:AlternateContent>
-      <mc:AlternateContent xmlns:mc="http://schemas.openxmlformats.org/markup-compatibility/2006">
-        <mc:Choice xmlns:a14="http://schemas.microsoft.com/office/drawing/2010/main" Requires="a14">
+      <mc:AlternateContent xmlns:mc="http://schemas.openxmlformats.org/markup-compatibility/2006" xmlns:a14="http://schemas.microsoft.com/office/drawing/2010/main">
+        <mc:Choice Requires="a14">
           <p:sp>
             <p:nvSpPr>
               <p:cNvPr id="27" name="テキスト ボックス 26">
@@ -10896,7 +10953,7 @@
             </p:txBody>
           </p:sp>
         </mc:Choice>
-        <mc:Fallback>
+        <mc:Fallback xmlns="">
           <p:sp>
             <p:nvSpPr>
               <p:cNvPr id="27" name="テキスト ボックス 26">
@@ -10944,8 +11001,8 @@
           </p:sp>
         </mc:Fallback>
       </mc:AlternateContent>
-      <mc:AlternateContent xmlns:mc="http://schemas.openxmlformats.org/markup-compatibility/2006">
-        <mc:Choice xmlns:a14="http://schemas.microsoft.com/office/drawing/2010/main" Requires="a14">
+      <mc:AlternateContent xmlns:mc="http://schemas.openxmlformats.org/markup-compatibility/2006" xmlns:a14="http://schemas.microsoft.com/office/drawing/2010/main">
+        <mc:Choice Requires="a14">
           <p:sp>
             <p:nvSpPr>
               <p:cNvPr id="28" name="テキスト ボックス 27">
@@ -11203,7 +11260,7 @@
             </p:txBody>
           </p:sp>
         </mc:Choice>
-        <mc:Fallback>
+        <mc:Fallback xmlns="">
           <p:sp>
             <p:nvSpPr>
               <p:cNvPr id="28" name="テキスト ボックス 27">
@@ -11341,8 +11398,8 @@
           </a:p>
         </p:txBody>
       </p:sp>
-      <mc:AlternateContent xmlns:mc="http://schemas.openxmlformats.org/markup-compatibility/2006">
-        <mc:Choice xmlns:a14="http://schemas.microsoft.com/office/drawing/2010/main" Requires="a14">
+      <mc:AlternateContent xmlns:mc="http://schemas.openxmlformats.org/markup-compatibility/2006" xmlns:a14="http://schemas.microsoft.com/office/drawing/2010/main">
+        <mc:Choice Requires="a14">
           <p:sp>
             <p:nvSpPr>
               <p:cNvPr id="19" name="テキスト ボックス 18">
@@ -11648,7 +11705,7 @@
             </p:txBody>
           </p:sp>
         </mc:Choice>
-        <mc:Fallback>
+        <mc:Fallback xmlns="">
           <p:sp>
             <p:nvSpPr>
               <p:cNvPr id="19" name="テキスト ボックス 18">
@@ -11696,6 +11753,35 @@
           </p:sp>
         </mc:Fallback>
       </mc:AlternateContent>
+      <p:sp>
+        <p:nvSpPr>
+          <p:cNvPr id="2" name="スライド番号プレースホルダー 1">
+            <a:extLst>
+              <a:ext uri="{FF2B5EF4-FFF2-40B4-BE49-F238E27FC236}">
+                <a16:creationId xmlns:a16="http://schemas.microsoft.com/office/drawing/2014/main" id="{207E202B-B3FE-4471-B527-795EA1FFAA51}"/>
+              </a:ext>
+            </a:extLst>
+          </p:cNvPr>
+          <p:cNvSpPr>
+            <a:spLocks noGrp="1"/>
+          </p:cNvSpPr>
+          <p:nvPr>
+            <p:ph type="sldNum" sz="quarter" idx="12"/>
+          </p:nvPr>
+        </p:nvSpPr>
+        <p:spPr/>
+        <p:txBody>
+          <a:bodyPr/>
+          <a:lstStyle/>
+          <a:p>
+            <a:fld id="{57F36285-9264-459D-9324-A1F3C8FDE78E}" type="slidenum">
+              <a:rPr kumimoji="1" lang="ja-JP" altLang="en-US" smtClean="0"/>
+              <a:t>4</a:t>
+            </a:fld>
+            <a:endParaRPr kumimoji="1" lang="ja-JP" altLang="en-US"/>
+          </a:p>
+        </p:txBody>
+      </p:sp>
     </p:spTree>
     <p:extLst>
       <p:ext uri="{BB962C8B-B14F-4D97-AF65-F5344CB8AC3E}">
@@ -11726,8 +11812,8 @@
           <a:chExt cx="0" cy="0"/>
         </a:xfrm>
       </p:grpSpPr>
-      <mc:AlternateContent xmlns:mc="http://schemas.openxmlformats.org/markup-compatibility/2006">
-        <mc:Choice xmlns:a14="http://schemas.microsoft.com/office/drawing/2010/main" Requires="a14">
+      <mc:AlternateContent xmlns:mc="http://schemas.openxmlformats.org/markup-compatibility/2006" xmlns:a14="http://schemas.microsoft.com/office/drawing/2010/main">
+        <mc:Choice Requires="a14">
           <p:sp>
             <p:nvSpPr>
               <p:cNvPr id="26" name="テキスト ボックス 25">
@@ -11759,6 +11845,7 @@
               </a:bodyPr>
               <a:lstStyle/>
               <a:p>
+                <a:pPr/>
                 <a14:m>
                   <m:oMathPara xmlns:m="http://schemas.openxmlformats.org/officeDocument/2006/math">
                     <m:oMathParaPr>
@@ -12044,7 +12131,7 @@
             </p:txBody>
           </p:sp>
         </mc:Choice>
-        <mc:Fallback>
+        <mc:Fallback xmlns="">
           <p:sp>
             <p:nvSpPr>
               <p:cNvPr id="26" name="テキスト ボックス 25">
@@ -12092,8 +12179,8 @@
           </p:sp>
         </mc:Fallback>
       </mc:AlternateContent>
-      <mc:AlternateContent xmlns:mc="http://schemas.openxmlformats.org/markup-compatibility/2006">
-        <mc:Choice xmlns:a14="http://schemas.microsoft.com/office/drawing/2010/main" Requires="a14">
+      <mc:AlternateContent xmlns:mc="http://schemas.openxmlformats.org/markup-compatibility/2006" xmlns:a14="http://schemas.microsoft.com/office/drawing/2010/main">
+        <mc:Choice Requires="a14">
           <p:sp>
             <p:nvSpPr>
               <p:cNvPr id="15" name="テキスト ボックス 14">
@@ -12125,6 +12212,7 @@
               </a:bodyPr>
               <a:lstStyle/>
               <a:p>
+                <a:pPr/>
                 <a14:m>
                   <m:oMathPara xmlns:m="http://schemas.openxmlformats.org/officeDocument/2006/math">
                     <m:oMathParaPr>
@@ -12410,7 +12498,7 @@
             </p:txBody>
           </p:sp>
         </mc:Choice>
-        <mc:Fallback>
+        <mc:Fallback xmlns="">
           <p:sp>
             <p:nvSpPr>
               <p:cNvPr id="15" name="テキスト ボックス 14">
@@ -12458,8 +12546,8 @@
           </p:sp>
         </mc:Fallback>
       </mc:AlternateContent>
-      <mc:AlternateContent xmlns:mc="http://schemas.openxmlformats.org/markup-compatibility/2006">
-        <mc:Choice xmlns:a14="http://schemas.microsoft.com/office/drawing/2010/main" Requires="a14">
+      <mc:AlternateContent xmlns:mc="http://schemas.openxmlformats.org/markup-compatibility/2006" xmlns:a14="http://schemas.microsoft.com/office/drawing/2010/main">
+        <mc:Choice Requires="a14">
           <p:sp>
             <p:nvSpPr>
               <p:cNvPr id="24" name="テキスト ボックス 23">
@@ -12491,7 +12579,6 @@
               </a:bodyPr>
               <a:lstStyle/>
               <a:p>
-                <a:pPr/>
                 <a:r>
                   <a:rPr kumimoji="1" lang="en-US" altLang="ja-JP" dirty="0"/>
                   <a:t>When </a:t>
@@ -12808,7 +12895,7 @@
             </p:txBody>
           </p:sp>
         </mc:Choice>
-        <mc:Fallback>
+        <mc:Fallback xmlns="">
           <p:sp>
             <p:nvSpPr>
               <p:cNvPr id="24" name="テキスト ボックス 23">
@@ -12856,8 +12943,8 @@
           </p:sp>
         </mc:Fallback>
       </mc:AlternateContent>
-      <mc:AlternateContent xmlns:mc="http://schemas.openxmlformats.org/markup-compatibility/2006">
-        <mc:Choice xmlns:a14="http://schemas.microsoft.com/office/drawing/2010/main" Requires="a14">
+      <mc:AlternateContent xmlns:mc="http://schemas.openxmlformats.org/markup-compatibility/2006" xmlns:a14="http://schemas.microsoft.com/office/drawing/2010/main">
+        <mc:Choice Requires="a14">
           <p:sp>
             <p:nvSpPr>
               <p:cNvPr id="29" name="テキスト ボックス 28">
@@ -12943,7 +13030,7 @@
             </p:txBody>
           </p:sp>
         </mc:Choice>
-        <mc:Fallback>
+        <mc:Fallback xmlns="">
           <p:sp>
             <p:nvSpPr>
               <p:cNvPr id="29" name="テキスト ボックス 28">
@@ -12988,8 +13075,8 @@
           </p:sp>
         </mc:Fallback>
       </mc:AlternateContent>
-      <mc:AlternateContent xmlns:mc="http://schemas.openxmlformats.org/markup-compatibility/2006">
-        <mc:Choice xmlns:a14="http://schemas.microsoft.com/office/drawing/2010/main" Requires="a14">
+      <mc:AlternateContent xmlns:mc="http://schemas.openxmlformats.org/markup-compatibility/2006" xmlns:a14="http://schemas.microsoft.com/office/drawing/2010/main">
+        <mc:Choice Requires="a14">
           <p:sp>
             <p:nvSpPr>
               <p:cNvPr id="30" name="テキスト ボックス 29">
@@ -13021,7 +13108,6 @@
               </a:bodyPr>
               <a:lstStyle/>
               <a:p>
-                <a:pPr/>
                 <a:r>
                   <a:rPr kumimoji="1" lang="en-US" altLang="ja-JP" dirty="0"/>
                   <a:t>When </a:t>
@@ -13338,7 +13424,7 @@
             </p:txBody>
           </p:sp>
         </mc:Choice>
-        <mc:Fallback>
+        <mc:Fallback xmlns="">
           <p:sp>
             <p:nvSpPr>
               <p:cNvPr id="30" name="テキスト ボックス 29">
@@ -13386,8 +13472,8 @@
           </p:sp>
         </mc:Fallback>
       </mc:AlternateContent>
-      <mc:AlternateContent xmlns:mc="http://schemas.openxmlformats.org/markup-compatibility/2006">
-        <mc:Choice xmlns:a14="http://schemas.microsoft.com/office/drawing/2010/main" Requires="a14">
+      <mc:AlternateContent xmlns:mc="http://schemas.openxmlformats.org/markup-compatibility/2006" xmlns:a14="http://schemas.microsoft.com/office/drawing/2010/main">
+        <mc:Choice Requires="a14">
           <p:sp>
             <p:nvSpPr>
               <p:cNvPr id="31" name="テキスト ボックス 30">
@@ -13588,7 +13674,7 @@
             </p:txBody>
           </p:sp>
         </mc:Choice>
-        <mc:Fallback>
+        <mc:Fallback xmlns="">
           <p:sp>
             <p:nvSpPr>
               <p:cNvPr id="31" name="テキスト ボックス 30">
@@ -13636,6 +13722,35 @@
           </p:sp>
         </mc:Fallback>
       </mc:AlternateContent>
+      <p:sp>
+        <p:nvSpPr>
+          <p:cNvPr id="2" name="スライド番号プレースホルダー 1">
+            <a:extLst>
+              <a:ext uri="{FF2B5EF4-FFF2-40B4-BE49-F238E27FC236}">
+                <a16:creationId xmlns:a16="http://schemas.microsoft.com/office/drawing/2014/main" id="{9187EF20-6111-45E5-84DF-9328EA2AE557}"/>
+              </a:ext>
+            </a:extLst>
+          </p:cNvPr>
+          <p:cNvSpPr>
+            <a:spLocks noGrp="1"/>
+          </p:cNvSpPr>
+          <p:nvPr>
+            <p:ph type="sldNum" sz="quarter" idx="12"/>
+          </p:nvPr>
+        </p:nvSpPr>
+        <p:spPr/>
+        <p:txBody>
+          <a:bodyPr/>
+          <a:lstStyle/>
+          <a:p>
+            <a:fld id="{57F36285-9264-459D-9324-A1F3C8FDE78E}" type="slidenum">
+              <a:rPr kumimoji="1" lang="ja-JP" altLang="en-US" smtClean="0"/>
+              <a:t>5</a:t>
+            </a:fld>
+            <a:endParaRPr kumimoji="1" lang="ja-JP" altLang="en-US"/>
+          </a:p>
+        </p:txBody>
+      </p:sp>
     </p:spTree>
     <p:extLst>
       <p:ext uri="{BB962C8B-B14F-4D97-AF65-F5344CB8AC3E}">
@@ -13666,8 +13781,8 @@
           <a:chExt cx="0" cy="0"/>
         </a:xfrm>
       </p:grpSpPr>
-      <mc:AlternateContent xmlns:mc="http://schemas.openxmlformats.org/markup-compatibility/2006">
-        <mc:Choice xmlns:a14="http://schemas.microsoft.com/office/drawing/2010/main" Requires="a14">
+      <mc:AlternateContent xmlns:mc="http://schemas.openxmlformats.org/markup-compatibility/2006" xmlns:a14="http://schemas.microsoft.com/office/drawing/2010/main">
+        <mc:Choice Requires="a14">
           <p:sp>
             <p:nvSpPr>
               <p:cNvPr id="2" name="テキスト ボックス 1">
@@ -13944,7 +14059,7 @@
             </p:txBody>
           </p:sp>
         </mc:Choice>
-        <mc:Fallback>
+        <mc:Fallback xmlns="">
           <p:sp>
             <p:nvSpPr>
               <p:cNvPr id="2" name="テキスト ボックス 1">
@@ -13992,8 +14107,8 @@
           </p:sp>
         </mc:Fallback>
       </mc:AlternateContent>
-      <mc:AlternateContent xmlns:mc="http://schemas.openxmlformats.org/markup-compatibility/2006">
-        <mc:Choice xmlns:a14="http://schemas.microsoft.com/office/drawing/2010/main" Requires="a14">
+      <mc:AlternateContent xmlns:mc="http://schemas.openxmlformats.org/markup-compatibility/2006" xmlns:a14="http://schemas.microsoft.com/office/drawing/2010/main">
+        <mc:Choice Requires="a14">
           <p:sp>
             <p:nvSpPr>
               <p:cNvPr id="5" name="テキスト ボックス 4">
@@ -14779,7 +14894,7 @@
             </p:txBody>
           </p:sp>
         </mc:Choice>
-        <mc:Fallback>
+        <mc:Fallback xmlns="">
           <p:sp>
             <p:nvSpPr>
               <p:cNvPr id="5" name="テキスト ボックス 4">
@@ -14827,8 +14942,8 @@
           </p:sp>
         </mc:Fallback>
       </mc:AlternateContent>
-      <mc:AlternateContent xmlns:mc="http://schemas.openxmlformats.org/markup-compatibility/2006">
-        <mc:Choice xmlns:a14="http://schemas.microsoft.com/office/drawing/2010/main" Requires="a14">
+      <mc:AlternateContent xmlns:mc="http://schemas.openxmlformats.org/markup-compatibility/2006" xmlns:a14="http://schemas.microsoft.com/office/drawing/2010/main">
+        <mc:Choice Requires="a14">
           <p:sp>
             <p:nvSpPr>
               <p:cNvPr id="6" name="テキスト ボックス 5">
@@ -15312,7 +15427,7 @@
             </p:txBody>
           </p:sp>
         </mc:Choice>
-        <mc:Fallback>
+        <mc:Fallback xmlns="">
           <p:sp>
             <p:nvSpPr>
               <p:cNvPr id="6" name="テキスト ボックス 5">
@@ -15360,8 +15475,8 @@
           </p:sp>
         </mc:Fallback>
       </mc:AlternateContent>
-      <mc:AlternateContent xmlns:mc="http://schemas.openxmlformats.org/markup-compatibility/2006">
-        <mc:Choice xmlns:a14="http://schemas.microsoft.com/office/drawing/2010/main" Requires="a14">
+      <mc:AlternateContent xmlns:mc="http://schemas.openxmlformats.org/markup-compatibility/2006" xmlns:a14="http://schemas.microsoft.com/office/drawing/2010/main">
+        <mc:Choice Requires="a14">
           <p:sp>
             <p:nvSpPr>
               <p:cNvPr id="7" name="テキスト ボックス 6">
@@ -15707,7 +15822,7 @@
             </p:txBody>
           </p:sp>
         </mc:Choice>
-        <mc:Fallback>
+        <mc:Fallback xmlns="">
           <p:sp>
             <p:nvSpPr>
               <p:cNvPr id="7" name="テキスト ボックス 6">
@@ -15755,6 +15870,35 @@
           </p:sp>
         </mc:Fallback>
       </mc:AlternateContent>
+      <p:sp>
+        <p:nvSpPr>
+          <p:cNvPr id="3" name="スライド番号プレースホルダー 2">
+            <a:extLst>
+              <a:ext uri="{FF2B5EF4-FFF2-40B4-BE49-F238E27FC236}">
+                <a16:creationId xmlns:a16="http://schemas.microsoft.com/office/drawing/2014/main" id="{0E2B5B2A-F561-4575-934A-BCDD43CC0D59}"/>
+              </a:ext>
+            </a:extLst>
+          </p:cNvPr>
+          <p:cNvSpPr>
+            <a:spLocks noGrp="1"/>
+          </p:cNvSpPr>
+          <p:nvPr>
+            <p:ph type="sldNum" sz="quarter" idx="12"/>
+          </p:nvPr>
+        </p:nvSpPr>
+        <p:spPr/>
+        <p:txBody>
+          <a:bodyPr/>
+          <a:lstStyle/>
+          <a:p>
+            <a:fld id="{57F36285-9264-459D-9324-A1F3C8FDE78E}" type="slidenum">
+              <a:rPr kumimoji="1" lang="ja-JP" altLang="en-US" smtClean="0"/>
+              <a:t>6</a:t>
+            </a:fld>
+            <a:endParaRPr kumimoji="1" lang="ja-JP" altLang="en-US"/>
+          </a:p>
+        </p:txBody>
+      </p:sp>
     </p:spTree>
     <p:extLst>
       <p:ext uri="{BB962C8B-B14F-4D97-AF65-F5344CB8AC3E}">
@@ -15816,7 +15960,6 @@
           </a:bodyPr>
           <a:lstStyle/>
           <a:p>
-            <a:pPr/>
             <a:r>
               <a:rPr kumimoji="1" lang="en-US" altLang="ja-JP" sz="2000" dirty="0"/>
               <a:t>Therefore,</a:t>
@@ -15825,8 +15968,8 @@
           </a:p>
         </p:txBody>
       </p:sp>
-      <mc:AlternateContent xmlns:mc="http://schemas.openxmlformats.org/markup-compatibility/2006">
-        <mc:Choice xmlns:a14="http://schemas.microsoft.com/office/drawing/2010/main" Requires="a14">
+      <mc:AlternateContent xmlns:mc="http://schemas.openxmlformats.org/markup-compatibility/2006" xmlns:a14="http://schemas.microsoft.com/office/drawing/2010/main">
+        <mc:Choice Requires="a14">
           <p:sp>
             <p:nvSpPr>
               <p:cNvPr id="5" name="テキスト ボックス 4">
@@ -16197,7 +16340,7 @@
             </p:txBody>
           </p:sp>
         </mc:Choice>
-        <mc:Fallback>
+        <mc:Fallback xmlns="">
           <p:sp>
             <p:nvSpPr>
               <p:cNvPr id="5" name="テキスト ボックス 4">
@@ -16245,8 +16388,8 @@
           </p:sp>
         </mc:Fallback>
       </mc:AlternateContent>
-      <mc:AlternateContent xmlns:mc="http://schemas.openxmlformats.org/markup-compatibility/2006">
-        <mc:Choice xmlns:a14="http://schemas.microsoft.com/office/drawing/2010/main" Requires="a14">
+      <mc:AlternateContent xmlns:mc="http://schemas.openxmlformats.org/markup-compatibility/2006" xmlns:a14="http://schemas.microsoft.com/office/drawing/2010/main">
+        <mc:Choice Requires="a14">
           <p:sp>
             <p:nvSpPr>
               <p:cNvPr id="8" name="テキスト ボックス 7">
@@ -16469,7 +16612,7 @@
             </p:txBody>
           </p:sp>
         </mc:Choice>
-        <mc:Fallback>
+        <mc:Fallback xmlns="">
           <p:sp>
             <p:nvSpPr>
               <p:cNvPr id="8" name="テキスト ボックス 7">
@@ -16566,6 +16709,35 @@
           </a:p>
         </p:txBody>
       </p:sp>
+      <p:sp>
+        <p:nvSpPr>
+          <p:cNvPr id="2" name="スライド番号プレースホルダー 1">
+            <a:extLst>
+              <a:ext uri="{FF2B5EF4-FFF2-40B4-BE49-F238E27FC236}">
+                <a16:creationId xmlns:a16="http://schemas.microsoft.com/office/drawing/2014/main" id="{160C16D7-5378-464F-820A-45DF225128A7}"/>
+              </a:ext>
+            </a:extLst>
+          </p:cNvPr>
+          <p:cNvSpPr>
+            <a:spLocks noGrp="1"/>
+          </p:cNvSpPr>
+          <p:nvPr>
+            <p:ph type="sldNum" sz="quarter" idx="12"/>
+          </p:nvPr>
+        </p:nvSpPr>
+        <p:spPr/>
+        <p:txBody>
+          <a:bodyPr/>
+          <a:lstStyle/>
+          <a:p>
+            <a:fld id="{57F36285-9264-459D-9324-A1F3C8FDE78E}" type="slidenum">
+              <a:rPr kumimoji="1" lang="ja-JP" altLang="en-US" smtClean="0"/>
+              <a:t>7</a:t>
+            </a:fld>
+            <a:endParaRPr kumimoji="1" lang="ja-JP" altLang="en-US"/>
+          </a:p>
+        </p:txBody>
+      </p:sp>
     </p:spTree>
     <p:extLst>
       <p:ext uri="{BB962C8B-B14F-4D97-AF65-F5344CB8AC3E}">
@@ -16596,8 +16768,8 @@
           <a:chExt cx="0" cy="0"/>
         </a:xfrm>
       </p:grpSpPr>
-      <mc:AlternateContent xmlns:mc="http://schemas.openxmlformats.org/markup-compatibility/2006">
-        <mc:Choice xmlns:a14="http://schemas.microsoft.com/office/drawing/2010/main" Requires="a14">
+      <mc:AlternateContent xmlns:mc="http://schemas.openxmlformats.org/markup-compatibility/2006" xmlns:a14="http://schemas.microsoft.com/office/drawing/2010/main">
+        <mc:Choice Requires="a14">
           <p:sp>
             <p:nvSpPr>
               <p:cNvPr id="3" name="テキスト ボックス 2">
@@ -16697,7 +16869,7 @@
             </p:txBody>
           </p:sp>
         </mc:Choice>
-        <mc:Fallback>
+        <mc:Fallback xmlns="">
           <p:sp>
             <p:nvSpPr>
               <p:cNvPr id="3" name="テキスト ボックス 2">
@@ -16778,8 +16950,8 @@
           </a:p>
         </p:txBody>
       </p:sp>
-      <mc:AlternateContent xmlns:mc="http://schemas.openxmlformats.org/markup-compatibility/2006">
-        <mc:Choice xmlns:a14="http://schemas.microsoft.com/office/drawing/2010/main" Requires="a14">
+      <mc:AlternateContent xmlns:mc="http://schemas.openxmlformats.org/markup-compatibility/2006" xmlns:a14="http://schemas.microsoft.com/office/drawing/2010/main">
+        <mc:Choice Requires="a14">
           <p:sp>
             <p:nvSpPr>
               <p:cNvPr id="9" name="テキスト ボックス 8">
@@ -16844,13 +17016,7 @@
                         <a:rPr kumimoji="1" lang="en-US" altLang="ja-JP" sz="2400" b="0" i="1" smtClean="0">
                           <a:latin typeface="Cambria Math" panose="02040503050406030204" pitchFamily="18" charset="0"/>
                         </a:rPr>
-                        <m:t>=</m:t>
-                      </m:r>
-                      <m:r>
-                        <a:rPr kumimoji="1" lang="en-US" altLang="ja-JP" sz="2400" b="0" i="1" smtClean="0">
-                          <a:latin typeface="Cambria Math" panose="02040503050406030204" pitchFamily="18" charset="0"/>
-                        </a:rPr>
-                        <m:t>1−</m:t>
+                        <m:t>=1−</m:t>
                       </m:r>
                       <m:sSup>
                         <m:sSupPr>
@@ -16921,7 +17087,7 @@
             </p:txBody>
           </p:sp>
         </mc:Choice>
-        <mc:Fallback>
+        <mc:Fallback xmlns="">
           <p:sp>
             <p:nvSpPr>
               <p:cNvPr id="9" name="テキスト ボックス 8">
@@ -17006,8 +17172,8 @@
           </a:p>
         </p:txBody>
       </p:sp>
-      <mc:AlternateContent xmlns:mc="http://schemas.openxmlformats.org/markup-compatibility/2006">
-        <mc:Choice xmlns:a14="http://schemas.microsoft.com/office/drawing/2010/main" Requires="a14">
+      <mc:AlternateContent xmlns:mc="http://schemas.openxmlformats.org/markup-compatibility/2006" xmlns:a14="http://schemas.microsoft.com/office/drawing/2010/main">
+        <mc:Choice Requires="a14">
           <p:sp>
             <p:nvSpPr>
               <p:cNvPr id="16" name="テキスト ボックス 15">
@@ -17140,7 +17306,7 @@
             </p:txBody>
           </p:sp>
         </mc:Choice>
-        <mc:Fallback>
+        <mc:Fallback xmlns="">
           <p:sp>
             <p:nvSpPr>
               <p:cNvPr id="16" name="テキスト ボックス 15">
@@ -17185,8 +17351,8 @@
           </p:sp>
         </mc:Fallback>
       </mc:AlternateContent>
-      <mc:AlternateContent xmlns:mc="http://schemas.openxmlformats.org/markup-compatibility/2006">
-        <mc:Choice xmlns:a14="http://schemas.microsoft.com/office/drawing/2010/main" Requires="a14">
+      <mc:AlternateContent xmlns:mc="http://schemas.openxmlformats.org/markup-compatibility/2006" xmlns:a14="http://schemas.microsoft.com/office/drawing/2010/main">
+        <mc:Choice Requires="a14">
           <p:sp>
             <p:nvSpPr>
               <p:cNvPr id="17" name="テキスト ボックス 16">
@@ -17294,7 +17460,7 @@
             </p:txBody>
           </p:sp>
         </mc:Choice>
-        <mc:Fallback>
+        <mc:Fallback xmlns="">
           <p:sp>
             <p:nvSpPr>
               <p:cNvPr id="17" name="テキスト ボックス 16">
@@ -17339,8 +17505,8 @@
           </p:sp>
         </mc:Fallback>
       </mc:AlternateContent>
-      <mc:AlternateContent xmlns:mc="http://schemas.openxmlformats.org/markup-compatibility/2006">
-        <mc:Choice xmlns:a14="http://schemas.microsoft.com/office/drawing/2010/main" Requires="a14">
+      <mc:AlternateContent xmlns:mc="http://schemas.openxmlformats.org/markup-compatibility/2006" xmlns:a14="http://schemas.microsoft.com/office/drawing/2010/main">
+        <mc:Choice Requires="a14">
           <p:sp>
             <p:nvSpPr>
               <p:cNvPr id="18" name="テキスト ボックス 17">
@@ -17473,7 +17639,7 @@
             </p:txBody>
           </p:sp>
         </mc:Choice>
-        <mc:Fallback>
+        <mc:Fallback xmlns="">
           <p:sp>
             <p:nvSpPr>
               <p:cNvPr id="18" name="テキスト ボックス 17">
@@ -17518,8 +17684,8 @@
           </p:sp>
         </mc:Fallback>
       </mc:AlternateContent>
-      <mc:AlternateContent xmlns:mc="http://schemas.openxmlformats.org/markup-compatibility/2006">
-        <mc:Choice xmlns:a14="http://schemas.microsoft.com/office/drawing/2010/main" Requires="a14">
+      <mc:AlternateContent xmlns:mc="http://schemas.openxmlformats.org/markup-compatibility/2006" xmlns:a14="http://schemas.microsoft.com/office/drawing/2010/main">
+        <mc:Choice Requires="a14">
           <p:sp>
             <p:nvSpPr>
               <p:cNvPr id="19" name="テキスト ボックス 18">
@@ -17874,7 +18040,7 @@
             </p:txBody>
           </p:sp>
         </mc:Choice>
-        <mc:Fallback>
+        <mc:Fallback xmlns="">
           <p:sp>
             <p:nvSpPr>
               <p:cNvPr id="19" name="テキスト ボックス 18">
@@ -17922,8 +18088,8 @@
           </p:sp>
         </mc:Fallback>
       </mc:AlternateContent>
-      <mc:AlternateContent xmlns:mc="http://schemas.openxmlformats.org/markup-compatibility/2006">
-        <mc:Choice xmlns:a14="http://schemas.microsoft.com/office/drawing/2010/main" Requires="a14">
+      <mc:AlternateContent xmlns:mc="http://schemas.openxmlformats.org/markup-compatibility/2006" xmlns:a14="http://schemas.microsoft.com/office/drawing/2010/main">
+        <mc:Choice Requires="a14">
           <p:sp>
             <p:nvSpPr>
               <p:cNvPr id="20" name="テキスト ボックス 19">
@@ -18294,7 +18460,7 @@
             </p:txBody>
           </p:sp>
         </mc:Choice>
-        <mc:Fallback>
+        <mc:Fallback xmlns="">
           <p:sp>
             <p:nvSpPr>
               <p:cNvPr id="20" name="テキスト ボックス 19">
@@ -18342,8 +18508,8 @@
           </p:sp>
         </mc:Fallback>
       </mc:AlternateContent>
-      <mc:AlternateContent xmlns:mc="http://schemas.openxmlformats.org/markup-compatibility/2006">
-        <mc:Choice xmlns:a14="http://schemas.microsoft.com/office/drawing/2010/main" Requires="a14">
+      <mc:AlternateContent xmlns:mc="http://schemas.openxmlformats.org/markup-compatibility/2006" xmlns:a14="http://schemas.microsoft.com/office/drawing/2010/main">
+        <mc:Choice Requires="a14">
           <p:sp>
             <p:nvSpPr>
               <p:cNvPr id="21" name="テキスト ボックス 20">
@@ -18566,7 +18732,7 @@
             </p:txBody>
           </p:sp>
         </mc:Choice>
-        <mc:Fallback>
+        <mc:Fallback xmlns="">
           <p:sp>
             <p:nvSpPr>
               <p:cNvPr id="21" name="テキスト ボックス 20">
@@ -18611,6 +18777,87 @@
           </p:sp>
         </mc:Fallback>
       </mc:AlternateContent>
+      <p:sp>
+        <p:nvSpPr>
+          <p:cNvPr id="2" name="スライド番号プレースホルダー 1">
+            <a:extLst>
+              <a:ext uri="{FF2B5EF4-FFF2-40B4-BE49-F238E27FC236}">
+                <a16:creationId xmlns:a16="http://schemas.microsoft.com/office/drawing/2014/main" id="{26D2439C-EAE1-45F3-9D68-75367852A56F}"/>
+              </a:ext>
+            </a:extLst>
+          </p:cNvPr>
+          <p:cNvSpPr>
+            <a:spLocks noGrp="1"/>
+          </p:cNvSpPr>
+          <p:nvPr>
+            <p:ph type="sldNum" sz="quarter" idx="12"/>
+          </p:nvPr>
+        </p:nvSpPr>
+        <p:spPr/>
+        <p:txBody>
+          <a:bodyPr/>
+          <a:lstStyle/>
+          <a:p>
+            <a:fld id="{57F36285-9264-459D-9324-A1F3C8FDE78E}" type="slidenum">
+              <a:rPr kumimoji="1" lang="ja-JP" altLang="en-US" smtClean="0"/>
+              <a:t>8</a:t>
+            </a:fld>
+            <a:endParaRPr kumimoji="1" lang="ja-JP" altLang="en-US"/>
+          </a:p>
+        </p:txBody>
+      </p:sp>
+      <p:sp>
+        <p:nvSpPr>
+          <p:cNvPr id="13" name="正方形/長方形 12">
+            <a:extLst>
+              <a:ext uri="{FF2B5EF4-FFF2-40B4-BE49-F238E27FC236}">
+                <a16:creationId xmlns:a16="http://schemas.microsoft.com/office/drawing/2014/main" id="{94BA604C-0C4F-4954-8903-E91DB9E69012}"/>
+              </a:ext>
+            </a:extLst>
+          </p:cNvPr>
+          <p:cNvSpPr/>
+          <p:nvPr/>
+        </p:nvSpPr>
+        <p:spPr>
+          <a:xfrm>
+            <a:off x="2665948" y="3608257"/>
+            <a:ext cx="7523081" cy="2201373"/>
+          </a:xfrm>
+          <a:prstGeom prst="rect">
+            <a:avLst/>
+          </a:prstGeom>
+          <a:noFill/>
+          <a:ln w="28575">
+            <a:solidFill>
+              <a:srgbClr val="FF0000"/>
+            </a:solidFill>
+          </a:ln>
+        </p:spPr>
+        <p:style>
+          <a:lnRef idx="2">
+            <a:schemeClr val="accent1">
+              <a:shade val="50000"/>
+            </a:schemeClr>
+          </a:lnRef>
+          <a:fillRef idx="1">
+            <a:schemeClr val="accent1"/>
+          </a:fillRef>
+          <a:effectRef idx="0">
+            <a:schemeClr val="accent1"/>
+          </a:effectRef>
+          <a:fontRef idx="minor">
+            <a:schemeClr val="lt1"/>
+          </a:fontRef>
+        </p:style>
+        <p:txBody>
+          <a:bodyPr rtlCol="0" anchor="ctr"/>
+          <a:lstStyle/>
+          <a:p>
+            <a:pPr algn="ctr"/>
+            <a:endParaRPr kumimoji="1" lang="ja-JP" altLang="en-US"/>
+          </a:p>
+        </p:txBody>
+      </p:sp>
     </p:spTree>
     <p:extLst>
       <p:ext uri="{BB962C8B-B14F-4D97-AF65-F5344CB8AC3E}">
@@ -18641,8 +18888,8 @@
           <a:chExt cx="0" cy="0"/>
         </a:xfrm>
       </p:grpSpPr>
-      <mc:AlternateContent xmlns:mc="http://schemas.openxmlformats.org/markup-compatibility/2006">
-        <mc:Choice xmlns:a14="http://schemas.microsoft.com/office/drawing/2010/main" Requires="a14">
+      <mc:AlternateContent xmlns:mc="http://schemas.openxmlformats.org/markup-compatibility/2006" xmlns:a14="http://schemas.microsoft.com/office/drawing/2010/main">
+        <mc:Choice Requires="a14">
           <p:sp>
             <p:nvSpPr>
               <p:cNvPr id="3" name="テキスト ボックス 2">
@@ -18721,7 +18968,7 @@
             </p:txBody>
           </p:sp>
         </mc:Choice>
-        <mc:Fallback>
+        <mc:Fallback xmlns="">
           <p:sp>
             <p:nvSpPr>
               <p:cNvPr id="3" name="テキスト ボックス 2">
@@ -18766,8 +19013,8 @@
           </p:sp>
         </mc:Fallback>
       </mc:AlternateContent>
-      <mc:AlternateContent xmlns:mc="http://schemas.openxmlformats.org/markup-compatibility/2006">
-        <mc:Choice xmlns:a14="http://schemas.microsoft.com/office/drawing/2010/main" Requires="a14">
+      <mc:AlternateContent xmlns:mc="http://schemas.openxmlformats.org/markup-compatibility/2006" xmlns:a14="http://schemas.microsoft.com/office/drawing/2010/main">
+        <mc:Choice Requires="a14">
           <p:sp>
             <p:nvSpPr>
               <p:cNvPr id="8" name="テキスト ボックス 7">
@@ -18983,7 +19230,7 @@
             </p:txBody>
           </p:sp>
         </mc:Choice>
-        <mc:Fallback>
+        <mc:Fallback xmlns="">
           <p:sp>
             <p:nvSpPr>
               <p:cNvPr id="8" name="テキスト ボックス 7">
@@ -19068,8 +19315,8 @@
           </a:p>
         </p:txBody>
       </p:sp>
-      <mc:AlternateContent xmlns:mc="http://schemas.openxmlformats.org/markup-compatibility/2006">
-        <mc:Choice xmlns:a14="http://schemas.microsoft.com/office/drawing/2010/main" Requires="a14">
+      <mc:AlternateContent xmlns:mc="http://schemas.openxmlformats.org/markup-compatibility/2006" xmlns:a14="http://schemas.microsoft.com/office/drawing/2010/main">
+        <mc:Choice Requires="a14">
           <p:sp>
             <p:nvSpPr>
               <p:cNvPr id="13" name="テキスト ボックス 12">
@@ -19188,13 +19435,7 @@
                                 <a:rPr kumimoji="1" lang="en-US" altLang="ja-JP" sz="2000" b="0" i="1" smtClean="0">
                                   <a:latin typeface="Cambria Math" panose="02040503050406030204" pitchFamily="18" charset="0"/>
                                 </a:rPr>
-                                <m:t>,                             </m:t>
-                              </m:r>
-                              <m:r>
-                                <a:rPr kumimoji="1" lang="en-US" altLang="ja-JP" sz="2000" b="0" i="1" smtClean="0">
-                                  <a:latin typeface="Cambria Math" panose="02040503050406030204" pitchFamily="18" charset="0"/>
-                                </a:rPr>
-                                <m:t>                                                                          </m:t>
+                                <m:t>,                                                                                                       </m:t>
                               </m:r>
                               <m:sSub>
                                 <m:sSubPr>
@@ -19711,7 +19952,7 @@
             </p:txBody>
           </p:sp>
         </mc:Choice>
-        <mc:Fallback>
+        <mc:Fallback xmlns="">
           <p:sp>
             <p:nvSpPr>
               <p:cNvPr id="13" name="テキスト ボックス 12">
@@ -19759,8 +20000,8 @@
           </p:sp>
         </mc:Fallback>
       </mc:AlternateContent>
-      <mc:AlternateContent xmlns:mc="http://schemas.openxmlformats.org/markup-compatibility/2006">
-        <mc:Choice xmlns:a14="http://schemas.microsoft.com/office/drawing/2010/main" Requires="a14">
+      <mc:AlternateContent xmlns:mc="http://schemas.openxmlformats.org/markup-compatibility/2006" xmlns:a14="http://schemas.microsoft.com/office/drawing/2010/main">
+        <mc:Choice Requires="a14">
           <p:sp>
             <p:nvSpPr>
               <p:cNvPr id="10" name="テキスト ボックス 9">
@@ -20131,7 +20372,7 @@
             </p:txBody>
           </p:sp>
         </mc:Choice>
-        <mc:Fallback>
+        <mc:Fallback xmlns="">
           <p:sp>
             <p:nvSpPr>
               <p:cNvPr id="10" name="テキスト ボックス 9">
@@ -20179,8 +20420,8 @@
           </p:sp>
         </mc:Fallback>
       </mc:AlternateContent>
-      <mc:AlternateContent xmlns:mc="http://schemas.openxmlformats.org/markup-compatibility/2006">
-        <mc:Choice xmlns:a14="http://schemas.microsoft.com/office/drawing/2010/main" Requires="a14">
+      <mc:AlternateContent xmlns:mc="http://schemas.openxmlformats.org/markup-compatibility/2006" xmlns:a14="http://schemas.microsoft.com/office/drawing/2010/main">
+        <mc:Choice Requires="a14">
           <p:sp>
             <p:nvSpPr>
               <p:cNvPr id="11" name="テキスト ボックス 10">
@@ -20403,7 +20644,7 @@
             </p:txBody>
           </p:sp>
         </mc:Choice>
-        <mc:Fallback>
+        <mc:Fallback xmlns="">
           <p:sp>
             <p:nvSpPr>
               <p:cNvPr id="11" name="テキスト ボックス 10">
@@ -20448,6 +20689,35 @@
           </p:sp>
         </mc:Fallback>
       </mc:AlternateContent>
+      <p:sp>
+        <p:nvSpPr>
+          <p:cNvPr id="2" name="スライド番号プレースホルダー 1">
+            <a:extLst>
+              <a:ext uri="{FF2B5EF4-FFF2-40B4-BE49-F238E27FC236}">
+                <a16:creationId xmlns:a16="http://schemas.microsoft.com/office/drawing/2014/main" id="{154B2AD0-AD46-4042-ABF6-5594BC16B327}"/>
+              </a:ext>
+            </a:extLst>
+          </p:cNvPr>
+          <p:cNvSpPr>
+            <a:spLocks noGrp="1"/>
+          </p:cNvSpPr>
+          <p:nvPr>
+            <p:ph type="sldNum" sz="quarter" idx="12"/>
+          </p:nvPr>
+        </p:nvSpPr>
+        <p:spPr/>
+        <p:txBody>
+          <a:bodyPr/>
+          <a:lstStyle/>
+          <a:p>
+            <a:fld id="{57F36285-9264-459D-9324-A1F3C8FDE78E}" type="slidenum">
+              <a:rPr kumimoji="1" lang="ja-JP" altLang="en-US" smtClean="0"/>
+              <a:t>9</a:t>
+            </a:fld>
+            <a:endParaRPr kumimoji="1" lang="ja-JP" altLang="en-US"/>
+          </a:p>
+        </p:txBody>
+      </p:sp>
     </p:spTree>
     <p:extLst>
       <p:ext uri="{BB962C8B-B14F-4D97-AF65-F5344CB8AC3E}">

--- a/Assets/TransparencyConverter/Documentation~/TransparencyConverter.pptx
+++ b/Assets/TransparencyConverter/Documentation~/TransparencyConverter.pptx
@@ -5,7 +5,7 @@
     <p:sldMasterId id="2147483660" r:id="rId1"/>
   </p:sldMasterIdLst>
   <p:notesMasterIdLst>
-    <p:notesMasterId r:id="rId13"/>
+    <p:notesMasterId r:id="rId14"/>
   </p:notesMasterIdLst>
   <p:sldIdLst>
     <p:sldId id="261" r:id="rId2"/>
@@ -18,7 +18,8 @@
     <p:sldId id="258" r:id="rId9"/>
     <p:sldId id="259" r:id="rId10"/>
     <p:sldId id="260" r:id="rId11"/>
-    <p:sldId id="263" r:id="rId12"/>
+    <p:sldId id="274" r:id="rId12"/>
+    <p:sldId id="263" r:id="rId13"/>
   </p:sldIdLst>
   <p:sldSz cx="12801600" cy="9601200" type="A3"/>
   <p:notesSz cx="6858000" cy="9144000"/>
@@ -719,7 +720,7 @@
           <a:bodyPr/>
           <a:lstStyle/>
           <a:p>
-            <a:fld id="{80BB5D91-1011-44B8-81EA-A94B6049E979}" type="datetime1">
+            <a:fld id="{74E14FF2-8585-485D-9C1F-3F61C9B36DD5}" type="datetime1">
               <a:rPr kumimoji="1" lang="ja-JP" altLang="en-US" smtClean="0"/>
               <a:t>2022/4/27</a:t>
             </a:fld>
@@ -756,7 +757,15 @@
             <p:ph type="sldNum" sz="quarter" idx="12"/>
           </p:nvPr>
         </p:nvSpPr>
-        <p:spPr/>
+        <p:spPr>
+          <a:xfrm>
+            <a:off x="9041130" y="8889188"/>
+            <a:ext cx="2880360" cy="511175"/>
+          </a:xfrm>
+          <a:prstGeom prst="rect">
+            <a:avLst/>
+          </a:prstGeom>
+        </p:spPr>
         <p:txBody>
           <a:bodyPr/>
           <a:lstStyle/>
@@ -921,7 +930,7 @@
           <a:bodyPr/>
           <a:lstStyle/>
           <a:p>
-            <a:fld id="{0DEA6BB7-C058-4609-A4E1-4FD3ED3CC4CE}" type="datetime1">
+            <a:fld id="{684155A1-8E5F-444B-8B6F-3AAAE7B74043}" type="datetime1">
               <a:rPr kumimoji="1" lang="ja-JP" altLang="en-US" smtClean="0"/>
               <a:t>2022/4/27</a:t>
             </a:fld>
@@ -958,7 +967,15 @@
             <p:ph type="sldNum" sz="quarter" idx="12"/>
           </p:nvPr>
         </p:nvSpPr>
-        <p:spPr/>
+        <p:spPr>
+          <a:xfrm>
+            <a:off x="9041130" y="8898891"/>
+            <a:ext cx="2880360" cy="511175"/>
+          </a:xfrm>
+          <a:prstGeom prst="rect">
+            <a:avLst/>
+          </a:prstGeom>
+        </p:spPr>
         <p:txBody>
           <a:bodyPr/>
           <a:lstStyle/>
@@ -1133,7 +1150,7 @@
           <a:bodyPr/>
           <a:lstStyle/>
           <a:p>
-            <a:fld id="{DA5D8399-9EFC-4483-9149-ED6E62448EBD}" type="datetime1">
+            <a:fld id="{B3E29CC2-FD20-4208-B4C0-E3DC30BBCB98}" type="datetime1">
               <a:rPr kumimoji="1" lang="ja-JP" altLang="en-US" smtClean="0"/>
               <a:t>2022/4/27</a:t>
             </a:fld>
@@ -1170,7 +1187,15 @@
             <p:ph type="sldNum" sz="quarter" idx="12"/>
           </p:nvPr>
         </p:nvSpPr>
-        <p:spPr/>
+        <p:spPr>
+          <a:xfrm>
+            <a:off x="9041130" y="8898892"/>
+            <a:ext cx="2880360" cy="511175"/>
+          </a:xfrm>
+          <a:prstGeom prst="rect">
+            <a:avLst/>
+          </a:prstGeom>
+        </p:spPr>
         <p:txBody>
           <a:bodyPr/>
           <a:lstStyle/>
@@ -1335,7 +1360,7 @@
           <a:bodyPr/>
           <a:lstStyle/>
           <a:p>
-            <a:fld id="{5C6ECE7D-962D-4B34-B88B-05AA94E32465}" type="datetime1">
+            <a:fld id="{E324E038-C92E-4B10-A136-778124F8C8C6}" type="datetime1">
               <a:rPr kumimoji="1" lang="ja-JP" altLang="en-US" smtClean="0"/>
               <a:t>2022/4/27</a:t>
             </a:fld>
@@ -1372,7 +1397,15 @@
             <p:ph type="sldNum" sz="quarter" idx="12"/>
           </p:nvPr>
         </p:nvSpPr>
-        <p:spPr/>
+        <p:spPr>
+          <a:xfrm>
+            <a:off x="9041130" y="8898891"/>
+            <a:ext cx="2880360" cy="511175"/>
+          </a:xfrm>
+          <a:prstGeom prst="rect">
+            <a:avLst/>
+          </a:prstGeom>
+        </p:spPr>
         <p:txBody>
           <a:bodyPr/>
           <a:lstStyle/>
@@ -1579,7 +1612,7 @@
           <a:bodyPr/>
           <a:lstStyle/>
           <a:p>
-            <a:fld id="{D5BED519-8683-4E3A-B5F6-E8FEE140D1F4}" type="datetime1">
+            <a:fld id="{7B8544EB-3B91-4EC5-9FA7-0A1FE48E087A}" type="datetime1">
               <a:rPr kumimoji="1" lang="ja-JP" altLang="en-US" smtClean="0"/>
               <a:t>2022/4/27</a:t>
             </a:fld>
@@ -1616,7 +1649,15 @@
             <p:ph type="sldNum" sz="quarter" idx="12"/>
           </p:nvPr>
         </p:nvSpPr>
-        <p:spPr/>
+        <p:spPr>
+          <a:xfrm>
+            <a:off x="9034463" y="8898891"/>
+            <a:ext cx="2880360" cy="511175"/>
+          </a:xfrm>
+          <a:prstGeom prst="rect">
+            <a:avLst/>
+          </a:prstGeom>
+        </p:spPr>
         <p:txBody>
           <a:bodyPr/>
           <a:lstStyle/>
@@ -1875,7 +1916,7 @@
           <a:bodyPr/>
           <a:lstStyle/>
           <a:p>
-            <a:fld id="{4804B052-93F1-4B04-832A-394E3E43A733}" type="datetime1">
+            <a:fld id="{78D4F639-8160-4800-8C96-3EAAD11DC5EC}" type="datetime1">
               <a:rPr kumimoji="1" lang="ja-JP" altLang="en-US" smtClean="0"/>
               <a:t>2022/4/27</a:t>
             </a:fld>
@@ -1912,7 +1953,15 @@
             <p:ph type="sldNum" sz="quarter" idx="12"/>
           </p:nvPr>
         </p:nvSpPr>
-        <p:spPr/>
+        <p:spPr>
+          <a:xfrm>
+            <a:off x="9041130" y="8885011"/>
+            <a:ext cx="2880360" cy="511175"/>
+          </a:xfrm>
+          <a:prstGeom prst="rect">
+            <a:avLst/>
+          </a:prstGeom>
+        </p:spPr>
         <p:txBody>
           <a:bodyPr/>
           <a:lstStyle/>
@@ -2306,7 +2355,7 @@
           <a:bodyPr/>
           <a:lstStyle/>
           <a:p>
-            <a:fld id="{6C30526E-AA34-4CD2-AB48-1F6A4B41DA5B}" type="datetime1">
+            <a:fld id="{B323F3C5-CD9C-4AF6-817A-F9EC9A8784C3}" type="datetime1">
               <a:rPr kumimoji="1" lang="ja-JP" altLang="en-US" smtClean="0"/>
               <a:t>2022/4/27</a:t>
             </a:fld>
@@ -2343,7 +2392,15 @@
             <p:ph type="sldNum" sz="quarter" idx="12"/>
           </p:nvPr>
         </p:nvSpPr>
-        <p:spPr/>
+        <p:spPr>
+          <a:xfrm>
+            <a:off x="9041130" y="8898892"/>
+            <a:ext cx="2880360" cy="511175"/>
+          </a:xfrm>
+          <a:prstGeom prst="rect">
+            <a:avLst/>
+          </a:prstGeom>
+        </p:spPr>
         <p:txBody>
           <a:bodyPr/>
           <a:lstStyle/>
@@ -2424,7 +2481,7 @@
           <a:bodyPr/>
           <a:lstStyle/>
           <a:p>
-            <a:fld id="{EA7D5DD9-A1C9-4B26-A284-96C03515D2C7}" type="datetime1">
+            <a:fld id="{CBDB7436-0738-4A6C-9555-E4740FD42E0A}" type="datetime1">
               <a:rPr kumimoji="1" lang="ja-JP" altLang="en-US" smtClean="0"/>
               <a:t>2022/4/27</a:t>
             </a:fld>
@@ -2461,7 +2518,15 @@
             <p:ph type="sldNum" sz="quarter" idx="12"/>
           </p:nvPr>
         </p:nvSpPr>
-        <p:spPr/>
+        <p:spPr>
+          <a:xfrm>
+            <a:off x="9041130" y="8898892"/>
+            <a:ext cx="2880360" cy="511175"/>
+          </a:xfrm>
+          <a:prstGeom prst="rect">
+            <a:avLst/>
+          </a:prstGeom>
+        </p:spPr>
         <p:txBody>
           <a:bodyPr/>
           <a:lstStyle/>
@@ -2519,7 +2584,7 @@
           <a:bodyPr/>
           <a:lstStyle/>
           <a:p>
-            <a:fld id="{DC6DBA26-0BCA-4296-9BF6-F2006CCCDBF4}" type="datetime1">
+            <a:fld id="{0E5A5B14-A3B9-4E8C-B612-6EB70B787F11}" type="datetime1">
               <a:rPr kumimoji="1" lang="ja-JP" altLang="en-US" smtClean="0"/>
               <a:t>2022/4/27</a:t>
             </a:fld>
@@ -2548,7 +2613,13 @@
       </p:sp>
       <p:sp>
         <p:nvSpPr>
-          <p:cNvPr id="4" name="Slide Number Placeholder 3"/>
+          <p:cNvPr id="5" name="Slide Number Placeholder 3">
+            <a:extLst>
+              <a:ext uri="{FF2B5EF4-FFF2-40B4-BE49-F238E27FC236}">
+                <a16:creationId xmlns:a16="http://schemas.microsoft.com/office/drawing/2014/main" id="{E683A11F-AB70-48DE-9DAF-F9C11FFF0EC6}"/>
+              </a:ext>
+            </a:extLst>
+          </p:cNvPr>
           <p:cNvSpPr>
             <a:spLocks noGrp="1"/>
           </p:cNvSpPr>
@@ -2556,7 +2627,15 @@
             <p:ph type="sldNum" sz="quarter" idx="12"/>
           </p:nvPr>
         </p:nvSpPr>
-        <p:spPr/>
+        <p:spPr>
+          <a:xfrm>
+            <a:off x="9041130" y="8891635"/>
+            <a:ext cx="2880360" cy="511175"/>
+          </a:xfrm>
+          <a:prstGeom prst="rect">
+            <a:avLst/>
+          </a:prstGeom>
+        </p:spPr>
         <p:txBody>
           <a:bodyPr/>
           <a:lstStyle/>
@@ -2828,7 +2907,7 @@
           <a:bodyPr/>
           <a:lstStyle/>
           <a:p>
-            <a:fld id="{A7571BFA-B192-4576-9E57-6301003E117D}" type="datetime1">
+            <a:fld id="{1298540D-D643-4FA8-808A-81D36B2F211D}" type="datetime1">
               <a:rPr kumimoji="1" lang="ja-JP" altLang="en-US" smtClean="0"/>
               <a:t>2022/4/27</a:t>
             </a:fld>
@@ -2865,7 +2944,15 @@
             <p:ph type="sldNum" sz="quarter" idx="12"/>
           </p:nvPr>
         </p:nvSpPr>
-        <p:spPr/>
+        <p:spPr>
+          <a:xfrm>
+            <a:off x="9041130" y="8898891"/>
+            <a:ext cx="2880360" cy="511175"/>
+          </a:xfrm>
+          <a:prstGeom prst="rect">
+            <a:avLst/>
+          </a:prstGeom>
+        </p:spPr>
         <p:txBody>
           <a:bodyPr/>
           <a:lstStyle/>
@@ -3085,7 +3172,7 @@
           <a:bodyPr/>
           <a:lstStyle/>
           <a:p>
-            <a:fld id="{AE29FEB6-D735-4413-B187-B3A492FAAE59}" type="datetime1">
+            <a:fld id="{EB805D94-DE33-4DD0-B117-6C799CA55C04}" type="datetime1">
               <a:rPr kumimoji="1" lang="ja-JP" altLang="en-US" smtClean="0"/>
               <a:t>2022/4/27</a:t>
             </a:fld>
@@ -3122,7 +3209,15 @@
             <p:ph type="sldNum" sz="quarter" idx="12"/>
           </p:nvPr>
         </p:nvSpPr>
-        <p:spPr/>
+        <p:spPr>
+          <a:xfrm>
+            <a:off x="9041130" y="8898892"/>
+            <a:ext cx="2880360" cy="511175"/>
+          </a:xfrm>
+          <a:prstGeom prst="rect">
+            <a:avLst/>
+          </a:prstGeom>
+        </p:spPr>
         <p:txBody>
           <a:bodyPr/>
           <a:lstStyle/>
@@ -3230,67 +3325,67 @@
           <a:p>
             <a:pPr lvl="0"/>
             <a:r>
-              <a:rPr lang="ja-JP" altLang="en-US"/>
+              <a:rPr lang="ja-JP" altLang="en-US" dirty="0"/>
               <a:t>マスター テキストの書式設定</a:t>
             </a:r>
           </a:p>
           <a:p>
             <a:pPr lvl="1"/>
             <a:r>
-              <a:rPr lang="ja-JP" altLang="en-US"/>
+              <a:rPr lang="ja-JP" altLang="en-US" dirty="0"/>
               <a:t>第 </a:t>
             </a:r>
             <a:r>
-              <a:rPr lang="en-US" altLang="ja-JP"/>
+              <a:rPr lang="en-US" altLang="ja-JP" dirty="0"/>
               <a:t>2 </a:t>
             </a:r>
             <a:r>
-              <a:rPr lang="ja-JP" altLang="en-US"/>
+              <a:rPr lang="ja-JP" altLang="en-US" dirty="0"/>
               <a:t>レベル</a:t>
             </a:r>
           </a:p>
           <a:p>
             <a:pPr lvl="2"/>
             <a:r>
-              <a:rPr lang="ja-JP" altLang="en-US"/>
+              <a:rPr lang="ja-JP" altLang="en-US" dirty="0"/>
               <a:t>第 </a:t>
             </a:r>
             <a:r>
-              <a:rPr lang="en-US" altLang="ja-JP"/>
+              <a:rPr lang="en-US" altLang="ja-JP" dirty="0"/>
               <a:t>3 </a:t>
             </a:r>
             <a:r>
-              <a:rPr lang="ja-JP" altLang="en-US"/>
+              <a:rPr lang="ja-JP" altLang="en-US" dirty="0"/>
               <a:t>レベル</a:t>
             </a:r>
           </a:p>
           <a:p>
             <a:pPr lvl="3"/>
             <a:r>
-              <a:rPr lang="ja-JP" altLang="en-US"/>
+              <a:rPr lang="ja-JP" altLang="en-US" dirty="0"/>
               <a:t>第 </a:t>
             </a:r>
             <a:r>
-              <a:rPr lang="en-US" altLang="ja-JP"/>
+              <a:rPr lang="en-US" altLang="ja-JP" dirty="0"/>
               <a:t>4 </a:t>
             </a:r>
             <a:r>
-              <a:rPr lang="ja-JP" altLang="en-US"/>
+              <a:rPr lang="ja-JP" altLang="en-US" dirty="0"/>
               <a:t>レベル</a:t>
             </a:r>
           </a:p>
           <a:p>
             <a:pPr lvl="4"/>
             <a:r>
-              <a:rPr lang="ja-JP" altLang="en-US"/>
+              <a:rPr lang="ja-JP" altLang="en-US" dirty="0"/>
               <a:t>第 </a:t>
             </a:r>
             <a:r>
-              <a:rPr lang="en-US" altLang="ja-JP"/>
+              <a:rPr lang="en-US" altLang="ja-JP" dirty="0"/>
               <a:t>5 </a:t>
             </a:r>
             <a:r>
-              <a:rPr lang="ja-JP" altLang="en-US"/>
+              <a:rPr lang="ja-JP" altLang="en-US" dirty="0"/>
               <a:t>レベル</a:t>
             </a:r>
             <a:endParaRPr lang="en-US" dirty="0"/>
@@ -3330,7 +3425,7 @@
             </a:lvl1pPr>
           </a:lstStyle>
           <a:p>
-            <a:fld id="{4EF603E5-A3EC-4228-BC6E-A60C225678DA}" type="datetime1">
+            <a:fld id="{5EFA68B6-2A86-4A3D-B9EA-5F9B8EA36ED7}" type="datetime1">
               <a:rPr kumimoji="1" lang="ja-JP" altLang="en-US" smtClean="0"/>
               <a:t>2022/4/27</a:t>
             </a:fld>
@@ -3377,7 +3472,13 @@
       </p:sp>
       <p:sp>
         <p:nvSpPr>
-          <p:cNvPr id="6" name="Slide Number Placeholder 5"/>
+          <p:cNvPr id="8" name="Slide Number Placeholder 5">
+            <a:extLst>
+              <a:ext uri="{FF2B5EF4-FFF2-40B4-BE49-F238E27FC236}">
+                <a16:creationId xmlns:a16="http://schemas.microsoft.com/office/drawing/2014/main" id="{A8AB76D0-30B6-44CF-9139-B4FA3093AE36}"/>
+              </a:ext>
+            </a:extLst>
+          </p:cNvPr>
           <p:cNvSpPr>
             <a:spLocks noGrp="1"/>
           </p:cNvSpPr>
@@ -3896,8 +3997,8 @@
           <a:chExt cx="0" cy="0"/>
         </a:xfrm>
       </p:grpSpPr>
-      <mc:AlternateContent xmlns:mc="http://schemas.openxmlformats.org/markup-compatibility/2006" xmlns:a14="http://schemas.microsoft.com/office/drawing/2010/main">
-        <mc:Choice Requires="a14">
+      <mc:AlternateContent xmlns:mc="http://schemas.openxmlformats.org/markup-compatibility/2006">
+        <mc:Choice xmlns:a14="http://schemas.microsoft.com/office/drawing/2010/main" Requires="a14">
           <p:sp>
             <p:nvSpPr>
               <p:cNvPr id="11" name="テキスト ボックス 10">
@@ -3912,8 +4013,8 @@
             </p:nvSpPr>
             <p:spPr>
               <a:xfrm>
-                <a:off x="1460004" y="4972321"/>
-                <a:ext cx="10470333" cy="1778307"/>
+                <a:off x="1198752" y="4841695"/>
+                <a:ext cx="10980649" cy="2055563"/>
               </a:xfrm>
               <a:prstGeom prst="rect">
                 <a:avLst/>
@@ -4013,7 +4114,19 @@
                                 <a:rPr kumimoji="1" lang="en-US" altLang="ja-JP" sz="2400" b="0" i="1" smtClean="0">
                                   <a:latin typeface="Cambria Math" panose="02040503050406030204" pitchFamily="18" charset="0"/>
                                 </a:rPr>
-                                <m:t>,                                                                       1−</m:t>
+                                <m:t>,                                                                </m:t>
+                              </m:r>
+                              <m:r>
+                                <a:rPr kumimoji="1" lang="en-US" altLang="ja-JP" sz="2400" b="0" i="1" smtClean="0">
+                                  <a:latin typeface="Cambria Math" panose="02040503050406030204" pitchFamily="18" charset="0"/>
+                                </a:rPr>
+                                <m:t>        </m:t>
+                              </m:r>
+                              <m:r>
+                                <a:rPr kumimoji="1" lang="en-US" altLang="ja-JP" sz="2400" b="0" i="1" smtClean="0">
+                                  <a:latin typeface="Cambria Math" panose="02040503050406030204" pitchFamily="18" charset="0"/>
+                                </a:rPr>
+                                <m:t>       1−</m:t>
                               </m:r>
                               <m:sSub>
                                 <m:sSubPr>
@@ -4067,23 +4180,66 @@
                                 </m:num>
                                 <m:den>
                                   <m:r>
-                                    <a:rPr kumimoji="1" lang="en-US" altLang="ja-JP" sz="2400" b="0" i="1" smtClean="0">
-                                      <a:latin typeface="Cambria Math" panose="02040503050406030204" pitchFamily="18" charset="0"/>
-                                    </a:rPr>
-                                    <m:t>0.</m:t>
-                                  </m:r>
-                                  <m:r>
                                     <a:rPr kumimoji="1" lang="en-US" altLang="ja-JP" sz="2400" i="1">
                                       <a:latin typeface="Cambria Math" panose="02040503050406030204" pitchFamily="18" charset="0"/>
                                     </a:rPr>
-                                    <m:t>999166</m:t>
+                                    <m:t>1−</m:t>
                                   </m:r>
-                                  <m:r>
-                                    <a:rPr kumimoji="1" lang="en-US" altLang="ja-JP" sz="2400" b="0" i="1" smtClean="0">
-                                      <a:latin typeface="Cambria Math" panose="02040503050406030204" pitchFamily="18" charset="0"/>
-                                    </a:rPr>
-                                    <m:t>2</m:t>
-                                  </m:r>
+                                  <m:sSup>
+                                    <m:sSupPr>
+                                      <m:ctrlPr>
+                                        <a:rPr kumimoji="1" lang="en-US" altLang="ja-JP" sz="2400" i="1">
+                                          <a:latin typeface="Cambria Math" panose="02040503050406030204" pitchFamily="18" charset="0"/>
+                                        </a:rPr>
+                                      </m:ctrlPr>
+                                    </m:sSupPr>
+                                    <m:e>
+                                      <m:d>
+                                        <m:dPr>
+                                          <m:ctrlPr>
+                                            <a:rPr kumimoji="1" lang="en-US" altLang="ja-JP" sz="2400" i="1">
+                                              <a:latin typeface="Cambria Math" panose="02040503050406030204" pitchFamily="18" charset="0"/>
+                                            </a:rPr>
+                                          </m:ctrlPr>
+                                        </m:dPr>
+                                        <m:e>
+                                          <m:f>
+                                            <m:fPr>
+                                              <m:ctrlPr>
+                                                <a:rPr kumimoji="1" lang="en-US" altLang="ja-JP" sz="2400" i="1">
+                                                  <a:latin typeface="Cambria Math" panose="02040503050406030204" pitchFamily="18" charset="0"/>
+                                                </a:rPr>
+                                              </m:ctrlPr>
+                                            </m:fPr>
+                                            <m:num>
+                                              <m:r>
+                                                <a:rPr kumimoji="1" lang="en-US" altLang="ja-JP" sz="2400" i="1">
+                                                  <a:latin typeface="Cambria Math" panose="02040503050406030204" pitchFamily="18" charset="0"/>
+                                                </a:rPr>
+                                                <m:t>0.055</m:t>
+                                              </m:r>
+                                            </m:num>
+                                            <m:den>
+                                              <m:r>
+                                                <a:rPr kumimoji="1" lang="en-US" altLang="ja-JP" sz="2400" i="1">
+                                                  <a:latin typeface="Cambria Math" panose="02040503050406030204" pitchFamily="18" charset="0"/>
+                                                </a:rPr>
+                                                <m:t>1.055</m:t>
+                                              </m:r>
+                                            </m:den>
+                                          </m:f>
+                                        </m:e>
+                                      </m:d>
+                                    </m:e>
+                                    <m:sup>
+                                      <m:r>
+                                        <a:rPr kumimoji="1" lang="en-US" altLang="ja-JP" sz="2400" i="1">
+                                          <a:latin typeface="Cambria Math" panose="02040503050406030204" pitchFamily="18" charset="0"/>
+                                        </a:rPr>
+                                        <m:t>2.4</m:t>
+                                      </m:r>
+                                    </m:sup>
+                                  </m:sSup>
                                 </m:den>
                               </m:f>
                               <m:d>
@@ -4246,7 +4402,7 @@
             </p:txBody>
           </p:sp>
         </mc:Choice>
-        <mc:Fallback xmlns="">
+        <mc:Fallback>
           <p:sp>
             <p:nvSpPr>
               <p:cNvPr id="11" name="テキスト ボックス 10">
@@ -4263,8 +4419,8 @@
             </p:nvSpPr>
             <p:spPr>
               <a:xfrm>
-                <a:off x="1460004" y="4972321"/>
-                <a:ext cx="10470333" cy="1778307"/>
+                <a:off x="1198752" y="4841695"/>
+                <a:ext cx="10980649" cy="2055563"/>
               </a:xfrm>
               <a:prstGeom prst="rect">
                 <a:avLst/>
@@ -4331,8 +4487,8 @@
           </a:p>
         </p:txBody>
       </p:sp>
-      <mc:AlternateContent xmlns:mc="http://schemas.openxmlformats.org/markup-compatibility/2006" xmlns:a14="http://schemas.microsoft.com/office/drawing/2010/main">
-        <mc:Choice Requires="a14">
+      <mc:AlternateContent xmlns:mc="http://schemas.openxmlformats.org/markup-compatibility/2006">
+        <mc:Choice xmlns:a14="http://schemas.microsoft.com/office/drawing/2010/main" Requires="a14">
           <p:sp>
             <p:nvSpPr>
               <p:cNvPr id="12" name="テキスト ボックス 11">
@@ -4347,7 +4503,7 @@
             </p:nvSpPr>
             <p:spPr>
               <a:xfrm>
-                <a:off x="1635426" y="3359102"/>
+                <a:off x="1374174" y="3228476"/>
                 <a:ext cx="4407297" cy="276999"/>
               </a:xfrm>
               <a:prstGeom prst="rect">
@@ -4537,7 +4693,7 @@
             </p:txBody>
           </p:sp>
         </mc:Choice>
-        <mc:Fallback xmlns="">
+        <mc:Fallback>
           <p:sp>
             <p:nvSpPr>
               <p:cNvPr id="12" name="テキスト ボックス 11">
@@ -4554,7 +4710,7 @@
             </p:nvSpPr>
             <p:spPr>
               <a:xfrm>
-                <a:off x="1635426" y="3359102"/>
+                <a:off x="1374174" y="3228476"/>
                 <a:ext cx="4407297" cy="276999"/>
               </a:xfrm>
               <a:prstGeom prst="rect">
@@ -4563,7 +4719,7 @@
               <a:blipFill>
                 <a:blip r:embed="rId3"/>
                 <a:stretch>
-                  <a:fillRect l="-3181" t="-31111" b="-53333"/>
+                  <a:fillRect l="-3181" t="-31111" b="-51111"/>
                 </a:stretch>
               </a:blipFill>
             </p:spPr>
@@ -4596,7 +4752,7 @@
         </p:nvSpPr>
         <p:spPr>
           <a:xfrm>
-            <a:off x="946708" y="4041225"/>
+            <a:off x="685456" y="3910599"/>
             <a:ext cx="1647695" cy="369332"/>
           </a:xfrm>
           <a:prstGeom prst="rect">
@@ -4618,8 +4774,8 @@
           </a:p>
         </p:txBody>
       </p:sp>
-      <mc:AlternateContent xmlns:mc="http://schemas.openxmlformats.org/markup-compatibility/2006" xmlns:a14="http://schemas.microsoft.com/office/drawing/2010/main">
-        <mc:Choice Requires="a14">
+      <mc:AlternateContent xmlns:mc="http://schemas.openxmlformats.org/markup-compatibility/2006">
+        <mc:Choice xmlns:a14="http://schemas.microsoft.com/office/drawing/2010/main" Requires="a14">
           <p:sp>
             <p:nvSpPr>
               <p:cNvPr id="17" name="テキスト ボックス 16">
@@ -4634,7 +4790,7 @@
             </p:nvSpPr>
             <p:spPr>
               <a:xfrm>
-                <a:off x="1335295" y="4525187"/>
+                <a:off x="1074043" y="4394561"/>
                 <a:ext cx="4056447" cy="369332"/>
               </a:xfrm>
               <a:prstGeom prst="rect">
@@ -4650,7 +4806,7 @@
               <a:p>
                 <a:r>
                   <a:rPr kumimoji="1" lang="en-US" altLang="ja-JP" sz="1800" dirty="0"/>
-                  <a:t>For </a:t>
+                  <a:t>If </a:t>
                 </a:r>
                 <a14:m>
                   <m:oMath xmlns:m="http://schemas.openxmlformats.org/officeDocument/2006/math">
@@ -4752,7 +4908,7 @@
             </p:txBody>
           </p:sp>
         </mc:Choice>
-        <mc:Fallback xmlns="">
+        <mc:Fallback>
           <p:sp>
             <p:nvSpPr>
               <p:cNvPr id="17" name="テキスト ボックス 16">
@@ -4769,7 +4925,7 @@
             </p:nvSpPr>
             <p:spPr>
               <a:xfrm>
-                <a:off x="1335295" y="4525187"/>
+                <a:off x="1074043" y="4394561"/>
                 <a:ext cx="4056447" cy="369332"/>
               </a:xfrm>
               <a:prstGeom prst="rect">
@@ -4778,7 +4934,7 @@
               <a:blipFill>
                 <a:blip r:embed="rId4"/>
                 <a:stretch>
-                  <a:fillRect l="-1203" t="-8197" b="-24590"/>
+                  <a:fillRect l="-1201" t="-10000" b="-26667"/>
                 </a:stretch>
               </a:blipFill>
             </p:spPr>
@@ -4797,385 +4953,8 @@
           </p:sp>
         </mc:Fallback>
       </mc:AlternateContent>
-      <mc:AlternateContent xmlns:mc="http://schemas.openxmlformats.org/markup-compatibility/2006" xmlns:a14="http://schemas.microsoft.com/office/drawing/2010/main">
-        <mc:Choice Requires="a14">
-          <p:sp>
-            <p:nvSpPr>
-              <p:cNvPr id="19" name="テキスト ボックス 18">
-                <a:extLst>
-                  <a:ext uri="{FF2B5EF4-FFF2-40B4-BE49-F238E27FC236}">
-                    <a16:creationId xmlns:a16="http://schemas.microsoft.com/office/drawing/2014/main" id="{503F3715-5A41-4AA6-B838-1C252AB9DA14}"/>
-                  </a:ext>
-                </a:extLst>
-              </p:cNvPr>
-              <p:cNvSpPr txBox="1"/>
-              <p:nvPr/>
-            </p:nvSpPr>
-            <p:spPr>
-              <a:xfrm>
-                <a:off x="1197919" y="7479332"/>
-                <a:ext cx="11080762" cy="1778307"/>
-              </a:xfrm>
-              <a:prstGeom prst="rect">
-                <a:avLst/>
-              </a:prstGeom>
-              <a:noFill/>
-            </p:spPr>
-            <p:txBody>
-              <a:bodyPr wrap="square" lIns="0" tIns="0" rIns="0" bIns="0" rtlCol="0">
-                <a:spAutoFit/>
-              </a:bodyPr>
-              <a:lstStyle/>
-              <a:p>
-                <a:pPr/>
-                <a14:m>
-                  <m:oMathPara xmlns:m="http://schemas.openxmlformats.org/officeDocument/2006/math">
-                    <m:oMathParaPr>
-                      <m:jc m:val="centerGroup"/>
-                    </m:oMathParaPr>
-                    <m:oMath xmlns:m="http://schemas.openxmlformats.org/officeDocument/2006/math">
-                      <m:sSub>
-                        <m:sSubPr>
-                          <m:ctrlPr>
-                            <a:rPr kumimoji="1" lang="en-US" altLang="ja-JP" sz="2400" b="0" i="1" smtClean="0">
-                              <a:latin typeface="Cambria Math" panose="02040503050406030204" pitchFamily="18" charset="0"/>
-                            </a:rPr>
-                          </m:ctrlPr>
-                        </m:sSubPr>
-                        <m:e>
-                          <m:r>
-                            <a:rPr kumimoji="1" lang="en-US" altLang="ja-JP" sz="2400" b="0" i="1" smtClean="0">
-                              <a:latin typeface="Cambria Math" panose="02040503050406030204" pitchFamily="18" charset="0"/>
-                            </a:rPr>
-                            <m:t>𝛼</m:t>
-                          </m:r>
-                        </m:e>
-                        <m:sub>
-                          <m:r>
-                            <a:rPr kumimoji="1" lang="en-US" altLang="ja-JP" sz="2400" b="0" i="1" smtClean="0">
-                              <a:latin typeface="Cambria Math" panose="02040503050406030204" pitchFamily="18" charset="0"/>
-                            </a:rPr>
-                            <m:t>𝑙𝑖𝑛𝑒𝑎𝑟</m:t>
-                          </m:r>
-                        </m:sub>
-                      </m:sSub>
-                      <m:r>
-                        <a:rPr kumimoji="1" lang="en-US" altLang="ja-JP" sz="2400" b="0" i="1" smtClean="0">
-                          <a:latin typeface="Cambria Math" panose="02040503050406030204" pitchFamily="18" charset="0"/>
-                        </a:rPr>
-                        <m:t>=</m:t>
-                      </m:r>
-                      <m:d>
-                        <m:dPr>
-                          <m:begChr m:val="{"/>
-                          <m:endChr m:val=""/>
-                          <m:ctrlPr>
-                            <a:rPr kumimoji="1" lang="en-US" altLang="ja-JP" sz="2400" b="0" i="1" smtClean="0">
-                              <a:latin typeface="Cambria Math" panose="02040503050406030204" pitchFamily="18" charset="0"/>
-                            </a:rPr>
-                          </m:ctrlPr>
-                        </m:dPr>
-                        <m:e>
-                          <m:eqArr>
-                            <m:eqArrPr>
-                              <m:ctrlPr>
-                                <a:rPr kumimoji="1" lang="en-US" altLang="ja-JP" sz="2400" b="0" i="1" smtClean="0">
-                                  <a:latin typeface="Cambria Math" panose="02040503050406030204" pitchFamily="18" charset="0"/>
-                                </a:rPr>
-                              </m:ctrlPr>
-                            </m:eqArrPr>
-                            <m:e>
-                              <m:sSub>
-                                <m:sSubPr>
-                                  <m:ctrlPr>
-                                    <a:rPr kumimoji="1" lang="en-US" altLang="ja-JP" sz="2400" i="1">
-                                      <a:latin typeface="Cambria Math" panose="02040503050406030204" pitchFamily="18" charset="0"/>
-                                    </a:rPr>
-                                  </m:ctrlPr>
-                                </m:sSubPr>
-                                <m:e>
-                                  <m:r>
-                                    <a:rPr kumimoji="1" lang="en-US" altLang="ja-JP" sz="2400" i="1">
-                                      <a:latin typeface="Cambria Math" panose="02040503050406030204" pitchFamily="18" charset="0"/>
-                                    </a:rPr>
-                                    <m:t>𝛼</m:t>
-                                  </m:r>
-                                </m:e>
-                                <m:sub>
-                                  <m:r>
-                                    <a:rPr kumimoji="1" lang="en-US" altLang="ja-JP" sz="2400" i="1">
-                                      <a:latin typeface="Cambria Math" panose="02040503050406030204" pitchFamily="18" charset="0"/>
-                                    </a:rPr>
-                                    <m:t>𝑠𝑅𝐺𝐵</m:t>
-                                  </m:r>
-                                </m:sub>
-                              </m:sSub>
-                              <m:r>
-                                <a:rPr kumimoji="1" lang="en-US" altLang="ja-JP" sz="2400" b="0" i="1" smtClean="0">
-                                  <a:latin typeface="Cambria Math" panose="02040503050406030204" pitchFamily="18" charset="0"/>
-                                </a:rPr>
-                                <m:t>,                                                                                  </m:t>
-                              </m:r>
-                              <m:sSub>
-                                <m:sSubPr>
-                                  <m:ctrlPr>
-                                    <a:rPr kumimoji="1" lang="en-US" altLang="ja-JP" sz="2400" b="0" i="1" smtClean="0">
-                                      <a:latin typeface="Cambria Math" panose="02040503050406030204" pitchFamily="18" charset="0"/>
-                                    </a:rPr>
-                                  </m:ctrlPr>
-                                </m:sSubPr>
-                                <m:e>
-                                  <m:r>
-                                    <a:rPr kumimoji="1" lang="en-US" altLang="ja-JP" sz="2400" b="0" i="1" smtClean="0">
-                                      <a:latin typeface="Cambria Math" panose="02040503050406030204" pitchFamily="18" charset="0"/>
-                                    </a:rPr>
-                                    <m:t>𝛼</m:t>
-                                  </m:r>
-                                </m:e>
-                                <m:sub>
-                                  <m:r>
-                                    <a:rPr kumimoji="1" lang="en-US" altLang="ja-JP" sz="2400" b="0" i="1" smtClean="0">
-                                      <a:latin typeface="Cambria Math" panose="02040503050406030204" pitchFamily="18" charset="0"/>
-                                    </a:rPr>
-                                    <m:t>𝑠𝑅𝐺𝐵</m:t>
-                                  </m:r>
-                                </m:sub>
-                              </m:sSub>
-                              <m:r>
-                                <a:rPr kumimoji="1" lang="en-US" altLang="ja-JP" sz="2400" b="0" i="1" smtClean="0">
-                                  <a:latin typeface="Cambria Math" panose="02040503050406030204" pitchFamily="18" charset="0"/>
-                                </a:rPr>
-                                <m:t>≤0.04050</m:t>
-                              </m:r>
-                            </m:e>
-                            <m:e/>
-                            <m:e>
-                              <m:f>
-                                <m:fPr>
-                                  <m:ctrlPr>
-                                    <a:rPr kumimoji="1" lang="en-US" altLang="ja-JP" sz="2400" i="1">
-                                      <a:latin typeface="Cambria Math" panose="02040503050406030204" pitchFamily="18" charset="0"/>
-                                    </a:rPr>
-                                  </m:ctrlPr>
-                                </m:fPr>
-                                <m:num>
-                                  <m:r>
-                                    <a:rPr kumimoji="1" lang="en-US" altLang="ja-JP" sz="2400" i="1">
-                                      <a:latin typeface="Cambria Math" panose="02040503050406030204" pitchFamily="18" charset="0"/>
-                                    </a:rPr>
-                                    <m:t>1</m:t>
-                                  </m:r>
-                                </m:num>
-                                <m:den>
-                                  <m:r>
-                                    <a:rPr kumimoji="1" lang="en-US" altLang="ja-JP" sz="2400" i="1">
-                                      <a:latin typeface="Cambria Math" panose="02040503050406030204" pitchFamily="18" charset="0"/>
-                                    </a:rPr>
-                                    <m:t>0.9991662</m:t>
-                                  </m:r>
-                                </m:den>
-                              </m:f>
-                              <m:d>
-                                <m:dPr>
-                                  <m:begChr m:val="["/>
-                                  <m:endChr m:val="]"/>
-                                  <m:ctrlPr>
-                                    <a:rPr kumimoji="1" lang="en-US" altLang="ja-JP" sz="2400" i="1">
-                                      <a:latin typeface="Cambria Math" panose="02040503050406030204" pitchFamily="18" charset="0"/>
-                                    </a:rPr>
-                                  </m:ctrlPr>
-                                </m:dPr>
-                                <m:e>
-                                  <m:sSup>
-                                    <m:sSupPr>
-                                      <m:ctrlPr>
-                                        <a:rPr kumimoji="1" lang="en-US" altLang="ja-JP" sz="2400" i="1">
-                                          <a:latin typeface="Cambria Math" panose="02040503050406030204" pitchFamily="18" charset="0"/>
-                                        </a:rPr>
-                                      </m:ctrlPr>
-                                    </m:sSupPr>
-                                    <m:e>
-                                      <m:d>
-                                        <m:dPr>
-                                          <m:ctrlPr>
-                                            <a:rPr kumimoji="1" lang="en-US" altLang="ja-JP" sz="2400" i="1">
-                                              <a:latin typeface="Cambria Math" panose="02040503050406030204" pitchFamily="18" charset="0"/>
-                                            </a:rPr>
-                                          </m:ctrlPr>
-                                        </m:dPr>
-                                        <m:e>
-                                          <m:f>
-                                            <m:fPr>
-                                              <m:ctrlPr>
-                                                <a:rPr kumimoji="1" lang="en-US" altLang="ja-JP" sz="2400" i="1">
-                                                  <a:latin typeface="Cambria Math" panose="02040503050406030204" pitchFamily="18" charset="0"/>
-                                                </a:rPr>
-                                              </m:ctrlPr>
-                                            </m:fPr>
-                                            <m:num>
-                                              <m:r>
-                                                <a:rPr kumimoji="1" lang="en-US" altLang="ja-JP" sz="2400" i="1">
-                                                  <a:latin typeface="Cambria Math" panose="02040503050406030204" pitchFamily="18" charset="0"/>
-                                                </a:rPr>
-                                                <m:t> </m:t>
-                                              </m:r>
-                                              <m:sSub>
-                                                <m:sSubPr>
-                                                  <m:ctrlPr>
-                                                    <a:rPr kumimoji="1" lang="en-US" altLang="ja-JP" sz="2400" i="1">
-                                                      <a:latin typeface="Cambria Math" panose="02040503050406030204" pitchFamily="18" charset="0"/>
-                                                    </a:rPr>
-                                                  </m:ctrlPr>
-                                                </m:sSubPr>
-                                                <m:e>
-                                                  <m:r>
-                                                    <a:rPr kumimoji="1" lang="en-US" altLang="ja-JP" sz="2400" i="1">
-                                                      <a:latin typeface="Cambria Math" panose="02040503050406030204" pitchFamily="18" charset="0"/>
-                                                    </a:rPr>
-                                                    <m:t>𝛼</m:t>
-                                                  </m:r>
-                                                </m:e>
-                                                <m:sub>
-                                                  <m:r>
-                                                    <a:rPr kumimoji="1" lang="en-US" altLang="ja-JP" sz="2400" i="1">
-                                                      <a:latin typeface="Cambria Math" panose="02040503050406030204" pitchFamily="18" charset="0"/>
-                                                    </a:rPr>
-                                                    <m:t>𝑠𝑅𝐺𝐵</m:t>
-                                                  </m:r>
-                                                </m:sub>
-                                              </m:sSub>
-                                              <m:r>
-                                                <a:rPr kumimoji="1" lang="en-US" altLang="ja-JP" sz="2400" i="1">
-                                                  <a:latin typeface="Cambria Math" panose="02040503050406030204" pitchFamily="18" charset="0"/>
-                                                </a:rPr>
-                                                <m:t>+0.055</m:t>
-                                              </m:r>
-                                            </m:num>
-                                            <m:den>
-                                              <m:r>
-                                                <a:rPr kumimoji="1" lang="en-US" altLang="ja-JP" sz="2400" i="1">
-                                                  <a:latin typeface="Cambria Math" panose="02040503050406030204" pitchFamily="18" charset="0"/>
-                                                </a:rPr>
-                                                <m:t>1.055</m:t>
-                                              </m:r>
-                                            </m:den>
-                                          </m:f>
-                                        </m:e>
-                                      </m:d>
-                                    </m:e>
-                                    <m:sup>
-                                      <m:r>
-                                        <a:rPr kumimoji="1" lang="en-US" altLang="ja-JP" sz="2400" i="1">
-                                          <a:latin typeface="Cambria Math" panose="02040503050406030204" pitchFamily="18" charset="0"/>
-                                        </a:rPr>
-                                        <m:t>2.4</m:t>
-                                      </m:r>
-                                    </m:sup>
-                                  </m:sSup>
-                                  <m:r>
-                                    <a:rPr kumimoji="1" lang="en-US" altLang="ja-JP" sz="2400" i="1">
-                                      <a:latin typeface="Cambria Math" panose="02040503050406030204" pitchFamily="18" charset="0"/>
-                                    </a:rPr>
-                                    <m:t>−0.0008338</m:t>
-                                  </m:r>
-                                </m:e>
-                              </m:d>
-                              <m:r>
-                                <a:rPr kumimoji="1" lang="en-US" altLang="ja-JP" sz="2400" b="0" i="1" smtClean="0">
-                                  <a:latin typeface="Cambria Math" panose="02040503050406030204" pitchFamily="18" charset="0"/>
-                                </a:rPr>
-                                <m:t>,  </m:t>
-                              </m:r>
-                              <m:sSub>
-                                <m:sSubPr>
-                                  <m:ctrlPr>
-                                    <a:rPr kumimoji="1" lang="en-US" altLang="ja-JP" sz="2400" i="1">
-                                      <a:latin typeface="Cambria Math" panose="02040503050406030204" pitchFamily="18" charset="0"/>
-                                    </a:rPr>
-                                  </m:ctrlPr>
-                                </m:sSubPr>
-                                <m:e>
-                                  <m:r>
-                                    <a:rPr kumimoji="1" lang="en-US" altLang="ja-JP" sz="2400" i="1">
-                                      <a:latin typeface="Cambria Math" panose="02040503050406030204" pitchFamily="18" charset="0"/>
-                                    </a:rPr>
-                                    <m:t>𝛼</m:t>
-                                  </m:r>
-                                </m:e>
-                                <m:sub>
-                                  <m:r>
-                                    <a:rPr kumimoji="1" lang="en-US" altLang="ja-JP" sz="2400" i="1">
-                                      <a:latin typeface="Cambria Math" panose="02040503050406030204" pitchFamily="18" charset="0"/>
-                                    </a:rPr>
-                                    <m:t>𝑠𝑅𝐺𝐵</m:t>
-                                  </m:r>
-                                </m:sub>
-                              </m:sSub>
-                              <m:r>
-                                <a:rPr kumimoji="1" lang="en-US" altLang="ja-JP" sz="2400" b="0" i="1" smtClean="0">
-                                  <a:latin typeface="Cambria Math" panose="02040503050406030204" pitchFamily="18" charset="0"/>
-                                </a:rPr>
-                                <m:t>&gt;0.04050</m:t>
-                              </m:r>
-                            </m:e>
-                          </m:eqArr>
-                        </m:e>
-                      </m:d>
-                    </m:oMath>
-                  </m:oMathPara>
-                </a14:m>
-                <a:endParaRPr kumimoji="1" lang="ja-JP" altLang="en-US" sz="2400" dirty="0"/>
-              </a:p>
-            </p:txBody>
-          </p:sp>
-        </mc:Choice>
-        <mc:Fallback xmlns="">
-          <p:sp>
-            <p:nvSpPr>
-              <p:cNvPr id="19" name="テキスト ボックス 18">
-                <a:extLst>
-                  <a:ext uri="{FF2B5EF4-FFF2-40B4-BE49-F238E27FC236}">
-                    <a16:creationId xmlns:a16="http://schemas.microsoft.com/office/drawing/2014/main" id="{503F3715-5A41-4AA6-B838-1C252AB9DA14}"/>
-                  </a:ext>
-                </a:extLst>
-              </p:cNvPr>
-              <p:cNvSpPr txBox="1">
-                <a:spLocks noRot="1" noChangeAspect="1" noMove="1" noResize="1" noEditPoints="1" noAdjustHandles="1" noChangeArrowheads="1" noChangeShapeType="1" noTextEdit="1"/>
-              </p:cNvSpPr>
-              <p:nvPr/>
-            </p:nvSpPr>
-            <p:spPr>
-              <a:xfrm>
-                <a:off x="1197919" y="7479332"/>
-                <a:ext cx="11080762" cy="1778307"/>
-              </a:xfrm>
-              <a:prstGeom prst="rect">
-                <a:avLst/>
-              </a:prstGeom>
-              <a:blipFill>
-                <a:blip r:embed="rId5"/>
-                <a:stretch>
-                  <a:fillRect/>
-                </a:stretch>
-              </a:blipFill>
-            </p:spPr>
-            <p:txBody>
-              <a:bodyPr/>
-              <a:lstStyle/>
-              <a:p>
-                <a:r>
-                  <a:rPr lang="ja-JP" altLang="en-US">
-                    <a:noFill/>
-                  </a:rPr>
-                  <a:t> </a:t>
-                </a:r>
-              </a:p>
-            </p:txBody>
-          </p:sp>
-        </mc:Fallback>
-      </mc:AlternateContent>
-      <mc:AlternateContent xmlns:mc="http://schemas.openxmlformats.org/markup-compatibility/2006" xmlns:a14="http://schemas.microsoft.com/office/drawing/2010/main">
-        <mc:Choice Requires="a14">
+      <mc:AlternateContent xmlns:mc="http://schemas.openxmlformats.org/markup-compatibility/2006">
+        <mc:Choice xmlns:a14="http://schemas.microsoft.com/office/drawing/2010/main" Requires="a14">
           <p:sp>
             <p:nvSpPr>
               <p:cNvPr id="20" name="テキスト ボックス 19">
@@ -5190,8 +4969,8 @@
             </p:nvSpPr>
             <p:spPr>
               <a:xfrm>
-                <a:off x="1335295" y="7060646"/>
-                <a:ext cx="3918651" cy="369332"/>
+                <a:off x="1074043" y="6930020"/>
+                <a:ext cx="4165614" cy="369332"/>
               </a:xfrm>
               <a:prstGeom prst="rect">
                 <a:avLst/>
@@ -5206,7 +4985,7 @@
               <a:p>
                 <a:r>
                   <a:rPr kumimoji="1" lang="en-US" altLang="ja-JP" sz="1800" dirty="0"/>
-                  <a:t>For </a:t>
+                  <a:t>If </a:t>
                 </a:r>
                 <a14:m>
                   <m:oMath xmlns:m="http://schemas.openxmlformats.org/officeDocument/2006/math">
@@ -5308,7 +5087,7 @@
             </p:txBody>
           </p:sp>
         </mc:Choice>
-        <mc:Fallback xmlns="">
+        <mc:Fallback>
           <p:sp>
             <p:nvSpPr>
               <p:cNvPr id="20" name="テキスト ボックス 19">
@@ -5325,16 +5104,16 @@
             </p:nvSpPr>
             <p:spPr>
               <a:xfrm>
-                <a:off x="1335295" y="7060646"/>
-                <a:ext cx="3918651" cy="369332"/>
+                <a:off x="1074043" y="6930020"/>
+                <a:ext cx="4165614" cy="369332"/>
               </a:xfrm>
               <a:prstGeom prst="rect">
                 <a:avLst/>
               </a:prstGeom>
               <a:blipFill>
-                <a:blip r:embed="rId6"/>
+                <a:blip r:embed="rId5"/>
                 <a:stretch>
-                  <a:fillRect l="-1244" t="-8197" b="-24590"/>
+                  <a:fillRect l="-1170" t="-10000" b="-26667"/>
                 </a:stretch>
               </a:blipFill>
             </p:spPr>
@@ -5367,7 +5146,7 @@
         </p:nvSpPr>
         <p:spPr>
           <a:xfrm>
-            <a:off x="1258062" y="924218"/>
+            <a:off x="996810" y="793592"/>
             <a:ext cx="10367771" cy="2939162"/>
           </a:xfrm>
           <a:prstGeom prst="rect">
@@ -5405,8 +5184,8 @@
           </a:p>
         </p:txBody>
       </p:sp>
-      <mc:AlternateContent xmlns:mc="http://schemas.openxmlformats.org/markup-compatibility/2006" xmlns:a14="http://schemas.microsoft.com/office/drawing/2010/main">
-        <mc:Choice Requires="a14">
+      <mc:AlternateContent xmlns:mc="http://schemas.openxmlformats.org/markup-compatibility/2006">
+        <mc:Choice xmlns:a14="http://schemas.microsoft.com/office/drawing/2010/main" Requires="a14">
           <p:sp>
             <p:nvSpPr>
               <p:cNvPr id="15" name="テキスト ボックス 14">
@@ -5421,7 +5200,7 @@
             </p:nvSpPr>
             <p:spPr>
               <a:xfrm>
-                <a:off x="1466051" y="1171772"/>
+                <a:off x="1204799" y="1041146"/>
                 <a:ext cx="9934304" cy="1942968"/>
               </a:xfrm>
               <a:prstGeom prst="rect">
@@ -6042,7 +5821,7 @@
             </p:txBody>
           </p:sp>
         </mc:Choice>
-        <mc:Fallback xmlns="">
+        <mc:Fallback>
           <p:sp>
             <p:nvSpPr>
               <p:cNvPr id="15" name="テキスト ボックス 14">
@@ -6059,14 +5838,14 @@
             </p:nvSpPr>
             <p:spPr>
               <a:xfrm>
-                <a:off x="1466051" y="1171772"/>
+                <a:off x="1204799" y="1041146"/>
                 <a:ext cx="9934304" cy="1942968"/>
               </a:xfrm>
               <a:prstGeom prst="rect">
                 <a:avLst/>
               </a:prstGeom>
               <a:blipFill>
-                <a:blip r:embed="rId7"/>
+                <a:blip r:embed="rId6"/>
                 <a:stretch>
                   <a:fillRect/>
                 </a:stretch>
@@ -6092,10 +5871,10 @@
       </mc:AlternateContent>
       <p:sp>
         <p:nvSpPr>
-          <p:cNvPr id="2" name="スライド番号プレースホルダー 1">
+          <p:cNvPr id="3" name="スライド番号プレースホルダー 2">
             <a:extLst>
               <a:ext uri="{FF2B5EF4-FFF2-40B4-BE49-F238E27FC236}">
-                <a16:creationId xmlns:a16="http://schemas.microsoft.com/office/drawing/2014/main" id="{0BFDF40F-D188-43C9-960B-3D33EB9CC2E1}"/>
+                <a16:creationId xmlns:a16="http://schemas.microsoft.com/office/drawing/2014/main" id="{E5C1AB4B-D788-4C05-8B5E-E6C527BF9D4B}"/>
               </a:ext>
             </a:extLst>
           </p:cNvPr>
@@ -6106,7 +5885,12 @@
             <p:ph type="sldNum" sz="quarter" idx="12"/>
           </p:nvPr>
         </p:nvSpPr>
-        <p:spPr/>
+        <p:spPr>
+          <a:xfrm>
+            <a:off x="9906726" y="9075511"/>
+            <a:ext cx="2880360" cy="511175"/>
+          </a:xfrm>
+        </p:spPr>
         <p:txBody>
           <a:bodyPr/>
           <a:lstStyle/>
@@ -6119,6 +5903,505 @@
           </a:p>
         </p:txBody>
       </p:sp>
+      <mc:AlternateContent xmlns:mc="http://schemas.openxmlformats.org/markup-compatibility/2006">
+        <mc:Choice xmlns:a14="http://schemas.microsoft.com/office/drawing/2010/main" Requires="a14">
+          <p:sp>
+            <p:nvSpPr>
+              <p:cNvPr id="13" name="テキスト ボックス 12">
+                <a:extLst>
+                  <a:ext uri="{FF2B5EF4-FFF2-40B4-BE49-F238E27FC236}">
+                    <a16:creationId xmlns:a16="http://schemas.microsoft.com/office/drawing/2014/main" id="{8B8D812C-D632-47A5-8CBE-E51DE1ED9325}"/>
+                  </a:ext>
+                </a:extLst>
+              </p:cNvPr>
+              <p:cNvSpPr txBox="1"/>
+              <p:nvPr/>
+            </p:nvSpPr>
+            <p:spPr>
+              <a:xfrm>
+                <a:off x="936666" y="7348706"/>
+                <a:ext cx="11502081" cy="2055563"/>
+              </a:xfrm>
+              <a:prstGeom prst="rect">
+                <a:avLst/>
+              </a:prstGeom>
+              <a:noFill/>
+            </p:spPr>
+            <p:txBody>
+              <a:bodyPr wrap="square" lIns="0" tIns="0" rIns="0" bIns="0" rtlCol="0">
+                <a:spAutoFit/>
+              </a:bodyPr>
+              <a:lstStyle/>
+              <a:p>
+                <a:pPr/>
+                <a14:m>
+                  <m:oMathPara xmlns:m="http://schemas.openxmlformats.org/officeDocument/2006/math">
+                    <m:oMathParaPr>
+                      <m:jc m:val="centerGroup"/>
+                    </m:oMathParaPr>
+                    <m:oMath xmlns:m="http://schemas.openxmlformats.org/officeDocument/2006/math">
+                      <m:sSub>
+                        <m:sSubPr>
+                          <m:ctrlPr>
+                            <a:rPr kumimoji="1" lang="en-US" altLang="ja-JP" sz="2400" b="0" i="1" smtClean="0">
+                              <a:latin typeface="Cambria Math" panose="02040503050406030204" pitchFamily="18" charset="0"/>
+                            </a:rPr>
+                          </m:ctrlPr>
+                        </m:sSubPr>
+                        <m:e>
+                          <m:r>
+                            <a:rPr kumimoji="1" lang="en-US" altLang="ja-JP" sz="2400" b="0" i="1" smtClean="0">
+                              <a:latin typeface="Cambria Math" panose="02040503050406030204" pitchFamily="18" charset="0"/>
+                            </a:rPr>
+                            <m:t>𝛼</m:t>
+                          </m:r>
+                        </m:e>
+                        <m:sub>
+                          <m:r>
+                            <a:rPr kumimoji="1" lang="en-US" altLang="ja-JP" sz="2400" b="0" i="1" smtClean="0">
+                              <a:latin typeface="Cambria Math" panose="02040503050406030204" pitchFamily="18" charset="0"/>
+                            </a:rPr>
+                            <m:t>𝑙𝑖𝑛𝑒𝑎𝑟</m:t>
+                          </m:r>
+                        </m:sub>
+                      </m:sSub>
+                      <m:r>
+                        <a:rPr kumimoji="1" lang="en-US" altLang="ja-JP" sz="2400" b="0" i="1" smtClean="0">
+                          <a:latin typeface="Cambria Math" panose="02040503050406030204" pitchFamily="18" charset="0"/>
+                        </a:rPr>
+                        <m:t>=</m:t>
+                      </m:r>
+                      <m:d>
+                        <m:dPr>
+                          <m:begChr m:val="{"/>
+                          <m:endChr m:val=""/>
+                          <m:ctrlPr>
+                            <a:rPr kumimoji="1" lang="en-US" altLang="ja-JP" sz="2400" b="0" i="1" smtClean="0">
+                              <a:latin typeface="Cambria Math" panose="02040503050406030204" pitchFamily="18" charset="0"/>
+                            </a:rPr>
+                          </m:ctrlPr>
+                        </m:dPr>
+                        <m:e>
+                          <m:eqArr>
+                            <m:eqArrPr>
+                              <m:ctrlPr>
+                                <a:rPr kumimoji="1" lang="en-US" altLang="ja-JP" sz="2400" b="0" i="1" smtClean="0">
+                                  <a:latin typeface="Cambria Math" panose="02040503050406030204" pitchFamily="18" charset="0"/>
+                                </a:rPr>
+                              </m:ctrlPr>
+                            </m:eqArrPr>
+                            <m:e>
+                              <m:sSub>
+                                <m:sSubPr>
+                                  <m:ctrlPr>
+                                    <a:rPr kumimoji="1" lang="en-US" altLang="ja-JP" sz="2400" i="1">
+                                      <a:latin typeface="Cambria Math" panose="02040503050406030204" pitchFamily="18" charset="0"/>
+                                    </a:rPr>
+                                  </m:ctrlPr>
+                                </m:sSubPr>
+                                <m:e>
+                                  <m:r>
+                                    <a:rPr kumimoji="1" lang="en-US" altLang="ja-JP" sz="2400" i="1">
+                                      <a:latin typeface="Cambria Math" panose="02040503050406030204" pitchFamily="18" charset="0"/>
+                                    </a:rPr>
+                                    <m:t>𝛼</m:t>
+                                  </m:r>
+                                </m:e>
+                                <m:sub>
+                                  <m:r>
+                                    <a:rPr kumimoji="1" lang="en-US" altLang="ja-JP" sz="2400" i="1">
+                                      <a:latin typeface="Cambria Math" panose="02040503050406030204" pitchFamily="18" charset="0"/>
+                                    </a:rPr>
+                                    <m:t>𝑠𝑅𝐺𝐵</m:t>
+                                  </m:r>
+                                </m:sub>
+                              </m:sSub>
+                              <m:r>
+                                <a:rPr kumimoji="1" lang="en-US" altLang="ja-JP" sz="2400" b="0" i="1" smtClean="0">
+                                  <a:latin typeface="Cambria Math" panose="02040503050406030204" pitchFamily="18" charset="0"/>
+                                </a:rPr>
+                                <m:t>,                                                                            </m:t>
+                              </m:r>
+                              <m:r>
+                                <a:rPr kumimoji="1" lang="en-US" altLang="ja-JP" sz="2400" b="0" i="1" smtClean="0">
+                                  <a:latin typeface="Cambria Math" panose="02040503050406030204" pitchFamily="18" charset="0"/>
+                                </a:rPr>
+                                <m:t>       </m:t>
+                              </m:r>
+                              <m:r>
+                                <a:rPr kumimoji="1" lang="en-US" altLang="ja-JP" sz="2400" b="0" i="1" smtClean="0">
+                                  <a:latin typeface="Cambria Math" panose="02040503050406030204" pitchFamily="18" charset="0"/>
+                                </a:rPr>
+                                <m:t>      </m:t>
+                              </m:r>
+                              <m:sSub>
+                                <m:sSubPr>
+                                  <m:ctrlPr>
+                                    <a:rPr kumimoji="1" lang="en-US" altLang="ja-JP" sz="2400" b="0" i="1" smtClean="0">
+                                      <a:latin typeface="Cambria Math" panose="02040503050406030204" pitchFamily="18" charset="0"/>
+                                    </a:rPr>
+                                  </m:ctrlPr>
+                                </m:sSubPr>
+                                <m:e>
+                                  <m:r>
+                                    <a:rPr kumimoji="1" lang="en-US" altLang="ja-JP" sz="2400" b="0" i="1" smtClean="0">
+                                      <a:latin typeface="Cambria Math" panose="02040503050406030204" pitchFamily="18" charset="0"/>
+                                    </a:rPr>
+                                    <m:t>𝛼</m:t>
+                                  </m:r>
+                                </m:e>
+                                <m:sub>
+                                  <m:r>
+                                    <a:rPr kumimoji="1" lang="en-US" altLang="ja-JP" sz="2400" b="0" i="1" smtClean="0">
+                                      <a:latin typeface="Cambria Math" panose="02040503050406030204" pitchFamily="18" charset="0"/>
+                                    </a:rPr>
+                                    <m:t>𝑠𝑅𝐺𝐵</m:t>
+                                  </m:r>
+                                </m:sub>
+                              </m:sSub>
+                              <m:r>
+                                <a:rPr kumimoji="1" lang="en-US" altLang="ja-JP" sz="2400" b="0" i="1" smtClean="0">
+                                  <a:latin typeface="Cambria Math" panose="02040503050406030204" pitchFamily="18" charset="0"/>
+                                </a:rPr>
+                                <m:t>≤0.04050</m:t>
+                              </m:r>
+                            </m:e>
+                            <m:e/>
+                            <m:e>
+                              <m:f>
+                                <m:fPr>
+                                  <m:ctrlPr>
+                                    <a:rPr kumimoji="1" lang="en-US" altLang="ja-JP" sz="2400" i="1">
+                                      <a:latin typeface="Cambria Math" panose="02040503050406030204" pitchFamily="18" charset="0"/>
+                                    </a:rPr>
+                                  </m:ctrlPr>
+                                </m:fPr>
+                                <m:num>
+                                  <m:r>
+                                    <a:rPr kumimoji="1" lang="en-US" altLang="ja-JP" sz="2400" i="1">
+                                      <a:latin typeface="Cambria Math" panose="02040503050406030204" pitchFamily="18" charset="0"/>
+                                    </a:rPr>
+                                    <m:t>1</m:t>
+                                  </m:r>
+                                </m:num>
+                                <m:den>
+                                  <m:r>
+                                    <a:rPr kumimoji="1" lang="en-US" altLang="ja-JP" sz="2400" i="1">
+                                      <a:latin typeface="Cambria Math" panose="02040503050406030204" pitchFamily="18" charset="0"/>
+                                    </a:rPr>
+                                    <m:t>1−</m:t>
+                                  </m:r>
+                                  <m:sSup>
+                                    <m:sSupPr>
+                                      <m:ctrlPr>
+                                        <a:rPr kumimoji="1" lang="en-US" altLang="ja-JP" sz="2400" i="1">
+                                          <a:latin typeface="Cambria Math" panose="02040503050406030204" pitchFamily="18" charset="0"/>
+                                        </a:rPr>
+                                      </m:ctrlPr>
+                                    </m:sSupPr>
+                                    <m:e>
+                                      <m:d>
+                                        <m:dPr>
+                                          <m:ctrlPr>
+                                            <a:rPr kumimoji="1" lang="en-US" altLang="ja-JP" sz="2400" i="1">
+                                              <a:latin typeface="Cambria Math" panose="02040503050406030204" pitchFamily="18" charset="0"/>
+                                            </a:rPr>
+                                          </m:ctrlPr>
+                                        </m:dPr>
+                                        <m:e>
+                                          <m:f>
+                                            <m:fPr>
+                                              <m:ctrlPr>
+                                                <a:rPr kumimoji="1" lang="en-US" altLang="ja-JP" sz="2400" i="1">
+                                                  <a:latin typeface="Cambria Math" panose="02040503050406030204" pitchFamily="18" charset="0"/>
+                                                </a:rPr>
+                                              </m:ctrlPr>
+                                            </m:fPr>
+                                            <m:num>
+                                              <m:r>
+                                                <a:rPr kumimoji="1" lang="en-US" altLang="ja-JP" sz="2400" i="1">
+                                                  <a:latin typeface="Cambria Math" panose="02040503050406030204" pitchFamily="18" charset="0"/>
+                                                </a:rPr>
+                                                <m:t>0.055</m:t>
+                                              </m:r>
+                                            </m:num>
+                                            <m:den>
+                                              <m:r>
+                                                <a:rPr kumimoji="1" lang="en-US" altLang="ja-JP" sz="2400" i="1">
+                                                  <a:latin typeface="Cambria Math" panose="02040503050406030204" pitchFamily="18" charset="0"/>
+                                                </a:rPr>
+                                                <m:t>1.055</m:t>
+                                              </m:r>
+                                            </m:den>
+                                          </m:f>
+                                        </m:e>
+                                      </m:d>
+                                    </m:e>
+                                    <m:sup>
+                                      <m:r>
+                                        <a:rPr kumimoji="1" lang="en-US" altLang="ja-JP" sz="2400" i="1">
+                                          <a:latin typeface="Cambria Math" panose="02040503050406030204" pitchFamily="18" charset="0"/>
+                                        </a:rPr>
+                                        <m:t>2.4</m:t>
+                                      </m:r>
+                                    </m:sup>
+                                  </m:sSup>
+                                </m:den>
+                              </m:f>
+                              <m:d>
+                                <m:dPr>
+                                  <m:begChr m:val="["/>
+                                  <m:endChr m:val="]"/>
+                                  <m:ctrlPr>
+                                    <a:rPr kumimoji="1" lang="en-US" altLang="ja-JP" sz="2400" i="1">
+                                      <a:latin typeface="Cambria Math" panose="02040503050406030204" pitchFamily="18" charset="0"/>
+                                    </a:rPr>
+                                  </m:ctrlPr>
+                                </m:dPr>
+                                <m:e>
+                                  <m:sSup>
+                                    <m:sSupPr>
+                                      <m:ctrlPr>
+                                        <a:rPr kumimoji="1" lang="en-US" altLang="ja-JP" sz="2400" i="1">
+                                          <a:latin typeface="Cambria Math" panose="02040503050406030204" pitchFamily="18" charset="0"/>
+                                        </a:rPr>
+                                      </m:ctrlPr>
+                                    </m:sSupPr>
+                                    <m:e>
+                                      <m:d>
+                                        <m:dPr>
+                                          <m:ctrlPr>
+                                            <a:rPr kumimoji="1" lang="en-US" altLang="ja-JP" sz="2400" i="1">
+                                              <a:latin typeface="Cambria Math" panose="02040503050406030204" pitchFamily="18" charset="0"/>
+                                            </a:rPr>
+                                          </m:ctrlPr>
+                                        </m:dPr>
+                                        <m:e>
+                                          <m:f>
+                                            <m:fPr>
+                                              <m:ctrlPr>
+                                                <a:rPr kumimoji="1" lang="en-US" altLang="ja-JP" sz="2400" i="1">
+                                                  <a:latin typeface="Cambria Math" panose="02040503050406030204" pitchFamily="18" charset="0"/>
+                                                </a:rPr>
+                                              </m:ctrlPr>
+                                            </m:fPr>
+                                            <m:num>
+                                              <m:r>
+                                                <a:rPr kumimoji="1" lang="en-US" altLang="ja-JP" sz="2400" i="1">
+                                                  <a:latin typeface="Cambria Math" panose="02040503050406030204" pitchFamily="18" charset="0"/>
+                                                </a:rPr>
+                                                <m:t> </m:t>
+                                              </m:r>
+                                              <m:sSub>
+                                                <m:sSubPr>
+                                                  <m:ctrlPr>
+                                                    <a:rPr kumimoji="1" lang="en-US" altLang="ja-JP" sz="2400" i="1">
+                                                      <a:latin typeface="Cambria Math" panose="02040503050406030204" pitchFamily="18" charset="0"/>
+                                                    </a:rPr>
+                                                  </m:ctrlPr>
+                                                </m:sSubPr>
+                                                <m:e>
+                                                  <m:r>
+                                                    <a:rPr kumimoji="1" lang="en-US" altLang="ja-JP" sz="2400" i="1">
+                                                      <a:latin typeface="Cambria Math" panose="02040503050406030204" pitchFamily="18" charset="0"/>
+                                                    </a:rPr>
+                                                    <m:t>𝛼</m:t>
+                                                  </m:r>
+                                                </m:e>
+                                                <m:sub>
+                                                  <m:r>
+                                                    <a:rPr kumimoji="1" lang="en-US" altLang="ja-JP" sz="2400" i="1">
+                                                      <a:latin typeface="Cambria Math" panose="02040503050406030204" pitchFamily="18" charset="0"/>
+                                                    </a:rPr>
+                                                    <m:t>𝑠𝑅𝐺𝐵</m:t>
+                                                  </m:r>
+                                                </m:sub>
+                                              </m:sSub>
+                                              <m:r>
+                                                <a:rPr kumimoji="1" lang="en-US" altLang="ja-JP" sz="2400" i="1">
+                                                  <a:latin typeface="Cambria Math" panose="02040503050406030204" pitchFamily="18" charset="0"/>
+                                                </a:rPr>
+                                                <m:t>+0.055</m:t>
+                                              </m:r>
+                                            </m:num>
+                                            <m:den>
+                                              <m:r>
+                                                <a:rPr kumimoji="1" lang="en-US" altLang="ja-JP" sz="2400" i="1">
+                                                  <a:latin typeface="Cambria Math" panose="02040503050406030204" pitchFamily="18" charset="0"/>
+                                                </a:rPr>
+                                                <m:t>1.055</m:t>
+                                              </m:r>
+                                            </m:den>
+                                          </m:f>
+                                        </m:e>
+                                      </m:d>
+                                    </m:e>
+                                    <m:sup>
+                                      <m:r>
+                                        <a:rPr kumimoji="1" lang="en-US" altLang="ja-JP" sz="2400" i="1">
+                                          <a:latin typeface="Cambria Math" panose="02040503050406030204" pitchFamily="18" charset="0"/>
+                                        </a:rPr>
+                                        <m:t>2.4</m:t>
+                                      </m:r>
+                                    </m:sup>
+                                  </m:sSup>
+                                  <m:r>
+                                    <a:rPr kumimoji="1" lang="en-US" altLang="ja-JP" sz="2400" i="1">
+                                      <a:latin typeface="Cambria Math" panose="02040503050406030204" pitchFamily="18" charset="0"/>
+                                    </a:rPr>
+                                    <m:t>−</m:t>
+                                  </m:r>
+                                  <m:sSup>
+                                    <m:sSupPr>
+                                      <m:ctrlPr>
+                                        <a:rPr kumimoji="1" lang="en-US" altLang="ja-JP" sz="2400" i="1">
+                                          <a:latin typeface="Cambria Math" panose="02040503050406030204" pitchFamily="18" charset="0"/>
+                                        </a:rPr>
+                                      </m:ctrlPr>
+                                    </m:sSupPr>
+                                    <m:e>
+                                      <m:d>
+                                        <m:dPr>
+                                          <m:ctrlPr>
+                                            <a:rPr kumimoji="1" lang="en-US" altLang="ja-JP" sz="2400" i="1">
+                                              <a:latin typeface="Cambria Math" panose="02040503050406030204" pitchFamily="18" charset="0"/>
+                                            </a:rPr>
+                                          </m:ctrlPr>
+                                        </m:dPr>
+                                        <m:e>
+                                          <m:f>
+                                            <m:fPr>
+                                              <m:ctrlPr>
+                                                <a:rPr kumimoji="1" lang="en-US" altLang="ja-JP" sz="2400" i="1">
+                                                  <a:latin typeface="Cambria Math" panose="02040503050406030204" pitchFamily="18" charset="0"/>
+                                                </a:rPr>
+                                              </m:ctrlPr>
+                                            </m:fPr>
+                                            <m:num>
+                                              <m:r>
+                                                <a:rPr kumimoji="1" lang="en-US" altLang="ja-JP" sz="2400" i="1">
+                                                  <a:latin typeface="Cambria Math" panose="02040503050406030204" pitchFamily="18" charset="0"/>
+                                                </a:rPr>
+                                                <m:t>0.055</m:t>
+                                              </m:r>
+                                            </m:num>
+                                            <m:den>
+                                              <m:r>
+                                                <a:rPr kumimoji="1" lang="en-US" altLang="ja-JP" sz="2400" i="1">
+                                                  <a:latin typeface="Cambria Math" panose="02040503050406030204" pitchFamily="18" charset="0"/>
+                                                </a:rPr>
+                                                <m:t>1.055</m:t>
+                                              </m:r>
+                                            </m:den>
+                                          </m:f>
+                                        </m:e>
+                                      </m:d>
+                                    </m:e>
+                                    <m:sup>
+                                      <m:r>
+                                        <a:rPr kumimoji="1" lang="en-US" altLang="ja-JP" sz="2400" i="1">
+                                          <a:latin typeface="Cambria Math" panose="02040503050406030204" pitchFamily="18" charset="0"/>
+                                        </a:rPr>
+                                        <m:t>2.4</m:t>
+                                      </m:r>
+                                    </m:sup>
+                                  </m:sSup>
+                                </m:e>
+                              </m:d>
+                              <m:r>
+                                <a:rPr kumimoji="1" lang="en-US" altLang="ja-JP" sz="2400" b="0" i="1" smtClean="0">
+                                  <a:latin typeface="Cambria Math" panose="02040503050406030204" pitchFamily="18" charset="0"/>
+                                </a:rPr>
+                                <m:t>,  </m:t>
+                              </m:r>
+                              <m:sSub>
+                                <m:sSubPr>
+                                  <m:ctrlPr>
+                                    <a:rPr kumimoji="1" lang="en-US" altLang="ja-JP" sz="2400" i="1">
+                                      <a:latin typeface="Cambria Math" panose="02040503050406030204" pitchFamily="18" charset="0"/>
+                                    </a:rPr>
+                                  </m:ctrlPr>
+                                </m:sSubPr>
+                                <m:e>
+                                  <m:r>
+                                    <a:rPr kumimoji="1" lang="en-US" altLang="ja-JP" sz="2400" i="1">
+                                      <a:latin typeface="Cambria Math" panose="02040503050406030204" pitchFamily="18" charset="0"/>
+                                    </a:rPr>
+                                    <m:t>𝛼</m:t>
+                                  </m:r>
+                                </m:e>
+                                <m:sub>
+                                  <m:r>
+                                    <a:rPr kumimoji="1" lang="en-US" altLang="ja-JP" sz="2400" i="1">
+                                      <a:latin typeface="Cambria Math" panose="02040503050406030204" pitchFamily="18" charset="0"/>
+                                    </a:rPr>
+                                    <m:t>𝑠𝑅𝐺𝐵</m:t>
+                                  </m:r>
+                                </m:sub>
+                              </m:sSub>
+                              <m:r>
+                                <a:rPr kumimoji="1" lang="en-US" altLang="ja-JP" sz="2400" b="0" i="1" smtClean="0">
+                                  <a:latin typeface="Cambria Math" panose="02040503050406030204" pitchFamily="18" charset="0"/>
+                                </a:rPr>
+                                <m:t>&gt;0.04050</m:t>
+                              </m:r>
+                            </m:e>
+                          </m:eqArr>
+                        </m:e>
+                      </m:d>
+                    </m:oMath>
+                  </m:oMathPara>
+                </a14:m>
+                <a:endParaRPr kumimoji="1" lang="ja-JP" altLang="en-US" sz="2400" dirty="0"/>
+              </a:p>
+            </p:txBody>
+          </p:sp>
+        </mc:Choice>
+        <mc:Fallback>
+          <p:sp>
+            <p:nvSpPr>
+              <p:cNvPr id="13" name="テキスト ボックス 12">
+                <a:extLst>
+                  <a:ext uri="{FF2B5EF4-FFF2-40B4-BE49-F238E27FC236}">
+                    <a16:creationId xmlns:a16="http://schemas.microsoft.com/office/drawing/2014/main" id="{8B8D812C-D632-47A5-8CBE-E51DE1ED9325}"/>
+                  </a:ext>
+                </a:extLst>
+              </p:cNvPr>
+              <p:cNvSpPr txBox="1">
+                <a:spLocks noRot="1" noChangeAspect="1" noMove="1" noResize="1" noEditPoints="1" noAdjustHandles="1" noChangeArrowheads="1" noChangeShapeType="1" noTextEdit="1"/>
+              </p:cNvSpPr>
+              <p:nvPr/>
+            </p:nvSpPr>
+            <p:spPr>
+              <a:xfrm>
+                <a:off x="936666" y="7348706"/>
+                <a:ext cx="11502081" cy="2055563"/>
+              </a:xfrm>
+              <a:prstGeom prst="rect">
+                <a:avLst/>
+              </a:prstGeom>
+              <a:blipFill>
+                <a:blip r:embed="rId7"/>
+                <a:stretch>
+                  <a:fillRect/>
+                </a:stretch>
+              </a:blipFill>
+            </p:spPr>
+            <p:txBody>
+              <a:bodyPr/>
+              <a:lstStyle/>
+              <a:p>
+                <a:r>
+                  <a:rPr lang="ja-JP" altLang="en-US">
+                    <a:noFill/>
+                  </a:rPr>
+                  <a:t> </a:t>
+                </a:r>
+              </a:p>
+            </p:txBody>
+          </p:sp>
+        </mc:Fallback>
+      </mc:AlternateContent>
     </p:spTree>
     <p:extLst>
       <p:ext uri="{BB962C8B-B14F-4D97-AF65-F5344CB8AC3E}">
@@ -6151,6 +6434,2268 @@
       </p:grpSpPr>
       <p:sp>
         <p:nvSpPr>
+          <p:cNvPr id="14" name="テキスト ボックス 13">
+            <a:extLst>
+              <a:ext uri="{FF2B5EF4-FFF2-40B4-BE49-F238E27FC236}">
+                <a16:creationId xmlns:a16="http://schemas.microsoft.com/office/drawing/2014/main" id="{A385567C-5A2D-4132-BCC3-D0238914E0DB}"/>
+              </a:ext>
+            </a:extLst>
+          </p:cNvPr>
+          <p:cNvSpPr txBox="1"/>
+          <p:nvPr/>
+        </p:nvSpPr>
+        <p:spPr>
+          <a:xfrm>
+            <a:off x="300788" y="302588"/>
+            <a:ext cx="12139865" cy="523220"/>
+          </a:xfrm>
+          <a:prstGeom prst="rect">
+            <a:avLst/>
+          </a:prstGeom>
+          <a:noFill/>
+        </p:spPr>
+        <p:txBody>
+          <a:bodyPr wrap="square" rtlCol="0">
+            <a:spAutoFit/>
+          </a:bodyPr>
+          <a:lstStyle/>
+          <a:p>
+            <a:r>
+              <a:rPr kumimoji="1" lang="en-US" altLang="ja-JP" sz="2800" dirty="0">
+                <a:latin typeface="+mn-ea"/>
+              </a:rPr>
+              <a:t>Transparency conversion from sRGB color space to linear color space</a:t>
+            </a:r>
+            <a:endParaRPr kumimoji="1" lang="ja-JP" altLang="en-US" sz="2800" dirty="0">
+              <a:latin typeface="+mn-ea"/>
+            </a:endParaRPr>
+          </a:p>
+        </p:txBody>
+      </p:sp>
+      <mc:AlternateContent xmlns:mc="http://schemas.openxmlformats.org/markup-compatibility/2006">
+        <mc:Choice xmlns:a14="http://schemas.microsoft.com/office/drawing/2010/main" Requires="a14">
+          <p:sp>
+            <p:nvSpPr>
+              <p:cNvPr id="12" name="テキスト ボックス 11">
+                <a:extLst>
+                  <a:ext uri="{FF2B5EF4-FFF2-40B4-BE49-F238E27FC236}">
+                    <a16:creationId xmlns:a16="http://schemas.microsoft.com/office/drawing/2014/main" id="{46791D48-69A9-4DAA-90F3-25942FAF456E}"/>
+                  </a:ext>
+                </a:extLst>
+              </p:cNvPr>
+              <p:cNvSpPr txBox="1"/>
+              <p:nvPr/>
+            </p:nvSpPr>
+            <p:spPr>
+              <a:xfrm>
+                <a:off x="1374174" y="3228476"/>
+                <a:ext cx="4407297" cy="276999"/>
+              </a:xfrm>
+              <a:prstGeom prst="rect">
+                <a:avLst/>
+              </a:prstGeom>
+              <a:noFill/>
+            </p:spPr>
+            <p:txBody>
+              <a:bodyPr wrap="none" lIns="0" tIns="0" rIns="0" bIns="0" rtlCol="0">
+                <a:spAutoFit/>
+              </a:bodyPr>
+              <a:lstStyle/>
+              <a:p>
+                <a:r>
+                  <a:rPr kumimoji="1" lang="en-US" altLang="ja-JP" dirty="0"/>
+                  <a:t>w</a:t>
+                </a:r>
+                <a:r>
+                  <a:rPr kumimoji="1" lang="en-US" altLang="ja-JP" b="0" dirty="0"/>
+                  <a:t>here </a:t>
+                </a:r>
+                <a14:m>
+                  <m:oMath xmlns:m="http://schemas.openxmlformats.org/officeDocument/2006/math">
+                    <m:sSub>
+                      <m:sSubPr>
+                        <m:ctrlPr>
+                          <a:rPr kumimoji="1" lang="en-US" altLang="ja-JP" i="1">
+                            <a:latin typeface="Cambria Math" panose="02040503050406030204" pitchFamily="18" charset="0"/>
+                          </a:rPr>
+                        </m:ctrlPr>
+                      </m:sSubPr>
+                      <m:e>
+                        <m:r>
+                          <a:rPr kumimoji="1" lang="en-US" altLang="ja-JP" i="1">
+                            <a:latin typeface="Cambria Math" panose="02040503050406030204" pitchFamily="18" charset="0"/>
+                          </a:rPr>
+                          <m:t>𝐶</m:t>
+                        </m:r>
+                      </m:e>
+                      <m:sub>
+                        <m:r>
+                          <a:rPr kumimoji="1" lang="en-US" altLang="ja-JP" i="1">
+                            <a:latin typeface="Cambria Math" panose="02040503050406030204" pitchFamily="18" charset="0"/>
+                          </a:rPr>
+                          <m:t>𝑠𝑅𝐺𝐵</m:t>
+                        </m:r>
+                      </m:sub>
+                    </m:sSub>
+                    <m:r>
+                      <a:rPr kumimoji="1" lang="en-US" altLang="ja-JP" i="1">
+                        <a:latin typeface="Cambria Math" panose="02040503050406030204" pitchFamily="18" charset="0"/>
+                      </a:rPr>
+                      <m:t>  =</m:t>
+                    </m:r>
+                    <m:sSub>
+                      <m:sSubPr>
+                        <m:ctrlPr>
+                          <a:rPr kumimoji="1" lang="en-US" altLang="ja-JP" i="1">
+                            <a:latin typeface="Cambria Math" panose="02040503050406030204" pitchFamily="18" charset="0"/>
+                          </a:rPr>
+                        </m:ctrlPr>
+                      </m:sSubPr>
+                      <m:e>
+                        <m:r>
+                          <a:rPr kumimoji="1" lang="en-US" altLang="ja-JP" i="1">
+                            <a:latin typeface="Cambria Math" panose="02040503050406030204" pitchFamily="18" charset="0"/>
+                          </a:rPr>
+                          <m:t>𝐶</m:t>
+                        </m:r>
+                      </m:e>
+                      <m:sub>
+                        <m:r>
+                          <a:rPr kumimoji="1" lang="en-US" altLang="ja-JP" b="0" i="1" smtClean="0">
+                            <a:latin typeface="Cambria Math" panose="02040503050406030204" pitchFamily="18" charset="0"/>
+                          </a:rPr>
+                          <m:t>𝐹</m:t>
+                        </m:r>
+                      </m:sub>
+                    </m:sSub>
+                    <m:sSub>
+                      <m:sSubPr>
+                        <m:ctrlPr>
+                          <a:rPr kumimoji="1" lang="en-US" altLang="ja-JP" i="1">
+                            <a:latin typeface="Cambria Math" panose="02040503050406030204" pitchFamily="18" charset="0"/>
+                          </a:rPr>
+                        </m:ctrlPr>
+                      </m:sSubPr>
+                      <m:e>
+                        <m:r>
+                          <a:rPr kumimoji="1" lang="en-US" altLang="ja-JP" i="1">
+                            <a:latin typeface="Cambria Math" panose="02040503050406030204" pitchFamily="18" charset="0"/>
+                          </a:rPr>
+                          <m:t>𝛼</m:t>
+                        </m:r>
+                      </m:e>
+                      <m:sub>
+                        <m:r>
+                          <a:rPr kumimoji="1" lang="en-US" altLang="ja-JP" i="1">
+                            <a:latin typeface="Cambria Math" panose="02040503050406030204" pitchFamily="18" charset="0"/>
+                          </a:rPr>
+                          <m:t>𝑠𝑅𝐺𝐵</m:t>
+                        </m:r>
+                      </m:sub>
+                    </m:sSub>
+                    <m:r>
+                      <a:rPr kumimoji="1" lang="en-US" altLang="ja-JP" i="1">
+                        <a:latin typeface="Cambria Math" panose="02040503050406030204" pitchFamily="18" charset="0"/>
+                      </a:rPr>
+                      <m:t>  +</m:t>
+                    </m:r>
+                    <m:sSub>
+                      <m:sSubPr>
+                        <m:ctrlPr>
+                          <a:rPr kumimoji="1" lang="en-US" altLang="ja-JP" i="1">
+                            <a:latin typeface="Cambria Math" panose="02040503050406030204" pitchFamily="18" charset="0"/>
+                          </a:rPr>
+                        </m:ctrlPr>
+                      </m:sSubPr>
+                      <m:e>
+                        <m:r>
+                          <a:rPr kumimoji="1" lang="en-US" altLang="ja-JP" i="1">
+                            <a:latin typeface="Cambria Math" panose="02040503050406030204" pitchFamily="18" charset="0"/>
+                          </a:rPr>
+                          <m:t>𝐶</m:t>
+                        </m:r>
+                      </m:e>
+                      <m:sub>
+                        <m:r>
+                          <a:rPr kumimoji="1" lang="en-US" altLang="ja-JP" b="0" i="1" smtClean="0">
+                            <a:latin typeface="Cambria Math" panose="02040503050406030204" pitchFamily="18" charset="0"/>
+                          </a:rPr>
+                          <m:t>𝐵</m:t>
+                        </m:r>
+                      </m:sub>
+                    </m:sSub>
+                    <m:r>
+                      <a:rPr kumimoji="1" lang="en-US" altLang="ja-JP" i="1">
+                        <a:latin typeface="Cambria Math" panose="02040503050406030204" pitchFamily="18" charset="0"/>
+                      </a:rPr>
+                      <m:t>(1−</m:t>
+                    </m:r>
+                    <m:sSub>
+                      <m:sSubPr>
+                        <m:ctrlPr>
+                          <a:rPr kumimoji="1" lang="en-US" altLang="ja-JP" i="1">
+                            <a:latin typeface="Cambria Math" panose="02040503050406030204" pitchFamily="18" charset="0"/>
+                          </a:rPr>
+                        </m:ctrlPr>
+                      </m:sSubPr>
+                      <m:e>
+                        <m:r>
+                          <a:rPr kumimoji="1" lang="en-US" altLang="ja-JP" i="1">
+                            <a:latin typeface="Cambria Math" panose="02040503050406030204" pitchFamily="18" charset="0"/>
+                          </a:rPr>
+                          <m:t>𝛼</m:t>
+                        </m:r>
+                      </m:e>
+                      <m:sub>
+                        <m:r>
+                          <a:rPr kumimoji="1" lang="en-US" altLang="ja-JP" i="1">
+                            <a:latin typeface="Cambria Math" panose="02040503050406030204" pitchFamily="18" charset="0"/>
+                          </a:rPr>
+                          <m:t>𝑠𝑅𝐺𝐵</m:t>
+                        </m:r>
+                      </m:sub>
+                    </m:sSub>
+                    <m:r>
+                      <a:rPr kumimoji="1" lang="en-US" altLang="ja-JP" i="1">
+                        <a:latin typeface="Cambria Math" panose="02040503050406030204" pitchFamily="18" charset="0"/>
+                      </a:rPr>
+                      <m:t>)</m:t>
+                    </m:r>
+                  </m:oMath>
+                </a14:m>
+                <a:r>
+                  <a:rPr kumimoji="1" lang="en-US" altLang="ja-JP" dirty="0">
+                    <a:latin typeface="Arial" panose="020B0604020202020204" pitchFamily="34" charset="0"/>
+                    <a:cs typeface="Arial" panose="020B0604020202020204" pitchFamily="34" charset="0"/>
+                  </a:rPr>
+                  <a:t>.</a:t>
+                </a:r>
+                <a:endParaRPr kumimoji="1" lang="ja-JP" altLang="en-US" dirty="0">
+                  <a:latin typeface="Arial" panose="020B0604020202020204" pitchFamily="34" charset="0"/>
+                  <a:cs typeface="Arial" panose="020B0604020202020204" pitchFamily="34" charset="0"/>
+                </a:endParaRPr>
+              </a:p>
+            </p:txBody>
+          </p:sp>
+        </mc:Choice>
+        <mc:Fallback>
+          <p:sp>
+            <p:nvSpPr>
+              <p:cNvPr id="12" name="テキスト ボックス 11">
+                <a:extLst>
+                  <a:ext uri="{FF2B5EF4-FFF2-40B4-BE49-F238E27FC236}">
+                    <a16:creationId xmlns:a16="http://schemas.microsoft.com/office/drawing/2014/main" id="{46791D48-69A9-4DAA-90F3-25942FAF456E}"/>
+                  </a:ext>
+                </a:extLst>
+              </p:cNvPr>
+              <p:cNvSpPr txBox="1">
+                <a:spLocks noRot="1" noChangeAspect="1" noMove="1" noResize="1" noEditPoints="1" noAdjustHandles="1" noChangeArrowheads="1" noChangeShapeType="1" noTextEdit="1"/>
+              </p:cNvSpPr>
+              <p:nvPr/>
+            </p:nvSpPr>
+            <p:spPr>
+              <a:xfrm>
+                <a:off x="1374174" y="3228476"/>
+                <a:ext cx="4407297" cy="276999"/>
+              </a:xfrm>
+              <a:prstGeom prst="rect">
+                <a:avLst/>
+              </a:prstGeom>
+              <a:blipFill>
+                <a:blip r:embed="rId2"/>
+                <a:stretch>
+                  <a:fillRect l="-3181" t="-31111" b="-51111"/>
+                </a:stretch>
+              </a:blipFill>
+            </p:spPr>
+            <p:txBody>
+              <a:bodyPr/>
+              <a:lstStyle/>
+              <a:p>
+                <a:r>
+                  <a:rPr lang="ja-JP" altLang="en-US">
+                    <a:noFill/>
+                  </a:rPr>
+                  <a:t> </a:t>
+                </a:r>
+              </a:p>
+            </p:txBody>
+          </p:sp>
+        </mc:Fallback>
+      </mc:AlternateContent>
+      <p:sp>
+        <p:nvSpPr>
+          <p:cNvPr id="21" name="正方形/長方形 20">
+            <a:extLst>
+              <a:ext uri="{FF2B5EF4-FFF2-40B4-BE49-F238E27FC236}">
+                <a16:creationId xmlns:a16="http://schemas.microsoft.com/office/drawing/2014/main" id="{C25CD6F7-016F-411A-AE63-5CCB1398A16F}"/>
+              </a:ext>
+            </a:extLst>
+          </p:cNvPr>
+          <p:cNvSpPr/>
+          <p:nvPr/>
+        </p:nvSpPr>
+        <p:spPr>
+          <a:xfrm>
+            <a:off x="996810" y="793592"/>
+            <a:ext cx="10367771" cy="2939162"/>
+          </a:xfrm>
+          <a:prstGeom prst="rect">
+            <a:avLst/>
+          </a:prstGeom>
+          <a:noFill/>
+          <a:ln w="28575">
+            <a:solidFill>
+              <a:srgbClr val="FF0000"/>
+            </a:solidFill>
+          </a:ln>
+        </p:spPr>
+        <p:style>
+          <a:lnRef idx="2">
+            <a:schemeClr val="accent1">
+              <a:shade val="50000"/>
+            </a:schemeClr>
+          </a:lnRef>
+          <a:fillRef idx="1">
+            <a:schemeClr val="accent1"/>
+          </a:fillRef>
+          <a:effectRef idx="0">
+            <a:schemeClr val="accent1"/>
+          </a:effectRef>
+          <a:fontRef idx="minor">
+            <a:schemeClr val="lt1"/>
+          </a:fontRef>
+        </p:style>
+        <p:txBody>
+          <a:bodyPr rtlCol="0" anchor="ctr"/>
+          <a:lstStyle/>
+          <a:p>
+            <a:pPr algn="ctr"/>
+            <a:endParaRPr kumimoji="1" lang="ja-JP" altLang="en-US"/>
+          </a:p>
+        </p:txBody>
+      </p:sp>
+      <mc:AlternateContent xmlns:mc="http://schemas.openxmlformats.org/markup-compatibility/2006">
+        <mc:Choice xmlns:a14="http://schemas.microsoft.com/office/drawing/2010/main" Requires="a14">
+          <p:sp>
+            <p:nvSpPr>
+              <p:cNvPr id="15" name="テキスト ボックス 14">
+                <a:extLst>
+                  <a:ext uri="{FF2B5EF4-FFF2-40B4-BE49-F238E27FC236}">
+                    <a16:creationId xmlns:a16="http://schemas.microsoft.com/office/drawing/2014/main" id="{6DE930A2-CD26-49D1-9560-9016A2D3EC9C}"/>
+                  </a:ext>
+                </a:extLst>
+              </p:cNvPr>
+              <p:cNvSpPr txBox="1"/>
+              <p:nvPr/>
+            </p:nvSpPr>
+            <p:spPr>
+              <a:xfrm>
+                <a:off x="1204799" y="1041146"/>
+                <a:ext cx="9934304" cy="1942968"/>
+              </a:xfrm>
+              <a:prstGeom prst="rect">
+                <a:avLst/>
+              </a:prstGeom>
+              <a:noFill/>
+              <a:ln w="28575">
+                <a:noFill/>
+              </a:ln>
+            </p:spPr>
+            <p:txBody>
+              <a:bodyPr wrap="square" lIns="0" tIns="0" rIns="0" bIns="0" rtlCol="0">
+                <a:spAutoFit/>
+              </a:bodyPr>
+              <a:lstStyle/>
+              <a:p>
+                <a:pPr/>
+                <a14:m>
+                  <m:oMathPara xmlns:m="http://schemas.openxmlformats.org/officeDocument/2006/math">
+                    <m:oMathParaPr>
+                      <m:jc m:val="centerGroup"/>
+                    </m:oMathParaPr>
+                    <m:oMath xmlns:m="http://schemas.openxmlformats.org/officeDocument/2006/math">
+                      <m:sSub>
+                        <m:sSubPr>
+                          <m:ctrlPr>
+                            <a:rPr kumimoji="1" lang="en-US" altLang="ja-JP" sz="2000" b="0" i="1" smtClean="0">
+                              <a:latin typeface="Cambria Math" panose="02040503050406030204" pitchFamily="18" charset="0"/>
+                            </a:rPr>
+                          </m:ctrlPr>
+                        </m:sSubPr>
+                        <m:e>
+                          <m:r>
+                            <a:rPr kumimoji="1" lang="en-US" altLang="ja-JP" sz="2000" b="0" i="1" smtClean="0">
+                              <a:latin typeface="Cambria Math" panose="02040503050406030204" pitchFamily="18" charset="0"/>
+                            </a:rPr>
+                            <m:t>𝛼</m:t>
+                          </m:r>
+                        </m:e>
+                        <m:sub>
+                          <m:r>
+                            <a:rPr kumimoji="1" lang="en-US" altLang="ja-JP" sz="2000" b="0" i="1" smtClean="0">
+                              <a:latin typeface="Cambria Math" panose="02040503050406030204" pitchFamily="18" charset="0"/>
+                            </a:rPr>
+                            <m:t>𝑙𝑖𝑛𝑒𝑎𝑟</m:t>
+                          </m:r>
+                        </m:sub>
+                      </m:sSub>
+                      <m:r>
+                        <a:rPr kumimoji="1" lang="en-US" altLang="ja-JP" sz="2000" b="0" i="1" smtClean="0">
+                          <a:latin typeface="Cambria Math" panose="02040503050406030204" pitchFamily="18" charset="0"/>
+                        </a:rPr>
+                        <m:t>=</m:t>
+                      </m:r>
+                      <m:d>
+                        <m:dPr>
+                          <m:begChr m:val="{"/>
+                          <m:endChr m:val=""/>
+                          <m:ctrlPr>
+                            <a:rPr kumimoji="1" lang="en-US" altLang="ja-JP" sz="2000" b="0" i="1" smtClean="0">
+                              <a:latin typeface="Cambria Math" panose="02040503050406030204" pitchFamily="18" charset="0"/>
+                            </a:rPr>
+                          </m:ctrlPr>
+                        </m:dPr>
+                        <m:e>
+                          <m:eqArr>
+                            <m:eqArrPr>
+                              <m:ctrlPr>
+                                <a:rPr kumimoji="1" lang="en-US" altLang="ja-JP" sz="2000" b="0" i="1" smtClean="0">
+                                  <a:latin typeface="Cambria Math" panose="02040503050406030204" pitchFamily="18" charset="0"/>
+                                </a:rPr>
+                              </m:ctrlPr>
+                            </m:eqArrPr>
+                            <m:e>
+                              <m:sSub>
+                                <m:sSubPr>
+                                  <m:ctrlPr>
+                                    <a:rPr kumimoji="1" lang="en-US" altLang="ja-JP" sz="2000" i="1">
+                                      <a:latin typeface="Cambria Math" panose="02040503050406030204" pitchFamily="18" charset="0"/>
+                                    </a:rPr>
+                                  </m:ctrlPr>
+                                </m:sSubPr>
+                                <m:e>
+                                  <m:r>
+                                    <a:rPr kumimoji="1" lang="en-US" altLang="ja-JP" sz="2000" i="1">
+                                      <a:latin typeface="Cambria Math" panose="02040503050406030204" pitchFamily="18" charset="0"/>
+                                    </a:rPr>
+                                    <m:t>𝛼</m:t>
+                                  </m:r>
+                                </m:e>
+                                <m:sub>
+                                  <m:r>
+                                    <a:rPr kumimoji="1" lang="en-US" altLang="ja-JP" sz="2000" i="1">
+                                      <a:latin typeface="Cambria Math" panose="02040503050406030204" pitchFamily="18" charset="0"/>
+                                    </a:rPr>
+                                    <m:t>𝑠𝑅𝐺𝐵</m:t>
+                                  </m:r>
+                                </m:sub>
+                              </m:sSub>
+                              <m:r>
+                                <a:rPr kumimoji="1" lang="en-US" altLang="ja-JP" sz="2000" b="0" i="1" smtClean="0">
+                                  <a:latin typeface="Cambria Math" panose="02040503050406030204" pitchFamily="18" charset="0"/>
+                                </a:rPr>
+                                <m:t>,                                                                                                       </m:t>
+                              </m:r>
+                              <m:sSub>
+                                <m:sSubPr>
+                                  <m:ctrlPr>
+                                    <a:rPr kumimoji="1" lang="en-US" altLang="ja-JP" sz="2000" b="0" i="1" smtClean="0">
+                                      <a:latin typeface="Cambria Math" panose="02040503050406030204" pitchFamily="18" charset="0"/>
+                                    </a:rPr>
+                                  </m:ctrlPr>
+                                </m:sSubPr>
+                                <m:e>
+                                  <m:r>
+                                    <a:rPr kumimoji="1" lang="en-US" altLang="ja-JP" sz="2000" b="0" i="1" smtClean="0">
+                                      <a:latin typeface="Cambria Math" panose="02040503050406030204" pitchFamily="18" charset="0"/>
+                                    </a:rPr>
+                                    <m:t>𝐶</m:t>
+                                  </m:r>
+                                </m:e>
+                                <m:sub>
+                                  <m:r>
+                                    <a:rPr kumimoji="1" lang="en-US" altLang="ja-JP" sz="2000" b="0" i="1" smtClean="0">
+                                      <a:latin typeface="Cambria Math" panose="02040503050406030204" pitchFamily="18" charset="0"/>
+                                    </a:rPr>
+                                    <m:t>𝑠𝑅𝐺𝐵</m:t>
+                                  </m:r>
+                                </m:sub>
+                              </m:sSub>
+                              <m:r>
+                                <a:rPr kumimoji="1" lang="en-US" altLang="ja-JP" sz="2000" b="0" i="1" smtClean="0">
+                                  <a:latin typeface="Cambria Math" panose="02040503050406030204" pitchFamily="18" charset="0"/>
+                                </a:rPr>
+                                <m:t>≤0.04050</m:t>
+                              </m:r>
+                            </m:e>
+                            <m:e/>
+                            <m:e>
+                              <m:f>
+                                <m:fPr>
+                                  <m:ctrlPr>
+                                    <a:rPr kumimoji="1" lang="en-US" altLang="ja-JP" sz="2000" i="1">
+                                      <a:latin typeface="Cambria Math" panose="02040503050406030204" pitchFamily="18" charset="0"/>
+                                    </a:rPr>
+                                  </m:ctrlPr>
+                                </m:fPr>
+                                <m:num>
+                                  <m:sSup>
+                                    <m:sSupPr>
+                                      <m:ctrlPr>
+                                        <a:rPr kumimoji="1" lang="en-US" altLang="ja-JP" sz="2000" i="1">
+                                          <a:latin typeface="Cambria Math" panose="02040503050406030204" pitchFamily="18" charset="0"/>
+                                        </a:rPr>
+                                      </m:ctrlPr>
+                                    </m:sSupPr>
+                                    <m:e>
+                                      <m:d>
+                                        <m:dPr>
+                                          <m:ctrlPr>
+                                            <a:rPr kumimoji="1" lang="en-US" altLang="ja-JP" sz="2000" i="1">
+                                              <a:latin typeface="Cambria Math" panose="02040503050406030204" pitchFamily="18" charset="0"/>
+                                            </a:rPr>
+                                          </m:ctrlPr>
+                                        </m:dPr>
+                                        <m:e>
+                                          <m:f>
+                                            <m:fPr>
+                                              <m:ctrlPr>
+                                                <a:rPr kumimoji="1" lang="en-US" altLang="ja-JP" sz="2000" i="1">
+                                                  <a:latin typeface="Cambria Math" panose="02040503050406030204" pitchFamily="18" charset="0"/>
+                                                </a:rPr>
+                                              </m:ctrlPr>
+                                            </m:fPr>
+                                            <m:num>
+                                              <m:sSub>
+                                                <m:sSubPr>
+                                                  <m:ctrlPr>
+                                                    <a:rPr kumimoji="1" lang="en-US" altLang="ja-JP" sz="2000" i="1">
+                                                      <a:latin typeface="Cambria Math" panose="02040503050406030204" pitchFamily="18" charset="0"/>
+                                                    </a:rPr>
+                                                  </m:ctrlPr>
+                                                </m:sSubPr>
+                                                <m:e>
+                                                  <m:r>
+                                                    <a:rPr kumimoji="1" lang="en-US" altLang="ja-JP" sz="2000" i="1">
+                                                      <a:latin typeface="Cambria Math" panose="02040503050406030204" pitchFamily="18" charset="0"/>
+                                                    </a:rPr>
+                                                    <m:t>𝐶</m:t>
+                                                  </m:r>
+                                                </m:e>
+                                                <m:sub>
+                                                  <m:r>
+                                                    <a:rPr kumimoji="1" lang="en-US" altLang="ja-JP" sz="2000" b="0" i="1" smtClean="0">
+                                                      <a:latin typeface="Cambria Math" panose="02040503050406030204" pitchFamily="18" charset="0"/>
+                                                    </a:rPr>
+                                                    <m:t>𝐹</m:t>
+                                                  </m:r>
+                                                </m:sub>
+                                              </m:sSub>
+                                              <m:sSub>
+                                                <m:sSubPr>
+                                                  <m:ctrlPr>
+                                                    <a:rPr kumimoji="1" lang="en-US" altLang="ja-JP" sz="2000" i="1">
+                                                      <a:latin typeface="Cambria Math" panose="02040503050406030204" pitchFamily="18" charset="0"/>
+                                                    </a:rPr>
+                                                  </m:ctrlPr>
+                                                </m:sSubPr>
+                                                <m:e>
+                                                  <m:r>
+                                                    <a:rPr kumimoji="1" lang="en-US" altLang="ja-JP" sz="2000" i="1">
+                                                      <a:latin typeface="Cambria Math" panose="02040503050406030204" pitchFamily="18" charset="0"/>
+                                                    </a:rPr>
+                                                    <m:t>𝛼</m:t>
+                                                  </m:r>
+                                                </m:e>
+                                                <m:sub>
+                                                  <m:r>
+                                                    <a:rPr kumimoji="1" lang="en-US" altLang="ja-JP" sz="2000" i="1">
+                                                      <a:latin typeface="Cambria Math" panose="02040503050406030204" pitchFamily="18" charset="0"/>
+                                                    </a:rPr>
+                                                    <m:t>𝑠𝑅𝐺𝐵</m:t>
+                                                  </m:r>
+                                                </m:sub>
+                                              </m:sSub>
+                                              <m:r>
+                                                <a:rPr kumimoji="1" lang="en-US" altLang="ja-JP" sz="2000" i="1">
+                                                  <a:latin typeface="Cambria Math" panose="02040503050406030204" pitchFamily="18" charset="0"/>
+                                                </a:rPr>
+                                                <m:t>+</m:t>
+                                              </m:r>
+                                              <m:sSub>
+                                                <m:sSubPr>
+                                                  <m:ctrlPr>
+                                                    <a:rPr kumimoji="1" lang="en-US" altLang="ja-JP" sz="2000" i="1">
+                                                      <a:latin typeface="Cambria Math" panose="02040503050406030204" pitchFamily="18" charset="0"/>
+                                                    </a:rPr>
+                                                  </m:ctrlPr>
+                                                </m:sSubPr>
+                                                <m:e>
+                                                  <m:r>
+                                                    <a:rPr kumimoji="1" lang="en-US" altLang="ja-JP" sz="2000" i="1">
+                                                      <a:latin typeface="Cambria Math" panose="02040503050406030204" pitchFamily="18" charset="0"/>
+                                                    </a:rPr>
+                                                    <m:t>𝐶</m:t>
+                                                  </m:r>
+                                                </m:e>
+                                                <m:sub>
+                                                  <m:r>
+                                                    <a:rPr kumimoji="1" lang="en-US" altLang="ja-JP" sz="2000" b="0" i="1" smtClean="0">
+                                                      <a:latin typeface="Cambria Math" panose="02040503050406030204" pitchFamily="18" charset="0"/>
+                                                    </a:rPr>
+                                                    <m:t>𝐵</m:t>
+                                                  </m:r>
+                                                </m:sub>
+                                              </m:sSub>
+                                              <m:r>
+                                                <a:rPr kumimoji="1" lang="en-US" altLang="ja-JP" sz="2000" i="1">
+                                                  <a:latin typeface="Cambria Math" panose="02040503050406030204" pitchFamily="18" charset="0"/>
+                                                </a:rPr>
+                                                <m:t>(1−</m:t>
+                                              </m:r>
+                                              <m:sSub>
+                                                <m:sSubPr>
+                                                  <m:ctrlPr>
+                                                    <a:rPr kumimoji="1" lang="en-US" altLang="ja-JP" sz="2000" i="1">
+                                                      <a:latin typeface="Cambria Math" panose="02040503050406030204" pitchFamily="18" charset="0"/>
+                                                    </a:rPr>
+                                                  </m:ctrlPr>
+                                                </m:sSubPr>
+                                                <m:e>
+                                                  <m:r>
+                                                    <a:rPr kumimoji="1" lang="en-US" altLang="ja-JP" sz="2000" i="1">
+                                                      <a:latin typeface="Cambria Math" panose="02040503050406030204" pitchFamily="18" charset="0"/>
+                                                    </a:rPr>
+                                                    <m:t>𝛼</m:t>
+                                                  </m:r>
+                                                </m:e>
+                                                <m:sub>
+                                                  <m:r>
+                                                    <a:rPr kumimoji="1" lang="en-US" altLang="ja-JP" sz="2000" i="1">
+                                                      <a:latin typeface="Cambria Math" panose="02040503050406030204" pitchFamily="18" charset="0"/>
+                                                    </a:rPr>
+                                                    <m:t>𝑠𝑅𝐺𝐵</m:t>
+                                                  </m:r>
+                                                </m:sub>
+                                              </m:sSub>
+                                              <m:r>
+                                                <a:rPr kumimoji="1" lang="en-US" altLang="ja-JP" sz="2000" i="1">
+                                                  <a:latin typeface="Cambria Math" panose="02040503050406030204" pitchFamily="18" charset="0"/>
+                                                </a:rPr>
+                                                <m:t>)+0.055</m:t>
+                                              </m:r>
+                                            </m:num>
+                                            <m:den>
+                                              <m:r>
+                                                <a:rPr kumimoji="1" lang="en-US" altLang="ja-JP" sz="2000" i="1">
+                                                  <a:latin typeface="Cambria Math" panose="02040503050406030204" pitchFamily="18" charset="0"/>
+                                                </a:rPr>
+                                                <m:t>1.055</m:t>
+                                              </m:r>
+                                            </m:den>
+                                          </m:f>
+                                        </m:e>
+                                      </m:d>
+                                    </m:e>
+                                    <m:sup>
+                                      <m:r>
+                                        <a:rPr kumimoji="1" lang="en-US" altLang="ja-JP" sz="2000" i="1">
+                                          <a:latin typeface="Cambria Math" panose="02040503050406030204" pitchFamily="18" charset="0"/>
+                                        </a:rPr>
+                                        <m:t>2.4</m:t>
+                                      </m:r>
+                                    </m:sup>
+                                  </m:sSup>
+                                  <m:r>
+                                    <a:rPr kumimoji="1" lang="en-US" altLang="ja-JP" sz="2000" b="0" i="1" smtClean="0">
+                                      <a:latin typeface="Cambria Math" panose="02040503050406030204" pitchFamily="18" charset="0"/>
+                                    </a:rPr>
+                                    <m:t>−</m:t>
+                                  </m:r>
+                                  <m:sSup>
+                                    <m:sSupPr>
+                                      <m:ctrlPr>
+                                        <a:rPr kumimoji="1" lang="en-US" altLang="ja-JP" sz="2000" i="1">
+                                          <a:latin typeface="Cambria Math" panose="02040503050406030204" pitchFamily="18" charset="0"/>
+                                        </a:rPr>
+                                      </m:ctrlPr>
+                                    </m:sSupPr>
+                                    <m:e>
+                                      <m:d>
+                                        <m:dPr>
+                                          <m:ctrlPr>
+                                            <a:rPr kumimoji="1" lang="en-US" altLang="ja-JP" sz="2000" i="1">
+                                              <a:latin typeface="Cambria Math" panose="02040503050406030204" pitchFamily="18" charset="0"/>
+                                            </a:rPr>
+                                          </m:ctrlPr>
+                                        </m:dPr>
+                                        <m:e>
+                                          <m:f>
+                                            <m:fPr>
+                                              <m:ctrlPr>
+                                                <a:rPr kumimoji="1" lang="en-US" altLang="ja-JP" sz="2000" i="1">
+                                                  <a:latin typeface="Cambria Math" panose="02040503050406030204" pitchFamily="18" charset="0"/>
+                                                </a:rPr>
+                                              </m:ctrlPr>
+                                            </m:fPr>
+                                            <m:num>
+                                              <m:sSub>
+                                                <m:sSubPr>
+                                                  <m:ctrlPr>
+                                                    <a:rPr kumimoji="1" lang="en-US" altLang="ja-JP" sz="2000" b="0" i="1" smtClean="0">
+                                                      <a:latin typeface="Cambria Math" panose="02040503050406030204" pitchFamily="18" charset="0"/>
+                                                    </a:rPr>
+                                                  </m:ctrlPr>
+                                                </m:sSubPr>
+                                                <m:e>
+                                                  <m:r>
+                                                    <a:rPr kumimoji="1" lang="en-US" altLang="ja-JP" sz="2000" b="0" i="1" smtClean="0">
+                                                      <a:latin typeface="Cambria Math" panose="02040503050406030204" pitchFamily="18" charset="0"/>
+                                                    </a:rPr>
+                                                    <m:t>𝐶</m:t>
+                                                  </m:r>
+                                                </m:e>
+                                                <m:sub>
+                                                  <m:r>
+                                                    <a:rPr kumimoji="1" lang="en-US" altLang="ja-JP" sz="2000" b="0" i="1" smtClean="0">
+                                                      <a:latin typeface="Cambria Math" panose="02040503050406030204" pitchFamily="18" charset="0"/>
+                                                    </a:rPr>
+                                                    <m:t>𝐵</m:t>
+                                                  </m:r>
+                                                </m:sub>
+                                              </m:sSub>
+                                              <m:r>
+                                                <a:rPr kumimoji="1" lang="en-US" altLang="ja-JP" sz="2000" i="1">
+                                                  <a:latin typeface="Cambria Math" panose="02040503050406030204" pitchFamily="18" charset="0"/>
+                                                </a:rPr>
+                                                <m:t>+0.055</m:t>
+                                              </m:r>
+                                            </m:num>
+                                            <m:den>
+                                              <m:r>
+                                                <a:rPr kumimoji="1" lang="en-US" altLang="ja-JP" sz="2000" i="1">
+                                                  <a:latin typeface="Cambria Math" panose="02040503050406030204" pitchFamily="18" charset="0"/>
+                                                </a:rPr>
+                                                <m:t>1.055</m:t>
+                                              </m:r>
+                                            </m:den>
+                                          </m:f>
+                                        </m:e>
+                                      </m:d>
+                                    </m:e>
+                                    <m:sup>
+                                      <m:r>
+                                        <a:rPr kumimoji="1" lang="en-US" altLang="ja-JP" sz="2000" i="1">
+                                          <a:latin typeface="Cambria Math" panose="02040503050406030204" pitchFamily="18" charset="0"/>
+                                        </a:rPr>
+                                        <m:t>2.4</m:t>
+                                      </m:r>
+                                    </m:sup>
+                                  </m:sSup>
+                                </m:num>
+                                <m:den>
+                                  <m:sSup>
+                                    <m:sSupPr>
+                                      <m:ctrlPr>
+                                        <a:rPr kumimoji="1" lang="en-US" altLang="ja-JP" sz="2000" i="1">
+                                          <a:latin typeface="Cambria Math" panose="02040503050406030204" pitchFamily="18" charset="0"/>
+                                        </a:rPr>
+                                      </m:ctrlPr>
+                                    </m:sSupPr>
+                                    <m:e>
+                                      <m:d>
+                                        <m:dPr>
+                                          <m:ctrlPr>
+                                            <a:rPr kumimoji="1" lang="en-US" altLang="ja-JP" sz="2000" i="1">
+                                              <a:latin typeface="Cambria Math" panose="02040503050406030204" pitchFamily="18" charset="0"/>
+                                            </a:rPr>
+                                          </m:ctrlPr>
+                                        </m:dPr>
+                                        <m:e>
+                                          <m:f>
+                                            <m:fPr>
+                                              <m:ctrlPr>
+                                                <a:rPr kumimoji="1" lang="en-US" altLang="ja-JP" sz="2000" i="1">
+                                                  <a:latin typeface="Cambria Math" panose="02040503050406030204" pitchFamily="18" charset="0"/>
+                                                </a:rPr>
+                                              </m:ctrlPr>
+                                            </m:fPr>
+                                            <m:num>
+                                              <m:sSub>
+                                                <m:sSubPr>
+                                                  <m:ctrlPr>
+                                                    <a:rPr kumimoji="1" lang="en-US" altLang="ja-JP" sz="2000" i="1">
+                                                      <a:latin typeface="Cambria Math" panose="02040503050406030204" pitchFamily="18" charset="0"/>
+                                                    </a:rPr>
+                                                  </m:ctrlPr>
+                                                </m:sSubPr>
+                                                <m:e>
+                                                  <m:r>
+                                                    <a:rPr kumimoji="1" lang="en-US" altLang="ja-JP" sz="2000" i="1">
+                                                      <a:latin typeface="Cambria Math" panose="02040503050406030204" pitchFamily="18" charset="0"/>
+                                                    </a:rPr>
+                                                    <m:t>𝐶</m:t>
+                                                  </m:r>
+                                                </m:e>
+                                                <m:sub>
+                                                  <m:r>
+                                                    <a:rPr kumimoji="1" lang="en-US" altLang="ja-JP" sz="2000" b="0" i="1" smtClean="0">
+                                                      <a:latin typeface="Cambria Math" panose="02040503050406030204" pitchFamily="18" charset="0"/>
+                                                    </a:rPr>
+                                                    <m:t>𝐹</m:t>
+                                                  </m:r>
+                                                </m:sub>
+                                              </m:sSub>
+                                              <m:r>
+                                                <a:rPr kumimoji="1" lang="en-US" altLang="ja-JP" sz="2000" i="1">
+                                                  <a:latin typeface="Cambria Math" panose="02040503050406030204" pitchFamily="18" charset="0"/>
+                                                </a:rPr>
+                                                <m:t>+0.055</m:t>
+                                              </m:r>
+                                            </m:num>
+                                            <m:den>
+                                              <m:r>
+                                                <a:rPr kumimoji="1" lang="en-US" altLang="ja-JP" sz="2000" i="1">
+                                                  <a:latin typeface="Cambria Math" panose="02040503050406030204" pitchFamily="18" charset="0"/>
+                                                </a:rPr>
+                                                <m:t>1.055</m:t>
+                                              </m:r>
+                                            </m:den>
+                                          </m:f>
+                                        </m:e>
+                                      </m:d>
+                                    </m:e>
+                                    <m:sup>
+                                      <m:r>
+                                        <a:rPr kumimoji="1" lang="en-US" altLang="ja-JP" sz="2000" i="1">
+                                          <a:latin typeface="Cambria Math" panose="02040503050406030204" pitchFamily="18" charset="0"/>
+                                        </a:rPr>
+                                        <m:t>2.4</m:t>
+                                      </m:r>
+                                    </m:sup>
+                                  </m:sSup>
+                                  <m:r>
+                                    <a:rPr kumimoji="1" lang="en-US" altLang="ja-JP" sz="2000" i="1">
+                                      <a:latin typeface="Cambria Math" panose="02040503050406030204" pitchFamily="18" charset="0"/>
+                                    </a:rPr>
+                                    <m:t>−</m:t>
+                                  </m:r>
+                                  <m:sSup>
+                                    <m:sSupPr>
+                                      <m:ctrlPr>
+                                        <a:rPr kumimoji="1" lang="en-US" altLang="ja-JP" sz="2000" i="1">
+                                          <a:latin typeface="Cambria Math" panose="02040503050406030204" pitchFamily="18" charset="0"/>
+                                        </a:rPr>
+                                      </m:ctrlPr>
+                                    </m:sSupPr>
+                                    <m:e>
+                                      <m:d>
+                                        <m:dPr>
+                                          <m:ctrlPr>
+                                            <a:rPr kumimoji="1" lang="en-US" altLang="ja-JP" sz="2000" i="1">
+                                              <a:latin typeface="Cambria Math" panose="02040503050406030204" pitchFamily="18" charset="0"/>
+                                            </a:rPr>
+                                          </m:ctrlPr>
+                                        </m:dPr>
+                                        <m:e>
+                                          <m:f>
+                                            <m:fPr>
+                                              <m:ctrlPr>
+                                                <a:rPr kumimoji="1" lang="en-US" altLang="ja-JP" sz="2000" i="1">
+                                                  <a:latin typeface="Cambria Math" panose="02040503050406030204" pitchFamily="18" charset="0"/>
+                                                </a:rPr>
+                                              </m:ctrlPr>
+                                            </m:fPr>
+                                            <m:num>
+                                              <m:sSub>
+                                                <m:sSubPr>
+                                                  <m:ctrlPr>
+                                                    <a:rPr kumimoji="1" lang="en-US" altLang="ja-JP" sz="2000" i="1">
+                                                      <a:latin typeface="Cambria Math" panose="02040503050406030204" pitchFamily="18" charset="0"/>
+                                                    </a:rPr>
+                                                  </m:ctrlPr>
+                                                </m:sSubPr>
+                                                <m:e>
+                                                  <m:r>
+                                                    <a:rPr kumimoji="1" lang="en-US" altLang="ja-JP" sz="2000" i="1">
+                                                      <a:latin typeface="Cambria Math" panose="02040503050406030204" pitchFamily="18" charset="0"/>
+                                                    </a:rPr>
+                                                    <m:t>𝐶</m:t>
+                                                  </m:r>
+                                                </m:e>
+                                                <m:sub>
+                                                  <m:r>
+                                                    <a:rPr kumimoji="1" lang="en-US" altLang="ja-JP" sz="2000" i="1">
+                                                      <a:latin typeface="Cambria Math" panose="02040503050406030204" pitchFamily="18" charset="0"/>
+                                                    </a:rPr>
+                                                    <m:t>𝐵</m:t>
+                                                  </m:r>
+                                                </m:sub>
+                                              </m:sSub>
+                                              <m:r>
+                                                <a:rPr kumimoji="1" lang="en-US" altLang="ja-JP" sz="2000" i="1">
+                                                  <a:latin typeface="Cambria Math" panose="02040503050406030204" pitchFamily="18" charset="0"/>
+                                                </a:rPr>
+                                                <m:t>+0.055</m:t>
+                                              </m:r>
+                                            </m:num>
+                                            <m:den>
+                                              <m:r>
+                                                <a:rPr kumimoji="1" lang="en-US" altLang="ja-JP" sz="2000" i="1">
+                                                  <a:latin typeface="Cambria Math" panose="02040503050406030204" pitchFamily="18" charset="0"/>
+                                                </a:rPr>
+                                                <m:t>1.055</m:t>
+                                              </m:r>
+                                            </m:den>
+                                          </m:f>
+                                        </m:e>
+                                      </m:d>
+                                    </m:e>
+                                    <m:sup>
+                                      <m:r>
+                                        <a:rPr kumimoji="1" lang="en-US" altLang="ja-JP" sz="2000" i="1">
+                                          <a:latin typeface="Cambria Math" panose="02040503050406030204" pitchFamily="18" charset="0"/>
+                                        </a:rPr>
+                                        <m:t>2.4</m:t>
+                                      </m:r>
+                                    </m:sup>
+                                  </m:sSup>
+                                </m:den>
+                              </m:f>
+                              <m:r>
+                                <a:rPr kumimoji="1" lang="en-US" altLang="ja-JP" sz="2000" b="0" i="1" smtClean="0">
+                                  <a:latin typeface="Cambria Math" panose="02040503050406030204" pitchFamily="18" charset="0"/>
+                                </a:rPr>
+                                <m:t>,  </m:t>
+                              </m:r>
+                              <m:sSub>
+                                <m:sSubPr>
+                                  <m:ctrlPr>
+                                    <a:rPr kumimoji="1" lang="en-US" altLang="ja-JP" sz="2000" i="1">
+                                      <a:latin typeface="Cambria Math" panose="02040503050406030204" pitchFamily="18" charset="0"/>
+                                    </a:rPr>
+                                  </m:ctrlPr>
+                                </m:sSubPr>
+                                <m:e>
+                                  <m:r>
+                                    <a:rPr kumimoji="1" lang="en-US" altLang="ja-JP" sz="2000" i="1">
+                                      <a:latin typeface="Cambria Math" panose="02040503050406030204" pitchFamily="18" charset="0"/>
+                                    </a:rPr>
+                                    <m:t>𝐶</m:t>
+                                  </m:r>
+                                </m:e>
+                                <m:sub>
+                                  <m:r>
+                                    <a:rPr kumimoji="1" lang="en-US" altLang="ja-JP" sz="2000" i="1">
+                                      <a:latin typeface="Cambria Math" panose="02040503050406030204" pitchFamily="18" charset="0"/>
+                                    </a:rPr>
+                                    <m:t>𝑠𝑅𝐺𝐵</m:t>
+                                  </m:r>
+                                </m:sub>
+                              </m:sSub>
+                              <m:r>
+                                <a:rPr kumimoji="1" lang="en-US" altLang="ja-JP" sz="2000" b="0" i="1" smtClean="0">
+                                  <a:latin typeface="Cambria Math" panose="02040503050406030204" pitchFamily="18" charset="0"/>
+                                </a:rPr>
+                                <m:t>&gt;0.04050</m:t>
+                              </m:r>
+                            </m:e>
+                          </m:eqArr>
+                        </m:e>
+                      </m:d>
+                    </m:oMath>
+                  </m:oMathPara>
+                </a14:m>
+                <a:endParaRPr kumimoji="1" lang="ja-JP" altLang="en-US" sz="2000" dirty="0"/>
+              </a:p>
+            </p:txBody>
+          </p:sp>
+        </mc:Choice>
+        <mc:Fallback>
+          <p:sp>
+            <p:nvSpPr>
+              <p:cNvPr id="15" name="テキスト ボックス 14">
+                <a:extLst>
+                  <a:ext uri="{FF2B5EF4-FFF2-40B4-BE49-F238E27FC236}">
+                    <a16:creationId xmlns:a16="http://schemas.microsoft.com/office/drawing/2014/main" id="{6DE930A2-CD26-49D1-9560-9016A2D3EC9C}"/>
+                  </a:ext>
+                </a:extLst>
+              </p:cNvPr>
+              <p:cNvSpPr txBox="1">
+                <a:spLocks noRot="1" noChangeAspect="1" noMove="1" noResize="1" noEditPoints="1" noAdjustHandles="1" noChangeArrowheads="1" noChangeShapeType="1" noTextEdit="1"/>
+              </p:cNvSpPr>
+              <p:nvPr/>
+            </p:nvSpPr>
+            <p:spPr>
+              <a:xfrm>
+                <a:off x="1204799" y="1041146"/>
+                <a:ext cx="9934304" cy="1942968"/>
+              </a:xfrm>
+              <a:prstGeom prst="rect">
+                <a:avLst/>
+              </a:prstGeom>
+              <a:blipFill>
+                <a:blip r:embed="rId3"/>
+                <a:stretch>
+                  <a:fillRect/>
+                </a:stretch>
+              </a:blipFill>
+              <a:ln w="28575">
+                <a:noFill/>
+              </a:ln>
+            </p:spPr>
+            <p:txBody>
+              <a:bodyPr/>
+              <a:lstStyle/>
+              <a:p>
+                <a:r>
+                  <a:rPr lang="ja-JP" altLang="en-US">
+                    <a:noFill/>
+                  </a:rPr>
+                  <a:t> </a:t>
+                </a:r>
+              </a:p>
+            </p:txBody>
+          </p:sp>
+        </mc:Fallback>
+      </mc:AlternateContent>
+      <p:sp>
+        <p:nvSpPr>
+          <p:cNvPr id="3" name="スライド番号プレースホルダー 2">
+            <a:extLst>
+              <a:ext uri="{FF2B5EF4-FFF2-40B4-BE49-F238E27FC236}">
+                <a16:creationId xmlns:a16="http://schemas.microsoft.com/office/drawing/2014/main" id="{E5C1AB4B-D788-4C05-8B5E-E6C527BF9D4B}"/>
+              </a:ext>
+            </a:extLst>
+          </p:cNvPr>
+          <p:cNvSpPr>
+            <a:spLocks noGrp="1"/>
+          </p:cNvSpPr>
+          <p:nvPr>
+            <p:ph type="sldNum" sz="quarter" idx="12"/>
+          </p:nvPr>
+        </p:nvSpPr>
+        <p:spPr>
+          <a:xfrm>
+            <a:off x="9906726" y="9075511"/>
+            <a:ext cx="2880360" cy="511175"/>
+          </a:xfrm>
+        </p:spPr>
+        <p:txBody>
+          <a:bodyPr/>
+          <a:lstStyle/>
+          <a:p>
+            <a:fld id="{57F36285-9264-459D-9324-A1F3C8FDE78E}" type="slidenum">
+              <a:rPr kumimoji="1" lang="ja-JP" altLang="en-US" smtClean="0"/>
+              <a:t>11</a:t>
+            </a:fld>
+            <a:endParaRPr kumimoji="1" lang="ja-JP" altLang="en-US"/>
+          </a:p>
+        </p:txBody>
+      </p:sp>
+      <mc:AlternateContent xmlns:mc="http://schemas.openxmlformats.org/markup-compatibility/2006">
+        <mc:Choice xmlns:a14="http://schemas.microsoft.com/office/drawing/2010/main" Requires="a14">
+          <p:sp>
+            <p:nvSpPr>
+              <p:cNvPr id="25" name="テキスト ボックス 24">
+                <a:extLst>
+                  <a:ext uri="{FF2B5EF4-FFF2-40B4-BE49-F238E27FC236}">
+                    <a16:creationId xmlns:a16="http://schemas.microsoft.com/office/drawing/2014/main" id="{D69D6FEB-C9D6-4DBB-B987-16D143E3992D}"/>
+                  </a:ext>
+                </a:extLst>
+              </p:cNvPr>
+              <p:cNvSpPr txBox="1"/>
+              <p:nvPr/>
+            </p:nvSpPr>
+            <p:spPr>
+              <a:xfrm>
+                <a:off x="1198752" y="4841695"/>
+                <a:ext cx="10470333" cy="1778307"/>
+              </a:xfrm>
+              <a:prstGeom prst="rect">
+                <a:avLst/>
+              </a:prstGeom>
+              <a:noFill/>
+            </p:spPr>
+            <p:txBody>
+              <a:bodyPr wrap="square" lIns="0" tIns="0" rIns="0" bIns="0" rtlCol="0">
+                <a:spAutoFit/>
+              </a:bodyPr>
+              <a:lstStyle/>
+              <a:p>
+                <a:pPr/>
+                <a14:m>
+                  <m:oMathPara xmlns:m="http://schemas.openxmlformats.org/officeDocument/2006/math">
+                    <m:oMathParaPr>
+                      <m:jc m:val="centerGroup"/>
+                    </m:oMathParaPr>
+                    <m:oMath xmlns:m="http://schemas.openxmlformats.org/officeDocument/2006/math">
+                      <m:sSub>
+                        <m:sSubPr>
+                          <m:ctrlPr>
+                            <a:rPr kumimoji="1" lang="en-US" altLang="ja-JP" sz="2400" b="0" i="1" smtClean="0">
+                              <a:latin typeface="Cambria Math" panose="02040503050406030204" pitchFamily="18" charset="0"/>
+                            </a:rPr>
+                          </m:ctrlPr>
+                        </m:sSubPr>
+                        <m:e>
+                          <m:r>
+                            <a:rPr kumimoji="1" lang="en-US" altLang="ja-JP" sz="2400" b="0" i="1" smtClean="0">
+                              <a:latin typeface="Cambria Math" panose="02040503050406030204" pitchFamily="18" charset="0"/>
+                            </a:rPr>
+                            <m:t>𝛼</m:t>
+                          </m:r>
+                        </m:e>
+                        <m:sub>
+                          <m:r>
+                            <a:rPr kumimoji="1" lang="en-US" altLang="ja-JP" sz="2400" b="0" i="1" smtClean="0">
+                              <a:latin typeface="Cambria Math" panose="02040503050406030204" pitchFamily="18" charset="0"/>
+                            </a:rPr>
+                            <m:t>𝑙𝑖𝑛𝑒𝑎𝑟</m:t>
+                          </m:r>
+                        </m:sub>
+                      </m:sSub>
+                      <m:r>
+                        <a:rPr kumimoji="1" lang="en-US" altLang="ja-JP" sz="2400" b="0" i="1" smtClean="0">
+                          <a:latin typeface="Cambria Math" panose="02040503050406030204" pitchFamily="18" charset="0"/>
+                        </a:rPr>
+                        <m:t>=</m:t>
+                      </m:r>
+                      <m:d>
+                        <m:dPr>
+                          <m:begChr m:val="{"/>
+                          <m:endChr m:val=""/>
+                          <m:ctrlPr>
+                            <a:rPr kumimoji="1" lang="en-US" altLang="ja-JP" sz="2400" b="0" i="1" smtClean="0">
+                              <a:latin typeface="Cambria Math" panose="02040503050406030204" pitchFamily="18" charset="0"/>
+                            </a:rPr>
+                          </m:ctrlPr>
+                        </m:dPr>
+                        <m:e>
+                          <m:eqArr>
+                            <m:eqArrPr>
+                              <m:ctrlPr>
+                                <a:rPr kumimoji="1" lang="en-US" altLang="ja-JP" sz="2400" b="0" i="1" smtClean="0">
+                                  <a:latin typeface="Cambria Math" panose="02040503050406030204" pitchFamily="18" charset="0"/>
+                                </a:rPr>
+                              </m:ctrlPr>
+                            </m:eqArrPr>
+                            <m:e>
+                              <m:sSub>
+                                <m:sSubPr>
+                                  <m:ctrlPr>
+                                    <a:rPr kumimoji="1" lang="en-US" altLang="ja-JP" sz="2400" i="1">
+                                      <a:latin typeface="Cambria Math" panose="02040503050406030204" pitchFamily="18" charset="0"/>
+                                    </a:rPr>
+                                  </m:ctrlPr>
+                                </m:sSubPr>
+                                <m:e>
+                                  <m:r>
+                                    <a:rPr kumimoji="1" lang="en-US" altLang="ja-JP" sz="2400" i="1">
+                                      <a:latin typeface="Cambria Math" panose="02040503050406030204" pitchFamily="18" charset="0"/>
+                                    </a:rPr>
+                                    <m:t>𝛼</m:t>
+                                  </m:r>
+                                </m:e>
+                                <m:sub>
+                                  <m:r>
+                                    <a:rPr kumimoji="1" lang="en-US" altLang="ja-JP" sz="2400" i="1">
+                                      <a:latin typeface="Cambria Math" panose="02040503050406030204" pitchFamily="18" charset="0"/>
+                                    </a:rPr>
+                                    <m:t>𝑠𝑅𝐺𝐵</m:t>
+                                  </m:r>
+                                </m:sub>
+                              </m:sSub>
+                              <m:r>
+                                <a:rPr kumimoji="1" lang="en-US" altLang="ja-JP" sz="2400" b="0" i="1" smtClean="0">
+                                  <a:latin typeface="Cambria Math" panose="02040503050406030204" pitchFamily="18" charset="0"/>
+                                </a:rPr>
+                                <m:t>,                                                                       1−</m:t>
+                              </m:r>
+                              <m:sSub>
+                                <m:sSubPr>
+                                  <m:ctrlPr>
+                                    <a:rPr kumimoji="1" lang="en-US" altLang="ja-JP" sz="2400" b="0" i="1" smtClean="0">
+                                      <a:latin typeface="Cambria Math" panose="02040503050406030204" pitchFamily="18" charset="0"/>
+                                    </a:rPr>
+                                  </m:ctrlPr>
+                                </m:sSubPr>
+                                <m:e>
+                                  <m:r>
+                                    <a:rPr kumimoji="1" lang="en-US" altLang="ja-JP" sz="2400" b="0" i="1" smtClean="0">
+                                      <a:latin typeface="Cambria Math" panose="02040503050406030204" pitchFamily="18" charset="0"/>
+                                    </a:rPr>
+                                    <m:t>𝛼</m:t>
+                                  </m:r>
+                                </m:e>
+                                <m:sub>
+                                  <m:r>
+                                    <a:rPr kumimoji="1" lang="en-US" altLang="ja-JP" sz="2400" b="0" i="1" smtClean="0">
+                                      <a:latin typeface="Cambria Math" panose="02040503050406030204" pitchFamily="18" charset="0"/>
+                                    </a:rPr>
+                                    <m:t>𝑠𝑅𝐺𝐵</m:t>
+                                  </m:r>
+                                </m:sub>
+                              </m:sSub>
+                              <m:r>
+                                <a:rPr kumimoji="1" lang="en-US" altLang="ja-JP" sz="2400" b="0" i="1" smtClean="0">
+                                  <a:latin typeface="Cambria Math" panose="02040503050406030204" pitchFamily="18" charset="0"/>
+                                </a:rPr>
+                                <m:t>≤0.04050</m:t>
+                              </m:r>
+                            </m:e>
+                            <m:e/>
+                            <m:e>
+                              <m:f>
+                                <m:fPr>
+                                  <m:ctrlPr>
+                                    <a:rPr kumimoji="1" lang="en-US" altLang="ja-JP" sz="2400" b="0" i="1" smtClean="0">
+                                      <a:latin typeface="Cambria Math" panose="02040503050406030204" pitchFamily="18" charset="0"/>
+                                    </a:rPr>
+                                  </m:ctrlPr>
+                                </m:fPr>
+                                <m:num>
+                                  <m:r>
+                                    <a:rPr kumimoji="1" lang="en-US" altLang="ja-JP" sz="2400" b="0" i="1" smtClean="0">
+                                      <a:latin typeface="Cambria Math" panose="02040503050406030204" pitchFamily="18" charset="0"/>
+                                    </a:rPr>
+                                    <m:t>1</m:t>
+                                  </m:r>
+                                </m:num>
+                                <m:den>
+                                  <m:r>
+                                    <a:rPr kumimoji="1" lang="en-US" altLang="ja-JP" sz="2400" b="0" i="1" smtClean="0">
+                                      <a:latin typeface="Cambria Math" panose="02040503050406030204" pitchFamily="18" charset="0"/>
+                                    </a:rPr>
+                                    <m:t>0.</m:t>
+                                  </m:r>
+                                  <m:r>
+                                    <a:rPr kumimoji="1" lang="en-US" altLang="ja-JP" sz="2400" i="1">
+                                      <a:latin typeface="Cambria Math" panose="02040503050406030204" pitchFamily="18" charset="0"/>
+                                    </a:rPr>
+                                    <m:t>999166</m:t>
+                                  </m:r>
+                                  <m:r>
+                                    <a:rPr kumimoji="1" lang="en-US" altLang="ja-JP" sz="2400" b="0" i="1" smtClean="0">
+                                      <a:latin typeface="Cambria Math" panose="02040503050406030204" pitchFamily="18" charset="0"/>
+                                    </a:rPr>
+                                    <m:t>2</m:t>
+                                  </m:r>
+                                </m:den>
+                              </m:f>
+                              <m:d>
+                                <m:dPr>
+                                  <m:begChr m:val="["/>
+                                  <m:endChr m:val="]"/>
+                                  <m:ctrlPr>
+                                    <a:rPr kumimoji="1" lang="en-US" altLang="ja-JP" sz="2400" b="0" i="1" smtClean="0">
+                                      <a:latin typeface="Cambria Math" panose="02040503050406030204" pitchFamily="18" charset="0"/>
+                                    </a:rPr>
+                                  </m:ctrlPr>
+                                </m:dPr>
+                                <m:e>
+                                  <m:r>
+                                    <a:rPr kumimoji="1" lang="en-US" altLang="ja-JP" sz="2400" i="1">
+                                      <a:latin typeface="Cambria Math" panose="02040503050406030204" pitchFamily="18" charset="0"/>
+                                    </a:rPr>
+                                    <m:t>1−</m:t>
+                                  </m:r>
+                                  <m:sSup>
+                                    <m:sSupPr>
+                                      <m:ctrlPr>
+                                        <a:rPr kumimoji="1" lang="en-US" altLang="ja-JP" sz="2400" i="1">
+                                          <a:latin typeface="Cambria Math" panose="02040503050406030204" pitchFamily="18" charset="0"/>
+                                        </a:rPr>
+                                      </m:ctrlPr>
+                                    </m:sSupPr>
+                                    <m:e>
+                                      <m:d>
+                                        <m:dPr>
+                                          <m:ctrlPr>
+                                            <a:rPr kumimoji="1" lang="en-US" altLang="ja-JP" sz="2400" i="1">
+                                              <a:latin typeface="Cambria Math" panose="02040503050406030204" pitchFamily="18" charset="0"/>
+                                            </a:rPr>
+                                          </m:ctrlPr>
+                                        </m:dPr>
+                                        <m:e>
+                                          <m:f>
+                                            <m:fPr>
+                                              <m:ctrlPr>
+                                                <a:rPr kumimoji="1" lang="en-US" altLang="ja-JP" sz="2400" i="1">
+                                                  <a:latin typeface="Cambria Math" panose="02040503050406030204" pitchFamily="18" charset="0"/>
+                                                </a:rPr>
+                                              </m:ctrlPr>
+                                            </m:fPr>
+                                            <m:num>
+                                              <m:r>
+                                                <a:rPr kumimoji="1" lang="en-US" altLang="ja-JP" sz="2400" i="1">
+                                                  <a:latin typeface="Cambria Math" panose="02040503050406030204" pitchFamily="18" charset="0"/>
+                                                </a:rPr>
+                                                <m:t> 1−</m:t>
+                                              </m:r>
+                                              <m:sSub>
+                                                <m:sSubPr>
+                                                  <m:ctrlPr>
+                                                    <a:rPr kumimoji="1" lang="en-US" altLang="ja-JP" sz="2400" i="1">
+                                                      <a:latin typeface="Cambria Math" panose="02040503050406030204" pitchFamily="18" charset="0"/>
+                                                    </a:rPr>
+                                                  </m:ctrlPr>
+                                                </m:sSubPr>
+                                                <m:e>
+                                                  <m:r>
+                                                    <a:rPr kumimoji="1" lang="en-US" altLang="ja-JP" sz="2400" i="1">
+                                                      <a:latin typeface="Cambria Math" panose="02040503050406030204" pitchFamily="18" charset="0"/>
+                                                    </a:rPr>
+                                                    <m:t>𝛼</m:t>
+                                                  </m:r>
+                                                </m:e>
+                                                <m:sub>
+                                                  <m:r>
+                                                    <a:rPr kumimoji="1" lang="en-US" altLang="ja-JP" sz="2400" i="1">
+                                                      <a:latin typeface="Cambria Math" panose="02040503050406030204" pitchFamily="18" charset="0"/>
+                                                    </a:rPr>
+                                                    <m:t>𝑠𝑅𝐺𝐵</m:t>
+                                                  </m:r>
+                                                </m:sub>
+                                              </m:sSub>
+                                              <m:r>
+                                                <a:rPr kumimoji="1" lang="en-US" altLang="ja-JP" sz="2400" i="1">
+                                                  <a:latin typeface="Cambria Math" panose="02040503050406030204" pitchFamily="18" charset="0"/>
+                                                </a:rPr>
+                                                <m:t>+0.055</m:t>
+                                              </m:r>
+                                            </m:num>
+                                            <m:den>
+                                              <m:r>
+                                                <a:rPr kumimoji="1" lang="en-US" altLang="ja-JP" sz="2400" i="1">
+                                                  <a:latin typeface="Cambria Math" panose="02040503050406030204" pitchFamily="18" charset="0"/>
+                                                </a:rPr>
+                                                <m:t>1.055</m:t>
+                                              </m:r>
+                                            </m:den>
+                                          </m:f>
+                                        </m:e>
+                                      </m:d>
+                                    </m:e>
+                                    <m:sup>
+                                      <m:r>
+                                        <a:rPr kumimoji="1" lang="en-US" altLang="ja-JP" sz="2400" i="1">
+                                          <a:latin typeface="Cambria Math" panose="02040503050406030204" pitchFamily="18" charset="0"/>
+                                        </a:rPr>
+                                        <m:t>2.4</m:t>
+                                      </m:r>
+                                    </m:sup>
+                                  </m:sSup>
+                                </m:e>
+                              </m:d>
+                              <m:r>
+                                <a:rPr kumimoji="1" lang="en-US" altLang="ja-JP" sz="2400" b="0" i="1" smtClean="0">
+                                  <a:latin typeface="Cambria Math" panose="02040503050406030204" pitchFamily="18" charset="0"/>
+                                </a:rPr>
+                                <m:t>,  </m:t>
+                              </m:r>
+                              <m:r>
+                                <a:rPr kumimoji="1" lang="en-US" altLang="ja-JP" sz="2400" i="1">
+                                  <a:latin typeface="Cambria Math" panose="02040503050406030204" pitchFamily="18" charset="0"/>
+                                </a:rPr>
+                                <m:t>1−</m:t>
+                              </m:r>
+                              <m:sSub>
+                                <m:sSubPr>
+                                  <m:ctrlPr>
+                                    <a:rPr kumimoji="1" lang="en-US" altLang="ja-JP" sz="2400" i="1">
+                                      <a:latin typeface="Cambria Math" panose="02040503050406030204" pitchFamily="18" charset="0"/>
+                                    </a:rPr>
+                                  </m:ctrlPr>
+                                </m:sSubPr>
+                                <m:e>
+                                  <m:r>
+                                    <a:rPr kumimoji="1" lang="en-US" altLang="ja-JP" sz="2400" i="1">
+                                      <a:latin typeface="Cambria Math" panose="02040503050406030204" pitchFamily="18" charset="0"/>
+                                    </a:rPr>
+                                    <m:t>𝛼</m:t>
+                                  </m:r>
+                                </m:e>
+                                <m:sub>
+                                  <m:r>
+                                    <a:rPr kumimoji="1" lang="en-US" altLang="ja-JP" sz="2400" i="1">
+                                      <a:latin typeface="Cambria Math" panose="02040503050406030204" pitchFamily="18" charset="0"/>
+                                    </a:rPr>
+                                    <m:t>𝑠𝑅𝐺𝐵</m:t>
+                                  </m:r>
+                                </m:sub>
+                              </m:sSub>
+                              <m:r>
+                                <a:rPr kumimoji="1" lang="en-US" altLang="ja-JP" sz="2400" b="0" i="1" smtClean="0">
+                                  <a:latin typeface="Cambria Math" panose="02040503050406030204" pitchFamily="18" charset="0"/>
+                                </a:rPr>
+                                <m:t>&gt;0.04050</m:t>
+                              </m:r>
+                            </m:e>
+                          </m:eqArr>
+                        </m:e>
+                      </m:d>
+                    </m:oMath>
+                  </m:oMathPara>
+                </a14:m>
+                <a:endParaRPr kumimoji="1" lang="ja-JP" altLang="en-US" sz="2400" dirty="0"/>
+              </a:p>
+            </p:txBody>
+          </p:sp>
+        </mc:Choice>
+        <mc:Fallback>
+          <p:sp>
+            <p:nvSpPr>
+              <p:cNvPr id="25" name="テキスト ボックス 24">
+                <a:extLst>
+                  <a:ext uri="{FF2B5EF4-FFF2-40B4-BE49-F238E27FC236}">
+                    <a16:creationId xmlns:a16="http://schemas.microsoft.com/office/drawing/2014/main" id="{D69D6FEB-C9D6-4DBB-B987-16D143E3992D}"/>
+                  </a:ext>
+                </a:extLst>
+              </p:cNvPr>
+              <p:cNvSpPr txBox="1">
+                <a:spLocks noRot="1" noChangeAspect="1" noMove="1" noResize="1" noEditPoints="1" noAdjustHandles="1" noChangeArrowheads="1" noChangeShapeType="1" noTextEdit="1"/>
+              </p:cNvSpPr>
+              <p:nvPr/>
+            </p:nvSpPr>
+            <p:spPr>
+              <a:xfrm>
+                <a:off x="1198752" y="4841695"/>
+                <a:ext cx="10470333" cy="1778307"/>
+              </a:xfrm>
+              <a:prstGeom prst="rect">
+                <a:avLst/>
+              </a:prstGeom>
+              <a:blipFill>
+                <a:blip r:embed="rId4"/>
+                <a:stretch>
+                  <a:fillRect/>
+                </a:stretch>
+              </a:blipFill>
+            </p:spPr>
+            <p:txBody>
+              <a:bodyPr/>
+              <a:lstStyle/>
+              <a:p>
+                <a:r>
+                  <a:rPr lang="ja-JP" altLang="en-US">
+                    <a:noFill/>
+                  </a:rPr>
+                  <a:t> </a:t>
+                </a:r>
+              </a:p>
+            </p:txBody>
+          </p:sp>
+        </mc:Fallback>
+      </mc:AlternateContent>
+      <p:sp>
+        <p:nvSpPr>
+          <p:cNvPr id="26" name="テキスト ボックス 25">
+            <a:extLst>
+              <a:ext uri="{FF2B5EF4-FFF2-40B4-BE49-F238E27FC236}">
+                <a16:creationId xmlns:a16="http://schemas.microsoft.com/office/drawing/2014/main" id="{4FE2A0B2-774A-49C3-9333-2199DC1508B0}"/>
+              </a:ext>
+            </a:extLst>
+          </p:cNvPr>
+          <p:cNvSpPr txBox="1"/>
+          <p:nvPr/>
+        </p:nvSpPr>
+        <p:spPr>
+          <a:xfrm>
+            <a:off x="685456" y="3910599"/>
+            <a:ext cx="1647695" cy="369332"/>
+          </a:xfrm>
+          <a:prstGeom prst="rect">
+            <a:avLst/>
+          </a:prstGeom>
+          <a:noFill/>
+        </p:spPr>
+        <p:txBody>
+          <a:bodyPr wrap="none" lIns="0" tIns="0" rIns="0" bIns="0" rtlCol="0">
+            <a:spAutoFit/>
+          </a:bodyPr>
+          <a:lstStyle/>
+          <a:p>
+            <a:r>
+              <a:rPr kumimoji="1" lang="en-US" altLang="ja-JP" sz="2400" b="1" dirty="0"/>
+              <a:t>Special cases</a:t>
+            </a:r>
+            <a:endParaRPr kumimoji="1" lang="ja-JP" altLang="en-US" sz="2400" b="1" dirty="0"/>
+          </a:p>
+        </p:txBody>
+      </p:sp>
+      <mc:AlternateContent xmlns:mc="http://schemas.openxmlformats.org/markup-compatibility/2006">
+        <mc:Choice xmlns:a14="http://schemas.microsoft.com/office/drawing/2010/main" Requires="a14">
+          <p:sp>
+            <p:nvSpPr>
+              <p:cNvPr id="27" name="テキスト ボックス 26">
+                <a:extLst>
+                  <a:ext uri="{FF2B5EF4-FFF2-40B4-BE49-F238E27FC236}">
+                    <a16:creationId xmlns:a16="http://schemas.microsoft.com/office/drawing/2014/main" id="{07E19FAF-5363-4724-A54C-17BE694D155C}"/>
+                  </a:ext>
+                </a:extLst>
+              </p:cNvPr>
+              <p:cNvSpPr txBox="1"/>
+              <p:nvPr/>
+            </p:nvSpPr>
+            <p:spPr>
+              <a:xfrm>
+                <a:off x="1074043" y="4394561"/>
+                <a:ext cx="4056447" cy="369332"/>
+              </a:xfrm>
+              <a:prstGeom prst="rect">
+                <a:avLst/>
+              </a:prstGeom>
+              <a:noFill/>
+            </p:spPr>
+            <p:txBody>
+              <a:bodyPr wrap="square">
+                <a:spAutoFit/>
+              </a:bodyPr>
+              <a:lstStyle/>
+              <a:p>
+                <a:r>
+                  <a:rPr kumimoji="1" lang="en-US" altLang="ja-JP" sz="1800" dirty="0"/>
+                  <a:t>If </a:t>
+                </a:r>
+                <a14:m>
+                  <m:oMath xmlns:m="http://schemas.openxmlformats.org/officeDocument/2006/math">
+                    <m:sSub>
+                      <m:sSubPr>
+                        <m:ctrlPr>
+                          <a:rPr kumimoji="1" lang="en-US" altLang="ja-JP" sz="1800" b="0" i="1" smtClean="0">
+                            <a:latin typeface="Cambria Math" panose="02040503050406030204" pitchFamily="18" charset="0"/>
+                          </a:rPr>
+                        </m:ctrlPr>
+                      </m:sSubPr>
+                      <m:e>
+                        <m:r>
+                          <a:rPr kumimoji="1" lang="en-US" altLang="ja-JP" sz="1800" b="0" i="1" smtClean="0">
+                            <a:latin typeface="Cambria Math" panose="02040503050406030204" pitchFamily="18" charset="0"/>
+                          </a:rPr>
+                          <m:t>𝐶</m:t>
+                        </m:r>
+                      </m:e>
+                      <m:sub>
+                        <m:r>
+                          <a:rPr kumimoji="1" lang="en-US" altLang="ja-JP" sz="1800" b="0" i="1" smtClean="0">
+                            <a:latin typeface="Cambria Math" panose="02040503050406030204" pitchFamily="18" charset="0"/>
+                          </a:rPr>
+                          <m:t>𝐹</m:t>
+                        </m:r>
+                      </m:sub>
+                    </m:sSub>
+                    <m:r>
+                      <a:rPr kumimoji="1" lang="en-US" altLang="ja-JP" sz="1800" b="0" i="1" smtClean="0">
+                        <a:latin typeface="Cambria Math" panose="02040503050406030204" pitchFamily="18" charset="0"/>
+                      </a:rPr>
+                      <m:t>=0</m:t>
+                    </m:r>
+                  </m:oMath>
+                </a14:m>
+                <a:r>
+                  <a:rPr kumimoji="1" lang="ja-JP" altLang="en-US" sz="1800" dirty="0"/>
+                  <a:t> </a:t>
+                </a:r>
+                <a:r>
+                  <a:rPr kumimoji="1" lang="en-US" altLang="ja-JP" sz="1800" dirty="0"/>
+                  <a:t>(black) and </a:t>
+                </a:r>
+                <a14:m>
+                  <m:oMath xmlns:m="http://schemas.openxmlformats.org/officeDocument/2006/math">
+                    <m:sSub>
+                      <m:sSubPr>
+                        <m:ctrlPr>
+                          <a:rPr kumimoji="1" lang="en-US" altLang="ja-JP" sz="1800" i="1">
+                            <a:latin typeface="Cambria Math" panose="02040503050406030204" pitchFamily="18" charset="0"/>
+                          </a:rPr>
+                        </m:ctrlPr>
+                      </m:sSubPr>
+                      <m:e>
+                        <m:r>
+                          <a:rPr kumimoji="1" lang="en-US" altLang="ja-JP" sz="1800" i="1">
+                            <a:latin typeface="Cambria Math" panose="02040503050406030204" pitchFamily="18" charset="0"/>
+                          </a:rPr>
+                          <m:t>𝐶</m:t>
+                        </m:r>
+                      </m:e>
+                      <m:sub>
+                        <m:r>
+                          <a:rPr kumimoji="1" lang="en-US" altLang="ja-JP" sz="1800" b="0" i="1" smtClean="0">
+                            <a:latin typeface="Cambria Math" panose="02040503050406030204" pitchFamily="18" charset="0"/>
+                          </a:rPr>
+                          <m:t>𝐵</m:t>
+                        </m:r>
+                      </m:sub>
+                    </m:sSub>
+                    <m:r>
+                      <a:rPr kumimoji="1" lang="en-US" altLang="ja-JP" sz="1800" i="1">
+                        <a:latin typeface="Cambria Math" panose="02040503050406030204" pitchFamily="18" charset="0"/>
+                      </a:rPr>
+                      <m:t>=</m:t>
+                    </m:r>
+                    <m:r>
+                      <a:rPr kumimoji="1" lang="en-US" altLang="ja-JP" sz="1800" b="0" i="1" smtClean="0">
+                        <a:latin typeface="Cambria Math" panose="02040503050406030204" pitchFamily="18" charset="0"/>
+                      </a:rPr>
+                      <m:t>1</m:t>
+                    </m:r>
+                  </m:oMath>
+                </a14:m>
+                <a:r>
+                  <a:rPr kumimoji="1" lang="ja-JP" altLang="en-US" sz="1800" dirty="0"/>
+                  <a:t> </a:t>
+                </a:r>
+                <a:r>
+                  <a:rPr kumimoji="1" lang="en-US" altLang="ja-JP" sz="1800" dirty="0"/>
+                  <a:t>(white),</a:t>
+                </a:r>
+                <a:r>
+                  <a:rPr kumimoji="1" lang="ja-JP" altLang="en-US" sz="1800" dirty="0"/>
+                  <a:t> </a:t>
+                </a:r>
+              </a:p>
+            </p:txBody>
+          </p:sp>
+        </mc:Choice>
+        <mc:Fallback>
+          <p:sp>
+            <p:nvSpPr>
+              <p:cNvPr id="27" name="テキスト ボックス 26">
+                <a:extLst>
+                  <a:ext uri="{FF2B5EF4-FFF2-40B4-BE49-F238E27FC236}">
+                    <a16:creationId xmlns:a16="http://schemas.microsoft.com/office/drawing/2014/main" id="{07E19FAF-5363-4724-A54C-17BE694D155C}"/>
+                  </a:ext>
+                </a:extLst>
+              </p:cNvPr>
+              <p:cNvSpPr txBox="1">
+                <a:spLocks noRot="1" noChangeAspect="1" noMove="1" noResize="1" noEditPoints="1" noAdjustHandles="1" noChangeArrowheads="1" noChangeShapeType="1" noTextEdit="1"/>
+              </p:cNvSpPr>
+              <p:nvPr/>
+            </p:nvSpPr>
+            <p:spPr>
+              <a:xfrm>
+                <a:off x="1074043" y="4394561"/>
+                <a:ext cx="4056447" cy="369332"/>
+              </a:xfrm>
+              <a:prstGeom prst="rect">
+                <a:avLst/>
+              </a:prstGeom>
+              <a:blipFill>
+                <a:blip r:embed="rId5"/>
+                <a:stretch>
+                  <a:fillRect l="-1201" t="-10000" b="-26667"/>
+                </a:stretch>
+              </a:blipFill>
+            </p:spPr>
+            <p:txBody>
+              <a:bodyPr/>
+              <a:lstStyle/>
+              <a:p>
+                <a:r>
+                  <a:rPr lang="ja-JP" altLang="en-US">
+                    <a:noFill/>
+                  </a:rPr>
+                  <a:t> </a:t>
+                </a:r>
+              </a:p>
+            </p:txBody>
+          </p:sp>
+        </mc:Fallback>
+      </mc:AlternateContent>
+      <mc:AlternateContent xmlns:mc="http://schemas.openxmlformats.org/markup-compatibility/2006">
+        <mc:Choice xmlns:a14="http://schemas.microsoft.com/office/drawing/2010/main" Requires="a14">
+          <p:sp>
+            <p:nvSpPr>
+              <p:cNvPr id="28" name="テキスト ボックス 27">
+                <a:extLst>
+                  <a:ext uri="{FF2B5EF4-FFF2-40B4-BE49-F238E27FC236}">
+                    <a16:creationId xmlns:a16="http://schemas.microsoft.com/office/drawing/2014/main" id="{BC70426B-4E3E-4D07-AA36-AD9F6F6C7204}"/>
+                  </a:ext>
+                </a:extLst>
+              </p:cNvPr>
+              <p:cNvSpPr txBox="1"/>
+              <p:nvPr/>
+            </p:nvSpPr>
+            <p:spPr>
+              <a:xfrm>
+                <a:off x="936667" y="7348706"/>
+                <a:ext cx="11080762" cy="1778307"/>
+              </a:xfrm>
+              <a:prstGeom prst="rect">
+                <a:avLst/>
+              </a:prstGeom>
+              <a:noFill/>
+            </p:spPr>
+            <p:txBody>
+              <a:bodyPr wrap="square" lIns="0" tIns="0" rIns="0" bIns="0" rtlCol="0">
+                <a:spAutoFit/>
+              </a:bodyPr>
+              <a:lstStyle/>
+              <a:p>
+                <a:pPr/>
+                <a14:m>
+                  <m:oMathPara xmlns:m="http://schemas.openxmlformats.org/officeDocument/2006/math">
+                    <m:oMathParaPr>
+                      <m:jc m:val="centerGroup"/>
+                    </m:oMathParaPr>
+                    <m:oMath xmlns:m="http://schemas.openxmlformats.org/officeDocument/2006/math">
+                      <m:sSub>
+                        <m:sSubPr>
+                          <m:ctrlPr>
+                            <a:rPr kumimoji="1" lang="en-US" altLang="ja-JP" sz="2400" b="0" i="1" smtClean="0">
+                              <a:latin typeface="Cambria Math" panose="02040503050406030204" pitchFamily="18" charset="0"/>
+                            </a:rPr>
+                          </m:ctrlPr>
+                        </m:sSubPr>
+                        <m:e>
+                          <m:r>
+                            <a:rPr kumimoji="1" lang="en-US" altLang="ja-JP" sz="2400" b="0" i="1" smtClean="0">
+                              <a:latin typeface="Cambria Math" panose="02040503050406030204" pitchFamily="18" charset="0"/>
+                            </a:rPr>
+                            <m:t>𝛼</m:t>
+                          </m:r>
+                        </m:e>
+                        <m:sub>
+                          <m:r>
+                            <a:rPr kumimoji="1" lang="en-US" altLang="ja-JP" sz="2400" b="0" i="1" smtClean="0">
+                              <a:latin typeface="Cambria Math" panose="02040503050406030204" pitchFamily="18" charset="0"/>
+                            </a:rPr>
+                            <m:t>𝑙𝑖𝑛𝑒𝑎𝑟</m:t>
+                          </m:r>
+                        </m:sub>
+                      </m:sSub>
+                      <m:r>
+                        <a:rPr kumimoji="1" lang="en-US" altLang="ja-JP" sz="2400" b="0" i="1" smtClean="0">
+                          <a:latin typeface="Cambria Math" panose="02040503050406030204" pitchFamily="18" charset="0"/>
+                        </a:rPr>
+                        <m:t>=</m:t>
+                      </m:r>
+                      <m:d>
+                        <m:dPr>
+                          <m:begChr m:val="{"/>
+                          <m:endChr m:val=""/>
+                          <m:ctrlPr>
+                            <a:rPr kumimoji="1" lang="en-US" altLang="ja-JP" sz="2400" b="0" i="1" smtClean="0">
+                              <a:latin typeface="Cambria Math" panose="02040503050406030204" pitchFamily="18" charset="0"/>
+                            </a:rPr>
+                          </m:ctrlPr>
+                        </m:dPr>
+                        <m:e>
+                          <m:eqArr>
+                            <m:eqArrPr>
+                              <m:ctrlPr>
+                                <a:rPr kumimoji="1" lang="en-US" altLang="ja-JP" sz="2400" b="0" i="1" smtClean="0">
+                                  <a:latin typeface="Cambria Math" panose="02040503050406030204" pitchFamily="18" charset="0"/>
+                                </a:rPr>
+                              </m:ctrlPr>
+                            </m:eqArrPr>
+                            <m:e>
+                              <m:sSub>
+                                <m:sSubPr>
+                                  <m:ctrlPr>
+                                    <a:rPr kumimoji="1" lang="en-US" altLang="ja-JP" sz="2400" i="1">
+                                      <a:latin typeface="Cambria Math" panose="02040503050406030204" pitchFamily="18" charset="0"/>
+                                    </a:rPr>
+                                  </m:ctrlPr>
+                                </m:sSubPr>
+                                <m:e>
+                                  <m:r>
+                                    <a:rPr kumimoji="1" lang="en-US" altLang="ja-JP" sz="2400" i="1">
+                                      <a:latin typeface="Cambria Math" panose="02040503050406030204" pitchFamily="18" charset="0"/>
+                                    </a:rPr>
+                                    <m:t>𝛼</m:t>
+                                  </m:r>
+                                </m:e>
+                                <m:sub>
+                                  <m:r>
+                                    <a:rPr kumimoji="1" lang="en-US" altLang="ja-JP" sz="2400" i="1">
+                                      <a:latin typeface="Cambria Math" panose="02040503050406030204" pitchFamily="18" charset="0"/>
+                                    </a:rPr>
+                                    <m:t>𝑠𝑅𝐺𝐵</m:t>
+                                  </m:r>
+                                </m:sub>
+                              </m:sSub>
+                              <m:r>
+                                <a:rPr kumimoji="1" lang="en-US" altLang="ja-JP" sz="2400" b="0" i="1" smtClean="0">
+                                  <a:latin typeface="Cambria Math" panose="02040503050406030204" pitchFamily="18" charset="0"/>
+                                </a:rPr>
+                                <m:t>,                                                                                  </m:t>
+                              </m:r>
+                              <m:sSub>
+                                <m:sSubPr>
+                                  <m:ctrlPr>
+                                    <a:rPr kumimoji="1" lang="en-US" altLang="ja-JP" sz="2400" b="0" i="1" smtClean="0">
+                                      <a:latin typeface="Cambria Math" panose="02040503050406030204" pitchFamily="18" charset="0"/>
+                                    </a:rPr>
+                                  </m:ctrlPr>
+                                </m:sSubPr>
+                                <m:e>
+                                  <m:r>
+                                    <a:rPr kumimoji="1" lang="en-US" altLang="ja-JP" sz="2400" b="0" i="1" smtClean="0">
+                                      <a:latin typeface="Cambria Math" panose="02040503050406030204" pitchFamily="18" charset="0"/>
+                                    </a:rPr>
+                                    <m:t>𝛼</m:t>
+                                  </m:r>
+                                </m:e>
+                                <m:sub>
+                                  <m:r>
+                                    <a:rPr kumimoji="1" lang="en-US" altLang="ja-JP" sz="2400" b="0" i="1" smtClean="0">
+                                      <a:latin typeface="Cambria Math" panose="02040503050406030204" pitchFamily="18" charset="0"/>
+                                    </a:rPr>
+                                    <m:t>𝑠𝑅𝐺𝐵</m:t>
+                                  </m:r>
+                                </m:sub>
+                              </m:sSub>
+                              <m:r>
+                                <a:rPr kumimoji="1" lang="en-US" altLang="ja-JP" sz="2400" b="0" i="1" smtClean="0">
+                                  <a:latin typeface="Cambria Math" panose="02040503050406030204" pitchFamily="18" charset="0"/>
+                                </a:rPr>
+                                <m:t>≤0.04050</m:t>
+                              </m:r>
+                            </m:e>
+                            <m:e/>
+                            <m:e>
+                              <m:f>
+                                <m:fPr>
+                                  <m:ctrlPr>
+                                    <a:rPr kumimoji="1" lang="en-US" altLang="ja-JP" sz="2400" i="1">
+                                      <a:latin typeface="Cambria Math" panose="02040503050406030204" pitchFamily="18" charset="0"/>
+                                    </a:rPr>
+                                  </m:ctrlPr>
+                                </m:fPr>
+                                <m:num>
+                                  <m:r>
+                                    <a:rPr kumimoji="1" lang="en-US" altLang="ja-JP" sz="2400" i="1">
+                                      <a:latin typeface="Cambria Math" panose="02040503050406030204" pitchFamily="18" charset="0"/>
+                                    </a:rPr>
+                                    <m:t>1</m:t>
+                                  </m:r>
+                                </m:num>
+                                <m:den>
+                                  <m:r>
+                                    <a:rPr kumimoji="1" lang="en-US" altLang="ja-JP" sz="2400" i="1">
+                                      <a:latin typeface="Cambria Math" panose="02040503050406030204" pitchFamily="18" charset="0"/>
+                                    </a:rPr>
+                                    <m:t>0.9991662</m:t>
+                                  </m:r>
+                                </m:den>
+                              </m:f>
+                              <m:d>
+                                <m:dPr>
+                                  <m:begChr m:val="["/>
+                                  <m:endChr m:val="]"/>
+                                  <m:ctrlPr>
+                                    <a:rPr kumimoji="1" lang="en-US" altLang="ja-JP" sz="2400" i="1">
+                                      <a:latin typeface="Cambria Math" panose="02040503050406030204" pitchFamily="18" charset="0"/>
+                                    </a:rPr>
+                                  </m:ctrlPr>
+                                </m:dPr>
+                                <m:e>
+                                  <m:sSup>
+                                    <m:sSupPr>
+                                      <m:ctrlPr>
+                                        <a:rPr kumimoji="1" lang="en-US" altLang="ja-JP" sz="2400" i="1">
+                                          <a:latin typeface="Cambria Math" panose="02040503050406030204" pitchFamily="18" charset="0"/>
+                                        </a:rPr>
+                                      </m:ctrlPr>
+                                    </m:sSupPr>
+                                    <m:e>
+                                      <m:d>
+                                        <m:dPr>
+                                          <m:ctrlPr>
+                                            <a:rPr kumimoji="1" lang="en-US" altLang="ja-JP" sz="2400" i="1">
+                                              <a:latin typeface="Cambria Math" panose="02040503050406030204" pitchFamily="18" charset="0"/>
+                                            </a:rPr>
+                                          </m:ctrlPr>
+                                        </m:dPr>
+                                        <m:e>
+                                          <m:f>
+                                            <m:fPr>
+                                              <m:ctrlPr>
+                                                <a:rPr kumimoji="1" lang="en-US" altLang="ja-JP" sz="2400" i="1">
+                                                  <a:latin typeface="Cambria Math" panose="02040503050406030204" pitchFamily="18" charset="0"/>
+                                                </a:rPr>
+                                              </m:ctrlPr>
+                                            </m:fPr>
+                                            <m:num>
+                                              <m:r>
+                                                <a:rPr kumimoji="1" lang="en-US" altLang="ja-JP" sz="2400" i="1">
+                                                  <a:latin typeface="Cambria Math" panose="02040503050406030204" pitchFamily="18" charset="0"/>
+                                                </a:rPr>
+                                                <m:t> </m:t>
+                                              </m:r>
+                                              <m:sSub>
+                                                <m:sSubPr>
+                                                  <m:ctrlPr>
+                                                    <a:rPr kumimoji="1" lang="en-US" altLang="ja-JP" sz="2400" i="1">
+                                                      <a:latin typeface="Cambria Math" panose="02040503050406030204" pitchFamily="18" charset="0"/>
+                                                    </a:rPr>
+                                                  </m:ctrlPr>
+                                                </m:sSubPr>
+                                                <m:e>
+                                                  <m:r>
+                                                    <a:rPr kumimoji="1" lang="en-US" altLang="ja-JP" sz="2400" i="1">
+                                                      <a:latin typeface="Cambria Math" panose="02040503050406030204" pitchFamily="18" charset="0"/>
+                                                    </a:rPr>
+                                                    <m:t>𝛼</m:t>
+                                                  </m:r>
+                                                </m:e>
+                                                <m:sub>
+                                                  <m:r>
+                                                    <a:rPr kumimoji="1" lang="en-US" altLang="ja-JP" sz="2400" i="1">
+                                                      <a:latin typeface="Cambria Math" panose="02040503050406030204" pitchFamily="18" charset="0"/>
+                                                    </a:rPr>
+                                                    <m:t>𝑠𝑅𝐺𝐵</m:t>
+                                                  </m:r>
+                                                </m:sub>
+                                              </m:sSub>
+                                              <m:r>
+                                                <a:rPr kumimoji="1" lang="en-US" altLang="ja-JP" sz="2400" i="1">
+                                                  <a:latin typeface="Cambria Math" panose="02040503050406030204" pitchFamily="18" charset="0"/>
+                                                </a:rPr>
+                                                <m:t>+0.055</m:t>
+                                              </m:r>
+                                            </m:num>
+                                            <m:den>
+                                              <m:r>
+                                                <a:rPr kumimoji="1" lang="en-US" altLang="ja-JP" sz="2400" i="1">
+                                                  <a:latin typeface="Cambria Math" panose="02040503050406030204" pitchFamily="18" charset="0"/>
+                                                </a:rPr>
+                                                <m:t>1.055</m:t>
+                                              </m:r>
+                                            </m:den>
+                                          </m:f>
+                                        </m:e>
+                                      </m:d>
+                                    </m:e>
+                                    <m:sup>
+                                      <m:r>
+                                        <a:rPr kumimoji="1" lang="en-US" altLang="ja-JP" sz="2400" i="1">
+                                          <a:latin typeface="Cambria Math" panose="02040503050406030204" pitchFamily="18" charset="0"/>
+                                        </a:rPr>
+                                        <m:t>2.4</m:t>
+                                      </m:r>
+                                    </m:sup>
+                                  </m:sSup>
+                                  <m:r>
+                                    <a:rPr kumimoji="1" lang="en-US" altLang="ja-JP" sz="2400" i="1">
+                                      <a:latin typeface="Cambria Math" panose="02040503050406030204" pitchFamily="18" charset="0"/>
+                                    </a:rPr>
+                                    <m:t>−0.0008338</m:t>
+                                  </m:r>
+                                </m:e>
+                              </m:d>
+                              <m:r>
+                                <a:rPr kumimoji="1" lang="en-US" altLang="ja-JP" sz="2400" b="0" i="1" smtClean="0">
+                                  <a:latin typeface="Cambria Math" panose="02040503050406030204" pitchFamily="18" charset="0"/>
+                                </a:rPr>
+                                <m:t>,  </m:t>
+                              </m:r>
+                              <m:sSub>
+                                <m:sSubPr>
+                                  <m:ctrlPr>
+                                    <a:rPr kumimoji="1" lang="en-US" altLang="ja-JP" sz="2400" i="1">
+                                      <a:latin typeface="Cambria Math" panose="02040503050406030204" pitchFamily="18" charset="0"/>
+                                    </a:rPr>
+                                  </m:ctrlPr>
+                                </m:sSubPr>
+                                <m:e>
+                                  <m:r>
+                                    <a:rPr kumimoji="1" lang="en-US" altLang="ja-JP" sz="2400" i="1">
+                                      <a:latin typeface="Cambria Math" panose="02040503050406030204" pitchFamily="18" charset="0"/>
+                                    </a:rPr>
+                                    <m:t>𝛼</m:t>
+                                  </m:r>
+                                </m:e>
+                                <m:sub>
+                                  <m:r>
+                                    <a:rPr kumimoji="1" lang="en-US" altLang="ja-JP" sz="2400" i="1">
+                                      <a:latin typeface="Cambria Math" panose="02040503050406030204" pitchFamily="18" charset="0"/>
+                                    </a:rPr>
+                                    <m:t>𝑠𝑅𝐺𝐵</m:t>
+                                  </m:r>
+                                </m:sub>
+                              </m:sSub>
+                              <m:r>
+                                <a:rPr kumimoji="1" lang="en-US" altLang="ja-JP" sz="2400" b="0" i="1" smtClean="0">
+                                  <a:latin typeface="Cambria Math" panose="02040503050406030204" pitchFamily="18" charset="0"/>
+                                </a:rPr>
+                                <m:t>&gt;0.04050</m:t>
+                              </m:r>
+                            </m:e>
+                          </m:eqArr>
+                        </m:e>
+                      </m:d>
+                    </m:oMath>
+                  </m:oMathPara>
+                </a14:m>
+                <a:endParaRPr kumimoji="1" lang="ja-JP" altLang="en-US" sz="2400" dirty="0"/>
+              </a:p>
+            </p:txBody>
+          </p:sp>
+        </mc:Choice>
+        <mc:Fallback>
+          <p:sp>
+            <p:nvSpPr>
+              <p:cNvPr id="28" name="テキスト ボックス 27">
+                <a:extLst>
+                  <a:ext uri="{FF2B5EF4-FFF2-40B4-BE49-F238E27FC236}">
+                    <a16:creationId xmlns:a16="http://schemas.microsoft.com/office/drawing/2014/main" id="{BC70426B-4E3E-4D07-AA36-AD9F6F6C7204}"/>
+                  </a:ext>
+                </a:extLst>
+              </p:cNvPr>
+              <p:cNvSpPr txBox="1">
+                <a:spLocks noRot="1" noChangeAspect="1" noMove="1" noResize="1" noEditPoints="1" noAdjustHandles="1" noChangeArrowheads="1" noChangeShapeType="1" noTextEdit="1"/>
+              </p:cNvSpPr>
+              <p:nvPr/>
+            </p:nvSpPr>
+            <p:spPr>
+              <a:xfrm>
+                <a:off x="936667" y="7348706"/>
+                <a:ext cx="11080762" cy="1778307"/>
+              </a:xfrm>
+              <a:prstGeom prst="rect">
+                <a:avLst/>
+              </a:prstGeom>
+              <a:blipFill>
+                <a:blip r:embed="rId6"/>
+                <a:stretch>
+                  <a:fillRect/>
+                </a:stretch>
+              </a:blipFill>
+            </p:spPr>
+            <p:txBody>
+              <a:bodyPr/>
+              <a:lstStyle/>
+              <a:p>
+                <a:r>
+                  <a:rPr lang="ja-JP" altLang="en-US">
+                    <a:noFill/>
+                  </a:rPr>
+                  <a:t> </a:t>
+                </a:r>
+              </a:p>
+            </p:txBody>
+          </p:sp>
+        </mc:Fallback>
+      </mc:AlternateContent>
+      <mc:AlternateContent xmlns:mc="http://schemas.openxmlformats.org/markup-compatibility/2006">
+        <mc:Choice xmlns:a14="http://schemas.microsoft.com/office/drawing/2010/main" Requires="a14">
+          <p:sp>
+            <p:nvSpPr>
+              <p:cNvPr id="29" name="テキスト ボックス 28">
+                <a:extLst>
+                  <a:ext uri="{FF2B5EF4-FFF2-40B4-BE49-F238E27FC236}">
+                    <a16:creationId xmlns:a16="http://schemas.microsoft.com/office/drawing/2014/main" id="{BEA14A95-5270-45D1-821D-CE6158830F19}"/>
+                  </a:ext>
+                </a:extLst>
+              </p:cNvPr>
+              <p:cNvSpPr txBox="1"/>
+              <p:nvPr/>
+            </p:nvSpPr>
+            <p:spPr>
+              <a:xfrm>
+                <a:off x="1074043" y="6930020"/>
+                <a:ext cx="3918651" cy="369332"/>
+              </a:xfrm>
+              <a:prstGeom prst="rect">
+                <a:avLst/>
+              </a:prstGeom>
+              <a:noFill/>
+            </p:spPr>
+            <p:txBody>
+              <a:bodyPr wrap="square">
+                <a:spAutoFit/>
+              </a:bodyPr>
+              <a:lstStyle/>
+              <a:p>
+                <a:r>
+                  <a:rPr kumimoji="1" lang="en-US" altLang="ja-JP" dirty="0"/>
+                  <a:t>If</a:t>
+                </a:r>
+                <a:r>
+                  <a:rPr kumimoji="1" lang="en-US" altLang="ja-JP" sz="1800" dirty="0"/>
+                  <a:t> </a:t>
+                </a:r>
+                <a14:m>
+                  <m:oMath xmlns:m="http://schemas.openxmlformats.org/officeDocument/2006/math">
+                    <m:sSub>
+                      <m:sSubPr>
+                        <m:ctrlPr>
+                          <a:rPr kumimoji="1" lang="en-US" altLang="ja-JP" sz="1800" b="0" i="1" smtClean="0">
+                            <a:latin typeface="Cambria Math" panose="02040503050406030204" pitchFamily="18" charset="0"/>
+                          </a:rPr>
+                        </m:ctrlPr>
+                      </m:sSubPr>
+                      <m:e>
+                        <m:r>
+                          <a:rPr kumimoji="1" lang="en-US" altLang="ja-JP" sz="1800" b="0" i="1" smtClean="0">
+                            <a:latin typeface="Cambria Math" panose="02040503050406030204" pitchFamily="18" charset="0"/>
+                          </a:rPr>
+                          <m:t>𝐶</m:t>
+                        </m:r>
+                      </m:e>
+                      <m:sub>
+                        <m:r>
+                          <a:rPr kumimoji="1" lang="en-US" altLang="ja-JP" sz="1800" b="0" i="1" smtClean="0">
+                            <a:latin typeface="Cambria Math" panose="02040503050406030204" pitchFamily="18" charset="0"/>
+                          </a:rPr>
+                          <m:t>𝐹</m:t>
+                        </m:r>
+                      </m:sub>
+                    </m:sSub>
+                    <m:r>
+                      <a:rPr kumimoji="1" lang="en-US" altLang="ja-JP" sz="1800" b="0" i="1" smtClean="0">
+                        <a:latin typeface="Cambria Math" panose="02040503050406030204" pitchFamily="18" charset="0"/>
+                      </a:rPr>
+                      <m:t>=1</m:t>
+                    </m:r>
+                  </m:oMath>
+                </a14:m>
+                <a:r>
+                  <a:rPr kumimoji="1" lang="ja-JP" altLang="en-US" sz="1800" dirty="0"/>
+                  <a:t> </a:t>
+                </a:r>
+                <a:r>
+                  <a:rPr kumimoji="1" lang="en-US" altLang="ja-JP" sz="1800" dirty="0"/>
+                  <a:t>(white) and </a:t>
+                </a:r>
+                <a14:m>
+                  <m:oMath xmlns:m="http://schemas.openxmlformats.org/officeDocument/2006/math">
+                    <m:sSub>
+                      <m:sSubPr>
+                        <m:ctrlPr>
+                          <a:rPr kumimoji="1" lang="en-US" altLang="ja-JP" sz="1800" i="1">
+                            <a:latin typeface="Cambria Math" panose="02040503050406030204" pitchFamily="18" charset="0"/>
+                          </a:rPr>
+                        </m:ctrlPr>
+                      </m:sSubPr>
+                      <m:e>
+                        <m:r>
+                          <a:rPr kumimoji="1" lang="en-US" altLang="ja-JP" sz="1800" i="1">
+                            <a:latin typeface="Cambria Math" panose="02040503050406030204" pitchFamily="18" charset="0"/>
+                          </a:rPr>
+                          <m:t>𝐶</m:t>
+                        </m:r>
+                      </m:e>
+                      <m:sub>
+                        <m:r>
+                          <a:rPr kumimoji="1" lang="en-US" altLang="ja-JP" sz="1800" b="0" i="1" smtClean="0">
+                            <a:latin typeface="Cambria Math" panose="02040503050406030204" pitchFamily="18" charset="0"/>
+                          </a:rPr>
+                          <m:t>𝐵</m:t>
+                        </m:r>
+                      </m:sub>
+                    </m:sSub>
+                    <m:r>
+                      <a:rPr kumimoji="1" lang="en-US" altLang="ja-JP" sz="1800" i="1">
+                        <a:latin typeface="Cambria Math" panose="02040503050406030204" pitchFamily="18" charset="0"/>
+                      </a:rPr>
+                      <m:t>=</m:t>
+                    </m:r>
+                    <m:r>
+                      <a:rPr kumimoji="1" lang="en-US" altLang="ja-JP" sz="1800" b="0" i="1" smtClean="0">
+                        <a:latin typeface="Cambria Math" panose="02040503050406030204" pitchFamily="18" charset="0"/>
+                      </a:rPr>
+                      <m:t>0</m:t>
+                    </m:r>
+                  </m:oMath>
+                </a14:m>
+                <a:r>
+                  <a:rPr kumimoji="1" lang="ja-JP" altLang="en-US" sz="1800" dirty="0"/>
+                  <a:t> </a:t>
+                </a:r>
+                <a:r>
+                  <a:rPr kumimoji="1" lang="en-US" altLang="ja-JP" sz="1800" dirty="0"/>
+                  <a:t>(black),</a:t>
+                </a:r>
+                <a:r>
+                  <a:rPr kumimoji="1" lang="ja-JP" altLang="en-US" sz="1800" dirty="0"/>
+                  <a:t> </a:t>
+                </a:r>
+              </a:p>
+            </p:txBody>
+          </p:sp>
+        </mc:Choice>
+        <mc:Fallback>
+          <p:sp>
+            <p:nvSpPr>
+              <p:cNvPr id="29" name="テキスト ボックス 28">
+                <a:extLst>
+                  <a:ext uri="{FF2B5EF4-FFF2-40B4-BE49-F238E27FC236}">
+                    <a16:creationId xmlns:a16="http://schemas.microsoft.com/office/drawing/2014/main" id="{BEA14A95-5270-45D1-821D-CE6158830F19}"/>
+                  </a:ext>
+                </a:extLst>
+              </p:cNvPr>
+              <p:cNvSpPr txBox="1">
+                <a:spLocks noRot="1" noChangeAspect="1" noMove="1" noResize="1" noEditPoints="1" noAdjustHandles="1" noChangeArrowheads="1" noChangeShapeType="1" noTextEdit="1"/>
+              </p:cNvSpPr>
+              <p:nvPr/>
+            </p:nvSpPr>
+            <p:spPr>
+              <a:xfrm>
+                <a:off x="1074043" y="6930020"/>
+                <a:ext cx="3918651" cy="369332"/>
+              </a:xfrm>
+              <a:prstGeom prst="rect">
+                <a:avLst/>
+              </a:prstGeom>
+              <a:blipFill>
+                <a:blip r:embed="rId7"/>
+                <a:stretch>
+                  <a:fillRect l="-1244" t="-10000" b="-26667"/>
+                </a:stretch>
+              </a:blipFill>
+            </p:spPr>
+            <p:txBody>
+              <a:bodyPr/>
+              <a:lstStyle/>
+              <a:p>
+                <a:r>
+                  <a:rPr lang="ja-JP" altLang="en-US">
+                    <a:noFill/>
+                  </a:rPr>
+                  <a:t> </a:t>
+                </a:r>
+              </a:p>
+            </p:txBody>
+          </p:sp>
+        </mc:Fallback>
+      </mc:AlternateContent>
+    </p:spTree>
+    <p:extLst>
+      <p:ext uri="{BB962C8B-B14F-4D97-AF65-F5344CB8AC3E}">
+        <p14:creationId xmlns:p14="http://schemas.microsoft.com/office/powerpoint/2010/main" val="3848612130"/>
+      </p:ext>
+    </p:extLst>
+  </p:cSld>
+  <p:clrMapOvr>
+    <a:masterClrMapping/>
+  </p:clrMapOvr>
+</p:sld>
+</file>
+
+<file path=ppt/slides/slide12.xml><?xml version="1.0" encoding="utf-8"?>
+<p:sld xmlns:a="http://schemas.openxmlformats.org/drawingml/2006/main" xmlns:r="http://schemas.openxmlformats.org/officeDocument/2006/relationships" xmlns:p="http://schemas.openxmlformats.org/presentationml/2006/main">
+  <p:cSld>
+    <p:spTree>
+      <p:nvGrpSpPr>
+        <p:cNvPr id="1" name=""/>
+        <p:cNvGrpSpPr/>
+        <p:nvPr/>
+      </p:nvGrpSpPr>
+      <p:grpSpPr>
+        <a:xfrm>
+          <a:off x="0" y="0"/>
+          <a:ext cx="0" cy="0"/>
+          <a:chOff x="0" y="0"/>
+          <a:chExt cx="0" cy="0"/>
+        </a:xfrm>
+      </p:grpSpPr>
+      <p:sp>
+        <p:nvSpPr>
           <p:cNvPr id="2" name="スライド番号プレースホルダー 1">
             <a:extLst>
               <a:ext uri="{FF2B5EF4-FFF2-40B4-BE49-F238E27FC236}">
@@ -6165,14 +8710,19 @@
             <p:ph type="sldNum" sz="quarter" idx="12"/>
           </p:nvPr>
         </p:nvSpPr>
-        <p:spPr/>
+        <p:spPr>
+          <a:xfrm>
+            <a:off x="880110" y="8898892"/>
+            <a:ext cx="2880360" cy="511175"/>
+          </a:xfrm>
+        </p:spPr>
         <p:txBody>
           <a:bodyPr/>
           <a:lstStyle/>
           <a:p>
             <a:fld id="{57F36285-9264-459D-9324-A1F3C8FDE78E}" type="slidenum">
               <a:rPr kumimoji="1" lang="ja-JP" altLang="en-US" smtClean="0"/>
-              <a:t>11</a:t>
+              <a:t>12</a:t>
             </a:fld>
             <a:endParaRPr kumimoji="1" lang="ja-JP" altLang="en-US"/>
           </a:p>
@@ -6949,10 +9499,10 @@
       </p:sp>
       <p:sp>
         <p:nvSpPr>
-          <p:cNvPr id="2" name="スライド番号プレースホルダー 1">
+          <p:cNvPr id="3" name="スライド番号プレースホルダー 2">
             <a:extLst>
               <a:ext uri="{FF2B5EF4-FFF2-40B4-BE49-F238E27FC236}">
-                <a16:creationId xmlns:a16="http://schemas.microsoft.com/office/drawing/2014/main" id="{B12A7686-7A6B-4436-946A-3AB28CB8F8C9}"/>
+                <a16:creationId xmlns:a16="http://schemas.microsoft.com/office/drawing/2014/main" id="{58335B97-1E41-4516-8A0F-7396A42F68B3}"/>
               </a:ext>
             </a:extLst>
           </p:cNvPr>
@@ -9245,10 +11795,10 @@
       </p:sp>
       <p:sp>
         <p:nvSpPr>
-          <p:cNvPr id="7" name="スライド番号プレースホルダー 6">
+          <p:cNvPr id="8" name="スライド番号プレースホルダー 7">
             <a:extLst>
               <a:ext uri="{FF2B5EF4-FFF2-40B4-BE49-F238E27FC236}">
-                <a16:creationId xmlns:a16="http://schemas.microsoft.com/office/drawing/2014/main" id="{C675AB73-2CAC-4007-9ED5-F242E9179696}"/>
+                <a16:creationId xmlns:a16="http://schemas.microsoft.com/office/drawing/2014/main" id="{F85538AF-7B28-47FC-B503-F07D1E587A1E}"/>
               </a:ext>
             </a:extLst>
           </p:cNvPr>
@@ -11755,10 +14305,10 @@
       </mc:AlternateContent>
       <p:sp>
         <p:nvSpPr>
-          <p:cNvPr id="2" name="スライド番号プレースホルダー 1">
+          <p:cNvPr id="3" name="スライド番号プレースホルダー 2">
             <a:extLst>
               <a:ext uri="{FF2B5EF4-FFF2-40B4-BE49-F238E27FC236}">
-                <a16:creationId xmlns:a16="http://schemas.microsoft.com/office/drawing/2014/main" id="{207E202B-B3FE-4471-B527-795EA1FFAA51}"/>
+                <a16:creationId xmlns:a16="http://schemas.microsoft.com/office/drawing/2014/main" id="{5D9C8B65-D26F-4F91-B186-549676207042}"/>
               </a:ext>
             </a:extLst>
           </p:cNvPr>
@@ -13724,10 +16274,10 @@
       </mc:AlternateContent>
       <p:sp>
         <p:nvSpPr>
-          <p:cNvPr id="2" name="スライド番号プレースホルダー 1">
+          <p:cNvPr id="3" name="スライド番号プレースホルダー 2">
             <a:extLst>
               <a:ext uri="{FF2B5EF4-FFF2-40B4-BE49-F238E27FC236}">
-                <a16:creationId xmlns:a16="http://schemas.microsoft.com/office/drawing/2014/main" id="{9187EF20-6111-45E5-84DF-9328EA2AE557}"/>
+                <a16:creationId xmlns:a16="http://schemas.microsoft.com/office/drawing/2014/main" id="{4DB3FB7D-7160-49AA-9DD7-5C4532EACC9C}"/>
               </a:ext>
             </a:extLst>
           </p:cNvPr>
@@ -15872,10 +18422,10 @@
       </mc:AlternateContent>
       <p:sp>
         <p:nvSpPr>
-          <p:cNvPr id="3" name="スライド番号プレースホルダー 2">
+          <p:cNvPr id="4" name="スライド番号プレースホルダー 3">
             <a:extLst>
               <a:ext uri="{FF2B5EF4-FFF2-40B4-BE49-F238E27FC236}">
-                <a16:creationId xmlns:a16="http://schemas.microsoft.com/office/drawing/2014/main" id="{0E2B5B2A-F561-4575-934A-BCDD43CC0D59}"/>
+                <a16:creationId xmlns:a16="http://schemas.microsoft.com/office/drawing/2014/main" id="{F1DAB95E-150D-4C86-B70D-D2A65A87F3B6}"/>
               </a:ext>
             </a:extLst>
           </p:cNvPr>
@@ -16711,10 +19261,10 @@
       </p:sp>
       <p:sp>
         <p:nvSpPr>
-          <p:cNvPr id="2" name="スライド番号プレースホルダー 1">
+          <p:cNvPr id="3" name="スライド番号プレースホルダー 2">
             <a:extLst>
               <a:ext uri="{FF2B5EF4-FFF2-40B4-BE49-F238E27FC236}">
-                <a16:creationId xmlns:a16="http://schemas.microsoft.com/office/drawing/2014/main" id="{160C16D7-5378-464F-820A-45DF225128A7}"/>
+                <a16:creationId xmlns:a16="http://schemas.microsoft.com/office/drawing/2014/main" id="{ADED952E-53D5-47EF-AD05-000BE511243A}"/>
               </a:ext>
             </a:extLst>
           </p:cNvPr>
@@ -17172,8 +19722,8 @@
           </a:p>
         </p:txBody>
       </p:sp>
-      <mc:AlternateContent xmlns:mc="http://schemas.openxmlformats.org/markup-compatibility/2006" xmlns:a14="http://schemas.microsoft.com/office/drawing/2010/main">
-        <mc:Choice Requires="a14">
+      <mc:AlternateContent xmlns:mc="http://schemas.openxmlformats.org/markup-compatibility/2006">
+        <mc:Choice xmlns:a14="http://schemas.microsoft.com/office/drawing/2010/main" Requires="a14">
           <p:sp>
             <p:nvSpPr>
               <p:cNvPr id="16" name="テキスト ボックス 15">
@@ -17204,7 +19754,7 @@
               <a:p>
                 <a:r>
                   <a:rPr kumimoji="1" lang="en-US" altLang="ja-JP" sz="1800" dirty="0"/>
-                  <a:t> for </a:t>
+                  <a:t> when </a:t>
                 </a:r>
                 <a14:m>
                   <m:oMath xmlns:m="http://schemas.openxmlformats.org/officeDocument/2006/math">
@@ -17306,7 +19856,7 @@
             </p:txBody>
           </p:sp>
         </mc:Choice>
-        <mc:Fallback xmlns="">
+        <mc:Fallback>
           <p:sp>
             <p:nvSpPr>
               <p:cNvPr id="16" name="テキスト ボックス 15">
@@ -17332,7 +19882,7 @@
               <a:blipFill>
                 <a:blip r:embed="rId4"/>
                 <a:stretch>
-                  <a:fillRect t="-8197" b="-24590"/>
+                  <a:fillRect t="-8197" r="-658" b="-24590"/>
                 </a:stretch>
               </a:blipFill>
             </p:spPr>
@@ -17505,8 +20055,8 @@
           </p:sp>
         </mc:Fallback>
       </mc:AlternateContent>
-      <mc:AlternateContent xmlns:mc="http://schemas.openxmlformats.org/markup-compatibility/2006" xmlns:a14="http://schemas.microsoft.com/office/drawing/2010/main">
-        <mc:Choice Requires="a14">
+      <mc:AlternateContent xmlns:mc="http://schemas.openxmlformats.org/markup-compatibility/2006">
+        <mc:Choice xmlns:a14="http://schemas.microsoft.com/office/drawing/2010/main" Requires="a14">
           <p:sp>
             <p:nvSpPr>
               <p:cNvPr id="18" name="テキスト ボックス 17">
@@ -17521,7 +20071,7 @@
             </p:nvSpPr>
             <p:spPr>
               <a:xfrm>
-                <a:off x="6925701" y="7307457"/>
+                <a:off x="7012787" y="7304487"/>
                 <a:ext cx="3704656" cy="369332"/>
               </a:xfrm>
               <a:prstGeom prst="rect">
@@ -17537,7 +20087,7 @@
               <a:p>
                 <a:r>
                   <a:rPr kumimoji="1" lang="en-US" altLang="ja-JP" sz="1800" dirty="0"/>
-                  <a:t> for </a:t>
+                  <a:t>when </a:t>
                 </a:r>
                 <a14:m>
                   <m:oMath xmlns:m="http://schemas.openxmlformats.org/officeDocument/2006/math">
@@ -17639,7 +20189,7 @@
             </p:txBody>
           </p:sp>
         </mc:Choice>
-        <mc:Fallback xmlns="">
+        <mc:Fallback>
           <p:sp>
             <p:nvSpPr>
               <p:cNvPr id="18" name="テキスト ボックス 17">
@@ -17656,7 +20206,7 @@
             </p:nvSpPr>
             <p:spPr>
               <a:xfrm>
-                <a:off x="6925701" y="7307457"/>
+                <a:off x="7012787" y="7304487"/>
                 <a:ext cx="3704656" cy="369332"/>
               </a:xfrm>
               <a:prstGeom prst="rect">
@@ -17665,7 +20215,7 @@
               <a:blipFill>
                 <a:blip r:embed="rId6"/>
                 <a:stretch>
-                  <a:fillRect t="-10000" b="-26667"/>
+                  <a:fillRect l="-1316" t="-8197" b="-24590"/>
                 </a:stretch>
               </a:blipFill>
             </p:spPr>
@@ -18779,35 +21329,6 @@
       </mc:AlternateContent>
       <p:sp>
         <p:nvSpPr>
-          <p:cNvPr id="2" name="スライド番号プレースホルダー 1">
-            <a:extLst>
-              <a:ext uri="{FF2B5EF4-FFF2-40B4-BE49-F238E27FC236}">
-                <a16:creationId xmlns:a16="http://schemas.microsoft.com/office/drawing/2014/main" id="{26D2439C-EAE1-45F3-9D68-75367852A56F}"/>
-              </a:ext>
-            </a:extLst>
-          </p:cNvPr>
-          <p:cNvSpPr>
-            <a:spLocks noGrp="1"/>
-          </p:cNvSpPr>
-          <p:nvPr>
-            <p:ph type="sldNum" sz="quarter" idx="12"/>
-          </p:nvPr>
-        </p:nvSpPr>
-        <p:spPr/>
-        <p:txBody>
-          <a:bodyPr/>
-          <a:lstStyle/>
-          <a:p>
-            <a:fld id="{57F36285-9264-459D-9324-A1F3C8FDE78E}" type="slidenum">
-              <a:rPr kumimoji="1" lang="ja-JP" altLang="en-US" smtClean="0"/>
-              <a:t>8</a:t>
-            </a:fld>
-            <a:endParaRPr kumimoji="1" lang="ja-JP" altLang="en-US"/>
-          </a:p>
-        </p:txBody>
-      </p:sp>
-      <p:sp>
-        <p:nvSpPr>
           <p:cNvPr id="13" name="正方形/長方形 12">
             <a:extLst>
               <a:ext uri="{FF2B5EF4-FFF2-40B4-BE49-F238E27FC236}">
@@ -18854,6 +21375,35 @@
           <a:lstStyle/>
           <a:p>
             <a:pPr algn="ctr"/>
+            <a:endParaRPr kumimoji="1" lang="ja-JP" altLang="en-US"/>
+          </a:p>
+        </p:txBody>
+      </p:sp>
+      <p:sp>
+        <p:nvSpPr>
+          <p:cNvPr id="4" name="スライド番号プレースホルダー 3">
+            <a:extLst>
+              <a:ext uri="{FF2B5EF4-FFF2-40B4-BE49-F238E27FC236}">
+                <a16:creationId xmlns:a16="http://schemas.microsoft.com/office/drawing/2014/main" id="{7027B4C5-314D-4D2A-B8B4-4F5AFBFC53C5}"/>
+              </a:ext>
+            </a:extLst>
+          </p:cNvPr>
+          <p:cNvSpPr>
+            <a:spLocks noGrp="1"/>
+          </p:cNvSpPr>
+          <p:nvPr>
+            <p:ph type="sldNum" sz="quarter" idx="12"/>
+          </p:nvPr>
+        </p:nvSpPr>
+        <p:spPr/>
+        <p:txBody>
+          <a:bodyPr/>
+          <a:lstStyle/>
+          <a:p>
+            <a:fld id="{57F36285-9264-459D-9324-A1F3C8FDE78E}" type="slidenum">
+              <a:rPr kumimoji="1" lang="ja-JP" altLang="en-US" smtClean="0"/>
+              <a:t>8</a:t>
+            </a:fld>
             <a:endParaRPr kumimoji="1" lang="ja-JP" altLang="en-US"/>
           </a:p>
         </p:txBody>
@@ -20691,10 +23241,10 @@
       </mc:AlternateContent>
       <p:sp>
         <p:nvSpPr>
-          <p:cNvPr id="2" name="スライド番号プレースホルダー 1">
+          <p:cNvPr id="4" name="スライド番号プレースホルダー 3">
             <a:extLst>
               <a:ext uri="{FF2B5EF4-FFF2-40B4-BE49-F238E27FC236}">
-                <a16:creationId xmlns:a16="http://schemas.microsoft.com/office/drawing/2014/main" id="{154B2AD0-AD46-4042-ABF6-5594BC16B327}"/>
+                <a16:creationId xmlns:a16="http://schemas.microsoft.com/office/drawing/2014/main" id="{AF3BE951-5A8C-4057-93F7-EB84E5B9149D}"/>
               </a:ext>
             </a:extLst>
           </p:cNvPr>

--- a/Assets/TransparencyConverter/Documentation~/TransparencyConverter.pptx
+++ b/Assets/TransparencyConverter/Documentation~/TransparencyConverter.pptx
@@ -3863,26 +3863,35 @@
           <a:lstStyle/>
           <a:p>
             <a:r>
-              <a:rPr kumimoji="1" lang="en-US" altLang="ja-JP" sz="6000" dirty="0">
+              <a:rPr kumimoji="1" lang="en-US" altLang="ja-JP" sz="4800" dirty="0">
                 <a:latin typeface="+mn-ea"/>
-                <a:ea typeface="+mn-ea"/>
               </a:rPr>
-              <a:t>Derivation of formula </a:t>
+              <a:t>Transparency conversion </a:t>
             </a:r>
             <a:br>
-              <a:rPr kumimoji="1" lang="en-US" altLang="ja-JP" sz="6000" dirty="0">
+              <a:rPr kumimoji="1" lang="en-US" altLang="ja-JP" sz="4800" dirty="0">
                 <a:latin typeface="+mn-ea"/>
-                <a:ea typeface="+mn-ea"/>
               </a:rPr>
             </a:br>
             <a:r>
-              <a:rPr kumimoji="1" lang="en-US" altLang="ja-JP" sz="6000" dirty="0">
+              <a:rPr kumimoji="1" lang="en-US" altLang="ja-JP" sz="4800" dirty="0">
                 <a:latin typeface="+mn-ea"/>
-                <a:ea typeface="+mn-ea"/>
               </a:rPr>
-              <a:t>for transparency converter</a:t>
+              <a:t>from sRGB to </a:t>
             </a:r>
-            <a:endParaRPr kumimoji="1" lang="ja-JP" altLang="en-US" sz="6000" dirty="0">
+            <a:r>
+              <a:rPr lang="en-US" altLang="ja-JP" sz="4800" dirty="0">
+                <a:latin typeface="+mn-ea"/>
+              </a:rPr>
+              <a:t>L</a:t>
+            </a:r>
+            <a:r>
+              <a:rPr kumimoji="1" lang="en-US" altLang="ja-JP" sz="4800" dirty="0">
+                <a:latin typeface="+mn-ea"/>
+              </a:rPr>
+              <a:t>inear color space</a:t>
+            </a:r>
+            <a:endParaRPr kumimoji="1" lang="ja-JP" altLang="en-US" sz="4800" dirty="0">
               <a:latin typeface="+mn-ea"/>
               <a:ea typeface="+mn-ea"/>
             </a:endParaRPr>
@@ -3997,8 +4006,8 @@
           <a:chExt cx="0" cy="0"/>
         </a:xfrm>
       </p:grpSpPr>
-      <mc:AlternateContent xmlns:mc="http://schemas.openxmlformats.org/markup-compatibility/2006">
-        <mc:Choice xmlns:a14="http://schemas.microsoft.com/office/drawing/2010/main" Requires="a14">
+      <mc:AlternateContent xmlns:mc="http://schemas.openxmlformats.org/markup-compatibility/2006" xmlns:a14="http://schemas.microsoft.com/office/drawing/2010/main">
+        <mc:Choice Requires="a14">
           <p:sp>
             <p:nvSpPr>
               <p:cNvPr id="11" name="テキスト ボックス 10">
@@ -4014,7 +4023,7 @@
             <p:spPr>
               <a:xfrm>
                 <a:off x="1198752" y="4841695"/>
-                <a:ext cx="10980649" cy="2055563"/>
+                <a:ext cx="10980649" cy="1243995"/>
               </a:xfrm>
               <a:prstGeom prst="rect">
                 <a:avLst/>
@@ -4065,333 +4074,189 @@
                         </a:rPr>
                         <m:t>=</m:t>
                       </m:r>
-                      <m:d>
-                        <m:dPr>
-                          <m:begChr m:val="{"/>
-                          <m:endChr m:val=""/>
+                      <m:f>
+                        <m:fPr>
                           <m:ctrlPr>
-                            <a:rPr kumimoji="1" lang="en-US" altLang="ja-JP" sz="2400" b="0" i="1" smtClean="0">
+                            <a:rPr kumimoji="1" lang="en-US" altLang="ja-JP" sz="2400" i="1">
                               <a:latin typeface="Cambria Math" panose="02040503050406030204" pitchFamily="18" charset="0"/>
                             </a:rPr>
                           </m:ctrlPr>
-                        </m:dPr>
-                        <m:e>
-                          <m:eqArr>
-                            <m:eqArrPr>
+                        </m:fPr>
+                        <m:num>
+                          <m:r>
+                            <a:rPr kumimoji="1" lang="en-US" altLang="ja-JP" sz="2400" i="1">
+                              <a:latin typeface="Cambria Math" panose="02040503050406030204" pitchFamily="18" charset="0"/>
+                            </a:rPr>
+                            <m:t>1</m:t>
+                          </m:r>
+                        </m:num>
+                        <m:den>
+                          <m:r>
+                            <a:rPr kumimoji="1" lang="en-US" altLang="ja-JP" sz="2400" i="1">
+                              <a:latin typeface="Cambria Math" panose="02040503050406030204" pitchFamily="18" charset="0"/>
+                            </a:rPr>
+                            <m:t>1−</m:t>
+                          </m:r>
+                          <m:sSup>
+                            <m:sSupPr>
                               <m:ctrlPr>
-                                <a:rPr kumimoji="1" lang="en-US" altLang="ja-JP" sz="2400" b="0" i="1" smtClean="0">
+                                <a:rPr kumimoji="1" lang="en-US" altLang="ja-JP" sz="2400" i="1">
                                   <a:latin typeface="Cambria Math" panose="02040503050406030204" pitchFamily="18" charset="0"/>
                                 </a:rPr>
                               </m:ctrlPr>
-                            </m:eqArrPr>
+                            </m:sSupPr>
                             <m:e>
-                              <m:sSub>
-                                <m:sSubPr>
+                              <m:d>
+                                <m:dPr>
                                   <m:ctrlPr>
                                     <a:rPr kumimoji="1" lang="en-US" altLang="ja-JP" sz="2400" i="1">
                                       <a:latin typeface="Cambria Math" panose="02040503050406030204" pitchFamily="18" charset="0"/>
                                     </a:rPr>
                                   </m:ctrlPr>
-                                </m:sSubPr>
+                                </m:dPr>
                                 <m:e>
-                                  <m:r>
-                                    <a:rPr kumimoji="1" lang="en-US" altLang="ja-JP" sz="2400" i="1">
-                                      <a:latin typeface="Cambria Math" panose="02040503050406030204" pitchFamily="18" charset="0"/>
-                                    </a:rPr>
-                                    <m:t>𝛼</m:t>
-                                  </m:r>
-                                </m:e>
-                                <m:sub>
-                                  <m:r>
-                                    <a:rPr kumimoji="1" lang="en-US" altLang="ja-JP" sz="2400" i="1">
-                                      <a:latin typeface="Cambria Math" panose="02040503050406030204" pitchFamily="18" charset="0"/>
-                                    </a:rPr>
-                                    <m:t>𝑠𝑅𝐺𝐵</m:t>
-                                  </m:r>
-                                </m:sub>
-                              </m:sSub>
-                              <m:r>
-                                <a:rPr kumimoji="1" lang="en-US" altLang="ja-JP" sz="2400" b="0" i="1" smtClean="0">
-                                  <a:latin typeface="Cambria Math" panose="02040503050406030204" pitchFamily="18" charset="0"/>
-                                </a:rPr>
-                                <m:t>,                                                                </m:t>
-                              </m:r>
-                              <m:r>
-                                <a:rPr kumimoji="1" lang="en-US" altLang="ja-JP" sz="2400" b="0" i="1" smtClean="0">
-                                  <a:latin typeface="Cambria Math" panose="02040503050406030204" pitchFamily="18" charset="0"/>
-                                </a:rPr>
-                                <m:t>        </m:t>
-                              </m:r>
-                              <m:r>
-                                <a:rPr kumimoji="1" lang="en-US" altLang="ja-JP" sz="2400" b="0" i="1" smtClean="0">
-                                  <a:latin typeface="Cambria Math" panose="02040503050406030204" pitchFamily="18" charset="0"/>
-                                </a:rPr>
-                                <m:t>       1−</m:t>
-                              </m:r>
-                              <m:sSub>
-                                <m:sSubPr>
-                                  <m:ctrlPr>
-                                    <a:rPr kumimoji="1" lang="en-US" altLang="ja-JP" sz="2400" b="0" i="1" smtClean="0">
-                                      <a:latin typeface="Cambria Math" panose="02040503050406030204" pitchFamily="18" charset="0"/>
-                                    </a:rPr>
-                                  </m:ctrlPr>
-                                </m:sSubPr>
-                                <m:e>
-                                  <m:r>
-                                    <a:rPr kumimoji="1" lang="en-US" altLang="ja-JP" sz="2400" b="0" i="1" smtClean="0">
-                                      <a:latin typeface="Cambria Math" panose="02040503050406030204" pitchFamily="18" charset="0"/>
-                                    </a:rPr>
-                                    <m:t>𝛼</m:t>
-                                  </m:r>
-                                </m:e>
-                                <m:sub>
-                                  <m:r>
-                                    <a:rPr kumimoji="1" lang="en-US" altLang="ja-JP" sz="2400" b="0" i="1" smtClean="0">
-                                      <a:latin typeface="Cambria Math" panose="02040503050406030204" pitchFamily="18" charset="0"/>
-                                    </a:rPr>
-                                    <m:t>𝑠𝑅𝐺𝐵</m:t>
-                                  </m:r>
-                                </m:sub>
-                              </m:sSub>
-                              <m:r>
-                                <a:rPr kumimoji="1" lang="en-US" altLang="ja-JP" sz="2400" b="0" i="1" smtClean="0">
-                                  <a:latin typeface="Cambria Math" panose="02040503050406030204" pitchFamily="18" charset="0"/>
-                                </a:rPr>
-                                <m:t>≤0.04050</m:t>
-                              </m:r>
-                            </m:e>
-                            <m:e/>
-                            <m:e>
-                              <m:f>
-                                <m:fPr>
-                                  <m:ctrlPr>
-                                    <a:rPr kumimoji="1" lang="en-US" altLang="ja-JP" sz="2400" b="0" i="1" smtClean="0">
-                                      <a:latin typeface="Cambria Math" panose="02040503050406030204" pitchFamily="18" charset="0"/>
-                                    </a:rPr>
-                                  </m:ctrlPr>
-                                </m:fPr>
-                                <m:num>
-                                  <m:r>
-                                    <a:rPr kumimoji="1" lang="en-US" altLang="ja-JP" sz="2400" b="0" i="1" smtClean="0">
-                                      <a:latin typeface="Cambria Math" panose="02040503050406030204" pitchFamily="18" charset="0"/>
-                                    </a:rPr>
-                                    <m:t>1</m:t>
-                                  </m:r>
-                                </m:num>
-                                <m:den>
-                                  <m:r>
-                                    <a:rPr kumimoji="1" lang="en-US" altLang="ja-JP" sz="2400" i="1">
-                                      <a:latin typeface="Cambria Math" panose="02040503050406030204" pitchFamily="18" charset="0"/>
-                                    </a:rPr>
-                                    <m:t>1−</m:t>
-                                  </m:r>
-                                  <m:sSup>
-                                    <m:sSupPr>
+                                  <m:f>
+                                    <m:fPr>
                                       <m:ctrlPr>
                                         <a:rPr kumimoji="1" lang="en-US" altLang="ja-JP" sz="2400" i="1">
                                           <a:latin typeface="Cambria Math" panose="02040503050406030204" pitchFamily="18" charset="0"/>
                                         </a:rPr>
                                       </m:ctrlPr>
-                                    </m:sSupPr>
-                                    <m:e>
-                                      <m:d>
-                                        <m:dPr>
+                                    </m:fPr>
+                                    <m:num>
+                                      <m:r>
+                                        <a:rPr kumimoji="1" lang="en-US" altLang="ja-JP" sz="2400" i="1">
+                                          <a:latin typeface="Cambria Math" panose="02040503050406030204" pitchFamily="18" charset="0"/>
+                                        </a:rPr>
+                                        <m:t>0.055</m:t>
+                                      </m:r>
+                                    </m:num>
+                                    <m:den>
+                                      <m:r>
+                                        <a:rPr kumimoji="1" lang="en-US" altLang="ja-JP" sz="2400" i="1">
+                                          <a:latin typeface="Cambria Math" panose="02040503050406030204" pitchFamily="18" charset="0"/>
+                                        </a:rPr>
+                                        <m:t>1.055</m:t>
+                                      </m:r>
+                                    </m:den>
+                                  </m:f>
+                                </m:e>
+                              </m:d>
+                            </m:e>
+                            <m:sup>
+                              <m:r>
+                                <a:rPr kumimoji="1" lang="en-US" altLang="ja-JP" sz="2400" i="1">
+                                  <a:latin typeface="Cambria Math" panose="02040503050406030204" pitchFamily="18" charset="0"/>
+                                </a:rPr>
+                                <m:t>2.4</m:t>
+                              </m:r>
+                            </m:sup>
+                          </m:sSup>
+                        </m:den>
+                      </m:f>
+                      <m:d>
+                        <m:dPr>
+                          <m:begChr m:val="["/>
+                          <m:endChr m:val="]"/>
+                          <m:ctrlPr>
+                            <a:rPr kumimoji="1" lang="en-US" altLang="ja-JP" sz="2400" i="1">
+                              <a:latin typeface="Cambria Math" panose="02040503050406030204" pitchFamily="18" charset="0"/>
+                            </a:rPr>
+                          </m:ctrlPr>
+                        </m:dPr>
+                        <m:e>
+                          <m:r>
+                            <a:rPr kumimoji="1" lang="en-US" altLang="ja-JP" sz="2400" i="1">
+                              <a:latin typeface="Cambria Math" panose="02040503050406030204" pitchFamily="18" charset="0"/>
+                            </a:rPr>
+                            <m:t>1−</m:t>
+                          </m:r>
+                          <m:sSup>
+                            <m:sSupPr>
+                              <m:ctrlPr>
+                                <a:rPr kumimoji="1" lang="en-US" altLang="ja-JP" sz="2400" i="1">
+                                  <a:latin typeface="Cambria Math" panose="02040503050406030204" pitchFamily="18" charset="0"/>
+                                </a:rPr>
+                              </m:ctrlPr>
+                            </m:sSupPr>
+                            <m:e>
+                              <m:d>
+                                <m:dPr>
+                                  <m:ctrlPr>
+                                    <a:rPr kumimoji="1" lang="en-US" altLang="ja-JP" sz="2400" i="1">
+                                      <a:latin typeface="Cambria Math" panose="02040503050406030204" pitchFamily="18" charset="0"/>
+                                    </a:rPr>
+                                  </m:ctrlPr>
+                                </m:dPr>
+                                <m:e>
+                                  <m:f>
+                                    <m:fPr>
+                                      <m:ctrlPr>
+                                        <a:rPr kumimoji="1" lang="en-US" altLang="ja-JP" sz="2400" i="1">
+                                          <a:latin typeface="Cambria Math" panose="02040503050406030204" pitchFamily="18" charset="0"/>
+                                        </a:rPr>
+                                      </m:ctrlPr>
+                                    </m:fPr>
+                                    <m:num>
+                                      <m:r>
+                                        <a:rPr kumimoji="1" lang="en-US" altLang="ja-JP" sz="2400" i="1">
+                                          <a:latin typeface="Cambria Math" panose="02040503050406030204" pitchFamily="18" charset="0"/>
+                                        </a:rPr>
+                                        <m:t> 1−</m:t>
+                                      </m:r>
+                                      <m:sSub>
+                                        <m:sSubPr>
                                           <m:ctrlPr>
                                             <a:rPr kumimoji="1" lang="en-US" altLang="ja-JP" sz="2400" i="1">
                                               <a:latin typeface="Cambria Math" panose="02040503050406030204" pitchFamily="18" charset="0"/>
                                             </a:rPr>
                                           </m:ctrlPr>
-                                        </m:dPr>
+                                        </m:sSubPr>
                                         <m:e>
-                                          <m:f>
-                                            <m:fPr>
-                                              <m:ctrlPr>
-                                                <a:rPr kumimoji="1" lang="en-US" altLang="ja-JP" sz="2400" i="1">
-                                                  <a:latin typeface="Cambria Math" panose="02040503050406030204" pitchFamily="18" charset="0"/>
-                                                </a:rPr>
-                                              </m:ctrlPr>
-                                            </m:fPr>
-                                            <m:num>
-                                              <m:r>
-                                                <a:rPr kumimoji="1" lang="en-US" altLang="ja-JP" sz="2400" i="1">
-                                                  <a:latin typeface="Cambria Math" panose="02040503050406030204" pitchFamily="18" charset="0"/>
-                                                </a:rPr>
-                                                <m:t>0.055</m:t>
-                                              </m:r>
-                                            </m:num>
-                                            <m:den>
-                                              <m:r>
-                                                <a:rPr kumimoji="1" lang="en-US" altLang="ja-JP" sz="2400" i="1">
-                                                  <a:latin typeface="Cambria Math" panose="02040503050406030204" pitchFamily="18" charset="0"/>
-                                                </a:rPr>
-                                                <m:t>1.055</m:t>
-                                              </m:r>
-                                            </m:den>
-                                          </m:f>
+                                          <m:r>
+                                            <a:rPr kumimoji="1" lang="en-US" altLang="ja-JP" sz="2400" i="1">
+                                              <a:latin typeface="Cambria Math" panose="02040503050406030204" pitchFamily="18" charset="0"/>
+                                            </a:rPr>
+                                            <m:t>𝛼</m:t>
+                                          </m:r>
                                         </m:e>
-                                      </m:d>
-                                    </m:e>
-                                    <m:sup>
+                                        <m:sub>
+                                          <m:r>
+                                            <a:rPr kumimoji="1" lang="en-US" altLang="ja-JP" sz="2400" i="1">
+                                              <a:latin typeface="Cambria Math" panose="02040503050406030204" pitchFamily="18" charset="0"/>
+                                            </a:rPr>
+                                            <m:t>𝑠𝑅𝐺𝐵</m:t>
+                                          </m:r>
+                                        </m:sub>
+                                      </m:sSub>
                                       <m:r>
                                         <a:rPr kumimoji="1" lang="en-US" altLang="ja-JP" sz="2400" i="1">
                                           <a:latin typeface="Cambria Math" panose="02040503050406030204" pitchFamily="18" charset="0"/>
                                         </a:rPr>
-                                        <m:t>2.4</m:t>
+                                        <m:t>+0.055</m:t>
                                       </m:r>
-                                    </m:sup>
-                                  </m:sSup>
-                                </m:den>
-                              </m:f>
-                              <m:d>
-                                <m:dPr>
-                                  <m:begChr m:val="["/>
-                                  <m:endChr m:val="]"/>
-                                  <m:ctrlPr>
-                                    <a:rPr kumimoji="1" lang="en-US" altLang="ja-JP" sz="2400" b="0" i="1" smtClean="0">
-                                      <a:latin typeface="Cambria Math" panose="02040503050406030204" pitchFamily="18" charset="0"/>
-                                    </a:rPr>
-                                  </m:ctrlPr>
-                                </m:dPr>
-                                <m:e>
-                                  <m:r>
-                                    <a:rPr kumimoji="1" lang="en-US" altLang="ja-JP" sz="2400" i="1">
-                                      <a:latin typeface="Cambria Math" panose="02040503050406030204" pitchFamily="18" charset="0"/>
-                                    </a:rPr>
-                                    <m:t>1−</m:t>
-                                  </m:r>
-                                  <m:sSup>
-                                    <m:sSupPr>
-                                      <m:ctrlPr>
-                                        <a:rPr kumimoji="1" lang="en-US" altLang="ja-JP" sz="2400" i="1">
-                                          <a:latin typeface="Cambria Math" panose="02040503050406030204" pitchFamily="18" charset="0"/>
-                                        </a:rPr>
-                                      </m:ctrlPr>
-                                    </m:sSupPr>
-                                    <m:e>
-                                      <m:d>
-                                        <m:dPr>
-                                          <m:ctrlPr>
-                                            <a:rPr kumimoji="1" lang="en-US" altLang="ja-JP" sz="2400" i="1">
-                                              <a:latin typeface="Cambria Math" panose="02040503050406030204" pitchFamily="18" charset="0"/>
-                                            </a:rPr>
-                                          </m:ctrlPr>
-                                        </m:dPr>
-                                        <m:e>
-                                          <m:f>
-                                            <m:fPr>
-                                              <m:ctrlPr>
-                                                <a:rPr kumimoji="1" lang="en-US" altLang="ja-JP" sz="2400" i="1">
-                                                  <a:latin typeface="Cambria Math" panose="02040503050406030204" pitchFamily="18" charset="0"/>
-                                                </a:rPr>
-                                              </m:ctrlPr>
-                                            </m:fPr>
-                                            <m:num>
-                                              <m:r>
-                                                <a:rPr kumimoji="1" lang="en-US" altLang="ja-JP" sz="2400" i="1">
-                                                  <a:latin typeface="Cambria Math" panose="02040503050406030204" pitchFamily="18" charset="0"/>
-                                                </a:rPr>
-                                                <m:t> 1−</m:t>
-                                              </m:r>
-                                              <m:sSub>
-                                                <m:sSubPr>
-                                                  <m:ctrlPr>
-                                                    <a:rPr kumimoji="1" lang="en-US" altLang="ja-JP" sz="2400" i="1">
-                                                      <a:latin typeface="Cambria Math" panose="02040503050406030204" pitchFamily="18" charset="0"/>
-                                                    </a:rPr>
-                                                  </m:ctrlPr>
-                                                </m:sSubPr>
-                                                <m:e>
-                                                  <m:r>
-                                                    <a:rPr kumimoji="1" lang="en-US" altLang="ja-JP" sz="2400" i="1">
-                                                      <a:latin typeface="Cambria Math" panose="02040503050406030204" pitchFamily="18" charset="0"/>
-                                                    </a:rPr>
-                                                    <m:t>𝛼</m:t>
-                                                  </m:r>
-                                                </m:e>
-                                                <m:sub>
-                                                  <m:r>
-                                                    <a:rPr kumimoji="1" lang="en-US" altLang="ja-JP" sz="2400" i="1">
-                                                      <a:latin typeface="Cambria Math" panose="02040503050406030204" pitchFamily="18" charset="0"/>
-                                                    </a:rPr>
-                                                    <m:t>𝑠𝑅𝐺𝐵</m:t>
-                                                  </m:r>
-                                                </m:sub>
-                                              </m:sSub>
-                                              <m:r>
-                                                <a:rPr kumimoji="1" lang="en-US" altLang="ja-JP" sz="2400" i="1">
-                                                  <a:latin typeface="Cambria Math" panose="02040503050406030204" pitchFamily="18" charset="0"/>
-                                                </a:rPr>
-                                                <m:t>+0.055</m:t>
-                                              </m:r>
-                                            </m:num>
-                                            <m:den>
-                                              <m:r>
-                                                <a:rPr kumimoji="1" lang="en-US" altLang="ja-JP" sz="2400" i="1">
-                                                  <a:latin typeface="Cambria Math" panose="02040503050406030204" pitchFamily="18" charset="0"/>
-                                                </a:rPr>
-                                                <m:t>1.055</m:t>
-                                              </m:r>
-                                            </m:den>
-                                          </m:f>
-                                        </m:e>
-                                      </m:d>
-                                    </m:e>
-                                    <m:sup>
+                                    </m:num>
+                                    <m:den>
                                       <m:r>
                                         <a:rPr kumimoji="1" lang="en-US" altLang="ja-JP" sz="2400" i="1">
                                           <a:latin typeface="Cambria Math" panose="02040503050406030204" pitchFamily="18" charset="0"/>
                                         </a:rPr>
-                                        <m:t>2.4</m:t>
+                                        <m:t>1.055</m:t>
                                       </m:r>
-                                    </m:sup>
-                                  </m:sSup>
+                                    </m:den>
+                                  </m:f>
                                 </m:e>
                               </m:d>
-                              <m:r>
-                                <a:rPr kumimoji="1" lang="en-US" altLang="ja-JP" sz="2400" b="0" i="1" smtClean="0">
-                                  <a:latin typeface="Cambria Math" panose="02040503050406030204" pitchFamily="18" charset="0"/>
-                                </a:rPr>
-                                <m:t>,  </m:t>
-                              </m:r>
+                            </m:e>
+                            <m:sup>
                               <m:r>
                                 <a:rPr kumimoji="1" lang="en-US" altLang="ja-JP" sz="2400" i="1">
                                   <a:latin typeface="Cambria Math" panose="02040503050406030204" pitchFamily="18" charset="0"/>
                                 </a:rPr>
-                                <m:t>1−</m:t>
+                                <m:t>2.4</m:t>
                               </m:r>
-                              <m:sSub>
-                                <m:sSubPr>
-                                  <m:ctrlPr>
-                                    <a:rPr kumimoji="1" lang="en-US" altLang="ja-JP" sz="2400" i="1">
-                                      <a:latin typeface="Cambria Math" panose="02040503050406030204" pitchFamily="18" charset="0"/>
-                                    </a:rPr>
-                                  </m:ctrlPr>
-                                </m:sSubPr>
-                                <m:e>
-                                  <m:r>
-                                    <a:rPr kumimoji="1" lang="en-US" altLang="ja-JP" sz="2400" i="1">
-                                      <a:latin typeface="Cambria Math" panose="02040503050406030204" pitchFamily="18" charset="0"/>
-                                    </a:rPr>
-                                    <m:t>𝛼</m:t>
-                                  </m:r>
-                                </m:e>
-                                <m:sub>
-                                  <m:r>
-                                    <a:rPr kumimoji="1" lang="en-US" altLang="ja-JP" sz="2400" i="1">
-                                      <a:latin typeface="Cambria Math" panose="02040503050406030204" pitchFamily="18" charset="0"/>
-                                    </a:rPr>
-                                    <m:t>𝑠𝑅𝐺𝐵</m:t>
-                                  </m:r>
-                                </m:sub>
-                              </m:sSub>
-                              <m:r>
-                                <a:rPr kumimoji="1" lang="en-US" altLang="ja-JP" sz="2400" b="0" i="1" smtClean="0">
-                                  <a:latin typeface="Cambria Math" panose="02040503050406030204" pitchFamily="18" charset="0"/>
-                                </a:rPr>
-                                <m:t>&gt;0.04050</m:t>
-                              </m:r>
-                            </m:e>
-                          </m:eqArr>
+                            </m:sup>
+                          </m:sSup>
                         </m:e>
                       </m:d>
                     </m:oMath>
@@ -4402,7 +4267,7 @@
             </p:txBody>
           </p:sp>
         </mc:Choice>
-        <mc:Fallback>
+        <mc:Fallback xmlns="">
           <p:sp>
             <p:nvSpPr>
               <p:cNvPr id="11" name="テキスト ボックス 10">
@@ -4420,7 +4285,7 @@
             <p:spPr>
               <a:xfrm>
                 <a:off x="1198752" y="4841695"/>
-                <a:ext cx="10980649" cy="2055563"/>
+                <a:ext cx="10980649" cy="1243995"/>
               </a:xfrm>
               <a:prstGeom prst="rect">
                 <a:avLst/>
@@ -4461,7 +4326,7 @@
         </p:nvSpPr>
         <p:spPr>
           <a:xfrm>
-            <a:off x="300788" y="302588"/>
+            <a:off x="300788" y="310782"/>
             <a:ext cx="12139865" cy="523220"/>
           </a:xfrm>
           <a:prstGeom prst="rect">
@@ -4487,257 +4352,6 @@
           </a:p>
         </p:txBody>
       </p:sp>
-      <mc:AlternateContent xmlns:mc="http://schemas.openxmlformats.org/markup-compatibility/2006">
-        <mc:Choice xmlns:a14="http://schemas.microsoft.com/office/drawing/2010/main" Requires="a14">
-          <p:sp>
-            <p:nvSpPr>
-              <p:cNvPr id="12" name="テキスト ボックス 11">
-                <a:extLst>
-                  <a:ext uri="{FF2B5EF4-FFF2-40B4-BE49-F238E27FC236}">
-                    <a16:creationId xmlns:a16="http://schemas.microsoft.com/office/drawing/2014/main" id="{46791D48-69A9-4DAA-90F3-25942FAF456E}"/>
-                  </a:ext>
-                </a:extLst>
-              </p:cNvPr>
-              <p:cNvSpPr txBox="1"/>
-              <p:nvPr/>
-            </p:nvSpPr>
-            <p:spPr>
-              <a:xfrm>
-                <a:off x="1374174" y="3228476"/>
-                <a:ext cx="4407297" cy="276999"/>
-              </a:xfrm>
-              <a:prstGeom prst="rect">
-                <a:avLst/>
-              </a:prstGeom>
-              <a:noFill/>
-            </p:spPr>
-            <p:txBody>
-              <a:bodyPr wrap="none" lIns="0" tIns="0" rIns="0" bIns="0" rtlCol="0">
-                <a:spAutoFit/>
-              </a:bodyPr>
-              <a:lstStyle/>
-              <a:p>
-                <a:r>
-                  <a:rPr kumimoji="1" lang="en-US" altLang="ja-JP" dirty="0"/>
-                  <a:t>w</a:t>
-                </a:r>
-                <a:r>
-                  <a:rPr kumimoji="1" lang="en-US" altLang="ja-JP" b="0" dirty="0"/>
-                  <a:t>here </a:t>
-                </a:r>
-                <a14:m>
-                  <m:oMath xmlns:m="http://schemas.openxmlformats.org/officeDocument/2006/math">
-                    <m:sSub>
-                      <m:sSubPr>
-                        <m:ctrlPr>
-                          <a:rPr kumimoji="1" lang="en-US" altLang="ja-JP" i="1">
-                            <a:latin typeface="Cambria Math" panose="02040503050406030204" pitchFamily="18" charset="0"/>
-                          </a:rPr>
-                        </m:ctrlPr>
-                      </m:sSubPr>
-                      <m:e>
-                        <m:r>
-                          <a:rPr kumimoji="1" lang="en-US" altLang="ja-JP" i="1">
-                            <a:latin typeface="Cambria Math" panose="02040503050406030204" pitchFamily="18" charset="0"/>
-                          </a:rPr>
-                          <m:t>𝐶</m:t>
-                        </m:r>
-                      </m:e>
-                      <m:sub>
-                        <m:r>
-                          <a:rPr kumimoji="1" lang="en-US" altLang="ja-JP" i="1">
-                            <a:latin typeface="Cambria Math" panose="02040503050406030204" pitchFamily="18" charset="0"/>
-                          </a:rPr>
-                          <m:t>𝑠𝑅𝐺𝐵</m:t>
-                        </m:r>
-                      </m:sub>
-                    </m:sSub>
-                    <m:r>
-                      <a:rPr kumimoji="1" lang="en-US" altLang="ja-JP" i="1">
-                        <a:latin typeface="Cambria Math" panose="02040503050406030204" pitchFamily="18" charset="0"/>
-                      </a:rPr>
-                      <m:t>  =</m:t>
-                    </m:r>
-                    <m:sSub>
-                      <m:sSubPr>
-                        <m:ctrlPr>
-                          <a:rPr kumimoji="1" lang="en-US" altLang="ja-JP" i="1">
-                            <a:latin typeface="Cambria Math" panose="02040503050406030204" pitchFamily="18" charset="0"/>
-                          </a:rPr>
-                        </m:ctrlPr>
-                      </m:sSubPr>
-                      <m:e>
-                        <m:r>
-                          <a:rPr kumimoji="1" lang="en-US" altLang="ja-JP" i="1">
-                            <a:latin typeface="Cambria Math" panose="02040503050406030204" pitchFamily="18" charset="0"/>
-                          </a:rPr>
-                          <m:t>𝐶</m:t>
-                        </m:r>
-                      </m:e>
-                      <m:sub>
-                        <m:r>
-                          <a:rPr kumimoji="1" lang="en-US" altLang="ja-JP" b="0" i="1" smtClean="0">
-                            <a:latin typeface="Cambria Math" panose="02040503050406030204" pitchFamily="18" charset="0"/>
-                          </a:rPr>
-                          <m:t>𝐹</m:t>
-                        </m:r>
-                      </m:sub>
-                    </m:sSub>
-                    <m:sSub>
-                      <m:sSubPr>
-                        <m:ctrlPr>
-                          <a:rPr kumimoji="1" lang="en-US" altLang="ja-JP" i="1">
-                            <a:latin typeface="Cambria Math" panose="02040503050406030204" pitchFamily="18" charset="0"/>
-                          </a:rPr>
-                        </m:ctrlPr>
-                      </m:sSubPr>
-                      <m:e>
-                        <m:r>
-                          <a:rPr kumimoji="1" lang="en-US" altLang="ja-JP" i="1">
-                            <a:latin typeface="Cambria Math" panose="02040503050406030204" pitchFamily="18" charset="0"/>
-                          </a:rPr>
-                          <m:t>𝛼</m:t>
-                        </m:r>
-                      </m:e>
-                      <m:sub>
-                        <m:r>
-                          <a:rPr kumimoji="1" lang="en-US" altLang="ja-JP" i="1">
-                            <a:latin typeface="Cambria Math" panose="02040503050406030204" pitchFamily="18" charset="0"/>
-                          </a:rPr>
-                          <m:t>𝑠𝑅𝐺𝐵</m:t>
-                        </m:r>
-                      </m:sub>
-                    </m:sSub>
-                    <m:r>
-                      <a:rPr kumimoji="1" lang="en-US" altLang="ja-JP" i="1">
-                        <a:latin typeface="Cambria Math" panose="02040503050406030204" pitchFamily="18" charset="0"/>
-                      </a:rPr>
-                      <m:t>  +</m:t>
-                    </m:r>
-                    <m:sSub>
-                      <m:sSubPr>
-                        <m:ctrlPr>
-                          <a:rPr kumimoji="1" lang="en-US" altLang="ja-JP" i="1">
-                            <a:latin typeface="Cambria Math" panose="02040503050406030204" pitchFamily="18" charset="0"/>
-                          </a:rPr>
-                        </m:ctrlPr>
-                      </m:sSubPr>
-                      <m:e>
-                        <m:r>
-                          <a:rPr kumimoji="1" lang="en-US" altLang="ja-JP" i="1">
-                            <a:latin typeface="Cambria Math" panose="02040503050406030204" pitchFamily="18" charset="0"/>
-                          </a:rPr>
-                          <m:t>𝐶</m:t>
-                        </m:r>
-                      </m:e>
-                      <m:sub>
-                        <m:r>
-                          <a:rPr kumimoji="1" lang="en-US" altLang="ja-JP" b="0" i="1" smtClean="0">
-                            <a:latin typeface="Cambria Math" panose="02040503050406030204" pitchFamily="18" charset="0"/>
-                          </a:rPr>
-                          <m:t>𝐵</m:t>
-                        </m:r>
-                      </m:sub>
-                    </m:sSub>
-                    <m:r>
-                      <a:rPr kumimoji="1" lang="en-US" altLang="ja-JP" i="1">
-                        <a:latin typeface="Cambria Math" panose="02040503050406030204" pitchFamily="18" charset="0"/>
-                      </a:rPr>
-                      <m:t>(1−</m:t>
-                    </m:r>
-                    <m:sSub>
-                      <m:sSubPr>
-                        <m:ctrlPr>
-                          <a:rPr kumimoji="1" lang="en-US" altLang="ja-JP" i="1">
-                            <a:latin typeface="Cambria Math" panose="02040503050406030204" pitchFamily="18" charset="0"/>
-                          </a:rPr>
-                        </m:ctrlPr>
-                      </m:sSubPr>
-                      <m:e>
-                        <m:r>
-                          <a:rPr kumimoji="1" lang="en-US" altLang="ja-JP" i="1">
-                            <a:latin typeface="Cambria Math" panose="02040503050406030204" pitchFamily="18" charset="0"/>
-                          </a:rPr>
-                          <m:t>𝛼</m:t>
-                        </m:r>
-                      </m:e>
-                      <m:sub>
-                        <m:r>
-                          <a:rPr kumimoji="1" lang="en-US" altLang="ja-JP" i="1">
-                            <a:latin typeface="Cambria Math" panose="02040503050406030204" pitchFamily="18" charset="0"/>
-                          </a:rPr>
-                          <m:t>𝑠𝑅𝐺𝐵</m:t>
-                        </m:r>
-                      </m:sub>
-                    </m:sSub>
-                    <m:r>
-                      <a:rPr kumimoji="1" lang="en-US" altLang="ja-JP" i="1">
-                        <a:latin typeface="Cambria Math" panose="02040503050406030204" pitchFamily="18" charset="0"/>
-                      </a:rPr>
-                      <m:t>)</m:t>
-                    </m:r>
-                  </m:oMath>
-                </a14:m>
-                <a:r>
-                  <a:rPr kumimoji="1" lang="en-US" altLang="ja-JP" dirty="0">
-                    <a:latin typeface="Arial" panose="020B0604020202020204" pitchFamily="34" charset="0"/>
-                    <a:cs typeface="Arial" panose="020B0604020202020204" pitchFamily="34" charset="0"/>
-                  </a:rPr>
-                  <a:t>.</a:t>
-                </a:r>
-                <a:endParaRPr kumimoji="1" lang="ja-JP" altLang="en-US" dirty="0">
-                  <a:latin typeface="Arial" panose="020B0604020202020204" pitchFamily="34" charset="0"/>
-                  <a:cs typeface="Arial" panose="020B0604020202020204" pitchFamily="34" charset="0"/>
-                </a:endParaRPr>
-              </a:p>
-            </p:txBody>
-          </p:sp>
-        </mc:Choice>
-        <mc:Fallback>
-          <p:sp>
-            <p:nvSpPr>
-              <p:cNvPr id="12" name="テキスト ボックス 11">
-                <a:extLst>
-                  <a:ext uri="{FF2B5EF4-FFF2-40B4-BE49-F238E27FC236}">
-                    <a16:creationId xmlns:a16="http://schemas.microsoft.com/office/drawing/2014/main" id="{46791D48-69A9-4DAA-90F3-25942FAF456E}"/>
-                  </a:ext>
-                </a:extLst>
-              </p:cNvPr>
-              <p:cNvSpPr txBox="1">
-                <a:spLocks noRot="1" noChangeAspect="1" noMove="1" noResize="1" noEditPoints="1" noAdjustHandles="1" noChangeArrowheads="1" noChangeShapeType="1" noTextEdit="1"/>
-              </p:cNvSpPr>
-              <p:nvPr/>
-            </p:nvSpPr>
-            <p:spPr>
-              <a:xfrm>
-                <a:off x="1374174" y="3228476"/>
-                <a:ext cx="4407297" cy="276999"/>
-              </a:xfrm>
-              <a:prstGeom prst="rect">
-                <a:avLst/>
-              </a:prstGeom>
-              <a:blipFill>
-                <a:blip r:embed="rId3"/>
-                <a:stretch>
-                  <a:fillRect l="-3181" t="-31111" b="-51111"/>
-                </a:stretch>
-              </a:blipFill>
-            </p:spPr>
-            <p:txBody>
-              <a:bodyPr/>
-              <a:lstStyle/>
-              <a:p>
-                <a:r>
-                  <a:rPr lang="ja-JP" altLang="en-US">
-                    <a:noFill/>
-                  </a:rPr>
-                  <a:t> </a:t>
-                </a:r>
-              </a:p>
-            </p:txBody>
-          </p:sp>
-        </mc:Fallback>
-      </mc:AlternateContent>
       <p:sp>
         <p:nvSpPr>
           <p:cNvPr id="16" name="テキスト ボックス 15">
@@ -4753,7 +4367,7 @@
         <p:spPr>
           <a:xfrm>
             <a:off x="685456" y="3910599"/>
-            <a:ext cx="1647695" cy="369332"/>
+            <a:ext cx="1981504" cy="369332"/>
           </a:xfrm>
           <a:prstGeom prst="rect">
             <a:avLst/>
@@ -4768,14 +4382,14 @@
           <a:p>
             <a:r>
               <a:rPr kumimoji="1" lang="en-US" altLang="ja-JP" sz="2400" b="1" dirty="0"/>
-              <a:t>Special cases</a:t>
+              <a:t>Particular cases</a:t>
             </a:r>
             <a:endParaRPr kumimoji="1" lang="ja-JP" altLang="en-US" sz="2400" b="1" dirty="0"/>
           </a:p>
         </p:txBody>
       </p:sp>
-      <mc:AlternateContent xmlns:mc="http://schemas.openxmlformats.org/markup-compatibility/2006">
-        <mc:Choice xmlns:a14="http://schemas.microsoft.com/office/drawing/2010/main" Requires="a14">
+      <mc:AlternateContent xmlns:mc="http://schemas.openxmlformats.org/markup-compatibility/2006" xmlns:a14="http://schemas.microsoft.com/office/drawing/2010/main">
+        <mc:Choice Requires="a14">
           <p:sp>
             <p:nvSpPr>
               <p:cNvPr id="17" name="テキスト ボックス 16">
@@ -4908,7 +4522,7 @@
             </p:txBody>
           </p:sp>
         </mc:Choice>
-        <mc:Fallback>
+        <mc:Fallback xmlns="">
           <p:sp>
             <p:nvSpPr>
               <p:cNvPr id="17" name="テキスト ボックス 16">
@@ -4953,8 +4567,8 @@
           </p:sp>
         </mc:Fallback>
       </mc:AlternateContent>
-      <mc:AlternateContent xmlns:mc="http://schemas.openxmlformats.org/markup-compatibility/2006">
-        <mc:Choice xmlns:a14="http://schemas.microsoft.com/office/drawing/2010/main" Requires="a14">
+      <mc:AlternateContent xmlns:mc="http://schemas.openxmlformats.org/markup-compatibility/2006" xmlns:a14="http://schemas.microsoft.com/office/drawing/2010/main">
+        <mc:Choice Requires="a14">
           <p:sp>
             <p:nvSpPr>
               <p:cNvPr id="20" name="テキスト ボックス 19">
@@ -5087,7 +4701,7 @@
             </p:txBody>
           </p:sp>
         </mc:Choice>
-        <mc:Fallback>
+        <mc:Fallback xmlns="">
           <p:sp>
             <p:nvSpPr>
               <p:cNvPr id="20" name="テキスト ボックス 19">
@@ -5184,691 +4798,6 @@
           </a:p>
         </p:txBody>
       </p:sp>
-      <mc:AlternateContent xmlns:mc="http://schemas.openxmlformats.org/markup-compatibility/2006">
-        <mc:Choice xmlns:a14="http://schemas.microsoft.com/office/drawing/2010/main" Requires="a14">
-          <p:sp>
-            <p:nvSpPr>
-              <p:cNvPr id="15" name="テキスト ボックス 14">
-                <a:extLst>
-                  <a:ext uri="{FF2B5EF4-FFF2-40B4-BE49-F238E27FC236}">
-                    <a16:creationId xmlns:a16="http://schemas.microsoft.com/office/drawing/2014/main" id="{6DE930A2-CD26-49D1-9560-9016A2D3EC9C}"/>
-                  </a:ext>
-                </a:extLst>
-              </p:cNvPr>
-              <p:cNvSpPr txBox="1"/>
-              <p:nvPr/>
-            </p:nvSpPr>
-            <p:spPr>
-              <a:xfrm>
-                <a:off x="1204799" y="1041146"/>
-                <a:ext cx="9934304" cy="1942968"/>
-              </a:xfrm>
-              <a:prstGeom prst="rect">
-                <a:avLst/>
-              </a:prstGeom>
-              <a:noFill/>
-              <a:ln w="28575">
-                <a:noFill/>
-              </a:ln>
-            </p:spPr>
-            <p:txBody>
-              <a:bodyPr wrap="square" lIns="0" tIns="0" rIns="0" bIns="0" rtlCol="0">
-                <a:spAutoFit/>
-              </a:bodyPr>
-              <a:lstStyle/>
-              <a:p>
-                <a:pPr/>
-                <a14:m>
-                  <m:oMathPara xmlns:m="http://schemas.openxmlformats.org/officeDocument/2006/math">
-                    <m:oMathParaPr>
-                      <m:jc m:val="centerGroup"/>
-                    </m:oMathParaPr>
-                    <m:oMath xmlns:m="http://schemas.openxmlformats.org/officeDocument/2006/math">
-                      <m:sSub>
-                        <m:sSubPr>
-                          <m:ctrlPr>
-                            <a:rPr kumimoji="1" lang="en-US" altLang="ja-JP" sz="2000" b="0" i="1" smtClean="0">
-                              <a:latin typeface="Cambria Math" panose="02040503050406030204" pitchFamily="18" charset="0"/>
-                            </a:rPr>
-                          </m:ctrlPr>
-                        </m:sSubPr>
-                        <m:e>
-                          <m:r>
-                            <a:rPr kumimoji="1" lang="en-US" altLang="ja-JP" sz="2000" b="0" i="1" smtClean="0">
-                              <a:latin typeface="Cambria Math" panose="02040503050406030204" pitchFamily="18" charset="0"/>
-                            </a:rPr>
-                            <m:t>𝛼</m:t>
-                          </m:r>
-                        </m:e>
-                        <m:sub>
-                          <m:r>
-                            <a:rPr kumimoji="1" lang="en-US" altLang="ja-JP" sz="2000" b="0" i="1" smtClean="0">
-                              <a:latin typeface="Cambria Math" panose="02040503050406030204" pitchFamily="18" charset="0"/>
-                            </a:rPr>
-                            <m:t>𝑙𝑖𝑛𝑒𝑎𝑟</m:t>
-                          </m:r>
-                        </m:sub>
-                      </m:sSub>
-                      <m:r>
-                        <a:rPr kumimoji="1" lang="en-US" altLang="ja-JP" sz="2000" b="0" i="1" smtClean="0">
-                          <a:latin typeface="Cambria Math" panose="02040503050406030204" pitchFamily="18" charset="0"/>
-                        </a:rPr>
-                        <m:t>=</m:t>
-                      </m:r>
-                      <m:d>
-                        <m:dPr>
-                          <m:begChr m:val="{"/>
-                          <m:endChr m:val=""/>
-                          <m:ctrlPr>
-                            <a:rPr kumimoji="1" lang="en-US" altLang="ja-JP" sz="2000" b="0" i="1" smtClean="0">
-                              <a:latin typeface="Cambria Math" panose="02040503050406030204" pitchFamily="18" charset="0"/>
-                            </a:rPr>
-                          </m:ctrlPr>
-                        </m:dPr>
-                        <m:e>
-                          <m:eqArr>
-                            <m:eqArrPr>
-                              <m:ctrlPr>
-                                <a:rPr kumimoji="1" lang="en-US" altLang="ja-JP" sz="2000" b="0" i="1" smtClean="0">
-                                  <a:latin typeface="Cambria Math" panose="02040503050406030204" pitchFamily="18" charset="0"/>
-                                </a:rPr>
-                              </m:ctrlPr>
-                            </m:eqArrPr>
-                            <m:e>
-                              <m:sSub>
-                                <m:sSubPr>
-                                  <m:ctrlPr>
-                                    <a:rPr kumimoji="1" lang="en-US" altLang="ja-JP" sz="2000" i="1">
-                                      <a:latin typeface="Cambria Math" panose="02040503050406030204" pitchFamily="18" charset="0"/>
-                                    </a:rPr>
-                                  </m:ctrlPr>
-                                </m:sSubPr>
-                                <m:e>
-                                  <m:r>
-                                    <a:rPr kumimoji="1" lang="en-US" altLang="ja-JP" sz="2000" i="1">
-                                      <a:latin typeface="Cambria Math" panose="02040503050406030204" pitchFamily="18" charset="0"/>
-                                    </a:rPr>
-                                    <m:t>𝛼</m:t>
-                                  </m:r>
-                                </m:e>
-                                <m:sub>
-                                  <m:r>
-                                    <a:rPr kumimoji="1" lang="en-US" altLang="ja-JP" sz="2000" i="1">
-                                      <a:latin typeface="Cambria Math" panose="02040503050406030204" pitchFamily="18" charset="0"/>
-                                    </a:rPr>
-                                    <m:t>𝑠𝑅𝐺𝐵</m:t>
-                                  </m:r>
-                                </m:sub>
-                              </m:sSub>
-                              <m:r>
-                                <a:rPr kumimoji="1" lang="en-US" altLang="ja-JP" sz="2000" b="0" i="1" smtClean="0">
-                                  <a:latin typeface="Cambria Math" panose="02040503050406030204" pitchFamily="18" charset="0"/>
-                                </a:rPr>
-                                <m:t>,                                                                                                       </m:t>
-                              </m:r>
-                              <m:sSub>
-                                <m:sSubPr>
-                                  <m:ctrlPr>
-                                    <a:rPr kumimoji="1" lang="en-US" altLang="ja-JP" sz="2000" b="0" i="1" smtClean="0">
-                                      <a:latin typeface="Cambria Math" panose="02040503050406030204" pitchFamily="18" charset="0"/>
-                                    </a:rPr>
-                                  </m:ctrlPr>
-                                </m:sSubPr>
-                                <m:e>
-                                  <m:r>
-                                    <a:rPr kumimoji="1" lang="en-US" altLang="ja-JP" sz="2000" b="0" i="1" smtClean="0">
-                                      <a:latin typeface="Cambria Math" panose="02040503050406030204" pitchFamily="18" charset="0"/>
-                                    </a:rPr>
-                                    <m:t>𝐶</m:t>
-                                  </m:r>
-                                </m:e>
-                                <m:sub>
-                                  <m:r>
-                                    <a:rPr kumimoji="1" lang="en-US" altLang="ja-JP" sz="2000" b="0" i="1" smtClean="0">
-                                      <a:latin typeface="Cambria Math" panose="02040503050406030204" pitchFamily="18" charset="0"/>
-                                    </a:rPr>
-                                    <m:t>𝑠𝑅𝐺𝐵</m:t>
-                                  </m:r>
-                                </m:sub>
-                              </m:sSub>
-                              <m:r>
-                                <a:rPr kumimoji="1" lang="en-US" altLang="ja-JP" sz="2000" b="0" i="1" smtClean="0">
-                                  <a:latin typeface="Cambria Math" panose="02040503050406030204" pitchFamily="18" charset="0"/>
-                                </a:rPr>
-                                <m:t>≤0.04050</m:t>
-                              </m:r>
-                            </m:e>
-                            <m:e/>
-                            <m:e>
-                              <m:f>
-                                <m:fPr>
-                                  <m:ctrlPr>
-                                    <a:rPr kumimoji="1" lang="en-US" altLang="ja-JP" sz="2000" i="1">
-                                      <a:latin typeface="Cambria Math" panose="02040503050406030204" pitchFamily="18" charset="0"/>
-                                    </a:rPr>
-                                  </m:ctrlPr>
-                                </m:fPr>
-                                <m:num>
-                                  <m:sSup>
-                                    <m:sSupPr>
-                                      <m:ctrlPr>
-                                        <a:rPr kumimoji="1" lang="en-US" altLang="ja-JP" sz="2000" i="1">
-                                          <a:latin typeface="Cambria Math" panose="02040503050406030204" pitchFamily="18" charset="0"/>
-                                        </a:rPr>
-                                      </m:ctrlPr>
-                                    </m:sSupPr>
-                                    <m:e>
-                                      <m:d>
-                                        <m:dPr>
-                                          <m:ctrlPr>
-                                            <a:rPr kumimoji="1" lang="en-US" altLang="ja-JP" sz="2000" i="1">
-                                              <a:latin typeface="Cambria Math" panose="02040503050406030204" pitchFamily="18" charset="0"/>
-                                            </a:rPr>
-                                          </m:ctrlPr>
-                                        </m:dPr>
-                                        <m:e>
-                                          <m:f>
-                                            <m:fPr>
-                                              <m:ctrlPr>
-                                                <a:rPr kumimoji="1" lang="en-US" altLang="ja-JP" sz="2000" i="1">
-                                                  <a:latin typeface="Cambria Math" panose="02040503050406030204" pitchFamily="18" charset="0"/>
-                                                </a:rPr>
-                                              </m:ctrlPr>
-                                            </m:fPr>
-                                            <m:num>
-                                              <m:sSub>
-                                                <m:sSubPr>
-                                                  <m:ctrlPr>
-                                                    <a:rPr kumimoji="1" lang="en-US" altLang="ja-JP" sz="2000" i="1">
-                                                      <a:latin typeface="Cambria Math" panose="02040503050406030204" pitchFamily="18" charset="0"/>
-                                                    </a:rPr>
-                                                  </m:ctrlPr>
-                                                </m:sSubPr>
-                                                <m:e>
-                                                  <m:r>
-                                                    <a:rPr kumimoji="1" lang="en-US" altLang="ja-JP" sz="2000" i="1">
-                                                      <a:latin typeface="Cambria Math" panose="02040503050406030204" pitchFamily="18" charset="0"/>
-                                                    </a:rPr>
-                                                    <m:t>𝐶</m:t>
-                                                  </m:r>
-                                                </m:e>
-                                                <m:sub>
-                                                  <m:r>
-                                                    <a:rPr kumimoji="1" lang="en-US" altLang="ja-JP" sz="2000" b="0" i="1" smtClean="0">
-                                                      <a:latin typeface="Cambria Math" panose="02040503050406030204" pitchFamily="18" charset="0"/>
-                                                    </a:rPr>
-                                                    <m:t>𝐹</m:t>
-                                                  </m:r>
-                                                </m:sub>
-                                              </m:sSub>
-                                              <m:sSub>
-                                                <m:sSubPr>
-                                                  <m:ctrlPr>
-                                                    <a:rPr kumimoji="1" lang="en-US" altLang="ja-JP" sz="2000" i="1">
-                                                      <a:latin typeface="Cambria Math" panose="02040503050406030204" pitchFamily="18" charset="0"/>
-                                                    </a:rPr>
-                                                  </m:ctrlPr>
-                                                </m:sSubPr>
-                                                <m:e>
-                                                  <m:r>
-                                                    <a:rPr kumimoji="1" lang="en-US" altLang="ja-JP" sz="2000" i="1">
-                                                      <a:latin typeface="Cambria Math" panose="02040503050406030204" pitchFamily="18" charset="0"/>
-                                                    </a:rPr>
-                                                    <m:t>𝛼</m:t>
-                                                  </m:r>
-                                                </m:e>
-                                                <m:sub>
-                                                  <m:r>
-                                                    <a:rPr kumimoji="1" lang="en-US" altLang="ja-JP" sz="2000" i="1">
-                                                      <a:latin typeface="Cambria Math" panose="02040503050406030204" pitchFamily="18" charset="0"/>
-                                                    </a:rPr>
-                                                    <m:t>𝑠𝑅𝐺𝐵</m:t>
-                                                  </m:r>
-                                                </m:sub>
-                                              </m:sSub>
-                                              <m:r>
-                                                <a:rPr kumimoji="1" lang="en-US" altLang="ja-JP" sz="2000" i="1">
-                                                  <a:latin typeface="Cambria Math" panose="02040503050406030204" pitchFamily="18" charset="0"/>
-                                                </a:rPr>
-                                                <m:t>+</m:t>
-                                              </m:r>
-                                              <m:sSub>
-                                                <m:sSubPr>
-                                                  <m:ctrlPr>
-                                                    <a:rPr kumimoji="1" lang="en-US" altLang="ja-JP" sz="2000" i="1">
-                                                      <a:latin typeface="Cambria Math" panose="02040503050406030204" pitchFamily="18" charset="0"/>
-                                                    </a:rPr>
-                                                  </m:ctrlPr>
-                                                </m:sSubPr>
-                                                <m:e>
-                                                  <m:r>
-                                                    <a:rPr kumimoji="1" lang="en-US" altLang="ja-JP" sz="2000" i="1">
-                                                      <a:latin typeface="Cambria Math" panose="02040503050406030204" pitchFamily="18" charset="0"/>
-                                                    </a:rPr>
-                                                    <m:t>𝐶</m:t>
-                                                  </m:r>
-                                                </m:e>
-                                                <m:sub>
-                                                  <m:r>
-                                                    <a:rPr kumimoji="1" lang="en-US" altLang="ja-JP" sz="2000" b="0" i="1" smtClean="0">
-                                                      <a:latin typeface="Cambria Math" panose="02040503050406030204" pitchFamily="18" charset="0"/>
-                                                    </a:rPr>
-                                                    <m:t>𝐵</m:t>
-                                                  </m:r>
-                                                </m:sub>
-                                              </m:sSub>
-                                              <m:r>
-                                                <a:rPr kumimoji="1" lang="en-US" altLang="ja-JP" sz="2000" i="1">
-                                                  <a:latin typeface="Cambria Math" panose="02040503050406030204" pitchFamily="18" charset="0"/>
-                                                </a:rPr>
-                                                <m:t>(1−</m:t>
-                                              </m:r>
-                                              <m:sSub>
-                                                <m:sSubPr>
-                                                  <m:ctrlPr>
-                                                    <a:rPr kumimoji="1" lang="en-US" altLang="ja-JP" sz="2000" i="1">
-                                                      <a:latin typeface="Cambria Math" panose="02040503050406030204" pitchFamily="18" charset="0"/>
-                                                    </a:rPr>
-                                                  </m:ctrlPr>
-                                                </m:sSubPr>
-                                                <m:e>
-                                                  <m:r>
-                                                    <a:rPr kumimoji="1" lang="en-US" altLang="ja-JP" sz="2000" i="1">
-                                                      <a:latin typeface="Cambria Math" panose="02040503050406030204" pitchFamily="18" charset="0"/>
-                                                    </a:rPr>
-                                                    <m:t>𝛼</m:t>
-                                                  </m:r>
-                                                </m:e>
-                                                <m:sub>
-                                                  <m:r>
-                                                    <a:rPr kumimoji="1" lang="en-US" altLang="ja-JP" sz="2000" i="1">
-                                                      <a:latin typeface="Cambria Math" panose="02040503050406030204" pitchFamily="18" charset="0"/>
-                                                    </a:rPr>
-                                                    <m:t>𝑠𝑅𝐺𝐵</m:t>
-                                                  </m:r>
-                                                </m:sub>
-                                              </m:sSub>
-                                              <m:r>
-                                                <a:rPr kumimoji="1" lang="en-US" altLang="ja-JP" sz="2000" i="1">
-                                                  <a:latin typeface="Cambria Math" panose="02040503050406030204" pitchFamily="18" charset="0"/>
-                                                </a:rPr>
-                                                <m:t>)+0.055</m:t>
-                                              </m:r>
-                                            </m:num>
-                                            <m:den>
-                                              <m:r>
-                                                <a:rPr kumimoji="1" lang="en-US" altLang="ja-JP" sz="2000" i="1">
-                                                  <a:latin typeface="Cambria Math" panose="02040503050406030204" pitchFamily="18" charset="0"/>
-                                                </a:rPr>
-                                                <m:t>1.055</m:t>
-                                              </m:r>
-                                            </m:den>
-                                          </m:f>
-                                        </m:e>
-                                      </m:d>
-                                    </m:e>
-                                    <m:sup>
-                                      <m:r>
-                                        <a:rPr kumimoji="1" lang="en-US" altLang="ja-JP" sz="2000" i="1">
-                                          <a:latin typeface="Cambria Math" panose="02040503050406030204" pitchFamily="18" charset="0"/>
-                                        </a:rPr>
-                                        <m:t>2.4</m:t>
-                                      </m:r>
-                                    </m:sup>
-                                  </m:sSup>
-                                  <m:r>
-                                    <a:rPr kumimoji="1" lang="en-US" altLang="ja-JP" sz="2000" b="0" i="1" smtClean="0">
-                                      <a:latin typeface="Cambria Math" panose="02040503050406030204" pitchFamily="18" charset="0"/>
-                                    </a:rPr>
-                                    <m:t>−</m:t>
-                                  </m:r>
-                                  <m:sSup>
-                                    <m:sSupPr>
-                                      <m:ctrlPr>
-                                        <a:rPr kumimoji="1" lang="en-US" altLang="ja-JP" sz="2000" i="1">
-                                          <a:latin typeface="Cambria Math" panose="02040503050406030204" pitchFamily="18" charset="0"/>
-                                        </a:rPr>
-                                      </m:ctrlPr>
-                                    </m:sSupPr>
-                                    <m:e>
-                                      <m:d>
-                                        <m:dPr>
-                                          <m:ctrlPr>
-                                            <a:rPr kumimoji="1" lang="en-US" altLang="ja-JP" sz="2000" i="1">
-                                              <a:latin typeface="Cambria Math" panose="02040503050406030204" pitchFamily="18" charset="0"/>
-                                            </a:rPr>
-                                          </m:ctrlPr>
-                                        </m:dPr>
-                                        <m:e>
-                                          <m:f>
-                                            <m:fPr>
-                                              <m:ctrlPr>
-                                                <a:rPr kumimoji="1" lang="en-US" altLang="ja-JP" sz="2000" i="1">
-                                                  <a:latin typeface="Cambria Math" panose="02040503050406030204" pitchFamily="18" charset="0"/>
-                                                </a:rPr>
-                                              </m:ctrlPr>
-                                            </m:fPr>
-                                            <m:num>
-                                              <m:sSub>
-                                                <m:sSubPr>
-                                                  <m:ctrlPr>
-                                                    <a:rPr kumimoji="1" lang="en-US" altLang="ja-JP" sz="2000" b="0" i="1" smtClean="0">
-                                                      <a:latin typeface="Cambria Math" panose="02040503050406030204" pitchFamily="18" charset="0"/>
-                                                    </a:rPr>
-                                                  </m:ctrlPr>
-                                                </m:sSubPr>
-                                                <m:e>
-                                                  <m:r>
-                                                    <a:rPr kumimoji="1" lang="en-US" altLang="ja-JP" sz="2000" b="0" i="1" smtClean="0">
-                                                      <a:latin typeface="Cambria Math" panose="02040503050406030204" pitchFamily="18" charset="0"/>
-                                                    </a:rPr>
-                                                    <m:t>𝐶</m:t>
-                                                  </m:r>
-                                                </m:e>
-                                                <m:sub>
-                                                  <m:r>
-                                                    <a:rPr kumimoji="1" lang="en-US" altLang="ja-JP" sz="2000" b="0" i="1" smtClean="0">
-                                                      <a:latin typeface="Cambria Math" panose="02040503050406030204" pitchFamily="18" charset="0"/>
-                                                    </a:rPr>
-                                                    <m:t>𝐵</m:t>
-                                                  </m:r>
-                                                </m:sub>
-                                              </m:sSub>
-                                              <m:r>
-                                                <a:rPr kumimoji="1" lang="en-US" altLang="ja-JP" sz="2000" i="1">
-                                                  <a:latin typeface="Cambria Math" panose="02040503050406030204" pitchFamily="18" charset="0"/>
-                                                </a:rPr>
-                                                <m:t>+0.055</m:t>
-                                              </m:r>
-                                            </m:num>
-                                            <m:den>
-                                              <m:r>
-                                                <a:rPr kumimoji="1" lang="en-US" altLang="ja-JP" sz="2000" i="1">
-                                                  <a:latin typeface="Cambria Math" panose="02040503050406030204" pitchFamily="18" charset="0"/>
-                                                </a:rPr>
-                                                <m:t>1.055</m:t>
-                                              </m:r>
-                                            </m:den>
-                                          </m:f>
-                                        </m:e>
-                                      </m:d>
-                                    </m:e>
-                                    <m:sup>
-                                      <m:r>
-                                        <a:rPr kumimoji="1" lang="en-US" altLang="ja-JP" sz="2000" i="1">
-                                          <a:latin typeface="Cambria Math" panose="02040503050406030204" pitchFamily="18" charset="0"/>
-                                        </a:rPr>
-                                        <m:t>2.4</m:t>
-                                      </m:r>
-                                    </m:sup>
-                                  </m:sSup>
-                                </m:num>
-                                <m:den>
-                                  <m:sSup>
-                                    <m:sSupPr>
-                                      <m:ctrlPr>
-                                        <a:rPr kumimoji="1" lang="en-US" altLang="ja-JP" sz="2000" i="1">
-                                          <a:latin typeface="Cambria Math" panose="02040503050406030204" pitchFamily="18" charset="0"/>
-                                        </a:rPr>
-                                      </m:ctrlPr>
-                                    </m:sSupPr>
-                                    <m:e>
-                                      <m:d>
-                                        <m:dPr>
-                                          <m:ctrlPr>
-                                            <a:rPr kumimoji="1" lang="en-US" altLang="ja-JP" sz="2000" i="1">
-                                              <a:latin typeface="Cambria Math" panose="02040503050406030204" pitchFamily="18" charset="0"/>
-                                            </a:rPr>
-                                          </m:ctrlPr>
-                                        </m:dPr>
-                                        <m:e>
-                                          <m:f>
-                                            <m:fPr>
-                                              <m:ctrlPr>
-                                                <a:rPr kumimoji="1" lang="en-US" altLang="ja-JP" sz="2000" i="1">
-                                                  <a:latin typeface="Cambria Math" panose="02040503050406030204" pitchFamily="18" charset="0"/>
-                                                </a:rPr>
-                                              </m:ctrlPr>
-                                            </m:fPr>
-                                            <m:num>
-                                              <m:sSub>
-                                                <m:sSubPr>
-                                                  <m:ctrlPr>
-                                                    <a:rPr kumimoji="1" lang="en-US" altLang="ja-JP" sz="2000" i="1">
-                                                      <a:latin typeface="Cambria Math" panose="02040503050406030204" pitchFamily="18" charset="0"/>
-                                                    </a:rPr>
-                                                  </m:ctrlPr>
-                                                </m:sSubPr>
-                                                <m:e>
-                                                  <m:r>
-                                                    <a:rPr kumimoji="1" lang="en-US" altLang="ja-JP" sz="2000" i="1">
-                                                      <a:latin typeface="Cambria Math" panose="02040503050406030204" pitchFamily="18" charset="0"/>
-                                                    </a:rPr>
-                                                    <m:t>𝐶</m:t>
-                                                  </m:r>
-                                                </m:e>
-                                                <m:sub>
-                                                  <m:r>
-                                                    <a:rPr kumimoji="1" lang="en-US" altLang="ja-JP" sz="2000" b="0" i="1" smtClean="0">
-                                                      <a:latin typeface="Cambria Math" panose="02040503050406030204" pitchFamily="18" charset="0"/>
-                                                    </a:rPr>
-                                                    <m:t>𝐹</m:t>
-                                                  </m:r>
-                                                </m:sub>
-                                              </m:sSub>
-                                              <m:r>
-                                                <a:rPr kumimoji="1" lang="en-US" altLang="ja-JP" sz="2000" i="1">
-                                                  <a:latin typeface="Cambria Math" panose="02040503050406030204" pitchFamily="18" charset="0"/>
-                                                </a:rPr>
-                                                <m:t>+0.055</m:t>
-                                              </m:r>
-                                            </m:num>
-                                            <m:den>
-                                              <m:r>
-                                                <a:rPr kumimoji="1" lang="en-US" altLang="ja-JP" sz="2000" i="1">
-                                                  <a:latin typeface="Cambria Math" panose="02040503050406030204" pitchFamily="18" charset="0"/>
-                                                </a:rPr>
-                                                <m:t>1.055</m:t>
-                                              </m:r>
-                                            </m:den>
-                                          </m:f>
-                                        </m:e>
-                                      </m:d>
-                                    </m:e>
-                                    <m:sup>
-                                      <m:r>
-                                        <a:rPr kumimoji="1" lang="en-US" altLang="ja-JP" sz="2000" i="1">
-                                          <a:latin typeface="Cambria Math" panose="02040503050406030204" pitchFamily="18" charset="0"/>
-                                        </a:rPr>
-                                        <m:t>2.4</m:t>
-                                      </m:r>
-                                    </m:sup>
-                                  </m:sSup>
-                                  <m:r>
-                                    <a:rPr kumimoji="1" lang="en-US" altLang="ja-JP" sz="2000" i="1">
-                                      <a:latin typeface="Cambria Math" panose="02040503050406030204" pitchFamily="18" charset="0"/>
-                                    </a:rPr>
-                                    <m:t>−</m:t>
-                                  </m:r>
-                                  <m:sSup>
-                                    <m:sSupPr>
-                                      <m:ctrlPr>
-                                        <a:rPr kumimoji="1" lang="en-US" altLang="ja-JP" sz="2000" i="1">
-                                          <a:latin typeface="Cambria Math" panose="02040503050406030204" pitchFamily="18" charset="0"/>
-                                        </a:rPr>
-                                      </m:ctrlPr>
-                                    </m:sSupPr>
-                                    <m:e>
-                                      <m:d>
-                                        <m:dPr>
-                                          <m:ctrlPr>
-                                            <a:rPr kumimoji="1" lang="en-US" altLang="ja-JP" sz="2000" i="1">
-                                              <a:latin typeface="Cambria Math" panose="02040503050406030204" pitchFamily="18" charset="0"/>
-                                            </a:rPr>
-                                          </m:ctrlPr>
-                                        </m:dPr>
-                                        <m:e>
-                                          <m:f>
-                                            <m:fPr>
-                                              <m:ctrlPr>
-                                                <a:rPr kumimoji="1" lang="en-US" altLang="ja-JP" sz="2000" i="1">
-                                                  <a:latin typeface="Cambria Math" panose="02040503050406030204" pitchFamily="18" charset="0"/>
-                                                </a:rPr>
-                                              </m:ctrlPr>
-                                            </m:fPr>
-                                            <m:num>
-                                              <m:sSub>
-                                                <m:sSubPr>
-                                                  <m:ctrlPr>
-                                                    <a:rPr kumimoji="1" lang="en-US" altLang="ja-JP" sz="2000" i="1">
-                                                      <a:latin typeface="Cambria Math" panose="02040503050406030204" pitchFamily="18" charset="0"/>
-                                                    </a:rPr>
-                                                  </m:ctrlPr>
-                                                </m:sSubPr>
-                                                <m:e>
-                                                  <m:r>
-                                                    <a:rPr kumimoji="1" lang="en-US" altLang="ja-JP" sz="2000" i="1">
-                                                      <a:latin typeface="Cambria Math" panose="02040503050406030204" pitchFamily="18" charset="0"/>
-                                                    </a:rPr>
-                                                    <m:t>𝐶</m:t>
-                                                  </m:r>
-                                                </m:e>
-                                                <m:sub>
-                                                  <m:r>
-                                                    <a:rPr kumimoji="1" lang="en-US" altLang="ja-JP" sz="2000" i="1">
-                                                      <a:latin typeface="Cambria Math" panose="02040503050406030204" pitchFamily="18" charset="0"/>
-                                                    </a:rPr>
-                                                    <m:t>𝐵</m:t>
-                                                  </m:r>
-                                                </m:sub>
-                                              </m:sSub>
-                                              <m:r>
-                                                <a:rPr kumimoji="1" lang="en-US" altLang="ja-JP" sz="2000" i="1">
-                                                  <a:latin typeface="Cambria Math" panose="02040503050406030204" pitchFamily="18" charset="0"/>
-                                                </a:rPr>
-                                                <m:t>+0.055</m:t>
-                                              </m:r>
-                                            </m:num>
-                                            <m:den>
-                                              <m:r>
-                                                <a:rPr kumimoji="1" lang="en-US" altLang="ja-JP" sz="2000" i="1">
-                                                  <a:latin typeface="Cambria Math" panose="02040503050406030204" pitchFamily="18" charset="0"/>
-                                                </a:rPr>
-                                                <m:t>1.055</m:t>
-                                              </m:r>
-                                            </m:den>
-                                          </m:f>
-                                        </m:e>
-                                      </m:d>
-                                    </m:e>
-                                    <m:sup>
-                                      <m:r>
-                                        <a:rPr kumimoji="1" lang="en-US" altLang="ja-JP" sz="2000" i="1">
-                                          <a:latin typeface="Cambria Math" panose="02040503050406030204" pitchFamily="18" charset="0"/>
-                                        </a:rPr>
-                                        <m:t>2.4</m:t>
-                                      </m:r>
-                                    </m:sup>
-                                  </m:sSup>
-                                </m:den>
-                              </m:f>
-                              <m:r>
-                                <a:rPr kumimoji="1" lang="en-US" altLang="ja-JP" sz="2000" b="0" i="1" smtClean="0">
-                                  <a:latin typeface="Cambria Math" panose="02040503050406030204" pitchFamily="18" charset="0"/>
-                                </a:rPr>
-                                <m:t>,  </m:t>
-                              </m:r>
-                              <m:sSub>
-                                <m:sSubPr>
-                                  <m:ctrlPr>
-                                    <a:rPr kumimoji="1" lang="en-US" altLang="ja-JP" sz="2000" i="1">
-                                      <a:latin typeface="Cambria Math" panose="02040503050406030204" pitchFamily="18" charset="0"/>
-                                    </a:rPr>
-                                  </m:ctrlPr>
-                                </m:sSubPr>
-                                <m:e>
-                                  <m:r>
-                                    <a:rPr kumimoji="1" lang="en-US" altLang="ja-JP" sz="2000" i="1">
-                                      <a:latin typeface="Cambria Math" panose="02040503050406030204" pitchFamily="18" charset="0"/>
-                                    </a:rPr>
-                                    <m:t>𝐶</m:t>
-                                  </m:r>
-                                </m:e>
-                                <m:sub>
-                                  <m:r>
-                                    <a:rPr kumimoji="1" lang="en-US" altLang="ja-JP" sz="2000" i="1">
-                                      <a:latin typeface="Cambria Math" panose="02040503050406030204" pitchFamily="18" charset="0"/>
-                                    </a:rPr>
-                                    <m:t>𝑠𝑅𝐺𝐵</m:t>
-                                  </m:r>
-                                </m:sub>
-                              </m:sSub>
-                              <m:r>
-                                <a:rPr kumimoji="1" lang="en-US" altLang="ja-JP" sz="2000" b="0" i="1" smtClean="0">
-                                  <a:latin typeface="Cambria Math" panose="02040503050406030204" pitchFamily="18" charset="0"/>
-                                </a:rPr>
-                                <m:t>&gt;0.04050</m:t>
-                              </m:r>
-                            </m:e>
-                          </m:eqArr>
-                        </m:e>
-                      </m:d>
-                    </m:oMath>
-                  </m:oMathPara>
-                </a14:m>
-                <a:endParaRPr kumimoji="1" lang="ja-JP" altLang="en-US" sz="2000" dirty="0"/>
-              </a:p>
-            </p:txBody>
-          </p:sp>
-        </mc:Choice>
-        <mc:Fallback>
-          <p:sp>
-            <p:nvSpPr>
-              <p:cNvPr id="15" name="テキスト ボックス 14">
-                <a:extLst>
-                  <a:ext uri="{FF2B5EF4-FFF2-40B4-BE49-F238E27FC236}">
-                    <a16:creationId xmlns:a16="http://schemas.microsoft.com/office/drawing/2014/main" id="{6DE930A2-CD26-49D1-9560-9016A2D3EC9C}"/>
-                  </a:ext>
-                </a:extLst>
-              </p:cNvPr>
-              <p:cNvSpPr txBox="1">
-                <a:spLocks noRot="1" noChangeAspect="1" noMove="1" noResize="1" noEditPoints="1" noAdjustHandles="1" noChangeArrowheads="1" noChangeShapeType="1" noTextEdit="1"/>
-              </p:cNvSpPr>
-              <p:nvPr/>
-            </p:nvSpPr>
-            <p:spPr>
-              <a:xfrm>
-                <a:off x="1204799" y="1041146"/>
-                <a:ext cx="9934304" cy="1942968"/>
-              </a:xfrm>
-              <a:prstGeom prst="rect">
-                <a:avLst/>
-              </a:prstGeom>
-              <a:blipFill>
-                <a:blip r:embed="rId6"/>
-                <a:stretch>
-                  <a:fillRect/>
-                </a:stretch>
-              </a:blipFill>
-              <a:ln w="28575">
-                <a:noFill/>
-              </a:ln>
-            </p:spPr>
-            <p:txBody>
-              <a:bodyPr/>
-              <a:lstStyle/>
-              <a:p>
-                <a:r>
-                  <a:rPr lang="ja-JP" altLang="en-US">
-                    <a:noFill/>
-                  </a:rPr>
-                  <a:t> </a:t>
-                </a:r>
-              </a:p>
-            </p:txBody>
-          </p:sp>
-        </mc:Fallback>
-      </mc:AlternateContent>
       <p:sp>
         <p:nvSpPr>
           <p:cNvPr id="3" name="スライド番号プレースホルダー 2">
@@ -5903,8 +4832,8 @@
           </a:p>
         </p:txBody>
       </p:sp>
-      <mc:AlternateContent xmlns:mc="http://schemas.openxmlformats.org/markup-compatibility/2006">
-        <mc:Choice xmlns:a14="http://schemas.microsoft.com/office/drawing/2010/main" Requires="a14">
+      <mc:AlternateContent xmlns:mc="http://schemas.openxmlformats.org/markup-compatibility/2006" xmlns:a14="http://schemas.microsoft.com/office/drawing/2010/main">
+        <mc:Choice Requires="a14">
           <p:sp>
             <p:nvSpPr>
               <p:cNvPr id="13" name="テキスト ボックス 12">
@@ -5920,7 +4849,7 @@
             <p:spPr>
               <a:xfrm>
                 <a:off x="936666" y="7348706"/>
-                <a:ext cx="11502081" cy="2055563"/>
+                <a:ext cx="11502081" cy="1243995"/>
               </a:xfrm>
               <a:prstGeom prst="rect">
                 <a:avLst/>
@@ -5971,187 +4900,40 @@
                         </a:rPr>
                         <m:t>=</m:t>
                       </m:r>
-                      <m:d>
-                        <m:dPr>
-                          <m:begChr m:val="{"/>
-                          <m:endChr m:val=""/>
+                      <m:f>
+                        <m:fPr>
                           <m:ctrlPr>
-                            <a:rPr kumimoji="1" lang="en-US" altLang="ja-JP" sz="2400" b="0" i="1" smtClean="0">
+                            <a:rPr kumimoji="1" lang="en-US" altLang="ja-JP" sz="2400" i="1">
                               <a:latin typeface="Cambria Math" panose="02040503050406030204" pitchFamily="18" charset="0"/>
                             </a:rPr>
                           </m:ctrlPr>
-                        </m:dPr>
-                        <m:e>
-                          <m:eqArr>
-                            <m:eqArrPr>
+                        </m:fPr>
+                        <m:num>
+                          <m:r>
+                            <a:rPr kumimoji="1" lang="en-US" altLang="ja-JP" sz="2400" i="1">
+                              <a:latin typeface="Cambria Math" panose="02040503050406030204" pitchFamily="18" charset="0"/>
+                            </a:rPr>
+                            <m:t>1</m:t>
+                          </m:r>
+                        </m:num>
+                        <m:den>
+                          <m:r>
+                            <a:rPr kumimoji="1" lang="en-US" altLang="ja-JP" sz="2400" i="1">
+                              <a:latin typeface="Cambria Math" panose="02040503050406030204" pitchFamily="18" charset="0"/>
+                            </a:rPr>
+                            <m:t>1−</m:t>
+                          </m:r>
+                          <m:sSup>
+                            <m:sSupPr>
                               <m:ctrlPr>
-                                <a:rPr kumimoji="1" lang="en-US" altLang="ja-JP" sz="2400" b="0" i="1" smtClean="0">
+                                <a:rPr kumimoji="1" lang="en-US" altLang="ja-JP" sz="2400" i="1">
                                   <a:latin typeface="Cambria Math" panose="02040503050406030204" pitchFamily="18" charset="0"/>
                                 </a:rPr>
                               </m:ctrlPr>
-                            </m:eqArrPr>
+                            </m:sSupPr>
                             <m:e>
-                              <m:sSub>
-                                <m:sSubPr>
-                                  <m:ctrlPr>
-                                    <a:rPr kumimoji="1" lang="en-US" altLang="ja-JP" sz="2400" i="1">
-                                      <a:latin typeface="Cambria Math" panose="02040503050406030204" pitchFamily="18" charset="0"/>
-                                    </a:rPr>
-                                  </m:ctrlPr>
-                                </m:sSubPr>
-                                <m:e>
-                                  <m:r>
-                                    <a:rPr kumimoji="1" lang="en-US" altLang="ja-JP" sz="2400" i="1">
-                                      <a:latin typeface="Cambria Math" panose="02040503050406030204" pitchFamily="18" charset="0"/>
-                                    </a:rPr>
-                                    <m:t>𝛼</m:t>
-                                  </m:r>
-                                </m:e>
-                                <m:sub>
-                                  <m:r>
-                                    <a:rPr kumimoji="1" lang="en-US" altLang="ja-JP" sz="2400" i="1">
-                                      <a:latin typeface="Cambria Math" panose="02040503050406030204" pitchFamily="18" charset="0"/>
-                                    </a:rPr>
-                                    <m:t>𝑠𝑅𝐺𝐵</m:t>
-                                  </m:r>
-                                </m:sub>
-                              </m:sSub>
-                              <m:r>
-                                <a:rPr kumimoji="1" lang="en-US" altLang="ja-JP" sz="2400" b="0" i="1" smtClean="0">
-                                  <a:latin typeface="Cambria Math" panose="02040503050406030204" pitchFamily="18" charset="0"/>
-                                </a:rPr>
-                                <m:t>,                                                                            </m:t>
-                              </m:r>
-                              <m:r>
-                                <a:rPr kumimoji="1" lang="en-US" altLang="ja-JP" sz="2400" b="0" i="1" smtClean="0">
-                                  <a:latin typeface="Cambria Math" panose="02040503050406030204" pitchFamily="18" charset="0"/>
-                                </a:rPr>
-                                <m:t>       </m:t>
-                              </m:r>
-                              <m:r>
-                                <a:rPr kumimoji="1" lang="en-US" altLang="ja-JP" sz="2400" b="0" i="1" smtClean="0">
-                                  <a:latin typeface="Cambria Math" panose="02040503050406030204" pitchFamily="18" charset="0"/>
-                                </a:rPr>
-                                <m:t>      </m:t>
-                              </m:r>
-                              <m:sSub>
-                                <m:sSubPr>
-                                  <m:ctrlPr>
-                                    <a:rPr kumimoji="1" lang="en-US" altLang="ja-JP" sz="2400" b="0" i="1" smtClean="0">
-                                      <a:latin typeface="Cambria Math" panose="02040503050406030204" pitchFamily="18" charset="0"/>
-                                    </a:rPr>
-                                  </m:ctrlPr>
-                                </m:sSubPr>
-                                <m:e>
-                                  <m:r>
-                                    <a:rPr kumimoji="1" lang="en-US" altLang="ja-JP" sz="2400" b="0" i="1" smtClean="0">
-                                      <a:latin typeface="Cambria Math" panose="02040503050406030204" pitchFamily="18" charset="0"/>
-                                    </a:rPr>
-                                    <m:t>𝛼</m:t>
-                                  </m:r>
-                                </m:e>
-                                <m:sub>
-                                  <m:r>
-                                    <a:rPr kumimoji="1" lang="en-US" altLang="ja-JP" sz="2400" b="0" i="1" smtClean="0">
-                                      <a:latin typeface="Cambria Math" panose="02040503050406030204" pitchFamily="18" charset="0"/>
-                                    </a:rPr>
-                                    <m:t>𝑠𝑅𝐺𝐵</m:t>
-                                  </m:r>
-                                </m:sub>
-                              </m:sSub>
-                              <m:r>
-                                <a:rPr kumimoji="1" lang="en-US" altLang="ja-JP" sz="2400" b="0" i="1" smtClean="0">
-                                  <a:latin typeface="Cambria Math" panose="02040503050406030204" pitchFamily="18" charset="0"/>
-                                </a:rPr>
-                                <m:t>≤0.04050</m:t>
-                              </m:r>
-                            </m:e>
-                            <m:e/>
-                            <m:e>
-                              <m:f>
-                                <m:fPr>
-                                  <m:ctrlPr>
-                                    <a:rPr kumimoji="1" lang="en-US" altLang="ja-JP" sz="2400" i="1">
-                                      <a:latin typeface="Cambria Math" panose="02040503050406030204" pitchFamily="18" charset="0"/>
-                                    </a:rPr>
-                                  </m:ctrlPr>
-                                </m:fPr>
-                                <m:num>
-                                  <m:r>
-                                    <a:rPr kumimoji="1" lang="en-US" altLang="ja-JP" sz="2400" i="1">
-                                      <a:latin typeface="Cambria Math" panose="02040503050406030204" pitchFamily="18" charset="0"/>
-                                    </a:rPr>
-                                    <m:t>1</m:t>
-                                  </m:r>
-                                </m:num>
-                                <m:den>
-                                  <m:r>
-                                    <a:rPr kumimoji="1" lang="en-US" altLang="ja-JP" sz="2400" i="1">
-                                      <a:latin typeface="Cambria Math" panose="02040503050406030204" pitchFamily="18" charset="0"/>
-                                    </a:rPr>
-                                    <m:t>1−</m:t>
-                                  </m:r>
-                                  <m:sSup>
-                                    <m:sSupPr>
-                                      <m:ctrlPr>
-                                        <a:rPr kumimoji="1" lang="en-US" altLang="ja-JP" sz="2400" i="1">
-                                          <a:latin typeface="Cambria Math" panose="02040503050406030204" pitchFamily="18" charset="0"/>
-                                        </a:rPr>
-                                      </m:ctrlPr>
-                                    </m:sSupPr>
-                                    <m:e>
-                                      <m:d>
-                                        <m:dPr>
-                                          <m:ctrlPr>
-                                            <a:rPr kumimoji="1" lang="en-US" altLang="ja-JP" sz="2400" i="1">
-                                              <a:latin typeface="Cambria Math" panose="02040503050406030204" pitchFamily="18" charset="0"/>
-                                            </a:rPr>
-                                          </m:ctrlPr>
-                                        </m:dPr>
-                                        <m:e>
-                                          <m:f>
-                                            <m:fPr>
-                                              <m:ctrlPr>
-                                                <a:rPr kumimoji="1" lang="en-US" altLang="ja-JP" sz="2400" i="1">
-                                                  <a:latin typeface="Cambria Math" panose="02040503050406030204" pitchFamily="18" charset="0"/>
-                                                </a:rPr>
-                                              </m:ctrlPr>
-                                            </m:fPr>
-                                            <m:num>
-                                              <m:r>
-                                                <a:rPr kumimoji="1" lang="en-US" altLang="ja-JP" sz="2400" i="1">
-                                                  <a:latin typeface="Cambria Math" panose="02040503050406030204" pitchFamily="18" charset="0"/>
-                                                </a:rPr>
-                                                <m:t>0.055</m:t>
-                                              </m:r>
-                                            </m:num>
-                                            <m:den>
-                                              <m:r>
-                                                <a:rPr kumimoji="1" lang="en-US" altLang="ja-JP" sz="2400" i="1">
-                                                  <a:latin typeface="Cambria Math" panose="02040503050406030204" pitchFamily="18" charset="0"/>
-                                                </a:rPr>
-                                                <m:t>1.055</m:t>
-                                              </m:r>
-                                            </m:den>
-                                          </m:f>
-                                        </m:e>
-                                      </m:d>
-                                    </m:e>
-                                    <m:sup>
-                                      <m:r>
-                                        <a:rPr kumimoji="1" lang="en-US" altLang="ja-JP" sz="2400" i="1">
-                                          <a:latin typeface="Cambria Math" panose="02040503050406030204" pitchFamily="18" charset="0"/>
-                                        </a:rPr>
-                                        <m:t>2.4</m:t>
-                                      </m:r>
-                                    </m:sup>
-                                  </m:sSup>
-                                </m:den>
-                              </m:f>
                               <m:d>
                                 <m:dPr>
-                                  <m:begChr m:val="["/>
-                                  <m:endChr m:val="]"/>
                                   <m:ctrlPr>
                                     <a:rPr kumimoji="1" lang="en-US" altLang="ja-JP" sz="2400" i="1">
                                       <a:latin typeface="Cambria Math" panose="02040503050406030204" pitchFamily="18" charset="0"/>
@@ -6159,194 +4941,203 @@
                                   </m:ctrlPr>
                                 </m:dPr>
                                 <m:e>
-                                  <m:sSup>
-                                    <m:sSupPr>
+                                  <m:f>
+                                    <m:fPr>
                                       <m:ctrlPr>
                                         <a:rPr kumimoji="1" lang="en-US" altLang="ja-JP" sz="2400" i="1">
                                           <a:latin typeface="Cambria Math" panose="02040503050406030204" pitchFamily="18" charset="0"/>
                                         </a:rPr>
                                       </m:ctrlPr>
-                                    </m:sSupPr>
-                                    <m:e>
-                                      <m:d>
-                                        <m:dPr>
+                                    </m:fPr>
+                                    <m:num>
+                                      <m:r>
+                                        <a:rPr kumimoji="1" lang="en-US" altLang="ja-JP" sz="2400" i="1">
+                                          <a:latin typeface="Cambria Math" panose="02040503050406030204" pitchFamily="18" charset="0"/>
+                                        </a:rPr>
+                                        <m:t>0.055</m:t>
+                                      </m:r>
+                                    </m:num>
+                                    <m:den>
+                                      <m:r>
+                                        <a:rPr kumimoji="1" lang="en-US" altLang="ja-JP" sz="2400" i="1">
+                                          <a:latin typeface="Cambria Math" panose="02040503050406030204" pitchFamily="18" charset="0"/>
+                                        </a:rPr>
+                                        <m:t>1.055</m:t>
+                                      </m:r>
+                                    </m:den>
+                                  </m:f>
+                                </m:e>
+                              </m:d>
+                            </m:e>
+                            <m:sup>
+                              <m:r>
+                                <a:rPr kumimoji="1" lang="en-US" altLang="ja-JP" sz="2400" i="1">
+                                  <a:latin typeface="Cambria Math" panose="02040503050406030204" pitchFamily="18" charset="0"/>
+                                </a:rPr>
+                                <m:t>2.4</m:t>
+                              </m:r>
+                            </m:sup>
+                          </m:sSup>
+                        </m:den>
+                      </m:f>
+                      <m:d>
+                        <m:dPr>
+                          <m:begChr m:val="["/>
+                          <m:endChr m:val="]"/>
+                          <m:ctrlPr>
+                            <a:rPr kumimoji="1" lang="en-US" altLang="ja-JP" sz="2400" i="1">
+                              <a:latin typeface="Cambria Math" panose="02040503050406030204" pitchFamily="18" charset="0"/>
+                            </a:rPr>
+                          </m:ctrlPr>
+                        </m:dPr>
+                        <m:e>
+                          <m:sSup>
+                            <m:sSupPr>
+                              <m:ctrlPr>
+                                <a:rPr kumimoji="1" lang="en-US" altLang="ja-JP" sz="2400" i="1">
+                                  <a:latin typeface="Cambria Math" panose="02040503050406030204" pitchFamily="18" charset="0"/>
+                                </a:rPr>
+                              </m:ctrlPr>
+                            </m:sSupPr>
+                            <m:e>
+                              <m:d>
+                                <m:dPr>
+                                  <m:ctrlPr>
+                                    <a:rPr kumimoji="1" lang="en-US" altLang="ja-JP" sz="2400" i="1">
+                                      <a:latin typeface="Cambria Math" panose="02040503050406030204" pitchFamily="18" charset="0"/>
+                                    </a:rPr>
+                                  </m:ctrlPr>
+                                </m:dPr>
+                                <m:e>
+                                  <m:f>
+                                    <m:fPr>
+                                      <m:ctrlPr>
+                                        <a:rPr kumimoji="1" lang="en-US" altLang="ja-JP" sz="2400" i="1">
+                                          <a:latin typeface="Cambria Math" panose="02040503050406030204" pitchFamily="18" charset="0"/>
+                                        </a:rPr>
+                                      </m:ctrlPr>
+                                    </m:fPr>
+                                    <m:num>
+                                      <m:r>
+                                        <a:rPr kumimoji="1" lang="en-US" altLang="ja-JP" sz="2400" i="1">
+                                          <a:latin typeface="Cambria Math" panose="02040503050406030204" pitchFamily="18" charset="0"/>
+                                        </a:rPr>
+                                        <m:t> </m:t>
+                                      </m:r>
+                                      <m:sSub>
+                                        <m:sSubPr>
                                           <m:ctrlPr>
                                             <a:rPr kumimoji="1" lang="en-US" altLang="ja-JP" sz="2400" i="1">
                                               <a:latin typeface="Cambria Math" panose="02040503050406030204" pitchFamily="18" charset="0"/>
                                             </a:rPr>
                                           </m:ctrlPr>
-                                        </m:dPr>
+                                        </m:sSubPr>
                                         <m:e>
-                                          <m:f>
-                                            <m:fPr>
-                                              <m:ctrlPr>
-                                                <a:rPr kumimoji="1" lang="en-US" altLang="ja-JP" sz="2400" i="1">
-                                                  <a:latin typeface="Cambria Math" panose="02040503050406030204" pitchFamily="18" charset="0"/>
-                                                </a:rPr>
-                                              </m:ctrlPr>
-                                            </m:fPr>
-                                            <m:num>
-                                              <m:r>
-                                                <a:rPr kumimoji="1" lang="en-US" altLang="ja-JP" sz="2400" i="1">
-                                                  <a:latin typeface="Cambria Math" panose="02040503050406030204" pitchFamily="18" charset="0"/>
-                                                </a:rPr>
-                                                <m:t> </m:t>
-                                              </m:r>
-                                              <m:sSub>
-                                                <m:sSubPr>
-                                                  <m:ctrlPr>
-                                                    <a:rPr kumimoji="1" lang="en-US" altLang="ja-JP" sz="2400" i="1">
-                                                      <a:latin typeface="Cambria Math" panose="02040503050406030204" pitchFamily="18" charset="0"/>
-                                                    </a:rPr>
-                                                  </m:ctrlPr>
-                                                </m:sSubPr>
-                                                <m:e>
-                                                  <m:r>
-                                                    <a:rPr kumimoji="1" lang="en-US" altLang="ja-JP" sz="2400" i="1">
-                                                      <a:latin typeface="Cambria Math" panose="02040503050406030204" pitchFamily="18" charset="0"/>
-                                                    </a:rPr>
-                                                    <m:t>𝛼</m:t>
-                                                  </m:r>
-                                                </m:e>
-                                                <m:sub>
-                                                  <m:r>
-                                                    <a:rPr kumimoji="1" lang="en-US" altLang="ja-JP" sz="2400" i="1">
-                                                      <a:latin typeface="Cambria Math" panose="02040503050406030204" pitchFamily="18" charset="0"/>
-                                                    </a:rPr>
-                                                    <m:t>𝑠𝑅𝐺𝐵</m:t>
-                                                  </m:r>
-                                                </m:sub>
-                                              </m:sSub>
-                                              <m:r>
-                                                <a:rPr kumimoji="1" lang="en-US" altLang="ja-JP" sz="2400" i="1">
-                                                  <a:latin typeface="Cambria Math" panose="02040503050406030204" pitchFamily="18" charset="0"/>
-                                                </a:rPr>
-                                                <m:t>+0.055</m:t>
-                                              </m:r>
-                                            </m:num>
-                                            <m:den>
-                                              <m:r>
-                                                <a:rPr kumimoji="1" lang="en-US" altLang="ja-JP" sz="2400" i="1">
-                                                  <a:latin typeface="Cambria Math" panose="02040503050406030204" pitchFamily="18" charset="0"/>
-                                                </a:rPr>
-                                                <m:t>1.055</m:t>
-                                              </m:r>
-                                            </m:den>
-                                          </m:f>
+                                          <m:r>
+                                            <a:rPr kumimoji="1" lang="en-US" altLang="ja-JP" sz="2400" i="1">
+                                              <a:latin typeface="Cambria Math" panose="02040503050406030204" pitchFamily="18" charset="0"/>
+                                            </a:rPr>
+                                            <m:t>𝛼</m:t>
+                                          </m:r>
                                         </m:e>
-                                      </m:d>
-                                    </m:e>
-                                    <m:sup>
+                                        <m:sub>
+                                          <m:r>
+                                            <a:rPr kumimoji="1" lang="en-US" altLang="ja-JP" sz="2400" i="1">
+                                              <a:latin typeface="Cambria Math" panose="02040503050406030204" pitchFamily="18" charset="0"/>
+                                            </a:rPr>
+                                            <m:t>𝑠𝑅𝐺𝐵</m:t>
+                                          </m:r>
+                                        </m:sub>
+                                      </m:sSub>
                                       <m:r>
                                         <a:rPr kumimoji="1" lang="en-US" altLang="ja-JP" sz="2400" i="1">
                                           <a:latin typeface="Cambria Math" panose="02040503050406030204" pitchFamily="18" charset="0"/>
                                         </a:rPr>
-                                        <m:t>2.4</m:t>
+                                        <m:t>+0.055</m:t>
                                       </m:r>
-                                    </m:sup>
-                                  </m:sSup>
-                                  <m:r>
+                                    </m:num>
+                                    <m:den>
+                                      <m:r>
+                                        <a:rPr kumimoji="1" lang="en-US" altLang="ja-JP" sz="2400" i="1">
+                                          <a:latin typeface="Cambria Math" panose="02040503050406030204" pitchFamily="18" charset="0"/>
+                                        </a:rPr>
+                                        <m:t>1.055</m:t>
+                                      </m:r>
+                                    </m:den>
+                                  </m:f>
+                                </m:e>
+                              </m:d>
+                            </m:e>
+                            <m:sup>
+                              <m:r>
+                                <a:rPr kumimoji="1" lang="en-US" altLang="ja-JP" sz="2400" i="1">
+                                  <a:latin typeface="Cambria Math" panose="02040503050406030204" pitchFamily="18" charset="0"/>
+                                </a:rPr>
+                                <m:t>2.4</m:t>
+                              </m:r>
+                            </m:sup>
+                          </m:sSup>
+                          <m:r>
+                            <a:rPr kumimoji="1" lang="en-US" altLang="ja-JP" sz="2400" i="1">
+                              <a:latin typeface="Cambria Math" panose="02040503050406030204" pitchFamily="18" charset="0"/>
+                            </a:rPr>
+                            <m:t>−</m:t>
+                          </m:r>
+                          <m:sSup>
+                            <m:sSupPr>
+                              <m:ctrlPr>
+                                <a:rPr kumimoji="1" lang="en-US" altLang="ja-JP" sz="2400" i="1">
+                                  <a:latin typeface="Cambria Math" panose="02040503050406030204" pitchFamily="18" charset="0"/>
+                                </a:rPr>
+                              </m:ctrlPr>
+                            </m:sSupPr>
+                            <m:e>
+                              <m:d>
+                                <m:dPr>
+                                  <m:ctrlPr>
                                     <a:rPr kumimoji="1" lang="en-US" altLang="ja-JP" sz="2400" i="1">
                                       <a:latin typeface="Cambria Math" panose="02040503050406030204" pitchFamily="18" charset="0"/>
                                     </a:rPr>
-                                    <m:t>−</m:t>
-                                  </m:r>
-                                  <m:sSup>
-                                    <m:sSupPr>
+                                  </m:ctrlPr>
+                                </m:dPr>
+                                <m:e>
+                                  <m:f>
+                                    <m:fPr>
                                       <m:ctrlPr>
                                         <a:rPr kumimoji="1" lang="en-US" altLang="ja-JP" sz="2400" i="1">
                                           <a:latin typeface="Cambria Math" panose="02040503050406030204" pitchFamily="18" charset="0"/>
                                         </a:rPr>
                                       </m:ctrlPr>
-                                    </m:sSupPr>
-                                    <m:e>
-                                      <m:d>
-                                        <m:dPr>
-                                          <m:ctrlPr>
-                                            <a:rPr kumimoji="1" lang="en-US" altLang="ja-JP" sz="2400" i="1">
-                                              <a:latin typeface="Cambria Math" panose="02040503050406030204" pitchFamily="18" charset="0"/>
-                                            </a:rPr>
-                                          </m:ctrlPr>
-                                        </m:dPr>
-                                        <m:e>
-                                          <m:f>
-                                            <m:fPr>
-                                              <m:ctrlPr>
-                                                <a:rPr kumimoji="1" lang="en-US" altLang="ja-JP" sz="2400" i="1">
-                                                  <a:latin typeface="Cambria Math" panose="02040503050406030204" pitchFamily="18" charset="0"/>
-                                                </a:rPr>
-                                              </m:ctrlPr>
-                                            </m:fPr>
-                                            <m:num>
-                                              <m:r>
-                                                <a:rPr kumimoji="1" lang="en-US" altLang="ja-JP" sz="2400" i="1">
-                                                  <a:latin typeface="Cambria Math" panose="02040503050406030204" pitchFamily="18" charset="0"/>
-                                                </a:rPr>
-                                                <m:t>0.055</m:t>
-                                              </m:r>
-                                            </m:num>
-                                            <m:den>
-                                              <m:r>
-                                                <a:rPr kumimoji="1" lang="en-US" altLang="ja-JP" sz="2400" i="1">
-                                                  <a:latin typeface="Cambria Math" panose="02040503050406030204" pitchFamily="18" charset="0"/>
-                                                </a:rPr>
-                                                <m:t>1.055</m:t>
-                                              </m:r>
-                                            </m:den>
-                                          </m:f>
-                                        </m:e>
-                                      </m:d>
-                                    </m:e>
-                                    <m:sup>
+                                    </m:fPr>
+                                    <m:num>
                                       <m:r>
                                         <a:rPr kumimoji="1" lang="en-US" altLang="ja-JP" sz="2400" i="1">
                                           <a:latin typeface="Cambria Math" panose="02040503050406030204" pitchFamily="18" charset="0"/>
                                         </a:rPr>
-                                        <m:t>2.4</m:t>
+                                        <m:t>0.055</m:t>
                                       </m:r>
-                                    </m:sup>
-                                  </m:sSup>
+                                    </m:num>
+                                    <m:den>
+                                      <m:r>
+                                        <a:rPr kumimoji="1" lang="en-US" altLang="ja-JP" sz="2400" i="1">
+                                          <a:latin typeface="Cambria Math" panose="02040503050406030204" pitchFamily="18" charset="0"/>
+                                        </a:rPr>
+                                        <m:t>1.055</m:t>
+                                      </m:r>
+                                    </m:den>
+                                  </m:f>
                                 </m:e>
                               </m:d>
+                            </m:e>
+                            <m:sup>
                               <m:r>
-                                <a:rPr kumimoji="1" lang="en-US" altLang="ja-JP" sz="2400" b="0" i="1" smtClean="0">
-                                  <a:latin typeface="Cambria Math" panose="02040503050406030204" pitchFamily="18" charset="0"/>
-                                </a:rPr>
-                                <m:t>,  </m:t>
+                                <a:rPr kumimoji="1" lang="en-US" altLang="ja-JP" sz="2400" i="1">
+                                  <a:latin typeface="Cambria Math" panose="02040503050406030204" pitchFamily="18" charset="0"/>
+                                </a:rPr>
+                                <m:t>2.4</m:t>
                               </m:r>
-                              <m:sSub>
-                                <m:sSubPr>
-                                  <m:ctrlPr>
-                                    <a:rPr kumimoji="1" lang="en-US" altLang="ja-JP" sz="2400" i="1">
-                                      <a:latin typeface="Cambria Math" panose="02040503050406030204" pitchFamily="18" charset="0"/>
-                                    </a:rPr>
-                                  </m:ctrlPr>
-                                </m:sSubPr>
-                                <m:e>
-                                  <m:r>
-                                    <a:rPr kumimoji="1" lang="en-US" altLang="ja-JP" sz="2400" i="1">
-                                      <a:latin typeface="Cambria Math" panose="02040503050406030204" pitchFamily="18" charset="0"/>
-                                    </a:rPr>
-                                    <m:t>𝛼</m:t>
-                                  </m:r>
-                                </m:e>
-                                <m:sub>
-                                  <m:r>
-                                    <a:rPr kumimoji="1" lang="en-US" altLang="ja-JP" sz="2400" i="1">
-                                      <a:latin typeface="Cambria Math" panose="02040503050406030204" pitchFamily="18" charset="0"/>
-                                    </a:rPr>
-                                    <m:t>𝑠𝑅𝐺𝐵</m:t>
-                                  </m:r>
-                                </m:sub>
-                              </m:sSub>
-                              <m:r>
-                                <a:rPr kumimoji="1" lang="en-US" altLang="ja-JP" sz="2400" b="0" i="1" smtClean="0">
-                                  <a:latin typeface="Cambria Math" panose="02040503050406030204" pitchFamily="18" charset="0"/>
-                                </a:rPr>
-                                <m:t>&gt;0.04050</m:t>
-                              </m:r>
-                            </m:e>
-                          </m:eqArr>
+                            </m:sup>
+                          </m:sSup>
                         </m:e>
                       </m:d>
                     </m:oMath>
@@ -6357,7 +5148,7 @@
             </p:txBody>
           </p:sp>
         </mc:Choice>
-        <mc:Fallback>
+        <mc:Fallback xmlns="">
           <p:sp>
             <p:nvSpPr>
               <p:cNvPr id="13" name="テキスト ボックス 12">
@@ -6375,7 +5166,615 @@
             <p:spPr>
               <a:xfrm>
                 <a:off x="936666" y="7348706"/>
-                <a:ext cx="11502081" cy="2055563"/>
+                <a:ext cx="11502081" cy="1243995"/>
+              </a:xfrm>
+              <a:prstGeom prst="rect">
+                <a:avLst/>
+              </a:prstGeom>
+              <a:blipFill>
+                <a:blip r:embed="rId6"/>
+                <a:stretch>
+                  <a:fillRect/>
+                </a:stretch>
+              </a:blipFill>
+            </p:spPr>
+            <p:txBody>
+              <a:bodyPr/>
+              <a:lstStyle/>
+              <a:p>
+                <a:r>
+                  <a:rPr lang="ja-JP" altLang="en-US">
+                    <a:noFill/>
+                  </a:rPr>
+                  <a:t> </a:t>
+                </a:r>
+              </a:p>
+            </p:txBody>
+          </p:sp>
+        </mc:Fallback>
+      </mc:AlternateContent>
+      <p:sp>
+        <p:nvSpPr>
+          <p:cNvPr id="23" name="正方形/長方形 22">
+            <a:extLst>
+              <a:ext uri="{FF2B5EF4-FFF2-40B4-BE49-F238E27FC236}">
+                <a16:creationId xmlns:a16="http://schemas.microsoft.com/office/drawing/2014/main" id="{241A5D09-0BE7-4EA0-8AFE-8F6575F8770B}"/>
+              </a:ext>
+            </a:extLst>
+          </p:cNvPr>
+          <p:cNvSpPr/>
+          <p:nvPr/>
+        </p:nvSpPr>
+        <p:spPr>
+          <a:xfrm>
+            <a:off x="996810" y="793592"/>
+            <a:ext cx="10367771" cy="2939162"/>
+          </a:xfrm>
+          <a:prstGeom prst="rect">
+            <a:avLst/>
+          </a:prstGeom>
+          <a:noFill/>
+          <a:ln w="28575">
+            <a:solidFill>
+              <a:srgbClr val="FF0000"/>
+            </a:solidFill>
+          </a:ln>
+        </p:spPr>
+        <p:style>
+          <a:lnRef idx="2">
+            <a:schemeClr val="accent1">
+              <a:shade val="50000"/>
+            </a:schemeClr>
+          </a:lnRef>
+          <a:fillRef idx="1">
+            <a:schemeClr val="accent1"/>
+          </a:fillRef>
+          <a:effectRef idx="0">
+            <a:schemeClr val="accent1"/>
+          </a:effectRef>
+          <a:fontRef idx="minor">
+            <a:schemeClr val="lt1"/>
+          </a:fontRef>
+        </p:style>
+        <p:txBody>
+          <a:bodyPr rtlCol="0" anchor="ctr"/>
+          <a:lstStyle/>
+          <a:p>
+            <a:pPr algn="ctr"/>
+            <a:endParaRPr kumimoji="1" lang="ja-JP" altLang="en-US"/>
+          </a:p>
+        </p:txBody>
+      </p:sp>
+      <mc:AlternateContent xmlns:mc="http://schemas.openxmlformats.org/markup-compatibility/2006" xmlns:a14="http://schemas.microsoft.com/office/drawing/2010/main">
+        <mc:Choice Requires="a14">
+          <p:sp>
+            <p:nvSpPr>
+              <p:cNvPr id="24" name="テキスト ボックス 23">
+                <a:extLst>
+                  <a:ext uri="{FF2B5EF4-FFF2-40B4-BE49-F238E27FC236}">
+                    <a16:creationId xmlns:a16="http://schemas.microsoft.com/office/drawing/2014/main" id="{2034D852-664C-461C-BB17-E3B8AA0986CE}"/>
+                  </a:ext>
+                </a:extLst>
+              </p:cNvPr>
+              <p:cNvSpPr txBox="1"/>
+              <p:nvPr/>
+            </p:nvSpPr>
+            <p:spPr>
+              <a:xfrm>
+                <a:off x="1213543" y="1531879"/>
+                <a:ext cx="9934304" cy="1266757"/>
+              </a:xfrm>
+              <a:prstGeom prst="rect">
+                <a:avLst/>
+              </a:prstGeom>
+              <a:noFill/>
+              <a:ln w="28575">
+                <a:noFill/>
+              </a:ln>
+            </p:spPr>
+            <p:txBody>
+              <a:bodyPr wrap="square" lIns="0" tIns="0" rIns="0" bIns="0" rtlCol="0">
+                <a:spAutoFit/>
+              </a:bodyPr>
+              <a:lstStyle/>
+              <a:p>
+                <a:pPr/>
+                <a14:m>
+                  <m:oMathPara xmlns:m="http://schemas.openxmlformats.org/officeDocument/2006/math">
+                    <m:oMathParaPr>
+                      <m:jc m:val="centerGroup"/>
+                    </m:oMathParaPr>
+                    <m:oMath xmlns:m="http://schemas.openxmlformats.org/officeDocument/2006/math">
+                      <m:sSub>
+                        <m:sSubPr>
+                          <m:ctrlPr>
+                            <a:rPr kumimoji="1" lang="en-US" altLang="ja-JP" sz="2000" b="0" i="1" smtClean="0">
+                              <a:latin typeface="Cambria Math" panose="02040503050406030204" pitchFamily="18" charset="0"/>
+                            </a:rPr>
+                          </m:ctrlPr>
+                        </m:sSubPr>
+                        <m:e>
+                          <m:r>
+                            <a:rPr kumimoji="1" lang="en-US" altLang="ja-JP" sz="2000" b="0" i="1" smtClean="0">
+                              <a:latin typeface="Cambria Math" panose="02040503050406030204" pitchFamily="18" charset="0"/>
+                            </a:rPr>
+                            <m:t>𝛼</m:t>
+                          </m:r>
+                        </m:e>
+                        <m:sub>
+                          <m:r>
+                            <a:rPr kumimoji="1" lang="en-US" altLang="ja-JP" sz="2000" b="0" i="1" smtClean="0">
+                              <a:latin typeface="Cambria Math" panose="02040503050406030204" pitchFamily="18" charset="0"/>
+                            </a:rPr>
+                            <m:t>𝑙𝑖𝑛𝑒𝑎𝑟</m:t>
+                          </m:r>
+                        </m:sub>
+                      </m:sSub>
+                      <m:r>
+                        <a:rPr kumimoji="1" lang="en-US" altLang="ja-JP" sz="2000" b="0" i="1" smtClean="0">
+                          <a:latin typeface="Cambria Math" panose="02040503050406030204" pitchFamily="18" charset="0"/>
+                        </a:rPr>
+                        <m:t>=</m:t>
+                      </m:r>
+                      <m:f>
+                        <m:fPr>
+                          <m:ctrlPr>
+                            <a:rPr kumimoji="1" lang="en-US" altLang="ja-JP" sz="2000" i="1">
+                              <a:latin typeface="Cambria Math" panose="02040503050406030204" pitchFamily="18" charset="0"/>
+                            </a:rPr>
+                          </m:ctrlPr>
+                        </m:fPr>
+                        <m:num>
+                          <m:sSup>
+                            <m:sSupPr>
+                              <m:ctrlPr>
+                                <a:rPr kumimoji="1" lang="en-US" altLang="ja-JP" sz="2000" i="1">
+                                  <a:latin typeface="Cambria Math" panose="02040503050406030204" pitchFamily="18" charset="0"/>
+                                </a:rPr>
+                              </m:ctrlPr>
+                            </m:sSupPr>
+                            <m:e>
+                              <m:d>
+                                <m:dPr>
+                                  <m:ctrlPr>
+                                    <a:rPr kumimoji="1" lang="en-US" altLang="ja-JP" sz="2000" i="1">
+                                      <a:latin typeface="Cambria Math" panose="02040503050406030204" pitchFamily="18" charset="0"/>
+                                    </a:rPr>
+                                  </m:ctrlPr>
+                                </m:dPr>
+                                <m:e>
+                                  <m:f>
+                                    <m:fPr>
+                                      <m:ctrlPr>
+                                        <a:rPr kumimoji="1" lang="en-US" altLang="ja-JP" sz="2000" i="1">
+                                          <a:latin typeface="Cambria Math" panose="02040503050406030204" pitchFamily="18" charset="0"/>
+                                        </a:rPr>
+                                      </m:ctrlPr>
+                                    </m:fPr>
+                                    <m:num>
+                                      <m:sSub>
+                                        <m:sSubPr>
+                                          <m:ctrlPr>
+                                            <a:rPr kumimoji="1" lang="en-US" altLang="ja-JP" sz="2000" i="1">
+                                              <a:latin typeface="Cambria Math" panose="02040503050406030204" pitchFamily="18" charset="0"/>
+                                            </a:rPr>
+                                          </m:ctrlPr>
+                                        </m:sSubPr>
+                                        <m:e>
+                                          <m:r>
+                                            <a:rPr kumimoji="1" lang="en-US" altLang="ja-JP" sz="2000" i="1">
+                                              <a:latin typeface="Cambria Math" panose="02040503050406030204" pitchFamily="18" charset="0"/>
+                                            </a:rPr>
+                                            <m:t>𝐶</m:t>
+                                          </m:r>
+                                        </m:e>
+                                        <m:sub>
+                                          <m:r>
+                                            <a:rPr kumimoji="1" lang="en-US" altLang="ja-JP" sz="2000" i="1">
+                                              <a:latin typeface="Cambria Math" panose="02040503050406030204" pitchFamily="18" charset="0"/>
+                                            </a:rPr>
+                                            <m:t>𝐹</m:t>
+                                          </m:r>
+                                        </m:sub>
+                                      </m:sSub>
+                                      <m:sSub>
+                                        <m:sSubPr>
+                                          <m:ctrlPr>
+                                            <a:rPr kumimoji="1" lang="en-US" altLang="ja-JP" sz="2000" i="1">
+                                              <a:latin typeface="Cambria Math" panose="02040503050406030204" pitchFamily="18" charset="0"/>
+                                            </a:rPr>
+                                          </m:ctrlPr>
+                                        </m:sSubPr>
+                                        <m:e>
+                                          <m:r>
+                                            <a:rPr kumimoji="1" lang="en-US" altLang="ja-JP" sz="2000" i="1">
+                                              <a:latin typeface="Cambria Math" panose="02040503050406030204" pitchFamily="18" charset="0"/>
+                                            </a:rPr>
+                                            <m:t>𝛼</m:t>
+                                          </m:r>
+                                        </m:e>
+                                        <m:sub>
+                                          <m:r>
+                                            <a:rPr kumimoji="1" lang="en-US" altLang="ja-JP" sz="2000" i="1">
+                                              <a:latin typeface="Cambria Math" panose="02040503050406030204" pitchFamily="18" charset="0"/>
+                                            </a:rPr>
+                                            <m:t>𝑠𝑅𝐺𝐵</m:t>
+                                          </m:r>
+                                        </m:sub>
+                                      </m:sSub>
+                                      <m:r>
+                                        <a:rPr kumimoji="1" lang="en-US" altLang="ja-JP" sz="2000" i="1">
+                                          <a:latin typeface="Cambria Math" panose="02040503050406030204" pitchFamily="18" charset="0"/>
+                                        </a:rPr>
+                                        <m:t>+</m:t>
+                                      </m:r>
+                                      <m:sSub>
+                                        <m:sSubPr>
+                                          <m:ctrlPr>
+                                            <a:rPr kumimoji="1" lang="en-US" altLang="ja-JP" sz="2000" i="1">
+                                              <a:latin typeface="Cambria Math" panose="02040503050406030204" pitchFamily="18" charset="0"/>
+                                            </a:rPr>
+                                          </m:ctrlPr>
+                                        </m:sSubPr>
+                                        <m:e>
+                                          <m:r>
+                                            <a:rPr kumimoji="1" lang="en-US" altLang="ja-JP" sz="2000" i="1">
+                                              <a:latin typeface="Cambria Math" panose="02040503050406030204" pitchFamily="18" charset="0"/>
+                                            </a:rPr>
+                                            <m:t>𝐶</m:t>
+                                          </m:r>
+                                        </m:e>
+                                        <m:sub>
+                                          <m:r>
+                                            <a:rPr kumimoji="1" lang="en-US" altLang="ja-JP" sz="2000" i="1">
+                                              <a:latin typeface="Cambria Math" panose="02040503050406030204" pitchFamily="18" charset="0"/>
+                                            </a:rPr>
+                                            <m:t>𝐵</m:t>
+                                          </m:r>
+                                        </m:sub>
+                                      </m:sSub>
+                                      <m:r>
+                                        <a:rPr kumimoji="1" lang="en-US" altLang="ja-JP" sz="2000" i="1">
+                                          <a:latin typeface="Cambria Math" panose="02040503050406030204" pitchFamily="18" charset="0"/>
+                                        </a:rPr>
+                                        <m:t>(1−</m:t>
+                                      </m:r>
+                                      <m:sSub>
+                                        <m:sSubPr>
+                                          <m:ctrlPr>
+                                            <a:rPr kumimoji="1" lang="en-US" altLang="ja-JP" sz="2000" i="1">
+                                              <a:latin typeface="Cambria Math" panose="02040503050406030204" pitchFamily="18" charset="0"/>
+                                            </a:rPr>
+                                          </m:ctrlPr>
+                                        </m:sSubPr>
+                                        <m:e>
+                                          <m:r>
+                                            <a:rPr kumimoji="1" lang="en-US" altLang="ja-JP" sz="2000" i="1">
+                                              <a:latin typeface="Cambria Math" panose="02040503050406030204" pitchFamily="18" charset="0"/>
+                                            </a:rPr>
+                                            <m:t>𝛼</m:t>
+                                          </m:r>
+                                        </m:e>
+                                        <m:sub>
+                                          <m:r>
+                                            <a:rPr kumimoji="1" lang="en-US" altLang="ja-JP" sz="2000" i="1">
+                                              <a:latin typeface="Cambria Math" panose="02040503050406030204" pitchFamily="18" charset="0"/>
+                                            </a:rPr>
+                                            <m:t>𝑠𝑅𝐺𝐵</m:t>
+                                          </m:r>
+                                        </m:sub>
+                                      </m:sSub>
+                                      <m:r>
+                                        <a:rPr kumimoji="1" lang="en-US" altLang="ja-JP" sz="2000" i="1">
+                                          <a:latin typeface="Cambria Math" panose="02040503050406030204" pitchFamily="18" charset="0"/>
+                                        </a:rPr>
+                                        <m:t>)+0.055</m:t>
+                                      </m:r>
+                                    </m:num>
+                                    <m:den>
+                                      <m:r>
+                                        <a:rPr kumimoji="1" lang="en-US" altLang="ja-JP" sz="2000" i="1">
+                                          <a:latin typeface="Cambria Math" panose="02040503050406030204" pitchFamily="18" charset="0"/>
+                                        </a:rPr>
+                                        <m:t>1.055</m:t>
+                                      </m:r>
+                                    </m:den>
+                                  </m:f>
+                                </m:e>
+                              </m:d>
+                            </m:e>
+                            <m:sup>
+                              <m:r>
+                                <a:rPr kumimoji="1" lang="en-US" altLang="ja-JP" sz="2000" i="1">
+                                  <a:latin typeface="Cambria Math" panose="02040503050406030204" pitchFamily="18" charset="0"/>
+                                </a:rPr>
+                                <m:t>2.4</m:t>
+                              </m:r>
+                            </m:sup>
+                          </m:sSup>
+                          <m:r>
+                            <a:rPr kumimoji="1" lang="en-US" altLang="ja-JP" sz="2000" i="1">
+                              <a:latin typeface="Cambria Math" panose="02040503050406030204" pitchFamily="18" charset="0"/>
+                            </a:rPr>
+                            <m:t>−</m:t>
+                          </m:r>
+                          <m:sSup>
+                            <m:sSupPr>
+                              <m:ctrlPr>
+                                <a:rPr kumimoji="1" lang="en-US" altLang="ja-JP" sz="2000" i="1">
+                                  <a:latin typeface="Cambria Math" panose="02040503050406030204" pitchFamily="18" charset="0"/>
+                                </a:rPr>
+                              </m:ctrlPr>
+                            </m:sSupPr>
+                            <m:e>
+                              <m:d>
+                                <m:dPr>
+                                  <m:ctrlPr>
+                                    <a:rPr kumimoji="1" lang="en-US" altLang="ja-JP" sz="2000" i="1">
+                                      <a:latin typeface="Cambria Math" panose="02040503050406030204" pitchFamily="18" charset="0"/>
+                                    </a:rPr>
+                                  </m:ctrlPr>
+                                </m:dPr>
+                                <m:e>
+                                  <m:f>
+                                    <m:fPr>
+                                      <m:ctrlPr>
+                                        <a:rPr kumimoji="1" lang="en-US" altLang="ja-JP" sz="2000" i="1">
+                                          <a:latin typeface="Cambria Math" panose="02040503050406030204" pitchFamily="18" charset="0"/>
+                                        </a:rPr>
+                                      </m:ctrlPr>
+                                    </m:fPr>
+                                    <m:num>
+                                      <m:sSub>
+                                        <m:sSubPr>
+                                          <m:ctrlPr>
+                                            <a:rPr kumimoji="1" lang="en-US" altLang="ja-JP" sz="2000" i="1">
+                                              <a:latin typeface="Cambria Math" panose="02040503050406030204" pitchFamily="18" charset="0"/>
+                                            </a:rPr>
+                                          </m:ctrlPr>
+                                        </m:sSubPr>
+                                        <m:e>
+                                          <m:r>
+                                            <a:rPr kumimoji="1" lang="en-US" altLang="ja-JP" sz="2000" i="1">
+                                              <a:latin typeface="Cambria Math" panose="02040503050406030204" pitchFamily="18" charset="0"/>
+                                            </a:rPr>
+                                            <m:t>𝐶</m:t>
+                                          </m:r>
+                                        </m:e>
+                                        <m:sub>
+                                          <m:r>
+                                            <a:rPr kumimoji="1" lang="en-US" altLang="ja-JP" sz="2000" i="1">
+                                              <a:latin typeface="Cambria Math" panose="02040503050406030204" pitchFamily="18" charset="0"/>
+                                            </a:rPr>
+                                            <m:t>𝐵</m:t>
+                                          </m:r>
+                                        </m:sub>
+                                      </m:sSub>
+                                      <m:r>
+                                        <a:rPr kumimoji="1" lang="en-US" altLang="ja-JP" sz="2000" i="1">
+                                          <a:latin typeface="Cambria Math" panose="02040503050406030204" pitchFamily="18" charset="0"/>
+                                        </a:rPr>
+                                        <m:t>+0.055</m:t>
+                                      </m:r>
+                                    </m:num>
+                                    <m:den>
+                                      <m:r>
+                                        <a:rPr kumimoji="1" lang="en-US" altLang="ja-JP" sz="2000" i="1">
+                                          <a:latin typeface="Cambria Math" panose="02040503050406030204" pitchFamily="18" charset="0"/>
+                                        </a:rPr>
+                                        <m:t>1.055</m:t>
+                                      </m:r>
+                                    </m:den>
+                                  </m:f>
+                                </m:e>
+                              </m:d>
+                            </m:e>
+                            <m:sup>
+                              <m:r>
+                                <a:rPr kumimoji="1" lang="en-US" altLang="ja-JP" sz="2000" i="1">
+                                  <a:latin typeface="Cambria Math" panose="02040503050406030204" pitchFamily="18" charset="0"/>
+                                </a:rPr>
+                                <m:t>2.4</m:t>
+                              </m:r>
+                            </m:sup>
+                          </m:sSup>
+                        </m:num>
+                        <m:den>
+                          <m:sSup>
+                            <m:sSupPr>
+                              <m:ctrlPr>
+                                <a:rPr kumimoji="1" lang="en-US" altLang="ja-JP" sz="2000" i="1">
+                                  <a:latin typeface="Cambria Math" panose="02040503050406030204" pitchFamily="18" charset="0"/>
+                                </a:rPr>
+                              </m:ctrlPr>
+                            </m:sSupPr>
+                            <m:e>
+                              <m:d>
+                                <m:dPr>
+                                  <m:ctrlPr>
+                                    <a:rPr kumimoji="1" lang="en-US" altLang="ja-JP" sz="2000" i="1">
+                                      <a:latin typeface="Cambria Math" panose="02040503050406030204" pitchFamily="18" charset="0"/>
+                                    </a:rPr>
+                                  </m:ctrlPr>
+                                </m:dPr>
+                                <m:e>
+                                  <m:f>
+                                    <m:fPr>
+                                      <m:ctrlPr>
+                                        <a:rPr kumimoji="1" lang="en-US" altLang="ja-JP" sz="2000" i="1">
+                                          <a:latin typeface="Cambria Math" panose="02040503050406030204" pitchFamily="18" charset="0"/>
+                                        </a:rPr>
+                                      </m:ctrlPr>
+                                    </m:fPr>
+                                    <m:num>
+                                      <m:sSub>
+                                        <m:sSubPr>
+                                          <m:ctrlPr>
+                                            <a:rPr kumimoji="1" lang="en-US" altLang="ja-JP" sz="2000" i="1">
+                                              <a:latin typeface="Cambria Math" panose="02040503050406030204" pitchFamily="18" charset="0"/>
+                                            </a:rPr>
+                                          </m:ctrlPr>
+                                        </m:sSubPr>
+                                        <m:e>
+                                          <m:r>
+                                            <a:rPr kumimoji="1" lang="en-US" altLang="ja-JP" sz="2000" i="1">
+                                              <a:latin typeface="Cambria Math" panose="02040503050406030204" pitchFamily="18" charset="0"/>
+                                            </a:rPr>
+                                            <m:t>𝐶</m:t>
+                                          </m:r>
+                                        </m:e>
+                                        <m:sub>
+                                          <m:r>
+                                            <a:rPr kumimoji="1" lang="en-US" altLang="ja-JP" sz="2000" i="1">
+                                              <a:latin typeface="Cambria Math" panose="02040503050406030204" pitchFamily="18" charset="0"/>
+                                            </a:rPr>
+                                            <m:t>𝐹</m:t>
+                                          </m:r>
+                                        </m:sub>
+                                      </m:sSub>
+                                      <m:r>
+                                        <a:rPr kumimoji="1" lang="en-US" altLang="ja-JP" sz="2000" i="1">
+                                          <a:latin typeface="Cambria Math" panose="02040503050406030204" pitchFamily="18" charset="0"/>
+                                        </a:rPr>
+                                        <m:t>+0.055</m:t>
+                                      </m:r>
+                                    </m:num>
+                                    <m:den>
+                                      <m:r>
+                                        <a:rPr kumimoji="1" lang="en-US" altLang="ja-JP" sz="2000" i="1">
+                                          <a:latin typeface="Cambria Math" panose="02040503050406030204" pitchFamily="18" charset="0"/>
+                                        </a:rPr>
+                                        <m:t>1.055</m:t>
+                                      </m:r>
+                                    </m:den>
+                                  </m:f>
+                                </m:e>
+                              </m:d>
+                            </m:e>
+                            <m:sup>
+                              <m:r>
+                                <a:rPr kumimoji="1" lang="en-US" altLang="ja-JP" sz="2000" i="1">
+                                  <a:latin typeface="Cambria Math" panose="02040503050406030204" pitchFamily="18" charset="0"/>
+                                </a:rPr>
+                                <m:t>2.4</m:t>
+                              </m:r>
+                            </m:sup>
+                          </m:sSup>
+                          <m:r>
+                            <a:rPr kumimoji="1" lang="en-US" altLang="ja-JP" sz="2000" i="1">
+                              <a:latin typeface="Cambria Math" panose="02040503050406030204" pitchFamily="18" charset="0"/>
+                            </a:rPr>
+                            <m:t>−</m:t>
+                          </m:r>
+                          <m:sSup>
+                            <m:sSupPr>
+                              <m:ctrlPr>
+                                <a:rPr kumimoji="1" lang="en-US" altLang="ja-JP" sz="2000" i="1">
+                                  <a:latin typeface="Cambria Math" panose="02040503050406030204" pitchFamily="18" charset="0"/>
+                                </a:rPr>
+                              </m:ctrlPr>
+                            </m:sSupPr>
+                            <m:e>
+                              <m:d>
+                                <m:dPr>
+                                  <m:ctrlPr>
+                                    <a:rPr kumimoji="1" lang="en-US" altLang="ja-JP" sz="2000" i="1">
+                                      <a:latin typeface="Cambria Math" panose="02040503050406030204" pitchFamily="18" charset="0"/>
+                                    </a:rPr>
+                                  </m:ctrlPr>
+                                </m:dPr>
+                                <m:e>
+                                  <m:f>
+                                    <m:fPr>
+                                      <m:ctrlPr>
+                                        <a:rPr kumimoji="1" lang="en-US" altLang="ja-JP" sz="2000" i="1">
+                                          <a:latin typeface="Cambria Math" panose="02040503050406030204" pitchFamily="18" charset="0"/>
+                                        </a:rPr>
+                                      </m:ctrlPr>
+                                    </m:fPr>
+                                    <m:num>
+                                      <m:sSub>
+                                        <m:sSubPr>
+                                          <m:ctrlPr>
+                                            <a:rPr kumimoji="1" lang="en-US" altLang="ja-JP" sz="2000" i="1">
+                                              <a:latin typeface="Cambria Math" panose="02040503050406030204" pitchFamily="18" charset="0"/>
+                                            </a:rPr>
+                                          </m:ctrlPr>
+                                        </m:sSubPr>
+                                        <m:e>
+                                          <m:r>
+                                            <a:rPr kumimoji="1" lang="en-US" altLang="ja-JP" sz="2000" i="1">
+                                              <a:latin typeface="Cambria Math" panose="02040503050406030204" pitchFamily="18" charset="0"/>
+                                            </a:rPr>
+                                            <m:t>𝐶</m:t>
+                                          </m:r>
+                                        </m:e>
+                                        <m:sub>
+                                          <m:r>
+                                            <a:rPr kumimoji="1" lang="en-US" altLang="ja-JP" sz="2000" i="1">
+                                              <a:latin typeface="Cambria Math" panose="02040503050406030204" pitchFamily="18" charset="0"/>
+                                            </a:rPr>
+                                            <m:t>𝐵</m:t>
+                                          </m:r>
+                                        </m:sub>
+                                      </m:sSub>
+                                      <m:r>
+                                        <a:rPr kumimoji="1" lang="en-US" altLang="ja-JP" sz="2000" i="1">
+                                          <a:latin typeface="Cambria Math" panose="02040503050406030204" pitchFamily="18" charset="0"/>
+                                        </a:rPr>
+                                        <m:t>+0.055</m:t>
+                                      </m:r>
+                                    </m:num>
+                                    <m:den>
+                                      <m:r>
+                                        <a:rPr kumimoji="1" lang="en-US" altLang="ja-JP" sz="2000" i="1">
+                                          <a:latin typeface="Cambria Math" panose="02040503050406030204" pitchFamily="18" charset="0"/>
+                                        </a:rPr>
+                                        <m:t>1.055</m:t>
+                                      </m:r>
+                                    </m:den>
+                                  </m:f>
+                                </m:e>
+                              </m:d>
+                            </m:e>
+                            <m:sup>
+                              <m:r>
+                                <a:rPr kumimoji="1" lang="en-US" altLang="ja-JP" sz="2000" i="1">
+                                  <a:latin typeface="Cambria Math" panose="02040503050406030204" pitchFamily="18" charset="0"/>
+                                </a:rPr>
+                                <m:t>2.4</m:t>
+                              </m:r>
+                            </m:sup>
+                          </m:sSup>
+                        </m:den>
+                      </m:f>
+                    </m:oMath>
+                  </m:oMathPara>
+                </a14:m>
+                <a:endParaRPr kumimoji="1" lang="ja-JP" altLang="en-US" sz="2000" dirty="0"/>
+              </a:p>
+            </p:txBody>
+          </p:sp>
+        </mc:Choice>
+        <mc:Fallback xmlns="">
+          <p:sp>
+            <p:nvSpPr>
+              <p:cNvPr id="24" name="テキスト ボックス 23">
+                <a:extLst>
+                  <a:ext uri="{FF2B5EF4-FFF2-40B4-BE49-F238E27FC236}">
+                    <a16:creationId xmlns:a16="http://schemas.microsoft.com/office/drawing/2014/main" id="{2034D852-664C-461C-BB17-E3B8AA0986CE}"/>
+                  </a:ext>
+                </a:extLst>
+              </p:cNvPr>
+              <p:cNvSpPr txBox="1">
+                <a:spLocks noRot="1" noChangeAspect="1" noMove="1" noResize="1" noEditPoints="1" noAdjustHandles="1" noChangeArrowheads="1" noChangeShapeType="1" noTextEdit="1"/>
+              </p:cNvSpPr>
+              <p:nvPr/>
+            </p:nvSpPr>
+            <p:spPr>
+              <a:xfrm>
+                <a:off x="1213543" y="1531879"/>
+                <a:ext cx="9934304" cy="1266757"/>
               </a:xfrm>
               <a:prstGeom prst="rect">
                 <a:avLst/>
@@ -6384,6 +5783,213 @@
                 <a:blip r:embed="rId7"/>
                 <a:stretch>
                   <a:fillRect/>
+                </a:stretch>
+              </a:blipFill>
+              <a:ln w="28575">
+                <a:noFill/>
+              </a:ln>
+            </p:spPr>
+            <p:txBody>
+              <a:bodyPr/>
+              <a:lstStyle/>
+              <a:p>
+                <a:r>
+                  <a:rPr lang="ja-JP" altLang="en-US">
+                    <a:noFill/>
+                  </a:rPr>
+                  <a:t> </a:t>
+                </a:r>
+              </a:p>
+            </p:txBody>
+          </p:sp>
+        </mc:Fallback>
+      </mc:AlternateContent>
+      <mc:AlternateContent xmlns:mc="http://schemas.openxmlformats.org/markup-compatibility/2006" xmlns:a14="http://schemas.microsoft.com/office/drawing/2010/main">
+        <mc:Choice Requires="a14">
+          <p:sp>
+            <p:nvSpPr>
+              <p:cNvPr id="25" name="テキスト ボックス 24">
+                <a:extLst>
+                  <a:ext uri="{FF2B5EF4-FFF2-40B4-BE49-F238E27FC236}">
+                    <a16:creationId xmlns:a16="http://schemas.microsoft.com/office/drawing/2014/main" id="{9C7A6DDE-2846-42B5-984B-EBDAB8E6A5E2}"/>
+                  </a:ext>
+                </a:extLst>
+              </p:cNvPr>
+              <p:cNvSpPr txBox="1"/>
+              <p:nvPr/>
+            </p:nvSpPr>
+            <p:spPr>
+              <a:xfrm>
+                <a:off x="3877761" y="3121346"/>
+                <a:ext cx="4985917" cy="307777"/>
+              </a:xfrm>
+              <a:prstGeom prst="rect">
+                <a:avLst/>
+              </a:prstGeom>
+              <a:noFill/>
+            </p:spPr>
+            <p:txBody>
+              <a:bodyPr wrap="none" lIns="0" tIns="0" rIns="0" bIns="0" rtlCol="0">
+                <a:spAutoFit/>
+              </a:bodyPr>
+              <a:lstStyle/>
+              <a:p>
+                <a:r>
+                  <a:rPr kumimoji="1" lang="en-US" altLang="ja-JP" sz="2000" dirty="0"/>
+                  <a:t>w</a:t>
+                </a:r>
+                <a:r>
+                  <a:rPr kumimoji="1" lang="en-US" altLang="ja-JP" sz="2000" b="0" dirty="0"/>
+                  <a:t>here </a:t>
+                </a:r>
+                <a14:m>
+                  <m:oMath xmlns:m="http://schemas.openxmlformats.org/officeDocument/2006/math">
+                    <m:r>
+                      <a:rPr kumimoji="1" lang="en-US" altLang="ja-JP" sz="2000" b="0" i="1" smtClean="0">
+                        <a:latin typeface="Cambria Math" panose="02040503050406030204" pitchFamily="18" charset="0"/>
+                      </a:rPr>
+                      <m:t>0≤</m:t>
+                    </m:r>
+                    <m:sSub>
+                      <m:sSubPr>
+                        <m:ctrlPr>
+                          <a:rPr kumimoji="1" lang="en-US" altLang="ja-JP" sz="2000" b="0" i="1" smtClean="0">
+                            <a:latin typeface="Cambria Math" panose="02040503050406030204" pitchFamily="18" charset="0"/>
+                          </a:rPr>
+                        </m:ctrlPr>
+                      </m:sSubPr>
+                      <m:e>
+                        <m:r>
+                          <a:rPr kumimoji="1" lang="en-US" altLang="ja-JP" sz="2000" b="0" i="1" smtClean="0">
+                            <a:latin typeface="Cambria Math" panose="02040503050406030204" pitchFamily="18" charset="0"/>
+                          </a:rPr>
+                          <m:t>𝑐</m:t>
+                        </m:r>
+                      </m:e>
+                      <m:sub>
+                        <m:r>
+                          <a:rPr kumimoji="1" lang="en-US" altLang="ja-JP" sz="2000" b="0" i="1" smtClean="0">
+                            <a:latin typeface="Cambria Math" panose="02040503050406030204" pitchFamily="18" charset="0"/>
+                          </a:rPr>
+                          <m:t>𝐹</m:t>
+                        </m:r>
+                      </m:sub>
+                    </m:sSub>
+                    <m:r>
+                      <a:rPr kumimoji="1" lang="en-US" altLang="ja-JP" sz="2000" b="0" i="1" smtClean="0">
+                        <a:latin typeface="Cambria Math" panose="02040503050406030204" pitchFamily="18" charset="0"/>
+                      </a:rPr>
+                      <m:t>≤1</m:t>
+                    </m:r>
+                  </m:oMath>
+                </a14:m>
+                <a:r>
+                  <a:rPr kumimoji="1" lang="en-US" altLang="ja-JP" sz="2000" dirty="0"/>
+                  <a:t>, </a:t>
+                </a:r>
+                <a14:m>
+                  <m:oMath xmlns:m="http://schemas.openxmlformats.org/officeDocument/2006/math">
+                    <m:r>
+                      <a:rPr kumimoji="1" lang="en-US" altLang="ja-JP" sz="2000" i="1">
+                        <a:latin typeface="Cambria Math" panose="02040503050406030204" pitchFamily="18" charset="0"/>
+                      </a:rPr>
+                      <m:t>0≤</m:t>
+                    </m:r>
+                    <m:sSub>
+                      <m:sSubPr>
+                        <m:ctrlPr>
+                          <a:rPr kumimoji="1" lang="en-US" altLang="ja-JP" sz="2000" i="1">
+                            <a:latin typeface="Cambria Math" panose="02040503050406030204" pitchFamily="18" charset="0"/>
+                          </a:rPr>
+                        </m:ctrlPr>
+                      </m:sSubPr>
+                      <m:e>
+                        <m:r>
+                          <a:rPr kumimoji="1" lang="en-US" altLang="ja-JP" sz="2000" i="1">
+                            <a:latin typeface="Cambria Math" panose="02040503050406030204" pitchFamily="18" charset="0"/>
+                          </a:rPr>
+                          <m:t>𝑐</m:t>
+                        </m:r>
+                      </m:e>
+                      <m:sub>
+                        <m:r>
+                          <a:rPr kumimoji="1" lang="en-US" altLang="ja-JP" sz="2000" b="0" i="1" smtClean="0">
+                            <a:latin typeface="Cambria Math" panose="02040503050406030204" pitchFamily="18" charset="0"/>
+                          </a:rPr>
+                          <m:t>𝐵</m:t>
+                        </m:r>
+                      </m:sub>
+                    </m:sSub>
+                    <m:r>
+                      <a:rPr kumimoji="1" lang="en-US" altLang="ja-JP" sz="2000" i="1">
+                        <a:latin typeface="Cambria Math" panose="02040503050406030204" pitchFamily="18" charset="0"/>
+                      </a:rPr>
+                      <m:t>≤1</m:t>
+                    </m:r>
+                  </m:oMath>
+                </a14:m>
+                <a:r>
+                  <a:rPr kumimoji="1" lang="en-US" altLang="ja-JP" sz="2000" dirty="0"/>
+                  <a:t> and </a:t>
+                </a:r>
+                <a14:m>
+                  <m:oMath xmlns:m="http://schemas.openxmlformats.org/officeDocument/2006/math">
+                    <m:r>
+                      <a:rPr kumimoji="1" lang="en-US" altLang="ja-JP" sz="2000" i="1">
+                        <a:latin typeface="Cambria Math" panose="02040503050406030204" pitchFamily="18" charset="0"/>
+                      </a:rPr>
+                      <m:t>0≤</m:t>
+                    </m:r>
+                    <m:r>
+                      <a:rPr kumimoji="1" lang="en-US" altLang="ja-JP" sz="2000" b="0" i="1" smtClean="0">
+                        <a:latin typeface="Cambria Math" panose="02040503050406030204" pitchFamily="18" charset="0"/>
+                      </a:rPr>
+                      <m:t>𝛼</m:t>
+                    </m:r>
+                    <m:r>
+                      <a:rPr kumimoji="1" lang="en-US" altLang="ja-JP" sz="2000" i="1">
+                        <a:latin typeface="Cambria Math" panose="02040503050406030204" pitchFamily="18" charset="0"/>
+                      </a:rPr>
+                      <m:t>≤1</m:t>
+                    </m:r>
+                  </m:oMath>
+                </a14:m>
+                <a:r>
+                  <a:rPr kumimoji="1" lang="en-US" altLang="ja-JP" sz="2000" dirty="0"/>
+                  <a:t>.</a:t>
+                </a:r>
+                <a:endParaRPr kumimoji="1" lang="ja-JP" altLang="en-US" sz="2000" dirty="0"/>
+              </a:p>
+            </p:txBody>
+          </p:sp>
+        </mc:Choice>
+        <mc:Fallback xmlns="">
+          <p:sp>
+            <p:nvSpPr>
+              <p:cNvPr id="25" name="テキスト ボックス 24">
+                <a:extLst>
+                  <a:ext uri="{FF2B5EF4-FFF2-40B4-BE49-F238E27FC236}">
+                    <a16:creationId xmlns:a16="http://schemas.microsoft.com/office/drawing/2014/main" id="{9C7A6DDE-2846-42B5-984B-EBDAB8E6A5E2}"/>
+                  </a:ext>
+                </a:extLst>
+              </p:cNvPr>
+              <p:cNvSpPr txBox="1">
+                <a:spLocks noRot="1" noChangeAspect="1" noMove="1" noResize="1" noEditPoints="1" noAdjustHandles="1" noChangeArrowheads="1" noChangeShapeType="1" noTextEdit="1"/>
+              </p:cNvSpPr>
+              <p:nvPr/>
+            </p:nvSpPr>
+            <p:spPr>
+              <a:xfrm>
+                <a:off x="3877761" y="3121346"/>
+                <a:ext cx="4985917" cy="307777"/>
+              </a:xfrm>
+              <a:prstGeom prst="rect">
+                <a:avLst/>
+              </a:prstGeom>
+              <a:blipFill>
+                <a:blip r:embed="rId8"/>
+                <a:stretch>
+                  <a:fillRect l="-3056" t="-25490" r="-1345" b="-49020"/>
                 </a:stretch>
               </a:blipFill>
             </p:spPr>
@@ -6472,257 +6078,6 @@
           </a:p>
         </p:txBody>
       </p:sp>
-      <mc:AlternateContent xmlns:mc="http://schemas.openxmlformats.org/markup-compatibility/2006">
-        <mc:Choice xmlns:a14="http://schemas.microsoft.com/office/drawing/2010/main" Requires="a14">
-          <p:sp>
-            <p:nvSpPr>
-              <p:cNvPr id="12" name="テキスト ボックス 11">
-                <a:extLst>
-                  <a:ext uri="{FF2B5EF4-FFF2-40B4-BE49-F238E27FC236}">
-                    <a16:creationId xmlns:a16="http://schemas.microsoft.com/office/drawing/2014/main" id="{46791D48-69A9-4DAA-90F3-25942FAF456E}"/>
-                  </a:ext>
-                </a:extLst>
-              </p:cNvPr>
-              <p:cNvSpPr txBox="1"/>
-              <p:nvPr/>
-            </p:nvSpPr>
-            <p:spPr>
-              <a:xfrm>
-                <a:off x="1374174" y="3228476"/>
-                <a:ext cx="4407297" cy="276999"/>
-              </a:xfrm>
-              <a:prstGeom prst="rect">
-                <a:avLst/>
-              </a:prstGeom>
-              <a:noFill/>
-            </p:spPr>
-            <p:txBody>
-              <a:bodyPr wrap="none" lIns="0" tIns="0" rIns="0" bIns="0" rtlCol="0">
-                <a:spAutoFit/>
-              </a:bodyPr>
-              <a:lstStyle/>
-              <a:p>
-                <a:r>
-                  <a:rPr kumimoji="1" lang="en-US" altLang="ja-JP" dirty="0"/>
-                  <a:t>w</a:t>
-                </a:r>
-                <a:r>
-                  <a:rPr kumimoji="1" lang="en-US" altLang="ja-JP" b="0" dirty="0"/>
-                  <a:t>here </a:t>
-                </a:r>
-                <a14:m>
-                  <m:oMath xmlns:m="http://schemas.openxmlformats.org/officeDocument/2006/math">
-                    <m:sSub>
-                      <m:sSubPr>
-                        <m:ctrlPr>
-                          <a:rPr kumimoji="1" lang="en-US" altLang="ja-JP" i="1">
-                            <a:latin typeface="Cambria Math" panose="02040503050406030204" pitchFamily="18" charset="0"/>
-                          </a:rPr>
-                        </m:ctrlPr>
-                      </m:sSubPr>
-                      <m:e>
-                        <m:r>
-                          <a:rPr kumimoji="1" lang="en-US" altLang="ja-JP" i="1">
-                            <a:latin typeface="Cambria Math" panose="02040503050406030204" pitchFamily="18" charset="0"/>
-                          </a:rPr>
-                          <m:t>𝐶</m:t>
-                        </m:r>
-                      </m:e>
-                      <m:sub>
-                        <m:r>
-                          <a:rPr kumimoji="1" lang="en-US" altLang="ja-JP" i="1">
-                            <a:latin typeface="Cambria Math" panose="02040503050406030204" pitchFamily="18" charset="0"/>
-                          </a:rPr>
-                          <m:t>𝑠𝑅𝐺𝐵</m:t>
-                        </m:r>
-                      </m:sub>
-                    </m:sSub>
-                    <m:r>
-                      <a:rPr kumimoji="1" lang="en-US" altLang="ja-JP" i="1">
-                        <a:latin typeface="Cambria Math" panose="02040503050406030204" pitchFamily="18" charset="0"/>
-                      </a:rPr>
-                      <m:t>  =</m:t>
-                    </m:r>
-                    <m:sSub>
-                      <m:sSubPr>
-                        <m:ctrlPr>
-                          <a:rPr kumimoji="1" lang="en-US" altLang="ja-JP" i="1">
-                            <a:latin typeface="Cambria Math" panose="02040503050406030204" pitchFamily="18" charset="0"/>
-                          </a:rPr>
-                        </m:ctrlPr>
-                      </m:sSubPr>
-                      <m:e>
-                        <m:r>
-                          <a:rPr kumimoji="1" lang="en-US" altLang="ja-JP" i="1">
-                            <a:latin typeface="Cambria Math" panose="02040503050406030204" pitchFamily="18" charset="0"/>
-                          </a:rPr>
-                          <m:t>𝐶</m:t>
-                        </m:r>
-                      </m:e>
-                      <m:sub>
-                        <m:r>
-                          <a:rPr kumimoji="1" lang="en-US" altLang="ja-JP" b="0" i="1" smtClean="0">
-                            <a:latin typeface="Cambria Math" panose="02040503050406030204" pitchFamily="18" charset="0"/>
-                          </a:rPr>
-                          <m:t>𝐹</m:t>
-                        </m:r>
-                      </m:sub>
-                    </m:sSub>
-                    <m:sSub>
-                      <m:sSubPr>
-                        <m:ctrlPr>
-                          <a:rPr kumimoji="1" lang="en-US" altLang="ja-JP" i="1">
-                            <a:latin typeface="Cambria Math" panose="02040503050406030204" pitchFamily="18" charset="0"/>
-                          </a:rPr>
-                        </m:ctrlPr>
-                      </m:sSubPr>
-                      <m:e>
-                        <m:r>
-                          <a:rPr kumimoji="1" lang="en-US" altLang="ja-JP" i="1">
-                            <a:latin typeface="Cambria Math" panose="02040503050406030204" pitchFamily="18" charset="0"/>
-                          </a:rPr>
-                          <m:t>𝛼</m:t>
-                        </m:r>
-                      </m:e>
-                      <m:sub>
-                        <m:r>
-                          <a:rPr kumimoji="1" lang="en-US" altLang="ja-JP" i="1">
-                            <a:latin typeface="Cambria Math" panose="02040503050406030204" pitchFamily="18" charset="0"/>
-                          </a:rPr>
-                          <m:t>𝑠𝑅𝐺𝐵</m:t>
-                        </m:r>
-                      </m:sub>
-                    </m:sSub>
-                    <m:r>
-                      <a:rPr kumimoji="1" lang="en-US" altLang="ja-JP" i="1">
-                        <a:latin typeface="Cambria Math" panose="02040503050406030204" pitchFamily="18" charset="0"/>
-                      </a:rPr>
-                      <m:t>  +</m:t>
-                    </m:r>
-                    <m:sSub>
-                      <m:sSubPr>
-                        <m:ctrlPr>
-                          <a:rPr kumimoji="1" lang="en-US" altLang="ja-JP" i="1">
-                            <a:latin typeface="Cambria Math" panose="02040503050406030204" pitchFamily="18" charset="0"/>
-                          </a:rPr>
-                        </m:ctrlPr>
-                      </m:sSubPr>
-                      <m:e>
-                        <m:r>
-                          <a:rPr kumimoji="1" lang="en-US" altLang="ja-JP" i="1">
-                            <a:latin typeface="Cambria Math" panose="02040503050406030204" pitchFamily="18" charset="0"/>
-                          </a:rPr>
-                          <m:t>𝐶</m:t>
-                        </m:r>
-                      </m:e>
-                      <m:sub>
-                        <m:r>
-                          <a:rPr kumimoji="1" lang="en-US" altLang="ja-JP" b="0" i="1" smtClean="0">
-                            <a:latin typeface="Cambria Math" panose="02040503050406030204" pitchFamily="18" charset="0"/>
-                          </a:rPr>
-                          <m:t>𝐵</m:t>
-                        </m:r>
-                      </m:sub>
-                    </m:sSub>
-                    <m:r>
-                      <a:rPr kumimoji="1" lang="en-US" altLang="ja-JP" i="1">
-                        <a:latin typeface="Cambria Math" panose="02040503050406030204" pitchFamily="18" charset="0"/>
-                      </a:rPr>
-                      <m:t>(1−</m:t>
-                    </m:r>
-                    <m:sSub>
-                      <m:sSubPr>
-                        <m:ctrlPr>
-                          <a:rPr kumimoji="1" lang="en-US" altLang="ja-JP" i="1">
-                            <a:latin typeface="Cambria Math" panose="02040503050406030204" pitchFamily="18" charset="0"/>
-                          </a:rPr>
-                        </m:ctrlPr>
-                      </m:sSubPr>
-                      <m:e>
-                        <m:r>
-                          <a:rPr kumimoji="1" lang="en-US" altLang="ja-JP" i="1">
-                            <a:latin typeface="Cambria Math" panose="02040503050406030204" pitchFamily="18" charset="0"/>
-                          </a:rPr>
-                          <m:t>𝛼</m:t>
-                        </m:r>
-                      </m:e>
-                      <m:sub>
-                        <m:r>
-                          <a:rPr kumimoji="1" lang="en-US" altLang="ja-JP" i="1">
-                            <a:latin typeface="Cambria Math" panose="02040503050406030204" pitchFamily="18" charset="0"/>
-                          </a:rPr>
-                          <m:t>𝑠𝑅𝐺𝐵</m:t>
-                        </m:r>
-                      </m:sub>
-                    </m:sSub>
-                    <m:r>
-                      <a:rPr kumimoji="1" lang="en-US" altLang="ja-JP" i="1">
-                        <a:latin typeface="Cambria Math" panose="02040503050406030204" pitchFamily="18" charset="0"/>
-                      </a:rPr>
-                      <m:t>)</m:t>
-                    </m:r>
-                  </m:oMath>
-                </a14:m>
-                <a:r>
-                  <a:rPr kumimoji="1" lang="en-US" altLang="ja-JP" dirty="0">
-                    <a:latin typeface="Arial" panose="020B0604020202020204" pitchFamily="34" charset="0"/>
-                    <a:cs typeface="Arial" panose="020B0604020202020204" pitchFamily="34" charset="0"/>
-                  </a:rPr>
-                  <a:t>.</a:t>
-                </a:r>
-                <a:endParaRPr kumimoji="1" lang="ja-JP" altLang="en-US" dirty="0">
-                  <a:latin typeface="Arial" panose="020B0604020202020204" pitchFamily="34" charset="0"/>
-                  <a:cs typeface="Arial" panose="020B0604020202020204" pitchFamily="34" charset="0"/>
-                </a:endParaRPr>
-              </a:p>
-            </p:txBody>
-          </p:sp>
-        </mc:Choice>
-        <mc:Fallback>
-          <p:sp>
-            <p:nvSpPr>
-              <p:cNvPr id="12" name="テキスト ボックス 11">
-                <a:extLst>
-                  <a:ext uri="{FF2B5EF4-FFF2-40B4-BE49-F238E27FC236}">
-                    <a16:creationId xmlns:a16="http://schemas.microsoft.com/office/drawing/2014/main" id="{46791D48-69A9-4DAA-90F3-25942FAF456E}"/>
-                  </a:ext>
-                </a:extLst>
-              </p:cNvPr>
-              <p:cNvSpPr txBox="1">
-                <a:spLocks noRot="1" noChangeAspect="1" noMove="1" noResize="1" noEditPoints="1" noAdjustHandles="1" noChangeArrowheads="1" noChangeShapeType="1" noTextEdit="1"/>
-              </p:cNvSpPr>
-              <p:nvPr/>
-            </p:nvSpPr>
-            <p:spPr>
-              <a:xfrm>
-                <a:off x="1374174" y="3228476"/>
-                <a:ext cx="4407297" cy="276999"/>
-              </a:xfrm>
-              <a:prstGeom prst="rect">
-                <a:avLst/>
-              </a:prstGeom>
-              <a:blipFill>
-                <a:blip r:embed="rId2"/>
-                <a:stretch>
-                  <a:fillRect l="-3181" t="-31111" b="-51111"/>
-                </a:stretch>
-              </a:blipFill>
-            </p:spPr>
-            <p:txBody>
-              <a:bodyPr/>
-              <a:lstStyle/>
-              <a:p>
-                <a:r>
-                  <a:rPr lang="ja-JP" altLang="en-US">
-                    <a:noFill/>
-                  </a:rPr>
-                  <a:t> </a:t>
-                </a:r>
-              </a:p>
-            </p:txBody>
-          </p:sp>
-        </mc:Fallback>
-      </mc:AlternateContent>
       <p:sp>
         <p:nvSpPr>
           <p:cNvPr id="21" name="正方形/長方形 20">
@@ -6775,691 +6130,6 @@
           </a:p>
         </p:txBody>
       </p:sp>
-      <mc:AlternateContent xmlns:mc="http://schemas.openxmlformats.org/markup-compatibility/2006">
-        <mc:Choice xmlns:a14="http://schemas.microsoft.com/office/drawing/2010/main" Requires="a14">
-          <p:sp>
-            <p:nvSpPr>
-              <p:cNvPr id="15" name="テキスト ボックス 14">
-                <a:extLst>
-                  <a:ext uri="{FF2B5EF4-FFF2-40B4-BE49-F238E27FC236}">
-                    <a16:creationId xmlns:a16="http://schemas.microsoft.com/office/drawing/2014/main" id="{6DE930A2-CD26-49D1-9560-9016A2D3EC9C}"/>
-                  </a:ext>
-                </a:extLst>
-              </p:cNvPr>
-              <p:cNvSpPr txBox="1"/>
-              <p:nvPr/>
-            </p:nvSpPr>
-            <p:spPr>
-              <a:xfrm>
-                <a:off x="1204799" y="1041146"/>
-                <a:ext cx="9934304" cy="1942968"/>
-              </a:xfrm>
-              <a:prstGeom prst="rect">
-                <a:avLst/>
-              </a:prstGeom>
-              <a:noFill/>
-              <a:ln w="28575">
-                <a:noFill/>
-              </a:ln>
-            </p:spPr>
-            <p:txBody>
-              <a:bodyPr wrap="square" lIns="0" tIns="0" rIns="0" bIns="0" rtlCol="0">
-                <a:spAutoFit/>
-              </a:bodyPr>
-              <a:lstStyle/>
-              <a:p>
-                <a:pPr/>
-                <a14:m>
-                  <m:oMathPara xmlns:m="http://schemas.openxmlformats.org/officeDocument/2006/math">
-                    <m:oMathParaPr>
-                      <m:jc m:val="centerGroup"/>
-                    </m:oMathParaPr>
-                    <m:oMath xmlns:m="http://schemas.openxmlformats.org/officeDocument/2006/math">
-                      <m:sSub>
-                        <m:sSubPr>
-                          <m:ctrlPr>
-                            <a:rPr kumimoji="1" lang="en-US" altLang="ja-JP" sz="2000" b="0" i="1" smtClean="0">
-                              <a:latin typeface="Cambria Math" panose="02040503050406030204" pitchFamily="18" charset="0"/>
-                            </a:rPr>
-                          </m:ctrlPr>
-                        </m:sSubPr>
-                        <m:e>
-                          <m:r>
-                            <a:rPr kumimoji="1" lang="en-US" altLang="ja-JP" sz="2000" b="0" i="1" smtClean="0">
-                              <a:latin typeface="Cambria Math" panose="02040503050406030204" pitchFamily="18" charset="0"/>
-                            </a:rPr>
-                            <m:t>𝛼</m:t>
-                          </m:r>
-                        </m:e>
-                        <m:sub>
-                          <m:r>
-                            <a:rPr kumimoji="1" lang="en-US" altLang="ja-JP" sz="2000" b="0" i="1" smtClean="0">
-                              <a:latin typeface="Cambria Math" panose="02040503050406030204" pitchFamily="18" charset="0"/>
-                            </a:rPr>
-                            <m:t>𝑙𝑖𝑛𝑒𝑎𝑟</m:t>
-                          </m:r>
-                        </m:sub>
-                      </m:sSub>
-                      <m:r>
-                        <a:rPr kumimoji="1" lang="en-US" altLang="ja-JP" sz="2000" b="0" i="1" smtClean="0">
-                          <a:latin typeface="Cambria Math" panose="02040503050406030204" pitchFamily="18" charset="0"/>
-                        </a:rPr>
-                        <m:t>=</m:t>
-                      </m:r>
-                      <m:d>
-                        <m:dPr>
-                          <m:begChr m:val="{"/>
-                          <m:endChr m:val=""/>
-                          <m:ctrlPr>
-                            <a:rPr kumimoji="1" lang="en-US" altLang="ja-JP" sz="2000" b="0" i="1" smtClean="0">
-                              <a:latin typeface="Cambria Math" panose="02040503050406030204" pitchFamily="18" charset="0"/>
-                            </a:rPr>
-                          </m:ctrlPr>
-                        </m:dPr>
-                        <m:e>
-                          <m:eqArr>
-                            <m:eqArrPr>
-                              <m:ctrlPr>
-                                <a:rPr kumimoji="1" lang="en-US" altLang="ja-JP" sz="2000" b="0" i="1" smtClean="0">
-                                  <a:latin typeface="Cambria Math" panose="02040503050406030204" pitchFamily="18" charset="0"/>
-                                </a:rPr>
-                              </m:ctrlPr>
-                            </m:eqArrPr>
-                            <m:e>
-                              <m:sSub>
-                                <m:sSubPr>
-                                  <m:ctrlPr>
-                                    <a:rPr kumimoji="1" lang="en-US" altLang="ja-JP" sz="2000" i="1">
-                                      <a:latin typeface="Cambria Math" panose="02040503050406030204" pitchFamily="18" charset="0"/>
-                                    </a:rPr>
-                                  </m:ctrlPr>
-                                </m:sSubPr>
-                                <m:e>
-                                  <m:r>
-                                    <a:rPr kumimoji="1" lang="en-US" altLang="ja-JP" sz="2000" i="1">
-                                      <a:latin typeface="Cambria Math" panose="02040503050406030204" pitchFamily="18" charset="0"/>
-                                    </a:rPr>
-                                    <m:t>𝛼</m:t>
-                                  </m:r>
-                                </m:e>
-                                <m:sub>
-                                  <m:r>
-                                    <a:rPr kumimoji="1" lang="en-US" altLang="ja-JP" sz="2000" i="1">
-                                      <a:latin typeface="Cambria Math" panose="02040503050406030204" pitchFamily="18" charset="0"/>
-                                    </a:rPr>
-                                    <m:t>𝑠𝑅𝐺𝐵</m:t>
-                                  </m:r>
-                                </m:sub>
-                              </m:sSub>
-                              <m:r>
-                                <a:rPr kumimoji="1" lang="en-US" altLang="ja-JP" sz="2000" b="0" i="1" smtClean="0">
-                                  <a:latin typeface="Cambria Math" panose="02040503050406030204" pitchFamily="18" charset="0"/>
-                                </a:rPr>
-                                <m:t>,                                                                                                       </m:t>
-                              </m:r>
-                              <m:sSub>
-                                <m:sSubPr>
-                                  <m:ctrlPr>
-                                    <a:rPr kumimoji="1" lang="en-US" altLang="ja-JP" sz="2000" b="0" i="1" smtClean="0">
-                                      <a:latin typeface="Cambria Math" panose="02040503050406030204" pitchFamily="18" charset="0"/>
-                                    </a:rPr>
-                                  </m:ctrlPr>
-                                </m:sSubPr>
-                                <m:e>
-                                  <m:r>
-                                    <a:rPr kumimoji="1" lang="en-US" altLang="ja-JP" sz="2000" b="0" i="1" smtClean="0">
-                                      <a:latin typeface="Cambria Math" panose="02040503050406030204" pitchFamily="18" charset="0"/>
-                                    </a:rPr>
-                                    <m:t>𝐶</m:t>
-                                  </m:r>
-                                </m:e>
-                                <m:sub>
-                                  <m:r>
-                                    <a:rPr kumimoji="1" lang="en-US" altLang="ja-JP" sz="2000" b="0" i="1" smtClean="0">
-                                      <a:latin typeface="Cambria Math" panose="02040503050406030204" pitchFamily="18" charset="0"/>
-                                    </a:rPr>
-                                    <m:t>𝑠𝑅𝐺𝐵</m:t>
-                                  </m:r>
-                                </m:sub>
-                              </m:sSub>
-                              <m:r>
-                                <a:rPr kumimoji="1" lang="en-US" altLang="ja-JP" sz="2000" b="0" i="1" smtClean="0">
-                                  <a:latin typeface="Cambria Math" panose="02040503050406030204" pitchFamily="18" charset="0"/>
-                                </a:rPr>
-                                <m:t>≤0.04050</m:t>
-                              </m:r>
-                            </m:e>
-                            <m:e/>
-                            <m:e>
-                              <m:f>
-                                <m:fPr>
-                                  <m:ctrlPr>
-                                    <a:rPr kumimoji="1" lang="en-US" altLang="ja-JP" sz="2000" i="1">
-                                      <a:latin typeface="Cambria Math" panose="02040503050406030204" pitchFamily="18" charset="0"/>
-                                    </a:rPr>
-                                  </m:ctrlPr>
-                                </m:fPr>
-                                <m:num>
-                                  <m:sSup>
-                                    <m:sSupPr>
-                                      <m:ctrlPr>
-                                        <a:rPr kumimoji="1" lang="en-US" altLang="ja-JP" sz="2000" i="1">
-                                          <a:latin typeface="Cambria Math" panose="02040503050406030204" pitchFamily="18" charset="0"/>
-                                        </a:rPr>
-                                      </m:ctrlPr>
-                                    </m:sSupPr>
-                                    <m:e>
-                                      <m:d>
-                                        <m:dPr>
-                                          <m:ctrlPr>
-                                            <a:rPr kumimoji="1" lang="en-US" altLang="ja-JP" sz="2000" i="1">
-                                              <a:latin typeface="Cambria Math" panose="02040503050406030204" pitchFamily="18" charset="0"/>
-                                            </a:rPr>
-                                          </m:ctrlPr>
-                                        </m:dPr>
-                                        <m:e>
-                                          <m:f>
-                                            <m:fPr>
-                                              <m:ctrlPr>
-                                                <a:rPr kumimoji="1" lang="en-US" altLang="ja-JP" sz="2000" i="1">
-                                                  <a:latin typeface="Cambria Math" panose="02040503050406030204" pitchFamily="18" charset="0"/>
-                                                </a:rPr>
-                                              </m:ctrlPr>
-                                            </m:fPr>
-                                            <m:num>
-                                              <m:sSub>
-                                                <m:sSubPr>
-                                                  <m:ctrlPr>
-                                                    <a:rPr kumimoji="1" lang="en-US" altLang="ja-JP" sz="2000" i="1">
-                                                      <a:latin typeface="Cambria Math" panose="02040503050406030204" pitchFamily="18" charset="0"/>
-                                                    </a:rPr>
-                                                  </m:ctrlPr>
-                                                </m:sSubPr>
-                                                <m:e>
-                                                  <m:r>
-                                                    <a:rPr kumimoji="1" lang="en-US" altLang="ja-JP" sz="2000" i="1">
-                                                      <a:latin typeface="Cambria Math" panose="02040503050406030204" pitchFamily="18" charset="0"/>
-                                                    </a:rPr>
-                                                    <m:t>𝐶</m:t>
-                                                  </m:r>
-                                                </m:e>
-                                                <m:sub>
-                                                  <m:r>
-                                                    <a:rPr kumimoji="1" lang="en-US" altLang="ja-JP" sz="2000" b="0" i="1" smtClean="0">
-                                                      <a:latin typeface="Cambria Math" panose="02040503050406030204" pitchFamily="18" charset="0"/>
-                                                    </a:rPr>
-                                                    <m:t>𝐹</m:t>
-                                                  </m:r>
-                                                </m:sub>
-                                              </m:sSub>
-                                              <m:sSub>
-                                                <m:sSubPr>
-                                                  <m:ctrlPr>
-                                                    <a:rPr kumimoji="1" lang="en-US" altLang="ja-JP" sz="2000" i="1">
-                                                      <a:latin typeface="Cambria Math" panose="02040503050406030204" pitchFamily="18" charset="0"/>
-                                                    </a:rPr>
-                                                  </m:ctrlPr>
-                                                </m:sSubPr>
-                                                <m:e>
-                                                  <m:r>
-                                                    <a:rPr kumimoji="1" lang="en-US" altLang="ja-JP" sz="2000" i="1">
-                                                      <a:latin typeface="Cambria Math" panose="02040503050406030204" pitchFamily="18" charset="0"/>
-                                                    </a:rPr>
-                                                    <m:t>𝛼</m:t>
-                                                  </m:r>
-                                                </m:e>
-                                                <m:sub>
-                                                  <m:r>
-                                                    <a:rPr kumimoji="1" lang="en-US" altLang="ja-JP" sz="2000" i="1">
-                                                      <a:latin typeface="Cambria Math" panose="02040503050406030204" pitchFamily="18" charset="0"/>
-                                                    </a:rPr>
-                                                    <m:t>𝑠𝑅𝐺𝐵</m:t>
-                                                  </m:r>
-                                                </m:sub>
-                                              </m:sSub>
-                                              <m:r>
-                                                <a:rPr kumimoji="1" lang="en-US" altLang="ja-JP" sz="2000" i="1">
-                                                  <a:latin typeface="Cambria Math" panose="02040503050406030204" pitchFamily="18" charset="0"/>
-                                                </a:rPr>
-                                                <m:t>+</m:t>
-                                              </m:r>
-                                              <m:sSub>
-                                                <m:sSubPr>
-                                                  <m:ctrlPr>
-                                                    <a:rPr kumimoji="1" lang="en-US" altLang="ja-JP" sz="2000" i="1">
-                                                      <a:latin typeface="Cambria Math" panose="02040503050406030204" pitchFamily="18" charset="0"/>
-                                                    </a:rPr>
-                                                  </m:ctrlPr>
-                                                </m:sSubPr>
-                                                <m:e>
-                                                  <m:r>
-                                                    <a:rPr kumimoji="1" lang="en-US" altLang="ja-JP" sz="2000" i="1">
-                                                      <a:latin typeface="Cambria Math" panose="02040503050406030204" pitchFamily="18" charset="0"/>
-                                                    </a:rPr>
-                                                    <m:t>𝐶</m:t>
-                                                  </m:r>
-                                                </m:e>
-                                                <m:sub>
-                                                  <m:r>
-                                                    <a:rPr kumimoji="1" lang="en-US" altLang="ja-JP" sz="2000" b="0" i="1" smtClean="0">
-                                                      <a:latin typeface="Cambria Math" panose="02040503050406030204" pitchFamily="18" charset="0"/>
-                                                    </a:rPr>
-                                                    <m:t>𝐵</m:t>
-                                                  </m:r>
-                                                </m:sub>
-                                              </m:sSub>
-                                              <m:r>
-                                                <a:rPr kumimoji="1" lang="en-US" altLang="ja-JP" sz="2000" i="1">
-                                                  <a:latin typeface="Cambria Math" panose="02040503050406030204" pitchFamily="18" charset="0"/>
-                                                </a:rPr>
-                                                <m:t>(1−</m:t>
-                                              </m:r>
-                                              <m:sSub>
-                                                <m:sSubPr>
-                                                  <m:ctrlPr>
-                                                    <a:rPr kumimoji="1" lang="en-US" altLang="ja-JP" sz="2000" i="1">
-                                                      <a:latin typeface="Cambria Math" panose="02040503050406030204" pitchFamily="18" charset="0"/>
-                                                    </a:rPr>
-                                                  </m:ctrlPr>
-                                                </m:sSubPr>
-                                                <m:e>
-                                                  <m:r>
-                                                    <a:rPr kumimoji="1" lang="en-US" altLang="ja-JP" sz="2000" i="1">
-                                                      <a:latin typeface="Cambria Math" panose="02040503050406030204" pitchFamily="18" charset="0"/>
-                                                    </a:rPr>
-                                                    <m:t>𝛼</m:t>
-                                                  </m:r>
-                                                </m:e>
-                                                <m:sub>
-                                                  <m:r>
-                                                    <a:rPr kumimoji="1" lang="en-US" altLang="ja-JP" sz="2000" i="1">
-                                                      <a:latin typeface="Cambria Math" panose="02040503050406030204" pitchFamily="18" charset="0"/>
-                                                    </a:rPr>
-                                                    <m:t>𝑠𝑅𝐺𝐵</m:t>
-                                                  </m:r>
-                                                </m:sub>
-                                              </m:sSub>
-                                              <m:r>
-                                                <a:rPr kumimoji="1" lang="en-US" altLang="ja-JP" sz="2000" i="1">
-                                                  <a:latin typeface="Cambria Math" panose="02040503050406030204" pitchFamily="18" charset="0"/>
-                                                </a:rPr>
-                                                <m:t>)+0.055</m:t>
-                                              </m:r>
-                                            </m:num>
-                                            <m:den>
-                                              <m:r>
-                                                <a:rPr kumimoji="1" lang="en-US" altLang="ja-JP" sz="2000" i="1">
-                                                  <a:latin typeface="Cambria Math" panose="02040503050406030204" pitchFamily="18" charset="0"/>
-                                                </a:rPr>
-                                                <m:t>1.055</m:t>
-                                              </m:r>
-                                            </m:den>
-                                          </m:f>
-                                        </m:e>
-                                      </m:d>
-                                    </m:e>
-                                    <m:sup>
-                                      <m:r>
-                                        <a:rPr kumimoji="1" lang="en-US" altLang="ja-JP" sz="2000" i="1">
-                                          <a:latin typeface="Cambria Math" panose="02040503050406030204" pitchFamily="18" charset="0"/>
-                                        </a:rPr>
-                                        <m:t>2.4</m:t>
-                                      </m:r>
-                                    </m:sup>
-                                  </m:sSup>
-                                  <m:r>
-                                    <a:rPr kumimoji="1" lang="en-US" altLang="ja-JP" sz="2000" b="0" i="1" smtClean="0">
-                                      <a:latin typeface="Cambria Math" panose="02040503050406030204" pitchFamily="18" charset="0"/>
-                                    </a:rPr>
-                                    <m:t>−</m:t>
-                                  </m:r>
-                                  <m:sSup>
-                                    <m:sSupPr>
-                                      <m:ctrlPr>
-                                        <a:rPr kumimoji="1" lang="en-US" altLang="ja-JP" sz="2000" i="1">
-                                          <a:latin typeface="Cambria Math" panose="02040503050406030204" pitchFamily="18" charset="0"/>
-                                        </a:rPr>
-                                      </m:ctrlPr>
-                                    </m:sSupPr>
-                                    <m:e>
-                                      <m:d>
-                                        <m:dPr>
-                                          <m:ctrlPr>
-                                            <a:rPr kumimoji="1" lang="en-US" altLang="ja-JP" sz="2000" i="1">
-                                              <a:latin typeface="Cambria Math" panose="02040503050406030204" pitchFamily="18" charset="0"/>
-                                            </a:rPr>
-                                          </m:ctrlPr>
-                                        </m:dPr>
-                                        <m:e>
-                                          <m:f>
-                                            <m:fPr>
-                                              <m:ctrlPr>
-                                                <a:rPr kumimoji="1" lang="en-US" altLang="ja-JP" sz="2000" i="1">
-                                                  <a:latin typeface="Cambria Math" panose="02040503050406030204" pitchFamily="18" charset="0"/>
-                                                </a:rPr>
-                                              </m:ctrlPr>
-                                            </m:fPr>
-                                            <m:num>
-                                              <m:sSub>
-                                                <m:sSubPr>
-                                                  <m:ctrlPr>
-                                                    <a:rPr kumimoji="1" lang="en-US" altLang="ja-JP" sz="2000" b="0" i="1" smtClean="0">
-                                                      <a:latin typeface="Cambria Math" panose="02040503050406030204" pitchFamily="18" charset="0"/>
-                                                    </a:rPr>
-                                                  </m:ctrlPr>
-                                                </m:sSubPr>
-                                                <m:e>
-                                                  <m:r>
-                                                    <a:rPr kumimoji="1" lang="en-US" altLang="ja-JP" sz="2000" b="0" i="1" smtClean="0">
-                                                      <a:latin typeface="Cambria Math" panose="02040503050406030204" pitchFamily="18" charset="0"/>
-                                                    </a:rPr>
-                                                    <m:t>𝐶</m:t>
-                                                  </m:r>
-                                                </m:e>
-                                                <m:sub>
-                                                  <m:r>
-                                                    <a:rPr kumimoji="1" lang="en-US" altLang="ja-JP" sz="2000" b="0" i="1" smtClean="0">
-                                                      <a:latin typeface="Cambria Math" panose="02040503050406030204" pitchFamily="18" charset="0"/>
-                                                    </a:rPr>
-                                                    <m:t>𝐵</m:t>
-                                                  </m:r>
-                                                </m:sub>
-                                              </m:sSub>
-                                              <m:r>
-                                                <a:rPr kumimoji="1" lang="en-US" altLang="ja-JP" sz="2000" i="1">
-                                                  <a:latin typeface="Cambria Math" panose="02040503050406030204" pitchFamily="18" charset="0"/>
-                                                </a:rPr>
-                                                <m:t>+0.055</m:t>
-                                              </m:r>
-                                            </m:num>
-                                            <m:den>
-                                              <m:r>
-                                                <a:rPr kumimoji="1" lang="en-US" altLang="ja-JP" sz="2000" i="1">
-                                                  <a:latin typeface="Cambria Math" panose="02040503050406030204" pitchFamily="18" charset="0"/>
-                                                </a:rPr>
-                                                <m:t>1.055</m:t>
-                                              </m:r>
-                                            </m:den>
-                                          </m:f>
-                                        </m:e>
-                                      </m:d>
-                                    </m:e>
-                                    <m:sup>
-                                      <m:r>
-                                        <a:rPr kumimoji="1" lang="en-US" altLang="ja-JP" sz="2000" i="1">
-                                          <a:latin typeface="Cambria Math" panose="02040503050406030204" pitchFamily="18" charset="0"/>
-                                        </a:rPr>
-                                        <m:t>2.4</m:t>
-                                      </m:r>
-                                    </m:sup>
-                                  </m:sSup>
-                                </m:num>
-                                <m:den>
-                                  <m:sSup>
-                                    <m:sSupPr>
-                                      <m:ctrlPr>
-                                        <a:rPr kumimoji="1" lang="en-US" altLang="ja-JP" sz="2000" i="1">
-                                          <a:latin typeface="Cambria Math" panose="02040503050406030204" pitchFamily="18" charset="0"/>
-                                        </a:rPr>
-                                      </m:ctrlPr>
-                                    </m:sSupPr>
-                                    <m:e>
-                                      <m:d>
-                                        <m:dPr>
-                                          <m:ctrlPr>
-                                            <a:rPr kumimoji="1" lang="en-US" altLang="ja-JP" sz="2000" i="1">
-                                              <a:latin typeface="Cambria Math" panose="02040503050406030204" pitchFamily="18" charset="0"/>
-                                            </a:rPr>
-                                          </m:ctrlPr>
-                                        </m:dPr>
-                                        <m:e>
-                                          <m:f>
-                                            <m:fPr>
-                                              <m:ctrlPr>
-                                                <a:rPr kumimoji="1" lang="en-US" altLang="ja-JP" sz="2000" i="1">
-                                                  <a:latin typeface="Cambria Math" panose="02040503050406030204" pitchFamily="18" charset="0"/>
-                                                </a:rPr>
-                                              </m:ctrlPr>
-                                            </m:fPr>
-                                            <m:num>
-                                              <m:sSub>
-                                                <m:sSubPr>
-                                                  <m:ctrlPr>
-                                                    <a:rPr kumimoji="1" lang="en-US" altLang="ja-JP" sz="2000" i="1">
-                                                      <a:latin typeface="Cambria Math" panose="02040503050406030204" pitchFamily="18" charset="0"/>
-                                                    </a:rPr>
-                                                  </m:ctrlPr>
-                                                </m:sSubPr>
-                                                <m:e>
-                                                  <m:r>
-                                                    <a:rPr kumimoji="1" lang="en-US" altLang="ja-JP" sz="2000" i="1">
-                                                      <a:latin typeface="Cambria Math" panose="02040503050406030204" pitchFamily="18" charset="0"/>
-                                                    </a:rPr>
-                                                    <m:t>𝐶</m:t>
-                                                  </m:r>
-                                                </m:e>
-                                                <m:sub>
-                                                  <m:r>
-                                                    <a:rPr kumimoji="1" lang="en-US" altLang="ja-JP" sz="2000" b="0" i="1" smtClean="0">
-                                                      <a:latin typeface="Cambria Math" panose="02040503050406030204" pitchFamily="18" charset="0"/>
-                                                    </a:rPr>
-                                                    <m:t>𝐹</m:t>
-                                                  </m:r>
-                                                </m:sub>
-                                              </m:sSub>
-                                              <m:r>
-                                                <a:rPr kumimoji="1" lang="en-US" altLang="ja-JP" sz="2000" i="1">
-                                                  <a:latin typeface="Cambria Math" panose="02040503050406030204" pitchFamily="18" charset="0"/>
-                                                </a:rPr>
-                                                <m:t>+0.055</m:t>
-                                              </m:r>
-                                            </m:num>
-                                            <m:den>
-                                              <m:r>
-                                                <a:rPr kumimoji="1" lang="en-US" altLang="ja-JP" sz="2000" i="1">
-                                                  <a:latin typeface="Cambria Math" panose="02040503050406030204" pitchFamily="18" charset="0"/>
-                                                </a:rPr>
-                                                <m:t>1.055</m:t>
-                                              </m:r>
-                                            </m:den>
-                                          </m:f>
-                                        </m:e>
-                                      </m:d>
-                                    </m:e>
-                                    <m:sup>
-                                      <m:r>
-                                        <a:rPr kumimoji="1" lang="en-US" altLang="ja-JP" sz="2000" i="1">
-                                          <a:latin typeface="Cambria Math" panose="02040503050406030204" pitchFamily="18" charset="0"/>
-                                        </a:rPr>
-                                        <m:t>2.4</m:t>
-                                      </m:r>
-                                    </m:sup>
-                                  </m:sSup>
-                                  <m:r>
-                                    <a:rPr kumimoji="1" lang="en-US" altLang="ja-JP" sz="2000" i="1">
-                                      <a:latin typeface="Cambria Math" panose="02040503050406030204" pitchFamily="18" charset="0"/>
-                                    </a:rPr>
-                                    <m:t>−</m:t>
-                                  </m:r>
-                                  <m:sSup>
-                                    <m:sSupPr>
-                                      <m:ctrlPr>
-                                        <a:rPr kumimoji="1" lang="en-US" altLang="ja-JP" sz="2000" i="1">
-                                          <a:latin typeface="Cambria Math" panose="02040503050406030204" pitchFamily="18" charset="0"/>
-                                        </a:rPr>
-                                      </m:ctrlPr>
-                                    </m:sSupPr>
-                                    <m:e>
-                                      <m:d>
-                                        <m:dPr>
-                                          <m:ctrlPr>
-                                            <a:rPr kumimoji="1" lang="en-US" altLang="ja-JP" sz="2000" i="1">
-                                              <a:latin typeface="Cambria Math" panose="02040503050406030204" pitchFamily="18" charset="0"/>
-                                            </a:rPr>
-                                          </m:ctrlPr>
-                                        </m:dPr>
-                                        <m:e>
-                                          <m:f>
-                                            <m:fPr>
-                                              <m:ctrlPr>
-                                                <a:rPr kumimoji="1" lang="en-US" altLang="ja-JP" sz="2000" i="1">
-                                                  <a:latin typeface="Cambria Math" panose="02040503050406030204" pitchFamily="18" charset="0"/>
-                                                </a:rPr>
-                                              </m:ctrlPr>
-                                            </m:fPr>
-                                            <m:num>
-                                              <m:sSub>
-                                                <m:sSubPr>
-                                                  <m:ctrlPr>
-                                                    <a:rPr kumimoji="1" lang="en-US" altLang="ja-JP" sz="2000" i="1">
-                                                      <a:latin typeface="Cambria Math" panose="02040503050406030204" pitchFamily="18" charset="0"/>
-                                                    </a:rPr>
-                                                  </m:ctrlPr>
-                                                </m:sSubPr>
-                                                <m:e>
-                                                  <m:r>
-                                                    <a:rPr kumimoji="1" lang="en-US" altLang="ja-JP" sz="2000" i="1">
-                                                      <a:latin typeface="Cambria Math" panose="02040503050406030204" pitchFamily="18" charset="0"/>
-                                                    </a:rPr>
-                                                    <m:t>𝐶</m:t>
-                                                  </m:r>
-                                                </m:e>
-                                                <m:sub>
-                                                  <m:r>
-                                                    <a:rPr kumimoji="1" lang="en-US" altLang="ja-JP" sz="2000" i="1">
-                                                      <a:latin typeface="Cambria Math" panose="02040503050406030204" pitchFamily="18" charset="0"/>
-                                                    </a:rPr>
-                                                    <m:t>𝐵</m:t>
-                                                  </m:r>
-                                                </m:sub>
-                                              </m:sSub>
-                                              <m:r>
-                                                <a:rPr kumimoji="1" lang="en-US" altLang="ja-JP" sz="2000" i="1">
-                                                  <a:latin typeface="Cambria Math" panose="02040503050406030204" pitchFamily="18" charset="0"/>
-                                                </a:rPr>
-                                                <m:t>+0.055</m:t>
-                                              </m:r>
-                                            </m:num>
-                                            <m:den>
-                                              <m:r>
-                                                <a:rPr kumimoji="1" lang="en-US" altLang="ja-JP" sz="2000" i="1">
-                                                  <a:latin typeface="Cambria Math" panose="02040503050406030204" pitchFamily="18" charset="0"/>
-                                                </a:rPr>
-                                                <m:t>1.055</m:t>
-                                              </m:r>
-                                            </m:den>
-                                          </m:f>
-                                        </m:e>
-                                      </m:d>
-                                    </m:e>
-                                    <m:sup>
-                                      <m:r>
-                                        <a:rPr kumimoji="1" lang="en-US" altLang="ja-JP" sz="2000" i="1">
-                                          <a:latin typeface="Cambria Math" panose="02040503050406030204" pitchFamily="18" charset="0"/>
-                                        </a:rPr>
-                                        <m:t>2.4</m:t>
-                                      </m:r>
-                                    </m:sup>
-                                  </m:sSup>
-                                </m:den>
-                              </m:f>
-                              <m:r>
-                                <a:rPr kumimoji="1" lang="en-US" altLang="ja-JP" sz="2000" b="0" i="1" smtClean="0">
-                                  <a:latin typeface="Cambria Math" panose="02040503050406030204" pitchFamily="18" charset="0"/>
-                                </a:rPr>
-                                <m:t>,  </m:t>
-                              </m:r>
-                              <m:sSub>
-                                <m:sSubPr>
-                                  <m:ctrlPr>
-                                    <a:rPr kumimoji="1" lang="en-US" altLang="ja-JP" sz="2000" i="1">
-                                      <a:latin typeface="Cambria Math" panose="02040503050406030204" pitchFamily="18" charset="0"/>
-                                    </a:rPr>
-                                  </m:ctrlPr>
-                                </m:sSubPr>
-                                <m:e>
-                                  <m:r>
-                                    <a:rPr kumimoji="1" lang="en-US" altLang="ja-JP" sz="2000" i="1">
-                                      <a:latin typeface="Cambria Math" panose="02040503050406030204" pitchFamily="18" charset="0"/>
-                                    </a:rPr>
-                                    <m:t>𝐶</m:t>
-                                  </m:r>
-                                </m:e>
-                                <m:sub>
-                                  <m:r>
-                                    <a:rPr kumimoji="1" lang="en-US" altLang="ja-JP" sz="2000" i="1">
-                                      <a:latin typeface="Cambria Math" panose="02040503050406030204" pitchFamily="18" charset="0"/>
-                                    </a:rPr>
-                                    <m:t>𝑠𝑅𝐺𝐵</m:t>
-                                  </m:r>
-                                </m:sub>
-                              </m:sSub>
-                              <m:r>
-                                <a:rPr kumimoji="1" lang="en-US" altLang="ja-JP" sz="2000" b="0" i="1" smtClean="0">
-                                  <a:latin typeface="Cambria Math" panose="02040503050406030204" pitchFamily="18" charset="0"/>
-                                </a:rPr>
-                                <m:t>&gt;0.04050</m:t>
-                              </m:r>
-                            </m:e>
-                          </m:eqArr>
-                        </m:e>
-                      </m:d>
-                    </m:oMath>
-                  </m:oMathPara>
-                </a14:m>
-                <a:endParaRPr kumimoji="1" lang="ja-JP" altLang="en-US" sz="2000" dirty="0"/>
-              </a:p>
-            </p:txBody>
-          </p:sp>
-        </mc:Choice>
-        <mc:Fallback>
-          <p:sp>
-            <p:nvSpPr>
-              <p:cNvPr id="15" name="テキスト ボックス 14">
-                <a:extLst>
-                  <a:ext uri="{FF2B5EF4-FFF2-40B4-BE49-F238E27FC236}">
-                    <a16:creationId xmlns:a16="http://schemas.microsoft.com/office/drawing/2014/main" id="{6DE930A2-CD26-49D1-9560-9016A2D3EC9C}"/>
-                  </a:ext>
-                </a:extLst>
-              </p:cNvPr>
-              <p:cNvSpPr txBox="1">
-                <a:spLocks noRot="1" noChangeAspect="1" noMove="1" noResize="1" noEditPoints="1" noAdjustHandles="1" noChangeArrowheads="1" noChangeShapeType="1" noTextEdit="1"/>
-              </p:cNvSpPr>
-              <p:nvPr/>
-            </p:nvSpPr>
-            <p:spPr>
-              <a:xfrm>
-                <a:off x="1204799" y="1041146"/>
-                <a:ext cx="9934304" cy="1942968"/>
-              </a:xfrm>
-              <a:prstGeom prst="rect">
-                <a:avLst/>
-              </a:prstGeom>
-              <a:blipFill>
-                <a:blip r:embed="rId3"/>
-                <a:stretch>
-                  <a:fillRect/>
-                </a:stretch>
-              </a:blipFill>
-              <a:ln w="28575">
-                <a:noFill/>
-              </a:ln>
-            </p:spPr>
-            <p:txBody>
-              <a:bodyPr/>
-              <a:lstStyle/>
-              <a:p>
-                <a:r>
-                  <a:rPr lang="ja-JP" altLang="en-US">
-                    <a:noFill/>
-                  </a:rPr>
-                  <a:t> </a:t>
-                </a:r>
-              </a:p>
-            </p:txBody>
-          </p:sp>
-        </mc:Fallback>
-      </mc:AlternateContent>
       <p:sp>
         <p:nvSpPr>
           <p:cNvPr id="3" name="スライド番号プレースホルダー 2">
@@ -7494,8 +6164,8 @@
           </a:p>
         </p:txBody>
       </p:sp>
-      <mc:AlternateContent xmlns:mc="http://schemas.openxmlformats.org/markup-compatibility/2006">
-        <mc:Choice xmlns:a14="http://schemas.microsoft.com/office/drawing/2010/main" Requires="a14">
+      <mc:AlternateContent xmlns:mc="http://schemas.openxmlformats.org/markup-compatibility/2006" xmlns:a14="http://schemas.microsoft.com/office/drawing/2010/main">
+        <mc:Choice Requires="a14">
           <p:sp>
             <p:nvSpPr>
               <p:cNvPr id="25" name="テキスト ボックス 24">
@@ -7511,7 +6181,7 @@
             <p:spPr>
               <a:xfrm>
                 <a:off x="1198752" y="4841695"/>
-                <a:ext cx="10470333" cy="1778307"/>
+                <a:ext cx="10470333" cy="966803"/>
               </a:xfrm>
               <a:prstGeom prst="rect">
                 <a:avLst/>
@@ -7562,278 +6232,134 @@
                         </a:rPr>
                         <m:t>=</m:t>
                       </m:r>
+                      <m:f>
+                        <m:fPr>
+                          <m:ctrlPr>
+                            <a:rPr kumimoji="1" lang="en-US" altLang="ja-JP" sz="2400" i="1">
+                              <a:latin typeface="Cambria Math" panose="02040503050406030204" pitchFamily="18" charset="0"/>
+                            </a:rPr>
+                          </m:ctrlPr>
+                        </m:fPr>
+                        <m:num>
+                          <m:r>
+                            <a:rPr kumimoji="1" lang="en-US" altLang="ja-JP" sz="2400" i="1">
+                              <a:latin typeface="Cambria Math" panose="02040503050406030204" pitchFamily="18" charset="0"/>
+                            </a:rPr>
+                            <m:t>1</m:t>
+                          </m:r>
+                        </m:num>
+                        <m:den>
+                          <m:r>
+                            <a:rPr kumimoji="1" lang="en-US" altLang="ja-JP" sz="2400" i="1">
+                              <a:latin typeface="Cambria Math" panose="02040503050406030204" pitchFamily="18" charset="0"/>
+                            </a:rPr>
+                            <m:t>0.9991662</m:t>
+                          </m:r>
+                        </m:den>
+                      </m:f>
                       <m:d>
                         <m:dPr>
-                          <m:begChr m:val="{"/>
-                          <m:endChr m:val=""/>
+                          <m:begChr m:val="["/>
+                          <m:endChr m:val="]"/>
                           <m:ctrlPr>
-                            <a:rPr kumimoji="1" lang="en-US" altLang="ja-JP" sz="2400" b="0" i="1" smtClean="0">
+                            <a:rPr kumimoji="1" lang="en-US" altLang="ja-JP" sz="2400" i="1">
                               <a:latin typeface="Cambria Math" panose="02040503050406030204" pitchFamily="18" charset="0"/>
                             </a:rPr>
                           </m:ctrlPr>
                         </m:dPr>
                         <m:e>
-                          <m:eqArr>
-                            <m:eqArrPr>
+                          <m:r>
+                            <a:rPr kumimoji="1" lang="en-US" altLang="ja-JP" sz="2400" i="1">
+                              <a:latin typeface="Cambria Math" panose="02040503050406030204" pitchFamily="18" charset="0"/>
+                            </a:rPr>
+                            <m:t>1−</m:t>
+                          </m:r>
+                          <m:sSup>
+                            <m:sSupPr>
                               <m:ctrlPr>
-                                <a:rPr kumimoji="1" lang="en-US" altLang="ja-JP" sz="2400" b="0" i="1" smtClean="0">
+                                <a:rPr kumimoji="1" lang="en-US" altLang="ja-JP" sz="2400" i="1">
                                   <a:latin typeface="Cambria Math" panose="02040503050406030204" pitchFamily="18" charset="0"/>
                                 </a:rPr>
                               </m:ctrlPr>
-                            </m:eqArrPr>
+                            </m:sSupPr>
                             <m:e>
-                              <m:sSub>
-                                <m:sSubPr>
+                              <m:d>
+                                <m:dPr>
                                   <m:ctrlPr>
                                     <a:rPr kumimoji="1" lang="en-US" altLang="ja-JP" sz="2400" i="1">
                                       <a:latin typeface="Cambria Math" panose="02040503050406030204" pitchFamily="18" charset="0"/>
                                     </a:rPr>
                                   </m:ctrlPr>
-                                </m:sSubPr>
-                                <m:e>
-                                  <m:r>
-                                    <a:rPr kumimoji="1" lang="en-US" altLang="ja-JP" sz="2400" i="1">
-                                      <a:latin typeface="Cambria Math" panose="02040503050406030204" pitchFamily="18" charset="0"/>
-                                    </a:rPr>
-                                    <m:t>𝛼</m:t>
-                                  </m:r>
-                                </m:e>
-                                <m:sub>
-                                  <m:r>
-                                    <a:rPr kumimoji="1" lang="en-US" altLang="ja-JP" sz="2400" i="1">
-                                      <a:latin typeface="Cambria Math" panose="02040503050406030204" pitchFamily="18" charset="0"/>
-                                    </a:rPr>
-                                    <m:t>𝑠𝑅𝐺𝐵</m:t>
-                                  </m:r>
-                                </m:sub>
-                              </m:sSub>
-                              <m:r>
-                                <a:rPr kumimoji="1" lang="en-US" altLang="ja-JP" sz="2400" b="0" i="1" smtClean="0">
-                                  <a:latin typeface="Cambria Math" panose="02040503050406030204" pitchFamily="18" charset="0"/>
-                                </a:rPr>
-                                <m:t>,                                                                       1−</m:t>
-                              </m:r>
-                              <m:sSub>
-                                <m:sSubPr>
-                                  <m:ctrlPr>
-                                    <a:rPr kumimoji="1" lang="en-US" altLang="ja-JP" sz="2400" b="0" i="1" smtClean="0">
-                                      <a:latin typeface="Cambria Math" panose="02040503050406030204" pitchFamily="18" charset="0"/>
-                                    </a:rPr>
-                                  </m:ctrlPr>
-                                </m:sSubPr>
-                                <m:e>
-                                  <m:r>
-                                    <a:rPr kumimoji="1" lang="en-US" altLang="ja-JP" sz="2400" b="0" i="1" smtClean="0">
-                                      <a:latin typeface="Cambria Math" panose="02040503050406030204" pitchFamily="18" charset="0"/>
-                                    </a:rPr>
-                                    <m:t>𝛼</m:t>
-                                  </m:r>
-                                </m:e>
-                                <m:sub>
-                                  <m:r>
-                                    <a:rPr kumimoji="1" lang="en-US" altLang="ja-JP" sz="2400" b="0" i="1" smtClean="0">
-                                      <a:latin typeface="Cambria Math" panose="02040503050406030204" pitchFamily="18" charset="0"/>
-                                    </a:rPr>
-                                    <m:t>𝑠𝑅𝐺𝐵</m:t>
-                                  </m:r>
-                                </m:sub>
-                              </m:sSub>
-                              <m:r>
-                                <a:rPr kumimoji="1" lang="en-US" altLang="ja-JP" sz="2400" b="0" i="1" smtClean="0">
-                                  <a:latin typeface="Cambria Math" panose="02040503050406030204" pitchFamily="18" charset="0"/>
-                                </a:rPr>
-                                <m:t>≤0.04050</m:t>
-                              </m:r>
-                            </m:e>
-                            <m:e/>
-                            <m:e>
-                              <m:f>
-                                <m:fPr>
-                                  <m:ctrlPr>
-                                    <a:rPr kumimoji="1" lang="en-US" altLang="ja-JP" sz="2400" b="0" i="1" smtClean="0">
-                                      <a:latin typeface="Cambria Math" panose="02040503050406030204" pitchFamily="18" charset="0"/>
-                                    </a:rPr>
-                                  </m:ctrlPr>
-                                </m:fPr>
-                                <m:num>
-                                  <m:r>
-                                    <a:rPr kumimoji="1" lang="en-US" altLang="ja-JP" sz="2400" b="0" i="1" smtClean="0">
-                                      <a:latin typeface="Cambria Math" panose="02040503050406030204" pitchFamily="18" charset="0"/>
-                                    </a:rPr>
-                                    <m:t>1</m:t>
-                                  </m:r>
-                                </m:num>
-                                <m:den>
-                                  <m:r>
-                                    <a:rPr kumimoji="1" lang="en-US" altLang="ja-JP" sz="2400" b="0" i="1" smtClean="0">
-                                      <a:latin typeface="Cambria Math" panose="02040503050406030204" pitchFamily="18" charset="0"/>
-                                    </a:rPr>
-                                    <m:t>0.</m:t>
-                                  </m:r>
-                                  <m:r>
-                                    <a:rPr kumimoji="1" lang="en-US" altLang="ja-JP" sz="2400" i="1">
-                                      <a:latin typeface="Cambria Math" panose="02040503050406030204" pitchFamily="18" charset="0"/>
-                                    </a:rPr>
-                                    <m:t>999166</m:t>
-                                  </m:r>
-                                  <m:r>
-                                    <a:rPr kumimoji="1" lang="en-US" altLang="ja-JP" sz="2400" b="0" i="1" smtClean="0">
-                                      <a:latin typeface="Cambria Math" panose="02040503050406030204" pitchFamily="18" charset="0"/>
-                                    </a:rPr>
-                                    <m:t>2</m:t>
-                                  </m:r>
-                                </m:den>
-                              </m:f>
-                              <m:d>
-                                <m:dPr>
-                                  <m:begChr m:val="["/>
-                                  <m:endChr m:val="]"/>
-                                  <m:ctrlPr>
-                                    <a:rPr kumimoji="1" lang="en-US" altLang="ja-JP" sz="2400" b="0" i="1" smtClean="0">
-                                      <a:latin typeface="Cambria Math" panose="02040503050406030204" pitchFamily="18" charset="0"/>
-                                    </a:rPr>
-                                  </m:ctrlPr>
                                 </m:dPr>
                                 <m:e>
-                                  <m:r>
-                                    <a:rPr kumimoji="1" lang="en-US" altLang="ja-JP" sz="2400" i="1">
-                                      <a:latin typeface="Cambria Math" panose="02040503050406030204" pitchFamily="18" charset="0"/>
-                                    </a:rPr>
-                                    <m:t>1−</m:t>
-                                  </m:r>
-                                  <m:sSup>
-                                    <m:sSupPr>
+                                  <m:f>
+                                    <m:fPr>
                                       <m:ctrlPr>
                                         <a:rPr kumimoji="1" lang="en-US" altLang="ja-JP" sz="2400" i="1">
                                           <a:latin typeface="Cambria Math" panose="02040503050406030204" pitchFamily="18" charset="0"/>
                                         </a:rPr>
                                       </m:ctrlPr>
-                                    </m:sSupPr>
-                                    <m:e>
-                                      <m:d>
-                                        <m:dPr>
+                                    </m:fPr>
+                                    <m:num>
+                                      <m:r>
+                                        <a:rPr kumimoji="1" lang="en-US" altLang="ja-JP" sz="2400" i="1">
+                                          <a:latin typeface="Cambria Math" panose="02040503050406030204" pitchFamily="18" charset="0"/>
+                                        </a:rPr>
+                                        <m:t> 1−</m:t>
+                                      </m:r>
+                                      <m:sSub>
+                                        <m:sSubPr>
                                           <m:ctrlPr>
                                             <a:rPr kumimoji="1" lang="en-US" altLang="ja-JP" sz="2400" i="1">
                                               <a:latin typeface="Cambria Math" panose="02040503050406030204" pitchFamily="18" charset="0"/>
                                             </a:rPr>
                                           </m:ctrlPr>
-                                        </m:dPr>
+                                        </m:sSubPr>
                                         <m:e>
-                                          <m:f>
-                                            <m:fPr>
-                                              <m:ctrlPr>
-                                                <a:rPr kumimoji="1" lang="en-US" altLang="ja-JP" sz="2400" i="1">
-                                                  <a:latin typeface="Cambria Math" panose="02040503050406030204" pitchFamily="18" charset="0"/>
-                                                </a:rPr>
-                                              </m:ctrlPr>
-                                            </m:fPr>
-                                            <m:num>
-                                              <m:r>
-                                                <a:rPr kumimoji="1" lang="en-US" altLang="ja-JP" sz="2400" i="1">
-                                                  <a:latin typeface="Cambria Math" panose="02040503050406030204" pitchFamily="18" charset="0"/>
-                                                </a:rPr>
-                                                <m:t> 1−</m:t>
-                                              </m:r>
-                                              <m:sSub>
-                                                <m:sSubPr>
-                                                  <m:ctrlPr>
-                                                    <a:rPr kumimoji="1" lang="en-US" altLang="ja-JP" sz="2400" i="1">
-                                                      <a:latin typeface="Cambria Math" panose="02040503050406030204" pitchFamily="18" charset="0"/>
-                                                    </a:rPr>
-                                                  </m:ctrlPr>
-                                                </m:sSubPr>
-                                                <m:e>
-                                                  <m:r>
-                                                    <a:rPr kumimoji="1" lang="en-US" altLang="ja-JP" sz="2400" i="1">
-                                                      <a:latin typeface="Cambria Math" panose="02040503050406030204" pitchFamily="18" charset="0"/>
-                                                    </a:rPr>
-                                                    <m:t>𝛼</m:t>
-                                                  </m:r>
-                                                </m:e>
-                                                <m:sub>
-                                                  <m:r>
-                                                    <a:rPr kumimoji="1" lang="en-US" altLang="ja-JP" sz="2400" i="1">
-                                                      <a:latin typeface="Cambria Math" panose="02040503050406030204" pitchFamily="18" charset="0"/>
-                                                    </a:rPr>
-                                                    <m:t>𝑠𝑅𝐺𝐵</m:t>
-                                                  </m:r>
-                                                </m:sub>
-                                              </m:sSub>
-                                              <m:r>
-                                                <a:rPr kumimoji="1" lang="en-US" altLang="ja-JP" sz="2400" i="1">
-                                                  <a:latin typeface="Cambria Math" panose="02040503050406030204" pitchFamily="18" charset="0"/>
-                                                </a:rPr>
-                                                <m:t>+0.055</m:t>
-                                              </m:r>
-                                            </m:num>
-                                            <m:den>
-                                              <m:r>
-                                                <a:rPr kumimoji="1" lang="en-US" altLang="ja-JP" sz="2400" i="1">
-                                                  <a:latin typeface="Cambria Math" panose="02040503050406030204" pitchFamily="18" charset="0"/>
-                                                </a:rPr>
-                                                <m:t>1.055</m:t>
-                                              </m:r>
-                                            </m:den>
-                                          </m:f>
+                                          <m:r>
+                                            <a:rPr kumimoji="1" lang="en-US" altLang="ja-JP" sz="2400" i="1">
+                                              <a:latin typeface="Cambria Math" panose="02040503050406030204" pitchFamily="18" charset="0"/>
+                                            </a:rPr>
+                                            <m:t>𝛼</m:t>
+                                          </m:r>
                                         </m:e>
-                                      </m:d>
-                                    </m:e>
-                                    <m:sup>
+                                        <m:sub>
+                                          <m:r>
+                                            <a:rPr kumimoji="1" lang="en-US" altLang="ja-JP" sz="2400" i="1">
+                                              <a:latin typeface="Cambria Math" panose="02040503050406030204" pitchFamily="18" charset="0"/>
+                                            </a:rPr>
+                                            <m:t>𝑠𝑅𝐺𝐵</m:t>
+                                          </m:r>
+                                        </m:sub>
+                                      </m:sSub>
                                       <m:r>
                                         <a:rPr kumimoji="1" lang="en-US" altLang="ja-JP" sz="2400" i="1">
                                           <a:latin typeface="Cambria Math" panose="02040503050406030204" pitchFamily="18" charset="0"/>
                                         </a:rPr>
-                                        <m:t>2.4</m:t>
+                                        <m:t>+0.055</m:t>
                                       </m:r>
-                                    </m:sup>
-                                  </m:sSup>
+                                    </m:num>
+                                    <m:den>
+                                      <m:r>
+                                        <a:rPr kumimoji="1" lang="en-US" altLang="ja-JP" sz="2400" i="1">
+                                          <a:latin typeface="Cambria Math" panose="02040503050406030204" pitchFamily="18" charset="0"/>
+                                        </a:rPr>
+                                        <m:t>1.055</m:t>
+                                      </m:r>
+                                    </m:den>
+                                  </m:f>
                                 </m:e>
                               </m:d>
-                              <m:r>
-                                <a:rPr kumimoji="1" lang="en-US" altLang="ja-JP" sz="2400" b="0" i="1" smtClean="0">
-                                  <a:latin typeface="Cambria Math" panose="02040503050406030204" pitchFamily="18" charset="0"/>
-                                </a:rPr>
-                                <m:t>,  </m:t>
-                              </m:r>
+                            </m:e>
+                            <m:sup>
                               <m:r>
                                 <a:rPr kumimoji="1" lang="en-US" altLang="ja-JP" sz="2400" i="1">
                                   <a:latin typeface="Cambria Math" panose="02040503050406030204" pitchFamily="18" charset="0"/>
                                 </a:rPr>
-                                <m:t>1−</m:t>
+                                <m:t>2.4</m:t>
                               </m:r>
-                              <m:sSub>
-                                <m:sSubPr>
-                                  <m:ctrlPr>
-                                    <a:rPr kumimoji="1" lang="en-US" altLang="ja-JP" sz="2400" i="1">
-                                      <a:latin typeface="Cambria Math" panose="02040503050406030204" pitchFamily="18" charset="0"/>
-                                    </a:rPr>
-                                  </m:ctrlPr>
-                                </m:sSubPr>
-                                <m:e>
-                                  <m:r>
-                                    <a:rPr kumimoji="1" lang="en-US" altLang="ja-JP" sz="2400" i="1">
-                                      <a:latin typeface="Cambria Math" panose="02040503050406030204" pitchFamily="18" charset="0"/>
-                                    </a:rPr>
-                                    <m:t>𝛼</m:t>
-                                  </m:r>
-                                </m:e>
-                                <m:sub>
-                                  <m:r>
-                                    <a:rPr kumimoji="1" lang="en-US" altLang="ja-JP" sz="2400" i="1">
-                                      <a:latin typeface="Cambria Math" panose="02040503050406030204" pitchFamily="18" charset="0"/>
-                                    </a:rPr>
-                                    <m:t>𝑠𝑅𝐺𝐵</m:t>
-                                  </m:r>
-                                </m:sub>
-                              </m:sSub>
-                              <m:r>
-                                <a:rPr kumimoji="1" lang="en-US" altLang="ja-JP" sz="2400" b="0" i="1" smtClean="0">
-                                  <a:latin typeface="Cambria Math" panose="02040503050406030204" pitchFamily="18" charset="0"/>
-                                </a:rPr>
-                                <m:t>&gt;0.04050</m:t>
-                              </m:r>
-                            </m:e>
-                          </m:eqArr>
+                            </m:sup>
+                          </m:sSup>
                         </m:e>
                       </m:d>
                     </m:oMath>
@@ -7844,7 +6370,7 @@
             </p:txBody>
           </p:sp>
         </mc:Choice>
-        <mc:Fallback>
+        <mc:Fallback xmlns="">
           <p:sp>
             <p:nvSpPr>
               <p:cNvPr id="25" name="テキスト ボックス 24">
@@ -7862,13 +6388,13 @@
             <p:spPr>
               <a:xfrm>
                 <a:off x="1198752" y="4841695"/>
-                <a:ext cx="10470333" cy="1778307"/>
+                <a:ext cx="10470333" cy="966803"/>
               </a:xfrm>
               <a:prstGeom prst="rect">
                 <a:avLst/>
               </a:prstGeom>
               <a:blipFill>
-                <a:blip r:embed="rId4"/>
+                <a:blip r:embed="rId2"/>
                 <a:stretch>
                   <a:fillRect/>
                 </a:stretch>
@@ -7904,7 +6430,7 @@
         <p:spPr>
           <a:xfrm>
             <a:off x="685456" y="3910599"/>
-            <a:ext cx="1647695" cy="369332"/>
+            <a:ext cx="1981504" cy="369332"/>
           </a:xfrm>
           <a:prstGeom prst="rect">
             <a:avLst/>
@@ -7919,14 +6445,14 @@
           <a:p>
             <a:r>
               <a:rPr kumimoji="1" lang="en-US" altLang="ja-JP" sz="2400" b="1" dirty="0"/>
-              <a:t>Special cases</a:t>
+              <a:t>Particular cases</a:t>
             </a:r>
             <a:endParaRPr kumimoji="1" lang="ja-JP" altLang="en-US" sz="2400" b="1" dirty="0"/>
           </a:p>
         </p:txBody>
       </p:sp>
-      <mc:AlternateContent xmlns:mc="http://schemas.openxmlformats.org/markup-compatibility/2006">
-        <mc:Choice xmlns:a14="http://schemas.microsoft.com/office/drawing/2010/main" Requires="a14">
+      <mc:AlternateContent xmlns:mc="http://schemas.openxmlformats.org/markup-compatibility/2006" xmlns:a14="http://schemas.microsoft.com/office/drawing/2010/main">
+        <mc:Choice Requires="a14">
           <p:sp>
             <p:nvSpPr>
               <p:cNvPr id="27" name="テキスト ボックス 26">
@@ -8059,7 +6585,7 @@
             </p:txBody>
           </p:sp>
         </mc:Choice>
-        <mc:Fallback>
+        <mc:Fallback xmlns="">
           <p:sp>
             <p:nvSpPr>
               <p:cNvPr id="27" name="テキスト ボックス 26">
@@ -8104,8 +6630,8 @@
           </p:sp>
         </mc:Fallback>
       </mc:AlternateContent>
-      <mc:AlternateContent xmlns:mc="http://schemas.openxmlformats.org/markup-compatibility/2006">
-        <mc:Choice xmlns:a14="http://schemas.microsoft.com/office/drawing/2010/main" Requires="a14">
+      <mc:AlternateContent xmlns:mc="http://schemas.openxmlformats.org/markup-compatibility/2006" xmlns:a14="http://schemas.microsoft.com/office/drawing/2010/main">
+        <mc:Choice Requires="a14">
           <p:sp>
             <p:nvSpPr>
               <p:cNvPr id="28" name="テキスト ボックス 27">
@@ -8121,7 +6647,7 @@
             <p:spPr>
               <a:xfrm>
                 <a:off x="936667" y="7348706"/>
-                <a:ext cx="11080762" cy="1778307"/>
+                <a:ext cx="11080762" cy="966803"/>
               </a:xfrm>
               <a:prstGeom prst="rect">
                 <a:avLst/>
@@ -8172,120 +6698,53 @@
                         </a:rPr>
                         <m:t>=</m:t>
                       </m:r>
+                      <m:f>
+                        <m:fPr>
+                          <m:ctrlPr>
+                            <a:rPr kumimoji="1" lang="en-US" altLang="ja-JP" sz="2400" i="1">
+                              <a:latin typeface="Cambria Math" panose="02040503050406030204" pitchFamily="18" charset="0"/>
+                            </a:rPr>
+                          </m:ctrlPr>
+                        </m:fPr>
+                        <m:num>
+                          <m:r>
+                            <a:rPr kumimoji="1" lang="en-US" altLang="ja-JP" sz="2400" i="1">
+                              <a:latin typeface="Cambria Math" panose="02040503050406030204" pitchFamily="18" charset="0"/>
+                            </a:rPr>
+                            <m:t>1</m:t>
+                          </m:r>
+                        </m:num>
+                        <m:den>
+                          <m:r>
+                            <a:rPr kumimoji="1" lang="en-US" altLang="ja-JP" sz="2400" i="1">
+                              <a:latin typeface="Cambria Math" panose="02040503050406030204" pitchFamily="18" charset="0"/>
+                            </a:rPr>
+                            <m:t>0.9991662</m:t>
+                          </m:r>
+                        </m:den>
+                      </m:f>
                       <m:d>
                         <m:dPr>
-                          <m:begChr m:val="{"/>
-                          <m:endChr m:val=""/>
+                          <m:begChr m:val="["/>
+                          <m:endChr m:val="]"/>
                           <m:ctrlPr>
-                            <a:rPr kumimoji="1" lang="en-US" altLang="ja-JP" sz="2400" b="0" i="1" smtClean="0">
+                            <a:rPr kumimoji="1" lang="en-US" altLang="ja-JP" sz="2400" i="1">
                               <a:latin typeface="Cambria Math" panose="02040503050406030204" pitchFamily="18" charset="0"/>
                             </a:rPr>
                           </m:ctrlPr>
                         </m:dPr>
                         <m:e>
-                          <m:eqArr>
-                            <m:eqArrPr>
+                          <m:sSup>
+                            <m:sSupPr>
                               <m:ctrlPr>
-                                <a:rPr kumimoji="1" lang="en-US" altLang="ja-JP" sz="2400" b="0" i="1" smtClean="0">
+                                <a:rPr kumimoji="1" lang="en-US" altLang="ja-JP" sz="2400" i="1">
                                   <a:latin typeface="Cambria Math" panose="02040503050406030204" pitchFamily="18" charset="0"/>
                                 </a:rPr>
                               </m:ctrlPr>
-                            </m:eqArrPr>
+                            </m:sSupPr>
                             <m:e>
-                              <m:sSub>
-                                <m:sSubPr>
-                                  <m:ctrlPr>
-                                    <a:rPr kumimoji="1" lang="en-US" altLang="ja-JP" sz="2400" i="1">
-                                      <a:latin typeface="Cambria Math" panose="02040503050406030204" pitchFamily="18" charset="0"/>
-                                    </a:rPr>
-                                  </m:ctrlPr>
-                                </m:sSubPr>
-                                <m:e>
-                                  <m:r>
-                                    <a:rPr kumimoji="1" lang="en-US" altLang="ja-JP" sz="2400" i="1">
-                                      <a:latin typeface="Cambria Math" panose="02040503050406030204" pitchFamily="18" charset="0"/>
-                                    </a:rPr>
-                                    <m:t>𝛼</m:t>
-                                  </m:r>
-                                </m:e>
-                                <m:sub>
-                                  <m:r>
-                                    <a:rPr kumimoji="1" lang="en-US" altLang="ja-JP" sz="2400" i="1">
-                                      <a:latin typeface="Cambria Math" panose="02040503050406030204" pitchFamily="18" charset="0"/>
-                                    </a:rPr>
-                                    <m:t>𝑠𝑅𝐺𝐵</m:t>
-                                  </m:r>
-                                </m:sub>
-                              </m:sSub>
-                              <m:r>
-                                <a:rPr kumimoji="1" lang="en-US" altLang="ja-JP" sz="2400" b="0" i="1" smtClean="0">
-                                  <a:latin typeface="Cambria Math" panose="02040503050406030204" pitchFamily="18" charset="0"/>
-                                </a:rPr>
-                                <m:t>,                                                                                  </m:t>
-                              </m:r>
-                              <m:sSub>
-                                <m:sSubPr>
-                                  <m:ctrlPr>
-                                    <a:rPr kumimoji="1" lang="en-US" altLang="ja-JP" sz="2400" b="0" i="1" smtClean="0">
-                                      <a:latin typeface="Cambria Math" panose="02040503050406030204" pitchFamily="18" charset="0"/>
-                                    </a:rPr>
-                                  </m:ctrlPr>
-                                </m:sSubPr>
-                                <m:e>
-                                  <m:r>
-                                    <a:rPr kumimoji="1" lang="en-US" altLang="ja-JP" sz="2400" b="0" i="1" smtClean="0">
-                                      <a:latin typeface="Cambria Math" panose="02040503050406030204" pitchFamily="18" charset="0"/>
-                                    </a:rPr>
-                                    <m:t>𝛼</m:t>
-                                  </m:r>
-                                </m:e>
-                                <m:sub>
-                                  <m:r>
-                                    <a:rPr kumimoji="1" lang="en-US" altLang="ja-JP" sz="2400" b="0" i="1" smtClean="0">
-                                      <a:latin typeface="Cambria Math" panose="02040503050406030204" pitchFamily="18" charset="0"/>
-                                    </a:rPr>
-                                    <m:t>𝑠𝑅𝐺𝐵</m:t>
-                                  </m:r>
-                                </m:sub>
-                              </m:sSub>
-                              <m:r>
-                                <a:rPr kumimoji="1" lang="en-US" altLang="ja-JP" sz="2400" b="0" i="1" smtClean="0">
-                                  <a:latin typeface="Cambria Math" panose="02040503050406030204" pitchFamily="18" charset="0"/>
-                                </a:rPr>
-                                <m:t>≤0.04050</m:t>
-                              </m:r>
-                            </m:e>
-                            <m:e/>
-                            <m:e>
-                              <m:f>
-                                <m:fPr>
-                                  <m:ctrlPr>
-                                    <a:rPr kumimoji="1" lang="en-US" altLang="ja-JP" sz="2400" i="1">
-                                      <a:latin typeface="Cambria Math" panose="02040503050406030204" pitchFamily="18" charset="0"/>
-                                    </a:rPr>
-                                  </m:ctrlPr>
-                                </m:fPr>
-                                <m:num>
-                                  <m:r>
-                                    <a:rPr kumimoji="1" lang="en-US" altLang="ja-JP" sz="2400" i="1">
-                                      <a:latin typeface="Cambria Math" panose="02040503050406030204" pitchFamily="18" charset="0"/>
-                                    </a:rPr>
-                                    <m:t>1</m:t>
-                                  </m:r>
-                                </m:num>
-                                <m:den>
-                                  <m:r>
-                                    <a:rPr kumimoji="1" lang="en-US" altLang="ja-JP" sz="2400" i="1">
-                                      <a:latin typeface="Cambria Math" panose="02040503050406030204" pitchFamily="18" charset="0"/>
-                                    </a:rPr>
-                                    <m:t>0.9991662</m:t>
-                                  </m:r>
-                                </m:den>
-                              </m:f>
                               <m:d>
                                 <m:dPr>
-                                  <m:begChr m:val="["/>
-                                  <m:endChr m:val="]"/>
                                   <m:ctrlPr>
                                     <a:rPr kumimoji="1" lang="en-US" altLang="ja-JP" sz="2400" i="1">
                                       <a:latin typeface="Cambria Math" panose="02040503050406030204" pitchFamily="18" charset="0"/>
@@ -8293,139 +6752,80 @@
                                   </m:ctrlPr>
                                 </m:dPr>
                                 <m:e>
-                                  <m:sSup>
-                                    <m:sSupPr>
+                                  <m:f>
+                                    <m:fPr>
                                       <m:ctrlPr>
                                         <a:rPr kumimoji="1" lang="en-US" altLang="ja-JP" sz="2400" i="1">
                                           <a:latin typeface="Cambria Math" panose="02040503050406030204" pitchFamily="18" charset="0"/>
                                         </a:rPr>
                                       </m:ctrlPr>
-                                    </m:sSupPr>
-                                    <m:e>
-                                      <m:d>
-                                        <m:dPr>
+                                    </m:fPr>
+                                    <m:num>
+                                      <m:r>
+                                        <a:rPr kumimoji="1" lang="en-US" altLang="ja-JP" sz="2400" i="1">
+                                          <a:latin typeface="Cambria Math" panose="02040503050406030204" pitchFamily="18" charset="0"/>
+                                        </a:rPr>
+                                        <m:t> </m:t>
+                                      </m:r>
+                                      <m:sSub>
+                                        <m:sSubPr>
                                           <m:ctrlPr>
                                             <a:rPr kumimoji="1" lang="en-US" altLang="ja-JP" sz="2400" i="1">
                                               <a:latin typeface="Cambria Math" panose="02040503050406030204" pitchFamily="18" charset="0"/>
                                             </a:rPr>
                                           </m:ctrlPr>
-                                        </m:dPr>
+                                        </m:sSubPr>
                                         <m:e>
-                                          <m:f>
-                                            <m:fPr>
-                                              <m:ctrlPr>
-                                                <a:rPr kumimoji="1" lang="en-US" altLang="ja-JP" sz="2400" i="1">
-                                                  <a:latin typeface="Cambria Math" panose="02040503050406030204" pitchFamily="18" charset="0"/>
-                                                </a:rPr>
-                                              </m:ctrlPr>
-                                            </m:fPr>
-                                            <m:num>
-                                              <m:r>
-                                                <a:rPr kumimoji="1" lang="en-US" altLang="ja-JP" sz="2400" i="1">
-                                                  <a:latin typeface="Cambria Math" panose="02040503050406030204" pitchFamily="18" charset="0"/>
-                                                </a:rPr>
-                                                <m:t> </m:t>
-                                              </m:r>
-                                              <m:sSub>
-                                                <m:sSubPr>
-                                                  <m:ctrlPr>
-                                                    <a:rPr kumimoji="1" lang="en-US" altLang="ja-JP" sz="2400" i="1">
-                                                      <a:latin typeface="Cambria Math" panose="02040503050406030204" pitchFamily="18" charset="0"/>
-                                                    </a:rPr>
-                                                  </m:ctrlPr>
-                                                </m:sSubPr>
-                                                <m:e>
-                                                  <m:r>
-                                                    <a:rPr kumimoji="1" lang="en-US" altLang="ja-JP" sz="2400" i="1">
-                                                      <a:latin typeface="Cambria Math" panose="02040503050406030204" pitchFamily="18" charset="0"/>
-                                                    </a:rPr>
-                                                    <m:t>𝛼</m:t>
-                                                  </m:r>
-                                                </m:e>
-                                                <m:sub>
-                                                  <m:r>
-                                                    <a:rPr kumimoji="1" lang="en-US" altLang="ja-JP" sz="2400" i="1">
-                                                      <a:latin typeface="Cambria Math" panose="02040503050406030204" pitchFamily="18" charset="0"/>
-                                                    </a:rPr>
-                                                    <m:t>𝑠𝑅𝐺𝐵</m:t>
-                                                  </m:r>
-                                                </m:sub>
-                                              </m:sSub>
-                                              <m:r>
-                                                <a:rPr kumimoji="1" lang="en-US" altLang="ja-JP" sz="2400" i="1">
-                                                  <a:latin typeface="Cambria Math" panose="02040503050406030204" pitchFamily="18" charset="0"/>
-                                                </a:rPr>
-                                                <m:t>+0.055</m:t>
-                                              </m:r>
-                                            </m:num>
-                                            <m:den>
-                                              <m:r>
-                                                <a:rPr kumimoji="1" lang="en-US" altLang="ja-JP" sz="2400" i="1">
-                                                  <a:latin typeface="Cambria Math" panose="02040503050406030204" pitchFamily="18" charset="0"/>
-                                                </a:rPr>
-                                                <m:t>1.055</m:t>
-                                              </m:r>
-                                            </m:den>
-                                          </m:f>
+                                          <m:r>
+                                            <a:rPr kumimoji="1" lang="en-US" altLang="ja-JP" sz="2400" i="1">
+                                              <a:latin typeface="Cambria Math" panose="02040503050406030204" pitchFamily="18" charset="0"/>
+                                            </a:rPr>
+                                            <m:t>𝛼</m:t>
+                                          </m:r>
                                         </m:e>
-                                      </m:d>
-                                    </m:e>
-                                    <m:sup>
+                                        <m:sub>
+                                          <m:r>
+                                            <a:rPr kumimoji="1" lang="en-US" altLang="ja-JP" sz="2400" i="1">
+                                              <a:latin typeface="Cambria Math" panose="02040503050406030204" pitchFamily="18" charset="0"/>
+                                            </a:rPr>
+                                            <m:t>𝑠𝑅𝐺𝐵</m:t>
+                                          </m:r>
+                                        </m:sub>
+                                      </m:sSub>
                                       <m:r>
                                         <a:rPr kumimoji="1" lang="en-US" altLang="ja-JP" sz="2400" i="1">
                                           <a:latin typeface="Cambria Math" panose="02040503050406030204" pitchFamily="18" charset="0"/>
                                         </a:rPr>
-                                        <m:t>2.4</m:t>
+                                        <m:t>+0.055</m:t>
                                       </m:r>
-                                    </m:sup>
-                                  </m:sSup>
-                                  <m:r>
-                                    <a:rPr kumimoji="1" lang="en-US" altLang="ja-JP" sz="2400" i="1">
-                                      <a:latin typeface="Cambria Math" panose="02040503050406030204" pitchFamily="18" charset="0"/>
-                                    </a:rPr>
-                                    <m:t>−0.0008338</m:t>
-                                  </m:r>
+                                    </m:num>
+                                    <m:den>
+                                      <m:r>
+                                        <a:rPr kumimoji="1" lang="en-US" altLang="ja-JP" sz="2400" i="1">
+                                          <a:latin typeface="Cambria Math" panose="02040503050406030204" pitchFamily="18" charset="0"/>
+                                        </a:rPr>
+                                        <m:t>1.055</m:t>
+                                      </m:r>
+                                    </m:den>
+                                  </m:f>
                                 </m:e>
                               </m:d>
+                            </m:e>
+                            <m:sup>
                               <m:r>
-                                <a:rPr kumimoji="1" lang="en-US" altLang="ja-JP" sz="2400" b="0" i="1" smtClean="0">
-                                  <a:latin typeface="Cambria Math" panose="02040503050406030204" pitchFamily="18" charset="0"/>
-                                </a:rPr>
-                                <m:t>,  </m:t>
+                                <a:rPr kumimoji="1" lang="en-US" altLang="ja-JP" sz="2400" i="1">
+                                  <a:latin typeface="Cambria Math" panose="02040503050406030204" pitchFamily="18" charset="0"/>
+                                </a:rPr>
+                                <m:t>2.4</m:t>
                               </m:r>
-                              <m:sSub>
-                                <m:sSubPr>
-                                  <m:ctrlPr>
-                                    <a:rPr kumimoji="1" lang="en-US" altLang="ja-JP" sz="2400" i="1">
-                                      <a:latin typeface="Cambria Math" panose="02040503050406030204" pitchFamily="18" charset="0"/>
-                                    </a:rPr>
-                                  </m:ctrlPr>
-                                </m:sSubPr>
-                                <m:e>
-                                  <m:r>
-                                    <a:rPr kumimoji="1" lang="en-US" altLang="ja-JP" sz="2400" i="1">
-                                      <a:latin typeface="Cambria Math" panose="02040503050406030204" pitchFamily="18" charset="0"/>
-                                    </a:rPr>
-                                    <m:t>𝛼</m:t>
-                                  </m:r>
-                                </m:e>
-                                <m:sub>
-                                  <m:r>
-                                    <a:rPr kumimoji="1" lang="en-US" altLang="ja-JP" sz="2400" i="1">
-                                      <a:latin typeface="Cambria Math" panose="02040503050406030204" pitchFamily="18" charset="0"/>
-                                    </a:rPr>
-                                    <m:t>𝑠𝑅𝐺𝐵</m:t>
-                                  </m:r>
-                                </m:sub>
-                              </m:sSub>
-                              <m:r>
-                                <a:rPr kumimoji="1" lang="en-US" altLang="ja-JP" sz="2400" b="0" i="1" smtClean="0">
-                                  <a:latin typeface="Cambria Math" panose="02040503050406030204" pitchFamily="18" charset="0"/>
-                                </a:rPr>
-                                <m:t>&gt;0.04050</m:t>
-                              </m:r>
-                            </m:e>
-                          </m:eqArr>
+                            </m:sup>
+                          </m:sSup>
+                          <m:r>
+                            <a:rPr kumimoji="1" lang="en-US" altLang="ja-JP" sz="2400" i="1">
+                              <a:latin typeface="Cambria Math" panose="02040503050406030204" pitchFamily="18" charset="0"/>
+                            </a:rPr>
+                            <m:t>−0.0008338</m:t>
+                          </m:r>
                         </m:e>
                       </m:d>
                     </m:oMath>
@@ -8436,7 +6836,7 @@
             </p:txBody>
           </p:sp>
         </mc:Choice>
-        <mc:Fallback>
+        <mc:Fallback xmlns="">
           <p:sp>
             <p:nvSpPr>
               <p:cNvPr id="28" name="テキスト ボックス 27">
@@ -8454,7 +6854,7 @@
             <p:spPr>
               <a:xfrm>
                 <a:off x="936667" y="7348706"/>
-                <a:ext cx="11080762" cy="1778307"/>
+                <a:ext cx="11080762" cy="966803"/>
               </a:xfrm>
               <a:prstGeom prst="rect">
                 <a:avLst/>
@@ -8481,8 +6881,8 @@
           </p:sp>
         </mc:Fallback>
       </mc:AlternateContent>
-      <mc:AlternateContent xmlns:mc="http://schemas.openxmlformats.org/markup-compatibility/2006">
-        <mc:Choice xmlns:a14="http://schemas.microsoft.com/office/drawing/2010/main" Requires="a14">
+      <mc:AlternateContent xmlns:mc="http://schemas.openxmlformats.org/markup-compatibility/2006" xmlns:a14="http://schemas.microsoft.com/office/drawing/2010/main">
+        <mc:Choice Requires="a14">
           <p:sp>
             <p:nvSpPr>
               <p:cNvPr id="29" name="テキスト ボックス 28">
@@ -8619,7 +7019,7 @@
             </p:txBody>
           </p:sp>
         </mc:Choice>
-        <mc:Fallback>
+        <mc:Fallback xmlns="">
           <p:sp>
             <p:nvSpPr>
               <p:cNvPr id="29" name="テキスト ボックス 28">
@@ -8646,6 +7046,769 @@
                 <a:blip r:embed="rId7"/>
                 <a:stretch>
                   <a:fillRect l="-1244" t="-10000" b="-26667"/>
+                </a:stretch>
+              </a:blipFill>
+            </p:spPr>
+            <p:txBody>
+              <a:bodyPr/>
+              <a:lstStyle/>
+              <a:p>
+                <a:r>
+                  <a:rPr lang="ja-JP" altLang="en-US">
+                    <a:noFill/>
+                  </a:rPr>
+                  <a:t> </a:t>
+                </a:r>
+              </a:p>
+            </p:txBody>
+          </p:sp>
+        </mc:Fallback>
+      </mc:AlternateContent>
+      <mc:AlternateContent xmlns:mc="http://schemas.openxmlformats.org/markup-compatibility/2006" xmlns:a14="http://schemas.microsoft.com/office/drawing/2010/main">
+        <mc:Choice Requires="a14">
+          <p:sp>
+            <p:nvSpPr>
+              <p:cNvPr id="13" name="テキスト ボックス 12">
+                <a:extLst>
+                  <a:ext uri="{FF2B5EF4-FFF2-40B4-BE49-F238E27FC236}">
+                    <a16:creationId xmlns:a16="http://schemas.microsoft.com/office/drawing/2014/main" id="{320E5DFB-40BC-45B4-997F-41FDD927F2BE}"/>
+                  </a:ext>
+                </a:extLst>
+              </p:cNvPr>
+              <p:cNvSpPr txBox="1"/>
+              <p:nvPr/>
+            </p:nvSpPr>
+            <p:spPr>
+              <a:xfrm>
+                <a:off x="1074043" y="1517474"/>
+                <a:ext cx="9934304" cy="1266757"/>
+              </a:xfrm>
+              <a:prstGeom prst="rect">
+                <a:avLst/>
+              </a:prstGeom>
+              <a:noFill/>
+              <a:ln w="28575">
+                <a:noFill/>
+              </a:ln>
+            </p:spPr>
+            <p:txBody>
+              <a:bodyPr wrap="square" lIns="0" tIns="0" rIns="0" bIns="0" rtlCol="0">
+                <a:spAutoFit/>
+              </a:bodyPr>
+              <a:lstStyle/>
+              <a:p>
+                <a:pPr/>
+                <a14:m>
+                  <m:oMathPara xmlns:m="http://schemas.openxmlformats.org/officeDocument/2006/math">
+                    <m:oMathParaPr>
+                      <m:jc m:val="centerGroup"/>
+                    </m:oMathParaPr>
+                    <m:oMath xmlns:m="http://schemas.openxmlformats.org/officeDocument/2006/math">
+                      <m:sSub>
+                        <m:sSubPr>
+                          <m:ctrlPr>
+                            <a:rPr kumimoji="1" lang="en-US" altLang="ja-JP" sz="2000" b="0" i="1" smtClean="0">
+                              <a:latin typeface="Cambria Math" panose="02040503050406030204" pitchFamily="18" charset="0"/>
+                            </a:rPr>
+                          </m:ctrlPr>
+                        </m:sSubPr>
+                        <m:e>
+                          <m:r>
+                            <a:rPr kumimoji="1" lang="en-US" altLang="ja-JP" sz="2000" b="0" i="1" smtClean="0">
+                              <a:latin typeface="Cambria Math" panose="02040503050406030204" pitchFamily="18" charset="0"/>
+                            </a:rPr>
+                            <m:t>𝛼</m:t>
+                          </m:r>
+                        </m:e>
+                        <m:sub>
+                          <m:r>
+                            <a:rPr kumimoji="1" lang="en-US" altLang="ja-JP" sz="2000" b="0" i="1" smtClean="0">
+                              <a:latin typeface="Cambria Math" panose="02040503050406030204" pitchFamily="18" charset="0"/>
+                            </a:rPr>
+                            <m:t>𝑙𝑖𝑛𝑒𝑎𝑟</m:t>
+                          </m:r>
+                        </m:sub>
+                      </m:sSub>
+                      <m:r>
+                        <a:rPr kumimoji="1" lang="en-US" altLang="ja-JP" sz="2000" b="0" i="1" smtClean="0">
+                          <a:latin typeface="Cambria Math" panose="02040503050406030204" pitchFamily="18" charset="0"/>
+                        </a:rPr>
+                        <m:t>=</m:t>
+                      </m:r>
+                      <m:f>
+                        <m:fPr>
+                          <m:ctrlPr>
+                            <a:rPr kumimoji="1" lang="en-US" altLang="ja-JP" sz="2000" i="1">
+                              <a:latin typeface="Cambria Math" panose="02040503050406030204" pitchFamily="18" charset="0"/>
+                            </a:rPr>
+                          </m:ctrlPr>
+                        </m:fPr>
+                        <m:num>
+                          <m:sSup>
+                            <m:sSupPr>
+                              <m:ctrlPr>
+                                <a:rPr kumimoji="1" lang="en-US" altLang="ja-JP" sz="2000" i="1">
+                                  <a:latin typeface="Cambria Math" panose="02040503050406030204" pitchFamily="18" charset="0"/>
+                                </a:rPr>
+                              </m:ctrlPr>
+                            </m:sSupPr>
+                            <m:e>
+                              <m:d>
+                                <m:dPr>
+                                  <m:ctrlPr>
+                                    <a:rPr kumimoji="1" lang="en-US" altLang="ja-JP" sz="2000" i="1">
+                                      <a:latin typeface="Cambria Math" panose="02040503050406030204" pitchFamily="18" charset="0"/>
+                                    </a:rPr>
+                                  </m:ctrlPr>
+                                </m:dPr>
+                                <m:e>
+                                  <m:f>
+                                    <m:fPr>
+                                      <m:ctrlPr>
+                                        <a:rPr kumimoji="1" lang="en-US" altLang="ja-JP" sz="2000" i="1">
+                                          <a:latin typeface="Cambria Math" panose="02040503050406030204" pitchFamily="18" charset="0"/>
+                                        </a:rPr>
+                                      </m:ctrlPr>
+                                    </m:fPr>
+                                    <m:num>
+                                      <m:sSub>
+                                        <m:sSubPr>
+                                          <m:ctrlPr>
+                                            <a:rPr kumimoji="1" lang="en-US" altLang="ja-JP" sz="2000" i="1">
+                                              <a:latin typeface="Cambria Math" panose="02040503050406030204" pitchFamily="18" charset="0"/>
+                                            </a:rPr>
+                                          </m:ctrlPr>
+                                        </m:sSubPr>
+                                        <m:e>
+                                          <m:r>
+                                            <a:rPr kumimoji="1" lang="en-US" altLang="ja-JP" sz="2000" i="1">
+                                              <a:latin typeface="Cambria Math" panose="02040503050406030204" pitchFamily="18" charset="0"/>
+                                            </a:rPr>
+                                            <m:t>𝐶</m:t>
+                                          </m:r>
+                                        </m:e>
+                                        <m:sub>
+                                          <m:r>
+                                            <a:rPr kumimoji="1" lang="en-US" altLang="ja-JP" sz="2000" i="1">
+                                              <a:latin typeface="Cambria Math" panose="02040503050406030204" pitchFamily="18" charset="0"/>
+                                            </a:rPr>
+                                            <m:t>𝐹</m:t>
+                                          </m:r>
+                                        </m:sub>
+                                      </m:sSub>
+                                      <m:sSub>
+                                        <m:sSubPr>
+                                          <m:ctrlPr>
+                                            <a:rPr kumimoji="1" lang="en-US" altLang="ja-JP" sz="2000" i="1">
+                                              <a:latin typeface="Cambria Math" panose="02040503050406030204" pitchFamily="18" charset="0"/>
+                                            </a:rPr>
+                                          </m:ctrlPr>
+                                        </m:sSubPr>
+                                        <m:e>
+                                          <m:r>
+                                            <a:rPr kumimoji="1" lang="en-US" altLang="ja-JP" sz="2000" i="1">
+                                              <a:latin typeface="Cambria Math" panose="02040503050406030204" pitchFamily="18" charset="0"/>
+                                            </a:rPr>
+                                            <m:t>𝛼</m:t>
+                                          </m:r>
+                                        </m:e>
+                                        <m:sub>
+                                          <m:r>
+                                            <a:rPr kumimoji="1" lang="en-US" altLang="ja-JP" sz="2000" i="1">
+                                              <a:latin typeface="Cambria Math" panose="02040503050406030204" pitchFamily="18" charset="0"/>
+                                            </a:rPr>
+                                            <m:t>𝑠𝑅𝐺𝐵</m:t>
+                                          </m:r>
+                                        </m:sub>
+                                      </m:sSub>
+                                      <m:r>
+                                        <a:rPr kumimoji="1" lang="en-US" altLang="ja-JP" sz="2000" i="1">
+                                          <a:latin typeface="Cambria Math" panose="02040503050406030204" pitchFamily="18" charset="0"/>
+                                        </a:rPr>
+                                        <m:t>+</m:t>
+                                      </m:r>
+                                      <m:sSub>
+                                        <m:sSubPr>
+                                          <m:ctrlPr>
+                                            <a:rPr kumimoji="1" lang="en-US" altLang="ja-JP" sz="2000" i="1">
+                                              <a:latin typeface="Cambria Math" panose="02040503050406030204" pitchFamily="18" charset="0"/>
+                                            </a:rPr>
+                                          </m:ctrlPr>
+                                        </m:sSubPr>
+                                        <m:e>
+                                          <m:r>
+                                            <a:rPr kumimoji="1" lang="en-US" altLang="ja-JP" sz="2000" i="1">
+                                              <a:latin typeface="Cambria Math" panose="02040503050406030204" pitchFamily="18" charset="0"/>
+                                            </a:rPr>
+                                            <m:t>𝐶</m:t>
+                                          </m:r>
+                                        </m:e>
+                                        <m:sub>
+                                          <m:r>
+                                            <a:rPr kumimoji="1" lang="en-US" altLang="ja-JP" sz="2000" i="1">
+                                              <a:latin typeface="Cambria Math" panose="02040503050406030204" pitchFamily="18" charset="0"/>
+                                            </a:rPr>
+                                            <m:t>𝐵</m:t>
+                                          </m:r>
+                                        </m:sub>
+                                      </m:sSub>
+                                      <m:r>
+                                        <a:rPr kumimoji="1" lang="en-US" altLang="ja-JP" sz="2000" i="1">
+                                          <a:latin typeface="Cambria Math" panose="02040503050406030204" pitchFamily="18" charset="0"/>
+                                        </a:rPr>
+                                        <m:t>(1−</m:t>
+                                      </m:r>
+                                      <m:sSub>
+                                        <m:sSubPr>
+                                          <m:ctrlPr>
+                                            <a:rPr kumimoji="1" lang="en-US" altLang="ja-JP" sz="2000" i="1">
+                                              <a:latin typeface="Cambria Math" panose="02040503050406030204" pitchFamily="18" charset="0"/>
+                                            </a:rPr>
+                                          </m:ctrlPr>
+                                        </m:sSubPr>
+                                        <m:e>
+                                          <m:r>
+                                            <a:rPr kumimoji="1" lang="en-US" altLang="ja-JP" sz="2000" i="1">
+                                              <a:latin typeface="Cambria Math" panose="02040503050406030204" pitchFamily="18" charset="0"/>
+                                            </a:rPr>
+                                            <m:t>𝛼</m:t>
+                                          </m:r>
+                                        </m:e>
+                                        <m:sub>
+                                          <m:r>
+                                            <a:rPr kumimoji="1" lang="en-US" altLang="ja-JP" sz="2000" i="1">
+                                              <a:latin typeface="Cambria Math" panose="02040503050406030204" pitchFamily="18" charset="0"/>
+                                            </a:rPr>
+                                            <m:t>𝑠𝑅𝐺𝐵</m:t>
+                                          </m:r>
+                                        </m:sub>
+                                      </m:sSub>
+                                      <m:r>
+                                        <a:rPr kumimoji="1" lang="en-US" altLang="ja-JP" sz="2000" i="1">
+                                          <a:latin typeface="Cambria Math" panose="02040503050406030204" pitchFamily="18" charset="0"/>
+                                        </a:rPr>
+                                        <m:t>)+0.055</m:t>
+                                      </m:r>
+                                    </m:num>
+                                    <m:den>
+                                      <m:r>
+                                        <a:rPr kumimoji="1" lang="en-US" altLang="ja-JP" sz="2000" i="1">
+                                          <a:latin typeface="Cambria Math" panose="02040503050406030204" pitchFamily="18" charset="0"/>
+                                        </a:rPr>
+                                        <m:t>1.055</m:t>
+                                      </m:r>
+                                    </m:den>
+                                  </m:f>
+                                </m:e>
+                              </m:d>
+                            </m:e>
+                            <m:sup>
+                              <m:r>
+                                <a:rPr kumimoji="1" lang="en-US" altLang="ja-JP" sz="2000" i="1">
+                                  <a:latin typeface="Cambria Math" panose="02040503050406030204" pitchFamily="18" charset="0"/>
+                                </a:rPr>
+                                <m:t>2.4</m:t>
+                              </m:r>
+                            </m:sup>
+                          </m:sSup>
+                          <m:r>
+                            <a:rPr kumimoji="1" lang="en-US" altLang="ja-JP" sz="2000" i="1">
+                              <a:latin typeface="Cambria Math" panose="02040503050406030204" pitchFamily="18" charset="0"/>
+                            </a:rPr>
+                            <m:t>−</m:t>
+                          </m:r>
+                          <m:sSup>
+                            <m:sSupPr>
+                              <m:ctrlPr>
+                                <a:rPr kumimoji="1" lang="en-US" altLang="ja-JP" sz="2000" i="1">
+                                  <a:latin typeface="Cambria Math" panose="02040503050406030204" pitchFamily="18" charset="0"/>
+                                </a:rPr>
+                              </m:ctrlPr>
+                            </m:sSupPr>
+                            <m:e>
+                              <m:d>
+                                <m:dPr>
+                                  <m:ctrlPr>
+                                    <a:rPr kumimoji="1" lang="en-US" altLang="ja-JP" sz="2000" i="1">
+                                      <a:latin typeface="Cambria Math" panose="02040503050406030204" pitchFamily="18" charset="0"/>
+                                    </a:rPr>
+                                  </m:ctrlPr>
+                                </m:dPr>
+                                <m:e>
+                                  <m:f>
+                                    <m:fPr>
+                                      <m:ctrlPr>
+                                        <a:rPr kumimoji="1" lang="en-US" altLang="ja-JP" sz="2000" i="1">
+                                          <a:latin typeface="Cambria Math" panose="02040503050406030204" pitchFamily="18" charset="0"/>
+                                        </a:rPr>
+                                      </m:ctrlPr>
+                                    </m:fPr>
+                                    <m:num>
+                                      <m:sSub>
+                                        <m:sSubPr>
+                                          <m:ctrlPr>
+                                            <a:rPr kumimoji="1" lang="en-US" altLang="ja-JP" sz="2000" i="1">
+                                              <a:latin typeface="Cambria Math" panose="02040503050406030204" pitchFamily="18" charset="0"/>
+                                            </a:rPr>
+                                          </m:ctrlPr>
+                                        </m:sSubPr>
+                                        <m:e>
+                                          <m:r>
+                                            <a:rPr kumimoji="1" lang="en-US" altLang="ja-JP" sz="2000" i="1">
+                                              <a:latin typeface="Cambria Math" panose="02040503050406030204" pitchFamily="18" charset="0"/>
+                                            </a:rPr>
+                                            <m:t>𝐶</m:t>
+                                          </m:r>
+                                        </m:e>
+                                        <m:sub>
+                                          <m:r>
+                                            <a:rPr kumimoji="1" lang="en-US" altLang="ja-JP" sz="2000" i="1">
+                                              <a:latin typeface="Cambria Math" panose="02040503050406030204" pitchFamily="18" charset="0"/>
+                                            </a:rPr>
+                                            <m:t>𝐵</m:t>
+                                          </m:r>
+                                        </m:sub>
+                                      </m:sSub>
+                                      <m:r>
+                                        <a:rPr kumimoji="1" lang="en-US" altLang="ja-JP" sz="2000" i="1">
+                                          <a:latin typeface="Cambria Math" panose="02040503050406030204" pitchFamily="18" charset="0"/>
+                                        </a:rPr>
+                                        <m:t>+0.055</m:t>
+                                      </m:r>
+                                    </m:num>
+                                    <m:den>
+                                      <m:r>
+                                        <a:rPr kumimoji="1" lang="en-US" altLang="ja-JP" sz="2000" i="1">
+                                          <a:latin typeface="Cambria Math" panose="02040503050406030204" pitchFamily="18" charset="0"/>
+                                        </a:rPr>
+                                        <m:t>1.055</m:t>
+                                      </m:r>
+                                    </m:den>
+                                  </m:f>
+                                </m:e>
+                              </m:d>
+                            </m:e>
+                            <m:sup>
+                              <m:r>
+                                <a:rPr kumimoji="1" lang="en-US" altLang="ja-JP" sz="2000" i="1">
+                                  <a:latin typeface="Cambria Math" panose="02040503050406030204" pitchFamily="18" charset="0"/>
+                                </a:rPr>
+                                <m:t>2.4</m:t>
+                              </m:r>
+                            </m:sup>
+                          </m:sSup>
+                        </m:num>
+                        <m:den>
+                          <m:sSup>
+                            <m:sSupPr>
+                              <m:ctrlPr>
+                                <a:rPr kumimoji="1" lang="en-US" altLang="ja-JP" sz="2000" i="1">
+                                  <a:latin typeface="Cambria Math" panose="02040503050406030204" pitchFamily="18" charset="0"/>
+                                </a:rPr>
+                              </m:ctrlPr>
+                            </m:sSupPr>
+                            <m:e>
+                              <m:d>
+                                <m:dPr>
+                                  <m:ctrlPr>
+                                    <a:rPr kumimoji="1" lang="en-US" altLang="ja-JP" sz="2000" i="1">
+                                      <a:latin typeface="Cambria Math" panose="02040503050406030204" pitchFamily="18" charset="0"/>
+                                    </a:rPr>
+                                  </m:ctrlPr>
+                                </m:dPr>
+                                <m:e>
+                                  <m:f>
+                                    <m:fPr>
+                                      <m:ctrlPr>
+                                        <a:rPr kumimoji="1" lang="en-US" altLang="ja-JP" sz="2000" i="1">
+                                          <a:latin typeface="Cambria Math" panose="02040503050406030204" pitchFamily="18" charset="0"/>
+                                        </a:rPr>
+                                      </m:ctrlPr>
+                                    </m:fPr>
+                                    <m:num>
+                                      <m:sSub>
+                                        <m:sSubPr>
+                                          <m:ctrlPr>
+                                            <a:rPr kumimoji="1" lang="en-US" altLang="ja-JP" sz="2000" i="1">
+                                              <a:latin typeface="Cambria Math" panose="02040503050406030204" pitchFamily="18" charset="0"/>
+                                            </a:rPr>
+                                          </m:ctrlPr>
+                                        </m:sSubPr>
+                                        <m:e>
+                                          <m:r>
+                                            <a:rPr kumimoji="1" lang="en-US" altLang="ja-JP" sz="2000" i="1">
+                                              <a:latin typeface="Cambria Math" panose="02040503050406030204" pitchFamily="18" charset="0"/>
+                                            </a:rPr>
+                                            <m:t>𝐶</m:t>
+                                          </m:r>
+                                        </m:e>
+                                        <m:sub>
+                                          <m:r>
+                                            <a:rPr kumimoji="1" lang="en-US" altLang="ja-JP" sz="2000" i="1">
+                                              <a:latin typeface="Cambria Math" panose="02040503050406030204" pitchFamily="18" charset="0"/>
+                                            </a:rPr>
+                                            <m:t>𝐹</m:t>
+                                          </m:r>
+                                        </m:sub>
+                                      </m:sSub>
+                                      <m:r>
+                                        <a:rPr kumimoji="1" lang="en-US" altLang="ja-JP" sz="2000" i="1">
+                                          <a:latin typeface="Cambria Math" panose="02040503050406030204" pitchFamily="18" charset="0"/>
+                                        </a:rPr>
+                                        <m:t>+0.055</m:t>
+                                      </m:r>
+                                    </m:num>
+                                    <m:den>
+                                      <m:r>
+                                        <a:rPr kumimoji="1" lang="en-US" altLang="ja-JP" sz="2000" i="1">
+                                          <a:latin typeface="Cambria Math" panose="02040503050406030204" pitchFamily="18" charset="0"/>
+                                        </a:rPr>
+                                        <m:t>1.055</m:t>
+                                      </m:r>
+                                    </m:den>
+                                  </m:f>
+                                </m:e>
+                              </m:d>
+                            </m:e>
+                            <m:sup>
+                              <m:r>
+                                <a:rPr kumimoji="1" lang="en-US" altLang="ja-JP" sz="2000" i="1">
+                                  <a:latin typeface="Cambria Math" panose="02040503050406030204" pitchFamily="18" charset="0"/>
+                                </a:rPr>
+                                <m:t>2.4</m:t>
+                              </m:r>
+                            </m:sup>
+                          </m:sSup>
+                          <m:r>
+                            <a:rPr kumimoji="1" lang="en-US" altLang="ja-JP" sz="2000" i="1">
+                              <a:latin typeface="Cambria Math" panose="02040503050406030204" pitchFamily="18" charset="0"/>
+                            </a:rPr>
+                            <m:t>−</m:t>
+                          </m:r>
+                          <m:sSup>
+                            <m:sSupPr>
+                              <m:ctrlPr>
+                                <a:rPr kumimoji="1" lang="en-US" altLang="ja-JP" sz="2000" i="1">
+                                  <a:latin typeface="Cambria Math" panose="02040503050406030204" pitchFamily="18" charset="0"/>
+                                </a:rPr>
+                              </m:ctrlPr>
+                            </m:sSupPr>
+                            <m:e>
+                              <m:d>
+                                <m:dPr>
+                                  <m:ctrlPr>
+                                    <a:rPr kumimoji="1" lang="en-US" altLang="ja-JP" sz="2000" i="1">
+                                      <a:latin typeface="Cambria Math" panose="02040503050406030204" pitchFamily="18" charset="0"/>
+                                    </a:rPr>
+                                  </m:ctrlPr>
+                                </m:dPr>
+                                <m:e>
+                                  <m:f>
+                                    <m:fPr>
+                                      <m:ctrlPr>
+                                        <a:rPr kumimoji="1" lang="en-US" altLang="ja-JP" sz="2000" i="1">
+                                          <a:latin typeface="Cambria Math" panose="02040503050406030204" pitchFamily="18" charset="0"/>
+                                        </a:rPr>
+                                      </m:ctrlPr>
+                                    </m:fPr>
+                                    <m:num>
+                                      <m:sSub>
+                                        <m:sSubPr>
+                                          <m:ctrlPr>
+                                            <a:rPr kumimoji="1" lang="en-US" altLang="ja-JP" sz="2000" i="1">
+                                              <a:latin typeface="Cambria Math" panose="02040503050406030204" pitchFamily="18" charset="0"/>
+                                            </a:rPr>
+                                          </m:ctrlPr>
+                                        </m:sSubPr>
+                                        <m:e>
+                                          <m:r>
+                                            <a:rPr kumimoji="1" lang="en-US" altLang="ja-JP" sz="2000" i="1">
+                                              <a:latin typeface="Cambria Math" panose="02040503050406030204" pitchFamily="18" charset="0"/>
+                                            </a:rPr>
+                                            <m:t>𝐶</m:t>
+                                          </m:r>
+                                        </m:e>
+                                        <m:sub>
+                                          <m:r>
+                                            <a:rPr kumimoji="1" lang="en-US" altLang="ja-JP" sz="2000" i="1">
+                                              <a:latin typeface="Cambria Math" panose="02040503050406030204" pitchFamily="18" charset="0"/>
+                                            </a:rPr>
+                                            <m:t>𝐵</m:t>
+                                          </m:r>
+                                        </m:sub>
+                                      </m:sSub>
+                                      <m:r>
+                                        <a:rPr kumimoji="1" lang="en-US" altLang="ja-JP" sz="2000" i="1">
+                                          <a:latin typeface="Cambria Math" panose="02040503050406030204" pitchFamily="18" charset="0"/>
+                                        </a:rPr>
+                                        <m:t>+0.055</m:t>
+                                      </m:r>
+                                    </m:num>
+                                    <m:den>
+                                      <m:r>
+                                        <a:rPr kumimoji="1" lang="en-US" altLang="ja-JP" sz="2000" i="1">
+                                          <a:latin typeface="Cambria Math" panose="02040503050406030204" pitchFamily="18" charset="0"/>
+                                        </a:rPr>
+                                        <m:t>1.055</m:t>
+                                      </m:r>
+                                    </m:den>
+                                  </m:f>
+                                </m:e>
+                              </m:d>
+                            </m:e>
+                            <m:sup>
+                              <m:r>
+                                <a:rPr kumimoji="1" lang="en-US" altLang="ja-JP" sz="2000" i="1">
+                                  <a:latin typeface="Cambria Math" panose="02040503050406030204" pitchFamily="18" charset="0"/>
+                                </a:rPr>
+                                <m:t>2.4</m:t>
+                              </m:r>
+                            </m:sup>
+                          </m:sSup>
+                        </m:den>
+                      </m:f>
+                    </m:oMath>
+                  </m:oMathPara>
+                </a14:m>
+                <a:endParaRPr kumimoji="1" lang="ja-JP" altLang="en-US" sz="2000" dirty="0"/>
+              </a:p>
+            </p:txBody>
+          </p:sp>
+        </mc:Choice>
+        <mc:Fallback xmlns="">
+          <p:sp>
+            <p:nvSpPr>
+              <p:cNvPr id="13" name="テキスト ボックス 12">
+                <a:extLst>
+                  <a:ext uri="{FF2B5EF4-FFF2-40B4-BE49-F238E27FC236}">
+                    <a16:creationId xmlns:a16="http://schemas.microsoft.com/office/drawing/2014/main" id="{320E5DFB-40BC-45B4-997F-41FDD927F2BE}"/>
+                  </a:ext>
+                </a:extLst>
+              </p:cNvPr>
+              <p:cNvSpPr txBox="1">
+                <a:spLocks noRot="1" noChangeAspect="1" noMove="1" noResize="1" noEditPoints="1" noAdjustHandles="1" noChangeArrowheads="1" noChangeShapeType="1" noTextEdit="1"/>
+              </p:cNvSpPr>
+              <p:nvPr/>
+            </p:nvSpPr>
+            <p:spPr>
+              <a:xfrm>
+                <a:off x="1074043" y="1517474"/>
+                <a:ext cx="9934304" cy="1266757"/>
+              </a:xfrm>
+              <a:prstGeom prst="rect">
+                <a:avLst/>
+              </a:prstGeom>
+              <a:blipFill>
+                <a:blip r:embed="rId8"/>
+                <a:stretch>
+                  <a:fillRect/>
+                </a:stretch>
+              </a:blipFill>
+              <a:ln w="28575">
+                <a:noFill/>
+              </a:ln>
+            </p:spPr>
+            <p:txBody>
+              <a:bodyPr/>
+              <a:lstStyle/>
+              <a:p>
+                <a:r>
+                  <a:rPr lang="ja-JP" altLang="en-US">
+                    <a:noFill/>
+                  </a:rPr>
+                  <a:t> </a:t>
+                </a:r>
+              </a:p>
+            </p:txBody>
+          </p:sp>
+        </mc:Fallback>
+      </mc:AlternateContent>
+      <mc:AlternateContent xmlns:mc="http://schemas.openxmlformats.org/markup-compatibility/2006" xmlns:a14="http://schemas.microsoft.com/office/drawing/2010/main">
+        <mc:Choice Requires="a14">
+          <p:sp>
+            <p:nvSpPr>
+              <p:cNvPr id="16" name="テキスト ボックス 15">
+                <a:extLst>
+                  <a:ext uri="{FF2B5EF4-FFF2-40B4-BE49-F238E27FC236}">
+                    <a16:creationId xmlns:a16="http://schemas.microsoft.com/office/drawing/2014/main" id="{0307097E-F5B0-4DEA-84F6-19D3B7B51BA7}"/>
+                  </a:ext>
+                </a:extLst>
+              </p:cNvPr>
+              <p:cNvSpPr txBox="1"/>
+              <p:nvPr/>
+            </p:nvSpPr>
+            <p:spPr>
+              <a:xfrm>
+                <a:off x="3877761" y="3121346"/>
+                <a:ext cx="4985917" cy="307777"/>
+              </a:xfrm>
+              <a:prstGeom prst="rect">
+                <a:avLst/>
+              </a:prstGeom>
+              <a:noFill/>
+            </p:spPr>
+            <p:txBody>
+              <a:bodyPr wrap="none" lIns="0" tIns="0" rIns="0" bIns="0" rtlCol="0">
+                <a:spAutoFit/>
+              </a:bodyPr>
+              <a:lstStyle/>
+              <a:p>
+                <a:r>
+                  <a:rPr kumimoji="1" lang="en-US" altLang="ja-JP" sz="2000" dirty="0"/>
+                  <a:t>w</a:t>
+                </a:r>
+                <a:r>
+                  <a:rPr kumimoji="1" lang="en-US" altLang="ja-JP" sz="2000" b="0" dirty="0"/>
+                  <a:t>here </a:t>
+                </a:r>
+                <a14:m>
+                  <m:oMath xmlns:m="http://schemas.openxmlformats.org/officeDocument/2006/math">
+                    <m:r>
+                      <a:rPr kumimoji="1" lang="en-US" altLang="ja-JP" sz="2000" b="0" i="1" smtClean="0">
+                        <a:latin typeface="Cambria Math" panose="02040503050406030204" pitchFamily="18" charset="0"/>
+                      </a:rPr>
+                      <m:t>0≤</m:t>
+                    </m:r>
+                    <m:sSub>
+                      <m:sSubPr>
+                        <m:ctrlPr>
+                          <a:rPr kumimoji="1" lang="en-US" altLang="ja-JP" sz="2000" b="0" i="1" smtClean="0">
+                            <a:latin typeface="Cambria Math" panose="02040503050406030204" pitchFamily="18" charset="0"/>
+                          </a:rPr>
+                        </m:ctrlPr>
+                      </m:sSubPr>
+                      <m:e>
+                        <m:r>
+                          <a:rPr kumimoji="1" lang="en-US" altLang="ja-JP" sz="2000" b="0" i="1" smtClean="0">
+                            <a:latin typeface="Cambria Math" panose="02040503050406030204" pitchFamily="18" charset="0"/>
+                          </a:rPr>
+                          <m:t>𝑐</m:t>
+                        </m:r>
+                      </m:e>
+                      <m:sub>
+                        <m:r>
+                          <a:rPr kumimoji="1" lang="en-US" altLang="ja-JP" sz="2000" b="0" i="1" smtClean="0">
+                            <a:latin typeface="Cambria Math" panose="02040503050406030204" pitchFamily="18" charset="0"/>
+                          </a:rPr>
+                          <m:t>𝐹</m:t>
+                        </m:r>
+                      </m:sub>
+                    </m:sSub>
+                    <m:r>
+                      <a:rPr kumimoji="1" lang="en-US" altLang="ja-JP" sz="2000" b="0" i="1" smtClean="0">
+                        <a:latin typeface="Cambria Math" panose="02040503050406030204" pitchFamily="18" charset="0"/>
+                      </a:rPr>
+                      <m:t>≤1</m:t>
+                    </m:r>
+                  </m:oMath>
+                </a14:m>
+                <a:r>
+                  <a:rPr kumimoji="1" lang="en-US" altLang="ja-JP" sz="2000" dirty="0"/>
+                  <a:t>, </a:t>
+                </a:r>
+                <a14:m>
+                  <m:oMath xmlns:m="http://schemas.openxmlformats.org/officeDocument/2006/math">
+                    <m:r>
+                      <a:rPr kumimoji="1" lang="en-US" altLang="ja-JP" sz="2000" i="1">
+                        <a:latin typeface="Cambria Math" panose="02040503050406030204" pitchFamily="18" charset="0"/>
+                      </a:rPr>
+                      <m:t>0≤</m:t>
+                    </m:r>
+                    <m:sSub>
+                      <m:sSubPr>
+                        <m:ctrlPr>
+                          <a:rPr kumimoji="1" lang="en-US" altLang="ja-JP" sz="2000" i="1">
+                            <a:latin typeface="Cambria Math" panose="02040503050406030204" pitchFamily="18" charset="0"/>
+                          </a:rPr>
+                        </m:ctrlPr>
+                      </m:sSubPr>
+                      <m:e>
+                        <m:r>
+                          <a:rPr kumimoji="1" lang="en-US" altLang="ja-JP" sz="2000" i="1">
+                            <a:latin typeface="Cambria Math" panose="02040503050406030204" pitchFamily="18" charset="0"/>
+                          </a:rPr>
+                          <m:t>𝑐</m:t>
+                        </m:r>
+                      </m:e>
+                      <m:sub>
+                        <m:r>
+                          <a:rPr kumimoji="1" lang="en-US" altLang="ja-JP" sz="2000" b="0" i="1" smtClean="0">
+                            <a:latin typeface="Cambria Math" panose="02040503050406030204" pitchFamily="18" charset="0"/>
+                          </a:rPr>
+                          <m:t>𝐵</m:t>
+                        </m:r>
+                      </m:sub>
+                    </m:sSub>
+                    <m:r>
+                      <a:rPr kumimoji="1" lang="en-US" altLang="ja-JP" sz="2000" i="1">
+                        <a:latin typeface="Cambria Math" panose="02040503050406030204" pitchFamily="18" charset="0"/>
+                      </a:rPr>
+                      <m:t>≤1</m:t>
+                    </m:r>
+                  </m:oMath>
+                </a14:m>
+                <a:r>
+                  <a:rPr kumimoji="1" lang="en-US" altLang="ja-JP" sz="2000" dirty="0"/>
+                  <a:t> and </a:t>
+                </a:r>
+                <a14:m>
+                  <m:oMath xmlns:m="http://schemas.openxmlformats.org/officeDocument/2006/math">
+                    <m:r>
+                      <a:rPr kumimoji="1" lang="en-US" altLang="ja-JP" sz="2000" i="1">
+                        <a:latin typeface="Cambria Math" panose="02040503050406030204" pitchFamily="18" charset="0"/>
+                      </a:rPr>
+                      <m:t>0≤</m:t>
+                    </m:r>
+                    <m:r>
+                      <a:rPr kumimoji="1" lang="en-US" altLang="ja-JP" sz="2000" b="0" i="1" smtClean="0">
+                        <a:latin typeface="Cambria Math" panose="02040503050406030204" pitchFamily="18" charset="0"/>
+                      </a:rPr>
+                      <m:t>𝛼</m:t>
+                    </m:r>
+                    <m:r>
+                      <a:rPr kumimoji="1" lang="en-US" altLang="ja-JP" sz="2000" i="1">
+                        <a:latin typeface="Cambria Math" panose="02040503050406030204" pitchFamily="18" charset="0"/>
+                      </a:rPr>
+                      <m:t>≤1</m:t>
+                    </m:r>
+                  </m:oMath>
+                </a14:m>
+                <a:r>
+                  <a:rPr kumimoji="1" lang="en-US" altLang="ja-JP" sz="2000" dirty="0"/>
+                  <a:t>.</a:t>
+                </a:r>
+                <a:endParaRPr kumimoji="1" lang="ja-JP" altLang="en-US" sz="2000" dirty="0"/>
+              </a:p>
+            </p:txBody>
+          </p:sp>
+        </mc:Choice>
+        <mc:Fallback xmlns="">
+          <p:sp>
+            <p:nvSpPr>
+              <p:cNvPr id="16" name="テキスト ボックス 15">
+                <a:extLst>
+                  <a:ext uri="{FF2B5EF4-FFF2-40B4-BE49-F238E27FC236}">
+                    <a16:creationId xmlns:a16="http://schemas.microsoft.com/office/drawing/2014/main" id="{0307097E-F5B0-4DEA-84F6-19D3B7B51BA7}"/>
+                  </a:ext>
+                </a:extLst>
+              </p:cNvPr>
+              <p:cNvSpPr txBox="1">
+                <a:spLocks noRot="1" noChangeAspect="1" noMove="1" noResize="1" noEditPoints="1" noAdjustHandles="1" noChangeArrowheads="1" noChangeShapeType="1" noTextEdit="1"/>
+              </p:cNvSpPr>
+              <p:nvPr/>
+            </p:nvSpPr>
+            <p:spPr>
+              <a:xfrm>
+                <a:off x="3877761" y="3121346"/>
+                <a:ext cx="4985917" cy="307777"/>
+              </a:xfrm>
+              <a:prstGeom prst="rect">
+                <a:avLst/>
+              </a:prstGeom>
+              <a:blipFill>
+                <a:blip r:embed="rId9"/>
+                <a:stretch>
+                  <a:fillRect l="-3056" t="-25490" r="-1345" b="-49020"/>
                 </a:stretch>
               </a:blipFill>
             </p:spPr>
@@ -14329,6 +13492,46 @@
               <a:t>4</a:t>
             </a:fld>
             <a:endParaRPr kumimoji="1" lang="ja-JP" altLang="en-US"/>
+          </a:p>
+        </p:txBody>
+      </p:sp>
+      <p:sp>
+        <p:nvSpPr>
+          <p:cNvPr id="13" name="テキスト ボックス 12">
+            <a:extLst>
+              <a:ext uri="{FF2B5EF4-FFF2-40B4-BE49-F238E27FC236}">
+                <a16:creationId xmlns:a16="http://schemas.microsoft.com/office/drawing/2014/main" id="{D379E1C0-3FF4-471E-AF0A-8CF8EDEB3306}"/>
+              </a:ext>
+            </a:extLst>
+          </p:cNvPr>
+          <p:cNvSpPr txBox="1"/>
+          <p:nvPr/>
+        </p:nvSpPr>
+        <p:spPr>
+          <a:xfrm>
+            <a:off x="300788" y="302588"/>
+            <a:ext cx="12139865" cy="523220"/>
+          </a:xfrm>
+          <a:prstGeom prst="rect">
+            <a:avLst/>
+          </a:prstGeom>
+          <a:noFill/>
+        </p:spPr>
+        <p:txBody>
+          <a:bodyPr wrap="square" rtlCol="0">
+            <a:spAutoFit/>
+          </a:bodyPr>
+          <a:lstStyle/>
+          <a:p>
+            <a:r>
+              <a:rPr kumimoji="1" lang="en-US" altLang="ja-JP" sz="2800" dirty="0">
+                <a:latin typeface="+mn-ea"/>
+              </a:rPr>
+              <a:t>Transparency conversion from sRGB color space to linear color space</a:t>
+            </a:r>
+            <a:endParaRPr kumimoji="1" lang="ja-JP" altLang="en-US" sz="2800" dirty="0">
+              <a:latin typeface="+mn-ea"/>
+            </a:endParaRPr>
           </a:p>
         </p:txBody>
       </p:sp>
@@ -16301,6 +15504,46 @@
           </a:p>
         </p:txBody>
       </p:sp>
+      <p:sp>
+        <p:nvSpPr>
+          <p:cNvPr id="9" name="テキスト ボックス 8">
+            <a:extLst>
+              <a:ext uri="{FF2B5EF4-FFF2-40B4-BE49-F238E27FC236}">
+                <a16:creationId xmlns:a16="http://schemas.microsoft.com/office/drawing/2014/main" id="{D54F1B52-3F49-4AFE-8059-9CDC020F105B}"/>
+              </a:ext>
+            </a:extLst>
+          </p:cNvPr>
+          <p:cNvSpPr txBox="1"/>
+          <p:nvPr/>
+        </p:nvSpPr>
+        <p:spPr>
+          <a:xfrm>
+            <a:off x="300788" y="302588"/>
+            <a:ext cx="12139865" cy="523220"/>
+          </a:xfrm>
+          <a:prstGeom prst="rect">
+            <a:avLst/>
+          </a:prstGeom>
+          <a:noFill/>
+        </p:spPr>
+        <p:txBody>
+          <a:bodyPr wrap="square" rtlCol="0">
+            <a:spAutoFit/>
+          </a:bodyPr>
+          <a:lstStyle/>
+          <a:p>
+            <a:r>
+              <a:rPr kumimoji="1" lang="en-US" altLang="ja-JP" sz="2800" dirty="0">
+                <a:latin typeface="+mn-ea"/>
+              </a:rPr>
+              <a:t>Transparency conversion from sRGB color space to linear color space</a:t>
+            </a:r>
+            <a:endParaRPr kumimoji="1" lang="ja-JP" altLang="en-US" sz="2800" dirty="0">
+              <a:latin typeface="+mn-ea"/>
+            </a:endParaRPr>
+          </a:p>
+        </p:txBody>
+      </p:sp>
     </p:spTree>
     <p:extLst>
       <p:ext uri="{BB962C8B-B14F-4D97-AF65-F5344CB8AC3E}">
@@ -18446,6 +17689,46 @@
               <a:t>6</a:t>
             </a:fld>
             <a:endParaRPr kumimoji="1" lang="ja-JP" altLang="en-US"/>
+          </a:p>
+        </p:txBody>
+      </p:sp>
+      <p:sp>
+        <p:nvSpPr>
+          <p:cNvPr id="8" name="テキスト ボックス 7">
+            <a:extLst>
+              <a:ext uri="{FF2B5EF4-FFF2-40B4-BE49-F238E27FC236}">
+                <a16:creationId xmlns:a16="http://schemas.microsoft.com/office/drawing/2014/main" id="{8B805016-DCA1-4854-A86A-C16BB881401A}"/>
+              </a:ext>
+            </a:extLst>
+          </p:cNvPr>
+          <p:cNvSpPr txBox="1"/>
+          <p:nvPr/>
+        </p:nvSpPr>
+        <p:spPr>
+          <a:xfrm>
+            <a:off x="300788" y="302588"/>
+            <a:ext cx="12139865" cy="523220"/>
+          </a:xfrm>
+          <a:prstGeom prst="rect">
+            <a:avLst/>
+          </a:prstGeom>
+          <a:noFill/>
+        </p:spPr>
+        <p:txBody>
+          <a:bodyPr wrap="square" rtlCol="0">
+            <a:spAutoFit/>
+          </a:bodyPr>
+          <a:lstStyle/>
+          <a:p>
+            <a:r>
+              <a:rPr kumimoji="1" lang="en-US" altLang="ja-JP" sz="2800" dirty="0">
+                <a:latin typeface="+mn-ea"/>
+              </a:rPr>
+              <a:t>Transparency conversion from sRGB color space to linear color space</a:t>
+            </a:r>
+            <a:endParaRPr kumimoji="1" lang="ja-JP" altLang="en-US" sz="2800" dirty="0">
+              <a:latin typeface="+mn-ea"/>
+            </a:endParaRPr>
           </a:p>
         </p:txBody>
       </p:sp>
@@ -19288,6 +18571,46 @@
           </a:p>
         </p:txBody>
       </p:sp>
+      <p:sp>
+        <p:nvSpPr>
+          <p:cNvPr id="7" name="テキスト ボックス 6">
+            <a:extLst>
+              <a:ext uri="{FF2B5EF4-FFF2-40B4-BE49-F238E27FC236}">
+                <a16:creationId xmlns:a16="http://schemas.microsoft.com/office/drawing/2014/main" id="{536AA186-EFDD-4947-B1EF-39EF5486CE95}"/>
+              </a:ext>
+            </a:extLst>
+          </p:cNvPr>
+          <p:cNvSpPr txBox="1"/>
+          <p:nvPr/>
+        </p:nvSpPr>
+        <p:spPr>
+          <a:xfrm>
+            <a:off x="300788" y="302588"/>
+            <a:ext cx="12139865" cy="523220"/>
+          </a:xfrm>
+          <a:prstGeom prst="rect">
+            <a:avLst/>
+          </a:prstGeom>
+          <a:noFill/>
+        </p:spPr>
+        <p:txBody>
+          <a:bodyPr wrap="square" rtlCol="0">
+            <a:spAutoFit/>
+          </a:bodyPr>
+          <a:lstStyle/>
+          <a:p>
+            <a:r>
+              <a:rPr kumimoji="1" lang="en-US" altLang="ja-JP" sz="2800" dirty="0">
+                <a:latin typeface="+mn-ea"/>
+              </a:rPr>
+              <a:t>Transparency conversion from sRGB color space to linear color space</a:t>
+            </a:r>
+            <a:endParaRPr kumimoji="1" lang="ja-JP" altLang="en-US" sz="2800" dirty="0">
+              <a:latin typeface="+mn-ea"/>
+            </a:endParaRPr>
+          </a:p>
+        </p:txBody>
+      </p:sp>
     </p:spTree>
     <p:extLst>
       <p:ext uri="{BB962C8B-B14F-4D97-AF65-F5344CB8AC3E}">
@@ -19478,8 +18801,8 @@
         </p:nvSpPr>
         <p:spPr>
           <a:xfrm>
-            <a:off x="3007050" y="6070101"/>
-            <a:ext cx="1647695" cy="369332"/>
+            <a:off x="3002263" y="6651278"/>
+            <a:ext cx="1981504" cy="369332"/>
           </a:xfrm>
           <a:prstGeom prst="rect">
             <a:avLst/>
@@ -19494,14 +18817,14 @@
           <a:p>
             <a:r>
               <a:rPr kumimoji="1" lang="en-US" altLang="ja-JP" sz="2400" b="1" dirty="0"/>
-              <a:t>Special cases</a:t>
+              <a:t>Particular cases</a:t>
             </a:r>
             <a:endParaRPr kumimoji="1" lang="ja-JP" altLang="en-US" sz="2400" b="1" dirty="0"/>
           </a:p>
         </p:txBody>
       </p:sp>
-      <mc:AlternateContent xmlns:mc="http://schemas.openxmlformats.org/markup-compatibility/2006" xmlns:a14="http://schemas.microsoft.com/office/drawing/2010/main">
-        <mc:Choice Requires="a14">
+      <mc:AlternateContent xmlns:mc="http://schemas.openxmlformats.org/markup-compatibility/2006">
+        <mc:Choice xmlns:a14="http://schemas.microsoft.com/office/drawing/2010/main" Requires="a14">
           <p:sp>
             <p:nvSpPr>
               <p:cNvPr id="9" name="テキスト ボックス 8">
@@ -19516,7 +18839,7 @@
             </p:nvSpPr>
             <p:spPr>
               <a:xfrm>
-                <a:off x="3007050" y="6688779"/>
+                <a:off x="4545722" y="7711736"/>
                 <a:ext cx="3763531" cy="369332"/>
               </a:xfrm>
               <a:prstGeom prst="rect">
@@ -19637,7 +18960,7 @@
             </p:txBody>
           </p:sp>
         </mc:Choice>
-        <mc:Fallback xmlns="">
+        <mc:Fallback>
           <p:sp>
             <p:nvSpPr>
               <p:cNvPr id="9" name="テキスト ボックス 8">
@@ -19654,7 +18977,7 @@
             </p:nvSpPr>
             <p:spPr>
               <a:xfrm>
-                <a:off x="3007050" y="6688779"/>
+                <a:off x="4545722" y="7711736"/>
                 <a:ext cx="3763531" cy="369332"/>
               </a:xfrm>
               <a:prstGeom prst="rect">
@@ -19663,7 +18986,7 @@
               <a:blipFill>
                 <a:blip r:embed="rId3"/>
                 <a:stretch>
-                  <a:fillRect l="-647" r="-324" b="-14754"/>
+                  <a:fillRect l="-810" r="-486" b="-14754"/>
                 </a:stretch>
               </a:blipFill>
             </p:spPr>
@@ -19726,185 +19049,6 @@
         <mc:Choice xmlns:a14="http://schemas.microsoft.com/office/drawing/2010/main" Requires="a14">
           <p:sp>
             <p:nvSpPr>
-              <p:cNvPr id="16" name="テキスト ボックス 15">
-                <a:extLst>
-                  <a:ext uri="{FF2B5EF4-FFF2-40B4-BE49-F238E27FC236}">
-                    <a16:creationId xmlns:a16="http://schemas.microsoft.com/office/drawing/2014/main" id="{690343CE-33F2-4C8E-9F94-9D5E50F26D66}"/>
-                  </a:ext>
-                </a:extLst>
-              </p:cNvPr>
-              <p:cNvSpPr txBox="1"/>
-              <p:nvPr/>
-            </p:nvSpPr>
-            <p:spPr>
-              <a:xfrm>
-                <a:off x="6925701" y="6677654"/>
-                <a:ext cx="3704656" cy="369332"/>
-              </a:xfrm>
-              <a:prstGeom prst="rect">
-                <a:avLst/>
-              </a:prstGeom>
-              <a:noFill/>
-            </p:spPr>
-            <p:txBody>
-              <a:bodyPr wrap="square">
-                <a:spAutoFit/>
-              </a:bodyPr>
-              <a:lstStyle/>
-              <a:p>
-                <a:r>
-                  <a:rPr kumimoji="1" lang="en-US" altLang="ja-JP" sz="1800" dirty="0"/>
-                  <a:t> when </a:t>
-                </a:r>
-                <a14:m>
-                  <m:oMath xmlns:m="http://schemas.openxmlformats.org/officeDocument/2006/math">
-                    <m:sSub>
-                      <m:sSubPr>
-                        <m:ctrlPr>
-                          <a:rPr kumimoji="1" lang="en-US" altLang="ja-JP" sz="1800" b="0" i="1" smtClean="0">
-                            <a:latin typeface="Cambria Math" panose="02040503050406030204" pitchFamily="18" charset="0"/>
-                          </a:rPr>
-                        </m:ctrlPr>
-                      </m:sSubPr>
-                      <m:e>
-                        <m:r>
-                          <a:rPr kumimoji="1" lang="en-US" altLang="ja-JP" sz="1800" b="0" i="1" smtClean="0">
-                            <a:latin typeface="Cambria Math" panose="02040503050406030204" pitchFamily="18" charset="0"/>
-                          </a:rPr>
-                          <m:t>𝐶</m:t>
-                        </m:r>
-                      </m:e>
-                      <m:sub>
-                        <m:r>
-                          <a:rPr kumimoji="1" lang="en-US" altLang="ja-JP" sz="1800" b="0" i="1" smtClean="0">
-                            <a:latin typeface="Cambria Math" panose="02040503050406030204" pitchFamily="18" charset="0"/>
-                          </a:rPr>
-                          <m:t>𝐹</m:t>
-                        </m:r>
-                      </m:sub>
-                    </m:sSub>
-                    <m:r>
-                      <a:rPr kumimoji="1" lang="en-US" altLang="ja-JP" sz="1800" b="0" i="1" smtClean="0">
-                        <a:latin typeface="Cambria Math" panose="02040503050406030204" pitchFamily="18" charset="0"/>
-                      </a:rPr>
-                      <m:t>=0</m:t>
-                    </m:r>
-                  </m:oMath>
-                </a14:m>
-                <a:r>
-                  <a:rPr kumimoji="1" lang="ja-JP" altLang="en-US" sz="1800" dirty="0"/>
-                  <a:t> </a:t>
-                </a:r>
-                <a:r>
-                  <a:rPr kumimoji="1" lang="en-US" altLang="ja-JP" sz="1800" dirty="0"/>
-                  <a:t>(black), </a:t>
-                </a:r>
-                <a14:m>
-                  <m:oMath xmlns:m="http://schemas.openxmlformats.org/officeDocument/2006/math">
-                    <m:sSub>
-                      <m:sSubPr>
-                        <m:ctrlPr>
-                          <a:rPr kumimoji="1" lang="en-US" altLang="ja-JP" sz="1800" i="1">
-                            <a:latin typeface="Cambria Math" panose="02040503050406030204" pitchFamily="18" charset="0"/>
-                          </a:rPr>
-                        </m:ctrlPr>
-                      </m:sSubPr>
-                      <m:e>
-                        <m:r>
-                          <a:rPr kumimoji="1" lang="en-US" altLang="ja-JP" sz="1800" i="1">
-                            <a:latin typeface="Cambria Math" panose="02040503050406030204" pitchFamily="18" charset="0"/>
-                          </a:rPr>
-                          <m:t>𝐶</m:t>
-                        </m:r>
-                      </m:e>
-                      <m:sub>
-                        <m:r>
-                          <a:rPr kumimoji="1" lang="en-US" altLang="ja-JP" sz="1800" b="0" i="1" smtClean="0">
-                            <a:latin typeface="Cambria Math" panose="02040503050406030204" pitchFamily="18" charset="0"/>
-                          </a:rPr>
-                          <m:t>𝐵</m:t>
-                        </m:r>
-                      </m:sub>
-                    </m:sSub>
-                    <m:r>
-                      <a:rPr kumimoji="1" lang="en-US" altLang="ja-JP" sz="1800" i="1">
-                        <a:latin typeface="Cambria Math" panose="02040503050406030204" pitchFamily="18" charset="0"/>
-                      </a:rPr>
-                      <m:t>=</m:t>
-                    </m:r>
-                    <m:r>
-                      <a:rPr kumimoji="1" lang="en-US" altLang="ja-JP" sz="1800" b="0" i="1" smtClean="0">
-                        <a:latin typeface="Cambria Math" panose="02040503050406030204" pitchFamily="18" charset="0"/>
-                      </a:rPr>
-                      <m:t>1</m:t>
-                    </m:r>
-                  </m:oMath>
-                </a14:m>
-                <a:r>
-                  <a:rPr kumimoji="1" lang="ja-JP" altLang="en-US" sz="1800" dirty="0"/>
-                  <a:t> </a:t>
-                </a:r>
-                <a:r>
-                  <a:rPr kumimoji="1" lang="en-US" altLang="ja-JP" sz="1800" dirty="0"/>
-                  <a:t>(white)</a:t>
-                </a:r>
-                <a:r>
-                  <a:rPr kumimoji="1" lang="ja-JP" altLang="en-US" sz="1800" dirty="0"/>
-                  <a:t> </a:t>
-                </a:r>
-              </a:p>
-            </p:txBody>
-          </p:sp>
-        </mc:Choice>
-        <mc:Fallback>
-          <p:sp>
-            <p:nvSpPr>
-              <p:cNvPr id="16" name="テキスト ボックス 15">
-                <a:extLst>
-                  <a:ext uri="{FF2B5EF4-FFF2-40B4-BE49-F238E27FC236}">
-                    <a16:creationId xmlns:a16="http://schemas.microsoft.com/office/drawing/2014/main" id="{690343CE-33F2-4C8E-9F94-9D5E50F26D66}"/>
-                  </a:ext>
-                </a:extLst>
-              </p:cNvPr>
-              <p:cNvSpPr txBox="1">
-                <a:spLocks noRot="1" noChangeAspect="1" noMove="1" noResize="1" noEditPoints="1" noAdjustHandles="1" noChangeArrowheads="1" noChangeShapeType="1" noTextEdit="1"/>
-              </p:cNvSpPr>
-              <p:nvPr/>
-            </p:nvSpPr>
-            <p:spPr>
-              <a:xfrm>
-                <a:off x="6925701" y="6677654"/>
-                <a:ext cx="3704656" cy="369332"/>
-              </a:xfrm>
-              <a:prstGeom prst="rect">
-                <a:avLst/>
-              </a:prstGeom>
-              <a:blipFill>
-                <a:blip r:embed="rId4"/>
-                <a:stretch>
-                  <a:fillRect t="-8197" r="-658" b="-24590"/>
-                </a:stretch>
-              </a:blipFill>
-            </p:spPr>
-            <p:txBody>
-              <a:bodyPr/>
-              <a:lstStyle/>
-              <a:p>
-                <a:r>
-                  <a:rPr lang="ja-JP" altLang="en-US">
-                    <a:noFill/>
-                  </a:rPr>
-                  <a:t> </a:t>
-                </a:r>
-              </a:p>
-            </p:txBody>
-          </p:sp>
-        </mc:Fallback>
-      </mc:AlternateContent>
-      <mc:AlternateContent xmlns:mc="http://schemas.openxmlformats.org/markup-compatibility/2006" xmlns:a14="http://schemas.microsoft.com/office/drawing/2010/main">
-        <mc:Choice Requires="a14">
-          <p:sp>
-            <p:nvSpPr>
               <p:cNvPr id="17" name="テキスト ボックス 16">
                 <a:extLst>
                   <a:ext uri="{FF2B5EF4-FFF2-40B4-BE49-F238E27FC236}">
@@ -19917,7 +19061,7 @@
             </p:nvSpPr>
             <p:spPr>
               <a:xfrm>
-                <a:off x="3007050" y="7318582"/>
+                <a:off x="5336223" y="8880919"/>
                 <a:ext cx="2117182" cy="379015"/>
               </a:xfrm>
               <a:prstGeom prst="rect">
@@ -20010,7 +19154,7 @@
             </p:txBody>
           </p:sp>
         </mc:Choice>
-        <mc:Fallback xmlns="">
+        <mc:Fallback>
           <p:sp>
             <p:nvSpPr>
               <p:cNvPr id="17" name="テキスト ボックス 16">
@@ -20027,195 +19171,16 @@
             </p:nvSpPr>
             <p:spPr>
               <a:xfrm>
-                <a:off x="3007050" y="7318582"/>
+                <a:off x="5336223" y="8880919"/>
                 <a:ext cx="2117182" cy="379015"/>
               </a:xfrm>
               <a:prstGeom prst="rect">
                 <a:avLst/>
               </a:prstGeom>
               <a:blipFill>
-                <a:blip r:embed="rId5"/>
+                <a:blip r:embed="rId4"/>
                 <a:stretch>
                   <a:fillRect l="-1437" r="-862" b="-16129"/>
-                </a:stretch>
-              </a:blipFill>
-            </p:spPr>
-            <p:txBody>
-              <a:bodyPr/>
-              <a:lstStyle/>
-              <a:p>
-                <a:r>
-                  <a:rPr lang="ja-JP" altLang="en-US">
-                    <a:noFill/>
-                  </a:rPr>
-                  <a:t> </a:t>
-                </a:r>
-              </a:p>
-            </p:txBody>
-          </p:sp>
-        </mc:Fallback>
-      </mc:AlternateContent>
-      <mc:AlternateContent xmlns:mc="http://schemas.openxmlformats.org/markup-compatibility/2006">
-        <mc:Choice xmlns:a14="http://schemas.microsoft.com/office/drawing/2010/main" Requires="a14">
-          <p:sp>
-            <p:nvSpPr>
-              <p:cNvPr id="18" name="テキスト ボックス 17">
-                <a:extLst>
-                  <a:ext uri="{FF2B5EF4-FFF2-40B4-BE49-F238E27FC236}">
-                    <a16:creationId xmlns:a16="http://schemas.microsoft.com/office/drawing/2014/main" id="{9B3C9DE5-781F-48C9-954D-280F782B4EBB}"/>
-                  </a:ext>
-                </a:extLst>
-              </p:cNvPr>
-              <p:cNvSpPr txBox="1"/>
-              <p:nvPr/>
-            </p:nvSpPr>
-            <p:spPr>
-              <a:xfrm>
-                <a:off x="7012787" y="7304487"/>
-                <a:ext cx="3704656" cy="369332"/>
-              </a:xfrm>
-              <a:prstGeom prst="rect">
-                <a:avLst/>
-              </a:prstGeom>
-              <a:noFill/>
-            </p:spPr>
-            <p:txBody>
-              <a:bodyPr wrap="square">
-                <a:spAutoFit/>
-              </a:bodyPr>
-              <a:lstStyle/>
-              <a:p>
-                <a:r>
-                  <a:rPr kumimoji="1" lang="en-US" altLang="ja-JP" sz="1800" dirty="0"/>
-                  <a:t>when </a:t>
-                </a:r>
-                <a14:m>
-                  <m:oMath xmlns:m="http://schemas.openxmlformats.org/officeDocument/2006/math">
-                    <m:sSub>
-                      <m:sSubPr>
-                        <m:ctrlPr>
-                          <a:rPr kumimoji="1" lang="en-US" altLang="ja-JP" sz="1800" b="0" i="1" smtClean="0">
-                            <a:latin typeface="Cambria Math" panose="02040503050406030204" pitchFamily="18" charset="0"/>
-                          </a:rPr>
-                        </m:ctrlPr>
-                      </m:sSubPr>
-                      <m:e>
-                        <m:r>
-                          <a:rPr kumimoji="1" lang="en-US" altLang="ja-JP" sz="1800" b="0" i="1" smtClean="0">
-                            <a:latin typeface="Cambria Math" panose="02040503050406030204" pitchFamily="18" charset="0"/>
-                          </a:rPr>
-                          <m:t>𝐶</m:t>
-                        </m:r>
-                      </m:e>
-                      <m:sub>
-                        <m:r>
-                          <a:rPr kumimoji="1" lang="en-US" altLang="ja-JP" sz="1800" b="0" i="1" smtClean="0">
-                            <a:latin typeface="Cambria Math" panose="02040503050406030204" pitchFamily="18" charset="0"/>
-                          </a:rPr>
-                          <m:t>𝐹</m:t>
-                        </m:r>
-                      </m:sub>
-                    </m:sSub>
-                    <m:r>
-                      <a:rPr kumimoji="1" lang="en-US" altLang="ja-JP" sz="1800" b="0" i="1" smtClean="0">
-                        <a:latin typeface="Cambria Math" panose="02040503050406030204" pitchFamily="18" charset="0"/>
-                      </a:rPr>
-                      <m:t>=1</m:t>
-                    </m:r>
-                  </m:oMath>
-                </a14:m>
-                <a:r>
-                  <a:rPr kumimoji="1" lang="ja-JP" altLang="en-US" sz="1800" dirty="0"/>
-                  <a:t> </a:t>
-                </a:r>
-                <a:r>
-                  <a:rPr kumimoji="1" lang="en-US" altLang="ja-JP" sz="1800" dirty="0"/>
-                  <a:t>(white), </a:t>
-                </a:r>
-                <a14:m>
-                  <m:oMath xmlns:m="http://schemas.openxmlformats.org/officeDocument/2006/math">
-                    <m:sSub>
-                      <m:sSubPr>
-                        <m:ctrlPr>
-                          <a:rPr kumimoji="1" lang="en-US" altLang="ja-JP" sz="1800" i="1">
-                            <a:latin typeface="Cambria Math" panose="02040503050406030204" pitchFamily="18" charset="0"/>
-                          </a:rPr>
-                        </m:ctrlPr>
-                      </m:sSubPr>
-                      <m:e>
-                        <m:r>
-                          <a:rPr kumimoji="1" lang="en-US" altLang="ja-JP" sz="1800" i="1">
-                            <a:latin typeface="Cambria Math" panose="02040503050406030204" pitchFamily="18" charset="0"/>
-                          </a:rPr>
-                          <m:t>𝐶</m:t>
-                        </m:r>
-                      </m:e>
-                      <m:sub>
-                        <m:r>
-                          <a:rPr kumimoji="1" lang="en-US" altLang="ja-JP" sz="1800" b="0" i="1" smtClean="0">
-                            <a:latin typeface="Cambria Math" panose="02040503050406030204" pitchFamily="18" charset="0"/>
-                          </a:rPr>
-                          <m:t>𝐵</m:t>
-                        </m:r>
-                      </m:sub>
-                    </m:sSub>
-                    <m:r>
-                      <a:rPr kumimoji="1" lang="en-US" altLang="ja-JP" sz="1800" i="1">
-                        <a:latin typeface="Cambria Math" panose="02040503050406030204" pitchFamily="18" charset="0"/>
-                      </a:rPr>
-                      <m:t>=</m:t>
-                    </m:r>
-                    <m:r>
-                      <a:rPr kumimoji="1" lang="en-US" altLang="ja-JP" sz="1800" b="0" i="1" smtClean="0">
-                        <a:latin typeface="Cambria Math" panose="02040503050406030204" pitchFamily="18" charset="0"/>
-                      </a:rPr>
-                      <m:t>0</m:t>
-                    </m:r>
-                  </m:oMath>
-                </a14:m>
-                <a:r>
-                  <a:rPr kumimoji="1" lang="ja-JP" altLang="en-US" sz="1800" dirty="0"/>
-                  <a:t> </a:t>
-                </a:r>
-                <a:r>
-                  <a:rPr kumimoji="1" lang="en-US" altLang="ja-JP" sz="1800" dirty="0"/>
-                  <a:t>(black)</a:t>
-                </a:r>
-                <a:r>
-                  <a:rPr kumimoji="1" lang="ja-JP" altLang="en-US" sz="1800" dirty="0"/>
-                  <a:t> </a:t>
-                </a:r>
-              </a:p>
-            </p:txBody>
-          </p:sp>
-        </mc:Choice>
-        <mc:Fallback>
-          <p:sp>
-            <p:nvSpPr>
-              <p:cNvPr id="18" name="テキスト ボックス 17">
-                <a:extLst>
-                  <a:ext uri="{FF2B5EF4-FFF2-40B4-BE49-F238E27FC236}">
-                    <a16:creationId xmlns:a16="http://schemas.microsoft.com/office/drawing/2014/main" id="{9B3C9DE5-781F-48C9-954D-280F782B4EBB}"/>
-                  </a:ext>
-                </a:extLst>
-              </p:cNvPr>
-              <p:cNvSpPr txBox="1">
-                <a:spLocks noRot="1" noChangeAspect="1" noMove="1" noResize="1" noEditPoints="1" noAdjustHandles="1" noChangeArrowheads="1" noChangeShapeType="1" noTextEdit="1"/>
-              </p:cNvSpPr>
-              <p:nvPr/>
-            </p:nvSpPr>
-            <p:spPr>
-              <a:xfrm>
-                <a:off x="7012787" y="7304487"/>
-                <a:ext cx="3704656" cy="369332"/>
-              </a:xfrm>
-              <a:prstGeom prst="rect">
-                <a:avLst/>
-              </a:prstGeom>
-              <a:blipFill>
-                <a:blip r:embed="rId6"/>
-                <a:stretch>
-                  <a:fillRect l="-1316" t="-8197" b="-24590"/>
                 </a:stretch>
               </a:blipFill>
             </p:spPr>
@@ -21342,7 +20307,7 @@
         <p:spPr>
           <a:xfrm>
             <a:off x="2665948" y="3608257"/>
-            <a:ext cx="7523081" cy="2201373"/>
+            <a:ext cx="7523081" cy="2806823"/>
           </a:xfrm>
           <a:prstGeom prst="rect">
             <a:avLst/>
@@ -21408,6 +20373,568 @@
           </a:p>
         </p:txBody>
       </p:sp>
+      <mc:AlternateContent xmlns:mc="http://schemas.openxmlformats.org/markup-compatibility/2006" xmlns:a14="http://schemas.microsoft.com/office/drawing/2010/main">
+        <mc:Choice Requires="a14">
+          <p:sp>
+            <p:nvSpPr>
+              <p:cNvPr id="14" name="テキスト ボックス 13">
+                <a:extLst>
+                  <a:ext uri="{FF2B5EF4-FFF2-40B4-BE49-F238E27FC236}">
+                    <a16:creationId xmlns:a16="http://schemas.microsoft.com/office/drawing/2014/main" id="{8E2C591B-4196-4508-98F4-57F9B0C26938}"/>
+                  </a:ext>
+                </a:extLst>
+              </p:cNvPr>
+              <p:cNvSpPr txBox="1"/>
+              <p:nvPr/>
+            </p:nvSpPr>
+            <p:spPr>
+              <a:xfrm>
+                <a:off x="3897478" y="5885177"/>
+                <a:ext cx="4985917" cy="307777"/>
+              </a:xfrm>
+              <a:prstGeom prst="rect">
+                <a:avLst/>
+              </a:prstGeom>
+              <a:noFill/>
+            </p:spPr>
+            <p:txBody>
+              <a:bodyPr wrap="none" lIns="0" tIns="0" rIns="0" bIns="0" rtlCol="0">
+                <a:spAutoFit/>
+              </a:bodyPr>
+              <a:lstStyle/>
+              <a:p>
+                <a:r>
+                  <a:rPr kumimoji="1" lang="en-US" altLang="ja-JP" sz="2000" dirty="0"/>
+                  <a:t>w</a:t>
+                </a:r>
+                <a:r>
+                  <a:rPr kumimoji="1" lang="en-US" altLang="ja-JP" sz="2000" b="0" dirty="0"/>
+                  <a:t>here </a:t>
+                </a:r>
+                <a14:m>
+                  <m:oMath xmlns:m="http://schemas.openxmlformats.org/officeDocument/2006/math">
+                    <m:r>
+                      <a:rPr kumimoji="1" lang="en-US" altLang="ja-JP" sz="2000" b="0" i="1" smtClean="0">
+                        <a:latin typeface="Cambria Math" panose="02040503050406030204" pitchFamily="18" charset="0"/>
+                      </a:rPr>
+                      <m:t>0≤</m:t>
+                    </m:r>
+                    <m:sSub>
+                      <m:sSubPr>
+                        <m:ctrlPr>
+                          <a:rPr kumimoji="1" lang="en-US" altLang="ja-JP" sz="2000" b="0" i="1" smtClean="0">
+                            <a:latin typeface="Cambria Math" panose="02040503050406030204" pitchFamily="18" charset="0"/>
+                          </a:rPr>
+                        </m:ctrlPr>
+                      </m:sSubPr>
+                      <m:e>
+                        <m:r>
+                          <a:rPr kumimoji="1" lang="en-US" altLang="ja-JP" sz="2000" b="0" i="1" smtClean="0">
+                            <a:latin typeface="Cambria Math" panose="02040503050406030204" pitchFamily="18" charset="0"/>
+                          </a:rPr>
+                          <m:t>𝑐</m:t>
+                        </m:r>
+                      </m:e>
+                      <m:sub>
+                        <m:r>
+                          <a:rPr kumimoji="1" lang="en-US" altLang="ja-JP" sz="2000" b="0" i="1" smtClean="0">
+                            <a:latin typeface="Cambria Math" panose="02040503050406030204" pitchFamily="18" charset="0"/>
+                          </a:rPr>
+                          <m:t>𝐹</m:t>
+                        </m:r>
+                      </m:sub>
+                    </m:sSub>
+                    <m:r>
+                      <a:rPr kumimoji="1" lang="en-US" altLang="ja-JP" sz="2000" b="0" i="1" smtClean="0">
+                        <a:latin typeface="Cambria Math" panose="02040503050406030204" pitchFamily="18" charset="0"/>
+                      </a:rPr>
+                      <m:t>≤1</m:t>
+                    </m:r>
+                  </m:oMath>
+                </a14:m>
+                <a:r>
+                  <a:rPr kumimoji="1" lang="en-US" altLang="ja-JP" sz="2000" dirty="0"/>
+                  <a:t>, </a:t>
+                </a:r>
+                <a14:m>
+                  <m:oMath xmlns:m="http://schemas.openxmlformats.org/officeDocument/2006/math">
+                    <m:r>
+                      <a:rPr kumimoji="1" lang="en-US" altLang="ja-JP" sz="2000" i="1">
+                        <a:latin typeface="Cambria Math" panose="02040503050406030204" pitchFamily="18" charset="0"/>
+                      </a:rPr>
+                      <m:t>0≤</m:t>
+                    </m:r>
+                    <m:sSub>
+                      <m:sSubPr>
+                        <m:ctrlPr>
+                          <a:rPr kumimoji="1" lang="en-US" altLang="ja-JP" sz="2000" i="1">
+                            <a:latin typeface="Cambria Math" panose="02040503050406030204" pitchFamily="18" charset="0"/>
+                          </a:rPr>
+                        </m:ctrlPr>
+                      </m:sSubPr>
+                      <m:e>
+                        <m:r>
+                          <a:rPr kumimoji="1" lang="en-US" altLang="ja-JP" sz="2000" i="1">
+                            <a:latin typeface="Cambria Math" panose="02040503050406030204" pitchFamily="18" charset="0"/>
+                          </a:rPr>
+                          <m:t>𝑐</m:t>
+                        </m:r>
+                      </m:e>
+                      <m:sub>
+                        <m:r>
+                          <a:rPr kumimoji="1" lang="en-US" altLang="ja-JP" sz="2000" b="0" i="1" smtClean="0">
+                            <a:latin typeface="Cambria Math" panose="02040503050406030204" pitchFamily="18" charset="0"/>
+                          </a:rPr>
+                          <m:t>𝐵</m:t>
+                        </m:r>
+                      </m:sub>
+                    </m:sSub>
+                    <m:r>
+                      <a:rPr kumimoji="1" lang="en-US" altLang="ja-JP" sz="2000" i="1">
+                        <a:latin typeface="Cambria Math" panose="02040503050406030204" pitchFamily="18" charset="0"/>
+                      </a:rPr>
+                      <m:t>≤1</m:t>
+                    </m:r>
+                  </m:oMath>
+                </a14:m>
+                <a:r>
+                  <a:rPr kumimoji="1" lang="en-US" altLang="ja-JP" sz="2000" dirty="0"/>
+                  <a:t> and </a:t>
+                </a:r>
+                <a14:m>
+                  <m:oMath xmlns:m="http://schemas.openxmlformats.org/officeDocument/2006/math">
+                    <m:r>
+                      <a:rPr kumimoji="1" lang="en-US" altLang="ja-JP" sz="2000" i="1">
+                        <a:latin typeface="Cambria Math" panose="02040503050406030204" pitchFamily="18" charset="0"/>
+                      </a:rPr>
+                      <m:t>0≤</m:t>
+                    </m:r>
+                    <m:r>
+                      <a:rPr kumimoji="1" lang="en-US" altLang="ja-JP" sz="2000" b="0" i="1" smtClean="0">
+                        <a:latin typeface="Cambria Math" panose="02040503050406030204" pitchFamily="18" charset="0"/>
+                      </a:rPr>
+                      <m:t>𝛼</m:t>
+                    </m:r>
+                    <m:r>
+                      <a:rPr kumimoji="1" lang="en-US" altLang="ja-JP" sz="2000" i="1">
+                        <a:latin typeface="Cambria Math" panose="02040503050406030204" pitchFamily="18" charset="0"/>
+                      </a:rPr>
+                      <m:t>≤1</m:t>
+                    </m:r>
+                  </m:oMath>
+                </a14:m>
+                <a:r>
+                  <a:rPr kumimoji="1" lang="en-US" altLang="ja-JP" sz="2000" dirty="0"/>
+                  <a:t>.</a:t>
+                </a:r>
+                <a:endParaRPr kumimoji="1" lang="ja-JP" altLang="en-US" sz="2000" dirty="0"/>
+              </a:p>
+            </p:txBody>
+          </p:sp>
+        </mc:Choice>
+        <mc:Fallback xmlns="">
+          <p:sp>
+            <p:nvSpPr>
+              <p:cNvPr id="14" name="テキスト ボックス 13">
+                <a:extLst>
+                  <a:ext uri="{FF2B5EF4-FFF2-40B4-BE49-F238E27FC236}">
+                    <a16:creationId xmlns:a16="http://schemas.microsoft.com/office/drawing/2014/main" id="{8E2C591B-4196-4508-98F4-57F9B0C26938}"/>
+                  </a:ext>
+                </a:extLst>
+              </p:cNvPr>
+              <p:cNvSpPr txBox="1">
+                <a:spLocks noRot="1" noChangeAspect="1" noMove="1" noResize="1" noEditPoints="1" noAdjustHandles="1" noChangeArrowheads="1" noChangeShapeType="1" noTextEdit="1"/>
+              </p:cNvSpPr>
+              <p:nvPr/>
+            </p:nvSpPr>
+            <p:spPr>
+              <a:xfrm>
+                <a:off x="3897478" y="5885177"/>
+                <a:ext cx="4985917" cy="307777"/>
+              </a:xfrm>
+              <a:prstGeom prst="rect">
+                <a:avLst/>
+              </a:prstGeom>
+              <a:blipFill>
+                <a:blip r:embed="rId10"/>
+                <a:stretch>
+                  <a:fillRect l="-3056" t="-25490" r="-1345" b="-49020"/>
+                </a:stretch>
+              </a:blipFill>
+            </p:spPr>
+            <p:txBody>
+              <a:bodyPr/>
+              <a:lstStyle/>
+              <a:p>
+                <a:r>
+                  <a:rPr lang="ja-JP" altLang="en-US">
+                    <a:noFill/>
+                  </a:rPr>
+                  <a:t> </a:t>
+                </a:r>
+              </a:p>
+            </p:txBody>
+          </p:sp>
+        </mc:Fallback>
+      </mc:AlternateContent>
+      <mc:AlternateContent xmlns:mc="http://schemas.openxmlformats.org/markup-compatibility/2006">
+        <mc:Choice xmlns:a14="http://schemas.microsoft.com/office/drawing/2010/main" Requires="a14">
+          <p:sp>
+            <p:nvSpPr>
+              <p:cNvPr id="15" name="テキスト ボックス 14">
+                <a:extLst>
+                  <a:ext uri="{FF2B5EF4-FFF2-40B4-BE49-F238E27FC236}">
+                    <a16:creationId xmlns:a16="http://schemas.microsoft.com/office/drawing/2014/main" id="{C1BDE2B9-7D92-431A-A4EA-8528504CD881}"/>
+                  </a:ext>
+                </a:extLst>
+              </p:cNvPr>
+              <p:cNvSpPr txBox="1"/>
+              <p:nvPr/>
+            </p:nvSpPr>
+            <p:spPr>
+              <a:xfrm>
+                <a:off x="3283905" y="7148083"/>
+                <a:ext cx="4056447" cy="369332"/>
+              </a:xfrm>
+              <a:prstGeom prst="rect">
+                <a:avLst/>
+              </a:prstGeom>
+              <a:noFill/>
+            </p:spPr>
+            <p:txBody>
+              <a:bodyPr wrap="square">
+                <a:spAutoFit/>
+              </a:bodyPr>
+              <a:lstStyle/>
+              <a:p>
+                <a:r>
+                  <a:rPr kumimoji="1" lang="en-US" altLang="ja-JP" sz="1800" dirty="0"/>
+                  <a:t>If </a:t>
+                </a:r>
+                <a14:m>
+                  <m:oMath xmlns:m="http://schemas.openxmlformats.org/officeDocument/2006/math">
+                    <m:sSub>
+                      <m:sSubPr>
+                        <m:ctrlPr>
+                          <a:rPr kumimoji="1" lang="en-US" altLang="ja-JP" sz="1800" b="0" i="1" smtClean="0">
+                            <a:latin typeface="Cambria Math" panose="02040503050406030204" pitchFamily="18" charset="0"/>
+                          </a:rPr>
+                        </m:ctrlPr>
+                      </m:sSubPr>
+                      <m:e>
+                        <m:r>
+                          <a:rPr kumimoji="1" lang="en-US" altLang="ja-JP" sz="1800" b="0" i="1" smtClean="0">
+                            <a:latin typeface="Cambria Math" panose="02040503050406030204" pitchFamily="18" charset="0"/>
+                          </a:rPr>
+                          <m:t>𝐶</m:t>
+                        </m:r>
+                      </m:e>
+                      <m:sub>
+                        <m:r>
+                          <a:rPr kumimoji="1" lang="en-US" altLang="ja-JP" sz="1800" b="0" i="1" smtClean="0">
+                            <a:latin typeface="Cambria Math" panose="02040503050406030204" pitchFamily="18" charset="0"/>
+                          </a:rPr>
+                          <m:t>𝐹</m:t>
+                        </m:r>
+                      </m:sub>
+                    </m:sSub>
+                    <m:r>
+                      <a:rPr kumimoji="1" lang="en-US" altLang="ja-JP" sz="1800" b="0" i="1" smtClean="0">
+                        <a:latin typeface="Cambria Math" panose="02040503050406030204" pitchFamily="18" charset="0"/>
+                      </a:rPr>
+                      <m:t>=0</m:t>
+                    </m:r>
+                  </m:oMath>
+                </a14:m>
+                <a:r>
+                  <a:rPr kumimoji="1" lang="ja-JP" altLang="en-US" sz="1800" dirty="0"/>
+                  <a:t> </a:t>
+                </a:r>
+                <a:r>
+                  <a:rPr kumimoji="1" lang="en-US" altLang="ja-JP" sz="1800" dirty="0"/>
+                  <a:t>(black) and </a:t>
+                </a:r>
+                <a14:m>
+                  <m:oMath xmlns:m="http://schemas.openxmlformats.org/officeDocument/2006/math">
+                    <m:sSub>
+                      <m:sSubPr>
+                        <m:ctrlPr>
+                          <a:rPr kumimoji="1" lang="en-US" altLang="ja-JP" sz="1800" i="1">
+                            <a:latin typeface="Cambria Math" panose="02040503050406030204" pitchFamily="18" charset="0"/>
+                          </a:rPr>
+                        </m:ctrlPr>
+                      </m:sSubPr>
+                      <m:e>
+                        <m:r>
+                          <a:rPr kumimoji="1" lang="en-US" altLang="ja-JP" sz="1800" i="1">
+                            <a:latin typeface="Cambria Math" panose="02040503050406030204" pitchFamily="18" charset="0"/>
+                          </a:rPr>
+                          <m:t>𝐶</m:t>
+                        </m:r>
+                      </m:e>
+                      <m:sub>
+                        <m:r>
+                          <a:rPr kumimoji="1" lang="en-US" altLang="ja-JP" sz="1800" b="0" i="1" smtClean="0">
+                            <a:latin typeface="Cambria Math" panose="02040503050406030204" pitchFamily="18" charset="0"/>
+                          </a:rPr>
+                          <m:t>𝐵</m:t>
+                        </m:r>
+                      </m:sub>
+                    </m:sSub>
+                    <m:r>
+                      <a:rPr kumimoji="1" lang="en-US" altLang="ja-JP" sz="1800" i="1">
+                        <a:latin typeface="Cambria Math" panose="02040503050406030204" pitchFamily="18" charset="0"/>
+                      </a:rPr>
+                      <m:t>=</m:t>
+                    </m:r>
+                    <m:r>
+                      <a:rPr kumimoji="1" lang="en-US" altLang="ja-JP" sz="1800" b="0" i="1" smtClean="0">
+                        <a:latin typeface="Cambria Math" panose="02040503050406030204" pitchFamily="18" charset="0"/>
+                      </a:rPr>
+                      <m:t>1</m:t>
+                    </m:r>
+                  </m:oMath>
+                </a14:m>
+                <a:r>
+                  <a:rPr kumimoji="1" lang="ja-JP" altLang="en-US" sz="1800" dirty="0"/>
+                  <a:t> </a:t>
+                </a:r>
+                <a:r>
+                  <a:rPr kumimoji="1" lang="en-US" altLang="ja-JP" sz="1800" dirty="0"/>
+                  <a:t>(white),</a:t>
+                </a:r>
+                <a:r>
+                  <a:rPr kumimoji="1" lang="ja-JP" altLang="en-US" sz="1800" dirty="0"/>
+                  <a:t> </a:t>
+                </a:r>
+              </a:p>
+            </p:txBody>
+          </p:sp>
+        </mc:Choice>
+        <mc:Fallback>
+          <p:sp>
+            <p:nvSpPr>
+              <p:cNvPr id="15" name="テキスト ボックス 14">
+                <a:extLst>
+                  <a:ext uri="{FF2B5EF4-FFF2-40B4-BE49-F238E27FC236}">
+                    <a16:creationId xmlns:a16="http://schemas.microsoft.com/office/drawing/2014/main" id="{C1BDE2B9-7D92-431A-A4EA-8528504CD881}"/>
+                  </a:ext>
+                </a:extLst>
+              </p:cNvPr>
+              <p:cNvSpPr txBox="1">
+                <a:spLocks noRot="1" noChangeAspect="1" noMove="1" noResize="1" noEditPoints="1" noAdjustHandles="1" noChangeArrowheads="1" noChangeShapeType="1" noTextEdit="1"/>
+              </p:cNvSpPr>
+              <p:nvPr/>
+            </p:nvSpPr>
+            <p:spPr>
+              <a:xfrm>
+                <a:off x="3283905" y="7148083"/>
+                <a:ext cx="4056447" cy="369332"/>
+              </a:xfrm>
+              <a:prstGeom prst="rect">
+                <a:avLst/>
+              </a:prstGeom>
+              <a:blipFill>
+                <a:blip r:embed="rId11"/>
+                <a:stretch>
+                  <a:fillRect l="-1353" t="-10000" b="-26667"/>
+                </a:stretch>
+              </a:blipFill>
+            </p:spPr>
+            <p:txBody>
+              <a:bodyPr/>
+              <a:lstStyle/>
+              <a:p>
+                <a:r>
+                  <a:rPr lang="ja-JP" altLang="en-US">
+                    <a:noFill/>
+                  </a:rPr>
+                  <a:t> </a:t>
+                </a:r>
+              </a:p>
+            </p:txBody>
+          </p:sp>
+        </mc:Fallback>
+      </mc:AlternateContent>
+      <mc:AlternateContent xmlns:mc="http://schemas.openxmlformats.org/markup-compatibility/2006">
+        <mc:Choice xmlns:a14="http://schemas.microsoft.com/office/drawing/2010/main" Requires="a14">
+          <p:sp>
+            <p:nvSpPr>
+              <p:cNvPr id="22" name="テキスト ボックス 21">
+                <a:extLst>
+                  <a:ext uri="{FF2B5EF4-FFF2-40B4-BE49-F238E27FC236}">
+                    <a16:creationId xmlns:a16="http://schemas.microsoft.com/office/drawing/2014/main" id="{7941C168-9DC0-496F-A5C0-4F94DD3780EF}"/>
+                  </a:ext>
+                </a:extLst>
+              </p:cNvPr>
+              <p:cNvSpPr txBox="1"/>
+              <p:nvPr/>
+            </p:nvSpPr>
+            <p:spPr>
+              <a:xfrm>
+                <a:off x="3287791" y="8317266"/>
+                <a:ext cx="4165614" cy="369332"/>
+              </a:xfrm>
+              <a:prstGeom prst="rect">
+                <a:avLst/>
+              </a:prstGeom>
+              <a:noFill/>
+            </p:spPr>
+            <p:txBody>
+              <a:bodyPr wrap="square">
+                <a:spAutoFit/>
+              </a:bodyPr>
+              <a:lstStyle/>
+              <a:p>
+                <a:r>
+                  <a:rPr kumimoji="1" lang="en-US" altLang="ja-JP" sz="1800" dirty="0"/>
+                  <a:t>If </a:t>
+                </a:r>
+                <a14:m>
+                  <m:oMath xmlns:m="http://schemas.openxmlformats.org/officeDocument/2006/math">
+                    <m:sSub>
+                      <m:sSubPr>
+                        <m:ctrlPr>
+                          <a:rPr kumimoji="1" lang="en-US" altLang="ja-JP" sz="1800" b="0" i="1" smtClean="0">
+                            <a:latin typeface="Cambria Math" panose="02040503050406030204" pitchFamily="18" charset="0"/>
+                          </a:rPr>
+                        </m:ctrlPr>
+                      </m:sSubPr>
+                      <m:e>
+                        <m:r>
+                          <a:rPr kumimoji="1" lang="en-US" altLang="ja-JP" sz="1800" b="0" i="1" smtClean="0">
+                            <a:latin typeface="Cambria Math" panose="02040503050406030204" pitchFamily="18" charset="0"/>
+                          </a:rPr>
+                          <m:t>𝐶</m:t>
+                        </m:r>
+                      </m:e>
+                      <m:sub>
+                        <m:r>
+                          <a:rPr kumimoji="1" lang="en-US" altLang="ja-JP" sz="1800" b="0" i="1" smtClean="0">
+                            <a:latin typeface="Cambria Math" panose="02040503050406030204" pitchFamily="18" charset="0"/>
+                          </a:rPr>
+                          <m:t>𝐹</m:t>
+                        </m:r>
+                      </m:sub>
+                    </m:sSub>
+                    <m:r>
+                      <a:rPr kumimoji="1" lang="en-US" altLang="ja-JP" sz="1800" b="0" i="1" smtClean="0">
+                        <a:latin typeface="Cambria Math" panose="02040503050406030204" pitchFamily="18" charset="0"/>
+                      </a:rPr>
+                      <m:t>=1</m:t>
+                    </m:r>
+                  </m:oMath>
+                </a14:m>
+                <a:r>
+                  <a:rPr kumimoji="1" lang="ja-JP" altLang="en-US" sz="1800" dirty="0"/>
+                  <a:t> </a:t>
+                </a:r>
+                <a:r>
+                  <a:rPr kumimoji="1" lang="en-US" altLang="ja-JP" sz="1800" dirty="0"/>
+                  <a:t>(white) and </a:t>
+                </a:r>
+                <a14:m>
+                  <m:oMath xmlns:m="http://schemas.openxmlformats.org/officeDocument/2006/math">
+                    <m:sSub>
+                      <m:sSubPr>
+                        <m:ctrlPr>
+                          <a:rPr kumimoji="1" lang="en-US" altLang="ja-JP" sz="1800" i="1">
+                            <a:latin typeface="Cambria Math" panose="02040503050406030204" pitchFamily="18" charset="0"/>
+                          </a:rPr>
+                        </m:ctrlPr>
+                      </m:sSubPr>
+                      <m:e>
+                        <m:r>
+                          <a:rPr kumimoji="1" lang="en-US" altLang="ja-JP" sz="1800" i="1">
+                            <a:latin typeface="Cambria Math" panose="02040503050406030204" pitchFamily="18" charset="0"/>
+                          </a:rPr>
+                          <m:t>𝐶</m:t>
+                        </m:r>
+                      </m:e>
+                      <m:sub>
+                        <m:r>
+                          <a:rPr kumimoji="1" lang="en-US" altLang="ja-JP" sz="1800" b="0" i="1" smtClean="0">
+                            <a:latin typeface="Cambria Math" panose="02040503050406030204" pitchFamily="18" charset="0"/>
+                          </a:rPr>
+                          <m:t>𝐵</m:t>
+                        </m:r>
+                      </m:sub>
+                    </m:sSub>
+                    <m:r>
+                      <a:rPr kumimoji="1" lang="en-US" altLang="ja-JP" sz="1800" i="1">
+                        <a:latin typeface="Cambria Math" panose="02040503050406030204" pitchFamily="18" charset="0"/>
+                      </a:rPr>
+                      <m:t>=</m:t>
+                    </m:r>
+                    <m:r>
+                      <a:rPr kumimoji="1" lang="en-US" altLang="ja-JP" sz="1800" b="0" i="1" smtClean="0">
+                        <a:latin typeface="Cambria Math" panose="02040503050406030204" pitchFamily="18" charset="0"/>
+                      </a:rPr>
+                      <m:t>0</m:t>
+                    </m:r>
+                  </m:oMath>
+                </a14:m>
+                <a:r>
+                  <a:rPr kumimoji="1" lang="ja-JP" altLang="en-US" sz="1800" dirty="0"/>
+                  <a:t> </a:t>
+                </a:r>
+                <a:r>
+                  <a:rPr kumimoji="1" lang="en-US" altLang="ja-JP" sz="1800" dirty="0"/>
+                  <a:t>(black),</a:t>
+                </a:r>
+                <a:r>
+                  <a:rPr kumimoji="1" lang="ja-JP" altLang="en-US" sz="1800" dirty="0"/>
+                  <a:t> </a:t>
+                </a:r>
+              </a:p>
+            </p:txBody>
+          </p:sp>
+        </mc:Choice>
+        <mc:Fallback>
+          <p:sp>
+            <p:nvSpPr>
+              <p:cNvPr id="22" name="テキスト ボックス 21">
+                <a:extLst>
+                  <a:ext uri="{FF2B5EF4-FFF2-40B4-BE49-F238E27FC236}">
+                    <a16:creationId xmlns:a16="http://schemas.microsoft.com/office/drawing/2014/main" id="{7941C168-9DC0-496F-A5C0-4F94DD3780EF}"/>
+                  </a:ext>
+                </a:extLst>
+              </p:cNvPr>
+              <p:cNvSpPr txBox="1">
+                <a:spLocks noRot="1" noChangeAspect="1" noMove="1" noResize="1" noEditPoints="1" noAdjustHandles="1" noChangeArrowheads="1" noChangeShapeType="1" noTextEdit="1"/>
+              </p:cNvSpPr>
+              <p:nvPr/>
+            </p:nvSpPr>
+            <p:spPr>
+              <a:xfrm>
+                <a:off x="3287791" y="8317266"/>
+                <a:ext cx="4165614" cy="369332"/>
+              </a:xfrm>
+              <a:prstGeom prst="rect">
+                <a:avLst/>
+              </a:prstGeom>
+              <a:blipFill>
+                <a:blip r:embed="rId12"/>
+                <a:stretch>
+                  <a:fillRect l="-1170" t="-8197" b="-24590"/>
+                </a:stretch>
+              </a:blipFill>
+            </p:spPr>
+            <p:txBody>
+              <a:bodyPr/>
+              <a:lstStyle/>
+              <a:p>
+                <a:r>
+                  <a:rPr lang="ja-JP" altLang="en-US">
+                    <a:noFill/>
+                  </a:rPr>
+                  <a:t> </a:t>
+                </a:r>
+              </a:p>
+            </p:txBody>
+          </p:sp>
+        </mc:Fallback>
+      </mc:AlternateContent>
     </p:spTree>
     <p:extLst>
       <p:ext uri="{BB962C8B-B14F-4D97-AF65-F5344CB8AC3E}">
@@ -21881,8 +21408,8 @@
             </p:nvSpPr>
             <p:spPr>
               <a:xfrm>
-                <a:off x="1697641" y="6404294"/>
-                <a:ext cx="9934304" cy="1942968"/>
+                <a:off x="1708974" y="7091345"/>
+                <a:ext cx="9323492" cy="1266757"/>
               </a:xfrm>
               <a:prstGeom prst="rect">
                 <a:avLst/>
@@ -21936,564 +21463,438 @@
                         </a:rPr>
                         <m:t>=</m:t>
                       </m:r>
-                      <m:d>
-                        <m:dPr>
-                          <m:begChr m:val="{"/>
-                          <m:endChr m:val=""/>
+                      <m:f>
+                        <m:fPr>
                           <m:ctrlPr>
-                            <a:rPr kumimoji="1" lang="en-US" altLang="ja-JP" sz="2000" b="0" i="1" smtClean="0">
+                            <a:rPr kumimoji="1" lang="en-US" altLang="ja-JP" sz="2000" i="1">
                               <a:latin typeface="Cambria Math" panose="02040503050406030204" pitchFamily="18" charset="0"/>
                             </a:rPr>
                           </m:ctrlPr>
-                        </m:dPr>
-                        <m:e>
-                          <m:eqArr>
-                            <m:eqArrPr>
+                        </m:fPr>
+                        <m:num>
+                          <m:sSup>
+                            <m:sSupPr>
                               <m:ctrlPr>
-                                <a:rPr kumimoji="1" lang="en-US" altLang="ja-JP" sz="2000" b="0" i="1" smtClean="0">
+                                <a:rPr kumimoji="1" lang="en-US" altLang="ja-JP" sz="2000" i="1">
                                   <a:latin typeface="Cambria Math" panose="02040503050406030204" pitchFamily="18" charset="0"/>
                                 </a:rPr>
                               </m:ctrlPr>
-                            </m:eqArrPr>
+                            </m:sSupPr>
                             <m:e>
-                              <m:sSub>
-                                <m:sSubPr>
+                              <m:d>
+                                <m:dPr>
                                   <m:ctrlPr>
                                     <a:rPr kumimoji="1" lang="en-US" altLang="ja-JP" sz="2000" i="1">
                                       <a:latin typeface="Cambria Math" panose="02040503050406030204" pitchFamily="18" charset="0"/>
                                     </a:rPr>
                                   </m:ctrlPr>
-                                </m:sSubPr>
+                                </m:dPr>
                                 <m:e>
-                                  <m:r>
-                                    <a:rPr kumimoji="1" lang="en-US" altLang="ja-JP" sz="2000" i="1">
-                                      <a:latin typeface="Cambria Math" panose="02040503050406030204" pitchFamily="18" charset="0"/>
-                                    </a:rPr>
-                                    <m:t>𝛼</m:t>
-                                  </m:r>
+                                  <m:f>
+                                    <m:fPr>
+                                      <m:ctrlPr>
+                                        <a:rPr kumimoji="1" lang="en-US" altLang="ja-JP" sz="2000" i="1">
+                                          <a:latin typeface="Cambria Math" panose="02040503050406030204" pitchFamily="18" charset="0"/>
+                                        </a:rPr>
+                                      </m:ctrlPr>
+                                    </m:fPr>
+                                    <m:num>
+                                      <m:sSub>
+                                        <m:sSubPr>
+                                          <m:ctrlPr>
+                                            <a:rPr kumimoji="1" lang="en-US" altLang="ja-JP" sz="2000" i="1">
+                                              <a:latin typeface="Cambria Math" panose="02040503050406030204" pitchFamily="18" charset="0"/>
+                                            </a:rPr>
+                                          </m:ctrlPr>
+                                        </m:sSubPr>
+                                        <m:e>
+                                          <m:r>
+                                            <a:rPr kumimoji="1" lang="en-US" altLang="ja-JP" sz="2000" i="1">
+                                              <a:latin typeface="Cambria Math" panose="02040503050406030204" pitchFamily="18" charset="0"/>
+                                            </a:rPr>
+                                            <m:t>𝐶</m:t>
+                                          </m:r>
+                                        </m:e>
+                                        <m:sub>
+                                          <m:r>
+                                            <a:rPr kumimoji="1" lang="en-US" altLang="ja-JP" sz="2000" i="1">
+                                              <a:latin typeface="Cambria Math" panose="02040503050406030204" pitchFamily="18" charset="0"/>
+                                            </a:rPr>
+                                            <m:t>𝐹</m:t>
+                                          </m:r>
+                                        </m:sub>
+                                      </m:sSub>
+                                      <m:sSub>
+                                        <m:sSubPr>
+                                          <m:ctrlPr>
+                                            <a:rPr kumimoji="1" lang="en-US" altLang="ja-JP" sz="2000" i="1">
+                                              <a:latin typeface="Cambria Math" panose="02040503050406030204" pitchFamily="18" charset="0"/>
+                                            </a:rPr>
+                                          </m:ctrlPr>
+                                        </m:sSubPr>
+                                        <m:e>
+                                          <m:r>
+                                            <a:rPr kumimoji="1" lang="en-US" altLang="ja-JP" sz="2000" i="1">
+                                              <a:latin typeface="Cambria Math" panose="02040503050406030204" pitchFamily="18" charset="0"/>
+                                            </a:rPr>
+                                            <m:t>𝛼</m:t>
+                                          </m:r>
+                                        </m:e>
+                                        <m:sub>
+                                          <m:r>
+                                            <a:rPr kumimoji="1" lang="en-US" altLang="ja-JP" sz="2000" i="1">
+                                              <a:latin typeface="Cambria Math" panose="02040503050406030204" pitchFamily="18" charset="0"/>
+                                            </a:rPr>
+                                            <m:t>𝑠𝑅𝐺𝐵</m:t>
+                                          </m:r>
+                                        </m:sub>
+                                      </m:sSub>
+                                      <m:r>
+                                        <a:rPr kumimoji="1" lang="en-US" altLang="ja-JP" sz="2000" i="1">
+                                          <a:latin typeface="Cambria Math" panose="02040503050406030204" pitchFamily="18" charset="0"/>
+                                        </a:rPr>
+                                        <m:t>+</m:t>
+                                      </m:r>
+                                      <m:sSub>
+                                        <m:sSubPr>
+                                          <m:ctrlPr>
+                                            <a:rPr kumimoji="1" lang="en-US" altLang="ja-JP" sz="2000" i="1">
+                                              <a:latin typeface="Cambria Math" panose="02040503050406030204" pitchFamily="18" charset="0"/>
+                                            </a:rPr>
+                                          </m:ctrlPr>
+                                        </m:sSubPr>
+                                        <m:e>
+                                          <m:r>
+                                            <a:rPr kumimoji="1" lang="en-US" altLang="ja-JP" sz="2000" i="1">
+                                              <a:latin typeface="Cambria Math" panose="02040503050406030204" pitchFamily="18" charset="0"/>
+                                            </a:rPr>
+                                            <m:t>𝐶</m:t>
+                                          </m:r>
+                                        </m:e>
+                                        <m:sub>
+                                          <m:r>
+                                            <a:rPr kumimoji="1" lang="en-US" altLang="ja-JP" sz="2000" i="1">
+                                              <a:latin typeface="Cambria Math" panose="02040503050406030204" pitchFamily="18" charset="0"/>
+                                            </a:rPr>
+                                            <m:t>𝐵</m:t>
+                                          </m:r>
+                                        </m:sub>
+                                      </m:sSub>
+                                      <m:r>
+                                        <a:rPr kumimoji="1" lang="en-US" altLang="ja-JP" sz="2000" i="1">
+                                          <a:latin typeface="Cambria Math" panose="02040503050406030204" pitchFamily="18" charset="0"/>
+                                        </a:rPr>
+                                        <m:t>(1−</m:t>
+                                      </m:r>
+                                      <m:sSub>
+                                        <m:sSubPr>
+                                          <m:ctrlPr>
+                                            <a:rPr kumimoji="1" lang="en-US" altLang="ja-JP" sz="2000" i="1">
+                                              <a:latin typeface="Cambria Math" panose="02040503050406030204" pitchFamily="18" charset="0"/>
+                                            </a:rPr>
+                                          </m:ctrlPr>
+                                        </m:sSubPr>
+                                        <m:e>
+                                          <m:r>
+                                            <a:rPr kumimoji="1" lang="en-US" altLang="ja-JP" sz="2000" i="1">
+                                              <a:latin typeface="Cambria Math" panose="02040503050406030204" pitchFamily="18" charset="0"/>
+                                            </a:rPr>
+                                            <m:t>𝛼</m:t>
+                                          </m:r>
+                                        </m:e>
+                                        <m:sub>
+                                          <m:r>
+                                            <a:rPr kumimoji="1" lang="en-US" altLang="ja-JP" sz="2000" i="1">
+                                              <a:latin typeface="Cambria Math" panose="02040503050406030204" pitchFamily="18" charset="0"/>
+                                            </a:rPr>
+                                            <m:t>𝑠𝑅𝐺𝐵</m:t>
+                                          </m:r>
+                                        </m:sub>
+                                      </m:sSub>
+                                      <m:r>
+                                        <a:rPr kumimoji="1" lang="en-US" altLang="ja-JP" sz="2000" i="1">
+                                          <a:latin typeface="Cambria Math" panose="02040503050406030204" pitchFamily="18" charset="0"/>
+                                        </a:rPr>
+                                        <m:t>)+0.055</m:t>
+                                      </m:r>
+                                    </m:num>
+                                    <m:den>
+                                      <m:r>
+                                        <a:rPr kumimoji="1" lang="en-US" altLang="ja-JP" sz="2000" i="1">
+                                          <a:latin typeface="Cambria Math" panose="02040503050406030204" pitchFamily="18" charset="0"/>
+                                        </a:rPr>
+                                        <m:t>1.055</m:t>
+                                      </m:r>
+                                    </m:den>
+                                  </m:f>
                                 </m:e>
-                                <m:sub>
-                                  <m:r>
-                                    <a:rPr kumimoji="1" lang="en-US" altLang="ja-JP" sz="2000" i="1">
-                                      <a:latin typeface="Cambria Math" panose="02040503050406030204" pitchFamily="18" charset="0"/>
-                                    </a:rPr>
-                                    <m:t>𝑠𝑅𝐺𝐵</m:t>
-                                  </m:r>
-                                </m:sub>
-                              </m:sSub>
+                              </m:d>
+                            </m:e>
+                            <m:sup>
                               <m:r>
-                                <a:rPr kumimoji="1" lang="en-US" altLang="ja-JP" sz="2000" b="0" i="1" smtClean="0">
-                                  <a:latin typeface="Cambria Math" panose="02040503050406030204" pitchFamily="18" charset="0"/>
-                                </a:rPr>
-                                <m:t>,                                                                                                       </m:t>
+                                <a:rPr kumimoji="1" lang="en-US" altLang="ja-JP" sz="2000" i="1">
+                                  <a:latin typeface="Cambria Math" panose="02040503050406030204" pitchFamily="18" charset="0"/>
+                                </a:rPr>
+                                <m:t>2.4</m:t>
                               </m:r>
-                              <m:sSub>
-                                <m:sSubPr>
-                                  <m:ctrlPr>
-                                    <a:rPr kumimoji="1" lang="en-US" altLang="ja-JP" sz="2000" b="0" i="1" smtClean="0">
-                                      <a:latin typeface="Cambria Math" panose="02040503050406030204" pitchFamily="18" charset="0"/>
-                                    </a:rPr>
-                                  </m:ctrlPr>
-                                </m:sSubPr>
-                                <m:e>
-                                  <m:r>
-                                    <a:rPr kumimoji="1" lang="en-US" altLang="ja-JP" sz="2000" b="0" i="1" smtClean="0">
-                                      <a:latin typeface="Cambria Math" panose="02040503050406030204" pitchFamily="18" charset="0"/>
-                                    </a:rPr>
-                                    <m:t>𝐶</m:t>
-                                  </m:r>
-                                </m:e>
-                                <m:sub>
-                                  <m:r>
-                                    <a:rPr kumimoji="1" lang="en-US" altLang="ja-JP" sz="2000" b="0" i="1" smtClean="0">
-                                      <a:latin typeface="Cambria Math" panose="02040503050406030204" pitchFamily="18" charset="0"/>
-                                    </a:rPr>
-                                    <m:t>𝑠𝑅𝐺𝐵</m:t>
-                                  </m:r>
-                                </m:sub>
-                              </m:sSub>
-                              <m:r>
-                                <a:rPr kumimoji="1" lang="en-US" altLang="ja-JP" sz="2000" b="0" i="1" smtClean="0">
-                                  <a:latin typeface="Cambria Math" panose="02040503050406030204" pitchFamily="18" charset="0"/>
-                                </a:rPr>
-                                <m:t>≤0.04050</m:t>
-                              </m:r>
-                            </m:e>
-                            <m:e/>
+                            </m:sup>
+                          </m:sSup>
+                          <m:r>
+                            <a:rPr kumimoji="1" lang="en-US" altLang="ja-JP" sz="2000" i="1">
+                              <a:latin typeface="Cambria Math" panose="02040503050406030204" pitchFamily="18" charset="0"/>
+                            </a:rPr>
+                            <m:t>−</m:t>
+                          </m:r>
+                          <m:sSup>
+                            <m:sSupPr>
+                              <m:ctrlPr>
+                                <a:rPr kumimoji="1" lang="en-US" altLang="ja-JP" sz="2000" i="1">
+                                  <a:latin typeface="Cambria Math" panose="02040503050406030204" pitchFamily="18" charset="0"/>
+                                </a:rPr>
+                              </m:ctrlPr>
+                            </m:sSupPr>
                             <m:e>
-                              <m:f>
-                                <m:fPr>
+                              <m:d>
+                                <m:dPr>
                                   <m:ctrlPr>
                                     <a:rPr kumimoji="1" lang="en-US" altLang="ja-JP" sz="2000" i="1">
                                       <a:latin typeface="Cambria Math" panose="02040503050406030204" pitchFamily="18" charset="0"/>
                                     </a:rPr>
                                   </m:ctrlPr>
-                                </m:fPr>
-                                <m:num>
-                                  <m:sSup>
-                                    <m:sSupPr>
+                                </m:dPr>
+                                <m:e>
+                                  <m:f>
+                                    <m:fPr>
                                       <m:ctrlPr>
                                         <a:rPr kumimoji="1" lang="en-US" altLang="ja-JP" sz="2000" i="1">
                                           <a:latin typeface="Cambria Math" panose="02040503050406030204" pitchFamily="18" charset="0"/>
                                         </a:rPr>
                                       </m:ctrlPr>
-                                    </m:sSupPr>
-                                    <m:e>
-                                      <m:d>
-                                        <m:dPr>
+                                    </m:fPr>
+                                    <m:num>
+                                      <m:sSub>
+                                        <m:sSubPr>
                                           <m:ctrlPr>
                                             <a:rPr kumimoji="1" lang="en-US" altLang="ja-JP" sz="2000" i="1">
                                               <a:latin typeface="Cambria Math" panose="02040503050406030204" pitchFamily="18" charset="0"/>
                                             </a:rPr>
                                           </m:ctrlPr>
-                                        </m:dPr>
+                                        </m:sSubPr>
                                         <m:e>
-                                          <m:f>
-                                            <m:fPr>
-                                              <m:ctrlPr>
-                                                <a:rPr kumimoji="1" lang="en-US" altLang="ja-JP" sz="2000" i="1">
-                                                  <a:latin typeface="Cambria Math" panose="02040503050406030204" pitchFamily="18" charset="0"/>
-                                                </a:rPr>
-                                              </m:ctrlPr>
-                                            </m:fPr>
-                                            <m:num>
-                                              <m:sSub>
-                                                <m:sSubPr>
-                                                  <m:ctrlPr>
-                                                    <a:rPr kumimoji="1" lang="en-US" altLang="ja-JP" sz="2000" i="1">
-                                                      <a:latin typeface="Cambria Math" panose="02040503050406030204" pitchFamily="18" charset="0"/>
-                                                    </a:rPr>
-                                                  </m:ctrlPr>
-                                                </m:sSubPr>
-                                                <m:e>
-                                                  <m:r>
-                                                    <a:rPr kumimoji="1" lang="en-US" altLang="ja-JP" sz="2000" i="1">
-                                                      <a:latin typeface="Cambria Math" panose="02040503050406030204" pitchFamily="18" charset="0"/>
-                                                    </a:rPr>
-                                                    <m:t>𝐶</m:t>
-                                                  </m:r>
-                                                </m:e>
-                                                <m:sub>
-                                                  <m:r>
-                                                    <a:rPr kumimoji="1" lang="en-US" altLang="ja-JP" sz="2000" b="0" i="1" smtClean="0">
-                                                      <a:latin typeface="Cambria Math" panose="02040503050406030204" pitchFamily="18" charset="0"/>
-                                                    </a:rPr>
-                                                    <m:t>𝐹</m:t>
-                                                  </m:r>
-                                                </m:sub>
-                                              </m:sSub>
-                                              <m:sSub>
-                                                <m:sSubPr>
-                                                  <m:ctrlPr>
-                                                    <a:rPr kumimoji="1" lang="en-US" altLang="ja-JP" sz="2000" i="1">
-                                                      <a:latin typeface="Cambria Math" panose="02040503050406030204" pitchFamily="18" charset="0"/>
-                                                    </a:rPr>
-                                                  </m:ctrlPr>
-                                                </m:sSubPr>
-                                                <m:e>
-                                                  <m:r>
-                                                    <a:rPr kumimoji="1" lang="en-US" altLang="ja-JP" sz="2000" i="1">
-                                                      <a:latin typeface="Cambria Math" panose="02040503050406030204" pitchFamily="18" charset="0"/>
-                                                    </a:rPr>
-                                                    <m:t>𝛼</m:t>
-                                                  </m:r>
-                                                </m:e>
-                                                <m:sub>
-                                                  <m:r>
-                                                    <a:rPr kumimoji="1" lang="en-US" altLang="ja-JP" sz="2000" i="1">
-                                                      <a:latin typeface="Cambria Math" panose="02040503050406030204" pitchFamily="18" charset="0"/>
-                                                    </a:rPr>
-                                                    <m:t>𝑠𝑅𝐺𝐵</m:t>
-                                                  </m:r>
-                                                </m:sub>
-                                              </m:sSub>
-                                              <m:r>
-                                                <a:rPr kumimoji="1" lang="en-US" altLang="ja-JP" sz="2000" i="1">
-                                                  <a:latin typeface="Cambria Math" panose="02040503050406030204" pitchFamily="18" charset="0"/>
-                                                </a:rPr>
-                                                <m:t>+</m:t>
-                                              </m:r>
-                                              <m:sSub>
-                                                <m:sSubPr>
-                                                  <m:ctrlPr>
-                                                    <a:rPr kumimoji="1" lang="en-US" altLang="ja-JP" sz="2000" i="1">
-                                                      <a:latin typeface="Cambria Math" panose="02040503050406030204" pitchFamily="18" charset="0"/>
-                                                    </a:rPr>
-                                                  </m:ctrlPr>
-                                                </m:sSubPr>
-                                                <m:e>
-                                                  <m:r>
-                                                    <a:rPr kumimoji="1" lang="en-US" altLang="ja-JP" sz="2000" i="1">
-                                                      <a:latin typeface="Cambria Math" panose="02040503050406030204" pitchFamily="18" charset="0"/>
-                                                    </a:rPr>
-                                                    <m:t>𝐶</m:t>
-                                                  </m:r>
-                                                </m:e>
-                                                <m:sub>
-                                                  <m:r>
-                                                    <a:rPr kumimoji="1" lang="en-US" altLang="ja-JP" sz="2000" b="0" i="1" smtClean="0">
-                                                      <a:latin typeface="Cambria Math" panose="02040503050406030204" pitchFamily="18" charset="0"/>
-                                                    </a:rPr>
-                                                    <m:t>𝐵</m:t>
-                                                  </m:r>
-                                                </m:sub>
-                                              </m:sSub>
-                                              <m:r>
-                                                <a:rPr kumimoji="1" lang="en-US" altLang="ja-JP" sz="2000" i="1">
-                                                  <a:latin typeface="Cambria Math" panose="02040503050406030204" pitchFamily="18" charset="0"/>
-                                                </a:rPr>
-                                                <m:t>(1−</m:t>
-                                              </m:r>
-                                              <m:sSub>
-                                                <m:sSubPr>
-                                                  <m:ctrlPr>
-                                                    <a:rPr kumimoji="1" lang="en-US" altLang="ja-JP" sz="2000" i="1">
-                                                      <a:latin typeface="Cambria Math" panose="02040503050406030204" pitchFamily="18" charset="0"/>
-                                                    </a:rPr>
-                                                  </m:ctrlPr>
-                                                </m:sSubPr>
-                                                <m:e>
-                                                  <m:r>
-                                                    <a:rPr kumimoji="1" lang="en-US" altLang="ja-JP" sz="2000" i="1">
-                                                      <a:latin typeface="Cambria Math" panose="02040503050406030204" pitchFamily="18" charset="0"/>
-                                                    </a:rPr>
-                                                    <m:t>𝛼</m:t>
-                                                  </m:r>
-                                                </m:e>
-                                                <m:sub>
-                                                  <m:r>
-                                                    <a:rPr kumimoji="1" lang="en-US" altLang="ja-JP" sz="2000" i="1">
-                                                      <a:latin typeface="Cambria Math" panose="02040503050406030204" pitchFamily="18" charset="0"/>
-                                                    </a:rPr>
-                                                    <m:t>𝑠𝑅𝐺𝐵</m:t>
-                                                  </m:r>
-                                                </m:sub>
-                                              </m:sSub>
-                                              <m:r>
-                                                <a:rPr kumimoji="1" lang="en-US" altLang="ja-JP" sz="2000" i="1">
-                                                  <a:latin typeface="Cambria Math" panose="02040503050406030204" pitchFamily="18" charset="0"/>
-                                                </a:rPr>
-                                                <m:t>)+0.055</m:t>
-                                              </m:r>
-                                            </m:num>
-                                            <m:den>
-                                              <m:r>
-                                                <a:rPr kumimoji="1" lang="en-US" altLang="ja-JP" sz="2000" i="1">
-                                                  <a:latin typeface="Cambria Math" panose="02040503050406030204" pitchFamily="18" charset="0"/>
-                                                </a:rPr>
-                                                <m:t>1.055</m:t>
-                                              </m:r>
-                                            </m:den>
-                                          </m:f>
+                                          <m:r>
+                                            <a:rPr kumimoji="1" lang="en-US" altLang="ja-JP" sz="2000" i="1">
+                                              <a:latin typeface="Cambria Math" panose="02040503050406030204" pitchFamily="18" charset="0"/>
+                                            </a:rPr>
+                                            <m:t>𝐶</m:t>
+                                          </m:r>
                                         </m:e>
-                                      </m:d>
-                                    </m:e>
-                                    <m:sup>
+                                        <m:sub>
+                                          <m:r>
+                                            <a:rPr kumimoji="1" lang="en-US" altLang="ja-JP" sz="2000" i="1">
+                                              <a:latin typeface="Cambria Math" panose="02040503050406030204" pitchFamily="18" charset="0"/>
+                                            </a:rPr>
+                                            <m:t>𝐵</m:t>
+                                          </m:r>
+                                        </m:sub>
+                                      </m:sSub>
                                       <m:r>
                                         <a:rPr kumimoji="1" lang="en-US" altLang="ja-JP" sz="2000" i="1">
                                           <a:latin typeface="Cambria Math" panose="02040503050406030204" pitchFamily="18" charset="0"/>
                                         </a:rPr>
-                                        <m:t>2.4</m:t>
+                                        <m:t>+0.055</m:t>
                                       </m:r>
-                                    </m:sup>
-                                  </m:sSup>
-                                  <m:r>
-                                    <a:rPr kumimoji="1" lang="en-US" altLang="ja-JP" sz="2000" b="0" i="1" smtClean="0">
+                                    </m:num>
+                                    <m:den>
+                                      <m:r>
+                                        <a:rPr kumimoji="1" lang="en-US" altLang="ja-JP" sz="2000" i="1">
+                                          <a:latin typeface="Cambria Math" panose="02040503050406030204" pitchFamily="18" charset="0"/>
+                                        </a:rPr>
+                                        <m:t>1.055</m:t>
+                                      </m:r>
+                                    </m:den>
+                                  </m:f>
+                                </m:e>
+                              </m:d>
+                            </m:e>
+                            <m:sup>
+                              <m:r>
+                                <a:rPr kumimoji="1" lang="en-US" altLang="ja-JP" sz="2000" i="1">
+                                  <a:latin typeface="Cambria Math" panose="02040503050406030204" pitchFamily="18" charset="0"/>
+                                </a:rPr>
+                                <m:t>2.4</m:t>
+                              </m:r>
+                            </m:sup>
+                          </m:sSup>
+                        </m:num>
+                        <m:den>
+                          <m:sSup>
+                            <m:sSupPr>
+                              <m:ctrlPr>
+                                <a:rPr kumimoji="1" lang="en-US" altLang="ja-JP" sz="2000" i="1">
+                                  <a:latin typeface="Cambria Math" panose="02040503050406030204" pitchFamily="18" charset="0"/>
+                                </a:rPr>
+                              </m:ctrlPr>
+                            </m:sSupPr>
+                            <m:e>
+                              <m:d>
+                                <m:dPr>
+                                  <m:ctrlPr>
+                                    <a:rPr kumimoji="1" lang="en-US" altLang="ja-JP" sz="2000" i="1">
                                       <a:latin typeface="Cambria Math" panose="02040503050406030204" pitchFamily="18" charset="0"/>
                                     </a:rPr>
-                                    <m:t>−</m:t>
-                                  </m:r>
-                                  <m:sSup>
-                                    <m:sSupPr>
+                                  </m:ctrlPr>
+                                </m:dPr>
+                                <m:e>
+                                  <m:f>
+                                    <m:fPr>
                                       <m:ctrlPr>
                                         <a:rPr kumimoji="1" lang="en-US" altLang="ja-JP" sz="2000" i="1">
                                           <a:latin typeface="Cambria Math" panose="02040503050406030204" pitchFamily="18" charset="0"/>
                                         </a:rPr>
                                       </m:ctrlPr>
-                                    </m:sSupPr>
-                                    <m:e>
-                                      <m:d>
-                                        <m:dPr>
+                                    </m:fPr>
+                                    <m:num>
+                                      <m:sSub>
+                                        <m:sSubPr>
                                           <m:ctrlPr>
                                             <a:rPr kumimoji="1" lang="en-US" altLang="ja-JP" sz="2000" i="1">
                                               <a:latin typeface="Cambria Math" panose="02040503050406030204" pitchFamily="18" charset="0"/>
                                             </a:rPr>
                                           </m:ctrlPr>
-                                        </m:dPr>
+                                        </m:sSubPr>
                                         <m:e>
-                                          <m:f>
-                                            <m:fPr>
-                                              <m:ctrlPr>
-                                                <a:rPr kumimoji="1" lang="en-US" altLang="ja-JP" sz="2000" i="1">
-                                                  <a:latin typeface="Cambria Math" panose="02040503050406030204" pitchFamily="18" charset="0"/>
-                                                </a:rPr>
-                                              </m:ctrlPr>
-                                            </m:fPr>
-                                            <m:num>
-                                              <m:sSub>
-                                                <m:sSubPr>
-                                                  <m:ctrlPr>
-                                                    <a:rPr kumimoji="1" lang="en-US" altLang="ja-JP" sz="2000" b="0" i="1" smtClean="0">
-                                                      <a:latin typeface="Cambria Math" panose="02040503050406030204" pitchFamily="18" charset="0"/>
-                                                    </a:rPr>
-                                                  </m:ctrlPr>
-                                                </m:sSubPr>
-                                                <m:e>
-                                                  <m:r>
-                                                    <a:rPr kumimoji="1" lang="en-US" altLang="ja-JP" sz="2000" b="0" i="1" smtClean="0">
-                                                      <a:latin typeface="Cambria Math" panose="02040503050406030204" pitchFamily="18" charset="0"/>
-                                                    </a:rPr>
-                                                    <m:t>𝐶</m:t>
-                                                  </m:r>
-                                                </m:e>
-                                                <m:sub>
-                                                  <m:r>
-                                                    <a:rPr kumimoji="1" lang="en-US" altLang="ja-JP" sz="2000" b="0" i="1" smtClean="0">
-                                                      <a:latin typeface="Cambria Math" panose="02040503050406030204" pitchFamily="18" charset="0"/>
-                                                    </a:rPr>
-                                                    <m:t>𝐵</m:t>
-                                                  </m:r>
-                                                </m:sub>
-                                              </m:sSub>
-                                              <m:r>
-                                                <a:rPr kumimoji="1" lang="en-US" altLang="ja-JP" sz="2000" i="1">
-                                                  <a:latin typeface="Cambria Math" panose="02040503050406030204" pitchFamily="18" charset="0"/>
-                                                </a:rPr>
-                                                <m:t>+0.055</m:t>
-                                              </m:r>
-                                            </m:num>
-                                            <m:den>
-                                              <m:r>
-                                                <a:rPr kumimoji="1" lang="en-US" altLang="ja-JP" sz="2000" i="1">
-                                                  <a:latin typeface="Cambria Math" panose="02040503050406030204" pitchFamily="18" charset="0"/>
-                                                </a:rPr>
-                                                <m:t>1.055</m:t>
-                                              </m:r>
-                                            </m:den>
-                                          </m:f>
+                                          <m:r>
+                                            <a:rPr kumimoji="1" lang="en-US" altLang="ja-JP" sz="2000" i="1">
+                                              <a:latin typeface="Cambria Math" panose="02040503050406030204" pitchFamily="18" charset="0"/>
+                                            </a:rPr>
+                                            <m:t>𝐶</m:t>
+                                          </m:r>
                                         </m:e>
-                                      </m:d>
-                                    </m:e>
-                                    <m:sup>
+                                        <m:sub>
+                                          <m:r>
+                                            <a:rPr kumimoji="1" lang="en-US" altLang="ja-JP" sz="2000" i="1">
+                                              <a:latin typeface="Cambria Math" panose="02040503050406030204" pitchFamily="18" charset="0"/>
+                                            </a:rPr>
+                                            <m:t>𝐹</m:t>
+                                          </m:r>
+                                        </m:sub>
+                                      </m:sSub>
                                       <m:r>
                                         <a:rPr kumimoji="1" lang="en-US" altLang="ja-JP" sz="2000" i="1">
                                           <a:latin typeface="Cambria Math" panose="02040503050406030204" pitchFamily="18" charset="0"/>
                                         </a:rPr>
-                                        <m:t>2.4</m:t>
+                                        <m:t>+0.055</m:t>
                                       </m:r>
-                                    </m:sup>
-                                  </m:sSup>
-                                </m:num>
-                                <m:den>
-                                  <m:sSup>
-                                    <m:sSupPr>
+                                    </m:num>
+                                    <m:den>
+                                      <m:r>
+                                        <a:rPr kumimoji="1" lang="en-US" altLang="ja-JP" sz="2000" i="1">
+                                          <a:latin typeface="Cambria Math" panose="02040503050406030204" pitchFamily="18" charset="0"/>
+                                        </a:rPr>
+                                        <m:t>1.055</m:t>
+                                      </m:r>
+                                    </m:den>
+                                  </m:f>
+                                </m:e>
+                              </m:d>
+                            </m:e>
+                            <m:sup>
+                              <m:r>
+                                <a:rPr kumimoji="1" lang="en-US" altLang="ja-JP" sz="2000" i="1">
+                                  <a:latin typeface="Cambria Math" panose="02040503050406030204" pitchFamily="18" charset="0"/>
+                                </a:rPr>
+                                <m:t>2.4</m:t>
+                              </m:r>
+                            </m:sup>
+                          </m:sSup>
+                          <m:r>
+                            <a:rPr kumimoji="1" lang="en-US" altLang="ja-JP" sz="2000" i="1">
+                              <a:latin typeface="Cambria Math" panose="02040503050406030204" pitchFamily="18" charset="0"/>
+                            </a:rPr>
+                            <m:t>−</m:t>
+                          </m:r>
+                          <m:sSup>
+                            <m:sSupPr>
+                              <m:ctrlPr>
+                                <a:rPr kumimoji="1" lang="en-US" altLang="ja-JP" sz="2000" i="1">
+                                  <a:latin typeface="Cambria Math" panose="02040503050406030204" pitchFamily="18" charset="0"/>
+                                </a:rPr>
+                              </m:ctrlPr>
+                            </m:sSupPr>
+                            <m:e>
+                              <m:d>
+                                <m:dPr>
+                                  <m:ctrlPr>
+                                    <a:rPr kumimoji="1" lang="en-US" altLang="ja-JP" sz="2000" i="1">
+                                      <a:latin typeface="Cambria Math" panose="02040503050406030204" pitchFamily="18" charset="0"/>
+                                    </a:rPr>
+                                  </m:ctrlPr>
+                                </m:dPr>
+                                <m:e>
+                                  <m:f>
+                                    <m:fPr>
                                       <m:ctrlPr>
                                         <a:rPr kumimoji="1" lang="en-US" altLang="ja-JP" sz="2000" i="1">
                                           <a:latin typeface="Cambria Math" panose="02040503050406030204" pitchFamily="18" charset="0"/>
                                         </a:rPr>
                                       </m:ctrlPr>
-                                    </m:sSupPr>
-                                    <m:e>
-                                      <m:d>
-                                        <m:dPr>
+                                    </m:fPr>
+                                    <m:num>
+                                      <m:sSub>
+                                        <m:sSubPr>
                                           <m:ctrlPr>
                                             <a:rPr kumimoji="1" lang="en-US" altLang="ja-JP" sz="2000" i="1">
                                               <a:latin typeface="Cambria Math" panose="02040503050406030204" pitchFamily="18" charset="0"/>
                                             </a:rPr>
                                           </m:ctrlPr>
-                                        </m:dPr>
+                                        </m:sSubPr>
                                         <m:e>
-                                          <m:f>
-                                            <m:fPr>
-                                              <m:ctrlPr>
-                                                <a:rPr kumimoji="1" lang="en-US" altLang="ja-JP" sz="2000" i="1">
-                                                  <a:latin typeface="Cambria Math" panose="02040503050406030204" pitchFamily="18" charset="0"/>
-                                                </a:rPr>
-                                              </m:ctrlPr>
-                                            </m:fPr>
-                                            <m:num>
-                                              <m:sSub>
-                                                <m:sSubPr>
-                                                  <m:ctrlPr>
-                                                    <a:rPr kumimoji="1" lang="en-US" altLang="ja-JP" sz="2000" i="1">
-                                                      <a:latin typeface="Cambria Math" panose="02040503050406030204" pitchFamily="18" charset="0"/>
-                                                    </a:rPr>
-                                                  </m:ctrlPr>
-                                                </m:sSubPr>
-                                                <m:e>
-                                                  <m:r>
-                                                    <a:rPr kumimoji="1" lang="en-US" altLang="ja-JP" sz="2000" i="1">
-                                                      <a:latin typeface="Cambria Math" panose="02040503050406030204" pitchFamily="18" charset="0"/>
-                                                    </a:rPr>
-                                                    <m:t>𝐶</m:t>
-                                                  </m:r>
-                                                </m:e>
-                                                <m:sub>
-                                                  <m:r>
-                                                    <a:rPr kumimoji="1" lang="en-US" altLang="ja-JP" sz="2000" b="0" i="1" smtClean="0">
-                                                      <a:latin typeface="Cambria Math" panose="02040503050406030204" pitchFamily="18" charset="0"/>
-                                                    </a:rPr>
-                                                    <m:t>𝐹</m:t>
-                                                  </m:r>
-                                                </m:sub>
-                                              </m:sSub>
-                                              <m:r>
-                                                <a:rPr kumimoji="1" lang="en-US" altLang="ja-JP" sz="2000" i="1">
-                                                  <a:latin typeface="Cambria Math" panose="02040503050406030204" pitchFamily="18" charset="0"/>
-                                                </a:rPr>
-                                                <m:t>+0.055</m:t>
-                                              </m:r>
-                                            </m:num>
-                                            <m:den>
-                                              <m:r>
-                                                <a:rPr kumimoji="1" lang="en-US" altLang="ja-JP" sz="2000" i="1">
-                                                  <a:latin typeface="Cambria Math" panose="02040503050406030204" pitchFamily="18" charset="0"/>
-                                                </a:rPr>
-                                                <m:t>1.055</m:t>
-                                              </m:r>
-                                            </m:den>
-                                          </m:f>
+                                          <m:r>
+                                            <a:rPr kumimoji="1" lang="en-US" altLang="ja-JP" sz="2000" i="1">
+                                              <a:latin typeface="Cambria Math" panose="02040503050406030204" pitchFamily="18" charset="0"/>
+                                            </a:rPr>
+                                            <m:t>𝐶</m:t>
+                                          </m:r>
                                         </m:e>
-                                      </m:d>
-                                    </m:e>
-                                    <m:sup>
+                                        <m:sub>
+                                          <m:r>
+                                            <a:rPr kumimoji="1" lang="en-US" altLang="ja-JP" sz="2000" i="1">
+                                              <a:latin typeface="Cambria Math" panose="02040503050406030204" pitchFamily="18" charset="0"/>
+                                            </a:rPr>
+                                            <m:t>𝐵</m:t>
+                                          </m:r>
+                                        </m:sub>
+                                      </m:sSub>
                                       <m:r>
                                         <a:rPr kumimoji="1" lang="en-US" altLang="ja-JP" sz="2000" i="1">
                                           <a:latin typeface="Cambria Math" panose="02040503050406030204" pitchFamily="18" charset="0"/>
                                         </a:rPr>
-                                        <m:t>2.4</m:t>
+                                        <m:t>+0.055</m:t>
                                       </m:r>
-                                    </m:sup>
-                                  </m:sSup>
-                                  <m:r>
-                                    <a:rPr kumimoji="1" lang="en-US" altLang="ja-JP" sz="2000" i="1">
-                                      <a:latin typeface="Cambria Math" panose="02040503050406030204" pitchFamily="18" charset="0"/>
-                                    </a:rPr>
-                                    <m:t>−</m:t>
-                                  </m:r>
-                                  <m:sSup>
-                                    <m:sSupPr>
-                                      <m:ctrlPr>
-                                        <a:rPr kumimoji="1" lang="en-US" altLang="ja-JP" sz="2000" i="1">
-                                          <a:latin typeface="Cambria Math" panose="02040503050406030204" pitchFamily="18" charset="0"/>
-                                        </a:rPr>
-                                      </m:ctrlPr>
-                                    </m:sSupPr>
-                                    <m:e>
-                                      <m:d>
-                                        <m:dPr>
-                                          <m:ctrlPr>
-                                            <a:rPr kumimoji="1" lang="en-US" altLang="ja-JP" sz="2000" i="1">
-                                              <a:latin typeface="Cambria Math" panose="02040503050406030204" pitchFamily="18" charset="0"/>
-                                            </a:rPr>
-                                          </m:ctrlPr>
-                                        </m:dPr>
-                                        <m:e>
-                                          <m:f>
-                                            <m:fPr>
-                                              <m:ctrlPr>
-                                                <a:rPr kumimoji="1" lang="en-US" altLang="ja-JP" sz="2000" i="1">
-                                                  <a:latin typeface="Cambria Math" panose="02040503050406030204" pitchFamily="18" charset="0"/>
-                                                </a:rPr>
-                                              </m:ctrlPr>
-                                            </m:fPr>
-                                            <m:num>
-                                              <m:sSub>
-                                                <m:sSubPr>
-                                                  <m:ctrlPr>
-                                                    <a:rPr kumimoji="1" lang="en-US" altLang="ja-JP" sz="2000" i="1">
-                                                      <a:latin typeface="Cambria Math" panose="02040503050406030204" pitchFamily="18" charset="0"/>
-                                                    </a:rPr>
-                                                  </m:ctrlPr>
-                                                </m:sSubPr>
-                                                <m:e>
-                                                  <m:r>
-                                                    <a:rPr kumimoji="1" lang="en-US" altLang="ja-JP" sz="2000" i="1">
-                                                      <a:latin typeface="Cambria Math" panose="02040503050406030204" pitchFamily="18" charset="0"/>
-                                                    </a:rPr>
-                                                    <m:t>𝐶</m:t>
-                                                  </m:r>
-                                                </m:e>
-                                                <m:sub>
-                                                  <m:r>
-                                                    <a:rPr kumimoji="1" lang="en-US" altLang="ja-JP" sz="2000" i="1">
-                                                      <a:latin typeface="Cambria Math" panose="02040503050406030204" pitchFamily="18" charset="0"/>
-                                                    </a:rPr>
-                                                    <m:t>𝐵</m:t>
-                                                  </m:r>
-                                                </m:sub>
-                                              </m:sSub>
-                                              <m:r>
-                                                <a:rPr kumimoji="1" lang="en-US" altLang="ja-JP" sz="2000" i="1">
-                                                  <a:latin typeface="Cambria Math" panose="02040503050406030204" pitchFamily="18" charset="0"/>
-                                                </a:rPr>
-                                                <m:t>+0.055</m:t>
-                                              </m:r>
-                                            </m:num>
-                                            <m:den>
-                                              <m:r>
-                                                <a:rPr kumimoji="1" lang="en-US" altLang="ja-JP" sz="2000" i="1">
-                                                  <a:latin typeface="Cambria Math" panose="02040503050406030204" pitchFamily="18" charset="0"/>
-                                                </a:rPr>
-                                                <m:t>1.055</m:t>
-                                              </m:r>
-                                            </m:den>
-                                          </m:f>
-                                        </m:e>
-                                      </m:d>
-                                    </m:e>
-                                    <m:sup>
+                                    </m:num>
+                                    <m:den>
                                       <m:r>
                                         <a:rPr kumimoji="1" lang="en-US" altLang="ja-JP" sz="2000" i="1">
                                           <a:latin typeface="Cambria Math" panose="02040503050406030204" pitchFamily="18" charset="0"/>
                                         </a:rPr>
-                                        <m:t>2.4</m:t>
+                                        <m:t>1.055</m:t>
                                       </m:r>
-                                    </m:sup>
-                                  </m:sSup>
-                                </m:den>
-                              </m:f>
+                                    </m:den>
+                                  </m:f>
+                                </m:e>
+                              </m:d>
+                            </m:e>
+                            <m:sup>
                               <m:r>
-                                <a:rPr kumimoji="1" lang="en-US" altLang="ja-JP" sz="2000" b="0" i="1" smtClean="0">
-                                  <a:latin typeface="Cambria Math" panose="02040503050406030204" pitchFamily="18" charset="0"/>
-                                </a:rPr>
-                                <m:t>,  </m:t>
+                                <a:rPr kumimoji="1" lang="en-US" altLang="ja-JP" sz="2000" i="1">
+                                  <a:latin typeface="Cambria Math" panose="02040503050406030204" pitchFamily="18" charset="0"/>
+                                </a:rPr>
+                                <m:t>2.4</m:t>
                               </m:r>
-                              <m:sSub>
-                                <m:sSubPr>
-                                  <m:ctrlPr>
-                                    <a:rPr kumimoji="1" lang="en-US" altLang="ja-JP" sz="2000" i="1">
-                                      <a:latin typeface="Cambria Math" panose="02040503050406030204" pitchFamily="18" charset="0"/>
-                                    </a:rPr>
-                                  </m:ctrlPr>
-                                </m:sSubPr>
-                                <m:e>
-                                  <m:r>
-                                    <a:rPr kumimoji="1" lang="en-US" altLang="ja-JP" sz="2000" i="1">
-                                      <a:latin typeface="Cambria Math" panose="02040503050406030204" pitchFamily="18" charset="0"/>
-                                    </a:rPr>
-                                    <m:t>𝐶</m:t>
-                                  </m:r>
-                                </m:e>
-                                <m:sub>
-                                  <m:r>
-                                    <a:rPr kumimoji="1" lang="en-US" altLang="ja-JP" sz="2000" i="1">
-                                      <a:latin typeface="Cambria Math" panose="02040503050406030204" pitchFamily="18" charset="0"/>
-                                    </a:rPr>
-                                    <m:t>𝑠𝑅𝐺𝐵</m:t>
-                                  </m:r>
-                                </m:sub>
-                              </m:sSub>
-                              <m:r>
-                                <a:rPr kumimoji="1" lang="en-US" altLang="ja-JP" sz="2000" b="0" i="1" smtClean="0">
-                                  <a:latin typeface="Cambria Math" panose="02040503050406030204" pitchFamily="18" charset="0"/>
-                                </a:rPr>
-                                <m:t>&gt;0.04050</m:t>
-                              </m:r>
-                            </m:e>
-                          </m:eqArr>
-                        </m:e>
-                      </m:d>
+                            </m:sup>
+                          </m:sSup>
+                        </m:den>
+                      </m:f>
                     </m:oMath>
                   </m:oMathPara>
                 </a14:m>
@@ -22519,8 +21920,8 @@
             </p:nvSpPr>
             <p:spPr>
               <a:xfrm>
-                <a:off x="1697641" y="6404294"/>
-                <a:ext cx="9934304" cy="1942968"/>
+                <a:off x="1708974" y="7091345"/>
+                <a:ext cx="9323492" cy="1266757"/>
               </a:xfrm>
               <a:prstGeom prst="rect">
                 <a:avLst/>
